--- a/examples/figures/wind_forecasting_figs [Autosaved].pptx
+++ b/examples/figures/wind_forecasting_figs [Autosaved].pptx
@@ -6,6 +6,7 @@
   </p:sldMasterIdLst>
   <p:sldIdLst>
     <p:sldId id="256" r:id="rId2"/>
+    <p:sldId id="257" r:id="rId3"/>
   </p:sldIdLst>
   <p:sldSz cx="12192000" cy="6858000"/>
   <p:notesSz cx="6858000" cy="9144000"/>
@@ -259,7 +260,7 @@
           <a:p>
             <a:fld id="{09A208B9-A1FD-A545-84FD-D19EFD3032C3}" type="datetimeFigureOut">
               <a:rPr lang="en-US" smtClean="0"/>
-              <a:t>2/17/25</a:t>
+              <a:t>3/3/25</a:t>
             </a:fld>
             <a:endParaRPr lang="en-US"/>
           </a:p>
@@ -457,7 +458,7 @@
           <a:p>
             <a:fld id="{09A208B9-A1FD-A545-84FD-D19EFD3032C3}" type="datetimeFigureOut">
               <a:rPr lang="en-US" smtClean="0"/>
-              <a:t>2/17/25</a:t>
+              <a:t>3/3/25</a:t>
             </a:fld>
             <a:endParaRPr lang="en-US"/>
           </a:p>
@@ -665,7 +666,7 @@
           <a:p>
             <a:fld id="{09A208B9-A1FD-A545-84FD-D19EFD3032C3}" type="datetimeFigureOut">
               <a:rPr lang="en-US" smtClean="0"/>
-              <a:t>2/17/25</a:t>
+              <a:t>3/3/25</a:t>
             </a:fld>
             <a:endParaRPr lang="en-US"/>
           </a:p>
@@ -863,7 +864,7 @@
           <a:p>
             <a:fld id="{09A208B9-A1FD-A545-84FD-D19EFD3032C3}" type="datetimeFigureOut">
               <a:rPr lang="en-US" smtClean="0"/>
-              <a:t>2/17/25</a:t>
+              <a:t>3/3/25</a:t>
             </a:fld>
             <a:endParaRPr lang="en-US"/>
           </a:p>
@@ -1138,7 +1139,7 @@
           <a:p>
             <a:fld id="{09A208B9-A1FD-A545-84FD-D19EFD3032C3}" type="datetimeFigureOut">
               <a:rPr lang="en-US" smtClean="0"/>
-              <a:t>2/17/25</a:t>
+              <a:t>3/3/25</a:t>
             </a:fld>
             <a:endParaRPr lang="en-US"/>
           </a:p>
@@ -1403,7 +1404,7 @@
           <a:p>
             <a:fld id="{09A208B9-A1FD-A545-84FD-D19EFD3032C3}" type="datetimeFigureOut">
               <a:rPr lang="en-US" smtClean="0"/>
-              <a:t>2/17/25</a:t>
+              <a:t>3/3/25</a:t>
             </a:fld>
             <a:endParaRPr lang="en-US"/>
           </a:p>
@@ -1815,7 +1816,7 @@
           <a:p>
             <a:fld id="{09A208B9-A1FD-A545-84FD-D19EFD3032C3}" type="datetimeFigureOut">
               <a:rPr lang="en-US" smtClean="0"/>
-              <a:t>2/17/25</a:t>
+              <a:t>3/3/25</a:t>
             </a:fld>
             <a:endParaRPr lang="en-US"/>
           </a:p>
@@ -1956,7 +1957,7 @@
           <a:p>
             <a:fld id="{09A208B9-A1FD-A545-84FD-D19EFD3032C3}" type="datetimeFigureOut">
               <a:rPr lang="en-US" smtClean="0"/>
-              <a:t>2/17/25</a:t>
+              <a:t>3/3/25</a:t>
             </a:fld>
             <a:endParaRPr lang="en-US"/>
           </a:p>
@@ -2069,7 +2070,7 @@
           <a:p>
             <a:fld id="{09A208B9-A1FD-A545-84FD-D19EFD3032C3}" type="datetimeFigureOut">
               <a:rPr lang="en-US" smtClean="0"/>
-              <a:t>2/17/25</a:t>
+              <a:t>3/3/25</a:t>
             </a:fld>
             <a:endParaRPr lang="en-US"/>
           </a:p>
@@ -2380,7 +2381,7 @@
           <a:p>
             <a:fld id="{09A208B9-A1FD-A545-84FD-D19EFD3032C3}" type="datetimeFigureOut">
               <a:rPr lang="en-US" smtClean="0"/>
-              <a:t>2/17/25</a:t>
+              <a:t>3/3/25</a:t>
             </a:fld>
             <a:endParaRPr lang="en-US"/>
           </a:p>
@@ -2668,7 +2669,7 @@
           <a:p>
             <a:fld id="{09A208B9-A1FD-A545-84FD-D19EFD3032C3}" type="datetimeFigureOut">
               <a:rPr lang="en-US" smtClean="0"/>
-              <a:t>2/17/25</a:t>
+              <a:t>3/3/25</a:t>
             </a:fld>
             <a:endParaRPr lang="en-US"/>
           </a:p>
@@ -2909,7 +2910,7 @@
           <a:p>
             <a:fld id="{09A208B9-A1FD-A545-84FD-D19EFD3032C3}" type="datetimeFigureOut">
               <a:rPr lang="en-US" smtClean="0"/>
-              <a:t>2/17/25</a:t>
+              <a:t>3/3/25</a:t>
             </a:fld>
             <a:endParaRPr lang="en-US"/>
           </a:p>
@@ -5000,6 +5001,1736 @@
 </p:sld>
 </file>
 
+<file path=ppt/slides/slide2.xml><?xml version="1.0" encoding="utf-8"?>
+<p:sld xmlns:a="http://schemas.openxmlformats.org/drawingml/2006/main" xmlns:r="http://schemas.openxmlformats.org/officeDocument/2006/relationships" xmlns:p="http://schemas.openxmlformats.org/presentationml/2006/main">
+  <p:cSld>
+    <p:spTree>
+      <p:nvGrpSpPr>
+        <p:cNvPr id="1" name=""/>
+        <p:cNvGrpSpPr/>
+        <p:nvPr/>
+      </p:nvGrpSpPr>
+      <p:grpSpPr>
+        <a:xfrm>
+          <a:off x="0" y="0"/>
+          <a:ext cx="0" cy="0"/>
+          <a:chOff x="0" y="0"/>
+          <a:chExt cx="0" cy="0"/>
+        </a:xfrm>
+      </p:grpSpPr>
+      <p:sp>
+        <p:nvSpPr>
+          <p:cNvPr id="15" name="TextBox 14">
+            <a:extLst>
+              <a:ext uri="{FF2B5EF4-FFF2-40B4-BE49-F238E27FC236}">
+                <a16:creationId xmlns:a16="http://schemas.microsoft.com/office/drawing/2014/main" id="{3D0F06EC-1972-88D0-329F-27ED956EAE4C}"/>
+              </a:ext>
+            </a:extLst>
+          </p:cNvPr>
+          <p:cNvSpPr txBox="1"/>
+          <p:nvPr/>
+        </p:nvSpPr>
+        <p:spPr>
+          <a:xfrm>
+            <a:off x="5470521" y="119742"/>
+            <a:ext cx="3270708" cy="1200329"/>
+          </a:xfrm>
+          <a:prstGeom prst="rect">
+            <a:avLst/>
+          </a:prstGeom>
+          <a:noFill/>
+        </p:spPr>
+        <p:txBody>
+          <a:bodyPr wrap="square" rtlCol="0">
+            <a:spAutoFit/>
+          </a:bodyPr>
+          <a:lstStyle/>
+          <a:p>
+            <a:r>
+              <a:rPr lang="en-US" dirty="0"/>
+              <a:t>Green – removing data</a:t>
+            </a:r>
+          </a:p>
+          <a:p>
+            <a:r>
+              <a:rPr lang="en-US" dirty="0"/>
+              <a:t>Purple – filling data</a:t>
+            </a:r>
+          </a:p>
+          <a:p>
+            <a:r>
+              <a:rPr lang="en-US" dirty="0"/>
+              <a:t>Blue – changing data</a:t>
+            </a:r>
+          </a:p>
+          <a:p>
+            <a:r>
+              <a:rPr lang="en-US" dirty="0"/>
+              <a:t>Orange – rearranging in time</a:t>
+            </a:r>
+          </a:p>
+        </p:txBody>
+      </p:sp>
+      <p:grpSp>
+        <p:nvGrpSpPr>
+          <p:cNvPr id="44" name="Group 43">
+            <a:extLst>
+              <a:ext uri="{FF2B5EF4-FFF2-40B4-BE49-F238E27FC236}">
+                <a16:creationId xmlns:a16="http://schemas.microsoft.com/office/drawing/2014/main" id="{DCE0A67E-FCCC-1561-8F65-7EF1B9E68BB0}"/>
+              </a:ext>
+            </a:extLst>
+          </p:cNvPr>
+          <p:cNvGrpSpPr/>
+          <p:nvPr/>
+        </p:nvGrpSpPr>
+        <p:grpSpPr>
+          <a:xfrm>
+            <a:off x="1497524" y="2077659"/>
+            <a:ext cx="6089848" cy="3029001"/>
+            <a:chOff x="1497524" y="2077659"/>
+            <a:chExt cx="6089848" cy="3029001"/>
+          </a:xfrm>
+        </p:grpSpPr>
+        <p:sp>
+          <p:nvSpPr>
+            <p:cNvPr id="25" name="Right Arrow 24">
+              <a:extLst>
+                <a:ext uri="{FF2B5EF4-FFF2-40B4-BE49-F238E27FC236}">
+                  <a16:creationId xmlns:a16="http://schemas.microsoft.com/office/drawing/2014/main" id="{155B2573-F316-10DD-90FA-79537815DD41}"/>
+                </a:ext>
+              </a:extLst>
+            </p:cNvPr>
+            <p:cNvSpPr/>
+            <p:nvPr/>
+          </p:nvSpPr>
+          <p:spPr>
+            <a:xfrm rot="5400000">
+              <a:off x="2906233" y="3546830"/>
+              <a:ext cx="201021" cy="107992"/>
+            </a:xfrm>
+            <a:prstGeom prst="rightArrow">
+              <a:avLst/>
+            </a:prstGeom>
+          </p:spPr>
+          <p:style>
+            <a:lnRef idx="2">
+              <a:schemeClr val="dk1">
+                <a:shade val="15000"/>
+              </a:schemeClr>
+            </a:lnRef>
+            <a:fillRef idx="1">
+              <a:schemeClr val="dk1"/>
+            </a:fillRef>
+            <a:effectRef idx="0">
+              <a:schemeClr val="dk1"/>
+            </a:effectRef>
+            <a:fontRef idx="minor">
+              <a:schemeClr val="lt1"/>
+            </a:fontRef>
+          </p:style>
+          <p:txBody>
+            <a:bodyPr rtlCol="0" anchor="ctr"/>
+            <a:lstStyle/>
+            <a:p>
+              <a:pPr algn="ctr"/>
+              <a:endParaRPr lang="en-US" dirty="0"/>
+            </a:p>
+          </p:txBody>
+        </p:sp>
+        <p:sp>
+          <p:nvSpPr>
+            <p:cNvPr id="21" name="Right Arrow 20">
+              <a:extLst>
+                <a:ext uri="{FF2B5EF4-FFF2-40B4-BE49-F238E27FC236}">
+                  <a16:creationId xmlns:a16="http://schemas.microsoft.com/office/drawing/2014/main" id="{972D87A0-813A-6720-06C8-195C4CEF8F1E}"/>
+                </a:ext>
+              </a:extLst>
+            </p:cNvPr>
+            <p:cNvSpPr/>
+            <p:nvPr/>
+          </p:nvSpPr>
+          <p:spPr>
+            <a:xfrm>
+              <a:off x="5128985" y="2333191"/>
+              <a:ext cx="201021" cy="107992"/>
+            </a:xfrm>
+            <a:prstGeom prst="rightArrow">
+              <a:avLst/>
+            </a:prstGeom>
+          </p:spPr>
+          <p:style>
+            <a:lnRef idx="2">
+              <a:schemeClr val="dk1">
+                <a:shade val="15000"/>
+              </a:schemeClr>
+            </a:lnRef>
+            <a:fillRef idx="1">
+              <a:schemeClr val="dk1"/>
+            </a:fillRef>
+            <a:effectRef idx="0">
+              <a:schemeClr val="dk1"/>
+            </a:effectRef>
+            <a:fontRef idx="minor">
+              <a:schemeClr val="lt1"/>
+            </a:fontRef>
+          </p:style>
+          <p:txBody>
+            <a:bodyPr rtlCol="0" anchor="ctr"/>
+            <a:lstStyle/>
+            <a:p>
+              <a:pPr algn="ctr"/>
+              <a:endParaRPr lang="en-US" dirty="0"/>
+            </a:p>
+          </p:txBody>
+        </p:sp>
+        <p:sp>
+          <p:nvSpPr>
+            <p:cNvPr id="20" name="Right Arrow 19">
+              <a:extLst>
+                <a:ext uri="{FF2B5EF4-FFF2-40B4-BE49-F238E27FC236}">
+                  <a16:creationId xmlns:a16="http://schemas.microsoft.com/office/drawing/2014/main" id="{A2D00AFB-F89B-D8CD-EA56-7595E83F4EFF}"/>
+                </a:ext>
+              </a:extLst>
+            </p:cNvPr>
+            <p:cNvSpPr/>
+            <p:nvPr/>
+          </p:nvSpPr>
+          <p:spPr>
+            <a:xfrm>
+              <a:off x="3958338" y="2323210"/>
+              <a:ext cx="201021" cy="107992"/>
+            </a:xfrm>
+            <a:prstGeom prst="rightArrow">
+              <a:avLst/>
+            </a:prstGeom>
+          </p:spPr>
+          <p:style>
+            <a:lnRef idx="2">
+              <a:schemeClr val="dk1">
+                <a:shade val="15000"/>
+              </a:schemeClr>
+            </a:lnRef>
+            <a:fillRef idx="1">
+              <a:schemeClr val="dk1"/>
+            </a:fillRef>
+            <a:effectRef idx="0">
+              <a:schemeClr val="dk1"/>
+            </a:effectRef>
+            <a:fontRef idx="minor">
+              <a:schemeClr val="lt1"/>
+            </a:fontRef>
+          </p:style>
+          <p:txBody>
+            <a:bodyPr rtlCol="0" anchor="ctr"/>
+            <a:lstStyle/>
+            <a:p>
+              <a:pPr algn="ctr"/>
+              <a:endParaRPr lang="en-US" dirty="0"/>
+            </a:p>
+          </p:txBody>
+        </p:sp>
+        <p:sp>
+          <p:nvSpPr>
+            <p:cNvPr id="19" name="Right Arrow 18">
+              <a:extLst>
+                <a:ext uri="{FF2B5EF4-FFF2-40B4-BE49-F238E27FC236}">
+                  <a16:creationId xmlns:a16="http://schemas.microsoft.com/office/drawing/2014/main" id="{1C6324EA-D5D9-F6BF-0FAF-EDC99A6CDEB3}"/>
+                </a:ext>
+              </a:extLst>
+            </p:cNvPr>
+            <p:cNvSpPr/>
+            <p:nvPr/>
+          </p:nvSpPr>
+          <p:spPr>
+            <a:xfrm>
+              <a:off x="2704164" y="2339898"/>
+              <a:ext cx="201021" cy="107992"/>
+            </a:xfrm>
+            <a:prstGeom prst="rightArrow">
+              <a:avLst/>
+            </a:prstGeom>
+          </p:spPr>
+          <p:style>
+            <a:lnRef idx="2">
+              <a:schemeClr val="dk1">
+                <a:shade val="15000"/>
+              </a:schemeClr>
+            </a:lnRef>
+            <a:fillRef idx="1">
+              <a:schemeClr val="dk1"/>
+            </a:fillRef>
+            <a:effectRef idx="0">
+              <a:schemeClr val="dk1"/>
+            </a:effectRef>
+            <a:fontRef idx="minor">
+              <a:schemeClr val="lt1"/>
+            </a:fontRef>
+          </p:style>
+          <p:txBody>
+            <a:bodyPr rtlCol="0" anchor="ctr"/>
+            <a:lstStyle/>
+            <a:p>
+              <a:pPr algn="ctr"/>
+              <a:endParaRPr lang="en-US" dirty="0"/>
+            </a:p>
+          </p:txBody>
+        </p:sp>
+        <p:sp>
+          <p:nvSpPr>
+            <p:cNvPr id="4" name="Parallelogram 3">
+              <a:extLst>
+                <a:ext uri="{FF2B5EF4-FFF2-40B4-BE49-F238E27FC236}">
+                  <a16:creationId xmlns:a16="http://schemas.microsoft.com/office/drawing/2014/main" id="{6B03AEB8-C88E-C0FB-DA3B-9F1BE318DF69}"/>
+                </a:ext>
+              </a:extLst>
+            </p:cNvPr>
+            <p:cNvSpPr/>
+            <p:nvPr/>
+          </p:nvSpPr>
+          <p:spPr>
+            <a:xfrm>
+              <a:off x="1843331" y="2093627"/>
+              <a:ext cx="972273" cy="567159"/>
+            </a:xfrm>
+            <a:prstGeom prst="parallelogram">
+              <a:avLst/>
+            </a:prstGeom>
+            <a:ln w="9525">
+              <a:solidFill>
+                <a:schemeClr val="tx1"/>
+              </a:solidFill>
+            </a:ln>
+            <a:effectLst>
+              <a:outerShdw blurRad="50800" dist="38100" dir="5400000" algn="t" rotWithShape="0">
+                <a:prstClr val="black">
+                  <a:alpha val="40000"/>
+                </a:prstClr>
+              </a:outerShdw>
+            </a:effectLst>
+          </p:spPr>
+          <p:style>
+            <a:lnRef idx="2">
+              <a:schemeClr val="accent1">
+                <a:shade val="15000"/>
+              </a:schemeClr>
+            </a:lnRef>
+            <a:fillRef idx="1">
+              <a:schemeClr val="accent1"/>
+            </a:fillRef>
+            <a:effectRef idx="0">
+              <a:schemeClr val="accent1"/>
+            </a:effectRef>
+            <a:fontRef idx="minor">
+              <a:schemeClr val="lt1"/>
+            </a:fontRef>
+          </p:style>
+          <p:txBody>
+            <a:bodyPr rtlCol="0" anchor="ctr"/>
+            <a:lstStyle/>
+            <a:p>
+              <a:pPr algn="ctr"/>
+              <a:r>
+                <a:rPr lang="en-US" dirty="0">
+                  <a:latin typeface="Modern No. 20" panose="02070704070505020303" pitchFamily="18" charset="77"/>
+                </a:rPr>
+                <a:t>Raw Data</a:t>
+              </a:r>
+            </a:p>
+          </p:txBody>
+        </p:sp>
+        <p:sp>
+          <p:nvSpPr>
+            <p:cNvPr id="5" name="Rectangle 4">
+              <a:extLst>
+                <a:ext uri="{FF2B5EF4-FFF2-40B4-BE49-F238E27FC236}">
+                  <a16:creationId xmlns:a16="http://schemas.microsoft.com/office/drawing/2014/main" id="{6C6CA136-BDF8-76C8-DDA8-8145CD97CC1B}"/>
+                </a:ext>
+              </a:extLst>
+            </p:cNvPr>
+            <p:cNvSpPr/>
+            <p:nvPr/>
+          </p:nvSpPr>
+          <p:spPr>
+            <a:xfrm>
+              <a:off x="2916116" y="2092953"/>
+              <a:ext cx="1090087" cy="601883"/>
+            </a:xfrm>
+            <a:prstGeom prst="rect">
+              <a:avLst/>
+            </a:prstGeom>
+            <a:ln w="9525">
+              <a:solidFill>
+                <a:schemeClr val="tx1"/>
+              </a:solidFill>
+            </a:ln>
+            <a:effectLst>
+              <a:outerShdw blurRad="50800" dist="38100" dir="5400000" algn="t" rotWithShape="0">
+                <a:prstClr val="black">
+                  <a:alpha val="40000"/>
+                </a:prstClr>
+              </a:outerShdw>
+            </a:effectLst>
+          </p:spPr>
+          <p:style>
+            <a:lnRef idx="3">
+              <a:schemeClr val="lt1"/>
+            </a:lnRef>
+            <a:fillRef idx="1">
+              <a:schemeClr val="accent2"/>
+            </a:fillRef>
+            <a:effectRef idx="1">
+              <a:schemeClr val="accent2"/>
+            </a:effectRef>
+            <a:fontRef idx="minor">
+              <a:schemeClr val="lt1"/>
+            </a:fontRef>
+          </p:style>
+          <p:txBody>
+            <a:bodyPr rtlCol="0" anchor="ctr"/>
+            <a:lstStyle/>
+            <a:p>
+              <a:pPr algn="ctr"/>
+              <a:r>
+                <a:rPr lang="en-US" dirty="0">
+                  <a:latin typeface="Modern No. 20" panose="02070704070505020303" pitchFamily="18" charset="77"/>
+                </a:rPr>
+                <a:t>Resample</a:t>
+              </a:r>
+            </a:p>
+          </p:txBody>
+        </p:sp>
+        <p:sp>
+          <p:nvSpPr>
+            <p:cNvPr id="7" name="Rectangle 6">
+              <a:extLst>
+                <a:ext uri="{FF2B5EF4-FFF2-40B4-BE49-F238E27FC236}">
+                  <a16:creationId xmlns:a16="http://schemas.microsoft.com/office/drawing/2014/main" id="{BDA98530-CC36-DEBA-0FE0-0E5BCEFCB24E}"/>
+                </a:ext>
+              </a:extLst>
+            </p:cNvPr>
+            <p:cNvSpPr/>
+            <p:nvPr/>
+          </p:nvSpPr>
+          <p:spPr>
+            <a:xfrm>
+              <a:off x="4179882" y="2077659"/>
+              <a:ext cx="979716" cy="601883"/>
+            </a:xfrm>
+            <a:prstGeom prst="rect">
+              <a:avLst/>
+            </a:prstGeom>
+            <a:ln w="9525">
+              <a:solidFill>
+                <a:schemeClr val="tx1"/>
+              </a:solidFill>
+            </a:ln>
+            <a:effectLst>
+              <a:outerShdw blurRad="50800" dist="38100" dir="5400000" algn="t" rotWithShape="0">
+                <a:prstClr val="black">
+                  <a:alpha val="40000"/>
+                </a:prstClr>
+              </a:outerShdw>
+            </a:effectLst>
+          </p:spPr>
+          <p:style>
+            <a:lnRef idx="3">
+              <a:schemeClr val="lt1"/>
+            </a:lnRef>
+            <a:fillRef idx="1">
+              <a:schemeClr val="accent5"/>
+            </a:fillRef>
+            <a:effectRef idx="1">
+              <a:schemeClr val="accent5"/>
+            </a:effectRef>
+            <a:fontRef idx="minor">
+              <a:schemeClr val="lt1"/>
+            </a:fontRef>
+          </p:style>
+          <p:txBody>
+            <a:bodyPr rtlCol="0" anchor="ctr"/>
+            <a:lstStyle/>
+            <a:p>
+              <a:pPr algn="ctr"/>
+              <a:r>
+                <a:rPr lang="en-US" dirty="0">
+                  <a:latin typeface="Modern No. 20" panose="02070704070505020303" pitchFamily="18" charset="77"/>
+                </a:rPr>
+                <a:t>Forward Fill</a:t>
+              </a:r>
+            </a:p>
+          </p:txBody>
+        </p:sp>
+        <p:sp>
+          <p:nvSpPr>
+            <p:cNvPr id="8" name="Rectangle 7">
+              <a:extLst>
+                <a:ext uri="{FF2B5EF4-FFF2-40B4-BE49-F238E27FC236}">
+                  <a16:creationId xmlns:a16="http://schemas.microsoft.com/office/drawing/2014/main" id="{6EC75A86-D67A-0F09-3FF1-6FC3754075B2}"/>
+                </a:ext>
+              </a:extLst>
+            </p:cNvPr>
+            <p:cNvSpPr/>
+            <p:nvPr/>
+          </p:nvSpPr>
+          <p:spPr>
+            <a:xfrm>
+              <a:off x="5333276" y="2080268"/>
+              <a:ext cx="1481972" cy="601883"/>
+            </a:xfrm>
+            <a:prstGeom prst="rect">
+              <a:avLst/>
+            </a:prstGeom>
+            <a:solidFill>
+              <a:srgbClr val="00B050"/>
+            </a:solidFill>
+            <a:ln>
+              <a:solidFill>
+                <a:schemeClr val="tx1"/>
+              </a:solidFill>
+            </a:ln>
+            <a:effectLst>
+              <a:outerShdw blurRad="50800" dist="38100" dir="5400000" algn="t" rotWithShape="0">
+                <a:prstClr val="black">
+                  <a:alpha val="40000"/>
+                </a:prstClr>
+              </a:outerShdw>
+            </a:effectLst>
+          </p:spPr>
+          <p:style>
+            <a:lnRef idx="0">
+              <a:schemeClr val="accent6"/>
+            </a:lnRef>
+            <a:fillRef idx="3">
+              <a:schemeClr val="accent6"/>
+            </a:fillRef>
+            <a:effectRef idx="3">
+              <a:schemeClr val="accent6"/>
+            </a:effectRef>
+            <a:fontRef idx="minor">
+              <a:schemeClr val="lt1"/>
+            </a:fontRef>
+          </p:style>
+          <p:txBody>
+            <a:bodyPr rtlCol="0" anchor="ctr"/>
+            <a:lstStyle/>
+            <a:p>
+              <a:pPr algn="ctr"/>
+              <a:r>
+                <a:rPr lang="en-US" dirty="0">
+                  <a:latin typeface="Modern No. 20" panose="02070704070505020303" pitchFamily="18" charset="77"/>
+                </a:rPr>
+                <a:t>Unresponsive Sensor Filter</a:t>
+              </a:r>
+            </a:p>
+          </p:txBody>
+        </p:sp>
+        <p:sp>
+          <p:nvSpPr>
+            <p:cNvPr id="9" name="Rectangle 8">
+              <a:extLst>
+                <a:ext uri="{FF2B5EF4-FFF2-40B4-BE49-F238E27FC236}">
+                  <a16:creationId xmlns:a16="http://schemas.microsoft.com/office/drawing/2014/main" id="{0FBE1F1E-A304-0DA0-ABBB-34D7CA8CF43A}"/>
+                </a:ext>
+              </a:extLst>
+            </p:cNvPr>
+            <p:cNvSpPr/>
+            <p:nvPr/>
+          </p:nvSpPr>
+          <p:spPr>
+            <a:xfrm>
+              <a:off x="2386258" y="2897714"/>
+              <a:ext cx="1240972" cy="601883"/>
+            </a:xfrm>
+            <a:prstGeom prst="rect">
+              <a:avLst/>
+            </a:prstGeom>
+            <a:solidFill>
+              <a:srgbClr val="00B0F0"/>
+            </a:solidFill>
+            <a:ln>
+              <a:solidFill>
+                <a:schemeClr val="tx1"/>
+              </a:solidFill>
+            </a:ln>
+          </p:spPr>
+          <p:style>
+            <a:lnRef idx="0">
+              <a:schemeClr val="accent4"/>
+            </a:lnRef>
+            <a:fillRef idx="3">
+              <a:schemeClr val="accent4"/>
+            </a:fillRef>
+            <a:effectRef idx="3">
+              <a:schemeClr val="accent4"/>
+            </a:effectRef>
+            <a:fontRef idx="minor">
+              <a:schemeClr val="lt1"/>
+            </a:fontRef>
+          </p:style>
+          <p:txBody>
+            <a:bodyPr rtlCol="0" anchor="ctr"/>
+            <a:lstStyle/>
+            <a:p>
+              <a:pPr algn="ctr"/>
+              <a:r>
+                <a:rPr lang="en-US" dirty="0">
+                  <a:latin typeface="Modern No. 20" panose="02070704070505020303" pitchFamily="18" charset="77"/>
+                </a:rPr>
+                <a:t>Nacelle Calibration</a:t>
+              </a:r>
+            </a:p>
+          </p:txBody>
+        </p:sp>
+        <p:sp>
+          <p:nvSpPr>
+            <p:cNvPr id="10" name="Rectangle 9">
+              <a:extLst>
+                <a:ext uri="{FF2B5EF4-FFF2-40B4-BE49-F238E27FC236}">
+                  <a16:creationId xmlns:a16="http://schemas.microsoft.com/office/drawing/2014/main" id="{D2C7F752-23DD-FCA7-D9A4-DF3E85C56135}"/>
+                </a:ext>
+              </a:extLst>
+            </p:cNvPr>
+            <p:cNvSpPr/>
+            <p:nvPr/>
+          </p:nvSpPr>
+          <p:spPr>
+            <a:xfrm>
+              <a:off x="5443888" y="2896835"/>
+              <a:ext cx="1360715" cy="601883"/>
+            </a:xfrm>
+            <a:prstGeom prst="rect">
+              <a:avLst/>
+            </a:prstGeom>
+            <a:solidFill>
+              <a:srgbClr val="00B050"/>
+            </a:solidFill>
+            <a:ln>
+              <a:solidFill>
+                <a:schemeClr val="tx1"/>
+              </a:solidFill>
+            </a:ln>
+            <a:effectLst>
+              <a:outerShdw blurRad="50800" dist="38100" dir="5400000" algn="t" rotWithShape="0">
+                <a:prstClr val="black">
+                  <a:alpha val="40000"/>
+                </a:prstClr>
+              </a:outerShdw>
+            </a:effectLst>
+          </p:spPr>
+          <p:style>
+            <a:lnRef idx="0">
+              <a:schemeClr val="accent6"/>
+            </a:lnRef>
+            <a:fillRef idx="3">
+              <a:schemeClr val="accent6"/>
+            </a:fillRef>
+            <a:effectRef idx="3">
+              <a:schemeClr val="accent6"/>
+            </a:effectRef>
+            <a:fontRef idx="minor">
+              <a:schemeClr val="lt1"/>
+            </a:fontRef>
+          </p:style>
+          <p:txBody>
+            <a:bodyPr rtlCol="0" anchor="ctr"/>
+            <a:lstStyle/>
+            <a:p>
+              <a:pPr algn="ctr"/>
+              <a:r>
+                <a:rPr lang="en-US" dirty="0">
+                  <a:latin typeface="Modern No. 20" panose="02070704070505020303" pitchFamily="18" charset="77"/>
+                </a:rPr>
+                <a:t>Wind Speed Range Filter</a:t>
+              </a:r>
+            </a:p>
+          </p:txBody>
+        </p:sp>
+        <p:sp>
+          <p:nvSpPr>
+            <p:cNvPr id="11" name="Rectangle 10">
+              <a:extLst>
+                <a:ext uri="{FF2B5EF4-FFF2-40B4-BE49-F238E27FC236}">
+                  <a16:creationId xmlns:a16="http://schemas.microsoft.com/office/drawing/2014/main" id="{D35F28A8-CFA8-8F78-2C8E-46A33D1091AB}"/>
+                </a:ext>
+              </a:extLst>
+            </p:cNvPr>
+            <p:cNvSpPr/>
+            <p:nvPr/>
+          </p:nvSpPr>
+          <p:spPr>
+            <a:xfrm>
+              <a:off x="3857189" y="2896836"/>
+              <a:ext cx="1360716" cy="601883"/>
+            </a:xfrm>
+            <a:prstGeom prst="rect">
+              <a:avLst/>
+            </a:prstGeom>
+            <a:solidFill>
+              <a:srgbClr val="00B050"/>
+            </a:solidFill>
+            <a:ln>
+              <a:solidFill>
+                <a:schemeClr val="tx1"/>
+              </a:solidFill>
+            </a:ln>
+            <a:effectLst>
+              <a:outerShdw blurRad="50800" dist="38100" dir="5400000" algn="t" rotWithShape="0">
+                <a:prstClr val="black">
+                  <a:alpha val="40000"/>
+                </a:prstClr>
+              </a:outerShdw>
+            </a:effectLst>
+          </p:spPr>
+          <p:style>
+            <a:lnRef idx="0">
+              <a:schemeClr val="accent6"/>
+            </a:lnRef>
+            <a:fillRef idx="3">
+              <a:schemeClr val="accent6"/>
+            </a:fillRef>
+            <a:effectRef idx="3">
+              <a:schemeClr val="accent6"/>
+            </a:effectRef>
+            <a:fontRef idx="minor">
+              <a:schemeClr val="lt1"/>
+            </a:fontRef>
+          </p:style>
+          <p:txBody>
+            <a:bodyPr rtlCol="0" anchor="ctr"/>
+            <a:lstStyle/>
+            <a:p>
+              <a:pPr algn="ctr"/>
+              <a:r>
+                <a:rPr lang="en-US" dirty="0">
+                  <a:latin typeface="Modern No. 20" panose="02070704070505020303" pitchFamily="18" charset="77"/>
+                </a:rPr>
+                <a:t>Power Curve Filter</a:t>
+              </a:r>
+            </a:p>
+          </p:txBody>
+        </p:sp>
+        <p:sp>
+          <p:nvSpPr>
+            <p:cNvPr id="12" name="Rectangle 11">
+              <a:extLst>
+                <a:ext uri="{FF2B5EF4-FFF2-40B4-BE49-F238E27FC236}">
+                  <a16:creationId xmlns:a16="http://schemas.microsoft.com/office/drawing/2014/main" id="{42E0E4E2-74D4-606F-0ED8-2ACB1FB88CF7}"/>
+                </a:ext>
+              </a:extLst>
+            </p:cNvPr>
+            <p:cNvSpPr/>
+            <p:nvPr/>
+          </p:nvSpPr>
+          <p:spPr>
+            <a:xfrm>
+              <a:off x="2386257" y="3719149"/>
+              <a:ext cx="1240971" cy="601883"/>
+            </a:xfrm>
+            <a:prstGeom prst="rect">
+              <a:avLst/>
+            </a:prstGeom>
+            <a:solidFill>
+              <a:srgbClr val="00B0F0"/>
+            </a:solidFill>
+            <a:ln w="9525"/>
+            <a:effectLst>
+              <a:outerShdw blurRad="50800" dist="38100" dir="8100000" algn="tr" rotWithShape="0">
+                <a:prstClr val="black">
+                  <a:alpha val="40000"/>
+                </a:prstClr>
+              </a:outerShdw>
+            </a:effectLst>
+          </p:spPr>
+          <p:style>
+            <a:lnRef idx="2">
+              <a:schemeClr val="accent4">
+                <a:shade val="15000"/>
+              </a:schemeClr>
+            </a:lnRef>
+            <a:fillRef idx="1">
+              <a:schemeClr val="accent4"/>
+            </a:fillRef>
+            <a:effectRef idx="0">
+              <a:schemeClr val="accent4"/>
+            </a:effectRef>
+            <a:fontRef idx="minor">
+              <a:schemeClr val="lt1"/>
+            </a:fontRef>
+          </p:style>
+          <p:txBody>
+            <a:bodyPr rtlCol="0" anchor="ctr"/>
+            <a:lstStyle/>
+            <a:p>
+              <a:pPr algn="ctr"/>
+              <a:r>
+                <a:rPr lang="en-US" dirty="0">
+                  <a:latin typeface="Modern No. 20" panose="02070704070505020303" pitchFamily="18" charset="77"/>
+                </a:rPr>
+                <a:t>Feature Transform</a:t>
+              </a:r>
+            </a:p>
+          </p:txBody>
+        </p:sp>
+        <p:sp>
+          <p:nvSpPr>
+            <p:cNvPr id="13" name="Rectangle 12">
+              <a:extLst>
+                <a:ext uri="{FF2B5EF4-FFF2-40B4-BE49-F238E27FC236}">
+                  <a16:creationId xmlns:a16="http://schemas.microsoft.com/office/drawing/2014/main" id="{B3757315-F2E2-333E-C758-94E2A8ED7695}"/>
+                </a:ext>
+              </a:extLst>
+            </p:cNvPr>
+            <p:cNvSpPr/>
+            <p:nvPr/>
+          </p:nvSpPr>
+          <p:spPr>
+            <a:xfrm>
+              <a:off x="3857189" y="3716013"/>
+              <a:ext cx="1090087" cy="601883"/>
+            </a:xfrm>
+            <a:prstGeom prst="rect">
+              <a:avLst/>
+            </a:prstGeom>
+            <a:solidFill>
+              <a:srgbClr val="00B050"/>
+            </a:solidFill>
+            <a:ln>
+              <a:solidFill>
+                <a:schemeClr val="tx1"/>
+              </a:solidFill>
+            </a:ln>
+            <a:effectLst>
+              <a:outerShdw blurRad="50800" dist="38100" dir="5400000" algn="t" rotWithShape="0">
+                <a:prstClr val="black">
+                  <a:alpha val="40000"/>
+                </a:prstClr>
+              </a:outerShdw>
+            </a:effectLst>
+          </p:spPr>
+          <p:style>
+            <a:lnRef idx="0">
+              <a:schemeClr val="accent6"/>
+            </a:lnRef>
+            <a:fillRef idx="3">
+              <a:schemeClr val="accent6"/>
+            </a:fillRef>
+            <a:effectRef idx="3">
+              <a:schemeClr val="accent6"/>
+            </a:effectRef>
+            <a:fontRef idx="minor">
+              <a:schemeClr val="lt1"/>
+            </a:fontRef>
+          </p:style>
+          <p:txBody>
+            <a:bodyPr rtlCol="0" anchor="ctr"/>
+            <a:lstStyle/>
+            <a:p>
+              <a:pPr algn="ctr"/>
+              <a:r>
+                <a:rPr lang="en-US" dirty="0">
+                  <a:latin typeface="Modern No. 20" panose="02070704070505020303" pitchFamily="18" charset="77"/>
+                </a:rPr>
+                <a:t>Std. Dev. Filter</a:t>
+              </a:r>
+            </a:p>
+          </p:txBody>
+        </p:sp>
+        <p:sp>
+          <p:nvSpPr>
+            <p:cNvPr id="14" name="Rectangle 13">
+              <a:extLst>
+                <a:ext uri="{FF2B5EF4-FFF2-40B4-BE49-F238E27FC236}">
+                  <a16:creationId xmlns:a16="http://schemas.microsoft.com/office/drawing/2014/main" id="{1EEA77DC-F060-06DB-7309-D7A949E55D92}"/>
+                </a:ext>
+              </a:extLst>
+            </p:cNvPr>
+            <p:cNvSpPr/>
+            <p:nvPr/>
+          </p:nvSpPr>
+          <p:spPr>
+            <a:xfrm>
+              <a:off x="5177237" y="3712942"/>
+              <a:ext cx="1090087" cy="601883"/>
+            </a:xfrm>
+            <a:prstGeom prst="rect">
+              <a:avLst/>
+            </a:prstGeom>
+            <a:solidFill>
+              <a:schemeClr val="accent2"/>
+            </a:solidFill>
+            <a:ln w="9525">
+              <a:solidFill>
+                <a:schemeClr val="tx1"/>
+              </a:solidFill>
+            </a:ln>
+            <a:effectLst>
+              <a:outerShdw blurRad="50800" dist="38100" dir="5400000" algn="t" rotWithShape="0">
+                <a:prstClr val="black">
+                  <a:alpha val="40000"/>
+                </a:prstClr>
+              </a:outerShdw>
+            </a:effectLst>
+          </p:spPr>
+          <p:style>
+            <a:lnRef idx="3">
+              <a:schemeClr val="lt1"/>
+            </a:lnRef>
+            <a:fillRef idx="1">
+              <a:schemeClr val="accent2"/>
+            </a:fillRef>
+            <a:effectRef idx="1">
+              <a:schemeClr val="accent2"/>
+            </a:effectRef>
+            <a:fontRef idx="minor">
+              <a:schemeClr val="lt1"/>
+            </a:fontRef>
+          </p:style>
+          <p:txBody>
+            <a:bodyPr rtlCol="0" anchor="ctr"/>
+            <a:lstStyle/>
+            <a:p>
+              <a:pPr algn="ctr"/>
+              <a:r>
+                <a:rPr lang="en-US" dirty="0">
+                  <a:latin typeface="Modern No. 20" panose="02070704070505020303" pitchFamily="18" charset="77"/>
+                </a:rPr>
+                <a:t>Split</a:t>
+              </a:r>
+            </a:p>
+          </p:txBody>
+        </p:sp>
+        <p:sp>
+          <p:nvSpPr>
+            <p:cNvPr id="16" name="Rectangle 15">
+              <a:extLst>
+                <a:ext uri="{FF2B5EF4-FFF2-40B4-BE49-F238E27FC236}">
+                  <a16:creationId xmlns:a16="http://schemas.microsoft.com/office/drawing/2014/main" id="{4A595934-9AE8-C4A8-9503-75BC08B67270}"/>
+                </a:ext>
+              </a:extLst>
+            </p:cNvPr>
+            <p:cNvSpPr/>
+            <p:nvPr/>
+          </p:nvSpPr>
+          <p:spPr>
+            <a:xfrm>
+              <a:off x="6497285" y="3713326"/>
+              <a:ext cx="1090087" cy="601883"/>
+            </a:xfrm>
+            <a:prstGeom prst="rect">
+              <a:avLst/>
+            </a:prstGeom>
+            <a:ln w="9525">
+              <a:solidFill>
+                <a:schemeClr val="tx1"/>
+              </a:solidFill>
+            </a:ln>
+            <a:effectLst>
+              <a:outerShdw blurRad="50800" dist="38100" dir="5400000" algn="t" rotWithShape="0">
+                <a:prstClr val="black">
+                  <a:alpha val="40000"/>
+                </a:prstClr>
+              </a:outerShdw>
+            </a:effectLst>
+          </p:spPr>
+          <p:style>
+            <a:lnRef idx="3">
+              <a:schemeClr val="lt1"/>
+            </a:lnRef>
+            <a:fillRef idx="1">
+              <a:schemeClr val="accent5"/>
+            </a:fillRef>
+            <a:effectRef idx="1">
+              <a:schemeClr val="accent5"/>
+            </a:effectRef>
+            <a:fontRef idx="minor">
+              <a:schemeClr val="lt1"/>
+            </a:fontRef>
+          </p:style>
+          <p:txBody>
+            <a:bodyPr rtlCol="0" anchor="ctr"/>
+            <a:lstStyle/>
+            <a:p>
+              <a:pPr algn="ctr"/>
+              <a:r>
+                <a:rPr lang="en-US" dirty="0">
+                  <a:latin typeface="Modern No. 20" panose="02070704070505020303" pitchFamily="18" charset="77"/>
+                </a:rPr>
+                <a:t>Impute</a:t>
+              </a:r>
+            </a:p>
+          </p:txBody>
+        </p:sp>
+        <p:sp>
+          <p:nvSpPr>
+            <p:cNvPr id="22" name="Right Arrow 21">
+              <a:extLst>
+                <a:ext uri="{FF2B5EF4-FFF2-40B4-BE49-F238E27FC236}">
+                  <a16:creationId xmlns:a16="http://schemas.microsoft.com/office/drawing/2014/main" id="{3F42AE10-13C3-F062-E2EF-44A6762FF2B0}"/>
+                </a:ext>
+              </a:extLst>
+            </p:cNvPr>
+            <p:cNvSpPr/>
+            <p:nvPr/>
+          </p:nvSpPr>
+          <p:spPr>
+            <a:xfrm rot="5400000">
+              <a:off x="5995489" y="2735497"/>
+              <a:ext cx="201021" cy="107992"/>
+            </a:xfrm>
+            <a:prstGeom prst="rightArrow">
+              <a:avLst/>
+            </a:prstGeom>
+          </p:spPr>
+          <p:style>
+            <a:lnRef idx="2">
+              <a:schemeClr val="dk1">
+                <a:shade val="15000"/>
+              </a:schemeClr>
+            </a:lnRef>
+            <a:fillRef idx="1">
+              <a:schemeClr val="dk1"/>
+            </a:fillRef>
+            <a:effectRef idx="0">
+              <a:schemeClr val="dk1"/>
+            </a:effectRef>
+            <a:fontRef idx="minor">
+              <a:schemeClr val="lt1"/>
+            </a:fontRef>
+          </p:style>
+          <p:txBody>
+            <a:bodyPr rtlCol="0" anchor="ctr"/>
+            <a:lstStyle/>
+            <a:p>
+              <a:pPr algn="ctr"/>
+              <a:endParaRPr lang="en-US" dirty="0"/>
+            </a:p>
+          </p:txBody>
+        </p:sp>
+        <p:sp>
+          <p:nvSpPr>
+            <p:cNvPr id="23" name="Right Arrow 22">
+              <a:extLst>
+                <a:ext uri="{FF2B5EF4-FFF2-40B4-BE49-F238E27FC236}">
+                  <a16:creationId xmlns:a16="http://schemas.microsoft.com/office/drawing/2014/main" id="{047B492A-2B83-9DF5-801F-7A765793ABA3}"/>
+                </a:ext>
+              </a:extLst>
+            </p:cNvPr>
+            <p:cNvSpPr/>
+            <p:nvPr/>
+          </p:nvSpPr>
+          <p:spPr>
+            <a:xfrm rot="10800000">
+              <a:off x="5232765" y="3149296"/>
+              <a:ext cx="201021" cy="107992"/>
+            </a:xfrm>
+            <a:prstGeom prst="rightArrow">
+              <a:avLst/>
+            </a:prstGeom>
+          </p:spPr>
+          <p:style>
+            <a:lnRef idx="2">
+              <a:schemeClr val="dk1">
+                <a:shade val="15000"/>
+              </a:schemeClr>
+            </a:lnRef>
+            <a:fillRef idx="1">
+              <a:schemeClr val="dk1"/>
+            </a:fillRef>
+            <a:effectRef idx="0">
+              <a:schemeClr val="dk1"/>
+            </a:effectRef>
+            <a:fontRef idx="minor">
+              <a:schemeClr val="lt1"/>
+            </a:fontRef>
+          </p:style>
+          <p:txBody>
+            <a:bodyPr rtlCol="0" anchor="ctr"/>
+            <a:lstStyle/>
+            <a:p>
+              <a:pPr algn="ctr"/>
+              <a:endParaRPr lang="en-US" dirty="0"/>
+            </a:p>
+          </p:txBody>
+        </p:sp>
+        <p:sp>
+          <p:nvSpPr>
+            <p:cNvPr id="24" name="Right Arrow 23">
+              <a:extLst>
+                <a:ext uri="{FF2B5EF4-FFF2-40B4-BE49-F238E27FC236}">
+                  <a16:creationId xmlns:a16="http://schemas.microsoft.com/office/drawing/2014/main" id="{7D34DA64-88CC-7A1A-AB2C-34220D46F3D6}"/>
+                </a:ext>
+              </a:extLst>
+            </p:cNvPr>
+            <p:cNvSpPr/>
+            <p:nvPr/>
+          </p:nvSpPr>
+          <p:spPr>
+            <a:xfrm rot="10800000">
+              <a:off x="3641308" y="3149296"/>
+              <a:ext cx="201021" cy="107992"/>
+            </a:xfrm>
+            <a:prstGeom prst="rightArrow">
+              <a:avLst/>
+            </a:prstGeom>
+          </p:spPr>
+          <p:style>
+            <a:lnRef idx="2">
+              <a:schemeClr val="dk1">
+                <a:shade val="15000"/>
+              </a:schemeClr>
+            </a:lnRef>
+            <a:fillRef idx="1">
+              <a:schemeClr val="dk1"/>
+            </a:fillRef>
+            <a:effectRef idx="0">
+              <a:schemeClr val="dk1"/>
+            </a:effectRef>
+            <a:fontRef idx="minor">
+              <a:schemeClr val="lt1"/>
+            </a:fontRef>
+          </p:style>
+          <p:txBody>
+            <a:bodyPr rtlCol="0" anchor="ctr"/>
+            <a:lstStyle/>
+            <a:p>
+              <a:pPr algn="ctr"/>
+              <a:endParaRPr lang="en-US" dirty="0"/>
+            </a:p>
+          </p:txBody>
+        </p:sp>
+        <p:sp>
+          <p:nvSpPr>
+            <p:cNvPr id="26" name="Right Arrow 25">
+              <a:extLst>
+                <a:ext uri="{FF2B5EF4-FFF2-40B4-BE49-F238E27FC236}">
+                  <a16:creationId xmlns:a16="http://schemas.microsoft.com/office/drawing/2014/main" id="{64166449-9CA1-7CAA-BCBE-7308CBC08AE1}"/>
+                </a:ext>
+              </a:extLst>
+            </p:cNvPr>
+            <p:cNvSpPr/>
+            <p:nvPr/>
+          </p:nvSpPr>
+          <p:spPr>
+            <a:xfrm>
+              <a:off x="3644059" y="3960347"/>
+              <a:ext cx="201021" cy="107992"/>
+            </a:xfrm>
+            <a:prstGeom prst="rightArrow">
+              <a:avLst/>
+            </a:prstGeom>
+          </p:spPr>
+          <p:style>
+            <a:lnRef idx="2">
+              <a:schemeClr val="dk1">
+                <a:shade val="15000"/>
+              </a:schemeClr>
+            </a:lnRef>
+            <a:fillRef idx="1">
+              <a:schemeClr val="dk1"/>
+            </a:fillRef>
+            <a:effectRef idx="0">
+              <a:schemeClr val="dk1"/>
+            </a:effectRef>
+            <a:fontRef idx="minor">
+              <a:schemeClr val="lt1"/>
+            </a:fontRef>
+          </p:style>
+          <p:txBody>
+            <a:bodyPr rtlCol="0" anchor="ctr"/>
+            <a:lstStyle/>
+            <a:p>
+              <a:pPr algn="ctr"/>
+              <a:endParaRPr lang="en-US" dirty="0"/>
+            </a:p>
+          </p:txBody>
+        </p:sp>
+        <p:sp>
+          <p:nvSpPr>
+            <p:cNvPr id="27" name="Right Arrow 26">
+              <a:extLst>
+                <a:ext uri="{FF2B5EF4-FFF2-40B4-BE49-F238E27FC236}">
+                  <a16:creationId xmlns:a16="http://schemas.microsoft.com/office/drawing/2014/main" id="{9D8E2814-7D1C-7D20-5945-DCA4E0CA8BBB}"/>
+                </a:ext>
+              </a:extLst>
+            </p:cNvPr>
+            <p:cNvSpPr/>
+            <p:nvPr/>
+          </p:nvSpPr>
+          <p:spPr>
+            <a:xfrm>
+              <a:off x="4962049" y="3967148"/>
+              <a:ext cx="201021" cy="107992"/>
+            </a:xfrm>
+            <a:prstGeom prst="rightArrow">
+              <a:avLst/>
+            </a:prstGeom>
+          </p:spPr>
+          <p:style>
+            <a:lnRef idx="2">
+              <a:schemeClr val="dk1">
+                <a:shade val="15000"/>
+              </a:schemeClr>
+            </a:lnRef>
+            <a:fillRef idx="1">
+              <a:schemeClr val="dk1"/>
+            </a:fillRef>
+            <a:effectRef idx="0">
+              <a:schemeClr val="dk1"/>
+            </a:effectRef>
+            <a:fontRef idx="minor">
+              <a:schemeClr val="lt1"/>
+            </a:fontRef>
+          </p:style>
+          <p:txBody>
+            <a:bodyPr rtlCol="0" anchor="ctr"/>
+            <a:lstStyle/>
+            <a:p>
+              <a:pPr algn="ctr"/>
+              <a:endParaRPr lang="en-US" dirty="0"/>
+            </a:p>
+          </p:txBody>
+        </p:sp>
+        <p:sp>
+          <p:nvSpPr>
+            <p:cNvPr id="28" name="Right Arrow 27">
+              <a:extLst>
+                <a:ext uri="{FF2B5EF4-FFF2-40B4-BE49-F238E27FC236}">
+                  <a16:creationId xmlns:a16="http://schemas.microsoft.com/office/drawing/2014/main" id="{DB3E9253-11C7-1549-5F16-30359315B5A6}"/>
+                </a:ext>
+              </a:extLst>
+            </p:cNvPr>
+            <p:cNvSpPr/>
+            <p:nvPr/>
+          </p:nvSpPr>
+          <p:spPr>
+            <a:xfrm>
+              <a:off x="6281491" y="3967148"/>
+              <a:ext cx="201021" cy="107992"/>
+            </a:xfrm>
+            <a:prstGeom prst="rightArrow">
+              <a:avLst/>
+            </a:prstGeom>
+          </p:spPr>
+          <p:style>
+            <a:lnRef idx="2">
+              <a:schemeClr val="dk1">
+                <a:shade val="15000"/>
+              </a:schemeClr>
+            </a:lnRef>
+            <a:fillRef idx="1">
+              <a:schemeClr val="dk1"/>
+            </a:fillRef>
+            <a:effectRef idx="0">
+              <a:schemeClr val="dk1"/>
+            </a:effectRef>
+            <a:fontRef idx="minor">
+              <a:schemeClr val="lt1"/>
+            </a:fontRef>
+          </p:style>
+          <p:txBody>
+            <a:bodyPr rtlCol="0" anchor="ctr"/>
+            <a:lstStyle/>
+            <a:p>
+              <a:pPr algn="ctr"/>
+              <a:endParaRPr lang="en-US" dirty="0"/>
+            </a:p>
+          </p:txBody>
+        </p:sp>
+        <p:sp>
+          <p:nvSpPr>
+            <p:cNvPr id="18" name="Rectangle 17">
+              <a:extLst>
+                <a:ext uri="{FF2B5EF4-FFF2-40B4-BE49-F238E27FC236}">
+                  <a16:creationId xmlns:a16="http://schemas.microsoft.com/office/drawing/2014/main" id="{A840F2FC-EF4D-4EAA-AEB9-ADDF05E55FAE}"/>
+                </a:ext>
+              </a:extLst>
+            </p:cNvPr>
+            <p:cNvSpPr/>
+            <p:nvPr/>
+          </p:nvSpPr>
+          <p:spPr>
+            <a:xfrm>
+              <a:off x="1497525" y="4594420"/>
+              <a:ext cx="502256" cy="199821"/>
+            </a:xfrm>
+            <a:prstGeom prst="rect">
+              <a:avLst/>
+            </a:prstGeom>
+            <a:solidFill>
+              <a:srgbClr val="00B050"/>
+            </a:solidFill>
+            <a:ln>
+              <a:solidFill>
+                <a:schemeClr val="tx1"/>
+              </a:solidFill>
+            </a:ln>
+          </p:spPr>
+          <p:style>
+            <a:lnRef idx="0">
+              <a:schemeClr val="accent6"/>
+            </a:lnRef>
+            <a:fillRef idx="3">
+              <a:schemeClr val="accent6"/>
+            </a:fillRef>
+            <a:effectRef idx="3">
+              <a:schemeClr val="accent6"/>
+            </a:effectRef>
+            <a:fontRef idx="minor">
+              <a:schemeClr val="lt1"/>
+            </a:fontRef>
+          </p:style>
+          <p:txBody>
+            <a:bodyPr rtlCol="0" anchor="ctr"/>
+            <a:lstStyle/>
+            <a:p>
+              <a:pPr algn="ctr"/>
+              <a:endParaRPr lang="en-US" dirty="0">
+                <a:latin typeface="Modern No. 20" panose="02070704070505020303" pitchFamily="18" charset="77"/>
+              </a:endParaRPr>
+            </a:p>
+          </p:txBody>
+        </p:sp>
+        <p:sp>
+          <p:nvSpPr>
+            <p:cNvPr id="29" name="Rectangle 28">
+              <a:extLst>
+                <a:ext uri="{FF2B5EF4-FFF2-40B4-BE49-F238E27FC236}">
+                  <a16:creationId xmlns:a16="http://schemas.microsoft.com/office/drawing/2014/main" id="{CC0A7475-B59F-7697-752E-05F9BA21E1C1}"/>
+                </a:ext>
+              </a:extLst>
+            </p:cNvPr>
+            <p:cNvSpPr/>
+            <p:nvPr/>
+          </p:nvSpPr>
+          <p:spPr>
+            <a:xfrm>
+              <a:off x="1497524" y="4849231"/>
+              <a:ext cx="502257" cy="199821"/>
+            </a:xfrm>
+            <a:prstGeom prst="rect">
+              <a:avLst/>
+            </a:prstGeom>
+            <a:ln w="9525">
+              <a:solidFill>
+                <a:schemeClr val="tx1"/>
+              </a:solidFill>
+            </a:ln>
+            <a:effectLst>
+              <a:outerShdw blurRad="50800" dist="38100" dir="5400000" algn="t" rotWithShape="0">
+                <a:prstClr val="black">
+                  <a:alpha val="40000"/>
+                </a:prstClr>
+              </a:outerShdw>
+            </a:effectLst>
+          </p:spPr>
+          <p:style>
+            <a:lnRef idx="3">
+              <a:schemeClr val="lt1"/>
+            </a:lnRef>
+            <a:fillRef idx="1">
+              <a:schemeClr val="accent2"/>
+            </a:fillRef>
+            <a:effectRef idx="1">
+              <a:schemeClr val="accent2"/>
+            </a:effectRef>
+            <a:fontRef idx="minor">
+              <a:schemeClr val="lt1"/>
+            </a:fontRef>
+          </p:style>
+          <p:txBody>
+            <a:bodyPr rtlCol="0" anchor="ctr"/>
+            <a:lstStyle/>
+            <a:p>
+              <a:pPr algn="ctr"/>
+              <a:endParaRPr lang="en-US" dirty="0">
+                <a:latin typeface="Modern No. 20" panose="02070704070505020303" pitchFamily="18" charset="77"/>
+              </a:endParaRPr>
+            </a:p>
+          </p:txBody>
+        </p:sp>
+        <p:sp>
+          <p:nvSpPr>
+            <p:cNvPr id="30" name="Rectangle 29">
+              <a:extLst>
+                <a:ext uri="{FF2B5EF4-FFF2-40B4-BE49-F238E27FC236}">
+                  <a16:creationId xmlns:a16="http://schemas.microsoft.com/office/drawing/2014/main" id="{F1528259-1A52-7806-3A78-73B173F37E3E}"/>
+                </a:ext>
+              </a:extLst>
+            </p:cNvPr>
+            <p:cNvSpPr/>
+            <p:nvPr/>
+          </p:nvSpPr>
+          <p:spPr>
+            <a:xfrm>
+              <a:off x="3660940" y="4594420"/>
+              <a:ext cx="502256" cy="199821"/>
+            </a:xfrm>
+            <a:prstGeom prst="rect">
+              <a:avLst/>
+            </a:prstGeom>
+            <a:ln w="9525">
+              <a:solidFill>
+                <a:schemeClr val="tx1"/>
+              </a:solidFill>
+            </a:ln>
+            <a:effectLst>
+              <a:outerShdw blurRad="50800" dist="38100" dir="5400000" algn="t" rotWithShape="0">
+                <a:prstClr val="black">
+                  <a:alpha val="40000"/>
+                </a:prstClr>
+              </a:outerShdw>
+            </a:effectLst>
+          </p:spPr>
+          <p:style>
+            <a:lnRef idx="3">
+              <a:schemeClr val="lt1"/>
+            </a:lnRef>
+            <a:fillRef idx="1">
+              <a:schemeClr val="accent5"/>
+            </a:fillRef>
+            <a:effectRef idx="1">
+              <a:schemeClr val="accent5"/>
+            </a:effectRef>
+            <a:fontRef idx="minor">
+              <a:schemeClr val="lt1"/>
+            </a:fontRef>
+          </p:style>
+          <p:txBody>
+            <a:bodyPr rtlCol="0" anchor="ctr"/>
+            <a:lstStyle/>
+            <a:p>
+              <a:pPr algn="ctr"/>
+              <a:endParaRPr lang="en-US" dirty="0">
+                <a:latin typeface="Modern No. 20" panose="02070704070505020303" pitchFamily="18" charset="77"/>
+              </a:endParaRPr>
+            </a:p>
+          </p:txBody>
+        </p:sp>
+        <p:sp>
+          <p:nvSpPr>
+            <p:cNvPr id="31" name="Rectangle 30">
+              <a:extLst>
+                <a:ext uri="{FF2B5EF4-FFF2-40B4-BE49-F238E27FC236}">
+                  <a16:creationId xmlns:a16="http://schemas.microsoft.com/office/drawing/2014/main" id="{CA92C061-1DBD-1A5A-C34F-9FBF03284DD6}"/>
+                </a:ext>
+              </a:extLst>
+            </p:cNvPr>
+            <p:cNvSpPr/>
+            <p:nvPr/>
+          </p:nvSpPr>
+          <p:spPr>
+            <a:xfrm>
+              <a:off x="3660939" y="4849231"/>
+              <a:ext cx="502258" cy="199821"/>
+            </a:xfrm>
+            <a:prstGeom prst="rect">
+              <a:avLst/>
+            </a:prstGeom>
+            <a:solidFill>
+              <a:srgbClr val="00B0F0"/>
+            </a:solidFill>
+            <a:ln>
+              <a:solidFill>
+                <a:schemeClr val="tx1"/>
+              </a:solidFill>
+            </a:ln>
+          </p:spPr>
+          <p:style>
+            <a:lnRef idx="0">
+              <a:schemeClr val="accent4"/>
+            </a:lnRef>
+            <a:fillRef idx="3">
+              <a:schemeClr val="accent4"/>
+            </a:fillRef>
+            <a:effectRef idx="3">
+              <a:schemeClr val="accent4"/>
+            </a:effectRef>
+            <a:fontRef idx="minor">
+              <a:schemeClr val="lt1"/>
+            </a:fontRef>
+          </p:style>
+          <p:txBody>
+            <a:bodyPr rtlCol="0" anchor="ctr"/>
+            <a:lstStyle/>
+            <a:p>
+              <a:pPr algn="ctr"/>
+              <a:endParaRPr lang="en-US" dirty="0">
+                <a:latin typeface="Modern No. 20" panose="02070704070505020303" pitchFamily="18" charset="77"/>
+              </a:endParaRPr>
+            </a:p>
+          </p:txBody>
+        </p:sp>
+        <p:sp>
+          <p:nvSpPr>
+            <p:cNvPr id="32" name="TextBox 31">
+              <a:extLst>
+                <a:ext uri="{FF2B5EF4-FFF2-40B4-BE49-F238E27FC236}">
+                  <a16:creationId xmlns:a16="http://schemas.microsoft.com/office/drawing/2014/main" id="{3C2889D2-234C-E7CA-D82C-C29D3BCC2A56}"/>
+                </a:ext>
+              </a:extLst>
+            </p:cNvPr>
+            <p:cNvSpPr txBox="1"/>
+            <p:nvPr/>
+          </p:nvSpPr>
+          <p:spPr>
+            <a:xfrm>
+              <a:off x="1981092" y="4540442"/>
+              <a:ext cx="1303562" cy="307777"/>
+            </a:xfrm>
+            <a:prstGeom prst="rect">
+              <a:avLst/>
+            </a:prstGeom>
+            <a:noFill/>
+          </p:spPr>
+          <p:txBody>
+            <a:bodyPr wrap="none" rtlCol="0">
+              <a:spAutoFit/>
+            </a:bodyPr>
+            <a:lstStyle/>
+            <a:p>
+              <a:r>
+                <a:rPr lang="en-US" sz="1400" dirty="0">
+                  <a:latin typeface="Modern No. 20" panose="02070704070505020303" pitchFamily="18" charset="77"/>
+                </a:rPr>
+                <a:t>Removing Data</a:t>
+              </a:r>
+            </a:p>
+          </p:txBody>
+        </p:sp>
+        <p:sp>
+          <p:nvSpPr>
+            <p:cNvPr id="33" name="TextBox 32">
+              <a:extLst>
+                <a:ext uri="{FF2B5EF4-FFF2-40B4-BE49-F238E27FC236}">
+                  <a16:creationId xmlns:a16="http://schemas.microsoft.com/office/drawing/2014/main" id="{4C919189-B9F4-5AA2-3B4E-9DD358FBC9D5}"/>
+                </a:ext>
+              </a:extLst>
+            </p:cNvPr>
+            <p:cNvSpPr txBox="1"/>
+            <p:nvPr/>
+          </p:nvSpPr>
+          <p:spPr>
+            <a:xfrm>
+              <a:off x="1987005" y="4795253"/>
+              <a:ext cx="1713931" cy="307777"/>
+            </a:xfrm>
+            <a:prstGeom prst="rect">
+              <a:avLst/>
+            </a:prstGeom>
+            <a:noFill/>
+          </p:spPr>
+          <p:txBody>
+            <a:bodyPr wrap="none" rtlCol="0">
+              <a:spAutoFit/>
+            </a:bodyPr>
+            <a:lstStyle/>
+            <a:p>
+              <a:r>
+                <a:rPr lang="en-US" sz="1400" dirty="0">
+                  <a:latin typeface="Modern No. 20" panose="02070704070505020303" pitchFamily="18" charset="77"/>
+                </a:rPr>
+                <a:t>Rearranging in Time</a:t>
+              </a:r>
+            </a:p>
+          </p:txBody>
+        </p:sp>
+        <p:sp>
+          <p:nvSpPr>
+            <p:cNvPr id="34" name="TextBox 33">
+              <a:extLst>
+                <a:ext uri="{FF2B5EF4-FFF2-40B4-BE49-F238E27FC236}">
+                  <a16:creationId xmlns:a16="http://schemas.microsoft.com/office/drawing/2014/main" id="{C5F02DD1-37BE-8E37-6E74-BF989D04753A}"/>
+                </a:ext>
+              </a:extLst>
+            </p:cNvPr>
+            <p:cNvSpPr txBox="1"/>
+            <p:nvPr/>
+          </p:nvSpPr>
+          <p:spPr>
+            <a:xfrm>
+              <a:off x="4163195" y="4540442"/>
+              <a:ext cx="1096775" cy="307777"/>
+            </a:xfrm>
+            <a:prstGeom prst="rect">
+              <a:avLst/>
+            </a:prstGeom>
+            <a:noFill/>
+          </p:spPr>
+          <p:txBody>
+            <a:bodyPr wrap="none" rtlCol="0">
+              <a:spAutoFit/>
+            </a:bodyPr>
+            <a:lstStyle/>
+            <a:p>
+              <a:r>
+                <a:rPr lang="en-US" sz="1400" dirty="0">
+                  <a:latin typeface="Modern No. 20" panose="02070704070505020303" pitchFamily="18" charset="77"/>
+                </a:rPr>
+                <a:t>Filling Data</a:t>
+              </a:r>
+            </a:p>
+          </p:txBody>
+        </p:sp>
+        <p:sp>
+          <p:nvSpPr>
+            <p:cNvPr id="35" name="TextBox 34">
+              <a:extLst>
+                <a:ext uri="{FF2B5EF4-FFF2-40B4-BE49-F238E27FC236}">
+                  <a16:creationId xmlns:a16="http://schemas.microsoft.com/office/drawing/2014/main" id="{1235D203-7AC0-9986-B6F4-8D245635DFB4}"/>
+                </a:ext>
+              </a:extLst>
+            </p:cNvPr>
+            <p:cNvSpPr txBox="1"/>
+            <p:nvPr/>
+          </p:nvSpPr>
+          <p:spPr>
+            <a:xfrm>
+              <a:off x="4163194" y="4795253"/>
+              <a:ext cx="1269899" cy="307777"/>
+            </a:xfrm>
+            <a:prstGeom prst="rect">
+              <a:avLst/>
+            </a:prstGeom>
+            <a:noFill/>
+          </p:spPr>
+          <p:txBody>
+            <a:bodyPr wrap="none" rtlCol="0">
+              <a:spAutoFit/>
+            </a:bodyPr>
+            <a:lstStyle/>
+            <a:p>
+              <a:r>
+                <a:rPr lang="en-US" sz="1400" dirty="0">
+                  <a:latin typeface="Modern No. 20" panose="02070704070505020303" pitchFamily="18" charset="77"/>
+                </a:rPr>
+                <a:t>Changing Data</a:t>
+              </a:r>
+            </a:p>
+          </p:txBody>
+        </p:sp>
+        <p:sp>
+          <p:nvSpPr>
+            <p:cNvPr id="39" name="Parallelogram 38">
+              <a:extLst>
+                <a:ext uri="{FF2B5EF4-FFF2-40B4-BE49-F238E27FC236}">
+                  <a16:creationId xmlns:a16="http://schemas.microsoft.com/office/drawing/2014/main" id="{FDA5EA7C-51D1-15F7-A2F3-AEF94CA4BBD8}"/>
+                </a:ext>
+              </a:extLst>
+            </p:cNvPr>
+            <p:cNvSpPr/>
+            <p:nvPr/>
+          </p:nvSpPr>
+          <p:spPr>
+            <a:xfrm>
+              <a:off x="5373555" y="4539501"/>
+              <a:ext cx="2213817" cy="567159"/>
+            </a:xfrm>
+            <a:prstGeom prst="parallelogram">
+              <a:avLst/>
+            </a:prstGeom>
+            <a:ln w="9525">
+              <a:solidFill>
+                <a:schemeClr val="tx1"/>
+              </a:solidFill>
+            </a:ln>
+            <a:effectLst>
+              <a:outerShdw blurRad="50800" dist="38100" dir="5400000" algn="t" rotWithShape="0">
+                <a:prstClr val="black">
+                  <a:alpha val="40000"/>
+                </a:prstClr>
+              </a:outerShdw>
+            </a:effectLst>
+          </p:spPr>
+          <p:style>
+            <a:lnRef idx="2">
+              <a:schemeClr val="accent1">
+                <a:shade val="15000"/>
+              </a:schemeClr>
+            </a:lnRef>
+            <a:fillRef idx="1">
+              <a:schemeClr val="accent1"/>
+            </a:fillRef>
+            <a:effectRef idx="0">
+              <a:schemeClr val="accent1"/>
+            </a:effectRef>
+            <a:fontRef idx="minor">
+              <a:schemeClr val="lt1"/>
+            </a:fontRef>
+          </p:style>
+          <p:txBody>
+            <a:bodyPr rtlCol="0" anchor="ctr"/>
+            <a:lstStyle/>
+            <a:p>
+              <a:pPr algn="ctr"/>
+              <a:r>
+                <a:rPr lang="en-US" dirty="0">
+                  <a:latin typeface="Modern No. 20" panose="02070704070505020303" pitchFamily="18" charset="77"/>
+                </a:rPr>
+                <a:t>Filtered, Continuous Data</a:t>
+              </a:r>
+            </a:p>
+          </p:txBody>
+        </p:sp>
+        <p:sp>
+          <p:nvSpPr>
+            <p:cNvPr id="42" name="Right Arrow 41">
+              <a:extLst>
+                <a:ext uri="{FF2B5EF4-FFF2-40B4-BE49-F238E27FC236}">
+                  <a16:creationId xmlns:a16="http://schemas.microsoft.com/office/drawing/2014/main" id="{A6F2A99F-BA14-F366-9281-13DFBDE1C5AB}"/>
+                </a:ext>
+              </a:extLst>
+            </p:cNvPr>
+            <p:cNvSpPr/>
+            <p:nvPr/>
+          </p:nvSpPr>
+          <p:spPr>
+            <a:xfrm rot="5400000">
+              <a:off x="6941816" y="4373359"/>
+              <a:ext cx="201021" cy="107992"/>
+            </a:xfrm>
+            <a:prstGeom prst="rightArrow">
+              <a:avLst/>
+            </a:prstGeom>
+          </p:spPr>
+          <p:style>
+            <a:lnRef idx="2">
+              <a:schemeClr val="dk1">
+                <a:shade val="15000"/>
+              </a:schemeClr>
+            </a:lnRef>
+            <a:fillRef idx="1">
+              <a:schemeClr val="dk1"/>
+            </a:fillRef>
+            <a:effectRef idx="0">
+              <a:schemeClr val="dk1"/>
+            </a:effectRef>
+            <a:fontRef idx="minor">
+              <a:schemeClr val="lt1"/>
+            </a:fontRef>
+          </p:style>
+          <p:txBody>
+            <a:bodyPr rtlCol="0" anchor="ctr"/>
+            <a:lstStyle/>
+            <a:p>
+              <a:pPr algn="ctr"/>
+              <a:endParaRPr lang="en-US" dirty="0"/>
+            </a:p>
+          </p:txBody>
+        </p:sp>
+      </p:grpSp>
+    </p:spTree>
+    <p:extLst>
+      <p:ext uri="{BB962C8B-B14F-4D97-AF65-F5344CB8AC3E}">
+        <p14:creationId xmlns:p14="http://schemas.microsoft.com/office/powerpoint/2010/main" val="1842382080"/>
+      </p:ext>
+    </p:extLst>
+  </p:cSld>
+  <p:clrMapOvr>
+    <a:masterClrMapping/>
+  </p:clrMapOvr>
+</p:sld>
+</file>
+
 <file path=ppt/theme/theme1.xml><?xml version="1.0" encoding="utf-8"?>
 <a:theme xmlns:a="http://schemas.openxmlformats.org/drawingml/2006/main" name="Office Theme">
   <a:themeElements>
@@ -5313,4 +7044,10 @@
     </a:ext>
   </a:extLst>
 </a:theme>
+</file>
+
+<file path=docMetadata/LabelInfo.xml><?xml version="1.0" encoding="utf-8"?>
+<clbl:labelList xmlns:clbl="http://schemas.microsoft.com/office/2020/mipLabelMetadata">
+  <clbl:label id="{95965d95-ecc0-4720-b759-1f33c42ed7da}" enabled="1" method="Standard" siteId="{a0f29d7e-28cd-4f54-8442-7885aee7c080}" contentBits="0" removed="0"/>
+</clbl:labelList>
 </file>
--- a/examples/figures/wind_forecasting_figs [Autosaved].pptx
+++ b/examples/figures/wind_forecasting_figs [Autosaved].pptx
@@ -260,7 +260,7 @@
           <a:p>
             <a:fld id="{09A208B9-A1FD-A545-84FD-D19EFD3032C3}" type="datetimeFigureOut">
               <a:rPr lang="en-US" smtClean="0"/>
-              <a:t>3/3/25</a:t>
+              <a:t>3/5/25</a:t>
             </a:fld>
             <a:endParaRPr lang="en-US"/>
           </a:p>
@@ -458,7 +458,7 @@
           <a:p>
             <a:fld id="{09A208B9-A1FD-A545-84FD-D19EFD3032C3}" type="datetimeFigureOut">
               <a:rPr lang="en-US" smtClean="0"/>
-              <a:t>3/3/25</a:t>
+              <a:t>3/5/25</a:t>
             </a:fld>
             <a:endParaRPr lang="en-US"/>
           </a:p>
@@ -666,7 +666,7 @@
           <a:p>
             <a:fld id="{09A208B9-A1FD-A545-84FD-D19EFD3032C3}" type="datetimeFigureOut">
               <a:rPr lang="en-US" smtClean="0"/>
-              <a:t>3/3/25</a:t>
+              <a:t>3/5/25</a:t>
             </a:fld>
             <a:endParaRPr lang="en-US"/>
           </a:p>
@@ -864,7 +864,7 @@
           <a:p>
             <a:fld id="{09A208B9-A1FD-A545-84FD-D19EFD3032C3}" type="datetimeFigureOut">
               <a:rPr lang="en-US" smtClean="0"/>
-              <a:t>3/3/25</a:t>
+              <a:t>3/5/25</a:t>
             </a:fld>
             <a:endParaRPr lang="en-US"/>
           </a:p>
@@ -1139,7 +1139,7 @@
           <a:p>
             <a:fld id="{09A208B9-A1FD-A545-84FD-D19EFD3032C3}" type="datetimeFigureOut">
               <a:rPr lang="en-US" smtClean="0"/>
-              <a:t>3/3/25</a:t>
+              <a:t>3/5/25</a:t>
             </a:fld>
             <a:endParaRPr lang="en-US"/>
           </a:p>
@@ -1404,7 +1404,7 @@
           <a:p>
             <a:fld id="{09A208B9-A1FD-A545-84FD-D19EFD3032C3}" type="datetimeFigureOut">
               <a:rPr lang="en-US" smtClean="0"/>
-              <a:t>3/3/25</a:t>
+              <a:t>3/5/25</a:t>
             </a:fld>
             <a:endParaRPr lang="en-US"/>
           </a:p>
@@ -1816,7 +1816,7 @@
           <a:p>
             <a:fld id="{09A208B9-A1FD-A545-84FD-D19EFD3032C3}" type="datetimeFigureOut">
               <a:rPr lang="en-US" smtClean="0"/>
-              <a:t>3/3/25</a:t>
+              <a:t>3/5/25</a:t>
             </a:fld>
             <a:endParaRPr lang="en-US"/>
           </a:p>
@@ -1957,7 +1957,7 @@
           <a:p>
             <a:fld id="{09A208B9-A1FD-A545-84FD-D19EFD3032C3}" type="datetimeFigureOut">
               <a:rPr lang="en-US" smtClean="0"/>
-              <a:t>3/3/25</a:t>
+              <a:t>3/5/25</a:t>
             </a:fld>
             <a:endParaRPr lang="en-US"/>
           </a:p>
@@ -2070,7 +2070,7 @@
           <a:p>
             <a:fld id="{09A208B9-A1FD-A545-84FD-D19EFD3032C3}" type="datetimeFigureOut">
               <a:rPr lang="en-US" smtClean="0"/>
-              <a:t>3/3/25</a:t>
+              <a:t>3/5/25</a:t>
             </a:fld>
             <a:endParaRPr lang="en-US"/>
           </a:p>
@@ -2381,7 +2381,7 @@
           <a:p>
             <a:fld id="{09A208B9-A1FD-A545-84FD-D19EFD3032C3}" type="datetimeFigureOut">
               <a:rPr lang="en-US" smtClean="0"/>
-              <a:t>3/3/25</a:t>
+              <a:t>3/5/25</a:t>
             </a:fld>
             <a:endParaRPr lang="en-US"/>
           </a:p>
@@ -2669,7 +2669,7 @@
           <a:p>
             <a:fld id="{09A208B9-A1FD-A545-84FD-D19EFD3032C3}" type="datetimeFigureOut">
               <a:rPr lang="en-US" smtClean="0"/>
-              <a:t>3/3/25</a:t>
+              <a:t>3/5/25</a:t>
             </a:fld>
             <a:endParaRPr lang="en-US"/>
           </a:p>
@@ -2910,7 +2910,7 @@
           <a:p>
             <a:fld id="{09A208B9-A1FD-A545-84FD-D19EFD3032C3}" type="datetimeFigureOut">
               <a:rPr lang="en-US" smtClean="0"/>
-              <a:t>3/3/25</a:t>
+              <a:t>3/5/25</a:t>
             </a:fld>
             <a:endParaRPr lang="en-US"/>
           </a:p>
@@ -5071,12 +5071,47 @@
           </a:p>
         </p:txBody>
       </p:sp>
+      <p:sp>
+        <p:nvSpPr>
+          <p:cNvPr id="3" name="TextBox 2">
+            <a:extLst>
+              <a:ext uri="{FF2B5EF4-FFF2-40B4-BE49-F238E27FC236}">
+                <a16:creationId xmlns:a16="http://schemas.microsoft.com/office/drawing/2014/main" id="{D0ED60E0-D888-B4C1-287C-1CD2BBECBE6A}"/>
+              </a:ext>
+            </a:extLst>
+          </p:cNvPr>
+          <p:cNvSpPr txBox="1"/>
+          <p:nvPr/>
+        </p:nvSpPr>
+        <p:spPr>
+          <a:xfrm>
+            <a:off x="4058848" y="1239897"/>
+            <a:ext cx="6096000" cy="369332"/>
+          </a:xfrm>
+          <a:prstGeom prst="rect">
+            <a:avLst/>
+          </a:prstGeom>
+          <a:noFill/>
+        </p:spPr>
+        <p:txBody>
+          <a:bodyPr wrap="square">
+            <a:spAutoFit/>
+          </a:bodyPr>
+          <a:lstStyle/>
+          <a:p>
+            <a:r>
+              <a:rPr lang="en-US" dirty="0"/>
+              <a:t>Power-Wind Speed Window Filter</a:t>
+            </a:r>
+          </a:p>
+        </p:txBody>
+      </p:sp>
       <p:grpSp>
         <p:nvGrpSpPr>
-          <p:cNvPr id="44" name="Group 43">
+          <p:cNvPr id="36" name="Group 35">
             <a:extLst>
               <a:ext uri="{FF2B5EF4-FFF2-40B4-BE49-F238E27FC236}">
-                <a16:creationId xmlns:a16="http://schemas.microsoft.com/office/drawing/2014/main" id="{DCE0A67E-FCCC-1561-8F65-7EF1B9E68BB0}"/>
+                <a16:creationId xmlns:a16="http://schemas.microsoft.com/office/drawing/2014/main" id="{2763F5A4-6912-14A0-297C-B744AC09D4F1}"/>
               </a:ext>
             </a:extLst>
           </p:cNvPr>
@@ -5085,10 +5120,10 @@
         </p:nvGrpSpPr>
         <p:grpSpPr>
           <a:xfrm>
-            <a:off x="1497524" y="2077659"/>
-            <a:ext cx="6089848" cy="3029001"/>
-            <a:chOff x="1497524" y="2077659"/>
-            <a:chExt cx="6089848" cy="3029001"/>
+            <a:off x="1843331" y="2077659"/>
+            <a:ext cx="7307188" cy="3025371"/>
+            <a:chOff x="1843331" y="2077659"/>
+            <a:chExt cx="7307188" cy="3025371"/>
           </a:xfrm>
         </p:grpSpPr>
         <p:sp>
@@ -5105,7 +5140,7 @@
           </p:nvSpPr>
           <p:spPr>
             <a:xfrm rot="5400000">
-              <a:off x="2906233" y="3546830"/>
+              <a:off x="3578279" y="3556353"/>
               <a:ext cx="201021" cy="107992"/>
             </a:xfrm>
             <a:prstGeom prst="rightArrow">
@@ -5538,7 +5573,7 @@
           </p:nvSpPr>
           <p:spPr>
             <a:xfrm>
-              <a:off x="2386258" y="2897714"/>
+              <a:off x="4519856" y="2897714"/>
               <a:ext cx="1240972" cy="601883"/>
             </a:xfrm>
             <a:prstGeom prst="rect">
@@ -5595,7 +5630,7 @@
           </p:nvSpPr>
           <p:spPr>
             <a:xfrm>
-              <a:off x="5443888" y="2896835"/>
+              <a:off x="7576906" y="2896835"/>
               <a:ext cx="1360715" cy="601883"/>
             </a:xfrm>
             <a:prstGeom prst="rect">
@@ -5659,7 +5694,7 @@
           </p:nvSpPr>
           <p:spPr>
             <a:xfrm>
-              <a:off x="3857189" y="2896836"/>
+              <a:off x="5990787" y="2896836"/>
               <a:ext cx="1360716" cy="601883"/>
             </a:xfrm>
             <a:prstGeom prst="rect">
@@ -5723,7 +5758,7 @@
           </p:nvSpPr>
           <p:spPr>
             <a:xfrm>
-              <a:off x="2386257" y="3719149"/>
+              <a:off x="3058304" y="2894259"/>
               <a:ext cx="1240971" cy="601883"/>
             </a:xfrm>
             <a:prstGeom prst="rect">
@@ -5785,7 +5820,7 @@
           </p:nvSpPr>
           <p:spPr>
             <a:xfrm>
-              <a:off x="3857189" y="3716013"/>
+              <a:off x="3058304" y="3724961"/>
               <a:ext cx="1090087" cy="601883"/>
             </a:xfrm>
             <a:prstGeom prst="rect">
@@ -5849,7 +5884,7 @@
           </p:nvSpPr>
           <p:spPr>
             <a:xfrm>
-              <a:off x="5177237" y="3712942"/>
+              <a:off x="4376998" y="3730960"/>
               <a:ext cx="1090087" cy="601883"/>
             </a:xfrm>
             <a:prstGeom prst="rect">
@@ -5913,7 +5948,7 @@
           </p:nvSpPr>
           <p:spPr>
             <a:xfrm>
-              <a:off x="6497285" y="3713326"/>
+              <a:off x="5690964" y="3730960"/>
               <a:ext cx="1090087" cy="601883"/>
             </a:xfrm>
             <a:prstGeom prst="rect">
@@ -5974,7 +6009,7 @@
           </p:nvSpPr>
           <p:spPr>
             <a:xfrm rot="5400000">
-              <a:off x="5995489" y="2735497"/>
+              <a:off x="8102756" y="2730007"/>
               <a:ext cx="201021" cy="107992"/>
             </a:xfrm>
             <a:prstGeom prst="rightArrow">
@@ -6020,7 +6055,7 @@
           </p:nvSpPr>
           <p:spPr>
             <a:xfrm rot="10800000">
-              <a:off x="5232765" y="3149296"/>
+              <a:off x="7366363" y="3149296"/>
               <a:ext cx="201021" cy="107992"/>
             </a:xfrm>
             <a:prstGeom prst="rightArrow">
@@ -6066,7 +6101,7 @@
           </p:nvSpPr>
           <p:spPr>
             <a:xfrm rot="10800000">
-              <a:off x="3641308" y="3149296"/>
+              <a:off x="5774906" y="3149296"/>
               <a:ext cx="201021" cy="107992"/>
             </a:xfrm>
             <a:prstGeom prst="rightArrow">
@@ -6112,7 +6147,7 @@
           </p:nvSpPr>
           <p:spPr>
             <a:xfrm>
-              <a:off x="3644059" y="3960347"/>
+              <a:off x="6792480" y="3975290"/>
               <a:ext cx="201021" cy="107992"/>
             </a:xfrm>
             <a:prstGeom prst="rightArrow">
@@ -6158,7 +6193,7 @@
           </p:nvSpPr>
           <p:spPr>
             <a:xfrm>
-              <a:off x="4962049" y="3967148"/>
+              <a:off x="4153480" y="3991285"/>
               <a:ext cx="201021" cy="107992"/>
             </a:xfrm>
             <a:prstGeom prst="rightArrow">
@@ -6204,7 +6239,7 @@
           </p:nvSpPr>
           <p:spPr>
             <a:xfrm>
-              <a:off x="6281491" y="3967148"/>
+              <a:off x="5478514" y="3971906"/>
               <a:ext cx="201021" cy="107992"/>
             </a:xfrm>
             <a:prstGeom prst="rightArrow">
@@ -6250,7 +6285,7 @@
           </p:nvSpPr>
           <p:spPr>
             <a:xfrm>
-              <a:off x="1497525" y="4594420"/>
+              <a:off x="3129837" y="4594420"/>
               <a:ext cx="502256" cy="199821"/>
             </a:xfrm>
             <a:prstGeom prst="rect">
@@ -6304,7 +6339,7 @@
           </p:nvSpPr>
           <p:spPr>
             <a:xfrm>
-              <a:off x="1497524" y="4849231"/>
+              <a:off x="3129836" y="4849231"/>
               <a:ext cx="502257" cy="199821"/>
             </a:xfrm>
             <a:prstGeom prst="rect">
@@ -6362,7 +6397,7 @@
           </p:nvSpPr>
           <p:spPr>
             <a:xfrm>
-              <a:off x="3660940" y="4594420"/>
+              <a:off x="5293252" y="4594420"/>
               <a:ext cx="502256" cy="199821"/>
             </a:xfrm>
             <a:prstGeom prst="rect">
@@ -6420,7 +6455,7 @@
           </p:nvSpPr>
           <p:spPr>
             <a:xfrm>
-              <a:off x="3660939" y="4849231"/>
+              <a:off x="5293251" y="4849231"/>
               <a:ext cx="502258" cy="199821"/>
             </a:xfrm>
             <a:prstGeom prst="rect">
@@ -6474,7 +6509,7 @@
           </p:nvSpPr>
           <p:spPr>
             <a:xfrm>
-              <a:off x="1981092" y="4540442"/>
+              <a:off x="3613404" y="4540442"/>
               <a:ext cx="1303562" cy="307777"/>
             </a:xfrm>
             <a:prstGeom prst="rect">
@@ -6511,7 +6546,7 @@
           </p:nvSpPr>
           <p:spPr>
             <a:xfrm>
-              <a:off x="1987005" y="4795253"/>
+              <a:off x="3619317" y="4795253"/>
               <a:ext cx="1713931" cy="307777"/>
             </a:xfrm>
             <a:prstGeom prst="rect">
@@ -6548,7 +6583,7 @@
           </p:nvSpPr>
           <p:spPr>
             <a:xfrm>
-              <a:off x="4163195" y="4540442"/>
+              <a:off x="5795507" y="4540442"/>
               <a:ext cx="1096775" cy="307777"/>
             </a:xfrm>
             <a:prstGeom prst="rect">
@@ -6585,7 +6620,7 @@
           </p:nvSpPr>
           <p:spPr>
             <a:xfrm>
-              <a:off x="4163194" y="4795253"/>
+              <a:off x="5795506" y="4795253"/>
               <a:ext cx="1269899" cy="307777"/>
             </a:xfrm>
             <a:prstGeom prst="rect">
@@ -6622,7 +6657,7 @@
           </p:nvSpPr>
           <p:spPr>
             <a:xfrm>
-              <a:off x="5373555" y="4539501"/>
+              <a:off x="6936702" y="3745361"/>
               <a:ext cx="2213817" cy="567159"/>
             </a:xfrm>
             <a:prstGeom prst="parallelogram">
@@ -6673,10 +6708,10 @@
         </p:sp>
         <p:sp>
           <p:nvSpPr>
-            <p:cNvPr id="42" name="Right Arrow 41">
+            <p:cNvPr id="6" name="Rectangle 5">
               <a:extLst>
                 <a:ext uri="{FF2B5EF4-FFF2-40B4-BE49-F238E27FC236}">
-                  <a16:creationId xmlns:a16="http://schemas.microsoft.com/office/drawing/2014/main" id="{A6F2A99F-BA14-F366-9281-13DFBDE1C5AB}"/>
+                  <a16:creationId xmlns:a16="http://schemas.microsoft.com/office/drawing/2014/main" id="{9F32C008-A23C-A358-EBB5-A68B34198C77}"/>
                 </a:ext>
               </a:extLst>
             </p:cNvPr>
@@ -6684,8 +6719,72 @@
             <p:nvPr/>
           </p:nvSpPr>
           <p:spPr>
-            <a:xfrm rot="5400000">
-              <a:off x="6941816" y="4373359"/>
+            <a:xfrm>
+              <a:off x="6988330" y="2095281"/>
+              <a:ext cx="1949291" cy="601883"/>
+            </a:xfrm>
+            <a:prstGeom prst="rect">
+              <a:avLst/>
+            </a:prstGeom>
+            <a:solidFill>
+              <a:srgbClr val="00B050"/>
+            </a:solidFill>
+            <a:ln>
+              <a:solidFill>
+                <a:schemeClr val="tx1"/>
+              </a:solidFill>
+            </a:ln>
+            <a:effectLst>
+              <a:outerShdw blurRad="50800" dist="38100" dir="5400000" algn="t" rotWithShape="0">
+                <a:prstClr val="black">
+                  <a:alpha val="40000"/>
+                </a:prstClr>
+              </a:outerShdw>
+            </a:effectLst>
+          </p:spPr>
+          <p:style>
+            <a:lnRef idx="0">
+              <a:schemeClr val="accent6"/>
+            </a:lnRef>
+            <a:fillRef idx="3">
+              <a:schemeClr val="accent6"/>
+            </a:fillRef>
+            <a:effectRef idx="3">
+              <a:schemeClr val="accent6"/>
+            </a:effectRef>
+            <a:fontRef idx="minor">
+              <a:schemeClr val="lt1"/>
+            </a:fontRef>
+          </p:style>
+          <p:txBody>
+            <a:bodyPr rtlCol="0" anchor="ctr"/>
+            <a:lstStyle/>
+            <a:p>
+              <a:pPr algn="ctr"/>
+              <a:r>
+                <a:rPr lang="en-US" dirty="0">
+                  <a:latin typeface="Modern No. 20" panose="02070704070505020303" pitchFamily="18" charset="77"/>
+                </a:rPr>
+                <a:t>Power-Wind Speed Window Filter</a:t>
+              </a:r>
+            </a:p>
+          </p:txBody>
+        </p:sp>
+        <p:sp>
+          <p:nvSpPr>
+            <p:cNvPr id="17" name="Right Arrow 16">
+              <a:extLst>
+                <a:ext uri="{FF2B5EF4-FFF2-40B4-BE49-F238E27FC236}">
+                  <a16:creationId xmlns:a16="http://schemas.microsoft.com/office/drawing/2014/main" id="{921AAC4B-9EB2-22B3-E3D0-E1282F403612}"/>
+                </a:ext>
+              </a:extLst>
+            </p:cNvPr>
+            <p:cNvSpPr/>
+            <p:nvPr/>
+          </p:nvSpPr>
+          <p:spPr>
+            <a:xfrm rot="10800000">
+              <a:off x="4309055" y="3141595"/>
               <a:ext cx="201021" cy="107992"/>
             </a:xfrm>
             <a:prstGeom prst="rightArrow">

--- a/examples/figures/wind_forecasting_figs [Autosaved].pptx
+++ b/examples/figures/wind_forecasting_figs [Autosaved].pptx
@@ -2,19 +2,20 @@
 <file path=ppt/presentation.xml><?xml version="1.0" encoding="utf-8"?>
 <p:presentation xmlns:a="http://schemas.openxmlformats.org/drawingml/2006/main" xmlns:r="http://schemas.openxmlformats.org/officeDocument/2006/relationships" xmlns:p="http://schemas.openxmlformats.org/presentationml/2006/main" saveSubsetFonts="1" autoCompressPictures="0">
   <p:sldMasterIdLst>
-    <p:sldMasterId id="2147483648" r:id="rId1"/>
+    <p:sldMasterId id="2147483660" r:id="rId1"/>
   </p:sldMasterIdLst>
   <p:sldIdLst>
     <p:sldId id="256" r:id="rId2"/>
     <p:sldId id="257" r:id="rId3"/>
+    <p:sldId id="258" r:id="rId4"/>
   </p:sldIdLst>
-  <p:sldSz cx="12192000" cy="6858000"/>
+  <p:sldSz cx="12192000" cy="12188825"/>
   <p:notesSz cx="6858000" cy="9144000"/>
   <p:defaultTextStyle>
     <a:defPPr>
       <a:defRPr lang="en-US"/>
     </a:defPPr>
-    <a:lvl1pPr marL="0" algn="l" defTabSz="914400" rtl="0" eaLnBrk="1" latinLnBrk="0" hangingPunct="1">
+    <a:lvl1pPr marL="0" algn="l" defTabSz="457200" rtl="0" eaLnBrk="1" latinLnBrk="0" hangingPunct="1">
       <a:defRPr sz="1800" kern="1200">
         <a:solidFill>
           <a:schemeClr val="tx1"/>
@@ -24,7 +25,7 @@
         <a:cs typeface="+mn-cs"/>
       </a:defRPr>
     </a:lvl1pPr>
-    <a:lvl2pPr marL="457200" algn="l" defTabSz="914400" rtl="0" eaLnBrk="1" latinLnBrk="0" hangingPunct="1">
+    <a:lvl2pPr marL="457200" algn="l" defTabSz="457200" rtl="0" eaLnBrk="1" latinLnBrk="0" hangingPunct="1">
       <a:defRPr sz="1800" kern="1200">
         <a:solidFill>
           <a:schemeClr val="tx1"/>
@@ -34,7 +35,7 @@
         <a:cs typeface="+mn-cs"/>
       </a:defRPr>
     </a:lvl2pPr>
-    <a:lvl3pPr marL="914400" algn="l" defTabSz="914400" rtl="0" eaLnBrk="1" latinLnBrk="0" hangingPunct="1">
+    <a:lvl3pPr marL="914400" algn="l" defTabSz="457200" rtl="0" eaLnBrk="1" latinLnBrk="0" hangingPunct="1">
       <a:defRPr sz="1800" kern="1200">
         <a:solidFill>
           <a:schemeClr val="tx1"/>
@@ -44,7 +45,7 @@
         <a:cs typeface="+mn-cs"/>
       </a:defRPr>
     </a:lvl3pPr>
-    <a:lvl4pPr marL="1371600" algn="l" defTabSz="914400" rtl="0" eaLnBrk="1" latinLnBrk="0" hangingPunct="1">
+    <a:lvl4pPr marL="1371600" algn="l" defTabSz="457200" rtl="0" eaLnBrk="1" latinLnBrk="0" hangingPunct="1">
       <a:defRPr sz="1800" kern="1200">
         <a:solidFill>
           <a:schemeClr val="tx1"/>
@@ -54,7 +55,7 @@
         <a:cs typeface="+mn-cs"/>
       </a:defRPr>
     </a:lvl4pPr>
-    <a:lvl5pPr marL="1828800" algn="l" defTabSz="914400" rtl="0" eaLnBrk="1" latinLnBrk="0" hangingPunct="1">
+    <a:lvl5pPr marL="1828800" algn="l" defTabSz="457200" rtl="0" eaLnBrk="1" latinLnBrk="0" hangingPunct="1">
       <a:defRPr sz="1800" kern="1200">
         <a:solidFill>
           <a:schemeClr val="tx1"/>
@@ -64,7 +65,7 @@
         <a:cs typeface="+mn-cs"/>
       </a:defRPr>
     </a:lvl5pPr>
-    <a:lvl6pPr marL="2286000" algn="l" defTabSz="914400" rtl="0" eaLnBrk="1" latinLnBrk="0" hangingPunct="1">
+    <a:lvl6pPr marL="2286000" algn="l" defTabSz="457200" rtl="0" eaLnBrk="1" latinLnBrk="0" hangingPunct="1">
       <a:defRPr sz="1800" kern="1200">
         <a:solidFill>
           <a:schemeClr val="tx1"/>
@@ -74,7 +75,7 @@
         <a:cs typeface="+mn-cs"/>
       </a:defRPr>
     </a:lvl6pPr>
-    <a:lvl7pPr marL="2743200" algn="l" defTabSz="914400" rtl="0" eaLnBrk="1" latinLnBrk="0" hangingPunct="1">
+    <a:lvl7pPr marL="2743200" algn="l" defTabSz="457200" rtl="0" eaLnBrk="1" latinLnBrk="0" hangingPunct="1">
       <a:defRPr sz="1800" kern="1200">
         <a:solidFill>
           <a:schemeClr val="tx1"/>
@@ -84,7 +85,7 @@
         <a:cs typeface="+mn-cs"/>
       </a:defRPr>
     </a:lvl7pPr>
-    <a:lvl8pPr marL="3200400" algn="l" defTabSz="914400" rtl="0" eaLnBrk="1" latinLnBrk="0" hangingPunct="1">
+    <a:lvl8pPr marL="3200400" algn="l" defTabSz="457200" rtl="0" eaLnBrk="1" latinLnBrk="0" hangingPunct="1">
       <a:defRPr sz="1800" kern="1200">
         <a:solidFill>
           <a:schemeClr val="tx1"/>
@@ -94,7 +95,7 @@
         <a:cs typeface="+mn-cs"/>
       </a:defRPr>
     </a:lvl8pPr>
-    <a:lvl9pPr marL="3657600" algn="l" defTabSz="914400" rtl="0" eaLnBrk="1" latinLnBrk="0" hangingPunct="1">
+    <a:lvl9pPr marL="3657600" algn="l" defTabSz="457200" rtl="0" eaLnBrk="1" latinLnBrk="0" hangingPunct="1">
       <a:defRPr sz="1800" kern="1200">
         <a:solidFill>
           <a:schemeClr val="tx1"/>
@@ -132,13 +133,7 @@
       </p:grpSpPr>
       <p:sp>
         <p:nvSpPr>
-          <p:cNvPr id="2" name="Title 1">
-            <a:extLst>
-              <a:ext uri="{FF2B5EF4-FFF2-40B4-BE49-F238E27FC236}">
-                <a16:creationId xmlns:a16="http://schemas.microsoft.com/office/drawing/2014/main" id="{B0A92FA2-3F2D-AE4A-722B-92D09DA47C33}"/>
-              </a:ext>
-            </a:extLst>
-          </p:cNvPr>
+          <p:cNvPr id="2" name="Title 1"/>
           <p:cNvSpPr>
             <a:spLocks noGrp="1"/>
           </p:cNvSpPr>
@@ -148,15 +143,15 @@
         </p:nvSpPr>
         <p:spPr>
           <a:xfrm>
-            <a:off x="1524000" y="1122363"/>
-            <a:ext cx="9144000" cy="2387600"/>
+            <a:off x="914400" y="1994792"/>
+            <a:ext cx="10363200" cy="4243517"/>
           </a:xfrm>
         </p:spPr>
         <p:txBody>
           <a:bodyPr anchor="b"/>
           <a:lstStyle>
             <a:lvl1pPr algn="ctr">
-              <a:defRPr sz="6000"/>
+              <a:defRPr sz="8000"/>
             </a:lvl1pPr>
           </a:lstStyle>
           <a:p>
@@ -164,18 +159,13 @@
               <a:rPr lang="en-US"/>
               <a:t>Click to edit Master title style</a:t>
             </a:r>
+            <a:endParaRPr lang="en-US" dirty="0"/>
           </a:p>
         </p:txBody>
       </p:sp>
       <p:sp>
         <p:nvSpPr>
-          <p:cNvPr id="3" name="Subtitle 2">
-            <a:extLst>
-              <a:ext uri="{FF2B5EF4-FFF2-40B4-BE49-F238E27FC236}">
-                <a16:creationId xmlns:a16="http://schemas.microsoft.com/office/drawing/2014/main" id="{364295CC-CDCA-8FAB-F817-A7412269BDF6}"/>
-              </a:ext>
-            </a:extLst>
-          </p:cNvPr>
+          <p:cNvPr id="3" name="Subtitle 2"/>
           <p:cNvSpPr>
             <a:spLocks noGrp="1"/>
           </p:cNvSpPr>
@@ -185,8 +175,8 @@
         </p:nvSpPr>
         <p:spPr>
           <a:xfrm>
-            <a:off x="1524000" y="3602038"/>
-            <a:ext cx="9144000" cy="1655762"/>
+            <a:off x="1524000" y="6401956"/>
+            <a:ext cx="9144000" cy="2942810"/>
           </a:xfrm>
         </p:spPr>
         <p:txBody>
@@ -194,39 +184,39 @@
           <a:lstStyle>
             <a:lvl1pPr marL="0" indent="0" algn="ctr">
               <a:buNone/>
+              <a:defRPr sz="3200"/>
+            </a:lvl1pPr>
+            <a:lvl2pPr marL="609585" indent="0" algn="ctr">
+              <a:buNone/>
+              <a:defRPr sz="2667"/>
+            </a:lvl2pPr>
+            <a:lvl3pPr marL="1219170" indent="0" algn="ctr">
+              <a:buNone/>
               <a:defRPr sz="2400"/>
-            </a:lvl1pPr>
-            <a:lvl2pPr marL="457200" indent="0" algn="ctr">
+            </a:lvl3pPr>
+            <a:lvl4pPr marL="1828754" indent="0" algn="ctr">
               <a:buNone/>
-              <a:defRPr sz="2000"/>
-            </a:lvl2pPr>
-            <a:lvl3pPr marL="914400" indent="0" algn="ctr">
+              <a:defRPr sz="2133"/>
+            </a:lvl4pPr>
+            <a:lvl5pPr marL="2438339" indent="0" algn="ctr">
               <a:buNone/>
-              <a:defRPr sz="1800"/>
-            </a:lvl3pPr>
-            <a:lvl4pPr marL="1371600" indent="0" algn="ctr">
+              <a:defRPr sz="2133"/>
+            </a:lvl5pPr>
+            <a:lvl6pPr marL="3047924" indent="0" algn="ctr">
               <a:buNone/>
-              <a:defRPr sz="1600"/>
-            </a:lvl4pPr>
-            <a:lvl5pPr marL="1828800" indent="0" algn="ctr">
+              <a:defRPr sz="2133"/>
+            </a:lvl6pPr>
+            <a:lvl7pPr marL="3657509" indent="0" algn="ctr">
               <a:buNone/>
-              <a:defRPr sz="1600"/>
-            </a:lvl5pPr>
-            <a:lvl6pPr marL="2286000" indent="0" algn="ctr">
+              <a:defRPr sz="2133"/>
+            </a:lvl7pPr>
+            <a:lvl8pPr marL="4267093" indent="0" algn="ctr">
               <a:buNone/>
-              <a:defRPr sz="1600"/>
-            </a:lvl6pPr>
-            <a:lvl7pPr marL="2743200" indent="0" algn="ctr">
+              <a:defRPr sz="2133"/>
+            </a:lvl8pPr>
+            <a:lvl9pPr marL="4876678" indent="0" algn="ctr">
               <a:buNone/>
-              <a:defRPr sz="1600"/>
-            </a:lvl7pPr>
-            <a:lvl8pPr marL="3200400" indent="0" algn="ctr">
-              <a:buNone/>
-              <a:defRPr sz="1600"/>
-            </a:lvl8pPr>
-            <a:lvl9pPr marL="3657600" indent="0" algn="ctr">
-              <a:buNone/>
-              <a:defRPr sz="1600"/>
+              <a:defRPr sz="2133"/>
             </a:lvl9pPr>
           </a:lstStyle>
           <a:p>
@@ -234,18 +224,13 @@
               <a:rPr lang="en-US"/>
               <a:t>Click to edit Master subtitle style</a:t>
             </a:r>
+            <a:endParaRPr lang="en-US" dirty="0"/>
           </a:p>
         </p:txBody>
       </p:sp>
       <p:sp>
         <p:nvSpPr>
-          <p:cNvPr id="4" name="Date Placeholder 3">
-            <a:extLst>
-              <a:ext uri="{FF2B5EF4-FFF2-40B4-BE49-F238E27FC236}">
-                <a16:creationId xmlns:a16="http://schemas.microsoft.com/office/drawing/2014/main" id="{14174CED-687D-8007-FBEC-131A44420A4A}"/>
-              </a:ext>
-            </a:extLst>
-          </p:cNvPr>
+          <p:cNvPr id="4" name="Date Placeholder 3"/>
           <p:cNvSpPr>
             <a:spLocks noGrp="1"/>
           </p:cNvSpPr>
@@ -260,7 +245,7 @@
           <a:p>
             <a:fld id="{09A208B9-A1FD-A545-84FD-D19EFD3032C3}" type="datetimeFigureOut">
               <a:rPr lang="en-US" smtClean="0"/>
-              <a:t>3/5/25</a:t>
+              <a:t>3/12/25</a:t>
             </a:fld>
             <a:endParaRPr lang="en-US"/>
           </a:p>
@@ -268,13 +253,7 @@
       </p:sp>
       <p:sp>
         <p:nvSpPr>
-          <p:cNvPr id="5" name="Footer Placeholder 4">
-            <a:extLst>
-              <a:ext uri="{FF2B5EF4-FFF2-40B4-BE49-F238E27FC236}">
-                <a16:creationId xmlns:a16="http://schemas.microsoft.com/office/drawing/2014/main" id="{92BBF1B3-2D13-4503-819C-40DF2799D5A0}"/>
-              </a:ext>
-            </a:extLst>
-          </p:cNvPr>
+          <p:cNvPr id="5" name="Footer Placeholder 4"/>
           <p:cNvSpPr>
             <a:spLocks noGrp="1"/>
           </p:cNvSpPr>
@@ -293,13 +272,7 @@
       </p:sp>
       <p:sp>
         <p:nvSpPr>
-          <p:cNvPr id="6" name="Slide Number Placeholder 5">
-            <a:extLst>
-              <a:ext uri="{FF2B5EF4-FFF2-40B4-BE49-F238E27FC236}">
-                <a16:creationId xmlns:a16="http://schemas.microsoft.com/office/drawing/2014/main" id="{7CA8E914-DBA9-27D5-5377-D620AEDB2540}"/>
-              </a:ext>
-            </a:extLst>
-          </p:cNvPr>
+          <p:cNvPr id="6" name="Slide Number Placeholder 5"/>
           <p:cNvSpPr>
             <a:spLocks noGrp="1"/>
           </p:cNvSpPr>
@@ -323,7 +296,7 @@
     </p:spTree>
     <p:extLst>
       <p:ext uri="{BB962C8B-B14F-4D97-AF65-F5344CB8AC3E}">
-        <p14:creationId xmlns:p14="http://schemas.microsoft.com/office/powerpoint/2010/main" val="2816062749"/>
+        <p14:creationId xmlns:p14="http://schemas.microsoft.com/office/powerpoint/2010/main" val="3926135756"/>
       </p:ext>
     </p:extLst>
   </p:cSld>
@@ -352,13 +325,7 @@
       </p:grpSpPr>
       <p:sp>
         <p:nvSpPr>
-          <p:cNvPr id="2" name="Title 1">
-            <a:extLst>
-              <a:ext uri="{FF2B5EF4-FFF2-40B4-BE49-F238E27FC236}">
-                <a16:creationId xmlns:a16="http://schemas.microsoft.com/office/drawing/2014/main" id="{599641FB-1883-DDF2-5626-DEC50EE68639}"/>
-              </a:ext>
-            </a:extLst>
-          </p:cNvPr>
+          <p:cNvPr id="2" name="Title 1"/>
           <p:cNvSpPr>
             <a:spLocks noGrp="1"/>
           </p:cNvSpPr>
@@ -375,18 +342,13 @@
               <a:rPr lang="en-US"/>
               <a:t>Click to edit Master title style</a:t>
             </a:r>
+            <a:endParaRPr lang="en-US" dirty="0"/>
           </a:p>
         </p:txBody>
       </p:sp>
       <p:sp>
         <p:nvSpPr>
-          <p:cNvPr id="3" name="Vertical Text Placeholder 2">
-            <a:extLst>
-              <a:ext uri="{FF2B5EF4-FFF2-40B4-BE49-F238E27FC236}">
-                <a16:creationId xmlns:a16="http://schemas.microsoft.com/office/drawing/2014/main" id="{522FA965-4D65-DFB5-A00E-347944FDCFCB}"/>
-              </a:ext>
-            </a:extLst>
-          </p:cNvPr>
+          <p:cNvPr id="3" name="Vertical Text Placeholder 2"/>
           <p:cNvSpPr>
             <a:spLocks noGrp="1"/>
           </p:cNvSpPr>
@@ -432,18 +394,13 @@
               <a:rPr lang="en-US"/>
               <a:t>Fifth level</a:t>
             </a:r>
+            <a:endParaRPr lang="en-US" dirty="0"/>
           </a:p>
         </p:txBody>
       </p:sp>
       <p:sp>
         <p:nvSpPr>
-          <p:cNvPr id="4" name="Date Placeholder 3">
-            <a:extLst>
-              <a:ext uri="{FF2B5EF4-FFF2-40B4-BE49-F238E27FC236}">
-                <a16:creationId xmlns:a16="http://schemas.microsoft.com/office/drawing/2014/main" id="{003EEF77-E936-7474-0F7E-F2F81AB12CFC}"/>
-              </a:ext>
-            </a:extLst>
-          </p:cNvPr>
+          <p:cNvPr id="4" name="Date Placeholder 3"/>
           <p:cNvSpPr>
             <a:spLocks noGrp="1"/>
           </p:cNvSpPr>
@@ -458,7 +415,7 @@
           <a:p>
             <a:fld id="{09A208B9-A1FD-A545-84FD-D19EFD3032C3}" type="datetimeFigureOut">
               <a:rPr lang="en-US" smtClean="0"/>
-              <a:t>3/5/25</a:t>
+              <a:t>3/12/25</a:t>
             </a:fld>
             <a:endParaRPr lang="en-US"/>
           </a:p>
@@ -466,13 +423,7 @@
       </p:sp>
       <p:sp>
         <p:nvSpPr>
-          <p:cNvPr id="5" name="Footer Placeholder 4">
-            <a:extLst>
-              <a:ext uri="{FF2B5EF4-FFF2-40B4-BE49-F238E27FC236}">
-                <a16:creationId xmlns:a16="http://schemas.microsoft.com/office/drawing/2014/main" id="{47A025DA-2E6D-C462-D741-F01B0C6FD188}"/>
-              </a:ext>
-            </a:extLst>
-          </p:cNvPr>
+          <p:cNvPr id="5" name="Footer Placeholder 4"/>
           <p:cNvSpPr>
             <a:spLocks noGrp="1"/>
           </p:cNvSpPr>
@@ -491,13 +442,7 @@
       </p:sp>
       <p:sp>
         <p:nvSpPr>
-          <p:cNvPr id="6" name="Slide Number Placeholder 5">
-            <a:extLst>
-              <a:ext uri="{FF2B5EF4-FFF2-40B4-BE49-F238E27FC236}">
-                <a16:creationId xmlns:a16="http://schemas.microsoft.com/office/drawing/2014/main" id="{3A14193C-B2D3-C324-C970-F9D77FB825EC}"/>
-              </a:ext>
-            </a:extLst>
-          </p:cNvPr>
+          <p:cNvPr id="6" name="Slide Number Placeholder 5"/>
           <p:cNvSpPr>
             <a:spLocks noGrp="1"/>
           </p:cNvSpPr>
@@ -521,7 +466,7 @@
     </p:spTree>
     <p:extLst>
       <p:ext uri="{BB962C8B-B14F-4D97-AF65-F5344CB8AC3E}">
-        <p14:creationId xmlns:p14="http://schemas.microsoft.com/office/powerpoint/2010/main" val="1955789930"/>
+        <p14:creationId xmlns:p14="http://schemas.microsoft.com/office/powerpoint/2010/main" val="2273187825"/>
       </p:ext>
     </p:extLst>
   </p:cSld>
@@ -550,13 +495,7 @@
       </p:grpSpPr>
       <p:sp>
         <p:nvSpPr>
-          <p:cNvPr id="2" name="Vertical Title 1">
-            <a:extLst>
-              <a:ext uri="{FF2B5EF4-FFF2-40B4-BE49-F238E27FC236}">
-                <a16:creationId xmlns:a16="http://schemas.microsoft.com/office/drawing/2014/main" id="{EF62BED7-12AE-F9BE-FFD4-9353381CE5C7}"/>
-              </a:ext>
-            </a:extLst>
-          </p:cNvPr>
+          <p:cNvPr id="2" name="Vertical Title 1"/>
           <p:cNvSpPr>
             <a:spLocks noGrp="1"/>
           </p:cNvSpPr>
@@ -566,8 +505,8 @@
         </p:nvSpPr>
         <p:spPr>
           <a:xfrm>
-            <a:off x="8724900" y="365125"/>
-            <a:ext cx="2628900" cy="5811838"/>
+            <a:off x="8724901" y="648942"/>
+            <a:ext cx="2628900" cy="10329466"/>
           </a:xfrm>
         </p:spPr>
         <p:txBody>
@@ -578,18 +517,13 @@
               <a:rPr lang="en-US"/>
               <a:t>Click to edit Master title style</a:t>
             </a:r>
+            <a:endParaRPr lang="en-US" dirty="0"/>
           </a:p>
         </p:txBody>
       </p:sp>
       <p:sp>
         <p:nvSpPr>
-          <p:cNvPr id="3" name="Vertical Text Placeholder 2">
-            <a:extLst>
-              <a:ext uri="{FF2B5EF4-FFF2-40B4-BE49-F238E27FC236}">
-                <a16:creationId xmlns:a16="http://schemas.microsoft.com/office/drawing/2014/main" id="{DD8E4972-6A7F-995C-FEBC-546569515D35}"/>
-              </a:ext>
-            </a:extLst>
-          </p:cNvPr>
+          <p:cNvPr id="3" name="Vertical Text Placeholder 2"/>
           <p:cNvSpPr>
             <a:spLocks noGrp="1"/>
           </p:cNvSpPr>
@@ -599,8 +533,8 @@
         </p:nvSpPr>
         <p:spPr>
           <a:xfrm>
-            <a:off x="838200" y="365125"/>
-            <a:ext cx="7734300" cy="5811838"/>
+            <a:off x="838201" y="648942"/>
+            <a:ext cx="7734300" cy="10329466"/>
           </a:xfrm>
         </p:spPr>
         <p:txBody>
@@ -640,18 +574,13 @@
               <a:rPr lang="en-US"/>
               <a:t>Fifth level</a:t>
             </a:r>
+            <a:endParaRPr lang="en-US" dirty="0"/>
           </a:p>
         </p:txBody>
       </p:sp>
       <p:sp>
         <p:nvSpPr>
-          <p:cNvPr id="4" name="Date Placeholder 3">
-            <a:extLst>
-              <a:ext uri="{FF2B5EF4-FFF2-40B4-BE49-F238E27FC236}">
-                <a16:creationId xmlns:a16="http://schemas.microsoft.com/office/drawing/2014/main" id="{33ED29F1-42AE-C7CF-7074-52406BBDFA41}"/>
-              </a:ext>
-            </a:extLst>
-          </p:cNvPr>
+          <p:cNvPr id="4" name="Date Placeholder 3"/>
           <p:cNvSpPr>
             <a:spLocks noGrp="1"/>
           </p:cNvSpPr>
@@ -666,7 +595,7 @@
           <a:p>
             <a:fld id="{09A208B9-A1FD-A545-84FD-D19EFD3032C3}" type="datetimeFigureOut">
               <a:rPr lang="en-US" smtClean="0"/>
-              <a:t>3/5/25</a:t>
+              <a:t>3/12/25</a:t>
             </a:fld>
             <a:endParaRPr lang="en-US"/>
           </a:p>
@@ -674,13 +603,7 @@
       </p:sp>
       <p:sp>
         <p:nvSpPr>
-          <p:cNvPr id="5" name="Footer Placeholder 4">
-            <a:extLst>
-              <a:ext uri="{FF2B5EF4-FFF2-40B4-BE49-F238E27FC236}">
-                <a16:creationId xmlns:a16="http://schemas.microsoft.com/office/drawing/2014/main" id="{602F114B-9829-E81B-DF6B-874ED8A12F1E}"/>
-              </a:ext>
-            </a:extLst>
-          </p:cNvPr>
+          <p:cNvPr id="5" name="Footer Placeholder 4"/>
           <p:cNvSpPr>
             <a:spLocks noGrp="1"/>
           </p:cNvSpPr>
@@ -699,13 +622,7 @@
       </p:sp>
       <p:sp>
         <p:nvSpPr>
-          <p:cNvPr id="6" name="Slide Number Placeholder 5">
-            <a:extLst>
-              <a:ext uri="{FF2B5EF4-FFF2-40B4-BE49-F238E27FC236}">
-                <a16:creationId xmlns:a16="http://schemas.microsoft.com/office/drawing/2014/main" id="{7B141948-95C6-1818-EF9C-FAFA873EC5EB}"/>
-              </a:ext>
-            </a:extLst>
-          </p:cNvPr>
+          <p:cNvPr id="6" name="Slide Number Placeholder 5"/>
           <p:cNvSpPr>
             <a:spLocks noGrp="1"/>
           </p:cNvSpPr>
@@ -729,7 +646,7 @@
     </p:spTree>
     <p:extLst>
       <p:ext uri="{BB962C8B-B14F-4D97-AF65-F5344CB8AC3E}">
-        <p14:creationId xmlns:p14="http://schemas.microsoft.com/office/powerpoint/2010/main" val="1664572868"/>
+        <p14:creationId xmlns:p14="http://schemas.microsoft.com/office/powerpoint/2010/main" val="2292353220"/>
       </p:ext>
     </p:extLst>
   </p:cSld>
@@ -758,13 +675,7 @@
       </p:grpSpPr>
       <p:sp>
         <p:nvSpPr>
-          <p:cNvPr id="2" name="Title 1">
-            <a:extLst>
-              <a:ext uri="{FF2B5EF4-FFF2-40B4-BE49-F238E27FC236}">
-                <a16:creationId xmlns:a16="http://schemas.microsoft.com/office/drawing/2014/main" id="{42932123-A8B9-8DF7-3B9E-8F39D8444795}"/>
-              </a:ext>
-            </a:extLst>
-          </p:cNvPr>
+          <p:cNvPr id="2" name="Title 1"/>
           <p:cNvSpPr>
             <a:spLocks noGrp="1"/>
           </p:cNvSpPr>
@@ -781,18 +692,13 @@
               <a:rPr lang="en-US"/>
               <a:t>Click to edit Master title style</a:t>
             </a:r>
+            <a:endParaRPr lang="en-US" dirty="0"/>
           </a:p>
         </p:txBody>
       </p:sp>
       <p:sp>
         <p:nvSpPr>
-          <p:cNvPr id="3" name="Content Placeholder 2">
-            <a:extLst>
-              <a:ext uri="{FF2B5EF4-FFF2-40B4-BE49-F238E27FC236}">
-                <a16:creationId xmlns:a16="http://schemas.microsoft.com/office/drawing/2014/main" id="{A36C5445-5243-7509-386C-A4C635BFC22A}"/>
-              </a:ext>
-            </a:extLst>
-          </p:cNvPr>
+          <p:cNvPr id="3" name="Content Placeholder 2"/>
           <p:cNvSpPr>
             <a:spLocks noGrp="1"/>
           </p:cNvSpPr>
@@ -838,18 +744,13 @@
               <a:rPr lang="en-US"/>
               <a:t>Fifth level</a:t>
             </a:r>
+            <a:endParaRPr lang="en-US" dirty="0"/>
           </a:p>
         </p:txBody>
       </p:sp>
       <p:sp>
         <p:nvSpPr>
-          <p:cNvPr id="4" name="Date Placeholder 3">
-            <a:extLst>
-              <a:ext uri="{FF2B5EF4-FFF2-40B4-BE49-F238E27FC236}">
-                <a16:creationId xmlns:a16="http://schemas.microsoft.com/office/drawing/2014/main" id="{1AF8489B-02E9-F277-0235-5249B0AFBC10}"/>
-              </a:ext>
-            </a:extLst>
-          </p:cNvPr>
+          <p:cNvPr id="4" name="Date Placeholder 3"/>
           <p:cNvSpPr>
             <a:spLocks noGrp="1"/>
           </p:cNvSpPr>
@@ -864,7 +765,7 @@
           <a:p>
             <a:fld id="{09A208B9-A1FD-A545-84FD-D19EFD3032C3}" type="datetimeFigureOut">
               <a:rPr lang="en-US" smtClean="0"/>
-              <a:t>3/5/25</a:t>
+              <a:t>3/12/25</a:t>
             </a:fld>
             <a:endParaRPr lang="en-US"/>
           </a:p>
@@ -872,13 +773,7 @@
       </p:sp>
       <p:sp>
         <p:nvSpPr>
-          <p:cNvPr id="5" name="Footer Placeholder 4">
-            <a:extLst>
-              <a:ext uri="{FF2B5EF4-FFF2-40B4-BE49-F238E27FC236}">
-                <a16:creationId xmlns:a16="http://schemas.microsoft.com/office/drawing/2014/main" id="{F841A527-BC98-D555-0DED-1B25E6734E42}"/>
-              </a:ext>
-            </a:extLst>
-          </p:cNvPr>
+          <p:cNvPr id="5" name="Footer Placeholder 4"/>
           <p:cNvSpPr>
             <a:spLocks noGrp="1"/>
           </p:cNvSpPr>
@@ -897,13 +792,7 @@
       </p:sp>
       <p:sp>
         <p:nvSpPr>
-          <p:cNvPr id="6" name="Slide Number Placeholder 5">
-            <a:extLst>
-              <a:ext uri="{FF2B5EF4-FFF2-40B4-BE49-F238E27FC236}">
-                <a16:creationId xmlns:a16="http://schemas.microsoft.com/office/drawing/2014/main" id="{52B1E814-8132-990F-7078-17EF4B0F10E4}"/>
-              </a:ext>
-            </a:extLst>
-          </p:cNvPr>
+          <p:cNvPr id="6" name="Slide Number Placeholder 5"/>
           <p:cNvSpPr>
             <a:spLocks noGrp="1"/>
           </p:cNvSpPr>
@@ -927,7 +816,7 @@
     </p:spTree>
     <p:extLst>
       <p:ext uri="{BB962C8B-B14F-4D97-AF65-F5344CB8AC3E}">
-        <p14:creationId xmlns:p14="http://schemas.microsoft.com/office/powerpoint/2010/main" val="1886375798"/>
+        <p14:creationId xmlns:p14="http://schemas.microsoft.com/office/powerpoint/2010/main" val="2051738572"/>
       </p:ext>
     </p:extLst>
   </p:cSld>
@@ -956,13 +845,7 @@
       </p:grpSpPr>
       <p:sp>
         <p:nvSpPr>
-          <p:cNvPr id="2" name="Title 1">
-            <a:extLst>
-              <a:ext uri="{FF2B5EF4-FFF2-40B4-BE49-F238E27FC236}">
-                <a16:creationId xmlns:a16="http://schemas.microsoft.com/office/drawing/2014/main" id="{C3E780CF-5A29-5F95-406F-A6209A03DD12}"/>
-              </a:ext>
-            </a:extLst>
-          </p:cNvPr>
+          <p:cNvPr id="2" name="Title 1"/>
           <p:cNvSpPr>
             <a:spLocks noGrp="1"/>
           </p:cNvSpPr>
@@ -972,15 +855,15 @@
         </p:nvSpPr>
         <p:spPr>
           <a:xfrm>
-            <a:off x="831850" y="1709738"/>
-            <a:ext cx="10515600" cy="2852737"/>
+            <a:off x="831851" y="3038745"/>
+            <a:ext cx="10515600" cy="5070212"/>
           </a:xfrm>
         </p:spPr>
         <p:txBody>
           <a:bodyPr anchor="b"/>
           <a:lstStyle>
             <a:lvl1pPr>
-              <a:defRPr sz="6000"/>
+              <a:defRPr sz="8000"/>
             </a:lvl1pPr>
           </a:lstStyle>
           <a:p>
@@ -988,18 +871,13 @@
               <a:rPr lang="en-US"/>
               <a:t>Click to edit Master title style</a:t>
             </a:r>
+            <a:endParaRPr lang="en-US" dirty="0"/>
           </a:p>
         </p:txBody>
       </p:sp>
       <p:sp>
         <p:nvSpPr>
-          <p:cNvPr id="3" name="Text Placeholder 2">
-            <a:extLst>
-              <a:ext uri="{FF2B5EF4-FFF2-40B4-BE49-F238E27FC236}">
-                <a16:creationId xmlns:a16="http://schemas.microsoft.com/office/drawing/2014/main" id="{05668AC2-637E-19FF-4079-A9ABC81ABD4A}"/>
-              </a:ext>
-            </a:extLst>
-          </p:cNvPr>
+          <p:cNvPr id="3" name="Text Placeholder 2"/>
           <p:cNvSpPr>
             <a:spLocks noGrp="1"/>
           </p:cNvSpPr>
@@ -1009,14 +887,34 @@
         </p:nvSpPr>
         <p:spPr>
           <a:xfrm>
-            <a:off x="831850" y="4589463"/>
-            <a:ext cx="10515600" cy="1500187"/>
+            <a:off x="831851" y="8156923"/>
+            <a:ext cx="10515600" cy="2666305"/>
           </a:xfrm>
         </p:spPr>
         <p:txBody>
           <a:bodyPr/>
           <a:lstStyle>
             <a:lvl1pPr marL="0" indent="0">
+              <a:buNone/>
+              <a:defRPr sz="3200">
+                <a:solidFill>
+                  <a:schemeClr val="tx1">
+                    <a:tint val="82000"/>
+                  </a:schemeClr>
+                </a:solidFill>
+              </a:defRPr>
+            </a:lvl1pPr>
+            <a:lvl2pPr marL="609585" indent="0">
+              <a:buNone/>
+              <a:defRPr sz="2667">
+                <a:solidFill>
+                  <a:schemeClr val="tx1">
+                    <a:tint val="82000"/>
+                  </a:schemeClr>
+                </a:solidFill>
+              </a:defRPr>
+            </a:lvl2pPr>
+            <a:lvl3pPr marL="1219170" indent="0">
               <a:buNone/>
               <a:defRPr sz="2400">
                 <a:solidFill>
@@ -1025,30 +923,10 @@
                   </a:schemeClr>
                 </a:solidFill>
               </a:defRPr>
-            </a:lvl1pPr>
-            <a:lvl2pPr marL="457200" indent="0">
+            </a:lvl3pPr>
+            <a:lvl4pPr marL="1828754" indent="0">
               <a:buNone/>
-              <a:defRPr sz="2000">
-                <a:solidFill>
-                  <a:schemeClr val="tx1">
-                    <a:tint val="82000"/>
-                  </a:schemeClr>
-                </a:solidFill>
-              </a:defRPr>
-            </a:lvl2pPr>
-            <a:lvl3pPr marL="914400" indent="0">
-              <a:buNone/>
-              <a:defRPr sz="1800">
-                <a:solidFill>
-                  <a:schemeClr val="tx1">
-                    <a:tint val="82000"/>
-                  </a:schemeClr>
-                </a:solidFill>
-              </a:defRPr>
-            </a:lvl3pPr>
-            <a:lvl4pPr marL="1371600" indent="0">
-              <a:buNone/>
-              <a:defRPr sz="1600">
+              <a:defRPr sz="2133">
                 <a:solidFill>
                   <a:schemeClr val="tx1">
                     <a:tint val="82000"/>
@@ -1056,9 +934,9 @@
                 </a:solidFill>
               </a:defRPr>
             </a:lvl4pPr>
-            <a:lvl5pPr marL="1828800" indent="0">
+            <a:lvl5pPr marL="2438339" indent="0">
               <a:buNone/>
-              <a:defRPr sz="1600">
+              <a:defRPr sz="2133">
                 <a:solidFill>
                   <a:schemeClr val="tx1">
                     <a:tint val="82000"/>
@@ -1066,9 +944,9 @@
                 </a:solidFill>
               </a:defRPr>
             </a:lvl5pPr>
-            <a:lvl6pPr marL="2286000" indent="0">
+            <a:lvl6pPr marL="3047924" indent="0">
               <a:buNone/>
-              <a:defRPr sz="1600">
+              <a:defRPr sz="2133">
                 <a:solidFill>
                   <a:schemeClr val="tx1">
                     <a:tint val="82000"/>
@@ -1076,9 +954,9 @@
                 </a:solidFill>
               </a:defRPr>
             </a:lvl6pPr>
-            <a:lvl7pPr marL="2743200" indent="0">
+            <a:lvl7pPr marL="3657509" indent="0">
               <a:buNone/>
-              <a:defRPr sz="1600">
+              <a:defRPr sz="2133">
                 <a:solidFill>
                   <a:schemeClr val="tx1">
                     <a:tint val="82000"/>
@@ -1086,9 +964,9 @@
                 </a:solidFill>
               </a:defRPr>
             </a:lvl7pPr>
-            <a:lvl8pPr marL="3200400" indent="0">
+            <a:lvl8pPr marL="4267093" indent="0">
               <a:buNone/>
-              <a:defRPr sz="1600">
+              <a:defRPr sz="2133">
                 <a:solidFill>
                   <a:schemeClr val="tx1">
                     <a:tint val="82000"/>
@@ -1096,9 +974,9 @@
                 </a:solidFill>
               </a:defRPr>
             </a:lvl8pPr>
-            <a:lvl9pPr marL="3657600" indent="0">
+            <a:lvl9pPr marL="4876678" indent="0">
               <a:buNone/>
-              <a:defRPr sz="1600">
+              <a:defRPr sz="2133">
                 <a:solidFill>
                   <a:schemeClr val="tx1">
                     <a:tint val="82000"/>
@@ -1118,13 +996,7 @@
       </p:sp>
       <p:sp>
         <p:nvSpPr>
-          <p:cNvPr id="4" name="Date Placeholder 3">
-            <a:extLst>
-              <a:ext uri="{FF2B5EF4-FFF2-40B4-BE49-F238E27FC236}">
-                <a16:creationId xmlns:a16="http://schemas.microsoft.com/office/drawing/2014/main" id="{84A540B6-3F97-4BAC-1195-8D3BC2B5EF5F}"/>
-              </a:ext>
-            </a:extLst>
-          </p:cNvPr>
+          <p:cNvPr id="4" name="Date Placeholder 3"/>
           <p:cNvSpPr>
             <a:spLocks noGrp="1"/>
           </p:cNvSpPr>
@@ -1139,7 +1011,7 @@
           <a:p>
             <a:fld id="{09A208B9-A1FD-A545-84FD-D19EFD3032C3}" type="datetimeFigureOut">
               <a:rPr lang="en-US" smtClean="0"/>
-              <a:t>3/5/25</a:t>
+              <a:t>3/12/25</a:t>
             </a:fld>
             <a:endParaRPr lang="en-US"/>
           </a:p>
@@ -1147,13 +1019,7 @@
       </p:sp>
       <p:sp>
         <p:nvSpPr>
-          <p:cNvPr id="5" name="Footer Placeholder 4">
-            <a:extLst>
-              <a:ext uri="{FF2B5EF4-FFF2-40B4-BE49-F238E27FC236}">
-                <a16:creationId xmlns:a16="http://schemas.microsoft.com/office/drawing/2014/main" id="{8B2763BA-A212-1607-6D76-C10D00B57E00}"/>
-              </a:ext>
-            </a:extLst>
-          </p:cNvPr>
+          <p:cNvPr id="5" name="Footer Placeholder 4"/>
           <p:cNvSpPr>
             <a:spLocks noGrp="1"/>
           </p:cNvSpPr>
@@ -1172,13 +1038,7 @@
       </p:sp>
       <p:sp>
         <p:nvSpPr>
-          <p:cNvPr id="6" name="Slide Number Placeholder 5">
-            <a:extLst>
-              <a:ext uri="{FF2B5EF4-FFF2-40B4-BE49-F238E27FC236}">
-                <a16:creationId xmlns:a16="http://schemas.microsoft.com/office/drawing/2014/main" id="{87B9AF42-5E21-95A7-8ABD-DDBC99E07591}"/>
-              </a:ext>
-            </a:extLst>
-          </p:cNvPr>
+          <p:cNvPr id="6" name="Slide Number Placeholder 5"/>
           <p:cNvSpPr>
             <a:spLocks noGrp="1"/>
           </p:cNvSpPr>
@@ -1202,7 +1062,7 @@
     </p:spTree>
     <p:extLst>
       <p:ext uri="{BB962C8B-B14F-4D97-AF65-F5344CB8AC3E}">
-        <p14:creationId xmlns:p14="http://schemas.microsoft.com/office/powerpoint/2010/main" val="2020240354"/>
+        <p14:creationId xmlns:p14="http://schemas.microsoft.com/office/powerpoint/2010/main" val="1189445898"/>
       </p:ext>
     </p:extLst>
   </p:cSld>
@@ -1231,13 +1091,7 @@
       </p:grpSpPr>
       <p:sp>
         <p:nvSpPr>
-          <p:cNvPr id="2" name="Title 1">
-            <a:extLst>
-              <a:ext uri="{FF2B5EF4-FFF2-40B4-BE49-F238E27FC236}">
-                <a16:creationId xmlns:a16="http://schemas.microsoft.com/office/drawing/2014/main" id="{CE1A1F82-302B-6978-B2A1-08F70521876A}"/>
-              </a:ext>
-            </a:extLst>
-          </p:cNvPr>
+          <p:cNvPr id="2" name="Title 1"/>
           <p:cNvSpPr>
             <a:spLocks noGrp="1"/>
           </p:cNvSpPr>
@@ -1254,18 +1108,13 @@
               <a:rPr lang="en-US"/>
               <a:t>Click to edit Master title style</a:t>
             </a:r>
+            <a:endParaRPr lang="en-US" dirty="0"/>
           </a:p>
         </p:txBody>
       </p:sp>
       <p:sp>
         <p:nvSpPr>
-          <p:cNvPr id="3" name="Content Placeholder 2">
-            <a:extLst>
-              <a:ext uri="{FF2B5EF4-FFF2-40B4-BE49-F238E27FC236}">
-                <a16:creationId xmlns:a16="http://schemas.microsoft.com/office/drawing/2014/main" id="{7524E72B-D3A1-9029-ED0A-68061D359A9E}"/>
-              </a:ext>
-            </a:extLst>
-          </p:cNvPr>
+          <p:cNvPr id="3" name="Content Placeholder 2"/>
           <p:cNvSpPr>
             <a:spLocks noGrp="1"/>
           </p:cNvSpPr>
@@ -1275,8 +1124,8 @@
         </p:nvSpPr>
         <p:spPr>
           <a:xfrm>
-            <a:off x="838200" y="1825625"/>
-            <a:ext cx="5181600" cy="4351338"/>
+            <a:off x="838200" y="3244711"/>
+            <a:ext cx="5181600" cy="7733697"/>
           </a:xfrm>
         </p:spPr>
         <p:txBody>
@@ -1316,18 +1165,13 @@
               <a:rPr lang="en-US"/>
               <a:t>Fifth level</a:t>
             </a:r>
+            <a:endParaRPr lang="en-US" dirty="0"/>
           </a:p>
         </p:txBody>
       </p:sp>
       <p:sp>
         <p:nvSpPr>
-          <p:cNvPr id="4" name="Content Placeholder 3">
-            <a:extLst>
-              <a:ext uri="{FF2B5EF4-FFF2-40B4-BE49-F238E27FC236}">
-                <a16:creationId xmlns:a16="http://schemas.microsoft.com/office/drawing/2014/main" id="{D17F8634-C8BC-A687-6E91-3C1C8B59791E}"/>
-              </a:ext>
-            </a:extLst>
-          </p:cNvPr>
+          <p:cNvPr id="4" name="Content Placeholder 3"/>
           <p:cNvSpPr>
             <a:spLocks noGrp="1"/>
           </p:cNvSpPr>
@@ -1337,8 +1181,8 @@
         </p:nvSpPr>
         <p:spPr>
           <a:xfrm>
-            <a:off x="6172200" y="1825625"/>
-            <a:ext cx="5181600" cy="4351338"/>
+            <a:off x="6172200" y="3244711"/>
+            <a:ext cx="5181600" cy="7733697"/>
           </a:xfrm>
         </p:spPr>
         <p:txBody>
@@ -1378,18 +1222,13 @@
               <a:rPr lang="en-US"/>
               <a:t>Fifth level</a:t>
             </a:r>
+            <a:endParaRPr lang="en-US" dirty="0"/>
           </a:p>
         </p:txBody>
       </p:sp>
       <p:sp>
         <p:nvSpPr>
-          <p:cNvPr id="5" name="Date Placeholder 4">
-            <a:extLst>
-              <a:ext uri="{FF2B5EF4-FFF2-40B4-BE49-F238E27FC236}">
-                <a16:creationId xmlns:a16="http://schemas.microsoft.com/office/drawing/2014/main" id="{6EFAEC06-BFB7-2212-E06E-0FDF467B0764}"/>
-              </a:ext>
-            </a:extLst>
-          </p:cNvPr>
+          <p:cNvPr id="5" name="Date Placeholder 4"/>
           <p:cNvSpPr>
             <a:spLocks noGrp="1"/>
           </p:cNvSpPr>
@@ -1404,7 +1243,7 @@
           <a:p>
             <a:fld id="{09A208B9-A1FD-A545-84FD-D19EFD3032C3}" type="datetimeFigureOut">
               <a:rPr lang="en-US" smtClean="0"/>
-              <a:t>3/5/25</a:t>
+              <a:t>3/12/25</a:t>
             </a:fld>
             <a:endParaRPr lang="en-US"/>
           </a:p>
@@ -1412,13 +1251,7 @@
       </p:sp>
       <p:sp>
         <p:nvSpPr>
-          <p:cNvPr id="6" name="Footer Placeholder 5">
-            <a:extLst>
-              <a:ext uri="{FF2B5EF4-FFF2-40B4-BE49-F238E27FC236}">
-                <a16:creationId xmlns:a16="http://schemas.microsoft.com/office/drawing/2014/main" id="{3591D169-7571-FA20-BC63-AC0CBC8FBF1D}"/>
-              </a:ext>
-            </a:extLst>
-          </p:cNvPr>
+          <p:cNvPr id="6" name="Footer Placeholder 5"/>
           <p:cNvSpPr>
             <a:spLocks noGrp="1"/>
           </p:cNvSpPr>
@@ -1437,13 +1270,7 @@
       </p:sp>
       <p:sp>
         <p:nvSpPr>
-          <p:cNvPr id="7" name="Slide Number Placeholder 6">
-            <a:extLst>
-              <a:ext uri="{FF2B5EF4-FFF2-40B4-BE49-F238E27FC236}">
-                <a16:creationId xmlns:a16="http://schemas.microsoft.com/office/drawing/2014/main" id="{9929E11B-1FF5-3B57-D214-2FF15BAD9F8B}"/>
-              </a:ext>
-            </a:extLst>
-          </p:cNvPr>
+          <p:cNvPr id="7" name="Slide Number Placeholder 6"/>
           <p:cNvSpPr>
             <a:spLocks noGrp="1"/>
           </p:cNvSpPr>
@@ -1467,7 +1294,7 @@
     </p:spTree>
     <p:extLst>
       <p:ext uri="{BB962C8B-B14F-4D97-AF65-F5344CB8AC3E}">
-        <p14:creationId xmlns:p14="http://schemas.microsoft.com/office/powerpoint/2010/main" val="2883880610"/>
+        <p14:creationId xmlns:p14="http://schemas.microsoft.com/office/powerpoint/2010/main" val="2114416974"/>
       </p:ext>
     </p:extLst>
   </p:cSld>
@@ -1496,13 +1323,7 @@
       </p:grpSpPr>
       <p:sp>
         <p:nvSpPr>
-          <p:cNvPr id="2" name="Title 1">
-            <a:extLst>
-              <a:ext uri="{FF2B5EF4-FFF2-40B4-BE49-F238E27FC236}">
-                <a16:creationId xmlns:a16="http://schemas.microsoft.com/office/drawing/2014/main" id="{C4085533-CB14-2F47-8307-9C18FF18EF63}"/>
-              </a:ext>
-            </a:extLst>
-          </p:cNvPr>
+          <p:cNvPr id="2" name="Title 1"/>
           <p:cNvSpPr>
             <a:spLocks noGrp="1"/>
           </p:cNvSpPr>
@@ -1512,8 +1333,8 @@
         </p:nvSpPr>
         <p:spPr>
           <a:xfrm>
-            <a:off x="839788" y="365125"/>
-            <a:ext cx="10515600" cy="1325563"/>
+            <a:off x="839788" y="648945"/>
+            <a:ext cx="10515600" cy="2355943"/>
           </a:xfrm>
         </p:spPr>
         <p:txBody>
@@ -1524,18 +1345,13 @@
               <a:rPr lang="en-US"/>
               <a:t>Click to edit Master title style</a:t>
             </a:r>
+            <a:endParaRPr lang="en-US" dirty="0"/>
           </a:p>
         </p:txBody>
       </p:sp>
       <p:sp>
         <p:nvSpPr>
-          <p:cNvPr id="3" name="Text Placeholder 2">
-            <a:extLst>
-              <a:ext uri="{FF2B5EF4-FFF2-40B4-BE49-F238E27FC236}">
-                <a16:creationId xmlns:a16="http://schemas.microsoft.com/office/drawing/2014/main" id="{31163ED5-ECC9-D113-1152-96E4ED2B4B84}"/>
-              </a:ext>
-            </a:extLst>
-          </p:cNvPr>
+          <p:cNvPr id="3" name="Text Placeholder 2"/>
           <p:cNvSpPr>
             <a:spLocks noGrp="1"/>
           </p:cNvSpPr>
@@ -1545,8 +1361,8 @@
         </p:nvSpPr>
         <p:spPr>
           <a:xfrm>
-            <a:off x="839788" y="1681163"/>
-            <a:ext cx="5157787" cy="823912"/>
+            <a:off x="839789" y="2987956"/>
+            <a:ext cx="5157787" cy="1464351"/>
           </a:xfrm>
         </p:spPr>
         <p:txBody>
@@ -1554,39 +1370,39 @@
           <a:lstStyle>
             <a:lvl1pPr marL="0" indent="0">
               <a:buNone/>
+              <a:defRPr sz="3200" b="1"/>
+            </a:lvl1pPr>
+            <a:lvl2pPr marL="609585" indent="0">
+              <a:buNone/>
+              <a:defRPr sz="2667" b="1"/>
+            </a:lvl2pPr>
+            <a:lvl3pPr marL="1219170" indent="0">
+              <a:buNone/>
               <a:defRPr sz="2400" b="1"/>
-            </a:lvl1pPr>
-            <a:lvl2pPr marL="457200" indent="0">
+            </a:lvl3pPr>
+            <a:lvl4pPr marL="1828754" indent="0">
               <a:buNone/>
-              <a:defRPr sz="2000" b="1"/>
-            </a:lvl2pPr>
-            <a:lvl3pPr marL="914400" indent="0">
+              <a:defRPr sz="2133" b="1"/>
+            </a:lvl4pPr>
+            <a:lvl5pPr marL="2438339" indent="0">
               <a:buNone/>
-              <a:defRPr sz="1800" b="1"/>
-            </a:lvl3pPr>
-            <a:lvl4pPr marL="1371600" indent="0">
+              <a:defRPr sz="2133" b="1"/>
+            </a:lvl5pPr>
+            <a:lvl6pPr marL="3047924" indent="0">
               <a:buNone/>
-              <a:defRPr sz="1600" b="1"/>
-            </a:lvl4pPr>
-            <a:lvl5pPr marL="1828800" indent="0">
+              <a:defRPr sz="2133" b="1"/>
+            </a:lvl6pPr>
+            <a:lvl7pPr marL="3657509" indent="0">
               <a:buNone/>
-              <a:defRPr sz="1600" b="1"/>
-            </a:lvl5pPr>
-            <a:lvl6pPr marL="2286000" indent="0">
+              <a:defRPr sz="2133" b="1"/>
+            </a:lvl7pPr>
+            <a:lvl8pPr marL="4267093" indent="0">
               <a:buNone/>
-              <a:defRPr sz="1600" b="1"/>
-            </a:lvl6pPr>
-            <a:lvl7pPr marL="2743200" indent="0">
+              <a:defRPr sz="2133" b="1"/>
+            </a:lvl8pPr>
+            <a:lvl9pPr marL="4876678" indent="0">
               <a:buNone/>
-              <a:defRPr sz="1600" b="1"/>
-            </a:lvl7pPr>
-            <a:lvl8pPr marL="3200400" indent="0">
-              <a:buNone/>
-              <a:defRPr sz="1600" b="1"/>
-            </a:lvl8pPr>
-            <a:lvl9pPr marL="3657600" indent="0">
-              <a:buNone/>
-              <a:defRPr sz="1600" b="1"/>
+              <a:defRPr sz="2133" b="1"/>
             </a:lvl9pPr>
           </a:lstStyle>
           <a:p>
@@ -1600,13 +1416,7 @@
       </p:sp>
       <p:sp>
         <p:nvSpPr>
-          <p:cNvPr id="4" name="Content Placeholder 3">
-            <a:extLst>
-              <a:ext uri="{FF2B5EF4-FFF2-40B4-BE49-F238E27FC236}">
-                <a16:creationId xmlns:a16="http://schemas.microsoft.com/office/drawing/2014/main" id="{5C8DFFD4-75D7-7861-5926-7C477AE27CF8}"/>
-              </a:ext>
-            </a:extLst>
-          </p:cNvPr>
+          <p:cNvPr id="4" name="Content Placeholder 3"/>
           <p:cNvSpPr>
             <a:spLocks noGrp="1"/>
           </p:cNvSpPr>
@@ -1616,8 +1426,8 @@
         </p:nvSpPr>
         <p:spPr>
           <a:xfrm>
-            <a:off x="839788" y="2505075"/>
-            <a:ext cx="5157787" cy="3684588"/>
+            <a:off x="839789" y="4452307"/>
+            <a:ext cx="5157787" cy="6548673"/>
           </a:xfrm>
         </p:spPr>
         <p:txBody>
@@ -1657,18 +1467,13 @@
               <a:rPr lang="en-US"/>
               <a:t>Fifth level</a:t>
             </a:r>
+            <a:endParaRPr lang="en-US" dirty="0"/>
           </a:p>
         </p:txBody>
       </p:sp>
       <p:sp>
         <p:nvSpPr>
-          <p:cNvPr id="5" name="Text Placeholder 4">
-            <a:extLst>
-              <a:ext uri="{FF2B5EF4-FFF2-40B4-BE49-F238E27FC236}">
-                <a16:creationId xmlns:a16="http://schemas.microsoft.com/office/drawing/2014/main" id="{90F68D95-625C-4CF9-DA7A-73980EF27F2B}"/>
-              </a:ext>
-            </a:extLst>
-          </p:cNvPr>
+          <p:cNvPr id="5" name="Text Placeholder 4"/>
           <p:cNvSpPr>
             <a:spLocks noGrp="1"/>
           </p:cNvSpPr>
@@ -1678,8 +1483,8 @@
         </p:nvSpPr>
         <p:spPr>
           <a:xfrm>
-            <a:off x="6172200" y="1681163"/>
-            <a:ext cx="5183188" cy="823912"/>
+            <a:off x="6172201" y="2987956"/>
+            <a:ext cx="5183188" cy="1464351"/>
           </a:xfrm>
         </p:spPr>
         <p:txBody>
@@ -1687,39 +1492,39 @@
           <a:lstStyle>
             <a:lvl1pPr marL="0" indent="0">
               <a:buNone/>
+              <a:defRPr sz="3200" b="1"/>
+            </a:lvl1pPr>
+            <a:lvl2pPr marL="609585" indent="0">
+              <a:buNone/>
+              <a:defRPr sz="2667" b="1"/>
+            </a:lvl2pPr>
+            <a:lvl3pPr marL="1219170" indent="0">
+              <a:buNone/>
               <a:defRPr sz="2400" b="1"/>
-            </a:lvl1pPr>
-            <a:lvl2pPr marL="457200" indent="0">
+            </a:lvl3pPr>
+            <a:lvl4pPr marL="1828754" indent="0">
               <a:buNone/>
-              <a:defRPr sz="2000" b="1"/>
-            </a:lvl2pPr>
-            <a:lvl3pPr marL="914400" indent="0">
+              <a:defRPr sz="2133" b="1"/>
+            </a:lvl4pPr>
+            <a:lvl5pPr marL="2438339" indent="0">
               <a:buNone/>
-              <a:defRPr sz="1800" b="1"/>
-            </a:lvl3pPr>
-            <a:lvl4pPr marL="1371600" indent="0">
+              <a:defRPr sz="2133" b="1"/>
+            </a:lvl5pPr>
+            <a:lvl6pPr marL="3047924" indent="0">
               <a:buNone/>
-              <a:defRPr sz="1600" b="1"/>
-            </a:lvl4pPr>
-            <a:lvl5pPr marL="1828800" indent="0">
+              <a:defRPr sz="2133" b="1"/>
+            </a:lvl6pPr>
+            <a:lvl7pPr marL="3657509" indent="0">
               <a:buNone/>
-              <a:defRPr sz="1600" b="1"/>
-            </a:lvl5pPr>
-            <a:lvl6pPr marL="2286000" indent="0">
+              <a:defRPr sz="2133" b="1"/>
+            </a:lvl7pPr>
+            <a:lvl8pPr marL="4267093" indent="0">
               <a:buNone/>
-              <a:defRPr sz="1600" b="1"/>
-            </a:lvl6pPr>
-            <a:lvl7pPr marL="2743200" indent="0">
+              <a:defRPr sz="2133" b="1"/>
+            </a:lvl8pPr>
+            <a:lvl9pPr marL="4876678" indent="0">
               <a:buNone/>
-              <a:defRPr sz="1600" b="1"/>
-            </a:lvl7pPr>
-            <a:lvl8pPr marL="3200400" indent="0">
-              <a:buNone/>
-              <a:defRPr sz="1600" b="1"/>
-            </a:lvl8pPr>
-            <a:lvl9pPr marL="3657600" indent="0">
-              <a:buNone/>
-              <a:defRPr sz="1600" b="1"/>
+              <a:defRPr sz="2133" b="1"/>
             </a:lvl9pPr>
           </a:lstStyle>
           <a:p>
@@ -1733,13 +1538,7 @@
       </p:sp>
       <p:sp>
         <p:nvSpPr>
-          <p:cNvPr id="6" name="Content Placeholder 5">
-            <a:extLst>
-              <a:ext uri="{FF2B5EF4-FFF2-40B4-BE49-F238E27FC236}">
-                <a16:creationId xmlns:a16="http://schemas.microsoft.com/office/drawing/2014/main" id="{82A917BC-ABC2-37DE-F05D-0C82A8510E47}"/>
-              </a:ext>
-            </a:extLst>
-          </p:cNvPr>
+          <p:cNvPr id="6" name="Content Placeholder 5"/>
           <p:cNvSpPr>
             <a:spLocks noGrp="1"/>
           </p:cNvSpPr>
@@ -1749,8 +1548,8 @@
         </p:nvSpPr>
         <p:spPr>
           <a:xfrm>
-            <a:off x="6172200" y="2505075"/>
-            <a:ext cx="5183188" cy="3684588"/>
+            <a:off x="6172201" y="4452307"/>
+            <a:ext cx="5183188" cy="6548673"/>
           </a:xfrm>
         </p:spPr>
         <p:txBody>
@@ -1790,18 +1589,13 @@
               <a:rPr lang="en-US"/>
               <a:t>Fifth level</a:t>
             </a:r>
+            <a:endParaRPr lang="en-US" dirty="0"/>
           </a:p>
         </p:txBody>
       </p:sp>
       <p:sp>
         <p:nvSpPr>
-          <p:cNvPr id="7" name="Date Placeholder 6">
-            <a:extLst>
-              <a:ext uri="{FF2B5EF4-FFF2-40B4-BE49-F238E27FC236}">
-                <a16:creationId xmlns:a16="http://schemas.microsoft.com/office/drawing/2014/main" id="{1237180C-2F41-96C9-E8C7-31379087BD8C}"/>
-              </a:ext>
-            </a:extLst>
-          </p:cNvPr>
+          <p:cNvPr id="7" name="Date Placeholder 6"/>
           <p:cNvSpPr>
             <a:spLocks noGrp="1"/>
           </p:cNvSpPr>
@@ -1816,7 +1610,7 @@
           <a:p>
             <a:fld id="{09A208B9-A1FD-A545-84FD-D19EFD3032C3}" type="datetimeFigureOut">
               <a:rPr lang="en-US" smtClean="0"/>
-              <a:t>3/5/25</a:t>
+              <a:t>3/12/25</a:t>
             </a:fld>
             <a:endParaRPr lang="en-US"/>
           </a:p>
@@ -1824,13 +1618,7 @@
       </p:sp>
       <p:sp>
         <p:nvSpPr>
-          <p:cNvPr id="8" name="Footer Placeholder 7">
-            <a:extLst>
-              <a:ext uri="{FF2B5EF4-FFF2-40B4-BE49-F238E27FC236}">
-                <a16:creationId xmlns:a16="http://schemas.microsoft.com/office/drawing/2014/main" id="{7D1010B9-9C67-B73D-6F71-09F62E53AC4E}"/>
-              </a:ext>
-            </a:extLst>
-          </p:cNvPr>
+          <p:cNvPr id="8" name="Footer Placeholder 7"/>
           <p:cNvSpPr>
             <a:spLocks noGrp="1"/>
           </p:cNvSpPr>
@@ -1849,13 +1637,7 @@
       </p:sp>
       <p:sp>
         <p:nvSpPr>
-          <p:cNvPr id="9" name="Slide Number Placeholder 8">
-            <a:extLst>
-              <a:ext uri="{FF2B5EF4-FFF2-40B4-BE49-F238E27FC236}">
-                <a16:creationId xmlns:a16="http://schemas.microsoft.com/office/drawing/2014/main" id="{2B4BD2D8-E632-14AC-22E2-7BEA9BE40375}"/>
-              </a:ext>
-            </a:extLst>
-          </p:cNvPr>
+          <p:cNvPr id="9" name="Slide Number Placeholder 8"/>
           <p:cNvSpPr>
             <a:spLocks noGrp="1"/>
           </p:cNvSpPr>
@@ -1879,7 +1661,7 @@
     </p:spTree>
     <p:extLst>
       <p:ext uri="{BB962C8B-B14F-4D97-AF65-F5344CB8AC3E}">
-        <p14:creationId xmlns:p14="http://schemas.microsoft.com/office/powerpoint/2010/main" val="3761677956"/>
+        <p14:creationId xmlns:p14="http://schemas.microsoft.com/office/powerpoint/2010/main" val="2752406871"/>
       </p:ext>
     </p:extLst>
   </p:cSld>
@@ -1908,13 +1690,7 @@
       </p:grpSpPr>
       <p:sp>
         <p:nvSpPr>
-          <p:cNvPr id="2" name="Title 1">
-            <a:extLst>
-              <a:ext uri="{FF2B5EF4-FFF2-40B4-BE49-F238E27FC236}">
-                <a16:creationId xmlns:a16="http://schemas.microsoft.com/office/drawing/2014/main" id="{A986A18B-8AF5-9A8D-A293-F417454EAB9E}"/>
-              </a:ext>
-            </a:extLst>
-          </p:cNvPr>
+          <p:cNvPr id="2" name="Title 1"/>
           <p:cNvSpPr>
             <a:spLocks noGrp="1"/>
           </p:cNvSpPr>
@@ -1931,18 +1707,13 @@
               <a:rPr lang="en-US"/>
               <a:t>Click to edit Master title style</a:t>
             </a:r>
+            <a:endParaRPr lang="en-US" dirty="0"/>
           </a:p>
         </p:txBody>
       </p:sp>
       <p:sp>
         <p:nvSpPr>
-          <p:cNvPr id="3" name="Date Placeholder 2">
-            <a:extLst>
-              <a:ext uri="{FF2B5EF4-FFF2-40B4-BE49-F238E27FC236}">
-                <a16:creationId xmlns:a16="http://schemas.microsoft.com/office/drawing/2014/main" id="{C82FDE45-B621-34EC-AFE8-9E3A0A7E7407}"/>
-              </a:ext>
-            </a:extLst>
-          </p:cNvPr>
+          <p:cNvPr id="3" name="Date Placeholder 2"/>
           <p:cNvSpPr>
             <a:spLocks noGrp="1"/>
           </p:cNvSpPr>
@@ -1957,7 +1728,7 @@
           <a:p>
             <a:fld id="{09A208B9-A1FD-A545-84FD-D19EFD3032C3}" type="datetimeFigureOut">
               <a:rPr lang="en-US" smtClean="0"/>
-              <a:t>3/5/25</a:t>
+              <a:t>3/12/25</a:t>
             </a:fld>
             <a:endParaRPr lang="en-US"/>
           </a:p>
@@ -1965,13 +1736,7 @@
       </p:sp>
       <p:sp>
         <p:nvSpPr>
-          <p:cNvPr id="4" name="Footer Placeholder 3">
-            <a:extLst>
-              <a:ext uri="{FF2B5EF4-FFF2-40B4-BE49-F238E27FC236}">
-                <a16:creationId xmlns:a16="http://schemas.microsoft.com/office/drawing/2014/main" id="{9A353347-DBDD-5FEA-2158-CD9A7F4F4F1C}"/>
-              </a:ext>
-            </a:extLst>
-          </p:cNvPr>
+          <p:cNvPr id="4" name="Footer Placeholder 3"/>
           <p:cNvSpPr>
             <a:spLocks noGrp="1"/>
           </p:cNvSpPr>
@@ -1990,13 +1755,7 @@
       </p:sp>
       <p:sp>
         <p:nvSpPr>
-          <p:cNvPr id="5" name="Slide Number Placeholder 4">
-            <a:extLst>
-              <a:ext uri="{FF2B5EF4-FFF2-40B4-BE49-F238E27FC236}">
-                <a16:creationId xmlns:a16="http://schemas.microsoft.com/office/drawing/2014/main" id="{7633C809-BC2E-F61B-B354-2DB6055031CD}"/>
-              </a:ext>
-            </a:extLst>
-          </p:cNvPr>
+          <p:cNvPr id="5" name="Slide Number Placeholder 4"/>
           <p:cNvSpPr>
             <a:spLocks noGrp="1"/>
           </p:cNvSpPr>
@@ -2020,7 +1779,7 @@
     </p:spTree>
     <p:extLst>
       <p:ext uri="{BB962C8B-B14F-4D97-AF65-F5344CB8AC3E}">
-        <p14:creationId xmlns:p14="http://schemas.microsoft.com/office/powerpoint/2010/main" val="2449313745"/>
+        <p14:creationId xmlns:p14="http://schemas.microsoft.com/office/powerpoint/2010/main" val="360890503"/>
       </p:ext>
     </p:extLst>
   </p:cSld>
@@ -2049,13 +1808,7 @@
       </p:grpSpPr>
       <p:sp>
         <p:nvSpPr>
-          <p:cNvPr id="2" name="Date Placeholder 1">
-            <a:extLst>
-              <a:ext uri="{FF2B5EF4-FFF2-40B4-BE49-F238E27FC236}">
-                <a16:creationId xmlns:a16="http://schemas.microsoft.com/office/drawing/2014/main" id="{300A0109-A559-EFCE-0672-8908088B37B8}"/>
-              </a:ext>
-            </a:extLst>
-          </p:cNvPr>
+          <p:cNvPr id="2" name="Date Placeholder 1"/>
           <p:cNvSpPr>
             <a:spLocks noGrp="1"/>
           </p:cNvSpPr>
@@ -2070,7 +1823,7 @@
           <a:p>
             <a:fld id="{09A208B9-A1FD-A545-84FD-D19EFD3032C3}" type="datetimeFigureOut">
               <a:rPr lang="en-US" smtClean="0"/>
-              <a:t>3/5/25</a:t>
+              <a:t>3/12/25</a:t>
             </a:fld>
             <a:endParaRPr lang="en-US"/>
           </a:p>
@@ -2078,13 +1831,7 @@
       </p:sp>
       <p:sp>
         <p:nvSpPr>
-          <p:cNvPr id="3" name="Footer Placeholder 2">
-            <a:extLst>
-              <a:ext uri="{FF2B5EF4-FFF2-40B4-BE49-F238E27FC236}">
-                <a16:creationId xmlns:a16="http://schemas.microsoft.com/office/drawing/2014/main" id="{398642A6-9B84-B80D-8047-17D578B80E08}"/>
-              </a:ext>
-            </a:extLst>
-          </p:cNvPr>
+          <p:cNvPr id="3" name="Footer Placeholder 2"/>
           <p:cNvSpPr>
             <a:spLocks noGrp="1"/>
           </p:cNvSpPr>
@@ -2103,13 +1850,7 @@
       </p:sp>
       <p:sp>
         <p:nvSpPr>
-          <p:cNvPr id="4" name="Slide Number Placeholder 3">
-            <a:extLst>
-              <a:ext uri="{FF2B5EF4-FFF2-40B4-BE49-F238E27FC236}">
-                <a16:creationId xmlns:a16="http://schemas.microsoft.com/office/drawing/2014/main" id="{64A4686E-0C96-C977-0832-24740E175F56}"/>
-              </a:ext>
-            </a:extLst>
-          </p:cNvPr>
+          <p:cNvPr id="4" name="Slide Number Placeholder 3"/>
           <p:cNvSpPr>
             <a:spLocks noGrp="1"/>
           </p:cNvSpPr>
@@ -2133,7 +1874,7 @@
     </p:spTree>
     <p:extLst>
       <p:ext uri="{BB962C8B-B14F-4D97-AF65-F5344CB8AC3E}">
-        <p14:creationId xmlns:p14="http://schemas.microsoft.com/office/powerpoint/2010/main" val="4219382872"/>
+        <p14:creationId xmlns:p14="http://schemas.microsoft.com/office/powerpoint/2010/main" val="316010349"/>
       </p:ext>
     </p:extLst>
   </p:cSld>
@@ -2162,13 +1903,7 @@
       </p:grpSpPr>
       <p:sp>
         <p:nvSpPr>
-          <p:cNvPr id="2" name="Title 1">
-            <a:extLst>
-              <a:ext uri="{FF2B5EF4-FFF2-40B4-BE49-F238E27FC236}">
-                <a16:creationId xmlns:a16="http://schemas.microsoft.com/office/drawing/2014/main" id="{6F037B15-F8B5-5F8C-3161-F48F6B5FDC2A}"/>
-              </a:ext>
-            </a:extLst>
-          </p:cNvPr>
+          <p:cNvPr id="2" name="Title 1"/>
           <p:cNvSpPr>
             <a:spLocks noGrp="1"/>
           </p:cNvSpPr>
@@ -2178,15 +1913,15 @@
         </p:nvSpPr>
         <p:spPr>
           <a:xfrm>
-            <a:off x="839788" y="457200"/>
-            <a:ext cx="3932237" cy="1600200"/>
+            <a:off x="839788" y="812588"/>
+            <a:ext cx="3932237" cy="2844059"/>
           </a:xfrm>
         </p:spPr>
         <p:txBody>
           <a:bodyPr anchor="b"/>
           <a:lstStyle>
             <a:lvl1pPr>
-              <a:defRPr sz="3200"/>
+              <a:defRPr sz="4267"/>
             </a:lvl1pPr>
           </a:lstStyle>
           <a:p>
@@ -2194,18 +1929,13 @@
               <a:rPr lang="en-US"/>
               <a:t>Click to edit Master title style</a:t>
             </a:r>
+            <a:endParaRPr lang="en-US" dirty="0"/>
           </a:p>
         </p:txBody>
       </p:sp>
       <p:sp>
         <p:nvSpPr>
-          <p:cNvPr id="3" name="Content Placeholder 2">
-            <a:extLst>
-              <a:ext uri="{FF2B5EF4-FFF2-40B4-BE49-F238E27FC236}">
-                <a16:creationId xmlns:a16="http://schemas.microsoft.com/office/drawing/2014/main" id="{10702EAA-DCA7-B2C5-7ABC-B6B763D4FA35}"/>
-              </a:ext>
-            </a:extLst>
-          </p:cNvPr>
+          <p:cNvPr id="3" name="Content Placeholder 2"/>
           <p:cNvSpPr>
             <a:spLocks noGrp="1"/>
           </p:cNvSpPr>
@@ -2215,39 +1945,39 @@
         </p:nvSpPr>
         <p:spPr>
           <a:xfrm>
-            <a:off x="5183188" y="987425"/>
-            <a:ext cx="6172200" cy="4873625"/>
+            <a:off x="5183188" y="1754968"/>
+            <a:ext cx="6172200" cy="8661966"/>
           </a:xfrm>
         </p:spPr>
         <p:txBody>
           <a:bodyPr/>
           <a:lstStyle>
             <a:lvl1pPr>
-              <a:defRPr sz="3200"/>
+              <a:defRPr sz="4267"/>
             </a:lvl1pPr>
             <a:lvl2pPr>
-              <a:defRPr sz="2800"/>
+              <a:defRPr sz="3733"/>
             </a:lvl2pPr>
             <a:lvl3pPr>
-              <a:defRPr sz="2400"/>
+              <a:defRPr sz="3200"/>
             </a:lvl3pPr>
             <a:lvl4pPr>
-              <a:defRPr sz="2000"/>
+              <a:defRPr sz="2667"/>
             </a:lvl4pPr>
             <a:lvl5pPr>
-              <a:defRPr sz="2000"/>
+              <a:defRPr sz="2667"/>
             </a:lvl5pPr>
             <a:lvl6pPr>
-              <a:defRPr sz="2000"/>
+              <a:defRPr sz="2667"/>
             </a:lvl6pPr>
             <a:lvl7pPr>
-              <a:defRPr sz="2000"/>
+              <a:defRPr sz="2667"/>
             </a:lvl7pPr>
             <a:lvl8pPr>
-              <a:defRPr sz="2000"/>
+              <a:defRPr sz="2667"/>
             </a:lvl8pPr>
             <a:lvl9pPr>
-              <a:defRPr sz="2000"/>
+              <a:defRPr sz="2667"/>
             </a:lvl9pPr>
           </a:lstStyle>
           <a:p>
@@ -2284,18 +2014,13 @@
               <a:rPr lang="en-US"/>
               <a:t>Fifth level</a:t>
             </a:r>
+            <a:endParaRPr lang="en-US" dirty="0"/>
           </a:p>
         </p:txBody>
       </p:sp>
       <p:sp>
         <p:nvSpPr>
-          <p:cNvPr id="4" name="Text Placeholder 3">
-            <a:extLst>
-              <a:ext uri="{FF2B5EF4-FFF2-40B4-BE49-F238E27FC236}">
-                <a16:creationId xmlns:a16="http://schemas.microsoft.com/office/drawing/2014/main" id="{268FC1C8-7ADE-8BCD-C1B2-F31B2A7CAE07}"/>
-              </a:ext>
-            </a:extLst>
-          </p:cNvPr>
+          <p:cNvPr id="4" name="Text Placeholder 3"/>
           <p:cNvSpPr>
             <a:spLocks noGrp="1"/>
           </p:cNvSpPr>
@@ -2305,8 +2030,8 @@
         </p:nvSpPr>
         <p:spPr>
           <a:xfrm>
-            <a:off x="839788" y="2057400"/>
-            <a:ext cx="3932237" cy="3811588"/>
+            <a:off x="839788" y="3656647"/>
+            <a:ext cx="3932237" cy="6774392"/>
           </a:xfrm>
         </p:spPr>
         <p:txBody>
@@ -2314,39 +2039,39 @@
           <a:lstStyle>
             <a:lvl1pPr marL="0" indent="0">
               <a:buNone/>
+              <a:defRPr sz="2133"/>
+            </a:lvl1pPr>
+            <a:lvl2pPr marL="609585" indent="0">
+              <a:buNone/>
+              <a:defRPr sz="1867"/>
+            </a:lvl2pPr>
+            <a:lvl3pPr marL="1219170" indent="0">
+              <a:buNone/>
               <a:defRPr sz="1600"/>
-            </a:lvl1pPr>
-            <a:lvl2pPr marL="457200" indent="0">
+            </a:lvl3pPr>
+            <a:lvl4pPr marL="1828754" indent="0">
               <a:buNone/>
-              <a:defRPr sz="1400"/>
-            </a:lvl2pPr>
-            <a:lvl3pPr marL="914400" indent="0">
+              <a:defRPr sz="1333"/>
+            </a:lvl4pPr>
+            <a:lvl5pPr marL="2438339" indent="0">
               <a:buNone/>
-              <a:defRPr sz="1200"/>
-            </a:lvl3pPr>
-            <a:lvl4pPr marL="1371600" indent="0">
+              <a:defRPr sz="1333"/>
+            </a:lvl5pPr>
+            <a:lvl6pPr marL="3047924" indent="0">
               <a:buNone/>
-              <a:defRPr sz="1000"/>
-            </a:lvl4pPr>
-            <a:lvl5pPr marL="1828800" indent="0">
+              <a:defRPr sz="1333"/>
+            </a:lvl6pPr>
+            <a:lvl7pPr marL="3657509" indent="0">
               <a:buNone/>
-              <a:defRPr sz="1000"/>
-            </a:lvl5pPr>
-            <a:lvl6pPr marL="2286000" indent="0">
+              <a:defRPr sz="1333"/>
+            </a:lvl7pPr>
+            <a:lvl8pPr marL="4267093" indent="0">
               <a:buNone/>
-              <a:defRPr sz="1000"/>
-            </a:lvl6pPr>
-            <a:lvl7pPr marL="2743200" indent="0">
+              <a:defRPr sz="1333"/>
+            </a:lvl8pPr>
+            <a:lvl9pPr marL="4876678" indent="0">
               <a:buNone/>
-              <a:defRPr sz="1000"/>
-            </a:lvl7pPr>
-            <a:lvl8pPr marL="3200400" indent="0">
-              <a:buNone/>
-              <a:defRPr sz="1000"/>
-            </a:lvl8pPr>
-            <a:lvl9pPr marL="3657600" indent="0">
-              <a:buNone/>
-              <a:defRPr sz="1000"/>
+              <a:defRPr sz="1333"/>
             </a:lvl9pPr>
           </a:lstStyle>
           <a:p>
@@ -2360,13 +2085,7 @@
       </p:sp>
       <p:sp>
         <p:nvSpPr>
-          <p:cNvPr id="5" name="Date Placeholder 4">
-            <a:extLst>
-              <a:ext uri="{FF2B5EF4-FFF2-40B4-BE49-F238E27FC236}">
-                <a16:creationId xmlns:a16="http://schemas.microsoft.com/office/drawing/2014/main" id="{28A4179F-8A2F-4593-C2B3-110DCC3F2B21}"/>
-              </a:ext>
-            </a:extLst>
-          </p:cNvPr>
+          <p:cNvPr id="5" name="Date Placeholder 4"/>
           <p:cNvSpPr>
             <a:spLocks noGrp="1"/>
           </p:cNvSpPr>
@@ -2381,7 +2100,7 @@
           <a:p>
             <a:fld id="{09A208B9-A1FD-A545-84FD-D19EFD3032C3}" type="datetimeFigureOut">
               <a:rPr lang="en-US" smtClean="0"/>
-              <a:t>3/5/25</a:t>
+              <a:t>3/12/25</a:t>
             </a:fld>
             <a:endParaRPr lang="en-US"/>
           </a:p>
@@ -2389,13 +2108,7 @@
       </p:sp>
       <p:sp>
         <p:nvSpPr>
-          <p:cNvPr id="6" name="Footer Placeholder 5">
-            <a:extLst>
-              <a:ext uri="{FF2B5EF4-FFF2-40B4-BE49-F238E27FC236}">
-                <a16:creationId xmlns:a16="http://schemas.microsoft.com/office/drawing/2014/main" id="{414B92B7-B946-91FC-AC25-AFA1250C475E}"/>
-              </a:ext>
-            </a:extLst>
-          </p:cNvPr>
+          <p:cNvPr id="6" name="Footer Placeholder 5"/>
           <p:cNvSpPr>
             <a:spLocks noGrp="1"/>
           </p:cNvSpPr>
@@ -2414,13 +2127,7 @@
       </p:sp>
       <p:sp>
         <p:nvSpPr>
-          <p:cNvPr id="7" name="Slide Number Placeholder 6">
-            <a:extLst>
-              <a:ext uri="{FF2B5EF4-FFF2-40B4-BE49-F238E27FC236}">
-                <a16:creationId xmlns:a16="http://schemas.microsoft.com/office/drawing/2014/main" id="{5A73169F-717F-587A-183E-6A6AF95E134D}"/>
-              </a:ext>
-            </a:extLst>
-          </p:cNvPr>
+          <p:cNvPr id="7" name="Slide Number Placeholder 6"/>
           <p:cNvSpPr>
             <a:spLocks noGrp="1"/>
           </p:cNvSpPr>
@@ -2444,7 +2151,7 @@
     </p:spTree>
     <p:extLst>
       <p:ext uri="{BB962C8B-B14F-4D97-AF65-F5344CB8AC3E}">
-        <p14:creationId xmlns:p14="http://schemas.microsoft.com/office/powerpoint/2010/main" val="462814778"/>
+        <p14:creationId xmlns:p14="http://schemas.microsoft.com/office/powerpoint/2010/main" val="4247225416"/>
       </p:ext>
     </p:extLst>
   </p:cSld>
@@ -2473,13 +2180,7 @@
       </p:grpSpPr>
       <p:sp>
         <p:nvSpPr>
-          <p:cNvPr id="2" name="Title 1">
-            <a:extLst>
-              <a:ext uri="{FF2B5EF4-FFF2-40B4-BE49-F238E27FC236}">
-                <a16:creationId xmlns:a16="http://schemas.microsoft.com/office/drawing/2014/main" id="{9C18DBDD-E18B-CC45-7D5F-409A60E6286A}"/>
-              </a:ext>
-            </a:extLst>
-          </p:cNvPr>
+          <p:cNvPr id="2" name="Title 1"/>
           <p:cNvSpPr>
             <a:spLocks noGrp="1"/>
           </p:cNvSpPr>
@@ -2489,15 +2190,15 @@
         </p:nvSpPr>
         <p:spPr>
           <a:xfrm>
-            <a:off x="839788" y="457200"/>
-            <a:ext cx="3932237" cy="1600200"/>
+            <a:off x="839788" y="812588"/>
+            <a:ext cx="3932237" cy="2844059"/>
           </a:xfrm>
         </p:spPr>
         <p:txBody>
           <a:bodyPr anchor="b"/>
           <a:lstStyle>
             <a:lvl1pPr>
-              <a:defRPr sz="3200"/>
+              <a:defRPr sz="4267"/>
             </a:lvl1pPr>
           </a:lstStyle>
           <a:p>
@@ -2505,20 +2206,15 @@
               <a:rPr lang="en-US"/>
               <a:t>Click to edit Master title style</a:t>
             </a:r>
+            <a:endParaRPr lang="en-US" dirty="0"/>
           </a:p>
         </p:txBody>
       </p:sp>
       <p:sp>
         <p:nvSpPr>
-          <p:cNvPr id="3" name="Picture Placeholder 2">
-            <a:extLst>
-              <a:ext uri="{FF2B5EF4-FFF2-40B4-BE49-F238E27FC236}">
-                <a16:creationId xmlns:a16="http://schemas.microsoft.com/office/drawing/2014/main" id="{20F7D7CE-7697-1113-AD70-F065BB3CEDA3}"/>
-              </a:ext>
-            </a:extLst>
-          </p:cNvPr>
+          <p:cNvPr id="3" name="Picture Placeholder 2"/>
           <p:cNvSpPr>
-            <a:spLocks noGrp="1"/>
+            <a:spLocks noGrp="1" noChangeAspect="1"/>
           </p:cNvSpPr>
           <p:nvPr>
             <p:ph type="pic" idx="1"/>
@@ -2526,64 +2222,62 @@
         </p:nvSpPr>
         <p:spPr>
           <a:xfrm>
-            <a:off x="5183188" y="987425"/>
-            <a:ext cx="6172200" cy="4873625"/>
+            <a:off x="5183188" y="1754968"/>
+            <a:ext cx="6172200" cy="8661966"/>
           </a:xfrm>
         </p:spPr>
         <p:txBody>
-          <a:bodyPr/>
+          <a:bodyPr anchor="t"/>
           <a:lstStyle>
             <a:lvl1pPr marL="0" indent="0">
               <a:buNone/>
+              <a:defRPr sz="4267"/>
+            </a:lvl1pPr>
+            <a:lvl2pPr marL="609585" indent="0">
+              <a:buNone/>
+              <a:defRPr sz="3733"/>
+            </a:lvl2pPr>
+            <a:lvl3pPr marL="1219170" indent="0">
+              <a:buNone/>
               <a:defRPr sz="3200"/>
-            </a:lvl1pPr>
-            <a:lvl2pPr marL="457200" indent="0">
+            </a:lvl3pPr>
+            <a:lvl4pPr marL="1828754" indent="0">
               <a:buNone/>
-              <a:defRPr sz="2800"/>
-            </a:lvl2pPr>
-            <a:lvl3pPr marL="914400" indent="0">
+              <a:defRPr sz="2667"/>
+            </a:lvl4pPr>
+            <a:lvl5pPr marL="2438339" indent="0">
               <a:buNone/>
-              <a:defRPr sz="2400"/>
-            </a:lvl3pPr>
-            <a:lvl4pPr marL="1371600" indent="0">
+              <a:defRPr sz="2667"/>
+            </a:lvl5pPr>
+            <a:lvl6pPr marL="3047924" indent="0">
               <a:buNone/>
-              <a:defRPr sz="2000"/>
-            </a:lvl4pPr>
-            <a:lvl5pPr marL="1828800" indent="0">
+              <a:defRPr sz="2667"/>
+            </a:lvl6pPr>
+            <a:lvl7pPr marL="3657509" indent="0">
               <a:buNone/>
-              <a:defRPr sz="2000"/>
-            </a:lvl5pPr>
-            <a:lvl6pPr marL="2286000" indent="0">
+              <a:defRPr sz="2667"/>
+            </a:lvl7pPr>
+            <a:lvl8pPr marL="4267093" indent="0">
               <a:buNone/>
-              <a:defRPr sz="2000"/>
-            </a:lvl6pPr>
-            <a:lvl7pPr marL="2743200" indent="0">
+              <a:defRPr sz="2667"/>
+            </a:lvl8pPr>
+            <a:lvl9pPr marL="4876678" indent="0">
               <a:buNone/>
-              <a:defRPr sz="2000"/>
-            </a:lvl7pPr>
-            <a:lvl8pPr marL="3200400" indent="0">
-              <a:buNone/>
-              <a:defRPr sz="2000"/>
-            </a:lvl8pPr>
-            <a:lvl9pPr marL="3657600" indent="0">
-              <a:buNone/>
-              <a:defRPr sz="2000"/>
+              <a:defRPr sz="2667"/>
             </a:lvl9pPr>
           </a:lstStyle>
           <a:p>
-            <a:endParaRPr lang="en-US"/>
+            <a:r>
+              <a:rPr lang="en-US"/>
+              <a:t>Click icon to add picture</a:t>
+            </a:r>
+            <a:endParaRPr lang="en-US" dirty="0"/>
           </a:p>
         </p:txBody>
       </p:sp>
       <p:sp>
         <p:nvSpPr>
-          <p:cNvPr id="4" name="Text Placeholder 3">
-            <a:extLst>
-              <a:ext uri="{FF2B5EF4-FFF2-40B4-BE49-F238E27FC236}">
-                <a16:creationId xmlns:a16="http://schemas.microsoft.com/office/drawing/2014/main" id="{5FB33D01-1BA3-779B-A147-B698FA9114BB}"/>
-              </a:ext>
-            </a:extLst>
-          </p:cNvPr>
+          <p:cNvPr id="4" name="Text Placeholder 3"/>
           <p:cNvSpPr>
             <a:spLocks noGrp="1"/>
           </p:cNvSpPr>
@@ -2593,8 +2287,8 @@
         </p:nvSpPr>
         <p:spPr>
           <a:xfrm>
-            <a:off x="839788" y="2057400"/>
-            <a:ext cx="3932237" cy="3811588"/>
+            <a:off x="839788" y="3656647"/>
+            <a:ext cx="3932237" cy="6774392"/>
           </a:xfrm>
         </p:spPr>
         <p:txBody>
@@ -2602,39 +2296,39 @@
           <a:lstStyle>
             <a:lvl1pPr marL="0" indent="0">
               <a:buNone/>
+              <a:defRPr sz="2133"/>
+            </a:lvl1pPr>
+            <a:lvl2pPr marL="609585" indent="0">
+              <a:buNone/>
+              <a:defRPr sz="1867"/>
+            </a:lvl2pPr>
+            <a:lvl3pPr marL="1219170" indent="0">
+              <a:buNone/>
               <a:defRPr sz="1600"/>
-            </a:lvl1pPr>
-            <a:lvl2pPr marL="457200" indent="0">
+            </a:lvl3pPr>
+            <a:lvl4pPr marL="1828754" indent="0">
               <a:buNone/>
-              <a:defRPr sz="1400"/>
-            </a:lvl2pPr>
-            <a:lvl3pPr marL="914400" indent="0">
+              <a:defRPr sz="1333"/>
+            </a:lvl4pPr>
+            <a:lvl5pPr marL="2438339" indent="0">
               <a:buNone/>
-              <a:defRPr sz="1200"/>
-            </a:lvl3pPr>
-            <a:lvl4pPr marL="1371600" indent="0">
+              <a:defRPr sz="1333"/>
+            </a:lvl5pPr>
+            <a:lvl6pPr marL="3047924" indent="0">
               <a:buNone/>
-              <a:defRPr sz="1000"/>
-            </a:lvl4pPr>
-            <a:lvl5pPr marL="1828800" indent="0">
+              <a:defRPr sz="1333"/>
+            </a:lvl6pPr>
+            <a:lvl7pPr marL="3657509" indent="0">
               <a:buNone/>
-              <a:defRPr sz="1000"/>
-            </a:lvl5pPr>
-            <a:lvl6pPr marL="2286000" indent="0">
+              <a:defRPr sz="1333"/>
+            </a:lvl7pPr>
+            <a:lvl8pPr marL="4267093" indent="0">
               <a:buNone/>
-              <a:defRPr sz="1000"/>
-            </a:lvl6pPr>
-            <a:lvl7pPr marL="2743200" indent="0">
+              <a:defRPr sz="1333"/>
+            </a:lvl8pPr>
+            <a:lvl9pPr marL="4876678" indent="0">
               <a:buNone/>
-              <a:defRPr sz="1000"/>
-            </a:lvl7pPr>
-            <a:lvl8pPr marL="3200400" indent="0">
-              <a:buNone/>
-              <a:defRPr sz="1000"/>
-            </a:lvl8pPr>
-            <a:lvl9pPr marL="3657600" indent="0">
-              <a:buNone/>
-              <a:defRPr sz="1000"/>
+              <a:defRPr sz="1333"/>
             </a:lvl9pPr>
           </a:lstStyle>
           <a:p>
@@ -2648,13 +2342,7 @@
       </p:sp>
       <p:sp>
         <p:nvSpPr>
-          <p:cNvPr id="5" name="Date Placeholder 4">
-            <a:extLst>
-              <a:ext uri="{FF2B5EF4-FFF2-40B4-BE49-F238E27FC236}">
-                <a16:creationId xmlns:a16="http://schemas.microsoft.com/office/drawing/2014/main" id="{BA4E6AC5-3D1A-A4A7-6A9C-AFE42A739391}"/>
-              </a:ext>
-            </a:extLst>
-          </p:cNvPr>
+          <p:cNvPr id="5" name="Date Placeholder 4"/>
           <p:cNvSpPr>
             <a:spLocks noGrp="1"/>
           </p:cNvSpPr>
@@ -2669,7 +2357,7 @@
           <a:p>
             <a:fld id="{09A208B9-A1FD-A545-84FD-D19EFD3032C3}" type="datetimeFigureOut">
               <a:rPr lang="en-US" smtClean="0"/>
-              <a:t>3/5/25</a:t>
+              <a:t>3/12/25</a:t>
             </a:fld>
             <a:endParaRPr lang="en-US"/>
           </a:p>
@@ -2677,13 +2365,7 @@
       </p:sp>
       <p:sp>
         <p:nvSpPr>
-          <p:cNvPr id="6" name="Footer Placeholder 5">
-            <a:extLst>
-              <a:ext uri="{FF2B5EF4-FFF2-40B4-BE49-F238E27FC236}">
-                <a16:creationId xmlns:a16="http://schemas.microsoft.com/office/drawing/2014/main" id="{5C2A246E-6B38-A3BD-174B-973CDFBE799C}"/>
-              </a:ext>
-            </a:extLst>
-          </p:cNvPr>
+          <p:cNvPr id="6" name="Footer Placeholder 5"/>
           <p:cNvSpPr>
             <a:spLocks noGrp="1"/>
           </p:cNvSpPr>
@@ -2702,13 +2384,7 @@
       </p:sp>
       <p:sp>
         <p:nvSpPr>
-          <p:cNvPr id="7" name="Slide Number Placeholder 6">
-            <a:extLst>
-              <a:ext uri="{FF2B5EF4-FFF2-40B4-BE49-F238E27FC236}">
-                <a16:creationId xmlns:a16="http://schemas.microsoft.com/office/drawing/2014/main" id="{604CCC9E-B173-DA63-4F94-31BBFDB93A3E}"/>
-              </a:ext>
-            </a:extLst>
-          </p:cNvPr>
+          <p:cNvPr id="7" name="Slide Number Placeholder 6"/>
           <p:cNvSpPr>
             <a:spLocks noGrp="1"/>
           </p:cNvSpPr>
@@ -2732,7 +2408,7 @@
     </p:spTree>
     <p:extLst>
       <p:ext uri="{BB962C8B-B14F-4D97-AF65-F5344CB8AC3E}">
-        <p14:creationId xmlns:p14="http://schemas.microsoft.com/office/powerpoint/2010/main" val="1277127651"/>
+        <p14:creationId xmlns:p14="http://schemas.microsoft.com/office/powerpoint/2010/main" val="2059067705"/>
       </p:ext>
     </p:extLst>
   </p:cSld>
@@ -2766,13 +2442,7 @@
       </p:grpSpPr>
       <p:sp>
         <p:nvSpPr>
-          <p:cNvPr id="2" name="Title Placeholder 1">
-            <a:extLst>
-              <a:ext uri="{FF2B5EF4-FFF2-40B4-BE49-F238E27FC236}">
-                <a16:creationId xmlns:a16="http://schemas.microsoft.com/office/drawing/2014/main" id="{DDCEC60A-6921-8A89-8951-9C53239402CA}"/>
-              </a:ext>
-            </a:extLst>
-          </p:cNvPr>
+          <p:cNvPr id="2" name="Title Placeholder 1"/>
           <p:cNvSpPr>
             <a:spLocks noGrp="1"/>
           </p:cNvSpPr>
@@ -2782,8 +2452,8 @@
         </p:nvSpPr>
         <p:spPr>
           <a:xfrm>
-            <a:off x="838200" y="365125"/>
-            <a:ext cx="10515600" cy="1325563"/>
+            <a:off x="838200" y="648945"/>
+            <a:ext cx="10515600" cy="2355943"/>
           </a:xfrm>
           <a:prstGeom prst="rect">
             <a:avLst/>
@@ -2799,18 +2469,13 @@
               <a:rPr lang="en-US"/>
               <a:t>Click to edit Master title style</a:t>
             </a:r>
+            <a:endParaRPr lang="en-US" dirty="0"/>
           </a:p>
         </p:txBody>
       </p:sp>
       <p:sp>
         <p:nvSpPr>
-          <p:cNvPr id="3" name="Text Placeholder 2">
-            <a:extLst>
-              <a:ext uri="{FF2B5EF4-FFF2-40B4-BE49-F238E27FC236}">
-                <a16:creationId xmlns:a16="http://schemas.microsoft.com/office/drawing/2014/main" id="{44B684D5-00DD-E4DE-05A9-5C06A8F410C6}"/>
-              </a:ext>
-            </a:extLst>
-          </p:cNvPr>
+          <p:cNvPr id="3" name="Text Placeholder 2"/>
           <p:cNvSpPr>
             <a:spLocks noGrp="1"/>
           </p:cNvSpPr>
@@ -2820,8 +2485,8 @@
         </p:nvSpPr>
         <p:spPr>
           <a:xfrm>
-            <a:off x="838200" y="1825625"/>
-            <a:ext cx="10515600" cy="4351338"/>
+            <a:off x="838200" y="3244711"/>
+            <a:ext cx="10515600" cy="7733697"/>
           </a:xfrm>
           <a:prstGeom prst="rect">
             <a:avLst/>
@@ -2866,18 +2531,13 @@
               <a:rPr lang="en-US"/>
               <a:t>Fifth level</a:t>
             </a:r>
+            <a:endParaRPr lang="en-US" dirty="0"/>
           </a:p>
         </p:txBody>
       </p:sp>
       <p:sp>
         <p:nvSpPr>
-          <p:cNvPr id="4" name="Date Placeholder 3">
-            <a:extLst>
-              <a:ext uri="{FF2B5EF4-FFF2-40B4-BE49-F238E27FC236}">
-                <a16:creationId xmlns:a16="http://schemas.microsoft.com/office/drawing/2014/main" id="{27A90B5E-1DC0-068C-E2F6-C8A8353CDFFD}"/>
-              </a:ext>
-            </a:extLst>
-          </p:cNvPr>
+          <p:cNvPr id="4" name="Date Placeholder 3"/>
           <p:cNvSpPr>
             <a:spLocks noGrp="1"/>
           </p:cNvSpPr>
@@ -2887,8 +2547,8 @@
         </p:nvSpPr>
         <p:spPr>
           <a:xfrm>
-            <a:off x="838200" y="6356350"/>
-            <a:ext cx="2743200" cy="365125"/>
+            <a:off x="838200" y="11297238"/>
+            <a:ext cx="2743200" cy="648942"/>
           </a:xfrm>
           <a:prstGeom prst="rect">
             <a:avLst/>
@@ -2898,7 +2558,7 @@
           <a:bodyPr vert="horz" lIns="91440" tIns="45720" rIns="91440" bIns="45720" rtlCol="0" anchor="ctr"/>
           <a:lstStyle>
             <a:lvl1pPr algn="l">
-              <a:defRPr sz="1200">
+              <a:defRPr sz="1600">
                 <a:solidFill>
                   <a:schemeClr val="tx1">
                     <a:tint val="82000"/>
@@ -2910,7 +2570,7 @@
           <a:p>
             <a:fld id="{09A208B9-A1FD-A545-84FD-D19EFD3032C3}" type="datetimeFigureOut">
               <a:rPr lang="en-US" smtClean="0"/>
-              <a:t>3/5/25</a:t>
+              <a:t>3/12/25</a:t>
             </a:fld>
             <a:endParaRPr lang="en-US"/>
           </a:p>
@@ -2918,13 +2578,7 @@
       </p:sp>
       <p:sp>
         <p:nvSpPr>
-          <p:cNvPr id="5" name="Footer Placeholder 4">
-            <a:extLst>
-              <a:ext uri="{FF2B5EF4-FFF2-40B4-BE49-F238E27FC236}">
-                <a16:creationId xmlns:a16="http://schemas.microsoft.com/office/drawing/2014/main" id="{787ADF47-0FB1-FB8E-B2EB-B7FD4A6C1EBA}"/>
-              </a:ext>
-            </a:extLst>
-          </p:cNvPr>
+          <p:cNvPr id="5" name="Footer Placeholder 4"/>
           <p:cNvSpPr>
             <a:spLocks noGrp="1"/>
           </p:cNvSpPr>
@@ -2934,8 +2588,8 @@
         </p:nvSpPr>
         <p:spPr>
           <a:xfrm>
-            <a:off x="4038600" y="6356350"/>
-            <a:ext cx="4114800" cy="365125"/>
+            <a:off x="4038600" y="11297238"/>
+            <a:ext cx="4114800" cy="648942"/>
           </a:xfrm>
           <a:prstGeom prst="rect">
             <a:avLst/>
@@ -2945,7 +2599,7 @@
           <a:bodyPr vert="horz" lIns="91440" tIns="45720" rIns="91440" bIns="45720" rtlCol="0" anchor="ctr"/>
           <a:lstStyle>
             <a:lvl1pPr algn="ctr">
-              <a:defRPr sz="1200">
+              <a:defRPr sz="1600">
                 <a:solidFill>
                   <a:schemeClr val="tx1">
                     <a:tint val="82000"/>
@@ -2961,13 +2615,7 @@
       </p:sp>
       <p:sp>
         <p:nvSpPr>
-          <p:cNvPr id="6" name="Slide Number Placeholder 5">
-            <a:extLst>
-              <a:ext uri="{FF2B5EF4-FFF2-40B4-BE49-F238E27FC236}">
-                <a16:creationId xmlns:a16="http://schemas.microsoft.com/office/drawing/2014/main" id="{159D1F25-8D39-3A86-F476-1A6E26BD998B}"/>
-              </a:ext>
-            </a:extLst>
-          </p:cNvPr>
+          <p:cNvPr id="6" name="Slide Number Placeholder 5"/>
           <p:cNvSpPr>
             <a:spLocks noGrp="1"/>
           </p:cNvSpPr>
@@ -2977,8 +2625,8 @@
         </p:nvSpPr>
         <p:spPr>
           <a:xfrm>
-            <a:off x="8610600" y="6356350"/>
-            <a:ext cx="2743200" cy="365125"/>
+            <a:off x="8610600" y="11297238"/>
+            <a:ext cx="2743200" cy="648942"/>
           </a:xfrm>
           <a:prstGeom prst="rect">
             <a:avLst/>
@@ -2988,7 +2636,7 @@
           <a:bodyPr vert="horz" lIns="91440" tIns="45720" rIns="91440" bIns="45720" rtlCol="0" anchor="ctr"/>
           <a:lstStyle>
             <a:lvl1pPr algn="r">
-              <a:defRPr sz="1200">
+              <a:defRPr sz="1600">
                 <a:solidFill>
                   <a:schemeClr val="tx1">
                     <a:tint val="82000"/>
@@ -3009,27 +2657,27 @@
     </p:spTree>
     <p:extLst>
       <p:ext uri="{BB962C8B-B14F-4D97-AF65-F5344CB8AC3E}">
-        <p14:creationId xmlns:p14="http://schemas.microsoft.com/office/powerpoint/2010/main" val="3230710457"/>
+        <p14:creationId xmlns:p14="http://schemas.microsoft.com/office/powerpoint/2010/main" val="846637897"/>
       </p:ext>
     </p:extLst>
   </p:cSld>
   <p:clrMap bg1="lt1" tx1="dk1" bg2="lt2" tx2="dk2" accent1="accent1" accent2="accent2" accent3="accent3" accent4="accent4" accent5="accent5" accent6="accent6" hlink="hlink" folHlink="folHlink"/>
   <p:sldLayoutIdLst>
-    <p:sldLayoutId id="2147483649" r:id="rId1"/>
-    <p:sldLayoutId id="2147483650" r:id="rId2"/>
-    <p:sldLayoutId id="2147483651" r:id="rId3"/>
-    <p:sldLayoutId id="2147483652" r:id="rId4"/>
-    <p:sldLayoutId id="2147483653" r:id="rId5"/>
-    <p:sldLayoutId id="2147483654" r:id="rId6"/>
-    <p:sldLayoutId id="2147483655" r:id="rId7"/>
-    <p:sldLayoutId id="2147483656" r:id="rId8"/>
-    <p:sldLayoutId id="2147483657" r:id="rId9"/>
-    <p:sldLayoutId id="2147483658" r:id="rId10"/>
-    <p:sldLayoutId id="2147483659" r:id="rId11"/>
+    <p:sldLayoutId id="2147483661" r:id="rId1"/>
+    <p:sldLayoutId id="2147483662" r:id="rId2"/>
+    <p:sldLayoutId id="2147483663" r:id="rId3"/>
+    <p:sldLayoutId id="2147483664" r:id="rId4"/>
+    <p:sldLayoutId id="2147483665" r:id="rId5"/>
+    <p:sldLayoutId id="2147483666" r:id="rId6"/>
+    <p:sldLayoutId id="2147483667" r:id="rId7"/>
+    <p:sldLayoutId id="2147483668" r:id="rId8"/>
+    <p:sldLayoutId id="2147483669" r:id="rId9"/>
+    <p:sldLayoutId id="2147483670" r:id="rId10"/>
+    <p:sldLayoutId id="2147483671" r:id="rId11"/>
   </p:sldLayoutIdLst>
   <p:txStyles>
     <p:titleStyle>
-      <a:lvl1pPr algn="l" defTabSz="914400" rtl="0" eaLnBrk="1" latinLnBrk="0" hangingPunct="1">
+      <a:lvl1pPr algn="l" defTabSz="1219170" rtl="0" eaLnBrk="1" latinLnBrk="0" hangingPunct="1">
         <a:lnSpc>
           <a:spcPct val="90000"/>
         </a:lnSpc>
@@ -3037,7 +2685,7 @@
           <a:spcPct val="0"/>
         </a:spcBef>
         <a:buNone/>
-        <a:defRPr sz="4400" kern="1200">
+        <a:defRPr sz="5867" kern="1200">
           <a:solidFill>
             <a:schemeClr val="tx1"/>
           </a:solidFill>
@@ -3048,16 +2696,16 @@
       </a:lvl1pPr>
     </p:titleStyle>
     <p:bodyStyle>
-      <a:lvl1pPr marL="228600" indent="-228600" algn="l" defTabSz="914400" rtl="0" eaLnBrk="1" latinLnBrk="0" hangingPunct="1">
+      <a:lvl1pPr marL="304792" indent="-304792" algn="l" defTabSz="1219170" rtl="0" eaLnBrk="1" latinLnBrk="0" hangingPunct="1">
         <a:lnSpc>
           <a:spcPct val="90000"/>
         </a:lnSpc>
         <a:spcBef>
-          <a:spcPts val="1000"/>
+          <a:spcPts val="1333"/>
         </a:spcBef>
         <a:buFont typeface="Arial" panose="020B0604020202020204" pitchFamily="34" charset="0"/>
         <a:buChar char="•"/>
-        <a:defRPr sz="2800" kern="1200">
+        <a:defRPr sz="3733" kern="1200">
           <a:solidFill>
             <a:schemeClr val="tx1"/>
           </a:solidFill>
@@ -3066,12 +2714,48 @@
           <a:cs typeface="+mn-cs"/>
         </a:defRPr>
       </a:lvl1pPr>
-      <a:lvl2pPr marL="685800" indent="-228600" algn="l" defTabSz="914400" rtl="0" eaLnBrk="1" latinLnBrk="0" hangingPunct="1">
+      <a:lvl2pPr marL="914377" indent="-304792" algn="l" defTabSz="1219170" rtl="0" eaLnBrk="1" latinLnBrk="0" hangingPunct="1">
         <a:lnSpc>
           <a:spcPct val="90000"/>
         </a:lnSpc>
         <a:spcBef>
-          <a:spcPts val="500"/>
+          <a:spcPts val="667"/>
+        </a:spcBef>
+        <a:buFont typeface="Arial" panose="020B0604020202020204" pitchFamily="34" charset="0"/>
+        <a:buChar char="•"/>
+        <a:defRPr sz="3200" kern="1200">
+          <a:solidFill>
+            <a:schemeClr val="tx1"/>
+          </a:solidFill>
+          <a:latin typeface="+mn-lt"/>
+          <a:ea typeface="+mn-ea"/>
+          <a:cs typeface="+mn-cs"/>
+        </a:defRPr>
+      </a:lvl2pPr>
+      <a:lvl3pPr marL="1523962" indent="-304792" algn="l" defTabSz="1219170" rtl="0" eaLnBrk="1" latinLnBrk="0" hangingPunct="1">
+        <a:lnSpc>
+          <a:spcPct val="90000"/>
+        </a:lnSpc>
+        <a:spcBef>
+          <a:spcPts val="667"/>
+        </a:spcBef>
+        <a:buFont typeface="Arial" panose="020B0604020202020204" pitchFamily="34" charset="0"/>
+        <a:buChar char="•"/>
+        <a:defRPr sz="2667" kern="1200">
+          <a:solidFill>
+            <a:schemeClr val="tx1"/>
+          </a:solidFill>
+          <a:latin typeface="+mn-lt"/>
+          <a:ea typeface="+mn-ea"/>
+          <a:cs typeface="+mn-cs"/>
+        </a:defRPr>
+      </a:lvl3pPr>
+      <a:lvl4pPr marL="2133547" indent="-304792" algn="l" defTabSz="1219170" rtl="0" eaLnBrk="1" latinLnBrk="0" hangingPunct="1">
+        <a:lnSpc>
+          <a:spcPct val="90000"/>
+        </a:lnSpc>
+        <a:spcBef>
+          <a:spcPts val="667"/>
         </a:spcBef>
         <a:buFont typeface="Arial" panose="020B0604020202020204" pitchFamily="34" charset="0"/>
         <a:buChar char="•"/>
@@ -3083,53 +2767,17 @@
           <a:ea typeface="+mn-ea"/>
           <a:cs typeface="+mn-cs"/>
         </a:defRPr>
-      </a:lvl2pPr>
-      <a:lvl3pPr marL="1143000" indent="-228600" algn="l" defTabSz="914400" rtl="0" eaLnBrk="1" latinLnBrk="0" hangingPunct="1">
+      </a:lvl4pPr>
+      <a:lvl5pPr marL="2743131" indent="-304792" algn="l" defTabSz="1219170" rtl="0" eaLnBrk="1" latinLnBrk="0" hangingPunct="1">
         <a:lnSpc>
           <a:spcPct val="90000"/>
         </a:lnSpc>
         <a:spcBef>
-          <a:spcPts val="500"/>
+          <a:spcPts val="667"/>
         </a:spcBef>
         <a:buFont typeface="Arial" panose="020B0604020202020204" pitchFamily="34" charset="0"/>
         <a:buChar char="•"/>
-        <a:defRPr sz="2000" kern="1200">
-          <a:solidFill>
-            <a:schemeClr val="tx1"/>
-          </a:solidFill>
-          <a:latin typeface="+mn-lt"/>
-          <a:ea typeface="+mn-ea"/>
-          <a:cs typeface="+mn-cs"/>
-        </a:defRPr>
-      </a:lvl3pPr>
-      <a:lvl4pPr marL="1600200" indent="-228600" algn="l" defTabSz="914400" rtl="0" eaLnBrk="1" latinLnBrk="0" hangingPunct="1">
-        <a:lnSpc>
-          <a:spcPct val="90000"/>
-        </a:lnSpc>
-        <a:spcBef>
-          <a:spcPts val="500"/>
-        </a:spcBef>
-        <a:buFont typeface="Arial" panose="020B0604020202020204" pitchFamily="34" charset="0"/>
-        <a:buChar char="•"/>
-        <a:defRPr sz="1800" kern="1200">
-          <a:solidFill>
-            <a:schemeClr val="tx1"/>
-          </a:solidFill>
-          <a:latin typeface="+mn-lt"/>
-          <a:ea typeface="+mn-ea"/>
-          <a:cs typeface="+mn-cs"/>
-        </a:defRPr>
-      </a:lvl4pPr>
-      <a:lvl5pPr marL="2057400" indent="-228600" algn="l" defTabSz="914400" rtl="0" eaLnBrk="1" latinLnBrk="0" hangingPunct="1">
-        <a:lnSpc>
-          <a:spcPct val="90000"/>
-        </a:lnSpc>
-        <a:spcBef>
-          <a:spcPts val="500"/>
-        </a:spcBef>
-        <a:buFont typeface="Arial" panose="020B0604020202020204" pitchFamily="34" charset="0"/>
-        <a:buChar char="•"/>
-        <a:defRPr sz="1800" kern="1200">
+        <a:defRPr sz="2400" kern="1200">
           <a:solidFill>
             <a:schemeClr val="tx1"/>
           </a:solidFill>
@@ -3138,16 +2786,16 @@
           <a:cs typeface="+mn-cs"/>
         </a:defRPr>
       </a:lvl5pPr>
-      <a:lvl6pPr marL="2514600" indent="-228600" algn="l" defTabSz="914400" rtl="0" eaLnBrk="1" latinLnBrk="0" hangingPunct="1">
+      <a:lvl6pPr marL="3352716" indent="-304792" algn="l" defTabSz="1219170" rtl="0" eaLnBrk="1" latinLnBrk="0" hangingPunct="1">
         <a:lnSpc>
           <a:spcPct val="90000"/>
         </a:lnSpc>
         <a:spcBef>
-          <a:spcPts val="500"/>
+          <a:spcPts val="667"/>
         </a:spcBef>
         <a:buFont typeface="Arial" panose="020B0604020202020204" pitchFamily="34" charset="0"/>
         <a:buChar char="•"/>
-        <a:defRPr sz="1800" kern="1200">
+        <a:defRPr sz="2400" kern="1200">
           <a:solidFill>
             <a:schemeClr val="tx1"/>
           </a:solidFill>
@@ -3156,16 +2804,16 @@
           <a:cs typeface="+mn-cs"/>
         </a:defRPr>
       </a:lvl6pPr>
-      <a:lvl7pPr marL="2971800" indent="-228600" algn="l" defTabSz="914400" rtl="0" eaLnBrk="1" latinLnBrk="0" hangingPunct="1">
+      <a:lvl7pPr marL="3962301" indent="-304792" algn="l" defTabSz="1219170" rtl="0" eaLnBrk="1" latinLnBrk="0" hangingPunct="1">
         <a:lnSpc>
           <a:spcPct val="90000"/>
         </a:lnSpc>
         <a:spcBef>
-          <a:spcPts val="500"/>
+          <a:spcPts val="667"/>
         </a:spcBef>
         <a:buFont typeface="Arial" panose="020B0604020202020204" pitchFamily="34" charset="0"/>
         <a:buChar char="•"/>
-        <a:defRPr sz="1800" kern="1200">
+        <a:defRPr sz="2400" kern="1200">
           <a:solidFill>
             <a:schemeClr val="tx1"/>
           </a:solidFill>
@@ -3174,16 +2822,16 @@
           <a:cs typeface="+mn-cs"/>
         </a:defRPr>
       </a:lvl7pPr>
-      <a:lvl8pPr marL="3429000" indent="-228600" algn="l" defTabSz="914400" rtl="0" eaLnBrk="1" latinLnBrk="0" hangingPunct="1">
+      <a:lvl8pPr marL="4571886" indent="-304792" algn="l" defTabSz="1219170" rtl="0" eaLnBrk="1" latinLnBrk="0" hangingPunct="1">
         <a:lnSpc>
           <a:spcPct val="90000"/>
         </a:lnSpc>
         <a:spcBef>
-          <a:spcPts val="500"/>
+          <a:spcPts val="667"/>
         </a:spcBef>
         <a:buFont typeface="Arial" panose="020B0604020202020204" pitchFamily="34" charset="0"/>
         <a:buChar char="•"/>
-        <a:defRPr sz="1800" kern="1200">
+        <a:defRPr sz="2400" kern="1200">
           <a:solidFill>
             <a:schemeClr val="tx1"/>
           </a:solidFill>
@@ -3192,16 +2840,16 @@
           <a:cs typeface="+mn-cs"/>
         </a:defRPr>
       </a:lvl8pPr>
-      <a:lvl9pPr marL="3886200" indent="-228600" algn="l" defTabSz="914400" rtl="0" eaLnBrk="1" latinLnBrk="0" hangingPunct="1">
+      <a:lvl9pPr marL="5181470" indent="-304792" algn="l" defTabSz="1219170" rtl="0" eaLnBrk="1" latinLnBrk="0" hangingPunct="1">
         <a:lnSpc>
           <a:spcPct val="90000"/>
         </a:lnSpc>
         <a:spcBef>
-          <a:spcPts val="500"/>
+          <a:spcPts val="667"/>
         </a:spcBef>
         <a:buFont typeface="Arial" panose="020B0604020202020204" pitchFamily="34" charset="0"/>
         <a:buChar char="•"/>
-        <a:defRPr sz="1800" kern="1200">
+        <a:defRPr sz="2400" kern="1200">
           <a:solidFill>
             <a:schemeClr val="tx1"/>
           </a:solidFill>
@@ -3215,8 +2863,8 @@
       <a:defPPr>
         <a:defRPr lang="en-US"/>
       </a:defPPr>
-      <a:lvl1pPr marL="0" algn="l" defTabSz="914400" rtl="0" eaLnBrk="1" latinLnBrk="0" hangingPunct="1">
-        <a:defRPr sz="1800" kern="1200">
+      <a:lvl1pPr marL="0" algn="l" defTabSz="1219170" rtl="0" eaLnBrk="1" latinLnBrk="0" hangingPunct="1">
+        <a:defRPr sz="2400" kern="1200">
           <a:solidFill>
             <a:schemeClr val="tx1"/>
           </a:solidFill>
@@ -3225,8 +2873,8 @@
           <a:cs typeface="+mn-cs"/>
         </a:defRPr>
       </a:lvl1pPr>
-      <a:lvl2pPr marL="457200" algn="l" defTabSz="914400" rtl="0" eaLnBrk="1" latinLnBrk="0" hangingPunct="1">
-        <a:defRPr sz="1800" kern="1200">
+      <a:lvl2pPr marL="609585" algn="l" defTabSz="1219170" rtl="0" eaLnBrk="1" latinLnBrk="0" hangingPunct="1">
+        <a:defRPr sz="2400" kern="1200">
           <a:solidFill>
             <a:schemeClr val="tx1"/>
           </a:solidFill>
@@ -3235,8 +2883,8 @@
           <a:cs typeface="+mn-cs"/>
         </a:defRPr>
       </a:lvl2pPr>
-      <a:lvl3pPr marL="914400" algn="l" defTabSz="914400" rtl="0" eaLnBrk="1" latinLnBrk="0" hangingPunct="1">
-        <a:defRPr sz="1800" kern="1200">
+      <a:lvl3pPr marL="1219170" algn="l" defTabSz="1219170" rtl="0" eaLnBrk="1" latinLnBrk="0" hangingPunct="1">
+        <a:defRPr sz="2400" kern="1200">
           <a:solidFill>
             <a:schemeClr val="tx1"/>
           </a:solidFill>
@@ -3245,8 +2893,8 @@
           <a:cs typeface="+mn-cs"/>
         </a:defRPr>
       </a:lvl3pPr>
-      <a:lvl4pPr marL="1371600" algn="l" defTabSz="914400" rtl="0" eaLnBrk="1" latinLnBrk="0" hangingPunct="1">
-        <a:defRPr sz="1800" kern="1200">
+      <a:lvl4pPr marL="1828754" algn="l" defTabSz="1219170" rtl="0" eaLnBrk="1" latinLnBrk="0" hangingPunct="1">
+        <a:defRPr sz="2400" kern="1200">
           <a:solidFill>
             <a:schemeClr val="tx1"/>
           </a:solidFill>
@@ -3255,8 +2903,8 @@
           <a:cs typeface="+mn-cs"/>
         </a:defRPr>
       </a:lvl4pPr>
-      <a:lvl5pPr marL="1828800" algn="l" defTabSz="914400" rtl="0" eaLnBrk="1" latinLnBrk="0" hangingPunct="1">
-        <a:defRPr sz="1800" kern="1200">
+      <a:lvl5pPr marL="2438339" algn="l" defTabSz="1219170" rtl="0" eaLnBrk="1" latinLnBrk="0" hangingPunct="1">
+        <a:defRPr sz="2400" kern="1200">
           <a:solidFill>
             <a:schemeClr val="tx1"/>
           </a:solidFill>
@@ -3265,8 +2913,8 @@
           <a:cs typeface="+mn-cs"/>
         </a:defRPr>
       </a:lvl5pPr>
-      <a:lvl6pPr marL="2286000" algn="l" defTabSz="914400" rtl="0" eaLnBrk="1" latinLnBrk="0" hangingPunct="1">
-        <a:defRPr sz="1800" kern="1200">
+      <a:lvl6pPr marL="3047924" algn="l" defTabSz="1219170" rtl="0" eaLnBrk="1" latinLnBrk="0" hangingPunct="1">
+        <a:defRPr sz="2400" kern="1200">
           <a:solidFill>
             <a:schemeClr val="tx1"/>
           </a:solidFill>
@@ -3275,8 +2923,8 @@
           <a:cs typeface="+mn-cs"/>
         </a:defRPr>
       </a:lvl6pPr>
-      <a:lvl7pPr marL="2743200" algn="l" defTabSz="914400" rtl="0" eaLnBrk="1" latinLnBrk="0" hangingPunct="1">
-        <a:defRPr sz="1800" kern="1200">
+      <a:lvl7pPr marL="3657509" algn="l" defTabSz="1219170" rtl="0" eaLnBrk="1" latinLnBrk="0" hangingPunct="1">
+        <a:defRPr sz="2400" kern="1200">
           <a:solidFill>
             <a:schemeClr val="tx1"/>
           </a:solidFill>
@@ -3285,8 +2933,8 @@
           <a:cs typeface="+mn-cs"/>
         </a:defRPr>
       </a:lvl7pPr>
-      <a:lvl8pPr marL="3200400" algn="l" defTabSz="914400" rtl="0" eaLnBrk="1" latinLnBrk="0" hangingPunct="1">
-        <a:defRPr sz="1800" kern="1200">
+      <a:lvl8pPr marL="4267093" algn="l" defTabSz="1219170" rtl="0" eaLnBrk="1" latinLnBrk="0" hangingPunct="1">
+        <a:defRPr sz="2400" kern="1200">
           <a:solidFill>
             <a:schemeClr val="tx1"/>
           </a:solidFill>
@@ -3295,8 +2943,8 @@
           <a:cs typeface="+mn-cs"/>
         </a:defRPr>
       </a:lvl8pPr>
-      <a:lvl9pPr marL="3657600" algn="l" defTabSz="914400" rtl="0" eaLnBrk="1" latinLnBrk="0" hangingPunct="1">
-        <a:defRPr sz="1800" kern="1200">
+      <a:lvl9pPr marL="4876678" algn="l" defTabSz="1219170" rtl="0" eaLnBrk="1" latinLnBrk="0" hangingPunct="1">
+        <a:defRPr sz="2400" kern="1200">
           <a:solidFill>
             <a:schemeClr val="tx1"/>
           </a:solidFill>
@@ -3341,7 +2989,7 @@
         </p:nvGrpSpPr>
         <p:grpSpPr>
           <a:xfrm>
-            <a:off x="2663281" y="221323"/>
+            <a:off x="2663282" y="2886736"/>
             <a:ext cx="7989817" cy="6217867"/>
             <a:chOff x="2663281" y="221323"/>
             <a:chExt cx="7989817" cy="6217867"/>
@@ -3662,8 +3310,8 @@
               </a:fontRef>
             </p:style>
           </p:cxnSp>
-          <mc:AlternateContent xmlns:mc="http://schemas.openxmlformats.org/markup-compatibility/2006" xmlns:a14="http://schemas.microsoft.com/office/drawing/2010/main">
-            <mc:Choice Requires="a14">
+          <mc:AlternateContent xmlns:mc="http://schemas.openxmlformats.org/markup-compatibility/2006">
+            <mc:Choice xmlns:a14="http://schemas.microsoft.com/office/drawing/2010/main" Requires="a14">
               <p:sp>
                 <p:nvSpPr>
                   <p:cNvPr id="9" name="TextBox 8">
@@ -3679,7 +3327,7 @@
                 <p:spPr>
                   <a:xfrm>
                     <a:off x="6394245" y="2641970"/>
-                    <a:ext cx="499730" cy="369332"/>
+                    <a:ext cx="499730" cy="221226"/>
                   </a:xfrm>
                   <a:prstGeom prst="rect">
                     <a:avLst/>
@@ -3700,7 +3348,7 @@
                         </m:oMathParaPr>
                         <m:oMath xmlns:m="http://schemas.openxmlformats.org/officeDocument/2006/math">
                           <m:r>
-                            <a:rPr lang="en-US" i="1" dirty="0" smtClean="0">
+                            <a:rPr lang="en-US" i="1" dirty="0">
                               <a:solidFill>
                                 <a:srgbClr val="7F7F7F"/>
                               </a:solidFill>
@@ -3716,13 +3364,13 @@
                 </p:txBody>
               </p:sp>
             </mc:Choice>
-            <mc:Fallback xmlns="">
+            <mc:Fallback>
               <p:sp>
                 <p:nvSpPr>
-                  <p:cNvPr id="17" name="TextBox 16">
+                  <p:cNvPr id="9" name="TextBox 8">
                     <a:extLst>
                       <a:ext uri="{FF2B5EF4-FFF2-40B4-BE49-F238E27FC236}">
-                        <a16:creationId xmlns:a16="http://schemas.microsoft.com/office/drawing/2014/main" id="{2E9952B8-26D9-0B4E-A286-AAFE99B37FCC}"/>
+                        <a16:creationId xmlns:a16="http://schemas.microsoft.com/office/drawing/2014/main" id="{82A599F0-BCFD-CD5D-CCA9-5CA656F931EA}"/>
                       </a:ext>
                     </a:extLst>
                   </p:cNvPr>
@@ -3734,13 +3382,13 @@
                 <p:spPr>
                   <a:xfrm>
                     <a:off x="6394245" y="2641970"/>
-                    <a:ext cx="499730" cy="369332"/>
+                    <a:ext cx="499730" cy="221226"/>
                   </a:xfrm>
                   <a:prstGeom prst="rect">
                     <a:avLst/>
                   </a:prstGeom>
                   <a:blipFill>
-                    <a:blip r:embed="rId5"/>
+                    <a:blip r:embed="rId4"/>
                     <a:stretch>
                       <a:fillRect/>
                     </a:stretch>
@@ -3761,8 +3409,8 @@
               </p:sp>
             </mc:Fallback>
           </mc:AlternateContent>
-          <mc:AlternateContent xmlns:mc="http://schemas.openxmlformats.org/markup-compatibility/2006" xmlns:a14="http://schemas.microsoft.com/office/drawing/2010/main">
-            <mc:Choice Requires="a14">
+          <mc:AlternateContent xmlns:mc="http://schemas.openxmlformats.org/markup-compatibility/2006">
+            <mc:Choice xmlns:a14="http://schemas.microsoft.com/office/drawing/2010/main" Requires="a14">
               <p:sp>
                 <p:nvSpPr>
                   <p:cNvPr id="10" name="TextBox 9">
@@ -3778,7 +3426,7 @@
                 <p:spPr>
                   <a:xfrm>
                     <a:off x="4233408" y="411291"/>
-                    <a:ext cx="499730" cy="369332"/>
+                    <a:ext cx="499730" cy="221226"/>
                   </a:xfrm>
                   <a:prstGeom prst="rect">
                     <a:avLst/>
@@ -3799,7 +3447,7 @@
                         </m:oMathParaPr>
                         <m:oMath xmlns:m="http://schemas.openxmlformats.org/officeDocument/2006/math">
                           <m:r>
-                            <a:rPr lang="en-US" b="0" i="1" dirty="0" smtClean="0">
+                            <a:rPr lang="en-US" i="1" dirty="0">
                               <a:solidFill>
                                 <a:srgbClr val="7F7F7F"/>
                               </a:solidFill>
@@ -3815,7 +3463,7 @@
                 </p:txBody>
               </p:sp>
             </mc:Choice>
-            <mc:Fallback xmlns="">
+            <mc:Fallback>
               <p:sp>
                 <p:nvSpPr>
                   <p:cNvPr id="10" name="TextBox 9">
@@ -3833,15 +3481,15 @@
                 <p:spPr>
                   <a:xfrm>
                     <a:off x="4233408" y="411291"/>
-                    <a:ext cx="499730" cy="369332"/>
+                    <a:ext cx="499730" cy="221226"/>
                   </a:xfrm>
                   <a:prstGeom prst="rect">
                     <a:avLst/>
                   </a:prstGeom>
                   <a:blipFill>
-                    <a:blip r:embed="rId6"/>
+                    <a:blip r:embed="rId5"/>
                     <a:stretch>
-                      <a:fillRect/>
+                      <a:fillRect b="-6667"/>
                     </a:stretch>
                   </a:blipFill>
                 </p:spPr>
@@ -4091,7 +3739,7 @@
                   <a:lstStyle/>
                   <a:p>
                     <a:r>
-                      <a:rPr lang="en-US" b="0" dirty="0">
+                      <a:rPr lang="en-US" dirty="0">
                         <a:solidFill>
                           <a:srgbClr val="5B9BD5"/>
                         </a:solidFill>
@@ -4102,7 +3750,7 @@
                     <a14:m>
                       <m:oMath xmlns:m="http://schemas.openxmlformats.org/officeDocument/2006/math">
                         <m:r>
-                          <a:rPr lang="en-US" b="0" i="1" smtClean="0">
+                          <a:rPr lang="en-US" i="1">
                             <a:solidFill>
                               <a:srgbClr val="5B9BD5"/>
                             </a:solidFill>
@@ -4111,7 +3759,7 @@
                           <m:t>∠</m:t>
                         </m:r>
                         <m:r>
-                          <a:rPr lang="en-US" b="0" i="1" smtClean="0">
+                          <a:rPr lang="en-US" i="1">
                             <a:solidFill>
                               <a:srgbClr val="5B9BD5"/>
                             </a:solidFill>
@@ -4217,7 +3865,7 @@
                     <a14:m>
                       <m:oMath xmlns:m="http://schemas.openxmlformats.org/officeDocument/2006/math">
                         <m:r>
-                          <a:rPr lang="en-US" b="0" i="1" smtClean="0">
+                          <a:rPr lang="en-US" i="1">
                             <a:solidFill>
                               <a:srgbClr val="C00000"/>
                             </a:solidFill>
@@ -4226,7 +3874,7 @@
                           <m:t>∠</m:t>
                         </m:r>
                         <m:r>
-                          <a:rPr lang="en-US" b="0" i="1" smtClean="0">
+                          <a:rPr lang="en-US" i="1">
                             <a:solidFill>
                               <a:srgbClr val="C00000"/>
                             </a:solidFill>
@@ -4423,7 +4071,7 @@
                         <m:sSup>
                           <m:sSupPr>
                             <m:ctrlPr>
-                              <a:rPr lang="en-US" b="0" i="1" smtClean="0">
+                              <a:rPr lang="en-US" i="1">
                                 <a:solidFill>
                                   <a:srgbClr val="5B9BD5"/>
                                 </a:solidFill>
@@ -4433,7 +4081,7 @@
                           </m:sSupPr>
                           <m:e>
                             <m:r>
-                              <a:rPr lang="en-US" b="0" i="1" smtClean="0">
+                              <a:rPr lang="en-US" i="1">
                                 <a:solidFill>
                                   <a:srgbClr val="5B9BD5"/>
                                 </a:solidFill>
@@ -4444,7 +4092,7 @@
                           </m:e>
                           <m:sup>
                             <m:r>
-                              <a:rPr lang="en-US" b="0" i="1" smtClean="0">
+                              <a:rPr lang="en-US" i="1">
                                 <a:solidFill>
                                   <a:srgbClr val="5B9BD5"/>
                                 </a:solidFill>
@@ -4457,7 +4105,7 @@
                       </m:oMath>
                     </m:oMathPara>
                   </a14:m>
-                  <a:endParaRPr lang="en-US" b="0" dirty="0">
+                  <a:endParaRPr lang="en-US" dirty="0">
                     <a:solidFill>
                       <a:srgbClr val="5B9BD5"/>
                     </a:solidFill>
@@ -4551,7 +4199,7 @@
                         <m:sSup>
                           <m:sSupPr>
                             <m:ctrlPr>
-                              <a:rPr lang="en-US" b="0" i="1" smtClean="0">
+                              <a:rPr lang="en-US" i="1">
                                 <a:solidFill>
                                   <a:srgbClr val="5B9BD5"/>
                                 </a:solidFill>
@@ -4561,7 +4209,7 @@
                           </m:sSupPr>
                           <m:e>
                             <m:r>
-                              <a:rPr lang="en-US" b="0" i="1" smtClean="0">
+                              <a:rPr lang="en-US" i="1">
                                 <a:solidFill>
                                   <a:srgbClr val="5B9BD5"/>
                                 </a:solidFill>
@@ -4572,7 +4220,7 @@
                           </m:e>
                           <m:sup>
                             <m:r>
-                              <a:rPr lang="en-US" b="0" i="1" smtClean="0">
+                              <a:rPr lang="en-US" i="1">
                                 <a:solidFill>
                                   <a:srgbClr val="5B9BD5"/>
                                 </a:solidFill>
@@ -4725,7 +4373,7 @@
                         <m:sSup>
                           <m:sSupPr>
                             <m:ctrlPr>
-                              <a:rPr lang="en-US" b="0" i="1" smtClean="0">
+                              <a:rPr lang="en-US" i="1">
                                 <a:solidFill>
                                   <a:srgbClr val="C00000"/>
                                 </a:solidFill>
@@ -4735,7 +4383,7 @@
                           </m:sSupPr>
                           <m:e>
                             <m:r>
-                              <a:rPr lang="en-US" b="0" i="1" smtClean="0">
+                              <a:rPr lang="en-US" i="1">
                                 <a:solidFill>
                                   <a:srgbClr val="C00000"/>
                                 </a:solidFill>
@@ -4746,7 +4394,7 @@
                           </m:e>
                           <m:sup>
                             <m:r>
-                              <a:rPr lang="en-US" b="0" i="1" smtClean="0">
+                              <a:rPr lang="en-US" i="1">
                                 <a:solidFill>
                                   <a:srgbClr val="C00000"/>
                                 </a:solidFill>
@@ -4759,7 +4407,7 @@
                       </m:oMath>
                     </m:oMathPara>
                   </a14:m>
-                  <a:endParaRPr lang="en-US" b="0" dirty="0">
+                  <a:endParaRPr lang="en-US" dirty="0">
                     <a:solidFill>
                       <a:srgbClr val="C00000"/>
                     </a:solidFill>
@@ -4853,7 +4501,7 @@
                         <m:sSup>
                           <m:sSupPr>
                             <m:ctrlPr>
-                              <a:rPr lang="en-US" b="0" i="1" smtClean="0">
+                              <a:rPr lang="en-US" i="1">
                                 <a:solidFill>
                                   <a:srgbClr val="C00000"/>
                                 </a:solidFill>
@@ -4863,7 +4511,7 @@
                           </m:sSupPr>
                           <m:e>
                             <m:r>
-                              <a:rPr lang="en-US" b="0" i="1" smtClean="0">
+                              <a:rPr lang="en-US" i="1">
                                 <a:solidFill>
                                   <a:srgbClr val="C00000"/>
                                 </a:solidFill>
@@ -4874,7 +4522,7 @@
                           </m:e>
                           <m:sup>
                             <m:r>
-                              <a:rPr lang="en-US" b="0" i="1" smtClean="0">
+                              <a:rPr lang="en-US" i="1">
                                 <a:solidFill>
                                   <a:srgbClr val="C00000"/>
                                 </a:solidFill>
@@ -4887,7 +4535,7 @@
                       </m:oMath>
                     </m:oMathPara>
                   </a14:m>
-                  <a:endParaRPr lang="en-US" b="0" dirty="0">
+                  <a:endParaRPr lang="en-US" dirty="0">
                     <a:solidFill>
                       <a:srgbClr val="C00000"/>
                     </a:solidFill>
@@ -5032,7 +4680,7 @@
         </p:nvSpPr>
         <p:spPr>
           <a:xfrm>
-            <a:off x="5470521" y="119742"/>
+            <a:off x="5470521" y="2785155"/>
             <a:ext cx="3270708" cy="1200329"/>
           </a:xfrm>
           <a:prstGeom prst="rect">
@@ -5085,7 +4733,7 @@
         </p:nvSpPr>
         <p:spPr>
           <a:xfrm>
-            <a:off x="4058848" y="1239897"/>
+            <a:off x="4058848" y="3905309"/>
             <a:ext cx="6096000" cy="369332"/>
           </a:xfrm>
           <a:prstGeom prst="rect">
@@ -5120,7 +4768,7 @@
         </p:nvGrpSpPr>
         <p:grpSpPr>
           <a:xfrm>
-            <a:off x="1843331" y="2077659"/>
+            <a:off x="1843331" y="4743072"/>
             <a:ext cx="7307188" cy="3025371"/>
             <a:chOff x="1843331" y="2077659"/>
             <a:chExt cx="7307188" cy="3025371"/>
@@ -6830,10 +6478,5428 @@
 </p:sld>
 </file>
 
+<file path=ppt/slides/slide3.xml><?xml version="1.0" encoding="utf-8"?>
+<p:sld xmlns:a="http://schemas.openxmlformats.org/drawingml/2006/main" xmlns:r="http://schemas.openxmlformats.org/officeDocument/2006/relationships" xmlns:p="http://schemas.openxmlformats.org/presentationml/2006/main">
+  <p:cSld>
+    <p:spTree>
+      <p:nvGrpSpPr>
+        <p:cNvPr id="1" name=""/>
+        <p:cNvGrpSpPr/>
+        <p:nvPr/>
+      </p:nvGrpSpPr>
+      <p:grpSpPr>
+        <a:xfrm>
+          <a:off x="0" y="0"/>
+          <a:ext cx="0" cy="0"/>
+          <a:chOff x="0" y="0"/>
+          <a:chExt cx="0" cy="0"/>
+        </a:xfrm>
+      </p:grpSpPr>
+      <p:sp>
+        <p:nvSpPr>
+          <p:cNvPr id="140" name="TextBox 139">
+            <a:extLst>
+              <a:ext uri="{FF2B5EF4-FFF2-40B4-BE49-F238E27FC236}">
+                <a16:creationId xmlns:a16="http://schemas.microsoft.com/office/drawing/2014/main" id="{C1C7C05E-6027-DEAD-3FD8-4C7D7957E692}"/>
+              </a:ext>
+            </a:extLst>
+          </p:cNvPr>
+          <p:cNvSpPr txBox="1"/>
+          <p:nvPr/>
+        </p:nvSpPr>
+        <p:spPr>
+          <a:xfrm>
+            <a:off x="9242909" y="5468618"/>
+            <a:ext cx="1978227" cy="1477328"/>
+          </a:xfrm>
+          <a:prstGeom prst="rect">
+            <a:avLst/>
+          </a:prstGeom>
+          <a:noFill/>
+        </p:spPr>
+        <p:txBody>
+          <a:bodyPr wrap="square" rtlCol="0">
+            <a:spAutoFit/>
+          </a:bodyPr>
+          <a:lstStyle/>
+          <a:p>
+            <a:r>
+              <a:rPr lang="en-US" dirty="0"/>
+              <a:t>TODO check that this holds for informer, </a:t>
+            </a:r>
+            <a:r>
+              <a:rPr lang="en-US" dirty="0" err="1"/>
+              <a:t>autoformer</a:t>
+            </a:r>
+            <a:r>
+              <a:rPr lang="en-US" dirty="0"/>
+              <a:t>, </a:t>
+            </a:r>
+            <a:r>
+              <a:rPr lang="en-US" dirty="0" err="1"/>
+              <a:t>spacetimeformer</a:t>
+            </a:r>
+            <a:endParaRPr lang="en-US" dirty="0"/>
+          </a:p>
+        </p:txBody>
+      </p:sp>
+      <p:grpSp>
+        <p:nvGrpSpPr>
+          <p:cNvPr id="276" name="Group 275">
+            <a:extLst>
+              <a:ext uri="{FF2B5EF4-FFF2-40B4-BE49-F238E27FC236}">
+                <a16:creationId xmlns:a16="http://schemas.microsoft.com/office/drawing/2014/main" id="{E9308D6D-211C-6A76-C222-DBF34B5E7733}"/>
+              </a:ext>
+            </a:extLst>
+          </p:cNvPr>
+          <p:cNvGrpSpPr/>
+          <p:nvPr/>
+        </p:nvGrpSpPr>
+        <p:grpSpPr>
+          <a:xfrm>
+            <a:off x="548640" y="433002"/>
+            <a:ext cx="7391034" cy="11684137"/>
+            <a:chOff x="548640" y="433002"/>
+            <a:chExt cx="7391034" cy="11684137"/>
+          </a:xfrm>
+        </p:grpSpPr>
+        <p:sp>
+          <p:nvSpPr>
+            <p:cNvPr id="193" name="Rounded Rectangle 192">
+              <a:extLst>
+                <a:ext uri="{FF2B5EF4-FFF2-40B4-BE49-F238E27FC236}">
+                  <a16:creationId xmlns:a16="http://schemas.microsoft.com/office/drawing/2014/main" id="{D5E4EEE4-1748-EFAD-1713-9CFBBE5FBEB5}"/>
+                </a:ext>
+              </a:extLst>
+            </p:cNvPr>
+            <p:cNvSpPr/>
+            <p:nvPr/>
+          </p:nvSpPr>
+          <p:spPr>
+            <a:xfrm>
+              <a:off x="548640" y="4565546"/>
+              <a:ext cx="2599578" cy="4208196"/>
+            </a:xfrm>
+            <a:prstGeom prst="roundRect">
+              <a:avLst/>
+            </a:prstGeom>
+            <a:noFill/>
+            <a:ln w="38100">
+              <a:solidFill>
+                <a:schemeClr val="accent1">
+                  <a:shade val="15000"/>
+                  <a:alpha val="24737"/>
+                </a:schemeClr>
+              </a:solidFill>
+              <a:prstDash val="dash"/>
+            </a:ln>
+          </p:spPr>
+          <p:style>
+            <a:lnRef idx="2">
+              <a:schemeClr val="accent1">
+                <a:shade val="15000"/>
+              </a:schemeClr>
+            </a:lnRef>
+            <a:fillRef idx="1">
+              <a:schemeClr val="accent1"/>
+            </a:fillRef>
+            <a:effectRef idx="0">
+              <a:schemeClr val="accent1"/>
+            </a:effectRef>
+            <a:fontRef idx="minor">
+              <a:schemeClr val="lt1"/>
+            </a:fontRef>
+          </p:style>
+          <p:txBody>
+            <a:bodyPr rtlCol="0" anchor="ctr"/>
+            <a:lstStyle/>
+            <a:p>
+              <a:pPr algn="ctr"/>
+              <a:endParaRPr lang="en-US"/>
+            </a:p>
+          </p:txBody>
+        </p:sp>
+        <p:sp>
+          <p:nvSpPr>
+            <p:cNvPr id="192" name="Rounded Rectangle 191">
+              <a:extLst>
+                <a:ext uri="{FF2B5EF4-FFF2-40B4-BE49-F238E27FC236}">
+                  <a16:creationId xmlns:a16="http://schemas.microsoft.com/office/drawing/2014/main" id="{9B7ECBC7-BA04-83BA-066A-8500DFF9D2B0}"/>
+                </a:ext>
+              </a:extLst>
+            </p:cNvPr>
+            <p:cNvSpPr/>
+            <p:nvPr/>
+          </p:nvSpPr>
+          <p:spPr>
+            <a:xfrm>
+              <a:off x="819079" y="4796177"/>
+              <a:ext cx="2599578" cy="4208196"/>
+            </a:xfrm>
+            <a:prstGeom prst="roundRect">
+              <a:avLst/>
+            </a:prstGeom>
+            <a:noFill/>
+            <a:ln w="38100">
+              <a:solidFill>
+                <a:schemeClr val="accent1">
+                  <a:shade val="15000"/>
+                  <a:alpha val="50247"/>
+                </a:schemeClr>
+              </a:solidFill>
+              <a:prstDash val="dash"/>
+            </a:ln>
+          </p:spPr>
+          <p:style>
+            <a:lnRef idx="2">
+              <a:schemeClr val="accent1">
+                <a:shade val="15000"/>
+              </a:schemeClr>
+            </a:lnRef>
+            <a:fillRef idx="1">
+              <a:schemeClr val="accent1"/>
+            </a:fillRef>
+            <a:effectRef idx="0">
+              <a:schemeClr val="accent1"/>
+            </a:effectRef>
+            <a:fontRef idx="minor">
+              <a:schemeClr val="lt1"/>
+            </a:fontRef>
+          </p:style>
+          <p:txBody>
+            <a:bodyPr rtlCol="0" anchor="ctr"/>
+            <a:lstStyle/>
+            <a:p>
+              <a:pPr algn="ctr"/>
+              <a:endParaRPr lang="en-US"/>
+            </a:p>
+          </p:txBody>
+        </p:sp>
+        <p:sp>
+          <p:nvSpPr>
+            <p:cNvPr id="183" name="Rounded Rectangle 182">
+              <a:extLst>
+                <a:ext uri="{FF2B5EF4-FFF2-40B4-BE49-F238E27FC236}">
+                  <a16:creationId xmlns:a16="http://schemas.microsoft.com/office/drawing/2014/main" id="{E5342654-AC2D-5EE0-6167-8E3928278CF3}"/>
+                </a:ext>
+              </a:extLst>
+            </p:cNvPr>
+            <p:cNvSpPr/>
+            <p:nvPr/>
+          </p:nvSpPr>
+          <p:spPr>
+            <a:xfrm>
+              <a:off x="1101458" y="5026253"/>
+              <a:ext cx="2599578" cy="4208196"/>
+            </a:xfrm>
+            <a:prstGeom prst="roundRect">
+              <a:avLst/>
+            </a:prstGeom>
+            <a:noFill/>
+            <a:ln w="38100">
+              <a:prstDash val="dash"/>
+            </a:ln>
+          </p:spPr>
+          <p:style>
+            <a:lnRef idx="2">
+              <a:schemeClr val="accent1">
+                <a:shade val="15000"/>
+              </a:schemeClr>
+            </a:lnRef>
+            <a:fillRef idx="1">
+              <a:schemeClr val="accent1"/>
+            </a:fillRef>
+            <a:effectRef idx="0">
+              <a:schemeClr val="accent1"/>
+            </a:effectRef>
+            <a:fontRef idx="minor">
+              <a:schemeClr val="lt1"/>
+            </a:fontRef>
+          </p:style>
+          <p:txBody>
+            <a:bodyPr rtlCol="0" anchor="ctr"/>
+            <a:lstStyle/>
+            <a:p>
+              <a:pPr algn="ctr"/>
+              <a:endParaRPr lang="en-US"/>
+            </a:p>
+          </p:txBody>
+        </p:sp>
+        <p:sp>
+          <p:nvSpPr>
+            <p:cNvPr id="203" name="Rounded Rectangle 202">
+              <a:extLst>
+                <a:ext uri="{FF2B5EF4-FFF2-40B4-BE49-F238E27FC236}">
+                  <a16:creationId xmlns:a16="http://schemas.microsoft.com/office/drawing/2014/main" id="{55E857B3-034E-5F59-9CF5-7AABF6DF1549}"/>
+                </a:ext>
+              </a:extLst>
+            </p:cNvPr>
+            <p:cNvSpPr/>
+            <p:nvPr/>
+          </p:nvSpPr>
+          <p:spPr>
+            <a:xfrm>
+              <a:off x="5340096" y="2636162"/>
+              <a:ext cx="2599578" cy="6039346"/>
+            </a:xfrm>
+            <a:prstGeom prst="roundRect">
+              <a:avLst/>
+            </a:prstGeom>
+            <a:noFill/>
+            <a:ln w="38100">
+              <a:solidFill>
+                <a:schemeClr val="accent1">
+                  <a:shade val="15000"/>
+                  <a:alpha val="24920"/>
+                </a:schemeClr>
+              </a:solidFill>
+              <a:prstDash val="dash"/>
+            </a:ln>
+          </p:spPr>
+          <p:style>
+            <a:lnRef idx="2">
+              <a:schemeClr val="accent1">
+                <a:shade val="15000"/>
+              </a:schemeClr>
+            </a:lnRef>
+            <a:fillRef idx="1">
+              <a:schemeClr val="accent1"/>
+            </a:fillRef>
+            <a:effectRef idx="0">
+              <a:schemeClr val="accent1"/>
+            </a:effectRef>
+            <a:fontRef idx="minor">
+              <a:schemeClr val="lt1"/>
+            </a:fontRef>
+          </p:style>
+          <p:txBody>
+            <a:bodyPr rtlCol="0" anchor="ctr"/>
+            <a:lstStyle/>
+            <a:p>
+              <a:pPr algn="ctr"/>
+              <a:endParaRPr lang="en-US"/>
+            </a:p>
+          </p:txBody>
+        </p:sp>
+        <p:sp>
+          <p:nvSpPr>
+            <p:cNvPr id="202" name="Rounded Rectangle 201">
+              <a:extLst>
+                <a:ext uri="{FF2B5EF4-FFF2-40B4-BE49-F238E27FC236}">
+                  <a16:creationId xmlns:a16="http://schemas.microsoft.com/office/drawing/2014/main" id="{F835C5EC-5BE9-0A9C-8F37-F04685905037}"/>
+                </a:ext>
+              </a:extLst>
+            </p:cNvPr>
+            <p:cNvSpPr/>
+            <p:nvPr/>
+          </p:nvSpPr>
+          <p:spPr>
+            <a:xfrm>
+              <a:off x="5065776" y="2864762"/>
+              <a:ext cx="2599578" cy="6039346"/>
+            </a:xfrm>
+            <a:prstGeom prst="roundRect">
+              <a:avLst/>
+            </a:prstGeom>
+            <a:noFill/>
+            <a:ln w="38100">
+              <a:solidFill>
+                <a:schemeClr val="accent1">
+                  <a:shade val="15000"/>
+                  <a:alpha val="49633"/>
+                </a:schemeClr>
+              </a:solidFill>
+              <a:prstDash val="dash"/>
+            </a:ln>
+          </p:spPr>
+          <p:style>
+            <a:lnRef idx="2">
+              <a:schemeClr val="accent1">
+                <a:shade val="15000"/>
+              </a:schemeClr>
+            </a:lnRef>
+            <a:fillRef idx="1">
+              <a:schemeClr val="accent1"/>
+            </a:fillRef>
+            <a:effectRef idx="0">
+              <a:schemeClr val="accent1"/>
+            </a:effectRef>
+            <a:fontRef idx="minor">
+              <a:schemeClr val="lt1"/>
+            </a:fontRef>
+          </p:style>
+          <p:txBody>
+            <a:bodyPr rtlCol="0" anchor="ctr"/>
+            <a:lstStyle/>
+            <a:p>
+              <a:pPr algn="ctr"/>
+              <a:endParaRPr lang="en-US"/>
+            </a:p>
+          </p:txBody>
+        </p:sp>
+        <p:sp>
+          <p:nvSpPr>
+            <p:cNvPr id="186" name="Rounded Rectangle 185">
+              <a:extLst>
+                <a:ext uri="{FF2B5EF4-FFF2-40B4-BE49-F238E27FC236}">
+                  <a16:creationId xmlns:a16="http://schemas.microsoft.com/office/drawing/2014/main" id="{6CB9533E-BA48-60B6-E68D-3526FEA437BE}"/>
+                </a:ext>
+              </a:extLst>
+            </p:cNvPr>
+            <p:cNvSpPr/>
+            <p:nvPr/>
+          </p:nvSpPr>
+          <p:spPr>
+            <a:xfrm>
+              <a:off x="4795405" y="3097900"/>
+              <a:ext cx="2599578" cy="6136549"/>
+            </a:xfrm>
+            <a:prstGeom prst="roundRect">
+              <a:avLst/>
+            </a:prstGeom>
+            <a:noFill/>
+            <a:ln w="38100">
+              <a:prstDash val="dash"/>
+            </a:ln>
+          </p:spPr>
+          <p:style>
+            <a:lnRef idx="2">
+              <a:schemeClr val="accent1">
+                <a:shade val="15000"/>
+              </a:schemeClr>
+            </a:lnRef>
+            <a:fillRef idx="1">
+              <a:schemeClr val="accent1"/>
+            </a:fillRef>
+            <a:effectRef idx="0">
+              <a:schemeClr val="accent1"/>
+            </a:effectRef>
+            <a:fontRef idx="minor">
+              <a:schemeClr val="lt1"/>
+            </a:fontRef>
+          </p:style>
+          <p:txBody>
+            <a:bodyPr rtlCol="0" anchor="ctr"/>
+            <a:lstStyle/>
+            <a:p>
+              <a:pPr algn="ctr"/>
+              <a:endParaRPr lang="en-US"/>
+            </a:p>
+          </p:txBody>
+        </p:sp>
+        <p:sp>
+          <p:nvSpPr>
+            <p:cNvPr id="5" name="Rectangle 4">
+              <a:extLst>
+                <a:ext uri="{FF2B5EF4-FFF2-40B4-BE49-F238E27FC236}">
+                  <a16:creationId xmlns:a16="http://schemas.microsoft.com/office/drawing/2014/main" id="{19CFC423-106F-689C-AB30-F491F7E042FF}"/>
+                </a:ext>
+              </a:extLst>
+            </p:cNvPr>
+            <p:cNvSpPr/>
+            <p:nvPr/>
+          </p:nvSpPr>
+          <p:spPr>
+            <a:xfrm>
+              <a:off x="5260064" y="10513402"/>
+              <a:ext cx="1710165" cy="601883"/>
+            </a:xfrm>
+            <a:prstGeom prst="rect">
+              <a:avLst/>
+            </a:prstGeom>
+            <a:ln w="9525">
+              <a:solidFill>
+                <a:schemeClr val="tx1"/>
+              </a:solidFill>
+            </a:ln>
+            <a:effectLst>
+              <a:outerShdw blurRad="50800" dist="38100" dir="5400000" algn="t" rotWithShape="0">
+                <a:prstClr val="black">
+                  <a:alpha val="40000"/>
+                </a:prstClr>
+              </a:outerShdw>
+            </a:effectLst>
+          </p:spPr>
+          <p:style>
+            <a:lnRef idx="3">
+              <a:schemeClr val="lt1"/>
+            </a:lnRef>
+            <a:fillRef idx="1">
+              <a:schemeClr val="accent5"/>
+            </a:fillRef>
+            <a:effectRef idx="1">
+              <a:schemeClr val="accent5"/>
+            </a:effectRef>
+            <a:fontRef idx="minor">
+              <a:schemeClr val="lt1"/>
+            </a:fontRef>
+          </p:style>
+          <p:txBody>
+            <a:bodyPr rtlCol="0" anchor="ctr"/>
+            <a:lstStyle/>
+            <a:p>
+              <a:pPr algn="ctr"/>
+              <a:r>
+                <a:rPr lang="en-US" dirty="0">
+                  <a:latin typeface="Modern No. 20" panose="02070704070505020303" pitchFamily="18" charset="77"/>
+                </a:rPr>
+                <a:t>Embedding</a:t>
+              </a:r>
+            </a:p>
+          </p:txBody>
+        </p:sp>
+        <mc:AlternateContent xmlns:mc="http://schemas.openxmlformats.org/markup-compatibility/2006">
+          <mc:Choice xmlns:a14="http://schemas.microsoft.com/office/drawing/2010/main" Requires="a14">
+            <p:sp>
+              <p:nvSpPr>
+                <p:cNvPr id="6" name="Parallelogram 5">
+                  <a:extLst>
+                    <a:ext uri="{FF2B5EF4-FFF2-40B4-BE49-F238E27FC236}">
+                      <a16:creationId xmlns:a16="http://schemas.microsoft.com/office/drawing/2014/main" id="{CE1A616A-889F-3209-D2DF-1C85E41139C1}"/>
+                    </a:ext>
+                  </a:extLst>
+                </p:cNvPr>
+                <p:cNvSpPr/>
+                <p:nvPr/>
+              </p:nvSpPr>
+              <p:spPr>
+                <a:xfrm>
+                  <a:off x="5258215" y="9651088"/>
+                  <a:ext cx="1702758" cy="567159"/>
+                </a:xfrm>
+                <a:prstGeom prst="parallelogram">
+                  <a:avLst/>
+                </a:prstGeom>
+                <a:ln w="9525">
+                  <a:solidFill>
+                    <a:schemeClr val="tx1"/>
+                  </a:solidFill>
+                </a:ln>
+                <a:effectLst>
+                  <a:outerShdw blurRad="50800" dist="38100" dir="5400000" algn="t" rotWithShape="0">
+                    <a:prstClr val="black">
+                      <a:alpha val="40000"/>
+                    </a:prstClr>
+                  </a:outerShdw>
+                </a:effectLst>
+              </p:spPr>
+              <p:style>
+                <a:lnRef idx="2">
+                  <a:schemeClr val="accent1">
+                    <a:shade val="15000"/>
+                  </a:schemeClr>
+                </a:lnRef>
+                <a:fillRef idx="1">
+                  <a:schemeClr val="accent1"/>
+                </a:fillRef>
+                <a:effectRef idx="0">
+                  <a:schemeClr val="accent1"/>
+                </a:effectRef>
+                <a:fontRef idx="minor">
+                  <a:schemeClr val="lt1"/>
+                </a:fontRef>
+              </p:style>
+              <p:txBody>
+                <a:bodyPr rtlCol="0" anchor="ctr"/>
+                <a:lstStyle/>
+                <a:p>
+                  <a:pPr algn="ctr"/>
+                  <a14:m>
+                    <m:oMathPara xmlns:m="http://schemas.openxmlformats.org/officeDocument/2006/math">
+                      <m:oMathParaPr>
+                        <m:jc m:val="centerGroup"/>
+                      </m:oMathParaPr>
+                      <m:oMath xmlns:m="http://schemas.openxmlformats.org/officeDocument/2006/math">
+                        <m:sSub>
+                          <m:sSubPr>
+                            <m:ctrlPr>
+                              <a:rPr lang="en-US" i="1">
+                                <a:latin typeface="Cambria Math" panose="02040503050406030204" pitchFamily="18" charset="0"/>
+                              </a:rPr>
+                            </m:ctrlPr>
+                          </m:sSubPr>
+                          <m:e>
+                            <m:r>
+                              <a:rPr lang="en-US" i="1">
+                                <a:latin typeface="Cambria Math" panose="02040503050406030204" pitchFamily="18" charset="0"/>
+                              </a:rPr>
+                              <m:t>𝑋</m:t>
+                            </m:r>
+                          </m:e>
+                          <m:sub>
+                            <m:r>
+                              <m:rPr>
+                                <m:nor/>
+                              </m:rPr>
+                              <a:rPr lang="en-US" b="0" i="0" smtClean="0">
+                                <a:latin typeface="Cambria Math" panose="02040503050406030204" pitchFamily="18" charset="0"/>
+                              </a:rPr>
+                              <m:t>d</m:t>
+                            </m:r>
+                            <m:r>
+                              <m:rPr>
+                                <m:nor/>
+                              </m:rPr>
+                              <a:rPr lang="en-US">
+                                <a:latin typeface="Cambria Math" panose="02040503050406030204" pitchFamily="18" charset="0"/>
+                              </a:rPr>
+                              <m:t>ec</m:t>
+                            </m:r>
+                          </m:sub>
+                        </m:sSub>
+                      </m:oMath>
+                    </m:oMathPara>
+                  </a14:m>
+                  <a:endParaRPr lang="en-US" dirty="0">
+                    <a:latin typeface="Modern No. 20" panose="02070704070505020303" pitchFamily="18" charset="77"/>
+                  </a:endParaRPr>
+                </a:p>
+              </p:txBody>
+            </p:sp>
+          </mc:Choice>
+          <mc:Fallback>
+            <p:sp>
+              <p:nvSpPr>
+                <p:cNvPr id="6" name="Parallelogram 5">
+                  <a:extLst>
+                    <a:ext uri="{FF2B5EF4-FFF2-40B4-BE49-F238E27FC236}">
+                      <a16:creationId xmlns:a16="http://schemas.microsoft.com/office/drawing/2014/main" id="{CE1A616A-889F-3209-D2DF-1C85E41139C1}"/>
+                    </a:ext>
+                  </a:extLst>
+                </p:cNvPr>
+                <p:cNvSpPr>
+                  <a:spLocks noRot="1" noChangeAspect="1" noMove="1" noResize="1" noEditPoints="1" noAdjustHandles="1" noChangeArrowheads="1" noChangeShapeType="1" noTextEdit="1"/>
+                </p:cNvSpPr>
+                <p:nvPr/>
+              </p:nvSpPr>
+              <p:spPr>
+                <a:xfrm>
+                  <a:off x="5258215" y="9651088"/>
+                  <a:ext cx="1702758" cy="567159"/>
+                </a:xfrm>
+                <a:prstGeom prst="parallelogram">
+                  <a:avLst/>
+                </a:prstGeom>
+                <a:blipFill>
+                  <a:blip r:embed="rId2"/>
+                  <a:stretch>
+                    <a:fillRect/>
+                  </a:stretch>
+                </a:blipFill>
+                <a:ln w="9525">
+                  <a:solidFill>
+                    <a:schemeClr val="tx1"/>
+                  </a:solidFill>
+                </a:ln>
+                <a:effectLst>
+                  <a:outerShdw blurRad="50800" dist="38100" dir="5400000" algn="t" rotWithShape="0">
+                    <a:prstClr val="black">
+                      <a:alpha val="40000"/>
+                    </a:prstClr>
+                  </a:outerShdw>
+                </a:effectLst>
+              </p:spPr>
+              <p:txBody>
+                <a:bodyPr/>
+                <a:lstStyle/>
+                <a:p>
+                  <a:r>
+                    <a:rPr lang="en-US">
+                      <a:noFill/>
+                    </a:rPr>
+                    <a:t> </a:t>
+                  </a:r>
+                </a:p>
+              </p:txBody>
+            </p:sp>
+          </mc:Fallback>
+        </mc:AlternateContent>
+        <p:sp>
+          <p:nvSpPr>
+            <p:cNvPr id="7" name="Rectangle 6">
+              <a:extLst>
+                <a:ext uri="{FF2B5EF4-FFF2-40B4-BE49-F238E27FC236}">
+                  <a16:creationId xmlns:a16="http://schemas.microsoft.com/office/drawing/2014/main" id="{2EA2BDE3-A002-D8E3-4B80-2556D73B094D}"/>
+                </a:ext>
+              </a:extLst>
+            </p:cNvPr>
+            <p:cNvSpPr/>
+            <p:nvPr/>
+          </p:nvSpPr>
+          <p:spPr>
+            <a:xfrm>
+              <a:off x="1558718" y="8082932"/>
+              <a:ext cx="1710165" cy="601883"/>
+            </a:xfrm>
+            <a:prstGeom prst="rect">
+              <a:avLst/>
+            </a:prstGeom>
+            <a:solidFill>
+              <a:schemeClr val="accent4">
+                <a:lumMod val="60000"/>
+                <a:lumOff val="40000"/>
+              </a:schemeClr>
+            </a:solidFill>
+            <a:ln w="9525">
+              <a:solidFill>
+                <a:schemeClr val="tx1"/>
+              </a:solidFill>
+            </a:ln>
+            <a:effectLst>
+              <a:outerShdw blurRad="50800" dist="38100" dir="5400000" algn="t" rotWithShape="0">
+                <a:prstClr val="black">
+                  <a:alpha val="40000"/>
+                </a:prstClr>
+              </a:outerShdw>
+            </a:effectLst>
+          </p:spPr>
+          <p:style>
+            <a:lnRef idx="3">
+              <a:schemeClr val="lt1"/>
+            </a:lnRef>
+            <a:fillRef idx="1">
+              <a:schemeClr val="accent5"/>
+            </a:fillRef>
+            <a:effectRef idx="1">
+              <a:schemeClr val="accent5"/>
+            </a:effectRef>
+            <a:fontRef idx="minor">
+              <a:schemeClr val="lt1"/>
+            </a:fontRef>
+          </p:style>
+          <p:txBody>
+            <a:bodyPr rtlCol="0" anchor="ctr"/>
+            <a:lstStyle/>
+            <a:p>
+              <a:pPr algn="ctr"/>
+              <a:r>
+                <a:rPr lang="en-US" dirty="0">
+                  <a:latin typeface="Modern No. 20" panose="02070704070505020303" pitchFamily="18" charset="77"/>
+                </a:rPr>
+                <a:t>Multi-Head Attention</a:t>
+              </a:r>
+            </a:p>
+          </p:txBody>
+        </p:sp>
+        <p:sp>
+          <p:nvSpPr>
+            <p:cNvPr id="8" name="Rectangle 7">
+              <a:extLst>
+                <a:ext uri="{FF2B5EF4-FFF2-40B4-BE49-F238E27FC236}">
+                  <a16:creationId xmlns:a16="http://schemas.microsoft.com/office/drawing/2014/main" id="{14DF4894-038C-E182-ABFC-3204E9B69332}"/>
+                </a:ext>
+              </a:extLst>
+            </p:cNvPr>
+            <p:cNvSpPr/>
+            <p:nvPr/>
+          </p:nvSpPr>
+          <p:spPr>
+            <a:xfrm>
+              <a:off x="1558719" y="7190782"/>
+              <a:ext cx="1710165" cy="601883"/>
+            </a:xfrm>
+            <a:prstGeom prst="rect">
+              <a:avLst/>
+            </a:prstGeom>
+            <a:solidFill>
+              <a:schemeClr val="accent2">
+                <a:lumMod val="60000"/>
+                <a:lumOff val="40000"/>
+              </a:schemeClr>
+            </a:solidFill>
+            <a:ln w="9525">
+              <a:solidFill>
+                <a:schemeClr val="tx1"/>
+              </a:solidFill>
+            </a:ln>
+            <a:effectLst>
+              <a:outerShdw blurRad="50800" dist="38100" dir="5400000" algn="t" rotWithShape="0">
+                <a:prstClr val="black">
+                  <a:alpha val="40000"/>
+                </a:prstClr>
+              </a:outerShdw>
+            </a:effectLst>
+          </p:spPr>
+          <p:style>
+            <a:lnRef idx="3">
+              <a:schemeClr val="lt1"/>
+            </a:lnRef>
+            <a:fillRef idx="1">
+              <a:schemeClr val="accent5"/>
+            </a:fillRef>
+            <a:effectRef idx="1">
+              <a:schemeClr val="accent5"/>
+            </a:effectRef>
+            <a:fontRef idx="minor">
+              <a:schemeClr val="lt1"/>
+            </a:fontRef>
+          </p:style>
+          <p:txBody>
+            <a:bodyPr rtlCol="0" anchor="ctr"/>
+            <a:lstStyle/>
+            <a:p>
+              <a:pPr algn="ctr"/>
+              <a:r>
+                <a:rPr lang="en-US" dirty="0">
+                  <a:latin typeface="Modern No. 20" panose="02070704070505020303" pitchFamily="18" charset="77"/>
+                </a:rPr>
+                <a:t>Addition &amp; Normalization</a:t>
+              </a:r>
+            </a:p>
+          </p:txBody>
+        </p:sp>
+        <p:sp>
+          <p:nvSpPr>
+            <p:cNvPr id="10" name="Rectangle 9">
+              <a:extLst>
+                <a:ext uri="{FF2B5EF4-FFF2-40B4-BE49-F238E27FC236}">
+                  <a16:creationId xmlns:a16="http://schemas.microsoft.com/office/drawing/2014/main" id="{019D267C-4083-2104-014A-0D23D92D128D}"/>
+                </a:ext>
+              </a:extLst>
+            </p:cNvPr>
+            <p:cNvSpPr/>
+            <p:nvPr/>
+          </p:nvSpPr>
+          <p:spPr>
+            <a:xfrm>
+              <a:off x="1560568" y="6284998"/>
+              <a:ext cx="1710165" cy="601883"/>
+            </a:xfrm>
+            <a:prstGeom prst="rect">
+              <a:avLst/>
+            </a:prstGeom>
+            <a:solidFill>
+              <a:schemeClr val="accent3">
+                <a:lumMod val="60000"/>
+                <a:lumOff val="40000"/>
+              </a:schemeClr>
+            </a:solidFill>
+            <a:ln w="9525">
+              <a:solidFill>
+                <a:schemeClr val="tx1"/>
+              </a:solidFill>
+            </a:ln>
+            <a:effectLst>
+              <a:outerShdw blurRad="50800" dist="38100" dir="5400000" algn="t" rotWithShape="0">
+                <a:prstClr val="black">
+                  <a:alpha val="40000"/>
+                </a:prstClr>
+              </a:outerShdw>
+            </a:effectLst>
+          </p:spPr>
+          <p:style>
+            <a:lnRef idx="3">
+              <a:schemeClr val="lt1"/>
+            </a:lnRef>
+            <a:fillRef idx="1">
+              <a:schemeClr val="accent5"/>
+            </a:fillRef>
+            <a:effectRef idx="1">
+              <a:schemeClr val="accent5"/>
+            </a:effectRef>
+            <a:fontRef idx="minor">
+              <a:schemeClr val="lt1"/>
+            </a:fontRef>
+          </p:style>
+          <p:txBody>
+            <a:bodyPr rtlCol="0" anchor="ctr"/>
+            <a:lstStyle/>
+            <a:p>
+              <a:pPr algn="ctr"/>
+              <a:r>
+                <a:rPr lang="en-US" dirty="0">
+                  <a:latin typeface="Modern No. 20" panose="02070704070505020303" pitchFamily="18" charset="77"/>
+                </a:rPr>
+                <a:t>FFN</a:t>
+              </a:r>
+            </a:p>
+          </p:txBody>
+        </p:sp>
+        <p:sp>
+          <p:nvSpPr>
+            <p:cNvPr id="11" name="Rectangle 10">
+              <a:extLst>
+                <a:ext uri="{FF2B5EF4-FFF2-40B4-BE49-F238E27FC236}">
+                  <a16:creationId xmlns:a16="http://schemas.microsoft.com/office/drawing/2014/main" id="{452B6023-EDB3-2306-4FDB-C3FC6C354E79}"/>
+                </a:ext>
+              </a:extLst>
+            </p:cNvPr>
+            <p:cNvSpPr/>
+            <p:nvPr/>
+          </p:nvSpPr>
+          <p:spPr>
+            <a:xfrm>
+              <a:off x="1560571" y="5382174"/>
+              <a:ext cx="1710165" cy="601883"/>
+            </a:xfrm>
+            <a:prstGeom prst="rect">
+              <a:avLst/>
+            </a:prstGeom>
+            <a:solidFill>
+              <a:schemeClr val="accent2">
+                <a:lumMod val="60000"/>
+                <a:lumOff val="40000"/>
+              </a:schemeClr>
+            </a:solidFill>
+            <a:ln w="9525">
+              <a:solidFill>
+                <a:schemeClr val="tx1"/>
+              </a:solidFill>
+            </a:ln>
+            <a:effectLst>
+              <a:outerShdw blurRad="50800" dist="38100" dir="5400000" algn="t" rotWithShape="0">
+                <a:prstClr val="black">
+                  <a:alpha val="40000"/>
+                </a:prstClr>
+              </a:outerShdw>
+            </a:effectLst>
+          </p:spPr>
+          <p:style>
+            <a:lnRef idx="3">
+              <a:schemeClr val="lt1"/>
+            </a:lnRef>
+            <a:fillRef idx="1">
+              <a:schemeClr val="accent5"/>
+            </a:fillRef>
+            <a:effectRef idx="1">
+              <a:schemeClr val="accent5"/>
+            </a:effectRef>
+            <a:fontRef idx="minor">
+              <a:schemeClr val="lt1"/>
+            </a:fontRef>
+          </p:style>
+          <p:txBody>
+            <a:bodyPr rtlCol="0" anchor="ctr"/>
+            <a:lstStyle/>
+            <a:p>
+              <a:pPr algn="ctr"/>
+              <a:r>
+                <a:rPr lang="en-US" dirty="0">
+                  <a:latin typeface="Modern No. 20" panose="02070704070505020303" pitchFamily="18" charset="77"/>
+                </a:rPr>
+                <a:t>Addition &amp; Normalization</a:t>
+              </a:r>
+            </a:p>
+          </p:txBody>
+        </p:sp>
+        <p:sp>
+          <p:nvSpPr>
+            <p:cNvPr id="12" name="Rectangle 11">
+              <a:extLst>
+                <a:ext uri="{FF2B5EF4-FFF2-40B4-BE49-F238E27FC236}">
+                  <a16:creationId xmlns:a16="http://schemas.microsoft.com/office/drawing/2014/main" id="{C6E9C91C-CF43-C6CC-725C-57F3D4CC7150}"/>
+                </a:ext>
+              </a:extLst>
+            </p:cNvPr>
+            <p:cNvSpPr/>
+            <p:nvPr/>
+          </p:nvSpPr>
+          <p:spPr>
+            <a:xfrm>
+              <a:off x="5260063" y="8082931"/>
+              <a:ext cx="1710165" cy="601883"/>
+            </a:xfrm>
+            <a:prstGeom prst="rect">
+              <a:avLst/>
+            </a:prstGeom>
+            <a:solidFill>
+              <a:schemeClr val="accent4">
+                <a:lumMod val="60000"/>
+                <a:lumOff val="40000"/>
+              </a:schemeClr>
+            </a:solidFill>
+            <a:ln w="9525">
+              <a:solidFill>
+                <a:schemeClr val="tx1"/>
+              </a:solidFill>
+            </a:ln>
+            <a:effectLst>
+              <a:outerShdw blurRad="50800" dist="38100" dir="5400000" algn="t" rotWithShape="0">
+                <a:prstClr val="black">
+                  <a:alpha val="40000"/>
+                </a:prstClr>
+              </a:outerShdw>
+            </a:effectLst>
+          </p:spPr>
+          <p:style>
+            <a:lnRef idx="3">
+              <a:schemeClr val="lt1"/>
+            </a:lnRef>
+            <a:fillRef idx="1">
+              <a:schemeClr val="accent5"/>
+            </a:fillRef>
+            <a:effectRef idx="1">
+              <a:schemeClr val="accent5"/>
+            </a:effectRef>
+            <a:fontRef idx="minor">
+              <a:schemeClr val="lt1"/>
+            </a:fontRef>
+          </p:style>
+          <p:txBody>
+            <a:bodyPr rtlCol="0" anchor="ctr"/>
+            <a:lstStyle/>
+            <a:p>
+              <a:pPr algn="ctr"/>
+              <a:r>
+                <a:rPr lang="en-US" dirty="0">
+                  <a:latin typeface="Modern No. 20" panose="02070704070505020303" pitchFamily="18" charset="77"/>
+                </a:rPr>
+                <a:t>Masked Multi-Head Attention</a:t>
+              </a:r>
+            </a:p>
+          </p:txBody>
+        </p:sp>
+        <p:sp>
+          <p:nvSpPr>
+            <p:cNvPr id="13" name="Rectangle 12">
+              <a:extLst>
+                <a:ext uri="{FF2B5EF4-FFF2-40B4-BE49-F238E27FC236}">
+                  <a16:creationId xmlns:a16="http://schemas.microsoft.com/office/drawing/2014/main" id="{18D7AB7A-C59A-564C-FE7E-08AA1D204389}"/>
+                </a:ext>
+              </a:extLst>
+            </p:cNvPr>
+            <p:cNvSpPr/>
+            <p:nvPr/>
+          </p:nvSpPr>
+          <p:spPr>
+            <a:xfrm>
+              <a:off x="5258216" y="6091406"/>
+              <a:ext cx="1710165" cy="601883"/>
+            </a:xfrm>
+            <a:prstGeom prst="rect">
+              <a:avLst/>
+            </a:prstGeom>
+            <a:solidFill>
+              <a:schemeClr val="accent4">
+                <a:lumMod val="60000"/>
+                <a:lumOff val="40000"/>
+              </a:schemeClr>
+            </a:solidFill>
+            <a:ln w="9525">
+              <a:solidFill>
+                <a:schemeClr val="tx1"/>
+              </a:solidFill>
+            </a:ln>
+            <a:effectLst>
+              <a:outerShdw blurRad="50800" dist="38100" dir="5400000" algn="t" rotWithShape="0">
+                <a:prstClr val="black">
+                  <a:alpha val="40000"/>
+                </a:prstClr>
+              </a:outerShdw>
+            </a:effectLst>
+          </p:spPr>
+          <p:style>
+            <a:lnRef idx="3">
+              <a:schemeClr val="lt1"/>
+            </a:lnRef>
+            <a:fillRef idx="1">
+              <a:schemeClr val="accent5"/>
+            </a:fillRef>
+            <a:effectRef idx="1">
+              <a:schemeClr val="accent5"/>
+            </a:effectRef>
+            <a:fontRef idx="minor">
+              <a:schemeClr val="lt1"/>
+            </a:fontRef>
+          </p:style>
+          <p:txBody>
+            <a:bodyPr rtlCol="0" anchor="ctr"/>
+            <a:lstStyle/>
+            <a:p>
+              <a:pPr algn="ctr"/>
+              <a:r>
+                <a:rPr lang="en-US" dirty="0">
+                  <a:latin typeface="Modern No. 20" panose="02070704070505020303" pitchFamily="18" charset="77"/>
+                </a:rPr>
+                <a:t>Multi-Head Attention</a:t>
+              </a:r>
+            </a:p>
+          </p:txBody>
+        </p:sp>
+        <p:sp>
+          <p:nvSpPr>
+            <p:cNvPr id="14" name="Rectangle 13">
+              <a:extLst>
+                <a:ext uri="{FF2B5EF4-FFF2-40B4-BE49-F238E27FC236}">
+                  <a16:creationId xmlns:a16="http://schemas.microsoft.com/office/drawing/2014/main" id="{05408A90-687C-3483-1EF8-5A2B33851568}"/>
+                </a:ext>
+              </a:extLst>
+            </p:cNvPr>
+            <p:cNvSpPr/>
+            <p:nvPr/>
+          </p:nvSpPr>
+          <p:spPr>
+            <a:xfrm>
+              <a:off x="5260067" y="4293473"/>
+              <a:ext cx="1710165" cy="601883"/>
+            </a:xfrm>
+            <a:prstGeom prst="rect">
+              <a:avLst/>
+            </a:prstGeom>
+            <a:solidFill>
+              <a:schemeClr val="accent3">
+                <a:lumMod val="60000"/>
+                <a:lumOff val="40000"/>
+              </a:schemeClr>
+            </a:solidFill>
+            <a:ln w="9525">
+              <a:solidFill>
+                <a:schemeClr val="tx1"/>
+              </a:solidFill>
+            </a:ln>
+            <a:effectLst>
+              <a:outerShdw blurRad="50800" dist="38100" dir="5400000" algn="t" rotWithShape="0">
+                <a:prstClr val="black">
+                  <a:alpha val="40000"/>
+                </a:prstClr>
+              </a:outerShdw>
+            </a:effectLst>
+          </p:spPr>
+          <p:style>
+            <a:lnRef idx="3">
+              <a:schemeClr val="lt1"/>
+            </a:lnRef>
+            <a:fillRef idx="1">
+              <a:schemeClr val="accent5"/>
+            </a:fillRef>
+            <a:effectRef idx="1">
+              <a:schemeClr val="accent5"/>
+            </a:effectRef>
+            <a:fontRef idx="minor">
+              <a:schemeClr val="lt1"/>
+            </a:fontRef>
+          </p:style>
+          <p:txBody>
+            <a:bodyPr rtlCol="0" anchor="ctr"/>
+            <a:lstStyle/>
+            <a:p>
+              <a:pPr algn="ctr"/>
+              <a:r>
+                <a:rPr lang="en-US" dirty="0">
+                  <a:latin typeface="Modern No. 20" panose="02070704070505020303" pitchFamily="18" charset="77"/>
+                </a:rPr>
+                <a:t>FFN</a:t>
+              </a:r>
+            </a:p>
+          </p:txBody>
+        </p:sp>
+        <p:sp>
+          <p:nvSpPr>
+            <p:cNvPr id="15" name="Rectangle 14">
+              <a:extLst>
+                <a:ext uri="{FF2B5EF4-FFF2-40B4-BE49-F238E27FC236}">
+                  <a16:creationId xmlns:a16="http://schemas.microsoft.com/office/drawing/2014/main" id="{7D297980-EB50-A5B6-5CE6-897F1B81E13C}"/>
+                </a:ext>
+              </a:extLst>
+            </p:cNvPr>
+            <p:cNvSpPr/>
+            <p:nvPr/>
+          </p:nvSpPr>
+          <p:spPr>
+            <a:xfrm>
+              <a:off x="5258216" y="7188212"/>
+              <a:ext cx="1710165" cy="601883"/>
+            </a:xfrm>
+            <a:prstGeom prst="rect">
+              <a:avLst/>
+            </a:prstGeom>
+            <a:solidFill>
+              <a:schemeClr val="accent2">
+                <a:lumMod val="60000"/>
+                <a:lumOff val="40000"/>
+              </a:schemeClr>
+            </a:solidFill>
+            <a:ln w="9525">
+              <a:solidFill>
+                <a:schemeClr val="tx1"/>
+              </a:solidFill>
+            </a:ln>
+            <a:effectLst>
+              <a:outerShdw blurRad="50800" dist="38100" dir="5400000" algn="t" rotWithShape="0">
+                <a:prstClr val="black">
+                  <a:alpha val="40000"/>
+                </a:prstClr>
+              </a:outerShdw>
+            </a:effectLst>
+          </p:spPr>
+          <p:style>
+            <a:lnRef idx="3">
+              <a:schemeClr val="lt1"/>
+            </a:lnRef>
+            <a:fillRef idx="1">
+              <a:schemeClr val="accent5"/>
+            </a:fillRef>
+            <a:effectRef idx="1">
+              <a:schemeClr val="accent5"/>
+            </a:effectRef>
+            <a:fontRef idx="minor">
+              <a:schemeClr val="lt1"/>
+            </a:fontRef>
+          </p:style>
+          <p:txBody>
+            <a:bodyPr rtlCol="0" anchor="ctr"/>
+            <a:lstStyle/>
+            <a:p>
+              <a:pPr algn="ctr"/>
+              <a:r>
+                <a:rPr lang="en-US" dirty="0">
+                  <a:latin typeface="Modern No. 20" panose="02070704070505020303" pitchFamily="18" charset="77"/>
+                </a:rPr>
+                <a:t>Addition &amp; Normalization</a:t>
+              </a:r>
+            </a:p>
+          </p:txBody>
+        </p:sp>
+        <p:sp>
+          <p:nvSpPr>
+            <p:cNvPr id="16" name="Rectangle 15">
+              <a:extLst>
+                <a:ext uri="{FF2B5EF4-FFF2-40B4-BE49-F238E27FC236}">
+                  <a16:creationId xmlns:a16="http://schemas.microsoft.com/office/drawing/2014/main" id="{EB959045-0EAE-A574-E8C6-DD4DD2467C3B}"/>
+                </a:ext>
+              </a:extLst>
+            </p:cNvPr>
+            <p:cNvSpPr/>
+            <p:nvPr/>
+          </p:nvSpPr>
+          <p:spPr>
+            <a:xfrm>
+              <a:off x="5258215" y="5188582"/>
+              <a:ext cx="1710165" cy="601883"/>
+            </a:xfrm>
+            <a:prstGeom prst="rect">
+              <a:avLst/>
+            </a:prstGeom>
+            <a:solidFill>
+              <a:schemeClr val="accent2">
+                <a:lumMod val="60000"/>
+                <a:lumOff val="40000"/>
+              </a:schemeClr>
+            </a:solidFill>
+            <a:ln w="9525">
+              <a:solidFill>
+                <a:schemeClr val="tx1"/>
+              </a:solidFill>
+            </a:ln>
+            <a:effectLst>
+              <a:outerShdw blurRad="50800" dist="38100" dir="5400000" algn="t" rotWithShape="0">
+                <a:prstClr val="black">
+                  <a:alpha val="40000"/>
+                </a:prstClr>
+              </a:outerShdw>
+            </a:effectLst>
+          </p:spPr>
+          <p:style>
+            <a:lnRef idx="3">
+              <a:schemeClr val="lt1"/>
+            </a:lnRef>
+            <a:fillRef idx="1">
+              <a:schemeClr val="accent5"/>
+            </a:fillRef>
+            <a:effectRef idx="1">
+              <a:schemeClr val="accent5"/>
+            </a:effectRef>
+            <a:fontRef idx="minor">
+              <a:schemeClr val="lt1"/>
+            </a:fontRef>
+          </p:style>
+          <p:txBody>
+            <a:bodyPr rtlCol="0" anchor="ctr"/>
+            <a:lstStyle/>
+            <a:p>
+              <a:pPr algn="ctr"/>
+              <a:r>
+                <a:rPr lang="en-US" dirty="0">
+                  <a:latin typeface="Modern No. 20" panose="02070704070505020303" pitchFamily="18" charset="77"/>
+                </a:rPr>
+                <a:t>Addition &amp; Normalization</a:t>
+              </a:r>
+            </a:p>
+          </p:txBody>
+        </p:sp>
+        <p:sp>
+          <p:nvSpPr>
+            <p:cNvPr id="17" name="Rectangle 16">
+              <a:extLst>
+                <a:ext uri="{FF2B5EF4-FFF2-40B4-BE49-F238E27FC236}">
+                  <a16:creationId xmlns:a16="http://schemas.microsoft.com/office/drawing/2014/main" id="{DF3F68FD-90D9-F0C7-3354-07065CC3AF71}"/>
+                </a:ext>
+              </a:extLst>
+            </p:cNvPr>
+            <p:cNvSpPr/>
+            <p:nvPr/>
+          </p:nvSpPr>
+          <p:spPr>
+            <a:xfrm>
+              <a:off x="5258214" y="3390454"/>
+              <a:ext cx="1710165" cy="601883"/>
+            </a:xfrm>
+            <a:prstGeom prst="rect">
+              <a:avLst/>
+            </a:prstGeom>
+            <a:solidFill>
+              <a:schemeClr val="accent2">
+                <a:lumMod val="60000"/>
+                <a:lumOff val="40000"/>
+              </a:schemeClr>
+            </a:solidFill>
+            <a:ln w="9525">
+              <a:solidFill>
+                <a:schemeClr val="tx1"/>
+              </a:solidFill>
+            </a:ln>
+            <a:effectLst>
+              <a:outerShdw blurRad="50800" dist="38100" dir="5400000" algn="t" rotWithShape="0">
+                <a:prstClr val="black">
+                  <a:alpha val="40000"/>
+                </a:prstClr>
+              </a:outerShdw>
+            </a:effectLst>
+          </p:spPr>
+          <p:style>
+            <a:lnRef idx="3">
+              <a:schemeClr val="lt1"/>
+            </a:lnRef>
+            <a:fillRef idx="1">
+              <a:schemeClr val="accent5"/>
+            </a:fillRef>
+            <a:effectRef idx="1">
+              <a:schemeClr val="accent5"/>
+            </a:effectRef>
+            <a:fontRef idx="minor">
+              <a:schemeClr val="lt1"/>
+            </a:fontRef>
+          </p:style>
+          <p:txBody>
+            <a:bodyPr rtlCol="0" anchor="ctr"/>
+            <a:lstStyle/>
+            <a:p>
+              <a:pPr algn="ctr"/>
+              <a:r>
+                <a:rPr lang="en-US" dirty="0">
+                  <a:latin typeface="Modern No. 20" panose="02070704070505020303" pitchFamily="18" charset="77"/>
+                </a:rPr>
+                <a:t>Addition &amp; Normalization</a:t>
+              </a:r>
+            </a:p>
+          </p:txBody>
+        </p:sp>
+        <mc:AlternateContent xmlns:mc="http://schemas.openxmlformats.org/markup-compatibility/2006">
+          <mc:Choice xmlns:a14="http://schemas.microsoft.com/office/drawing/2010/main" Requires="a14">
+            <p:sp>
+              <p:nvSpPr>
+                <p:cNvPr id="18" name="Parallelogram 17">
+                  <a:extLst>
+                    <a:ext uri="{FF2B5EF4-FFF2-40B4-BE49-F238E27FC236}">
+                      <a16:creationId xmlns:a16="http://schemas.microsoft.com/office/drawing/2014/main" id="{AD1984B7-55EA-AE75-1B36-231A14327C0A}"/>
+                    </a:ext>
+                  </a:extLst>
+                </p:cNvPr>
+                <p:cNvSpPr/>
+                <p:nvPr/>
+              </p:nvSpPr>
+              <p:spPr>
+                <a:xfrm>
+                  <a:off x="1558717" y="11549980"/>
+                  <a:ext cx="1710165" cy="567159"/>
+                </a:xfrm>
+                <a:prstGeom prst="parallelogram">
+                  <a:avLst/>
+                </a:prstGeom>
+                <a:ln w="9525">
+                  <a:solidFill>
+                    <a:schemeClr val="tx1"/>
+                  </a:solidFill>
+                </a:ln>
+                <a:effectLst>
+                  <a:outerShdw blurRad="50800" dist="38100" dir="5400000" algn="t" rotWithShape="0">
+                    <a:prstClr val="black">
+                      <a:alpha val="40000"/>
+                    </a:prstClr>
+                  </a:outerShdw>
+                </a:effectLst>
+              </p:spPr>
+              <p:style>
+                <a:lnRef idx="2">
+                  <a:schemeClr val="accent1">
+                    <a:shade val="15000"/>
+                  </a:schemeClr>
+                </a:lnRef>
+                <a:fillRef idx="1">
+                  <a:schemeClr val="accent1"/>
+                </a:fillRef>
+                <a:effectRef idx="0">
+                  <a:schemeClr val="accent1"/>
+                </a:effectRef>
+                <a:fontRef idx="minor">
+                  <a:schemeClr val="lt1"/>
+                </a:fontRef>
+              </p:style>
+              <p:txBody>
+                <a:bodyPr rtlCol="0" anchor="ctr"/>
+                <a:lstStyle/>
+                <a:p>
+                  <a:pPr algn="ctr"/>
+                  <a14:m>
+                    <m:oMathPara xmlns:m="http://schemas.openxmlformats.org/officeDocument/2006/math">
+                      <m:oMathParaPr>
+                        <m:jc m:val="centerGroup"/>
+                      </m:oMathParaPr>
+                      <m:oMath xmlns:m="http://schemas.openxmlformats.org/officeDocument/2006/math">
+                        <m:sSub>
+                          <m:sSubPr>
+                            <m:ctrlPr>
+                              <a:rPr lang="en-US" i="1">
+                                <a:latin typeface="Cambria Math" panose="02040503050406030204" pitchFamily="18" charset="0"/>
+                              </a:rPr>
+                            </m:ctrlPr>
+                          </m:sSubPr>
+                          <m:e>
+                            <m:r>
+                              <a:rPr lang="en-US" i="1">
+                                <a:latin typeface="Cambria Math" panose="02040503050406030204" pitchFamily="18" charset="0"/>
+                              </a:rPr>
+                              <m:t>𝑋</m:t>
+                            </m:r>
+                          </m:e>
+                          <m:sub>
+                            <m:r>
+                              <m:rPr>
+                                <m:nor/>
+                              </m:rPr>
+                              <a:rPr lang="en-US" b="0" i="0" smtClean="0">
+                                <a:latin typeface="Cambria Math" panose="02040503050406030204" pitchFamily="18" charset="0"/>
+                              </a:rPr>
+                              <m:t>c</m:t>
+                            </m:r>
+                          </m:sub>
+                        </m:sSub>
+                      </m:oMath>
+                    </m:oMathPara>
+                  </a14:m>
+                  <a:endParaRPr lang="en-US" dirty="0">
+                    <a:latin typeface="Modern No. 20" panose="02070704070505020303" pitchFamily="18" charset="77"/>
+                  </a:endParaRPr>
+                </a:p>
+              </p:txBody>
+            </p:sp>
+          </mc:Choice>
+          <mc:Fallback>
+            <p:sp>
+              <p:nvSpPr>
+                <p:cNvPr id="18" name="Parallelogram 17">
+                  <a:extLst>
+                    <a:ext uri="{FF2B5EF4-FFF2-40B4-BE49-F238E27FC236}">
+                      <a16:creationId xmlns:a16="http://schemas.microsoft.com/office/drawing/2014/main" id="{AD1984B7-55EA-AE75-1B36-231A14327C0A}"/>
+                    </a:ext>
+                  </a:extLst>
+                </p:cNvPr>
+                <p:cNvSpPr>
+                  <a:spLocks noRot="1" noChangeAspect="1" noMove="1" noResize="1" noEditPoints="1" noAdjustHandles="1" noChangeArrowheads="1" noChangeShapeType="1" noTextEdit="1"/>
+                </p:cNvSpPr>
+                <p:nvPr/>
+              </p:nvSpPr>
+              <p:spPr>
+                <a:xfrm>
+                  <a:off x="1558717" y="11549980"/>
+                  <a:ext cx="1710165" cy="567159"/>
+                </a:xfrm>
+                <a:prstGeom prst="parallelogram">
+                  <a:avLst/>
+                </a:prstGeom>
+                <a:blipFill>
+                  <a:blip r:embed="rId3"/>
+                  <a:stretch>
+                    <a:fillRect/>
+                  </a:stretch>
+                </a:blipFill>
+                <a:ln w="9525">
+                  <a:solidFill>
+                    <a:schemeClr val="tx1"/>
+                  </a:solidFill>
+                </a:ln>
+                <a:effectLst>
+                  <a:outerShdw blurRad="50800" dist="38100" dir="5400000" algn="t" rotWithShape="0">
+                    <a:prstClr val="black">
+                      <a:alpha val="40000"/>
+                    </a:prstClr>
+                  </a:outerShdw>
+                </a:effectLst>
+              </p:spPr>
+              <p:txBody>
+                <a:bodyPr/>
+                <a:lstStyle/>
+                <a:p>
+                  <a:r>
+                    <a:rPr lang="en-US">
+                      <a:noFill/>
+                    </a:rPr>
+                    <a:t> </a:t>
+                  </a:r>
+                </a:p>
+              </p:txBody>
+            </p:sp>
+          </mc:Fallback>
+        </mc:AlternateContent>
+        <mc:AlternateContent xmlns:mc="http://schemas.openxmlformats.org/markup-compatibility/2006">
+          <mc:Choice xmlns:a14="http://schemas.microsoft.com/office/drawing/2010/main" Requires="a14">
+            <p:sp>
+              <p:nvSpPr>
+                <p:cNvPr id="19" name="Parallelogram 18">
+                  <a:extLst>
+                    <a:ext uri="{FF2B5EF4-FFF2-40B4-BE49-F238E27FC236}">
+                      <a16:creationId xmlns:a16="http://schemas.microsoft.com/office/drawing/2014/main" id="{63E076E0-D1CB-6710-5E3A-7EE76977D2FF}"/>
+                    </a:ext>
+                  </a:extLst>
+                </p:cNvPr>
+                <p:cNvSpPr/>
+                <p:nvPr/>
+              </p:nvSpPr>
+              <p:spPr>
+                <a:xfrm>
+                  <a:off x="5256363" y="11549980"/>
+                  <a:ext cx="1710165" cy="567159"/>
+                </a:xfrm>
+                <a:prstGeom prst="parallelogram">
+                  <a:avLst/>
+                </a:prstGeom>
+                <a:ln w="9525">
+                  <a:solidFill>
+                    <a:schemeClr val="tx1"/>
+                  </a:solidFill>
+                </a:ln>
+                <a:effectLst>
+                  <a:outerShdw blurRad="50800" dist="38100" dir="5400000" algn="t" rotWithShape="0">
+                    <a:prstClr val="black">
+                      <a:alpha val="40000"/>
+                    </a:prstClr>
+                  </a:outerShdw>
+                </a:effectLst>
+              </p:spPr>
+              <p:style>
+                <a:lnRef idx="2">
+                  <a:schemeClr val="accent1">
+                    <a:shade val="15000"/>
+                  </a:schemeClr>
+                </a:lnRef>
+                <a:fillRef idx="1">
+                  <a:schemeClr val="accent1"/>
+                </a:fillRef>
+                <a:effectRef idx="0">
+                  <a:schemeClr val="accent1"/>
+                </a:effectRef>
+                <a:fontRef idx="minor">
+                  <a:schemeClr val="lt1"/>
+                </a:fontRef>
+              </p:style>
+              <p:txBody>
+                <a:bodyPr rtlCol="0" anchor="ctr"/>
+                <a:lstStyle/>
+                <a:p>
+                  <a:pPr algn="ctr"/>
+                  <a14:m>
+                    <m:oMathPara xmlns:m="http://schemas.openxmlformats.org/officeDocument/2006/math">
+                      <m:oMathParaPr>
+                        <m:jc m:val="centerGroup"/>
+                      </m:oMathParaPr>
+                      <m:oMath xmlns:m="http://schemas.openxmlformats.org/officeDocument/2006/math">
+                        <m:sSub>
+                          <m:sSubPr>
+                            <m:ctrlPr>
+                              <a:rPr lang="en-US" i="1">
+                                <a:latin typeface="Cambria Math" panose="02040503050406030204" pitchFamily="18" charset="0"/>
+                              </a:rPr>
+                            </m:ctrlPr>
+                          </m:sSubPr>
+                          <m:e>
+                            <m:r>
+                              <a:rPr lang="en-US" i="1">
+                                <a:latin typeface="Cambria Math" panose="02040503050406030204" pitchFamily="18" charset="0"/>
+                              </a:rPr>
+                              <m:t>𝑋</m:t>
+                            </m:r>
+                          </m:e>
+                          <m:sub>
+                            <m:r>
+                              <m:rPr>
+                                <m:nor/>
+                              </m:rPr>
+                              <a:rPr lang="en-US" b="0" i="0" smtClean="0">
+                                <a:latin typeface="Cambria Math" panose="02040503050406030204" pitchFamily="18" charset="0"/>
+                              </a:rPr>
+                              <m:t>p</m:t>
+                            </m:r>
+                          </m:sub>
+                        </m:sSub>
+                      </m:oMath>
+                    </m:oMathPara>
+                  </a14:m>
+                  <a:endParaRPr lang="en-US" dirty="0">
+                    <a:latin typeface="Modern No. 20" panose="02070704070505020303" pitchFamily="18" charset="77"/>
+                  </a:endParaRPr>
+                </a:p>
+              </p:txBody>
+            </p:sp>
+          </mc:Choice>
+          <mc:Fallback>
+            <p:sp>
+              <p:nvSpPr>
+                <p:cNvPr id="19" name="Parallelogram 18">
+                  <a:extLst>
+                    <a:ext uri="{FF2B5EF4-FFF2-40B4-BE49-F238E27FC236}">
+                      <a16:creationId xmlns:a16="http://schemas.microsoft.com/office/drawing/2014/main" id="{63E076E0-D1CB-6710-5E3A-7EE76977D2FF}"/>
+                    </a:ext>
+                  </a:extLst>
+                </p:cNvPr>
+                <p:cNvSpPr>
+                  <a:spLocks noRot="1" noChangeAspect="1" noMove="1" noResize="1" noEditPoints="1" noAdjustHandles="1" noChangeArrowheads="1" noChangeShapeType="1" noTextEdit="1"/>
+                </p:cNvSpPr>
+                <p:nvPr/>
+              </p:nvSpPr>
+              <p:spPr>
+                <a:xfrm>
+                  <a:off x="5256363" y="11549980"/>
+                  <a:ext cx="1710165" cy="567159"/>
+                </a:xfrm>
+                <a:prstGeom prst="parallelogram">
+                  <a:avLst/>
+                </a:prstGeom>
+                <a:blipFill>
+                  <a:blip r:embed="rId4"/>
+                  <a:stretch>
+                    <a:fillRect/>
+                  </a:stretch>
+                </a:blipFill>
+                <a:ln w="9525">
+                  <a:solidFill>
+                    <a:schemeClr val="tx1"/>
+                  </a:solidFill>
+                </a:ln>
+                <a:effectLst>
+                  <a:outerShdw blurRad="50800" dist="38100" dir="5400000" algn="t" rotWithShape="0">
+                    <a:prstClr val="black">
+                      <a:alpha val="40000"/>
+                    </a:prstClr>
+                  </a:outerShdw>
+                </a:effectLst>
+              </p:spPr>
+              <p:txBody>
+                <a:bodyPr/>
+                <a:lstStyle/>
+                <a:p>
+                  <a:r>
+                    <a:rPr lang="en-US">
+                      <a:noFill/>
+                    </a:rPr>
+                    <a:t> </a:t>
+                  </a:r>
+                </a:p>
+              </p:txBody>
+            </p:sp>
+          </mc:Fallback>
+        </mc:AlternateContent>
+        <p:sp>
+          <p:nvSpPr>
+            <p:cNvPr id="20" name="Rectangle 19">
+              <a:extLst>
+                <a:ext uri="{FF2B5EF4-FFF2-40B4-BE49-F238E27FC236}">
+                  <a16:creationId xmlns:a16="http://schemas.microsoft.com/office/drawing/2014/main" id="{C86DD911-330D-468B-F9AE-D433AC1D4808}"/>
+                </a:ext>
+              </a:extLst>
+            </p:cNvPr>
+            <p:cNvSpPr/>
+            <p:nvPr/>
+          </p:nvSpPr>
+          <p:spPr>
+            <a:xfrm>
+              <a:off x="1560569" y="10513403"/>
+              <a:ext cx="1710165" cy="601883"/>
+            </a:xfrm>
+            <a:prstGeom prst="rect">
+              <a:avLst/>
+            </a:prstGeom>
+            <a:ln w="9525">
+              <a:solidFill>
+                <a:schemeClr val="tx1"/>
+              </a:solidFill>
+            </a:ln>
+            <a:effectLst>
+              <a:outerShdw blurRad="50800" dist="38100" dir="5400000" algn="t" rotWithShape="0">
+                <a:prstClr val="black">
+                  <a:alpha val="40000"/>
+                </a:prstClr>
+              </a:outerShdw>
+            </a:effectLst>
+          </p:spPr>
+          <p:style>
+            <a:lnRef idx="3">
+              <a:schemeClr val="lt1"/>
+            </a:lnRef>
+            <a:fillRef idx="1">
+              <a:schemeClr val="accent5"/>
+            </a:fillRef>
+            <a:effectRef idx="1">
+              <a:schemeClr val="accent5"/>
+            </a:effectRef>
+            <a:fontRef idx="minor">
+              <a:schemeClr val="lt1"/>
+            </a:fontRef>
+          </p:style>
+          <p:txBody>
+            <a:bodyPr rtlCol="0" anchor="ctr"/>
+            <a:lstStyle/>
+            <a:p>
+              <a:pPr algn="ctr"/>
+              <a:r>
+                <a:rPr lang="en-US" dirty="0">
+                  <a:latin typeface="Modern No. 20" panose="02070704070505020303" pitchFamily="18" charset="77"/>
+                </a:rPr>
+                <a:t>Embedding</a:t>
+              </a:r>
+            </a:p>
+          </p:txBody>
+        </p:sp>
+        <mc:AlternateContent xmlns:mc="http://schemas.openxmlformats.org/markup-compatibility/2006">
+          <mc:Choice xmlns:a14="http://schemas.microsoft.com/office/drawing/2010/main" Requires="a14">
+            <p:sp>
+              <p:nvSpPr>
+                <p:cNvPr id="21" name="Parallelogram 20">
+                  <a:extLst>
+                    <a:ext uri="{FF2B5EF4-FFF2-40B4-BE49-F238E27FC236}">
+                      <a16:creationId xmlns:a16="http://schemas.microsoft.com/office/drawing/2014/main" id="{2517EB04-64AB-EB0B-76B2-FD6EE37F766E}"/>
+                    </a:ext>
+                  </a:extLst>
+                </p:cNvPr>
+                <p:cNvSpPr/>
+                <p:nvPr/>
+              </p:nvSpPr>
+              <p:spPr>
+                <a:xfrm>
+                  <a:off x="1564273" y="9649407"/>
+                  <a:ext cx="1702757" cy="567159"/>
+                </a:xfrm>
+                <a:prstGeom prst="parallelogram">
+                  <a:avLst/>
+                </a:prstGeom>
+                <a:ln w="9525">
+                  <a:solidFill>
+                    <a:schemeClr val="tx1"/>
+                  </a:solidFill>
+                </a:ln>
+                <a:effectLst>
+                  <a:outerShdw blurRad="50800" dist="38100" dir="5400000" algn="t" rotWithShape="0">
+                    <a:prstClr val="black">
+                      <a:alpha val="40000"/>
+                    </a:prstClr>
+                  </a:outerShdw>
+                </a:effectLst>
+              </p:spPr>
+              <p:style>
+                <a:lnRef idx="2">
+                  <a:schemeClr val="accent1">
+                    <a:shade val="15000"/>
+                  </a:schemeClr>
+                </a:lnRef>
+                <a:fillRef idx="1">
+                  <a:schemeClr val="accent1"/>
+                </a:fillRef>
+                <a:effectRef idx="0">
+                  <a:schemeClr val="accent1"/>
+                </a:effectRef>
+                <a:fontRef idx="minor">
+                  <a:schemeClr val="lt1"/>
+                </a:fontRef>
+              </p:style>
+              <p:txBody>
+                <a:bodyPr rtlCol="0" anchor="ctr"/>
+                <a:lstStyle/>
+                <a:p>
+                  <a:pPr algn="ctr"/>
+                  <a14:m>
+                    <m:oMathPara xmlns:m="http://schemas.openxmlformats.org/officeDocument/2006/math">
+                      <m:oMathParaPr>
+                        <m:jc m:val="centerGroup"/>
+                      </m:oMathParaPr>
+                      <m:oMath xmlns:m="http://schemas.openxmlformats.org/officeDocument/2006/math">
+                        <m:sSub>
+                          <m:sSubPr>
+                            <m:ctrlPr>
+                              <a:rPr lang="en-US" i="1">
+                                <a:latin typeface="Cambria Math" panose="02040503050406030204" pitchFamily="18" charset="0"/>
+                              </a:rPr>
+                            </m:ctrlPr>
+                          </m:sSubPr>
+                          <m:e>
+                            <m:r>
+                              <a:rPr lang="en-US" i="1">
+                                <a:latin typeface="Cambria Math" panose="02040503050406030204" pitchFamily="18" charset="0"/>
+                              </a:rPr>
+                              <m:t>𝑋</m:t>
+                            </m:r>
+                          </m:e>
+                          <m:sub>
+                            <m:r>
+                              <m:rPr>
+                                <m:nor/>
+                              </m:rPr>
+                              <a:rPr lang="en-US">
+                                <a:latin typeface="Cambria Math" panose="02040503050406030204" pitchFamily="18" charset="0"/>
+                              </a:rPr>
+                              <m:t>enc</m:t>
+                            </m:r>
+                          </m:sub>
+                        </m:sSub>
+                      </m:oMath>
+                    </m:oMathPara>
+                  </a14:m>
+                  <a:endParaRPr lang="en-US" dirty="0">
+                    <a:latin typeface="Modern No. 20" panose="02070704070505020303" pitchFamily="18" charset="77"/>
+                  </a:endParaRPr>
+                </a:p>
+              </p:txBody>
+            </p:sp>
+          </mc:Choice>
+          <mc:Fallback>
+            <p:sp>
+              <p:nvSpPr>
+                <p:cNvPr id="21" name="Parallelogram 20">
+                  <a:extLst>
+                    <a:ext uri="{FF2B5EF4-FFF2-40B4-BE49-F238E27FC236}">
+                      <a16:creationId xmlns:a16="http://schemas.microsoft.com/office/drawing/2014/main" id="{2517EB04-64AB-EB0B-76B2-FD6EE37F766E}"/>
+                    </a:ext>
+                  </a:extLst>
+                </p:cNvPr>
+                <p:cNvSpPr>
+                  <a:spLocks noRot="1" noChangeAspect="1" noMove="1" noResize="1" noEditPoints="1" noAdjustHandles="1" noChangeArrowheads="1" noChangeShapeType="1" noTextEdit="1"/>
+                </p:cNvSpPr>
+                <p:nvPr/>
+              </p:nvSpPr>
+              <p:spPr>
+                <a:xfrm>
+                  <a:off x="1564273" y="9649407"/>
+                  <a:ext cx="1702757" cy="567159"/>
+                </a:xfrm>
+                <a:prstGeom prst="parallelogram">
+                  <a:avLst/>
+                </a:prstGeom>
+                <a:blipFill>
+                  <a:blip r:embed="rId5"/>
+                  <a:stretch>
+                    <a:fillRect/>
+                  </a:stretch>
+                </a:blipFill>
+                <a:ln w="9525">
+                  <a:solidFill>
+                    <a:schemeClr val="tx1"/>
+                  </a:solidFill>
+                </a:ln>
+                <a:effectLst>
+                  <a:outerShdw blurRad="50800" dist="38100" dir="5400000" algn="t" rotWithShape="0">
+                    <a:prstClr val="black">
+                      <a:alpha val="40000"/>
+                    </a:prstClr>
+                  </a:outerShdw>
+                </a:effectLst>
+              </p:spPr>
+              <p:txBody>
+                <a:bodyPr/>
+                <a:lstStyle/>
+                <a:p>
+                  <a:r>
+                    <a:rPr lang="en-US">
+                      <a:noFill/>
+                    </a:rPr>
+                    <a:t> </a:t>
+                  </a:r>
+                </a:p>
+              </p:txBody>
+            </p:sp>
+          </mc:Fallback>
+        </mc:AlternateContent>
+        <p:cxnSp>
+          <p:nvCxnSpPr>
+            <p:cNvPr id="23" name="Straight Arrow Connector 22">
+              <a:extLst>
+                <a:ext uri="{FF2B5EF4-FFF2-40B4-BE49-F238E27FC236}">
+                  <a16:creationId xmlns:a16="http://schemas.microsoft.com/office/drawing/2014/main" id="{15FE1AFB-7C7A-AE1C-A69A-78936E97357E}"/>
+                </a:ext>
+              </a:extLst>
+            </p:cNvPr>
+            <p:cNvCxnSpPr>
+              <a:cxnSpLocks/>
+              <a:stCxn id="18" idx="0"/>
+              <a:endCxn id="20" idx="2"/>
+            </p:cNvCxnSpPr>
+            <p:nvPr/>
+          </p:nvCxnSpPr>
+          <p:spPr>
+            <a:xfrm flipV="1">
+              <a:off x="2413800" y="11115286"/>
+              <a:ext cx="1852" cy="434694"/>
+            </a:xfrm>
+            <a:prstGeom prst="straightConnector1">
+              <a:avLst/>
+            </a:prstGeom>
+            <a:ln w="38100">
+              <a:solidFill>
+                <a:schemeClr val="tx1"/>
+              </a:solidFill>
+              <a:tailEnd type="triangle"/>
+            </a:ln>
+          </p:spPr>
+          <p:style>
+            <a:lnRef idx="2">
+              <a:schemeClr val="accent1"/>
+            </a:lnRef>
+            <a:fillRef idx="0">
+              <a:schemeClr val="accent1"/>
+            </a:fillRef>
+            <a:effectRef idx="1">
+              <a:schemeClr val="accent1"/>
+            </a:effectRef>
+            <a:fontRef idx="minor">
+              <a:schemeClr val="tx1"/>
+            </a:fontRef>
+          </p:style>
+        </p:cxnSp>
+        <p:cxnSp>
+          <p:nvCxnSpPr>
+            <p:cNvPr id="26" name="Straight Arrow Connector 25">
+              <a:extLst>
+                <a:ext uri="{FF2B5EF4-FFF2-40B4-BE49-F238E27FC236}">
+                  <a16:creationId xmlns:a16="http://schemas.microsoft.com/office/drawing/2014/main" id="{A805D98A-A69E-6C23-462C-98D6384F6224}"/>
+                </a:ext>
+              </a:extLst>
+            </p:cNvPr>
+            <p:cNvCxnSpPr>
+              <a:cxnSpLocks/>
+              <a:stCxn id="20" idx="0"/>
+              <a:endCxn id="21" idx="4"/>
+            </p:cNvCxnSpPr>
+            <p:nvPr/>
+          </p:nvCxnSpPr>
+          <p:spPr>
+            <a:xfrm flipV="1">
+              <a:off x="2415652" y="10216566"/>
+              <a:ext cx="0" cy="296837"/>
+            </a:xfrm>
+            <a:prstGeom prst="straightConnector1">
+              <a:avLst/>
+            </a:prstGeom>
+            <a:ln w="38100">
+              <a:solidFill>
+                <a:schemeClr val="tx1"/>
+              </a:solidFill>
+              <a:tailEnd type="triangle"/>
+            </a:ln>
+          </p:spPr>
+          <p:style>
+            <a:lnRef idx="2">
+              <a:schemeClr val="accent1"/>
+            </a:lnRef>
+            <a:fillRef idx="0">
+              <a:schemeClr val="accent1"/>
+            </a:fillRef>
+            <a:effectRef idx="1">
+              <a:schemeClr val="accent1"/>
+            </a:effectRef>
+            <a:fontRef idx="minor">
+              <a:schemeClr val="tx1"/>
+            </a:fontRef>
+          </p:style>
+        </p:cxnSp>
+        <p:cxnSp>
+          <p:nvCxnSpPr>
+            <p:cNvPr id="34" name="Straight Arrow Connector 33">
+              <a:extLst>
+                <a:ext uri="{FF2B5EF4-FFF2-40B4-BE49-F238E27FC236}">
+                  <a16:creationId xmlns:a16="http://schemas.microsoft.com/office/drawing/2014/main" id="{A316B509-BD4C-4F07-D61B-63821C11C044}"/>
+                </a:ext>
+              </a:extLst>
+            </p:cNvPr>
+            <p:cNvCxnSpPr>
+              <a:cxnSpLocks/>
+              <a:stCxn id="7" idx="0"/>
+              <a:endCxn id="8" idx="2"/>
+            </p:cNvCxnSpPr>
+            <p:nvPr/>
+          </p:nvCxnSpPr>
+          <p:spPr>
+            <a:xfrm flipV="1">
+              <a:off x="2413801" y="7792665"/>
+              <a:ext cx="1" cy="290267"/>
+            </a:xfrm>
+            <a:prstGeom prst="straightConnector1">
+              <a:avLst/>
+            </a:prstGeom>
+            <a:ln w="38100">
+              <a:solidFill>
+                <a:schemeClr val="tx1"/>
+              </a:solidFill>
+              <a:tailEnd type="triangle"/>
+            </a:ln>
+          </p:spPr>
+          <p:style>
+            <a:lnRef idx="2">
+              <a:schemeClr val="accent1"/>
+            </a:lnRef>
+            <a:fillRef idx="0">
+              <a:schemeClr val="accent1"/>
+            </a:fillRef>
+            <a:effectRef idx="1">
+              <a:schemeClr val="accent1"/>
+            </a:effectRef>
+            <a:fontRef idx="minor">
+              <a:schemeClr val="tx1"/>
+            </a:fontRef>
+          </p:style>
+        </p:cxnSp>
+        <p:cxnSp>
+          <p:nvCxnSpPr>
+            <p:cNvPr id="37" name="Straight Arrow Connector 36">
+              <a:extLst>
+                <a:ext uri="{FF2B5EF4-FFF2-40B4-BE49-F238E27FC236}">
+                  <a16:creationId xmlns:a16="http://schemas.microsoft.com/office/drawing/2014/main" id="{7FD56FC8-22F8-7961-E2BC-522B9084DC41}"/>
+                </a:ext>
+              </a:extLst>
+            </p:cNvPr>
+            <p:cNvCxnSpPr>
+              <a:cxnSpLocks/>
+              <a:stCxn id="8" idx="0"/>
+              <a:endCxn id="10" idx="2"/>
+            </p:cNvCxnSpPr>
+            <p:nvPr/>
+          </p:nvCxnSpPr>
+          <p:spPr>
+            <a:xfrm flipV="1">
+              <a:off x="2413802" y="6886881"/>
+              <a:ext cx="1849" cy="303901"/>
+            </a:xfrm>
+            <a:prstGeom prst="straightConnector1">
+              <a:avLst/>
+            </a:prstGeom>
+            <a:ln w="38100">
+              <a:solidFill>
+                <a:schemeClr val="tx1"/>
+              </a:solidFill>
+              <a:tailEnd type="triangle"/>
+            </a:ln>
+          </p:spPr>
+          <p:style>
+            <a:lnRef idx="2">
+              <a:schemeClr val="accent1"/>
+            </a:lnRef>
+            <a:fillRef idx="0">
+              <a:schemeClr val="accent1"/>
+            </a:fillRef>
+            <a:effectRef idx="1">
+              <a:schemeClr val="accent1"/>
+            </a:effectRef>
+            <a:fontRef idx="minor">
+              <a:schemeClr val="tx1"/>
+            </a:fontRef>
+          </p:style>
+        </p:cxnSp>
+        <p:cxnSp>
+          <p:nvCxnSpPr>
+            <p:cNvPr id="41" name="Straight Arrow Connector 40">
+              <a:extLst>
+                <a:ext uri="{FF2B5EF4-FFF2-40B4-BE49-F238E27FC236}">
+                  <a16:creationId xmlns:a16="http://schemas.microsoft.com/office/drawing/2014/main" id="{690B00F4-2BD0-298D-1DEC-0D35CEDFD114}"/>
+                </a:ext>
+              </a:extLst>
+            </p:cNvPr>
+            <p:cNvCxnSpPr>
+              <a:cxnSpLocks/>
+              <a:stCxn id="10" idx="0"/>
+              <a:endCxn id="11" idx="2"/>
+            </p:cNvCxnSpPr>
+            <p:nvPr/>
+          </p:nvCxnSpPr>
+          <p:spPr>
+            <a:xfrm flipV="1">
+              <a:off x="2415651" y="5984057"/>
+              <a:ext cx="3" cy="300941"/>
+            </a:xfrm>
+            <a:prstGeom prst="straightConnector1">
+              <a:avLst/>
+            </a:prstGeom>
+            <a:ln w="38100">
+              <a:solidFill>
+                <a:schemeClr val="tx1"/>
+              </a:solidFill>
+              <a:tailEnd type="triangle"/>
+            </a:ln>
+          </p:spPr>
+          <p:style>
+            <a:lnRef idx="2">
+              <a:schemeClr val="accent1"/>
+            </a:lnRef>
+            <a:fillRef idx="0">
+              <a:schemeClr val="accent1"/>
+            </a:fillRef>
+            <a:effectRef idx="1">
+              <a:schemeClr val="accent1"/>
+            </a:effectRef>
+            <a:fontRef idx="minor">
+              <a:schemeClr val="tx1"/>
+            </a:fontRef>
+          </p:style>
+        </p:cxnSp>
+        <p:cxnSp>
+          <p:nvCxnSpPr>
+            <p:cNvPr id="44" name="Straight Arrow Connector 43">
+              <a:extLst>
+                <a:ext uri="{FF2B5EF4-FFF2-40B4-BE49-F238E27FC236}">
+                  <a16:creationId xmlns:a16="http://schemas.microsoft.com/office/drawing/2014/main" id="{C1E34893-296F-8A92-BFE2-A62ECE22E60B}"/>
+                </a:ext>
+              </a:extLst>
+            </p:cNvPr>
+            <p:cNvCxnSpPr>
+              <a:cxnSpLocks/>
+              <a:stCxn id="14" idx="0"/>
+              <a:endCxn id="17" idx="2"/>
+            </p:cNvCxnSpPr>
+            <p:nvPr/>
+          </p:nvCxnSpPr>
+          <p:spPr>
+            <a:xfrm flipH="1" flipV="1">
+              <a:off x="6113297" y="3992337"/>
+              <a:ext cx="1853" cy="301136"/>
+            </a:xfrm>
+            <a:prstGeom prst="straightConnector1">
+              <a:avLst/>
+            </a:prstGeom>
+            <a:ln w="38100">
+              <a:solidFill>
+                <a:schemeClr val="tx1"/>
+              </a:solidFill>
+              <a:tailEnd type="triangle"/>
+            </a:ln>
+          </p:spPr>
+          <p:style>
+            <a:lnRef idx="2">
+              <a:schemeClr val="accent1"/>
+            </a:lnRef>
+            <a:fillRef idx="0">
+              <a:schemeClr val="accent1"/>
+            </a:fillRef>
+            <a:effectRef idx="1">
+              <a:schemeClr val="accent1"/>
+            </a:effectRef>
+            <a:fontRef idx="minor">
+              <a:schemeClr val="tx1"/>
+            </a:fontRef>
+          </p:style>
+        </p:cxnSp>
+        <p:cxnSp>
+          <p:nvCxnSpPr>
+            <p:cNvPr id="47" name="Straight Arrow Connector 46">
+              <a:extLst>
+                <a:ext uri="{FF2B5EF4-FFF2-40B4-BE49-F238E27FC236}">
+                  <a16:creationId xmlns:a16="http://schemas.microsoft.com/office/drawing/2014/main" id="{6C17EB07-DE24-C7C7-2149-1C2DCFED03DE}"/>
+                </a:ext>
+              </a:extLst>
+            </p:cNvPr>
+            <p:cNvCxnSpPr>
+              <a:cxnSpLocks/>
+              <a:stCxn id="16" idx="0"/>
+              <a:endCxn id="14" idx="2"/>
+            </p:cNvCxnSpPr>
+            <p:nvPr/>
+          </p:nvCxnSpPr>
+          <p:spPr>
+            <a:xfrm flipV="1">
+              <a:off x="6113298" y="4895356"/>
+              <a:ext cx="1852" cy="293226"/>
+            </a:xfrm>
+            <a:prstGeom prst="straightConnector1">
+              <a:avLst/>
+            </a:prstGeom>
+            <a:ln w="38100">
+              <a:solidFill>
+                <a:schemeClr val="tx1"/>
+              </a:solidFill>
+              <a:tailEnd type="triangle"/>
+            </a:ln>
+          </p:spPr>
+          <p:style>
+            <a:lnRef idx="2">
+              <a:schemeClr val="accent1"/>
+            </a:lnRef>
+            <a:fillRef idx="0">
+              <a:schemeClr val="accent1"/>
+            </a:fillRef>
+            <a:effectRef idx="1">
+              <a:schemeClr val="accent1"/>
+            </a:effectRef>
+            <a:fontRef idx="minor">
+              <a:schemeClr val="tx1"/>
+            </a:fontRef>
+          </p:style>
+        </p:cxnSp>
+        <p:cxnSp>
+          <p:nvCxnSpPr>
+            <p:cNvPr id="50" name="Straight Arrow Connector 49">
+              <a:extLst>
+                <a:ext uri="{FF2B5EF4-FFF2-40B4-BE49-F238E27FC236}">
+                  <a16:creationId xmlns:a16="http://schemas.microsoft.com/office/drawing/2014/main" id="{8822F1BE-3FCD-9AD5-40E4-F0C98B0DBF0F}"/>
+                </a:ext>
+              </a:extLst>
+            </p:cNvPr>
+            <p:cNvCxnSpPr>
+              <a:cxnSpLocks/>
+              <a:stCxn id="13" idx="0"/>
+              <a:endCxn id="16" idx="2"/>
+            </p:cNvCxnSpPr>
+            <p:nvPr/>
+          </p:nvCxnSpPr>
+          <p:spPr>
+            <a:xfrm flipH="1" flipV="1">
+              <a:off x="6113298" y="5790465"/>
+              <a:ext cx="1" cy="300941"/>
+            </a:xfrm>
+            <a:prstGeom prst="straightConnector1">
+              <a:avLst/>
+            </a:prstGeom>
+            <a:ln w="38100">
+              <a:solidFill>
+                <a:schemeClr val="tx1"/>
+              </a:solidFill>
+              <a:tailEnd type="triangle"/>
+            </a:ln>
+          </p:spPr>
+          <p:style>
+            <a:lnRef idx="2">
+              <a:schemeClr val="accent1"/>
+            </a:lnRef>
+            <a:fillRef idx="0">
+              <a:schemeClr val="accent1"/>
+            </a:fillRef>
+            <a:effectRef idx="1">
+              <a:schemeClr val="accent1"/>
+            </a:effectRef>
+            <a:fontRef idx="minor">
+              <a:schemeClr val="tx1"/>
+            </a:fontRef>
+          </p:style>
+        </p:cxnSp>
+        <p:cxnSp>
+          <p:nvCxnSpPr>
+            <p:cNvPr id="56" name="Straight Arrow Connector 55">
+              <a:extLst>
+                <a:ext uri="{FF2B5EF4-FFF2-40B4-BE49-F238E27FC236}">
+                  <a16:creationId xmlns:a16="http://schemas.microsoft.com/office/drawing/2014/main" id="{22E98555-0CF9-6A26-AA1B-6A520B397279}"/>
+                </a:ext>
+              </a:extLst>
+            </p:cNvPr>
+            <p:cNvCxnSpPr>
+              <a:cxnSpLocks/>
+              <a:stCxn id="12" idx="0"/>
+              <a:endCxn id="15" idx="2"/>
+            </p:cNvCxnSpPr>
+            <p:nvPr/>
+          </p:nvCxnSpPr>
+          <p:spPr>
+            <a:xfrm flipH="1" flipV="1">
+              <a:off x="6113299" y="7790095"/>
+              <a:ext cx="1847" cy="292836"/>
+            </a:xfrm>
+            <a:prstGeom prst="straightConnector1">
+              <a:avLst/>
+            </a:prstGeom>
+            <a:ln w="38100">
+              <a:solidFill>
+                <a:schemeClr val="tx1"/>
+              </a:solidFill>
+              <a:tailEnd type="triangle"/>
+            </a:ln>
+          </p:spPr>
+          <p:style>
+            <a:lnRef idx="2">
+              <a:schemeClr val="accent1"/>
+            </a:lnRef>
+            <a:fillRef idx="0">
+              <a:schemeClr val="accent1"/>
+            </a:fillRef>
+            <a:effectRef idx="1">
+              <a:schemeClr val="accent1"/>
+            </a:effectRef>
+            <a:fontRef idx="minor">
+              <a:schemeClr val="tx1"/>
+            </a:fontRef>
+          </p:style>
+        </p:cxnSp>
+        <p:cxnSp>
+          <p:nvCxnSpPr>
+            <p:cNvPr id="63" name="Straight Arrow Connector 62">
+              <a:extLst>
+                <a:ext uri="{FF2B5EF4-FFF2-40B4-BE49-F238E27FC236}">
+                  <a16:creationId xmlns:a16="http://schemas.microsoft.com/office/drawing/2014/main" id="{A51CFC61-4B12-1163-C4E1-CE473BBBC605}"/>
+                </a:ext>
+              </a:extLst>
+            </p:cNvPr>
+            <p:cNvCxnSpPr>
+              <a:cxnSpLocks/>
+              <a:stCxn id="5" idx="0"/>
+              <a:endCxn id="6" idx="4"/>
+            </p:cNvCxnSpPr>
+            <p:nvPr/>
+          </p:nvCxnSpPr>
+          <p:spPr>
+            <a:xfrm flipH="1" flipV="1">
+              <a:off x="6109594" y="10218247"/>
+              <a:ext cx="5553" cy="295155"/>
+            </a:xfrm>
+            <a:prstGeom prst="straightConnector1">
+              <a:avLst/>
+            </a:prstGeom>
+            <a:ln w="38100">
+              <a:solidFill>
+                <a:schemeClr val="tx1"/>
+              </a:solidFill>
+              <a:tailEnd type="triangle"/>
+            </a:ln>
+          </p:spPr>
+          <p:style>
+            <a:lnRef idx="2">
+              <a:schemeClr val="accent1"/>
+            </a:lnRef>
+            <a:fillRef idx="0">
+              <a:schemeClr val="accent1"/>
+            </a:fillRef>
+            <a:effectRef idx="1">
+              <a:schemeClr val="accent1"/>
+            </a:effectRef>
+            <a:fontRef idx="minor">
+              <a:schemeClr val="tx1"/>
+            </a:fontRef>
+          </p:style>
+        </p:cxnSp>
+        <p:cxnSp>
+          <p:nvCxnSpPr>
+            <p:cNvPr id="66" name="Straight Arrow Connector 65">
+              <a:extLst>
+                <a:ext uri="{FF2B5EF4-FFF2-40B4-BE49-F238E27FC236}">
+                  <a16:creationId xmlns:a16="http://schemas.microsoft.com/office/drawing/2014/main" id="{54650AC1-8DDE-2F8D-6F23-886C2F8A250E}"/>
+                </a:ext>
+              </a:extLst>
+            </p:cNvPr>
+            <p:cNvCxnSpPr>
+              <a:cxnSpLocks/>
+              <a:stCxn id="19" idx="0"/>
+              <a:endCxn id="5" idx="2"/>
+            </p:cNvCxnSpPr>
+            <p:nvPr/>
+          </p:nvCxnSpPr>
+          <p:spPr>
+            <a:xfrm flipV="1">
+              <a:off x="6111446" y="11115285"/>
+              <a:ext cx="3701" cy="434695"/>
+            </a:xfrm>
+            <a:prstGeom prst="straightConnector1">
+              <a:avLst/>
+            </a:prstGeom>
+            <a:ln w="38100">
+              <a:solidFill>
+                <a:schemeClr val="tx1"/>
+              </a:solidFill>
+              <a:tailEnd type="triangle"/>
+            </a:ln>
+          </p:spPr>
+          <p:style>
+            <a:lnRef idx="2">
+              <a:schemeClr val="accent1"/>
+            </a:lnRef>
+            <a:fillRef idx="0">
+              <a:schemeClr val="accent1"/>
+            </a:fillRef>
+            <a:effectRef idx="1">
+              <a:schemeClr val="accent1"/>
+            </a:effectRef>
+            <a:fontRef idx="minor">
+              <a:schemeClr val="tx1"/>
+            </a:fontRef>
+          </p:style>
+        </p:cxnSp>
+        <p:sp>
+          <p:nvSpPr>
+            <p:cNvPr id="139" name="TextBox 138">
+              <a:extLst>
+                <a:ext uri="{FF2B5EF4-FFF2-40B4-BE49-F238E27FC236}">
+                  <a16:creationId xmlns:a16="http://schemas.microsoft.com/office/drawing/2014/main" id="{E80305A0-4E2A-6BE4-D00D-DD1526950194}"/>
+                </a:ext>
+              </a:extLst>
+            </p:cNvPr>
+            <p:cNvSpPr txBox="1"/>
+            <p:nvPr/>
+          </p:nvSpPr>
+          <p:spPr>
+            <a:xfrm>
+              <a:off x="6133497" y="6715609"/>
+              <a:ext cx="344269" cy="369332"/>
+            </a:xfrm>
+            <a:prstGeom prst="rect">
+              <a:avLst/>
+            </a:prstGeom>
+            <a:noFill/>
+          </p:spPr>
+          <p:txBody>
+            <a:bodyPr wrap="square" rtlCol="0">
+              <a:spAutoFit/>
+            </a:bodyPr>
+            <a:lstStyle/>
+            <a:p>
+              <a:r>
+                <a:rPr lang="en-US" dirty="0">
+                  <a:solidFill>
+                    <a:srgbClr val="C00000"/>
+                  </a:solidFill>
+                  <a:latin typeface="Modern No. 20" panose="02070704070505020303" pitchFamily="18" charset="77"/>
+                </a:rPr>
+                <a:t>Q</a:t>
+              </a:r>
+            </a:p>
+          </p:txBody>
+        </p:sp>
+        <p:cxnSp>
+          <p:nvCxnSpPr>
+            <p:cNvPr id="141" name="Elbow Connector 140">
+              <a:extLst>
+                <a:ext uri="{FF2B5EF4-FFF2-40B4-BE49-F238E27FC236}">
+                  <a16:creationId xmlns:a16="http://schemas.microsoft.com/office/drawing/2014/main" id="{270338B5-E634-DBE2-C37B-16543C6B4999}"/>
+                </a:ext>
+              </a:extLst>
+            </p:cNvPr>
+            <p:cNvCxnSpPr>
+              <a:cxnSpLocks/>
+              <a:endCxn id="8" idx="1"/>
+            </p:cNvCxnSpPr>
+            <p:nvPr/>
+          </p:nvCxnSpPr>
+          <p:spPr>
+            <a:xfrm rot="16200000" flipV="1">
+              <a:off x="1086250" y="7964193"/>
+              <a:ext cx="1795724" cy="850785"/>
+            </a:xfrm>
+            <a:prstGeom prst="bentConnector4">
+              <a:avLst>
+                <a:gd name="adj1" fmla="val 13934"/>
+                <a:gd name="adj2" fmla="val 126869"/>
+              </a:avLst>
+            </a:prstGeom>
+            <a:ln w="38100">
+              <a:solidFill>
+                <a:schemeClr val="tx1"/>
+              </a:solidFill>
+              <a:bevel/>
+              <a:tailEnd type="triangle"/>
+            </a:ln>
+          </p:spPr>
+          <p:style>
+            <a:lnRef idx="2">
+              <a:schemeClr val="accent1"/>
+            </a:lnRef>
+            <a:fillRef idx="0">
+              <a:schemeClr val="accent1"/>
+            </a:fillRef>
+            <a:effectRef idx="1">
+              <a:schemeClr val="accent1"/>
+            </a:effectRef>
+            <a:fontRef idx="minor">
+              <a:schemeClr val="tx1"/>
+            </a:fontRef>
+          </p:style>
+        </p:cxnSp>
+        <p:cxnSp>
+          <p:nvCxnSpPr>
+            <p:cNvPr id="148" name="Elbow Connector 147">
+              <a:extLst>
+                <a:ext uri="{FF2B5EF4-FFF2-40B4-BE49-F238E27FC236}">
+                  <a16:creationId xmlns:a16="http://schemas.microsoft.com/office/drawing/2014/main" id="{1E31230F-646C-F2D0-8996-1AD8C323A3EB}"/>
+                </a:ext>
+              </a:extLst>
+            </p:cNvPr>
+            <p:cNvCxnSpPr>
+              <a:cxnSpLocks/>
+              <a:endCxn id="16" idx="3"/>
+            </p:cNvCxnSpPr>
+            <p:nvPr/>
+          </p:nvCxnSpPr>
+          <p:spPr>
+            <a:xfrm rot="5400000" flipH="1" flipV="1">
+              <a:off x="5878520" y="6045151"/>
+              <a:ext cx="1645486" cy="534233"/>
+            </a:xfrm>
+            <a:prstGeom prst="bentConnector4">
+              <a:avLst>
+                <a:gd name="adj1" fmla="val 1316"/>
+                <a:gd name="adj2" fmla="val 142790"/>
+              </a:avLst>
+            </a:prstGeom>
+            <a:ln w="38100">
+              <a:solidFill>
+                <a:schemeClr val="tx1"/>
+              </a:solidFill>
+              <a:bevel/>
+              <a:tailEnd type="triangle"/>
+            </a:ln>
+          </p:spPr>
+          <p:style>
+            <a:lnRef idx="2">
+              <a:schemeClr val="accent1"/>
+            </a:lnRef>
+            <a:fillRef idx="0">
+              <a:schemeClr val="accent1"/>
+            </a:fillRef>
+            <a:effectRef idx="1">
+              <a:schemeClr val="accent1"/>
+            </a:effectRef>
+            <a:fontRef idx="minor">
+              <a:schemeClr val="tx1"/>
+            </a:fontRef>
+          </p:style>
+        </p:cxnSp>
+        <p:cxnSp>
+          <p:nvCxnSpPr>
+            <p:cNvPr id="149" name="Elbow Connector 148">
+              <a:extLst>
+                <a:ext uri="{FF2B5EF4-FFF2-40B4-BE49-F238E27FC236}">
+                  <a16:creationId xmlns:a16="http://schemas.microsoft.com/office/drawing/2014/main" id="{F783652E-E091-0AB9-ACDB-821ED36C1119}"/>
+                </a:ext>
+              </a:extLst>
+            </p:cNvPr>
+            <p:cNvCxnSpPr>
+              <a:cxnSpLocks/>
+              <a:stCxn id="193" idx="0"/>
+            </p:cNvCxnSpPr>
+            <p:nvPr/>
+          </p:nvCxnSpPr>
+          <p:spPr>
+            <a:xfrm rot="16200000" flipH="1">
+              <a:off x="2610528" y="3803446"/>
+              <a:ext cx="2491445" cy="4015645"/>
+            </a:xfrm>
+            <a:prstGeom prst="bentConnector4">
+              <a:avLst>
+                <a:gd name="adj1" fmla="val -9175"/>
+                <a:gd name="adj2" fmla="val 66184"/>
+              </a:avLst>
+            </a:prstGeom>
+            <a:ln w="38100">
+              <a:solidFill>
+                <a:schemeClr val="tx1"/>
+              </a:solidFill>
+              <a:bevel/>
+              <a:tailEnd type="none"/>
+            </a:ln>
+          </p:spPr>
+          <p:style>
+            <a:lnRef idx="2">
+              <a:schemeClr val="accent1"/>
+            </a:lnRef>
+            <a:fillRef idx="0">
+              <a:schemeClr val="accent1"/>
+            </a:fillRef>
+            <a:effectRef idx="1">
+              <a:schemeClr val="accent1"/>
+            </a:effectRef>
+            <a:fontRef idx="minor">
+              <a:schemeClr val="tx1"/>
+            </a:fontRef>
+          </p:style>
+        </p:cxnSp>
+        <p:cxnSp>
+          <p:nvCxnSpPr>
+            <p:cNvPr id="153" name="Straight Arrow Connector 152">
+              <a:extLst>
+                <a:ext uri="{FF2B5EF4-FFF2-40B4-BE49-F238E27FC236}">
+                  <a16:creationId xmlns:a16="http://schemas.microsoft.com/office/drawing/2014/main" id="{29465095-A72C-C703-7D15-36B733D74525}"/>
+                </a:ext>
+              </a:extLst>
+            </p:cNvPr>
+            <p:cNvCxnSpPr>
+              <a:cxnSpLocks/>
+            </p:cNvCxnSpPr>
+            <p:nvPr/>
+          </p:nvCxnSpPr>
+          <p:spPr>
+            <a:xfrm flipV="1">
+              <a:off x="6113294" y="6690176"/>
+              <a:ext cx="0" cy="384048"/>
+            </a:xfrm>
+            <a:prstGeom prst="straightConnector1">
+              <a:avLst/>
+            </a:prstGeom>
+            <a:ln w="38100">
+              <a:solidFill>
+                <a:schemeClr val="tx1"/>
+              </a:solidFill>
+              <a:tailEnd type="triangle"/>
+            </a:ln>
+          </p:spPr>
+          <p:style>
+            <a:lnRef idx="2">
+              <a:schemeClr val="accent1"/>
+            </a:lnRef>
+            <a:fillRef idx="0">
+              <a:schemeClr val="accent1"/>
+            </a:fillRef>
+            <a:effectRef idx="1">
+              <a:schemeClr val="accent1"/>
+            </a:effectRef>
+            <a:fontRef idx="minor">
+              <a:schemeClr val="tx1"/>
+            </a:fontRef>
+          </p:style>
+        </p:cxnSp>
+        <p:cxnSp>
+          <p:nvCxnSpPr>
+            <p:cNvPr id="154" name="Elbow Connector 153">
+              <a:extLst>
+                <a:ext uri="{FF2B5EF4-FFF2-40B4-BE49-F238E27FC236}">
+                  <a16:creationId xmlns:a16="http://schemas.microsoft.com/office/drawing/2014/main" id="{16991D4D-D3C2-E85D-0805-0ED00C586264}"/>
+                </a:ext>
+              </a:extLst>
+            </p:cNvPr>
+            <p:cNvCxnSpPr>
+              <a:cxnSpLocks/>
+              <a:stCxn id="15" idx="0"/>
+            </p:cNvCxnSpPr>
+            <p:nvPr/>
+          </p:nvCxnSpPr>
+          <p:spPr>
+            <a:xfrm rot="5400000" flipH="1" flipV="1">
+              <a:off x="6024119" y="6778186"/>
+              <a:ext cx="499206" cy="320846"/>
+            </a:xfrm>
+            <a:prstGeom prst="bentConnector3">
+              <a:avLst>
+                <a:gd name="adj1" fmla="val 14091"/>
+              </a:avLst>
+            </a:prstGeom>
+            <a:ln w="38100">
+              <a:solidFill>
+                <a:schemeClr val="tx1"/>
+              </a:solidFill>
+              <a:bevel/>
+              <a:tailEnd type="triangle"/>
+            </a:ln>
+          </p:spPr>
+          <p:style>
+            <a:lnRef idx="2">
+              <a:schemeClr val="accent1"/>
+            </a:lnRef>
+            <a:fillRef idx="0">
+              <a:schemeClr val="accent1"/>
+            </a:fillRef>
+            <a:effectRef idx="1">
+              <a:schemeClr val="accent1"/>
+            </a:effectRef>
+            <a:fontRef idx="minor">
+              <a:schemeClr val="tx1"/>
+            </a:fontRef>
+          </p:style>
+        </p:cxnSp>
+        <p:cxnSp>
+          <p:nvCxnSpPr>
+            <p:cNvPr id="155" name="Elbow Connector 154">
+              <a:extLst>
+                <a:ext uri="{FF2B5EF4-FFF2-40B4-BE49-F238E27FC236}">
+                  <a16:creationId xmlns:a16="http://schemas.microsoft.com/office/drawing/2014/main" id="{2B40CF64-312B-0102-E240-ED0F9437DCC5}"/>
+                </a:ext>
+              </a:extLst>
+            </p:cNvPr>
+            <p:cNvCxnSpPr>
+              <a:cxnSpLocks/>
+            </p:cNvCxnSpPr>
+            <p:nvPr/>
+          </p:nvCxnSpPr>
+          <p:spPr>
+            <a:xfrm rot="10800000">
+              <a:off x="5822964" y="6690176"/>
+              <a:ext cx="290330" cy="365760"/>
+            </a:xfrm>
+            <a:prstGeom prst="bentConnector2">
+              <a:avLst/>
+            </a:prstGeom>
+            <a:ln w="38100">
+              <a:solidFill>
+                <a:schemeClr val="tx1"/>
+              </a:solidFill>
+              <a:bevel/>
+              <a:tailEnd type="triangle"/>
+            </a:ln>
+          </p:spPr>
+          <p:style>
+            <a:lnRef idx="2">
+              <a:schemeClr val="accent1"/>
+            </a:lnRef>
+            <a:fillRef idx="0">
+              <a:schemeClr val="accent1"/>
+            </a:fillRef>
+            <a:effectRef idx="1">
+              <a:schemeClr val="accent1"/>
+            </a:effectRef>
+            <a:fontRef idx="minor">
+              <a:schemeClr val="tx1"/>
+            </a:fontRef>
+          </p:style>
+        </p:cxnSp>
+        <p:sp>
+          <p:nvSpPr>
+            <p:cNvPr id="167" name="TextBox 166">
+              <a:extLst>
+                <a:ext uri="{FF2B5EF4-FFF2-40B4-BE49-F238E27FC236}">
+                  <a16:creationId xmlns:a16="http://schemas.microsoft.com/office/drawing/2014/main" id="{E17AE339-B9C3-3E4C-92A8-BB7A19B81810}"/>
+                </a:ext>
+              </a:extLst>
+            </p:cNvPr>
+            <p:cNvSpPr txBox="1"/>
+            <p:nvPr/>
+          </p:nvSpPr>
+          <p:spPr>
+            <a:xfrm>
+              <a:off x="5516592" y="6724087"/>
+              <a:ext cx="759531" cy="369332"/>
+            </a:xfrm>
+            <a:prstGeom prst="rect">
+              <a:avLst/>
+            </a:prstGeom>
+            <a:noFill/>
+          </p:spPr>
+          <p:txBody>
+            <a:bodyPr wrap="square">
+              <a:spAutoFit/>
+            </a:bodyPr>
+            <a:lstStyle/>
+            <a:p>
+              <a:r>
+                <a:rPr lang="en-US" dirty="0">
+                  <a:solidFill>
+                    <a:srgbClr val="C00000"/>
+                  </a:solidFill>
+                  <a:latin typeface="Modern No. 20" panose="02070704070505020303" pitchFamily="18" charset="77"/>
+                </a:rPr>
+                <a:t>K  V</a:t>
+              </a:r>
+              <a:endParaRPr lang="en-US" dirty="0"/>
+            </a:p>
+          </p:txBody>
+        </p:sp>
+        <p:cxnSp>
+          <p:nvCxnSpPr>
+            <p:cNvPr id="197" name="Straight Arrow Connector 196">
+              <a:extLst>
+                <a:ext uri="{FF2B5EF4-FFF2-40B4-BE49-F238E27FC236}">
+                  <a16:creationId xmlns:a16="http://schemas.microsoft.com/office/drawing/2014/main" id="{88972F98-D838-1194-F670-7843CDB267E8}"/>
+                </a:ext>
+              </a:extLst>
+            </p:cNvPr>
+            <p:cNvCxnSpPr>
+              <a:cxnSpLocks/>
+            </p:cNvCxnSpPr>
+            <p:nvPr/>
+          </p:nvCxnSpPr>
+          <p:spPr>
+            <a:xfrm flipH="1" flipV="1">
+              <a:off x="2413800" y="5085337"/>
+              <a:ext cx="1" cy="296837"/>
+            </a:xfrm>
+            <a:prstGeom prst="straightConnector1">
+              <a:avLst/>
+            </a:prstGeom>
+            <a:ln w="38100">
+              <a:solidFill>
+                <a:schemeClr val="tx1"/>
+              </a:solidFill>
+              <a:tailEnd type="none"/>
+            </a:ln>
+          </p:spPr>
+          <p:style>
+            <a:lnRef idx="2">
+              <a:schemeClr val="accent1"/>
+            </a:lnRef>
+            <a:fillRef idx="0">
+              <a:schemeClr val="accent1"/>
+            </a:fillRef>
+            <a:effectRef idx="1">
+              <a:schemeClr val="accent1"/>
+            </a:effectRef>
+            <a:fontRef idx="minor">
+              <a:schemeClr val="tx1"/>
+            </a:fontRef>
+          </p:style>
+        </p:cxnSp>
+        <p:cxnSp>
+          <p:nvCxnSpPr>
+            <p:cNvPr id="198" name="Straight Arrow Connector 197">
+              <a:extLst>
+                <a:ext uri="{FF2B5EF4-FFF2-40B4-BE49-F238E27FC236}">
+                  <a16:creationId xmlns:a16="http://schemas.microsoft.com/office/drawing/2014/main" id="{D8CA234C-372B-4EEF-ACEB-E85C0F9A1BA1}"/>
+                </a:ext>
+              </a:extLst>
+            </p:cNvPr>
+            <p:cNvCxnSpPr>
+              <a:cxnSpLocks/>
+              <a:endCxn id="193" idx="0"/>
+            </p:cNvCxnSpPr>
+            <p:nvPr/>
+          </p:nvCxnSpPr>
+          <p:spPr>
+            <a:xfrm flipH="1" flipV="1">
+              <a:off x="1848429" y="4565546"/>
+              <a:ext cx="565371" cy="531027"/>
+            </a:xfrm>
+            <a:prstGeom prst="straightConnector1">
+              <a:avLst/>
+            </a:prstGeom>
+            <a:ln w="38100">
+              <a:solidFill>
+                <a:schemeClr val="tx1"/>
+              </a:solidFill>
+              <a:tailEnd type="triangle"/>
+            </a:ln>
+          </p:spPr>
+          <p:style>
+            <a:lnRef idx="2">
+              <a:schemeClr val="accent1"/>
+            </a:lnRef>
+            <a:fillRef idx="0">
+              <a:schemeClr val="accent1"/>
+            </a:fillRef>
+            <a:effectRef idx="1">
+              <a:schemeClr val="accent1"/>
+            </a:effectRef>
+            <a:fontRef idx="minor">
+              <a:schemeClr val="tx1"/>
+            </a:fontRef>
+          </p:style>
+        </p:cxnSp>
+        <p:cxnSp>
+          <p:nvCxnSpPr>
+            <p:cNvPr id="204" name="Straight Arrow Connector 203">
+              <a:extLst>
+                <a:ext uri="{FF2B5EF4-FFF2-40B4-BE49-F238E27FC236}">
+                  <a16:creationId xmlns:a16="http://schemas.microsoft.com/office/drawing/2014/main" id="{097AC02C-1745-151B-9D06-E39B77D3E179}"/>
+                </a:ext>
+              </a:extLst>
+            </p:cNvPr>
+            <p:cNvCxnSpPr>
+              <a:cxnSpLocks/>
+            </p:cNvCxnSpPr>
+            <p:nvPr/>
+          </p:nvCxnSpPr>
+          <p:spPr>
+            <a:xfrm flipH="1" flipV="1">
+              <a:off x="6113293" y="3097900"/>
+              <a:ext cx="1" cy="296837"/>
+            </a:xfrm>
+            <a:prstGeom prst="straightConnector1">
+              <a:avLst/>
+            </a:prstGeom>
+            <a:ln w="38100">
+              <a:solidFill>
+                <a:schemeClr val="tx1"/>
+              </a:solidFill>
+              <a:tailEnd type="none"/>
+            </a:ln>
+          </p:spPr>
+          <p:style>
+            <a:lnRef idx="2">
+              <a:schemeClr val="accent1"/>
+            </a:lnRef>
+            <a:fillRef idx="0">
+              <a:schemeClr val="accent1"/>
+            </a:fillRef>
+            <a:effectRef idx="1">
+              <a:schemeClr val="accent1"/>
+            </a:effectRef>
+            <a:fontRef idx="minor">
+              <a:schemeClr val="tx1"/>
+            </a:fontRef>
+          </p:style>
+        </p:cxnSp>
+        <p:cxnSp>
+          <p:nvCxnSpPr>
+            <p:cNvPr id="212" name="Straight Arrow Connector 211">
+              <a:extLst>
+                <a:ext uri="{FF2B5EF4-FFF2-40B4-BE49-F238E27FC236}">
+                  <a16:creationId xmlns:a16="http://schemas.microsoft.com/office/drawing/2014/main" id="{18DBE31E-E7F5-3892-C2B3-719366804B5D}"/>
+                </a:ext>
+              </a:extLst>
+            </p:cNvPr>
+            <p:cNvCxnSpPr>
+              <a:cxnSpLocks/>
+              <a:endCxn id="203" idx="0"/>
+            </p:cNvCxnSpPr>
+            <p:nvPr/>
+          </p:nvCxnSpPr>
+          <p:spPr>
+            <a:xfrm flipV="1">
+              <a:off x="6095194" y="2636162"/>
+              <a:ext cx="544691" cy="506830"/>
+            </a:xfrm>
+            <a:prstGeom prst="straightConnector1">
+              <a:avLst/>
+            </a:prstGeom>
+            <a:ln w="38100">
+              <a:solidFill>
+                <a:schemeClr val="tx1"/>
+              </a:solidFill>
+              <a:tailEnd type="triangle"/>
+            </a:ln>
+          </p:spPr>
+          <p:style>
+            <a:lnRef idx="2">
+              <a:schemeClr val="accent1"/>
+            </a:lnRef>
+            <a:fillRef idx="0">
+              <a:schemeClr val="accent1"/>
+            </a:fillRef>
+            <a:effectRef idx="1">
+              <a:schemeClr val="accent1"/>
+            </a:effectRef>
+            <a:fontRef idx="minor">
+              <a:schemeClr val="tx1"/>
+            </a:fontRef>
+          </p:style>
+        </p:cxnSp>
+        <p:grpSp>
+          <p:nvGrpSpPr>
+            <p:cNvPr id="187" name="Group 186">
+              <a:extLst>
+                <a:ext uri="{FF2B5EF4-FFF2-40B4-BE49-F238E27FC236}">
+                  <a16:creationId xmlns:a16="http://schemas.microsoft.com/office/drawing/2014/main" id="{1EDA7603-676B-8063-D7CD-2ADB1AB48C2A}"/>
+                </a:ext>
+              </a:extLst>
+            </p:cNvPr>
+            <p:cNvGrpSpPr/>
+            <p:nvPr/>
+          </p:nvGrpSpPr>
+          <p:grpSpPr>
+            <a:xfrm>
+              <a:off x="5796151" y="8685071"/>
+              <a:ext cx="648323" cy="977803"/>
+              <a:chOff x="2055807" y="8826741"/>
+              <a:chExt cx="648323" cy="977803"/>
+            </a:xfrm>
+          </p:grpSpPr>
+          <p:cxnSp>
+            <p:nvCxnSpPr>
+              <p:cNvPr id="188" name="Straight Arrow Connector 187">
+                <a:extLst>
+                  <a:ext uri="{FF2B5EF4-FFF2-40B4-BE49-F238E27FC236}">
+                    <a16:creationId xmlns:a16="http://schemas.microsoft.com/office/drawing/2014/main" id="{25D2A321-904A-6276-C94D-B0D62DFE7178}"/>
+                  </a:ext>
+                </a:extLst>
+              </p:cNvPr>
+              <p:cNvCxnSpPr>
+                <a:cxnSpLocks/>
+              </p:cNvCxnSpPr>
+              <p:nvPr/>
+            </p:nvCxnSpPr>
+            <p:spPr>
+              <a:xfrm flipV="1">
+                <a:off x="2370517" y="8838270"/>
+                <a:ext cx="5552" cy="966274"/>
+              </a:xfrm>
+              <a:prstGeom prst="straightConnector1">
+                <a:avLst/>
+              </a:prstGeom>
+              <a:ln w="38100">
+                <a:solidFill>
+                  <a:schemeClr val="tx1"/>
+                </a:solidFill>
+                <a:tailEnd type="triangle"/>
+              </a:ln>
+            </p:spPr>
+            <p:style>
+              <a:lnRef idx="2">
+                <a:schemeClr val="accent1"/>
+              </a:lnRef>
+              <a:fillRef idx="0">
+                <a:schemeClr val="accent1"/>
+              </a:fillRef>
+              <a:effectRef idx="1">
+                <a:schemeClr val="accent1"/>
+              </a:effectRef>
+              <a:fontRef idx="minor">
+                <a:schemeClr val="tx1"/>
+              </a:fontRef>
+            </p:style>
+          </p:cxnSp>
+          <p:cxnSp>
+            <p:nvCxnSpPr>
+              <p:cNvPr id="189" name="Elbow Connector 188">
+                <a:extLst>
+                  <a:ext uri="{FF2B5EF4-FFF2-40B4-BE49-F238E27FC236}">
+                    <a16:creationId xmlns:a16="http://schemas.microsoft.com/office/drawing/2014/main" id="{14998E71-95FB-9CC8-1875-049812FF9449}"/>
+                  </a:ext>
+                </a:extLst>
+              </p:cNvPr>
+              <p:cNvCxnSpPr>
+                <a:cxnSpLocks/>
+              </p:cNvCxnSpPr>
+              <p:nvPr/>
+            </p:nvCxnSpPr>
+            <p:spPr>
+              <a:xfrm rot="10800000" flipH="1">
+                <a:off x="2413800" y="8826741"/>
+                <a:ext cx="290330" cy="365760"/>
+              </a:xfrm>
+              <a:prstGeom prst="bentConnector2">
+                <a:avLst/>
+              </a:prstGeom>
+              <a:ln w="38100">
+                <a:solidFill>
+                  <a:schemeClr val="tx1"/>
+                </a:solidFill>
+                <a:bevel/>
+                <a:tailEnd type="triangle"/>
+              </a:ln>
+            </p:spPr>
+            <p:style>
+              <a:lnRef idx="2">
+                <a:schemeClr val="accent1"/>
+              </a:lnRef>
+              <a:fillRef idx="0">
+                <a:schemeClr val="accent1"/>
+              </a:fillRef>
+              <a:effectRef idx="1">
+                <a:schemeClr val="accent1"/>
+              </a:effectRef>
+              <a:fontRef idx="minor">
+                <a:schemeClr val="tx1"/>
+              </a:fontRef>
+            </p:style>
+          </p:cxnSp>
+          <p:cxnSp>
+            <p:nvCxnSpPr>
+              <p:cNvPr id="190" name="Elbow Connector 189">
+                <a:extLst>
+                  <a:ext uri="{FF2B5EF4-FFF2-40B4-BE49-F238E27FC236}">
+                    <a16:creationId xmlns:a16="http://schemas.microsoft.com/office/drawing/2014/main" id="{F338E6AF-63AE-9009-4F50-B498E46EBC22}"/>
+                  </a:ext>
+                </a:extLst>
+              </p:cNvPr>
+              <p:cNvCxnSpPr>
+                <a:cxnSpLocks/>
+              </p:cNvCxnSpPr>
+              <p:nvPr/>
+            </p:nvCxnSpPr>
+            <p:spPr>
+              <a:xfrm rot="10800000">
+                <a:off x="2055807" y="8826741"/>
+                <a:ext cx="290330" cy="365760"/>
+              </a:xfrm>
+              <a:prstGeom prst="bentConnector2">
+                <a:avLst/>
+              </a:prstGeom>
+              <a:ln w="38100">
+                <a:solidFill>
+                  <a:schemeClr val="tx1"/>
+                </a:solidFill>
+                <a:bevel/>
+                <a:tailEnd type="triangle"/>
+              </a:ln>
+            </p:spPr>
+            <p:style>
+              <a:lnRef idx="2">
+                <a:schemeClr val="accent1"/>
+              </a:lnRef>
+              <a:fillRef idx="0">
+                <a:schemeClr val="accent1"/>
+              </a:fillRef>
+              <a:effectRef idx="1">
+                <a:schemeClr val="accent1"/>
+              </a:effectRef>
+              <a:fontRef idx="minor">
+                <a:schemeClr val="tx1"/>
+              </a:fontRef>
+            </p:style>
+          </p:cxnSp>
+        </p:grpSp>
+        <p:cxnSp>
+          <p:nvCxnSpPr>
+            <p:cNvPr id="147" name="Elbow Connector 146">
+              <a:extLst>
+                <a:ext uri="{FF2B5EF4-FFF2-40B4-BE49-F238E27FC236}">
+                  <a16:creationId xmlns:a16="http://schemas.microsoft.com/office/drawing/2014/main" id="{91CE73A3-1C6F-3A0A-5585-CE767F1B95A5}"/>
+                </a:ext>
+              </a:extLst>
+            </p:cNvPr>
+            <p:cNvCxnSpPr>
+              <a:cxnSpLocks/>
+              <a:endCxn id="15" idx="3"/>
+            </p:cNvCxnSpPr>
+            <p:nvPr/>
+          </p:nvCxnSpPr>
+          <p:spPr>
+            <a:xfrm rot="5400000" flipH="1" flipV="1">
+              <a:off x="5742429" y="7866195"/>
+              <a:ext cx="1602993" cy="848912"/>
+            </a:xfrm>
+            <a:prstGeom prst="bentConnector4">
+              <a:avLst>
+                <a:gd name="adj1" fmla="val 2858"/>
+                <a:gd name="adj2" fmla="val 126929"/>
+              </a:avLst>
+            </a:prstGeom>
+            <a:ln w="38100">
+              <a:solidFill>
+                <a:schemeClr val="tx1"/>
+              </a:solidFill>
+              <a:bevel/>
+              <a:tailEnd type="triangle"/>
+            </a:ln>
+          </p:spPr>
+          <p:style>
+            <a:lnRef idx="2">
+              <a:schemeClr val="accent1"/>
+            </a:lnRef>
+            <a:fillRef idx="0">
+              <a:schemeClr val="accent1"/>
+            </a:fillRef>
+            <a:effectRef idx="1">
+              <a:schemeClr val="accent1"/>
+            </a:effectRef>
+            <a:fontRef idx="minor">
+              <a:schemeClr val="tx1"/>
+            </a:fontRef>
+          </p:style>
+        </p:cxnSp>
+        <p:sp>
+          <p:nvSpPr>
+            <p:cNvPr id="217" name="Rectangle 216">
+              <a:extLst>
+                <a:ext uri="{FF2B5EF4-FFF2-40B4-BE49-F238E27FC236}">
+                  <a16:creationId xmlns:a16="http://schemas.microsoft.com/office/drawing/2014/main" id="{D08410E0-A1E0-AAF9-2495-5D35EB0911D0}"/>
+                </a:ext>
+              </a:extLst>
+            </p:cNvPr>
+            <p:cNvSpPr/>
+            <p:nvPr/>
+          </p:nvSpPr>
+          <p:spPr>
+            <a:xfrm>
+              <a:off x="5892286" y="8863815"/>
+              <a:ext cx="148420" cy="121940"/>
+            </a:xfrm>
+            <a:prstGeom prst="rect">
+              <a:avLst/>
+            </a:prstGeom>
+            <a:solidFill>
+              <a:schemeClr val="bg1"/>
+            </a:solidFill>
+            <a:ln>
+              <a:noFill/>
+            </a:ln>
+          </p:spPr>
+          <p:style>
+            <a:lnRef idx="2">
+              <a:schemeClr val="accent1">
+                <a:shade val="15000"/>
+              </a:schemeClr>
+            </a:lnRef>
+            <a:fillRef idx="1">
+              <a:schemeClr val="accent1"/>
+            </a:fillRef>
+            <a:effectRef idx="0">
+              <a:schemeClr val="accent1"/>
+            </a:effectRef>
+            <a:fontRef idx="minor">
+              <a:schemeClr val="lt1"/>
+            </a:fontRef>
+          </p:style>
+          <p:txBody>
+            <a:bodyPr rtlCol="0" anchor="ctr"/>
+            <a:lstStyle/>
+            <a:p>
+              <a:pPr algn="ctr"/>
+              <a:endParaRPr lang="en-US"/>
+            </a:p>
+          </p:txBody>
+        </p:sp>
+        <p:sp>
+          <p:nvSpPr>
+            <p:cNvPr id="218" name="Rectangle 217">
+              <a:extLst>
+                <a:ext uri="{FF2B5EF4-FFF2-40B4-BE49-F238E27FC236}">
+                  <a16:creationId xmlns:a16="http://schemas.microsoft.com/office/drawing/2014/main" id="{A638D174-2934-E044-584E-C10368339DA8}"/>
+                </a:ext>
+              </a:extLst>
+            </p:cNvPr>
+            <p:cNvSpPr/>
+            <p:nvPr/>
+          </p:nvSpPr>
+          <p:spPr>
+            <a:xfrm>
+              <a:off x="6200370" y="8851792"/>
+              <a:ext cx="173949" cy="123942"/>
+            </a:xfrm>
+            <a:prstGeom prst="rect">
+              <a:avLst/>
+            </a:prstGeom>
+            <a:solidFill>
+              <a:schemeClr val="bg1"/>
+            </a:solidFill>
+            <a:ln>
+              <a:noFill/>
+            </a:ln>
+          </p:spPr>
+          <p:style>
+            <a:lnRef idx="2">
+              <a:schemeClr val="accent1">
+                <a:shade val="15000"/>
+              </a:schemeClr>
+            </a:lnRef>
+            <a:fillRef idx="1">
+              <a:schemeClr val="accent1"/>
+            </a:fillRef>
+            <a:effectRef idx="0">
+              <a:schemeClr val="accent1"/>
+            </a:effectRef>
+            <a:fontRef idx="minor">
+              <a:schemeClr val="lt1"/>
+            </a:fontRef>
+          </p:style>
+          <p:txBody>
+            <a:bodyPr rtlCol="0" anchor="ctr"/>
+            <a:lstStyle/>
+            <a:p>
+              <a:pPr algn="ctr"/>
+              <a:endParaRPr lang="en-US"/>
+            </a:p>
+          </p:txBody>
+        </p:sp>
+        <p:sp>
+          <p:nvSpPr>
+            <p:cNvPr id="219" name="TextBox 218">
+              <a:extLst>
+                <a:ext uri="{FF2B5EF4-FFF2-40B4-BE49-F238E27FC236}">
+                  <a16:creationId xmlns:a16="http://schemas.microsoft.com/office/drawing/2014/main" id="{D342FC20-7181-40CD-408A-9833FA991A44}"/>
+                </a:ext>
+              </a:extLst>
+            </p:cNvPr>
+            <p:cNvSpPr txBox="1"/>
+            <p:nvPr/>
+          </p:nvSpPr>
+          <p:spPr>
+            <a:xfrm>
+              <a:off x="697602" y="3798160"/>
+              <a:ext cx="1177317" cy="707886"/>
+            </a:xfrm>
+            <a:prstGeom prst="rect">
+              <a:avLst/>
+            </a:prstGeom>
+            <a:noFill/>
+          </p:spPr>
+          <p:txBody>
+            <a:bodyPr wrap="square" rtlCol="0">
+              <a:spAutoFit/>
+            </a:bodyPr>
+            <a:lstStyle/>
+            <a:p>
+              <a:r>
+                <a:rPr lang="en-US" sz="2000" b="1" dirty="0">
+                  <a:latin typeface="Modern No. 20" panose="02070704070505020303" pitchFamily="18" charset="77"/>
+                </a:rPr>
+                <a:t>Stacked Encoder</a:t>
+              </a:r>
+            </a:p>
+          </p:txBody>
+        </p:sp>
+        <p:sp>
+          <p:nvSpPr>
+            <p:cNvPr id="220" name="TextBox 219">
+              <a:extLst>
+                <a:ext uri="{FF2B5EF4-FFF2-40B4-BE49-F238E27FC236}">
+                  <a16:creationId xmlns:a16="http://schemas.microsoft.com/office/drawing/2014/main" id="{3829A6E5-5576-5434-AF57-BEFA7D4C8A9B}"/>
+                </a:ext>
+              </a:extLst>
+            </p:cNvPr>
+            <p:cNvSpPr txBox="1"/>
+            <p:nvPr/>
+          </p:nvSpPr>
+          <p:spPr>
+            <a:xfrm>
+              <a:off x="4348512" y="2101059"/>
+              <a:ext cx="1315890" cy="707886"/>
+            </a:xfrm>
+            <a:prstGeom prst="rect">
+              <a:avLst/>
+            </a:prstGeom>
+            <a:noFill/>
+          </p:spPr>
+          <p:txBody>
+            <a:bodyPr wrap="square" rtlCol="0">
+              <a:spAutoFit/>
+            </a:bodyPr>
+            <a:lstStyle/>
+            <a:p>
+              <a:r>
+                <a:rPr lang="en-US" sz="2000" b="1" dirty="0">
+                  <a:latin typeface="Modern No. 20" panose="02070704070505020303" pitchFamily="18" charset="77"/>
+                </a:rPr>
+                <a:t>Stacked Decoder</a:t>
+              </a:r>
+            </a:p>
+          </p:txBody>
+        </p:sp>
+        <p:sp>
+          <p:nvSpPr>
+            <p:cNvPr id="221" name="Rectangle 220">
+              <a:extLst>
+                <a:ext uri="{FF2B5EF4-FFF2-40B4-BE49-F238E27FC236}">
+                  <a16:creationId xmlns:a16="http://schemas.microsoft.com/office/drawing/2014/main" id="{5C57C750-820A-CC6B-0280-949770465AC7}"/>
+                </a:ext>
+              </a:extLst>
+            </p:cNvPr>
+            <p:cNvSpPr/>
+            <p:nvPr/>
+          </p:nvSpPr>
+          <p:spPr>
+            <a:xfrm>
+              <a:off x="5765320" y="1418781"/>
+              <a:ext cx="1710165" cy="601883"/>
+            </a:xfrm>
+            <a:prstGeom prst="rect">
+              <a:avLst/>
+            </a:prstGeom>
+            <a:solidFill>
+              <a:schemeClr val="bg2">
+                <a:lumMod val="50000"/>
+              </a:schemeClr>
+            </a:solidFill>
+            <a:ln w="9525">
+              <a:solidFill>
+                <a:schemeClr val="tx1"/>
+              </a:solidFill>
+            </a:ln>
+            <a:effectLst>
+              <a:outerShdw blurRad="50800" dist="38100" dir="5400000" algn="t" rotWithShape="0">
+                <a:prstClr val="black">
+                  <a:alpha val="40000"/>
+                </a:prstClr>
+              </a:outerShdw>
+            </a:effectLst>
+          </p:spPr>
+          <p:style>
+            <a:lnRef idx="3">
+              <a:schemeClr val="lt1"/>
+            </a:lnRef>
+            <a:fillRef idx="1">
+              <a:schemeClr val="accent5"/>
+            </a:fillRef>
+            <a:effectRef idx="1">
+              <a:schemeClr val="accent5"/>
+            </a:effectRef>
+            <a:fontRef idx="minor">
+              <a:schemeClr val="lt1"/>
+            </a:fontRef>
+          </p:style>
+          <p:txBody>
+            <a:bodyPr rtlCol="0" anchor="ctr"/>
+            <a:lstStyle/>
+            <a:p>
+              <a:pPr algn="ctr"/>
+              <a:r>
+                <a:rPr lang="en-US" dirty="0">
+                  <a:latin typeface="Modern No. 20" panose="02070704070505020303" pitchFamily="18" charset="77"/>
+                </a:rPr>
+                <a:t>Output Layer</a:t>
+              </a:r>
+            </a:p>
+          </p:txBody>
+        </p:sp>
+        <p:cxnSp>
+          <p:nvCxnSpPr>
+            <p:cNvPr id="222" name="Straight Arrow Connector 221">
+              <a:extLst>
+                <a:ext uri="{FF2B5EF4-FFF2-40B4-BE49-F238E27FC236}">
+                  <a16:creationId xmlns:a16="http://schemas.microsoft.com/office/drawing/2014/main" id="{912749AD-F367-326D-CDD6-2A67CD6B57F7}"/>
+                </a:ext>
+              </a:extLst>
+            </p:cNvPr>
+            <p:cNvCxnSpPr>
+              <a:cxnSpLocks/>
+              <a:endCxn id="221" idx="2"/>
+            </p:cNvCxnSpPr>
+            <p:nvPr/>
+          </p:nvCxnSpPr>
+          <p:spPr>
+            <a:xfrm flipH="1" flipV="1">
+              <a:off x="6620403" y="2020664"/>
+              <a:ext cx="1847" cy="642589"/>
+            </a:xfrm>
+            <a:prstGeom prst="straightConnector1">
+              <a:avLst/>
+            </a:prstGeom>
+            <a:ln w="38100">
+              <a:solidFill>
+                <a:schemeClr val="tx1"/>
+              </a:solidFill>
+              <a:tailEnd type="triangle"/>
+            </a:ln>
+          </p:spPr>
+          <p:style>
+            <a:lnRef idx="2">
+              <a:schemeClr val="accent1"/>
+            </a:lnRef>
+            <a:fillRef idx="0">
+              <a:schemeClr val="accent1"/>
+            </a:fillRef>
+            <a:effectRef idx="1">
+              <a:schemeClr val="accent1"/>
+            </a:effectRef>
+            <a:fontRef idx="minor">
+              <a:schemeClr val="tx1"/>
+            </a:fontRef>
+          </p:style>
+        </p:cxnSp>
+        <mc:AlternateContent xmlns:mc="http://schemas.openxmlformats.org/markup-compatibility/2006">
+          <mc:Choice xmlns:a14="http://schemas.microsoft.com/office/drawing/2010/main" Requires="a14">
+            <p:sp>
+              <p:nvSpPr>
+                <p:cNvPr id="223" name="Parallelogram 222">
+                  <a:extLst>
+                    <a:ext uri="{FF2B5EF4-FFF2-40B4-BE49-F238E27FC236}">
+                      <a16:creationId xmlns:a16="http://schemas.microsoft.com/office/drawing/2014/main" id="{27A03C80-0829-86F1-6913-3554E84CACEE}"/>
+                    </a:ext>
+                  </a:extLst>
+                </p:cNvPr>
+                <p:cNvSpPr/>
+                <p:nvPr/>
+              </p:nvSpPr>
+              <p:spPr>
+                <a:xfrm>
+                  <a:off x="5750334" y="433002"/>
+                  <a:ext cx="1710164" cy="567159"/>
+                </a:xfrm>
+                <a:prstGeom prst="parallelogram">
+                  <a:avLst/>
+                </a:prstGeom>
+                <a:ln w="9525">
+                  <a:solidFill>
+                    <a:schemeClr val="tx1"/>
+                  </a:solidFill>
+                </a:ln>
+                <a:effectLst>
+                  <a:outerShdw blurRad="50800" dist="38100" dir="5400000" algn="t" rotWithShape="0">
+                    <a:prstClr val="black">
+                      <a:alpha val="40000"/>
+                    </a:prstClr>
+                  </a:outerShdw>
+                </a:effectLst>
+              </p:spPr>
+              <p:style>
+                <a:lnRef idx="2">
+                  <a:schemeClr val="accent1">
+                    <a:shade val="15000"/>
+                  </a:schemeClr>
+                </a:lnRef>
+                <a:fillRef idx="1">
+                  <a:schemeClr val="accent1"/>
+                </a:fillRef>
+                <a:effectRef idx="0">
+                  <a:schemeClr val="accent1"/>
+                </a:effectRef>
+                <a:fontRef idx="minor">
+                  <a:schemeClr val="lt1"/>
+                </a:fontRef>
+              </p:style>
+              <p:txBody>
+                <a:bodyPr rtlCol="0" anchor="ctr"/>
+                <a:lstStyle/>
+                <a:p>
+                  <a:pPr algn="ctr"/>
+                  <a14:m>
+                    <m:oMathPara xmlns:m="http://schemas.openxmlformats.org/officeDocument/2006/math">
+                      <m:oMathParaPr>
+                        <m:jc m:val="centerGroup"/>
+                      </m:oMathParaPr>
+                      <m:oMath xmlns:m="http://schemas.openxmlformats.org/officeDocument/2006/math">
+                        <m:sSub>
+                          <m:sSubPr>
+                            <m:ctrlPr>
+                              <a:rPr lang="en-US" i="1" smtClean="0">
+                                <a:latin typeface="Cambria Math" panose="02040503050406030204" pitchFamily="18" charset="0"/>
+                              </a:rPr>
+                            </m:ctrlPr>
+                          </m:sSubPr>
+                          <m:e>
+                            <m:acc>
+                              <m:accPr>
+                                <m:chr m:val="̂"/>
+                                <m:ctrlPr>
+                                  <a:rPr lang="en-US" b="0" i="1" smtClean="0">
+                                    <a:latin typeface="Cambria Math" panose="02040503050406030204" pitchFamily="18" charset="0"/>
+                                  </a:rPr>
+                                </m:ctrlPr>
+                              </m:accPr>
+                              <m:e>
+                                <m:r>
+                                  <a:rPr lang="en-US" b="0" i="1" smtClean="0">
+                                    <a:latin typeface="Cambria Math" panose="02040503050406030204" pitchFamily="18" charset="0"/>
+                                  </a:rPr>
+                                  <m:t>𝑋</m:t>
+                                </m:r>
+                              </m:e>
+                            </m:acc>
+                          </m:e>
+                          <m:sub>
+                            <m:r>
+                              <m:rPr>
+                                <m:nor/>
+                              </m:rPr>
+                              <a:rPr lang="en-US" b="0" i="0" smtClean="0">
+                                <a:latin typeface="Cambria Math" panose="02040503050406030204" pitchFamily="18" charset="0"/>
+                              </a:rPr>
+                              <m:t>p</m:t>
+                            </m:r>
+                          </m:sub>
+                        </m:sSub>
+                      </m:oMath>
+                    </m:oMathPara>
+                  </a14:m>
+                  <a:endParaRPr lang="en-US" dirty="0">
+                    <a:latin typeface="Modern No. 20" panose="02070704070505020303" pitchFamily="18" charset="77"/>
+                  </a:endParaRPr>
+                </a:p>
+              </p:txBody>
+            </p:sp>
+          </mc:Choice>
+          <mc:Fallback>
+            <p:sp>
+              <p:nvSpPr>
+                <p:cNvPr id="223" name="Parallelogram 222">
+                  <a:extLst>
+                    <a:ext uri="{FF2B5EF4-FFF2-40B4-BE49-F238E27FC236}">
+                      <a16:creationId xmlns:a16="http://schemas.microsoft.com/office/drawing/2014/main" id="{27A03C80-0829-86F1-6913-3554E84CACEE}"/>
+                    </a:ext>
+                  </a:extLst>
+                </p:cNvPr>
+                <p:cNvSpPr>
+                  <a:spLocks noRot="1" noChangeAspect="1" noMove="1" noResize="1" noEditPoints="1" noAdjustHandles="1" noChangeArrowheads="1" noChangeShapeType="1" noTextEdit="1"/>
+                </p:cNvSpPr>
+                <p:nvPr/>
+              </p:nvSpPr>
+              <p:spPr>
+                <a:xfrm>
+                  <a:off x="5750334" y="433002"/>
+                  <a:ext cx="1710164" cy="567159"/>
+                </a:xfrm>
+                <a:prstGeom prst="parallelogram">
+                  <a:avLst/>
+                </a:prstGeom>
+                <a:blipFill>
+                  <a:blip r:embed="rId6"/>
+                  <a:stretch>
+                    <a:fillRect/>
+                  </a:stretch>
+                </a:blipFill>
+                <a:ln w="9525">
+                  <a:solidFill>
+                    <a:schemeClr val="tx1"/>
+                  </a:solidFill>
+                </a:ln>
+                <a:effectLst>
+                  <a:outerShdw blurRad="50800" dist="38100" dir="5400000" algn="t" rotWithShape="0">
+                    <a:prstClr val="black">
+                      <a:alpha val="40000"/>
+                    </a:prstClr>
+                  </a:outerShdw>
+                </a:effectLst>
+              </p:spPr>
+              <p:txBody>
+                <a:bodyPr/>
+                <a:lstStyle/>
+                <a:p>
+                  <a:r>
+                    <a:rPr lang="en-US">
+                      <a:noFill/>
+                    </a:rPr>
+                    <a:t> </a:t>
+                  </a:r>
+                </a:p>
+              </p:txBody>
+            </p:sp>
+          </mc:Fallback>
+        </mc:AlternateContent>
+        <p:sp>
+          <p:nvSpPr>
+            <p:cNvPr id="248" name="Rectangle 247">
+              <a:extLst>
+                <a:ext uri="{FF2B5EF4-FFF2-40B4-BE49-F238E27FC236}">
+                  <a16:creationId xmlns:a16="http://schemas.microsoft.com/office/drawing/2014/main" id="{AF995937-DB84-8BAB-49AB-A2CC0B75B0CC}"/>
+                </a:ext>
+              </a:extLst>
+            </p:cNvPr>
+            <p:cNvSpPr/>
+            <p:nvPr/>
+          </p:nvSpPr>
+          <p:spPr>
+            <a:xfrm>
+              <a:off x="5624616" y="8844410"/>
+              <a:ext cx="147154" cy="171514"/>
+            </a:xfrm>
+            <a:prstGeom prst="rect">
+              <a:avLst/>
+            </a:prstGeom>
+            <a:solidFill>
+              <a:schemeClr val="bg1"/>
+            </a:solidFill>
+            <a:ln>
+              <a:noFill/>
+            </a:ln>
+          </p:spPr>
+          <p:style>
+            <a:lnRef idx="2">
+              <a:schemeClr val="accent1">
+                <a:shade val="15000"/>
+              </a:schemeClr>
+            </a:lnRef>
+            <a:fillRef idx="1">
+              <a:schemeClr val="accent1"/>
+            </a:fillRef>
+            <a:effectRef idx="0">
+              <a:schemeClr val="accent1"/>
+            </a:effectRef>
+            <a:fontRef idx="minor">
+              <a:schemeClr val="lt1"/>
+            </a:fontRef>
+          </p:style>
+          <p:txBody>
+            <a:bodyPr rtlCol="0" anchor="ctr"/>
+            <a:lstStyle/>
+            <a:p>
+              <a:pPr algn="ctr"/>
+              <a:endParaRPr lang="en-US"/>
+            </a:p>
+          </p:txBody>
+        </p:sp>
+        <mc:AlternateContent xmlns:mc="http://schemas.openxmlformats.org/markup-compatibility/2006">
+          <mc:Choice xmlns:a14="http://schemas.microsoft.com/office/drawing/2010/main" Requires="a14">
+            <p:sp>
+              <p:nvSpPr>
+                <p:cNvPr id="239" name="TextBox 238">
+                  <a:extLst>
+                    <a:ext uri="{FF2B5EF4-FFF2-40B4-BE49-F238E27FC236}">
+                      <a16:creationId xmlns:a16="http://schemas.microsoft.com/office/drawing/2014/main" id="{6112744F-0F13-9B07-CE58-47E5A3DF8D34}"/>
+                    </a:ext>
+                  </a:extLst>
+                </p:cNvPr>
+                <p:cNvSpPr txBox="1"/>
+                <p:nvPr/>
+              </p:nvSpPr>
+              <p:spPr>
+                <a:xfrm>
+                  <a:off x="2746503" y="3946575"/>
+                  <a:ext cx="1177318" cy="369332"/>
+                </a:xfrm>
+                <a:prstGeom prst="rect">
+                  <a:avLst/>
+                </a:prstGeom>
+                <a:noFill/>
+              </p:spPr>
+              <p:txBody>
+                <a:bodyPr wrap="square" rtlCol="0">
+                  <a:spAutoFit/>
+                </a:bodyPr>
+                <a:lstStyle/>
+                <a:p>
+                  <a14:m>
+                    <m:oMathPara xmlns:m="http://schemas.openxmlformats.org/officeDocument/2006/math">
+                      <m:oMathParaPr>
+                        <m:jc m:val="centerGroup"/>
+                      </m:oMathParaPr>
+                      <m:oMath xmlns:m="http://schemas.openxmlformats.org/officeDocument/2006/math">
+                        <m:r>
+                          <a:rPr lang="en-US" b="0" i="1" dirty="0" smtClean="0">
+                            <a:latin typeface="Cambria Math" panose="02040503050406030204" pitchFamily="18" charset="0"/>
+                          </a:rPr>
+                          <m:t>(</m:t>
+                        </m:r>
+                        <m:r>
+                          <a:rPr lang="en-US" b="0" i="1" dirty="0" smtClean="0">
+                            <a:latin typeface="Cambria Math" panose="02040503050406030204" pitchFamily="18" charset="0"/>
+                          </a:rPr>
+                          <m:t>𝐵</m:t>
+                        </m:r>
+                        <m:r>
+                          <a:rPr lang="en-US" b="0" i="1" dirty="0" smtClean="0">
+                            <a:latin typeface="Cambria Math" panose="02040503050406030204" pitchFamily="18" charset="0"/>
+                          </a:rPr>
+                          <m:t>, </m:t>
+                        </m:r>
+                        <m:sSub>
+                          <m:sSubPr>
+                            <m:ctrlPr>
+                              <a:rPr lang="en-US" b="0" i="1" dirty="0" smtClean="0">
+                                <a:latin typeface="Cambria Math" panose="02040503050406030204" pitchFamily="18" charset="0"/>
+                              </a:rPr>
+                            </m:ctrlPr>
+                          </m:sSubPr>
+                          <m:e>
+                            <m:r>
+                              <a:rPr lang="en-US" b="0" i="1" dirty="0" smtClean="0">
+                                <a:latin typeface="Cambria Math" panose="02040503050406030204" pitchFamily="18" charset="0"/>
+                              </a:rPr>
+                              <m:t>𝜏</m:t>
+                            </m:r>
+                          </m:e>
+                          <m:sub>
+                            <m:r>
+                              <a:rPr lang="en-US" b="0" i="1" dirty="0" smtClean="0">
+                                <a:latin typeface="Cambria Math" panose="02040503050406030204" pitchFamily="18" charset="0"/>
+                              </a:rPr>
+                              <m:t>𝑐</m:t>
+                            </m:r>
+                          </m:sub>
+                        </m:sSub>
+                        <m:r>
+                          <a:rPr lang="en-US" b="0" i="1" dirty="0" smtClean="0">
+                            <a:latin typeface="Cambria Math" panose="02040503050406030204" pitchFamily="18" charset="0"/>
+                          </a:rPr>
+                          <m:t>, </m:t>
+                        </m:r>
+                        <m:sSub>
+                          <m:sSubPr>
+                            <m:ctrlPr>
+                              <a:rPr lang="en-US" b="0" i="1" dirty="0" smtClean="0">
+                                <a:latin typeface="Cambria Math" panose="02040503050406030204" pitchFamily="18" charset="0"/>
+                              </a:rPr>
+                            </m:ctrlPr>
+                          </m:sSubPr>
+                          <m:e>
+                            <m:r>
+                              <a:rPr lang="en-US" b="0" i="1" dirty="0" smtClean="0">
+                                <a:latin typeface="Cambria Math" panose="02040503050406030204" pitchFamily="18" charset="0"/>
+                              </a:rPr>
+                              <m:t>𝑑</m:t>
+                            </m:r>
+                          </m:e>
+                          <m:sub>
+                            <m:r>
+                              <a:rPr lang="en-US" b="0" i="1" dirty="0" smtClean="0">
+                                <a:latin typeface="Cambria Math" panose="02040503050406030204" pitchFamily="18" charset="0"/>
+                              </a:rPr>
+                              <m:t>𝑚</m:t>
+                            </m:r>
+                          </m:sub>
+                        </m:sSub>
+                        <m:r>
+                          <a:rPr lang="en-US" b="0" i="1" dirty="0" smtClean="0">
+                            <a:latin typeface="Cambria Math" panose="02040503050406030204" pitchFamily="18" charset="0"/>
+                          </a:rPr>
+                          <m:t>)</m:t>
+                        </m:r>
+                      </m:oMath>
+                    </m:oMathPara>
+                  </a14:m>
+                  <a:endParaRPr lang="en-US" dirty="0">
+                    <a:latin typeface="Modern No. 20" panose="02070704070505020303" pitchFamily="18" charset="77"/>
+                  </a:endParaRPr>
+                </a:p>
+              </p:txBody>
+            </p:sp>
+          </mc:Choice>
+          <mc:Fallback>
+            <p:sp>
+              <p:nvSpPr>
+                <p:cNvPr id="239" name="TextBox 238">
+                  <a:extLst>
+                    <a:ext uri="{FF2B5EF4-FFF2-40B4-BE49-F238E27FC236}">
+                      <a16:creationId xmlns:a16="http://schemas.microsoft.com/office/drawing/2014/main" id="{6112744F-0F13-9B07-CE58-47E5A3DF8D34}"/>
+                    </a:ext>
+                  </a:extLst>
+                </p:cNvPr>
+                <p:cNvSpPr txBox="1">
+                  <a:spLocks noRot="1" noChangeAspect="1" noMove="1" noResize="1" noEditPoints="1" noAdjustHandles="1" noChangeArrowheads="1" noChangeShapeType="1" noTextEdit="1"/>
+                </p:cNvSpPr>
+                <p:nvPr/>
+              </p:nvSpPr>
+              <p:spPr>
+                <a:xfrm>
+                  <a:off x="2746503" y="3946575"/>
+                  <a:ext cx="1177318" cy="369332"/>
+                </a:xfrm>
+                <a:prstGeom prst="rect">
+                  <a:avLst/>
+                </a:prstGeom>
+                <a:blipFill>
+                  <a:blip r:embed="rId7"/>
+                  <a:stretch>
+                    <a:fillRect l="-2128" r="-3191" b="-16667"/>
+                  </a:stretch>
+                </a:blipFill>
+              </p:spPr>
+              <p:txBody>
+                <a:bodyPr/>
+                <a:lstStyle/>
+                <a:p>
+                  <a:r>
+                    <a:rPr lang="en-US">
+                      <a:noFill/>
+                    </a:rPr>
+                    <a:t> </a:t>
+                  </a:r>
+                </a:p>
+              </p:txBody>
+            </p:sp>
+          </mc:Fallback>
+        </mc:AlternateContent>
+        <mc:AlternateContent xmlns:mc="http://schemas.openxmlformats.org/markup-compatibility/2006">
+          <mc:Choice xmlns:a14="http://schemas.microsoft.com/office/drawing/2010/main" Requires="a14">
+            <p:sp>
+              <p:nvSpPr>
+                <p:cNvPr id="242" name="TextBox 241">
+                  <a:extLst>
+                    <a:ext uri="{FF2B5EF4-FFF2-40B4-BE49-F238E27FC236}">
+                      <a16:creationId xmlns:a16="http://schemas.microsoft.com/office/drawing/2014/main" id="{12C29384-43A8-462A-8874-AEC0FC489700}"/>
+                    </a:ext>
+                  </a:extLst>
+                </p:cNvPr>
+                <p:cNvSpPr txBox="1"/>
+                <p:nvPr/>
+              </p:nvSpPr>
+              <p:spPr>
+                <a:xfrm>
+                  <a:off x="2381038" y="9274518"/>
+                  <a:ext cx="1177318" cy="369332"/>
+                </a:xfrm>
+                <a:prstGeom prst="rect">
+                  <a:avLst/>
+                </a:prstGeom>
+                <a:noFill/>
+              </p:spPr>
+              <p:txBody>
+                <a:bodyPr wrap="square" rtlCol="0">
+                  <a:spAutoFit/>
+                </a:bodyPr>
+                <a:lstStyle/>
+                <a:p>
+                  <a14:m>
+                    <m:oMathPara xmlns:m="http://schemas.openxmlformats.org/officeDocument/2006/math">
+                      <m:oMathParaPr>
+                        <m:jc m:val="centerGroup"/>
+                      </m:oMathParaPr>
+                      <m:oMath xmlns:m="http://schemas.openxmlformats.org/officeDocument/2006/math">
+                        <m:r>
+                          <a:rPr lang="en-US" b="0" i="1" dirty="0" smtClean="0">
+                            <a:latin typeface="Cambria Math" panose="02040503050406030204" pitchFamily="18" charset="0"/>
+                          </a:rPr>
+                          <m:t>(</m:t>
+                        </m:r>
+                        <m:r>
+                          <a:rPr lang="en-US" b="0" i="1" dirty="0" smtClean="0">
+                            <a:latin typeface="Cambria Math" panose="02040503050406030204" pitchFamily="18" charset="0"/>
+                          </a:rPr>
+                          <m:t>𝐵</m:t>
+                        </m:r>
+                        <m:r>
+                          <a:rPr lang="en-US" b="0" i="1" dirty="0" smtClean="0">
+                            <a:latin typeface="Cambria Math" panose="02040503050406030204" pitchFamily="18" charset="0"/>
+                          </a:rPr>
+                          <m:t>, </m:t>
+                        </m:r>
+                        <m:sSub>
+                          <m:sSubPr>
+                            <m:ctrlPr>
+                              <a:rPr lang="en-US" b="0" i="1" dirty="0" smtClean="0">
+                                <a:latin typeface="Cambria Math" panose="02040503050406030204" pitchFamily="18" charset="0"/>
+                              </a:rPr>
+                            </m:ctrlPr>
+                          </m:sSubPr>
+                          <m:e>
+                            <m:r>
+                              <a:rPr lang="en-US" b="0" i="1" dirty="0" smtClean="0">
+                                <a:latin typeface="Cambria Math" panose="02040503050406030204" pitchFamily="18" charset="0"/>
+                              </a:rPr>
+                              <m:t>𝜏</m:t>
+                            </m:r>
+                          </m:e>
+                          <m:sub>
+                            <m:r>
+                              <a:rPr lang="en-US" b="0" i="1" dirty="0" smtClean="0">
+                                <a:latin typeface="Cambria Math" panose="02040503050406030204" pitchFamily="18" charset="0"/>
+                              </a:rPr>
+                              <m:t>𝑐</m:t>
+                            </m:r>
+                          </m:sub>
+                        </m:sSub>
+                        <m:r>
+                          <a:rPr lang="en-US" b="0" i="1" dirty="0" smtClean="0">
+                            <a:latin typeface="Cambria Math" panose="02040503050406030204" pitchFamily="18" charset="0"/>
+                          </a:rPr>
+                          <m:t>, </m:t>
+                        </m:r>
+                        <m:sSub>
+                          <m:sSubPr>
+                            <m:ctrlPr>
+                              <a:rPr lang="en-US" b="0" i="1" dirty="0" smtClean="0">
+                                <a:latin typeface="Cambria Math" panose="02040503050406030204" pitchFamily="18" charset="0"/>
+                              </a:rPr>
+                            </m:ctrlPr>
+                          </m:sSubPr>
+                          <m:e>
+                            <m:r>
+                              <a:rPr lang="en-US" b="0" i="1" dirty="0" smtClean="0">
+                                <a:latin typeface="Cambria Math" panose="02040503050406030204" pitchFamily="18" charset="0"/>
+                              </a:rPr>
+                              <m:t>𝑑</m:t>
+                            </m:r>
+                          </m:e>
+                          <m:sub>
+                            <m:r>
+                              <a:rPr lang="en-US" b="0" i="1" dirty="0" smtClean="0">
+                                <a:latin typeface="Cambria Math" panose="02040503050406030204" pitchFamily="18" charset="0"/>
+                              </a:rPr>
+                              <m:t>𝑚</m:t>
+                            </m:r>
+                          </m:sub>
+                        </m:sSub>
+                        <m:r>
+                          <a:rPr lang="en-US" b="0" i="1" dirty="0" smtClean="0">
+                            <a:latin typeface="Cambria Math" panose="02040503050406030204" pitchFamily="18" charset="0"/>
+                          </a:rPr>
+                          <m:t>)</m:t>
+                        </m:r>
+                      </m:oMath>
+                    </m:oMathPara>
+                  </a14:m>
+                  <a:endParaRPr lang="en-US" dirty="0">
+                    <a:latin typeface="Modern No. 20" panose="02070704070505020303" pitchFamily="18" charset="77"/>
+                  </a:endParaRPr>
+                </a:p>
+              </p:txBody>
+            </p:sp>
+          </mc:Choice>
+          <mc:Fallback>
+            <p:sp>
+              <p:nvSpPr>
+                <p:cNvPr id="242" name="TextBox 241">
+                  <a:extLst>
+                    <a:ext uri="{FF2B5EF4-FFF2-40B4-BE49-F238E27FC236}">
+                      <a16:creationId xmlns:a16="http://schemas.microsoft.com/office/drawing/2014/main" id="{12C29384-43A8-462A-8874-AEC0FC489700}"/>
+                    </a:ext>
+                  </a:extLst>
+                </p:cNvPr>
+                <p:cNvSpPr txBox="1">
+                  <a:spLocks noRot="1" noChangeAspect="1" noMove="1" noResize="1" noEditPoints="1" noAdjustHandles="1" noChangeArrowheads="1" noChangeShapeType="1" noTextEdit="1"/>
+                </p:cNvSpPr>
+                <p:nvPr/>
+              </p:nvSpPr>
+              <p:spPr>
+                <a:xfrm>
+                  <a:off x="2381038" y="9274518"/>
+                  <a:ext cx="1177318" cy="369332"/>
+                </a:xfrm>
+                <a:prstGeom prst="rect">
+                  <a:avLst/>
+                </a:prstGeom>
+                <a:blipFill>
+                  <a:blip r:embed="rId8"/>
+                  <a:stretch>
+                    <a:fillRect l="-2128" r="-3191" b="-13333"/>
+                  </a:stretch>
+                </a:blipFill>
+              </p:spPr>
+              <p:txBody>
+                <a:bodyPr/>
+                <a:lstStyle/>
+                <a:p>
+                  <a:r>
+                    <a:rPr lang="en-US">
+                      <a:noFill/>
+                    </a:rPr>
+                    <a:t> </a:t>
+                  </a:r>
+                </a:p>
+              </p:txBody>
+            </p:sp>
+          </mc:Fallback>
+        </mc:AlternateContent>
+        <p:sp>
+          <p:nvSpPr>
+            <p:cNvPr id="238" name="TextBox 237">
+              <a:extLst>
+                <a:ext uri="{FF2B5EF4-FFF2-40B4-BE49-F238E27FC236}">
+                  <a16:creationId xmlns:a16="http://schemas.microsoft.com/office/drawing/2014/main" id="{7E7C06B6-3A11-E6E8-3DEC-49A487162004}"/>
+                </a:ext>
+              </a:extLst>
+            </p:cNvPr>
+            <p:cNvSpPr txBox="1"/>
+            <p:nvPr/>
+          </p:nvSpPr>
+          <p:spPr>
+            <a:xfrm>
+              <a:off x="5487201" y="8709817"/>
+              <a:ext cx="997389" cy="369332"/>
+            </a:xfrm>
+            <a:prstGeom prst="rect">
+              <a:avLst/>
+            </a:prstGeom>
+            <a:noFill/>
+          </p:spPr>
+          <p:txBody>
+            <a:bodyPr wrap="none" rtlCol="0">
+              <a:spAutoFit/>
+            </a:bodyPr>
+            <a:lstStyle/>
+            <a:p>
+              <a:r>
+                <a:rPr lang="en-US" dirty="0">
+                  <a:solidFill>
+                    <a:srgbClr val="C00000"/>
+                  </a:solidFill>
+                  <a:latin typeface="Modern No. 20" panose="02070704070505020303" pitchFamily="18" charset="77"/>
+                </a:rPr>
+                <a:t>K   V   Q</a:t>
+              </a:r>
+            </a:p>
+          </p:txBody>
+        </p:sp>
+        <mc:AlternateContent xmlns:mc="http://schemas.openxmlformats.org/markup-compatibility/2006">
+          <mc:Choice xmlns:a14="http://schemas.microsoft.com/office/drawing/2010/main" Requires="a14">
+            <p:sp>
+              <p:nvSpPr>
+                <p:cNvPr id="249" name="TextBox 248">
+                  <a:extLst>
+                    <a:ext uri="{FF2B5EF4-FFF2-40B4-BE49-F238E27FC236}">
+                      <a16:creationId xmlns:a16="http://schemas.microsoft.com/office/drawing/2014/main" id="{1FC3096B-D820-D2F5-60B3-1AF8E3989F89}"/>
+                    </a:ext>
+                  </a:extLst>
+                </p:cNvPr>
+                <p:cNvSpPr txBox="1"/>
+                <p:nvPr/>
+              </p:nvSpPr>
+              <p:spPr>
+                <a:xfrm>
+                  <a:off x="6085945" y="9263810"/>
+                  <a:ext cx="1177318" cy="390748"/>
+                </a:xfrm>
+                <a:prstGeom prst="rect">
+                  <a:avLst/>
+                </a:prstGeom>
+                <a:noFill/>
+              </p:spPr>
+              <p:txBody>
+                <a:bodyPr wrap="square" rtlCol="0">
+                  <a:spAutoFit/>
+                </a:bodyPr>
+                <a:lstStyle/>
+                <a:p>
+                  <a14:m>
+                    <m:oMathPara xmlns:m="http://schemas.openxmlformats.org/officeDocument/2006/math">
+                      <m:oMathParaPr>
+                        <m:jc m:val="centerGroup"/>
+                      </m:oMathParaPr>
+                      <m:oMath xmlns:m="http://schemas.openxmlformats.org/officeDocument/2006/math">
+                        <m:r>
+                          <a:rPr lang="en-US" b="0" i="1" dirty="0" smtClean="0">
+                            <a:latin typeface="Cambria Math" panose="02040503050406030204" pitchFamily="18" charset="0"/>
+                          </a:rPr>
+                          <m:t>(</m:t>
+                        </m:r>
+                        <m:r>
+                          <a:rPr lang="en-US" b="0" i="1" dirty="0" smtClean="0">
+                            <a:latin typeface="Cambria Math" panose="02040503050406030204" pitchFamily="18" charset="0"/>
+                          </a:rPr>
+                          <m:t>𝐵</m:t>
+                        </m:r>
+                        <m:r>
+                          <a:rPr lang="en-US" b="0" i="1" dirty="0" smtClean="0">
+                            <a:latin typeface="Cambria Math" panose="02040503050406030204" pitchFamily="18" charset="0"/>
+                          </a:rPr>
+                          <m:t>, </m:t>
+                        </m:r>
+                        <m:sSub>
+                          <m:sSubPr>
+                            <m:ctrlPr>
+                              <a:rPr lang="en-US" b="0" i="1" dirty="0" smtClean="0">
+                                <a:latin typeface="Cambria Math" panose="02040503050406030204" pitchFamily="18" charset="0"/>
+                              </a:rPr>
+                            </m:ctrlPr>
+                          </m:sSubPr>
+                          <m:e>
+                            <m:r>
+                              <a:rPr lang="en-US" b="0" i="1" dirty="0" smtClean="0">
+                                <a:latin typeface="Cambria Math" panose="02040503050406030204" pitchFamily="18" charset="0"/>
+                              </a:rPr>
+                              <m:t>𝜏</m:t>
+                            </m:r>
+                          </m:e>
+                          <m:sub>
+                            <m:r>
+                              <a:rPr lang="en-US" b="0" i="1" dirty="0" smtClean="0">
+                                <a:latin typeface="Cambria Math" panose="02040503050406030204" pitchFamily="18" charset="0"/>
+                              </a:rPr>
+                              <m:t>𝑝</m:t>
+                            </m:r>
+                          </m:sub>
+                        </m:sSub>
+                        <m:r>
+                          <a:rPr lang="en-US" b="0" i="1" dirty="0" smtClean="0">
+                            <a:latin typeface="Cambria Math" panose="02040503050406030204" pitchFamily="18" charset="0"/>
+                          </a:rPr>
+                          <m:t>, </m:t>
+                        </m:r>
+                        <m:sSub>
+                          <m:sSubPr>
+                            <m:ctrlPr>
+                              <a:rPr lang="en-US" b="0" i="1" dirty="0" smtClean="0">
+                                <a:latin typeface="Cambria Math" panose="02040503050406030204" pitchFamily="18" charset="0"/>
+                              </a:rPr>
+                            </m:ctrlPr>
+                          </m:sSubPr>
+                          <m:e>
+                            <m:r>
+                              <a:rPr lang="en-US" b="0" i="1" dirty="0" smtClean="0">
+                                <a:latin typeface="Cambria Math" panose="02040503050406030204" pitchFamily="18" charset="0"/>
+                              </a:rPr>
+                              <m:t>𝑑</m:t>
+                            </m:r>
+                          </m:e>
+                          <m:sub>
+                            <m:r>
+                              <a:rPr lang="en-US" b="0" i="1" dirty="0" smtClean="0">
+                                <a:latin typeface="Cambria Math" panose="02040503050406030204" pitchFamily="18" charset="0"/>
+                              </a:rPr>
+                              <m:t>𝑚</m:t>
+                            </m:r>
+                          </m:sub>
+                        </m:sSub>
+                        <m:r>
+                          <a:rPr lang="en-US" b="0" i="1" dirty="0" smtClean="0">
+                            <a:latin typeface="Cambria Math" panose="02040503050406030204" pitchFamily="18" charset="0"/>
+                          </a:rPr>
+                          <m:t>)</m:t>
+                        </m:r>
+                      </m:oMath>
+                    </m:oMathPara>
+                  </a14:m>
+                  <a:endParaRPr lang="en-US" dirty="0">
+                    <a:latin typeface="Modern No. 20" panose="02070704070505020303" pitchFamily="18" charset="77"/>
+                  </a:endParaRPr>
+                </a:p>
+              </p:txBody>
+            </p:sp>
+          </mc:Choice>
+          <mc:Fallback>
+            <p:sp>
+              <p:nvSpPr>
+                <p:cNvPr id="249" name="TextBox 248">
+                  <a:extLst>
+                    <a:ext uri="{FF2B5EF4-FFF2-40B4-BE49-F238E27FC236}">
+                      <a16:creationId xmlns:a16="http://schemas.microsoft.com/office/drawing/2014/main" id="{1FC3096B-D820-D2F5-60B3-1AF8E3989F89}"/>
+                    </a:ext>
+                  </a:extLst>
+                </p:cNvPr>
+                <p:cNvSpPr txBox="1">
+                  <a:spLocks noRot="1" noChangeAspect="1" noMove="1" noResize="1" noEditPoints="1" noAdjustHandles="1" noChangeArrowheads="1" noChangeShapeType="1" noTextEdit="1"/>
+                </p:cNvSpPr>
+                <p:nvPr/>
+              </p:nvSpPr>
+              <p:spPr>
+                <a:xfrm>
+                  <a:off x="6085945" y="9263810"/>
+                  <a:ext cx="1177318" cy="390748"/>
+                </a:xfrm>
+                <a:prstGeom prst="rect">
+                  <a:avLst/>
+                </a:prstGeom>
+                <a:blipFill>
+                  <a:blip r:embed="rId9"/>
+                  <a:stretch>
+                    <a:fillRect l="-2151" r="-5376" b="-6250"/>
+                  </a:stretch>
+                </a:blipFill>
+              </p:spPr>
+              <p:txBody>
+                <a:bodyPr/>
+                <a:lstStyle/>
+                <a:p>
+                  <a:r>
+                    <a:rPr lang="en-US">
+                      <a:noFill/>
+                    </a:rPr>
+                    <a:t> </a:t>
+                  </a:r>
+                </a:p>
+              </p:txBody>
+            </p:sp>
+          </mc:Fallback>
+        </mc:AlternateContent>
+        <mc:AlternateContent xmlns:mc="http://schemas.openxmlformats.org/markup-compatibility/2006">
+          <mc:Choice xmlns:a14="http://schemas.microsoft.com/office/drawing/2010/main" Requires="a14">
+            <p:sp>
+              <p:nvSpPr>
+                <p:cNvPr id="250" name="TextBox 249">
+                  <a:extLst>
+                    <a:ext uri="{FF2B5EF4-FFF2-40B4-BE49-F238E27FC236}">
+                      <a16:creationId xmlns:a16="http://schemas.microsoft.com/office/drawing/2014/main" id="{F4504B1E-C42A-D057-1155-589BCB9EFFCE}"/>
+                    </a:ext>
+                  </a:extLst>
+                </p:cNvPr>
+                <p:cNvSpPr txBox="1"/>
+                <p:nvPr/>
+              </p:nvSpPr>
+              <p:spPr>
+                <a:xfrm>
+                  <a:off x="6618555" y="2191431"/>
+                  <a:ext cx="1177318" cy="390748"/>
+                </a:xfrm>
+                <a:prstGeom prst="rect">
+                  <a:avLst/>
+                </a:prstGeom>
+                <a:noFill/>
+              </p:spPr>
+              <p:txBody>
+                <a:bodyPr wrap="square" rtlCol="0">
+                  <a:spAutoFit/>
+                </a:bodyPr>
+                <a:lstStyle/>
+                <a:p>
+                  <a14:m>
+                    <m:oMathPara xmlns:m="http://schemas.openxmlformats.org/officeDocument/2006/math">
+                      <m:oMathParaPr>
+                        <m:jc m:val="centerGroup"/>
+                      </m:oMathParaPr>
+                      <m:oMath xmlns:m="http://schemas.openxmlformats.org/officeDocument/2006/math">
+                        <m:r>
+                          <a:rPr lang="en-US" b="0" i="1" dirty="0" smtClean="0">
+                            <a:latin typeface="Cambria Math" panose="02040503050406030204" pitchFamily="18" charset="0"/>
+                          </a:rPr>
+                          <m:t>(</m:t>
+                        </m:r>
+                        <m:r>
+                          <a:rPr lang="en-US" b="0" i="1" dirty="0" smtClean="0">
+                            <a:latin typeface="Cambria Math" panose="02040503050406030204" pitchFamily="18" charset="0"/>
+                          </a:rPr>
+                          <m:t>𝐵</m:t>
+                        </m:r>
+                        <m:r>
+                          <a:rPr lang="en-US" b="0" i="1" dirty="0" smtClean="0">
+                            <a:latin typeface="Cambria Math" panose="02040503050406030204" pitchFamily="18" charset="0"/>
+                          </a:rPr>
+                          <m:t>, </m:t>
+                        </m:r>
+                        <m:sSub>
+                          <m:sSubPr>
+                            <m:ctrlPr>
+                              <a:rPr lang="en-US" b="0" i="1" dirty="0" smtClean="0">
+                                <a:latin typeface="Cambria Math" panose="02040503050406030204" pitchFamily="18" charset="0"/>
+                              </a:rPr>
+                            </m:ctrlPr>
+                          </m:sSubPr>
+                          <m:e>
+                            <m:r>
+                              <a:rPr lang="en-US" b="0" i="1" dirty="0" smtClean="0">
+                                <a:latin typeface="Cambria Math" panose="02040503050406030204" pitchFamily="18" charset="0"/>
+                              </a:rPr>
+                              <m:t>𝜏</m:t>
+                            </m:r>
+                          </m:e>
+                          <m:sub>
+                            <m:r>
+                              <a:rPr lang="en-US" b="0" i="1" dirty="0" smtClean="0">
+                                <a:latin typeface="Cambria Math" panose="02040503050406030204" pitchFamily="18" charset="0"/>
+                              </a:rPr>
+                              <m:t>𝑝</m:t>
+                            </m:r>
+                          </m:sub>
+                        </m:sSub>
+                        <m:r>
+                          <a:rPr lang="en-US" b="0" i="1" dirty="0" smtClean="0">
+                            <a:latin typeface="Cambria Math" panose="02040503050406030204" pitchFamily="18" charset="0"/>
+                          </a:rPr>
+                          <m:t>, </m:t>
+                        </m:r>
+                        <m:sSub>
+                          <m:sSubPr>
+                            <m:ctrlPr>
+                              <a:rPr lang="en-US" b="0" i="1" dirty="0" smtClean="0">
+                                <a:latin typeface="Cambria Math" panose="02040503050406030204" pitchFamily="18" charset="0"/>
+                              </a:rPr>
+                            </m:ctrlPr>
+                          </m:sSubPr>
+                          <m:e>
+                            <m:r>
+                              <a:rPr lang="en-US" b="0" i="1" dirty="0" smtClean="0">
+                                <a:latin typeface="Cambria Math" panose="02040503050406030204" pitchFamily="18" charset="0"/>
+                              </a:rPr>
+                              <m:t>𝑑</m:t>
+                            </m:r>
+                          </m:e>
+                          <m:sub>
+                            <m:r>
+                              <a:rPr lang="en-US" b="0" i="1" dirty="0" smtClean="0">
+                                <a:latin typeface="Cambria Math" panose="02040503050406030204" pitchFamily="18" charset="0"/>
+                              </a:rPr>
+                              <m:t>𝑚</m:t>
+                            </m:r>
+                          </m:sub>
+                        </m:sSub>
+                        <m:r>
+                          <a:rPr lang="en-US" b="0" i="1" dirty="0" smtClean="0">
+                            <a:latin typeface="Cambria Math" panose="02040503050406030204" pitchFamily="18" charset="0"/>
+                          </a:rPr>
+                          <m:t>)</m:t>
+                        </m:r>
+                      </m:oMath>
+                    </m:oMathPara>
+                  </a14:m>
+                  <a:endParaRPr lang="en-US" dirty="0">
+                    <a:latin typeface="Modern No. 20" panose="02070704070505020303" pitchFamily="18" charset="77"/>
+                  </a:endParaRPr>
+                </a:p>
+              </p:txBody>
+            </p:sp>
+          </mc:Choice>
+          <mc:Fallback>
+            <p:sp>
+              <p:nvSpPr>
+                <p:cNvPr id="250" name="TextBox 249">
+                  <a:extLst>
+                    <a:ext uri="{FF2B5EF4-FFF2-40B4-BE49-F238E27FC236}">
+                      <a16:creationId xmlns:a16="http://schemas.microsoft.com/office/drawing/2014/main" id="{F4504B1E-C42A-D057-1155-589BCB9EFFCE}"/>
+                    </a:ext>
+                  </a:extLst>
+                </p:cNvPr>
+                <p:cNvSpPr txBox="1">
+                  <a:spLocks noRot="1" noChangeAspect="1" noMove="1" noResize="1" noEditPoints="1" noAdjustHandles="1" noChangeArrowheads="1" noChangeShapeType="1" noTextEdit="1"/>
+                </p:cNvSpPr>
+                <p:nvPr/>
+              </p:nvSpPr>
+              <p:spPr>
+                <a:xfrm>
+                  <a:off x="6618555" y="2191431"/>
+                  <a:ext cx="1177318" cy="390748"/>
+                </a:xfrm>
+                <a:prstGeom prst="rect">
+                  <a:avLst/>
+                </a:prstGeom>
+                <a:blipFill>
+                  <a:blip r:embed="rId10"/>
+                  <a:stretch>
+                    <a:fillRect l="-2151" r="-5376" b="-6250"/>
+                  </a:stretch>
+                </a:blipFill>
+              </p:spPr>
+              <p:txBody>
+                <a:bodyPr/>
+                <a:lstStyle/>
+                <a:p>
+                  <a:r>
+                    <a:rPr lang="en-US">
+                      <a:noFill/>
+                    </a:rPr>
+                    <a:t> </a:t>
+                  </a:r>
+                </a:p>
+              </p:txBody>
+            </p:sp>
+          </mc:Fallback>
+        </mc:AlternateContent>
+        <mc:AlternateContent xmlns:mc="http://schemas.openxmlformats.org/markup-compatibility/2006">
+          <mc:Choice xmlns:a14="http://schemas.microsoft.com/office/drawing/2010/main" Requires="a14">
+            <p:sp>
+              <p:nvSpPr>
+                <p:cNvPr id="252" name="TextBox 251">
+                  <a:extLst>
+                    <a:ext uri="{FF2B5EF4-FFF2-40B4-BE49-F238E27FC236}">
+                      <a16:creationId xmlns:a16="http://schemas.microsoft.com/office/drawing/2014/main" id="{CFBBA725-85AB-3F8F-922D-1EB7F3BCD28C}"/>
+                    </a:ext>
+                  </a:extLst>
+                </p:cNvPr>
+                <p:cNvSpPr txBox="1"/>
+                <p:nvPr/>
+              </p:nvSpPr>
+              <p:spPr>
+                <a:xfrm>
+                  <a:off x="3171196" y="11691298"/>
+                  <a:ext cx="1177318" cy="369332"/>
+                </a:xfrm>
+                <a:prstGeom prst="rect">
+                  <a:avLst/>
+                </a:prstGeom>
+                <a:noFill/>
+              </p:spPr>
+              <p:txBody>
+                <a:bodyPr wrap="square" rtlCol="0">
+                  <a:spAutoFit/>
+                </a:bodyPr>
+                <a:lstStyle/>
+                <a:p>
+                  <a14:m>
+                    <m:oMathPara xmlns:m="http://schemas.openxmlformats.org/officeDocument/2006/math">
+                      <m:oMathParaPr>
+                        <m:jc m:val="centerGroup"/>
+                      </m:oMathParaPr>
+                      <m:oMath xmlns:m="http://schemas.openxmlformats.org/officeDocument/2006/math">
+                        <m:r>
+                          <a:rPr lang="en-US" b="0" i="1" dirty="0" smtClean="0">
+                            <a:latin typeface="Cambria Math" panose="02040503050406030204" pitchFamily="18" charset="0"/>
+                          </a:rPr>
+                          <m:t>(</m:t>
+                        </m:r>
+                        <m:r>
+                          <a:rPr lang="en-US" b="0" i="1" dirty="0" smtClean="0">
+                            <a:latin typeface="Cambria Math" panose="02040503050406030204" pitchFamily="18" charset="0"/>
+                          </a:rPr>
+                          <m:t>𝐵</m:t>
+                        </m:r>
+                        <m:r>
+                          <a:rPr lang="en-US" b="0" i="1" dirty="0" smtClean="0">
+                            <a:latin typeface="Cambria Math" panose="02040503050406030204" pitchFamily="18" charset="0"/>
+                          </a:rPr>
+                          <m:t>, </m:t>
+                        </m:r>
+                        <m:sSub>
+                          <m:sSubPr>
+                            <m:ctrlPr>
+                              <a:rPr lang="en-US" b="0" i="1" dirty="0" smtClean="0">
+                                <a:latin typeface="Cambria Math" panose="02040503050406030204" pitchFamily="18" charset="0"/>
+                              </a:rPr>
+                            </m:ctrlPr>
+                          </m:sSubPr>
+                          <m:e>
+                            <m:r>
+                              <a:rPr lang="en-US" b="0" i="1" dirty="0" smtClean="0">
+                                <a:latin typeface="Cambria Math" panose="02040503050406030204" pitchFamily="18" charset="0"/>
+                              </a:rPr>
+                              <m:t>𝜏</m:t>
+                            </m:r>
+                          </m:e>
+                          <m:sub>
+                            <m:r>
+                              <a:rPr lang="en-US" b="0" i="1" dirty="0" smtClean="0">
+                                <a:latin typeface="Cambria Math" panose="02040503050406030204" pitchFamily="18" charset="0"/>
+                              </a:rPr>
+                              <m:t>𝑐</m:t>
+                            </m:r>
+                          </m:sub>
+                        </m:sSub>
+                        <m:r>
+                          <a:rPr lang="en-US" b="0" i="1" dirty="0" smtClean="0">
+                            <a:latin typeface="Cambria Math" panose="02040503050406030204" pitchFamily="18" charset="0"/>
+                          </a:rPr>
+                          <m:t>, </m:t>
+                        </m:r>
+                        <m:sSub>
+                          <m:sSubPr>
+                            <m:ctrlPr>
+                              <a:rPr lang="en-US" b="0" i="1" dirty="0" smtClean="0">
+                                <a:latin typeface="Cambria Math" panose="02040503050406030204" pitchFamily="18" charset="0"/>
+                              </a:rPr>
+                            </m:ctrlPr>
+                          </m:sSubPr>
+                          <m:e>
+                            <m:r>
+                              <a:rPr lang="en-US" b="0" i="1" dirty="0" smtClean="0">
+                                <a:latin typeface="Cambria Math" panose="02040503050406030204" pitchFamily="18" charset="0"/>
+                              </a:rPr>
+                              <m:t>𝑑</m:t>
+                            </m:r>
+                          </m:e>
+                          <m:sub>
+                            <m:r>
+                              <a:rPr lang="en-US" b="0" i="1" dirty="0" smtClean="0">
+                                <a:latin typeface="Cambria Math" panose="02040503050406030204" pitchFamily="18" charset="0"/>
+                              </a:rPr>
+                              <m:t>𝑥</m:t>
+                            </m:r>
+                          </m:sub>
+                        </m:sSub>
+                        <m:r>
+                          <a:rPr lang="en-US" b="0" i="1" dirty="0" smtClean="0">
+                            <a:latin typeface="Cambria Math" panose="02040503050406030204" pitchFamily="18" charset="0"/>
+                          </a:rPr>
+                          <m:t>)</m:t>
+                        </m:r>
+                      </m:oMath>
+                    </m:oMathPara>
+                  </a14:m>
+                  <a:endParaRPr lang="en-US" dirty="0">
+                    <a:latin typeface="Modern No. 20" panose="02070704070505020303" pitchFamily="18" charset="77"/>
+                  </a:endParaRPr>
+                </a:p>
+              </p:txBody>
+            </p:sp>
+          </mc:Choice>
+          <mc:Fallback>
+            <p:sp>
+              <p:nvSpPr>
+                <p:cNvPr id="252" name="TextBox 251">
+                  <a:extLst>
+                    <a:ext uri="{FF2B5EF4-FFF2-40B4-BE49-F238E27FC236}">
+                      <a16:creationId xmlns:a16="http://schemas.microsoft.com/office/drawing/2014/main" id="{CFBBA725-85AB-3F8F-922D-1EB7F3BCD28C}"/>
+                    </a:ext>
+                  </a:extLst>
+                </p:cNvPr>
+                <p:cNvSpPr txBox="1">
+                  <a:spLocks noRot="1" noChangeAspect="1" noMove="1" noResize="1" noEditPoints="1" noAdjustHandles="1" noChangeArrowheads="1" noChangeShapeType="1" noTextEdit="1"/>
+                </p:cNvSpPr>
+                <p:nvPr/>
+              </p:nvSpPr>
+              <p:spPr>
+                <a:xfrm>
+                  <a:off x="3171196" y="11691298"/>
+                  <a:ext cx="1177318" cy="369332"/>
+                </a:xfrm>
+                <a:prstGeom prst="rect">
+                  <a:avLst/>
+                </a:prstGeom>
+                <a:blipFill>
+                  <a:blip r:embed="rId11"/>
+                  <a:stretch>
+                    <a:fillRect b="-13333"/>
+                  </a:stretch>
+                </a:blipFill>
+              </p:spPr>
+              <p:txBody>
+                <a:bodyPr/>
+                <a:lstStyle/>
+                <a:p>
+                  <a:r>
+                    <a:rPr lang="en-US">
+                      <a:noFill/>
+                    </a:rPr>
+                    <a:t> </a:t>
+                  </a:r>
+                </a:p>
+              </p:txBody>
+            </p:sp>
+          </mc:Fallback>
+        </mc:AlternateContent>
+        <mc:AlternateContent xmlns:mc="http://schemas.openxmlformats.org/markup-compatibility/2006">
+          <mc:Choice xmlns:a14="http://schemas.microsoft.com/office/drawing/2010/main" Requires="a14">
+            <p:sp>
+              <p:nvSpPr>
+                <p:cNvPr id="253" name="TextBox 252">
+                  <a:extLst>
+                    <a:ext uri="{FF2B5EF4-FFF2-40B4-BE49-F238E27FC236}">
+                      <a16:creationId xmlns:a16="http://schemas.microsoft.com/office/drawing/2014/main" id="{45A9BA94-C84C-7E7B-FB8E-9D852F5E3FAB}"/>
+                    </a:ext>
+                  </a:extLst>
+                </p:cNvPr>
+                <p:cNvSpPr txBox="1"/>
+                <p:nvPr/>
+              </p:nvSpPr>
+              <p:spPr>
+                <a:xfrm>
+                  <a:off x="6095194" y="11159232"/>
+                  <a:ext cx="1177318" cy="390748"/>
+                </a:xfrm>
+                <a:prstGeom prst="rect">
+                  <a:avLst/>
+                </a:prstGeom>
+                <a:noFill/>
+              </p:spPr>
+              <p:txBody>
+                <a:bodyPr wrap="square" rtlCol="0">
+                  <a:spAutoFit/>
+                </a:bodyPr>
+                <a:lstStyle/>
+                <a:p>
+                  <a14:m>
+                    <m:oMathPara xmlns:m="http://schemas.openxmlformats.org/officeDocument/2006/math">
+                      <m:oMathParaPr>
+                        <m:jc m:val="centerGroup"/>
+                      </m:oMathParaPr>
+                      <m:oMath xmlns:m="http://schemas.openxmlformats.org/officeDocument/2006/math">
+                        <m:r>
+                          <a:rPr lang="en-US" b="0" i="1" dirty="0" smtClean="0">
+                            <a:latin typeface="Cambria Math" panose="02040503050406030204" pitchFamily="18" charset="0"/>
+                          </a:rPr>
+                          <m:t>(</m:t>
+                        </m:r>
+                        <m:r>
+                          <a:rPr lang="en-US" b="0" i="1" dirty="0" smtClean="0">
+                            <a:latin typeface="Cambria Math" panose="02040503050406030204" pitchFamily="18" charset="0"/>
+                          </a:rPr>
+                          <m:t>𝐵</m:t>
+                        </m:r>
+                        <m:r>
+                          <a:rPr lang="en-US" b="0" i="1" dirty="0" smtClean="0">
+                            <a:latin typeface="Cambria Math" panose="02040503050406030204" pitchFamily="18" charset="0"/>
+                          </a:rPr>
+                          <m:t>, </m:t>
+                        </m:r>
+                        <m:sSub>
+                          <m:sSubPr>
+                            <m:ctrlPr>
+                              <a:rPr lang="en-US" b="0" i="1" dirty="0" smtClean="0">
+                                <a:latin typeface="Cambria Math" panose="02040503050406030204" pitchFamily="18" charset="0"/>
+                              </a:rPr>
+                            </m:ctrlPr>
+                          </m:sSubPr>
+                          <m:e>
+                            <m:r>
+                              <a:rPr lang="en-US" b="0" i="1" dirty="0" smtClean="0">
+                                <a:latin typeface="Cambria Math" panose="02040503050406030204" pitchFamily="18" charset="0"/>
+                              </a:rPr>
+                              <m:t>𝜏</m:t>
+                            </m:r>
+                          </m:e>
+                          <m:sub>
+                            <m:r>
+                              <a:rPr lang="en-US" b="0" i="1" dirty="0" smtClean="0">
+                                <a:latin typeface="Cambria Math" panose="02040503050406030204" pitchFamily="18" charset="0"/>
+                              </a:rPr>
+                              <m:t>𝑝</m:t>
+                            </m:r>
+                          </m:sub>
+                        </m:sSub>
+                        <m:r>
+                          <a:rPr lang="en-US" b="0" i="1" dirty="0" smtClean="0">
+                            <a:latin typeface="Cambria Math" panose="02040503050406030204" pitchFamily="18" charset="0"/>
+                          </a:rPr>
+                          <m:t>, </m:t>
+                        </m:r>
+                        <m:sSub>
+                          <m:sSubPr>
+                            <m:ctrlPr>
+                              <a:rPr lang="en-US" b="0" i="1" dirty="0" smtClean="0">
+                                <a:latin typeface="Cambria Math" panose="02040503050406030204" pitchFamily="18" charset="0"/>
+                              </a:rPr>
+                            </m:ctrlPr>
+                          </m:sSubPr>
+                          <m:e>
+                            <m:r>
+                              <a:rPr lang="en-US" b="0" i="1" dirty="0" smtClean="0">
+                                <a:latin typeface="Cambria Math" panose="02040503050406030204" pitchFamily="18" charset="0"/>
+                              </a:rPr>
+                              <m:t>𝑑</m:t>
+                            </m:r>
+                          </m:e>
+                          <m:sub>
+                            <m:r>
+                              <a:rPr lang="en-US" b="0" i="1" dirty="0" smtClean="0">
+                                <a:latin typeface="Cambria Math" panose="02040503050406030204" pitchFamily="18" charset="0"/>
+                              </a:rPr>
+                              <m:t>𝑥</m:t>
+                            </m:r>
+                          </m:sub>
+                        </m:sSub>
+                        <m:r>
+                          <a:rPr lang="en-US" b="0" i="1" dirty="0" smtClean="0">
+                            <a:latin typeface="Cambria Math" panose="02040503050406030204" pitchFamily="18" charset="0"/>
+                          </a:rPr>
+                          <m:t>)</m:t>
+                        </m:r>
+                      </m:oMath>
+                    </m:oMathPara>
+                  </a14:m>
+                  <a:endParaRPr lang="en-US" dirty="0">
+                    <a:latin typeface="Modern No. 20" panose="02070704070505020303" pitchFamily="18" charset="77"/>
+                  </a:endParaRPr>
+                </a:p>
+              </p:txBody>
+            </p:sp>
+          </mc:Choice>
+          <mc:Fallback>
+            <p:sp>
+              <p:nvSpPr>
+                <p:cNvPr id="253" name="TextBox 252">
+                  <a:extLst>
+                    <a:ext uri="{FF2B5EF4-FFF2-40B4-BE49-F238E27FC236}">
+                      <a16:creationId xmlns:a16="http://schemas.microsoft.com/office/drawing/2014/main" id="{45A9BA94-C84C-7E7B-FB8E-9D852F5E3FAB}"/>
+                    </a:ext>
+                  </a:extLst>
+                </p:cNvPr>
+                <p:cNvSpPr txBox="1">
+                  <a:spLocks noRot="1" noChangeAspect="1" noMove="1" noResize="1" noEditPoints="1" noAdjustHandles="1" noChangeArrowheads="1" noChangeShapeType="1" noTextEdit="1"/>
+                </p:cNvSpPr>
+                <p:nvPr/>
+              </p:nvSpPr>
+              <p:spPr>
+                <a:xfrm>
+                  <a:off x="6095194" y="11159232"/>
+                  <a:ext cx="1177318" cy="390748"/>
+                </a:xfrm>
+                <a:prstGeom prst="rect">
+                  <a:avLst/>
+                </a:prstGeom>
+                <a:blipFill>
+                  <a:blip r:embed="rId12"/>
+                  <a:stretch>
+                    <a:fillRect l="-2151" r="-1075" b="-9375"/>
+                  </a:stretch>
+                </a:blipFill>
+              </p:spPr>
+              <p:txBody>
+                <a:bodyPr/>
+                <a:lstStyle/>
+                <a:p>
+                  <a:r>
+                    <a:rPr lang="en-US">
+                      <a:noFill/>
+                    </a:rPr>
+                    <a:t> </a:t>
+                  </a:r>
+                </a:p>
+              </p:txBody>
+            </p:sp>
+          </mc:Fallback>
+        </mc:AlternateContent>
+        <mc:AlternateContent xmlns:mc="http://schemas.openxmlformats.org/markup-compatibility/2006">
+          <mc:Choice xmlns:a14="http://schemas.microsoft.com/office/drawing/2010/main" Requires="a14">
+            <p:sp>
+              <p:nvSpPr>
+                <p:cNvPr id="254" name="TextBox 253">
+                  <a:extLst>
+                    <a:ext uri="{FF2B5EF4-FFF2-40B4-BE49-F238E27FC236}">
+                      <a16:creationId xmlns:a16="http://schemas.microsoft.com/office/drawing/2014/main" id="{34718790-B5C9-51E4-291C-FE5CF9FE051E}"/>
+                    </a:ext>
+                  </a:extLst>
+                </p:cNvPr>
+                <p:cNvSpPr txBox="1"/>
+                <p:nvPr/>
+              </p:nvSpPr>
+              <p:spPr>
+                <a:xfrm>
+                  <a:off x="6639885" y="1037359"/>
+                  <a:ext cx="1177318" cy="390748"/>
+                </a:xfrm>
+                <a:prstGeom prst="rect">
+                  <a:avLst/>
+                </a:prstGeom>
+                <a:noFill/>
+              </p:spPr>
+              <p:txBody>
+                <a:bodyPr wrap="square" rtlCol="0">
+                  <a:spAutoFit/>
+                </a:bodyPr>
+                <a:lstStyle/>
+                <a:p>
+                  <a14:m>
+                    <m:oMathPara xmlns:m="http://schemas.openxmlformats.org/officeDocument/2006/math">
+                      <m:oMathParaPr>
+                        <m:jc m:val="centerGroup"/>
+                      </m:oMathParaPr>
+                      <m:oMath xmlns:m="http://schemas.openxmlformats.org/officeDocument/2006/math">
+                        <m:r>
+                          <a:rPr lang="en-US" b="0" i="1" dirty="0" smtClean="0">
+                            <a:latin typeface="Cambria Math" panose="02040503050406030204" pitchFamily="18" charset="0"/>
+                          </a:rPr>
+                          <m:t>(</m:t>
+                        </m:r>
+                        <m:r>
+                          <a:rPr lang="en-US" b="0" i="1" dirty="0" smtClean="0">
+                            <a:latin typeface="Cambria Math" panose="02040503050406030204" pitchFamily="18" charset="0"/>
+                          </a:rPr>
+                          <m:t>𝐵</m:t>
+                        </m:r>
+                        <m:r>
+                          <a:rPr lang="en-US" b="0" i="1" dirty="0" smtClean="0">
+                            <a:latin typeface="Cambria Math" panose="02040503050406030204" pitchFamily="18" charset="0"/>
+                          </a:rPr>
+                          <m:t>, </m:t>
+                        </m:r>
+                        <m:sSub>
+                          <m:sSubPr>
+                            <m:ctrlPr>
+                              <a:rPr lang="en-US" b="0" i="1" dirty="0" smtClean="0">
+                                <a:latin typeface="Cambria Math" panose="02040503050406030204" pitchFamily="18" charset="0"/>
+                              </a:rPr>
+                            </m:ctrlPr>
+                          </m:sSubPr>
+                          <m:e>
+                            <m:r>
+                              <a:rPr lang="en-US" b="0" i="1" dirty="0" smtClean="0">
+                                <a:latin typeface="Cambria Math" panose="02040503050406030204" pitchFamily="18" charset="0"/>
+                              </a:rPr>
+                              <m:t>𝜏</m:t>
+                            </m:r>
+                          </m:e>
+                          <m:sub>
+                            <m:r>
+                              <a:rPr lang="en-US" b="0" i="1" dirty="0" smtClean="0">
+                                <a:latin typeface="Cambria Math" panose="02040503050406030204" pitchFamily="18" charset="0"/>
+                              </a:rPr>
+                              <m:t>𝑝</m:t>
+                            </m:r>
+                          </m:sub>
+                        </m:sSub>
+                        <m:r>
+                          <a:rPr lang="en-US" b="0" i="1" dirty="0" smtClean="0">
+                            <a:latin typeface="Cambria Math" panose="02040503050406030204" pitchFamily="18" charset="0"/>
+                          </a:rPr>
+                          <m:t>, </m:t>
+                        </m:r>
+                        <m:sSub>
+                          <m:sSubPr>
+                            <m:ctrlPr>
+                              <a:rPr lang="en-US" b="0" i="1" dirty="0" smtClean="0">
+                                <a:latin typeface="Cambria Math" panose="02040503050406030204" pitchFamily="18" charset="0"/>
+                              </a:rPr>
+                            </m:ctrlPr>
+                          </m:sSubPr>
+                          <m:e>
+                            <m:r>
+                              <a:rPr lang="en-US" b="0" i="1" dirty="0" smtClean="0">
+                                <a:latin typeface="Cambria Math" panose="02040503050406030204" pitchFamily="18" charset="0"/>
+                              </a:rPr>
+                              <m:t>𝑑</m:t>
+                            </m:r>
+                          </m:e>
+                          <m:sub>
+                            <m:r>
+                              <a:rPr lang="en-US" b="0" i="1" dirty="0" smtClean="0">
+                                <a:latin typeface="Cambria Math" panose="02040503050406030204" pitchFamily="18" charset="0"/>
+                              </a:rPr>
+                              <m:t>𝑦</m:t>
+                            </m:r>
+                          </m:sub>
+                        </m:sSub>
+                        <m:r>
+                          <a:rPr lang="en-US" b="0" i="1" dirty="0" smtClean="0">
+                            <a:latin typeface="Cambria Math" panose="02040503050406030204" pitchFamily="18" charset="0"/>
+                          </a:rPr>
+                          <m:t>)</m:t>
+                        </m:r>
+                      </m:oMath>
+                    </m:oMathPara>
+                  </a14:m>
+                  <a:endParaRPr lang="en-US" dirty="0">
+                    <a:latin typeface="Modern No. 20" panose="02070704070505020303" pitchFamily="18" charset="77"/>
+                  </a:endParaRPr>
+                </a:p>
+              </p:txBody>
+            </p:sp>
+          </mc:Choice>
+          <mc:Fallback>
+            <p:sp>
+              <p:nvSpPr>
+                <p:cNvPr id="254" name="TextBox 253">
+                  <a:extLst>
+                    <a:ext uri="{FF2B5EF4-FFF2-40B4-BE49-F238E27FC236}">
+                      <a16:creationId xmlns:a16="http://schemas.microsoft.com/office/drawing/2014/main" id="{34718790-B5C9-51E4-291C-FE5CF9FE051E}"/>
+                    </a:ext>
+                  </a:extLst>
+                </p:cNvPr>
+                <p:cNvSpPr txBox="1">
+                  <a:spLocks noRot="1" noChangeAspect="1" noMove="1" noResize="1" noEditPoints="1" noAdjustHandles="1" noChangeArrowheads="1" noChangeShapeType="1" noTextEdit="1"/>
+                </p:cNvSpPr>
+                <p:nvPr/>
+              </p:nvSpPr>
+              <p:spPr>
+                <a:xfrm>
+                  <a:off x="6639885" y="1037359"/>
+                  <a:ext cx="1177318" cy="390748"/>
+                </a:xfrm>
+                <a:prstGeom prst="rect">
+                  <a:avLst/>
+                </a:prstGeom>
+                <a:blipFill>
+                  <a:blip r:embed="rId13"/>
+                  <a:stretch>
+                    <a:fillRect l="-1064" r="-1064" b="-9375"/>
+                  </a:stretch>
+                </a:blipFill>
+              </p:spPr>
+              <p:txBody>
+                <a:bodyPr/>
+                <a:lstStyle/>
+                <a:p>
+                  <a:r>
+                    <a:rPr lang="en-US">
+                      <a:noFill/>
+                    </a:rPr>
+                    <a:t> </a:t>
+                  </a:r>
+                </a:p>
+              </p:txBody>
+            </p:sp>
+          </mc:Fallback>
+        </mc:AlternateContent>
+        <p:cxnSp>
+          <p:nvCxnSpPr>
+            <p:cNvPr id="263" name="Straight Arrow Connector 262">
+              <a:extLst>
+                <a:ext uri="{FF2B5EF4-FFF2-40B4-BE49-F238E27FC236}">
+                  <a16:creationId xmlns:a16="http://schemas.microsoft.com/office/drawing/2014/main" id="{715231F0-0E86-E7E5-ACCA-22512ABF3713}"/>
+                </a:ext>
+              </a:extLst>
+            </p:cNvPr>
+            <p:cNvCxnSpPr>
+              <a:cxnSpLocks/>
+            </p:cNvCxnSpPr>
+            <p:nvPr/>
+          </p:nvCxnSpPr>
+          <p:spPr>
+            <a:xfrm flipV="1">
+              <a:off x="6618555" y="1004400"/>
+              <a:ext cx="1852" cy="434694"/>
+            </a:xfrm>
+            <a:prstGeom prst="straightConnector1">
+              <a:avLst/>
+            </a:prstGeom>
+            <a:ln w="38100">
+              <a:solidFill>
+                <a:schemeClr val="tx1"/>
+              </a:solidFill>
+              <a:tailEnd type="triangle"/>
+            </a:ln>
+          </p:spPr>
+          <p:style>
+            <a:lnRef idx="2">
+              <a:schemeClr val="accent1"/>
+            </a:lnRef>
+            <a:fillRef idx="0">
+              <a:schemeClr val="accent1"/>
+            </a:fillRef>
+            <a:effectRef idx="1">
+              <a:schemeClr val="accent1"/>
+            </a:effectRef>
+            <a:fontRef idx="minor">
+              <a:schemeClr val="tx1"/>
+            </a:fontRef>
+          </p:style>
+        </p:cxnSp>
+        <mc:AlternateContent xmlns:mc="http://schemas.openxmlformats.org/markup-compatibility/2006">
+          <mc:Choice xmlns:a14="http://schemas.microsoft.com/office/drawing/2010/main" Requires="a14">
+            <p:sp>
+              <p:nvSpPr>
+                <p:cNvPr id="264" name="TextBox 263">
+                  <a:extLst>
+                    <a:ext uri="{FF2B5EF4-FFF2-40B4-BE49-F238E27FC236}">
+                      <a16:creationId xmlns:a16="http://schemas.microsoft.com/office/drawing/2014/main" id="{14F9EE91-CDEB-2449-0015-63D70713418F}"/>
+                    </a:ext>
+                  </a:extLst>
+                </p:cNvPr>
+                <p:cNvSpPr txBox="1"/>
+                <p:nvPr/>
+              </p:nvSpPr>
+              <p:spPr>
+                <a:xfrm>
+                  <a:off x="2409505" y="11159232"/>
+                  <a:ext cx="1177318" cy="369332"/>
+                </a:xfrm>
+                <a:prstGeom prst="rect">
+                  <a:avLst/>
+                </a:prstGeom>
+                <a:noFill/>
+              </p:spPr>
+              <p:txBody>
+                <a:bodyPr wrap="square" rtlCol="0">
+                  <a:spAutoFit/>
+                </a:bodyPr>
+                <a:lstStyle/>
+                <a:p>
+                  <a14:m>
+                    <m:oMathPara xmlns:m="http://schemas.openxmlformats.org/officeDocument/2006/math">
+                      <m:oMathParaPr>
+                        <m:jc m:val="centerGroup"/>
+                      </m:oMathParaPr>
+                      <m:oMath xmlns:m="http://schemas.openxmlformats.org/officeDocument/2006/math">
+                        <m:r>
+                          <a:rPr lang="en-US" b="0" i="1" dirty="0" smtClean="0">
+                            <a:latin typeface="Cambria Math" panose="02040503050406030204" pitchFamily="18" charset="0"/>
+                          </a:rPr>
+                          <m:t>(</m:t>
+                        </m:r>
+                        <m:r>
+                          <a:rPr lang="en-US" b="0" i="1" dirty="0" smtClean="0">
+                            <a:latin typeface="Cambria Math" panose="02040503050406030204" pitchFamily="18" charset="0"/>
+                          </a:rPr>
+                          <m:t>𝐵</m:t>
+                        </m:r>
+                        <m:r>
+                          <a:rPr lang="en-US" b="0" i="1" dirty="0" smtClean="0">
+                            <a:latin typeface="Cambria Math" panose="02040503050406030204" pitchFamily="18" charset="0"/>
+                          </a:rPr>
+                          <m:t>, </m:t>
+                        </m:r>
+                        <m:sSub>
+                          <m:sSubPr>
+                            <m:ctrlPr>
+                              <a:rPr lang="en-US" b="0" i="1" dirty="0" smtClean="0">
+                                <a:latin typeface="Cambria Math" panose="02040503050406030204" pitchFamily="18" charset="0"/>
+                              </a:rPr>
+                            </m:ctrlPr>
+                          </m:sSubPr>
+                          <m:e>
+                            <m:r>
+                              <a:rPr lang="en-US" b="0" i="1" dirty="0" smtClean="0">
+                                <a:latin typeface="Cambria Math" panose="02040503050406030204" pitchFamily="18" charset="0"/>
+                              </a:rPr>
+                              <m:t>𝜏</m:t>
+                            </m:r>
+                          </m:e>
+                          <m:sub>
+                            <m:r>
+                              <a:rPr lang="en-US" b="0" i="1" dirty="0" smtClean="0">
+                                <a:latin typeface="Cambria Math" panose="02040503050406030204" pitchFamily="18" charset="0"/>
+                              </a:rPr>
+                              <m:t>𝑐</m:t>
+                            </m:r>
+                          </m:sub>
+                        </m:sSub>
+                        <m:r>
+                          <a:rPr lang="en-US" b="0" i="1" dirty="0" smtClean="0">
+                            <a:latin typeface="Cambria Math" panose="02040503050406030204" pitchFamily="18" charset="0"/>
+                          </a:rPr>
+                          <m:t>, </m:t>
+                        </m:r>
+                        <m:sSub>
+                          <m:sSubPr>
+                            <m:ctrlPr>
+                              <a:rPr lang="en-US" b="0" i="1" dirty="0" smtClean="0">
+                                <a:latin typeface="Cambria Math" panose="02040503050406030204" pitchFamily="18" charset="0"/>
+                              </a:rPr>
+                            </m:ctrlPr>
+                          </m:sSubPr>
+                          <m:e>
+                            <m:r>
+                              <a:rPr lang="en-US" b="0" i="1" dirty="0" smtClean="0">
+                                <a:latin typeface="Cambria Math" panose="02040503050406030204" pitchFamily="18" charset="0"/>
+                              </a:rPr>
+                              <m:t>𝑑</m:t>
+                            </m:r>
+                          </m:e>
+                          <m:sub>
+                            <m:r>
+                              <a:rPr lang="en-US" b="0" i="1" dirty="0" smtClean="0">
+                                <a:latin typeface="Cambria Math" panose="02040503050406030204" pitchFamily="18" charset="0"/>
+                              </a:rPr>
+                              <m:t>𝑥</m:t>
+                            </m:r>
+                          </m:sub>
+                        </m:sSub>
+                        <m:r>
+                          <a:rPr lang="en-US" b="0" i="1" dirty="0" smtClean="0">
+                            <a:latin typeface="Cambria Math" panose="02040503050406030204" pitchFamily="18" charset="0"/>
+                          </a:rPr>
+                          <m:t>)</m:t>
+                        </m:r>
+                      </m:oMath>
+                    </m:oMathPara>
+                  </a14:m>
+                  <a:endParaRPr lang="en-US" dirty="0">
+                    <a:latin typeface="Modern No. 20" panose="02070704070505020303" pitchFamily="18" charset="77"/>
+                  </a:endParaRPr>
+                </a:p>
+              </p:txBody>
+            </p:sp>
+          </mc:Choice>
+          <mc:Fallback>
+            <p:sp>
+              <p:nvSpPr>
+                <p:cNvPr id="264" name="TextBox 263">
+                  <a:extLst>
+                    <a:ext uri="{FF2B5EF4-FFF2-40B4-BE49-F238E27FC236}">
+                      <a16:creationId xmlns:a16="http://schemas.microsoft.com/office/drawing/2014/main" id="{14F9EE91-CDEB-2449-0015-63D70713418F}"/>
+                    </a:ext>
+                  </a:extLst>
+                </p:cNvPr>
+                <p:cNvSpPr txBox="1">
+                  <a:spLocks noRot="1" noChangeAspect="1" noMove="1" noResize="1" noEditPoints="1" noAdjustHandles="1" noChangeArrowheads="1" noChangeShapeType="1" noTextEdit="1"/>
+                </p:cNvSpPr>
+                <p:nvPr/>
+              </p:nvSpPr>
+              <p:spPr>
+                <a:xfrm>
+                  <a:off x="2409505" y="11159232"/>
+                  <a:ext cx="1177318" cy="369332"/>
+                </a:xfrm>
+                <a:prstGeom prst="rect">
+                  <a:avLst/>
+                </a:prstGeom>
+                <a:blipFill>
+                  <a:blip r:embed="rId14"/>
+                  <a:stretch>
+                    <a:fillRect b="-16667"/>
+                  </a:stretch>
+                </a:blipFill>
+              </p:spPr>
+              <p:txBody>
+                <a:bodyPr/>
+                <a:lstStyle/>
+                <a:p>
+                  <a:r>
+                    <a:rPr lang="en-US">
+                      <a:noFill/>
+                    </a:rPr>
+                    <a:t> </a:t>
+                  </a:r>
+                </a:p>
+              </p:txBody>
+            </p:sp>
+          </mc:Fallback>
+        </mc:AlternateContent>
+        <p:grpSp>
+          <p:nvGrpSpPr>
+            <p:cNvPr id="267" name="Group 266">
+              <a:extLst>
+                <a:ext uri="{FF2B5EF4-FFF2-40B4-BE49-F238E27FC236}">
+                  <a16:creationId xmlns:a16="http://schemas.microsoft.com/office/drawing/2014/main" id="{740C6B14-259A-5B61-589D-3713E9FEBE25}"/>
+                </a:ext>
+              </a:extLst>
+            </p:cNvPr>
+            <p:cNvGrpSpPr/>
+            <p:nvPr/>
+          </p:nvGrpSpPr>
+          <p:grpSpPr>
+            <a:xfrm>
+              <a:off x="2094624" y="8674141"/>
+              <a:ext cx="648323" cy="977803"/>
+              <a:chOff x="2055807" y="8826741"/>
+              <a:chExt cx="648323" cy="977803"/>
+            </a:xfrm>
+          </p:grpSpPr>
+          <p:cxnSp>
+            <p:nvCxnSpPr>
+              <p:cNvPr id="268" name="Straight Arrow Connector 267">
+                <a:extLst>
+                  <a:ext uri="{FF2B5EF4-FFF2-40B4-BE49-F238E27FC236}">
+                    <a16:creationId xmlns:a16="http://schemas.microsoft.com/office/drawing/2014/main" id="{7A44DD66-47FF-1A2B-DEAF-FC3C10EF646C}"/>
+                  </a:ext>
+                </a:extLst>
+              </p:cNvPr>
+              <p:cNvCxnSpPr>
+                <a:cxnSpLocks/>
+              </p:cNvCxnSpPr>
+              <p:nvPr/>
+            </p:nvCxnSpPr>
+            <p:spPr>
+              <a:xfrm flipV="1">
+                <a:off x="2370517" y="8838270"/>
+                <a:ext cx="5552" cy="966274"/>
+              </a:xfrm>
+              <a:prstGeom prst="straightConnector1">
+                <a:avLst/>
+              </a:prstGeom>
+              <a:ln w="38100">
+                <a:solidFill>
+                  <a:schemeClr val="tx1"/>
+                </a:solidFill>
+                <a:tailEnd type="triangle"/>
+              </a:ln>
+            </p:spPr>
+            <p:style>
+              <a:lnRef idx="2">
+                <a:schemeClr val="accent1"/>
+              </a:lnRef>
+              <a:fillRef idx="0">
+                <a:schemeClr val="accent1"/>
+              </a:fillRef>
+              <a:effectRef idx="1">
+                <a:schemeClr val="accent1"/>
+              </a:effectRef>
+              <a:fontRef idx="minor">
+                <a:schemeClr val="tx1"/>
+              </a:fontRef>
+            </p:style>
+          </p:cxnSp>
+          <p:cxnSp>
+            <p:nvCxnSpPr>
+              <p:cNvPr id="269" name="Elbow Connector 268">
+                <a:extLst>
+                  <a:ext uri="{FF2B5EF4-FFF2-40B4-BE49-F238E27FC236}">
+                    <a16:creationId xmlns:a16="http://schemas.microsoft.com/office/drawing/2014/main" id="{8CAE172F-6795-3581-FE30-6B57F2A94F59}"/>
+                  </a:ext>
+                </a:extLst>
+              </p:cNvPr>
+              <p:cNvCxnSpPr>
+                <a:cxnSpLocks/>
+              </p:cNvCxnSpPr>
+              <p:nvPr/>
+            </p:nvCxnSpPr>
+            <p:spPr>
+              <a:xfrm rot="10800000" flipH="1">
+                <a:off x="2413800" y="8826741"/>
+                <a:ext cx="290330" cy="365760"/>
+              </a:xfrm>
+              <a:prstGeom prst="bentConnector2">
+                <a:avLst/>
+              </a:prstGeom>
+              <a:ln w="38100">
+                <a:solidFill>
+                  <a:schemeClr val="tx1"/>
+                </a:solidFill>
+                <a:bevel/>
+                <a:tailEnd type="triangle"/>
+              </a:ln>
+            </p:spPr>
+            <p:style>
+              <a:lnRef idx="2">
+                <a:schemeClr val="accent1"/>
+              </a:lnRef>
+              <a:fillRef idx="0">
+                <a:schemeClr val="accent1"/>
+              </a:fillRef>
+              <a:effectRef idx="1">
+                <a:schemeClr val="accent1"/>
+              </a:effectRef>
+              <a:fontRef idx="minor">
+                <a:schemeClr val="tx1"/>
+              </a:fontRef>
+            </p:style>
+          </p:cxnSp>
+          <p:cxnSp>
+            <p:nvCxnSpPr>
+              <p:cNvPr id="270" name="Elbow Connector 269">
+                <a:extLst>
+                  <a:ext uri="{FF2B5EF4-FFF2-40B4-BE49-F238E27FC236}">
+                    <a16:creationId xmlns:a16="http://schemas.microsoft.com/office/drawing/2014/main" id="{5E780FA7-6622-5F52-C3AD-1EFC0B4EA52C}"/>
+                  </a:ext>
+                </a:extLst>
+              </p:cNvPr>
+              <p:cNvCxnSpPr>
+                <a:cxnSpLocks/>
+              </p:cNvCxnSpPr>
+              <p:nvPr/>
+            </p:nvCxnSpPr>
+            <p:spPr>
+              <a:xfrm rot="10800000">
+                <a:off x="2055807" y="8826741"/>
+                <a:ext cx="290330" cy="365760"/>
+              </a:xfrm>
+              <a:prstGeom prst="bentConnector2">
+                <a:avLst/>
+              </a:prstGeom>
+              <a:ln w="38100">
+                <a:solidFill>
+                  <a:schemeClr val="tx1"/>
+                </a:solidFill>
+                <a:bevel/>
+                <a:tailEnd type="triangle"/>
+              </a:ln>
+            </p:spPr>
+            <p:style>
+              <a:lnRef idx="2">
+                <a:schemeClr val="accent1"/>
+              </a:lnRef>
+              <a:fillRef idx="0">
+                <a:schemeClr val="accent1"/>
+              </a:fillRef>
+              <a:effectRef idx="1">
+                <a:schemeClr val="accent1"/>
+              </a:effectRef>
+              <a:fontRef idx="minor">
+                <a:schemeClr val="tx1"/>
+              </a:fontRef>
+            </p:style>
+          </p:cxnSp>
+        </p:grpSp>
+        <p:sp>
+          <p:nvSpPr>
+            <p:cNvPr id="273" name="Rectangle 272">
+              <a:extLst>
+                <a:ext uri="{FF2B5EF4-FFF2-40B4-BE49-F238E27FC236}">
+                  <a16:creationId xmlns:a16="http://schemas.microsoft.com/office/drawing/2014/main" id="{93AE7737-F4FC-3D04-F5EF-1CD88CCA832B}"/>
+                </a:ext>
+              </a:extLst>
+            </p:cNvPr>
+            <p:cNvSpPr/>
+            <p:nvPr/>
+          </p:nvSpPr>
+          <p:spPr>
+            <a:xfrm>
+              <a:off x="2473045" y="8895095"/>
+              <a:ext cx="244610" cy="114220"/>
+            </a:xfrm>
+            <a:prstGeom prst="rect">
+              <a:avLst/>
+            </a:prstGeom>
+            <a:solidFill>
+              <a:schemeClr val="bg1"/>
+            </a:solidFill>
+            <a:ln>
+              <a:noFill/>
+            </a:ln>
+          </p:spPr>
+          <p:style>
+            <a:lnRef idx="2">
+              <a:schemeClr val="accent1">
+                <a:shade val="15000"/>
+              </a:schemeClr>
+            </a:lnRef>
+            <a:fillRef idx="1">
+              <a:schemeClr val="accent1"/>
+            </a:fillRef>
+            <a:effectRef idx="0">
+              <a:schemeClr val="accent1"/>
+            </a:effectRef>
+            <a:fontRef idx="minor">
+              <a:schemeClr val="lt1"/>
+            </a:fontRef>
+          </p:style>
+          <p:txBody>
+            <a:bodyPr rtlCol="0" anchor="ctr"/>
+            <a:lstStyle/>
+            <a:p>
+              <a:pPr algn="ctr"/>
+              <a:endParaRPr lang="en-US"/>
+            </a:p>
+          </p:txBody>
+        </p:sp>
+        <p:sp>
+          <p:nvSpPr>
+            <p:cNvPr id="274" name="Rectangle 273">
+              <a:extLst>
+                <a:ext uri="{FF2B5EF4-FFF2-40B4-BE49-F238E27FC236}">
+                  <a16:creationId xmlns:a16="http://schemas.microsoft.com/office/drawing/2014/main" id="{95C23236-B418-BD85-5B5E-C261B2FAFF76}"/>
+                </a:ext>
+              </a:extLst>
+            </p:cNvPr>
+            <p:cNvSpPr/>
+            <p:nvPr/>
+          </p:nvSpPr>
+          <p:spPr>
+            <a:xfrm>
+              <a:off x="2141425" y="8893320"/>
+              <a:ext cx="244610" cy="114220"/>
+            </a:xfrm>
+            <a:prstGeom prst="rect">
+              <a:avLst/>
+            </a:prstGeom>
+            <a:solidFill>
+              <a:schemeClr val="bg1"/>
+            </a:solidFill>
+            <a:ln>
+              <a:noFill/>
+            </a:ln>
+          </p:spPr>
+          <p:style>
+            <a:lnRef idx="2">
+              <a:schemeClr val="accent1">
+                <a:shade val="15000"/>
+              </a:schemeClr>
+            </a:lnRef>
+            <a:fillRef idx="1">
+              <a:schemeClr val="accent1"/>
+            </a:fillRef>
+            <a:effectRef idx="0">
+              <a:schemeClr val="accent1"/>
+            </a:effectRef>
+            <a:fontRef idx="minor">
+              <a:schemeClr val="lt1"/>
+            </a:fontRef>
+          </p:style>
+          <p:txBody>
+            <a:bodyPr rtlCol="0" anchor="ctr"/>
+            <a:lstStyle/>
+            <a:p>
+              <a:pPr algn="ctr"/>
+              <a:endParaRPr lang="en-US"/>
+            </a:p>
+          </p:txBody>
+        </p:sp>
+        <p:sp>
+          <p:nvSpPr>
+            <p:cNvPr id="275" name="Rectangle 274">
+              <a:extLst>
+                <a:ext uri="{FF2B5EF4-FFF2-40B4-BE49-F238E27FC236}">
+                  <a16:creationId xmlns:a16="http://schemas.microsoft.com/office/drawing/2014/main" id="{980C7241-0767-4424-F44E-E2216ECA6F42}"/>
+                </a:ext>
+              </a:extLst>
+            </p:cNvPr>
+            <p:cNvSpPr/>
+            <p:nvPr/>
+          </p:nvSpPr>
+          <p:spPr>
+            <a:xfrm>
+              <a:off x="1823147" y="8890581"/>
+              <a:ext cx="244610" cy="114220"/>
+            </a:xfrm>
+            <a:prstGeom prst="rect">
+              <a:avLst/>
+            </a:prstGeom>
+            <a:solidFill>
+              <a:schemeClr val="bg1"/>
+            </a:solidFill>
+            <a:ln>
+              <a:noFill/>
+            </a:ln>
+          </p:spPr>
+          <p:style>
+            <a:lnRef idx="2">
+              <a:schemeClr val="accent1">
+                <a:shade val="15000"/>
+              </a:schemeClr>
+            </a:lnRef>
+            <a:fillRef idx="1">
+              <a:schemeClr val="accent1"/>
+            </a:fillRef>
+            <a:effectRef idx="0">
+              <a:schemeClr val="accent1"/>
+            </a:effectRef>
+            <a:fontRef idx="minor">
+              <a:schemeClr val="lt1"/>
+            </a:fontRef>
+          </p:style>
+          <p:txBody>
+            <a:bodyPr rtlCol="0" anchor="ctr"/>
+            <a:lstStyle/>
+            <a:p>
+              <a:pPr algn="ctr"/>
+              <a:endParaRPr lang="en-US"/>
+            </a:p>
+          </p:txBody>
+        </p:sp>
+        <p:sp>
+          <p:nvSpPr>
+            <p:cNvPr id="136" name="TextBox 135">
+              <a:extLst>
+                <a:ext uri="{FF2B5EF4-FFF2-40B4-BE49-F238E27FC236}">
+                  <a16:creationId xmlns:a16="http://schemas.microsoft.com/office/drawing/2014/main" id="{C1B49628-C06C-8EE0-7C40-8BB930080067}"/>
+                </a:ext>
+              </a:extLst>
+            </p:cNvPr>
+            <p:cNvSpPr txBox="1"/>
+            <p:nvPr/>
+          </p:nvSpPr>
+          <p:spPr>
+            <a:xfrm>
+              <a:off x="1765035" y="8700029"/>
+              <a:ext cx="997389" cy="369332"/>
+            </a:xfrm>
+            <a:prstGeom prst="rect">
+              <a:avLst/>
+            </a:prstGeom>
+            <a:noFill/>
+          </p:spPr>
+          <p:txBody>
+            <a:bodyPr wrap="none" rtlCol="0">
+              <a:spAutoFit/>
+            </a:bodyPr>
+            <a:lstStyle/>
+            <a:p>
+              <a:r>
+                <a:rPr lang="en-US" dirty="0">
+                  <a:solidFill>
+                    <a:srgbClr val="C00000"/>
+                  </a:solidFill>
+                  <a:latin typeface="Modern No. 20" panose="02070704070505020303" pitchFamily="18" charset="77"/>
+                </a:rPr>
+                <a:t>K   V   Q</a:t>
+              </a:r>
+            </a:p>
+          </p:txBody>
+        </p:sp>
+      </p:grpSp>
+    </p:spTree>
+    <p:extLst>
+      <p:ext uri="{BB962C8B-B14F-4D97-AF65-F5344CB8AC3E}">
+        <p14:creationId xmlns:p14="http://schemas.microsoft.com/office/powerpoint/2010/main" val="4235087806"/>
+      </p:ext>
+    </p:extLst>
+  </p:cSld>
+  <p:clrMapOvr>
+    <a:masterClrMapping/>
+  </p:clrMapOvr>
+</p:sld>
+</file>
+
 <file path=ppt/theme/theme1.xml><?xml version="1.0" encoding="utf-8"?>
 <a:theme xmlns:a="http://schemas.openxmlformats.org/drawingml/2006/main" name="Office Theme">
   <a:themeElements>
-    <a:clrScheme name="Office">
+    <a:clrScheme name="Office Theme">
       <a:dk1>
         <a:sysClr val="windowText" lastClr="000000"/>
       </a:dk1>
@@ -6871,7 +11937,7 @@
         <a:srgbClr val="96607D"/>
       </a:folHlink>
     </a:clrScheme>
-    <a:fontScheme name="Office">
+    <a:fontScheme name="Office Theme">
       <a:majorFont>
         <a:latin typeface="Aptos Display" panose="02110004020202020204"/>
         <a:ea typeface=""/>
@@ -6977,7 +12043,7 @@
         <a:font script="Tfng" typeface="Ebrima"/>
       </a:minorFont>
     </a:fontScheme>
-    <a:fmtScheme name="Office">
+    <a:fmtScheme name="Office Theme">
       <a:fillStyleLst>
         <a:solidFill>
           <a:schemeClr val="phClr"/>

--- a/examples/figures/wind_forecasting_figs [Autosaved].pptx
+++ b/examples/figures/wind_forecasting_figs [Autosaved].pptx
@@ -245,7 +245,7 @@
           <a:p>
             <a:fld id="{09A208B9-A1FD-A545-84FD-D19EFD3032C3}" type="datetimeFigureOut">
               <a:rPr lang="en-US" smtClean="0"/>
-              <a:t>3/12/25</a:t>
+              <a:t>3/16/25</a:t>
             </a:fld>
             <a:endParaRPr lang="en-US"/>
           </a:p>
@@ -415,7 +415,7 @@
           <a:p>
             <a:fld id="{09A208B9-A1FD-A545-84FD-D19EFD3032C3}" type="datetimeFigureOut">
               <a:rPr lang="en-US" smtClean="0"/>
-              <a:t>3/12/25</a:t>
+              <a:t>3/16/25</a:t>
             </a:fld>
             <a:endParaRPr lang="en-US"/>
           </a:p>
@@ -595,7 +595,7 @@
           <a:p>
             <a:fld id="{09A208B9-A1FD-A545-84FD-D19EFD3032C3}" type="datetimeFigureOut">
               <a:rPr lang="en-US" smtClean="0"/>
-              <a:t>3/12/25</a:t>
+              <a:t>3/16/25</a:t>
             </a:fld>
             <a:endParaRPr lang="en-US"/>
           </a:p>
@@ -765,7 +765,7 @@
           <a:p>
             <a:fld id="{09A208B9-A1FD-A545-84FD-D19EFD3032C3}" type="datetimeFigureOut">
               <a:rPr lang="en-US" smtClean="0"/>
-              <a:t>3/12/25</a:t>
+              <a:t>3/16/25</a:t>
             </a:fld>
             <a:endParaRPr lang="en-US"/>
           </a:p>
@@ -1011,7 +1011,7 @@
           <a:p>
             <a:fld id="{09A208B9-A1FD-A545-84FD-D19EFD3032C3}" type="datetimeFigureOut">
               <a:rPr lang="en-US" smtClean="0"/>
-              <a:t>3/12/25</a:t>
+              <a:t>3/16/25</a:t>
             </a:fld>
             <a:endParaRPr lang="en-US"/>
           </a:p>
@@ -1243,7 +1243,7 @@
           <a:p>
             <a:fld id="{09A208B9-A1FD-A545-84FD-D19EFD3032C3}" type="datetimeFigureOut">
               <a:rPr lang="en-US" smtClean="0"/>
-              <a:t>3/12/25</a:t>
+              <a:t>3/16/25</a:t>
             </a:fld>
             <a:endParaRPr lang="en-US"/>
           </a:p>
@@ -1610,7 +1610,7 @@
           <a:p>
             <a:fld id="{09A208B9-A1FD-A545-84FD-D19EFD3032C3}" type="datetimeFigureOut">
               <a:rPr lang="en-US" smtClean="0"/>
-              <a:t>3/12/25</a:t>
+              <a:t>3/16/25</a:t>
             </a:fld>
             <a:endParaRPr lang="en-US"/>
           </a:p>
@@ -1728,7 +1728,7 @@
           <a:p>
             <a:fld id="{09A208B9-A1FD-A545-84FD-D19EFD3032C3}" type="datetimeFigureOut">
               <a:rPr lang="en-US" smtClean="0"/>
-              <a:t>3/12/25</a:t>
+              <a:t>3/16/25</a:t>
             </a:fld>
             <a:endParaRPr lang="en-US"/>
           </a:p>
@@ -1823,7 +1823,7 @@
           <a:p>
             <a:fld id="{09A208B9-A1FD-A545-84FD-D19EFD3032C3}" type="datetimeFigureOut">
               <a:rPr lang="en-US" smtClean="0"/>
-              <a:t>3/12/25</a:t>
+              <a:t>3/16/25</a:t>
             </a:fld>
             <a:endParaRPr lang="en-US"/>
           </a:p>
@@ -2100,7 +2100,7 @@
           <a:p>
             <a:fld id="{09A208B9-A1FD-A545-84FD-D19EFD3032C3}" type="datetimeFigureOut">
               <a:rPr lang="en-US" smtClean="0"/>
-              <a:t>3/12/25</a:t>
+              <a:t>3/16/25</a:t>
             </a:fld>
             <a:endParaRPr lang="en-US"/>
           </a:p>
@@ -2357,7 +2357,7 @@
           <a:p>
             <a:fld id="{09A208B9-A1FD-A545-84FD-D19EFD3032C3}" type="datetimeFigureOut">
               <a:rPr lang="en-US" smtClean="0"/>
-              <a:t>3/12/25</a:t>
+              <a:t>3/16/25</a:t>
             </a:fld>
             <a:endParaRPr lang="en-US"/>
           </a:p>
@@ -2570,7 +2570,7 @@
           <a:p>
             <a:fld id="{09A208B9-A1FD-A545-84FD-D19EFD3032C3}" type="datetimeFigureOut">
               <a:rPr lang="en-US" smtClean="0"/>
-              <a:t>3/12/25</a:t>
+              <a:t>3/16/25</a:t>
             </a:fld>
             <a:endParaRPr lang="en-US"/>
           </a:p>
@@ -3310,8 +3310,8 @@
               </a:fontRef>
             </p:style>
           </p:cxnSp>
-          <mc:AlternateContent xmlns:mc="http://schemas.openxmlformats.org/markup-compatibility/2006">
-            <mc:Choice xmlns:a14="http://schemas.microsoft.com/office/drawing/2010/main" Requires="a14">
+          <mc:AlternateContent xmlns:mc="http://schemas.openxmlformats.org/markup-compatibility/2006" xmlns:a14="http://schemas.microsoft.com/office/drawing/2010/main">
+            <mc:Choice Requires="a14">
               <p:sp>
                 <p:nvSpPr>
                   <p:cNvPr id="9" name="TextBox 8">
@@ -3364,7 +3364,7 @@
                 </p:txBody>
               </p:sp>
             </mc:Choice>
-            <mc:Fallback>
+            <mc:Fallback xmlns="">
               <p:sp>
                 <p:nvSpPr>
                   <p:cNvPr id="9" name="TextBox 8">
@@ -3409,8 +3409,8 @@
               </p:sp>
             </mc:Fallback>
           </mc:AlternateContent>
-          <mc:AlternateContent xmlns:mc="http://schemas.openxmlformats.org/markup-compatibility/2006">
-            <mc:Choice xmlns:a14="http://schemas.microsoft.com/office/drawing/2010/main" Requires="a14">
+          <mc:AlternateContent xmlns:mc="http://schemas.openxmlformats.org/markup-compatibility/2006" xmlns:a14="http://schemas.microsoft.com/office/drawing/2010/main">
+            <mc:Choice Requires="a14">
               <p:sp>
                 <p:nvSpPr>
                   <p:cNvPr id="10" name="TextBox 9">
@@ -3463,7 +3463,7 @@
                 </p:txBody>
               </p:sp>
             </mc:Choice>
-            <mc:Fallback>
+            <mc:Fallback xmlns="">
               <p:sp>
                 <p:nvSpPr>
                   <p:cNvPr id="10" name="TextBox 9">
@@ -6948,8 +6948,8 @@
             </a:p>
           </p:txBody>
         </p:sp>
-        <mc:AlternateContent xmlns:mc="http://schemas.openxmlformats.org/markup-compatibility/2006">
-          <mc:Choice xmlns:a14="http://schemas.microsoft.com/office/drawing/2010/main" Requires="a14">
+        <mc:AlternateContent xmlns:mc="http://schemas.openxmlformats.org/markup-compatibility/2006" xmlns:a14="http://schemas.microsoft.com/office/drawing/2010/main">
+          <mc:Choice Requires="a14">
             <p:sp>
               <p:nvSpPr>
                 <p:cNvPr id="6" name="Parallelogram 5">
@@ -7057,7 +7057,7 @@
               </p:txBody>
             </p:sp>
           </mc:Choice>
-          <mc:Fallback>
+          <mc:Fallback xmlns="">
             <p:sp>
               <p:nvSpPr>
                 <p:cNvPr id="6" name="Parallelogram 5">
@@ -7784,8 +7784,8 @@
             </a:p>
           </p:txBody>
         </p:sp>
-        <mc:AlternateContent xmlns:mc="http://schemas.openxmlformats.org/markup-compatibility/2006">
-          <mc:Choice xmlns:a14="http://schemas.microsoft.com/office/drawing/2010/main" Requires="a14">
+        <mc:AlternateContent xmlns:mc="http://schemas.openxmlformats.org/markup-compatibility/2006" xmlns:a14="http://schemas.microsoft.com/office/drawing/2010/main">
+          <mc:Choice Requires="a14">
             <p:sp>
               <p:nvSpPr>
                 <p:cNvPr id="18" name="Parallelogram 17">
@@ -7884,7 +7884,7 @@
               </p:txBody>
             </p:sp>
           </mc:Choice>
-          <mc:Fallback>
+          <mc:Fallback xmlns="">
             <p:sp>
               <p:nvSpPr>
                 <p:cNvPr id="18" name="Parallelogram 17">
@@ -7941,8 +7941,8 @@
             </p:sp>
           </mc:Fallback>
         </mc:AlternateContent>
-        <mc:AlternateContent xmlns:mc="http://schemas.openxmlformats.org/markup-compatibility/2006">
-          <mc:Choice xmlns:a14="http://schemas.microsoft.com/office/drawing/2010/main" Requires="a14">
+        <mc:AlternateContent xmlns:mc="http://schemas.openxmlformats.org/markup-compatibility/2006" xmlns:a14="http://schemas.microsoft.com/office/drawing/2010/main">
+          <mc:Choice Requires="a14">
             <p:sp>
               <p:nvSpPr>
                 <p:cNvPr id="19" name="Parallelogram 18">
@@ -8041,7 +8041,7 @@
               </p:txBody>
             </p:sp>
           </mc:Choice>
-          <mc:Fallback>
+          <mc:Fallback xmlns="">
             <p:sp>
               <p:nvSpPr>
                 <p:cNvPr id="19" name="Parallelogram 18">
@@ -8159,8 +8159,8 @@
             </a:p>
           </p:txBody>
         </p:sp>
-        <mc:AlternateContent xmlns:mc="http://schemas.openxmlformats.org/markup-compatibility/2006">
-          <mc:Choice xmlns:a14="http://schemas.microsoft.com/office/drawing/2010/main" Requires="a14">
+        <mc:AlternateContent xmlns:mc="http://schemas.openxmlformats.org/markup-compatibility/2006" xmlns:a14="http://schemas.microsoft.com/office/drawing/2010/main">
+          <mc:Choice Requires="a14">
             <p:sp>
               <p:nvSpPr>
                 <p:cNvPr id="21" name="Parallelogram 20">
@@ -8259,7 +8259,7 @@
               </p:txBody>
             </p:sp>
           </mc:Choice>
-          <mc:Fallback>
+          <mc:Fallback xmlns="">
             <p:sp>
               <p:nvSpPr>
                 <p:cNvPr id="21" name="Parallelogram 20">
@@ -9858,8 +9858,8 @@
             </a:fontRef>
           </p:style>
         </p:cxnSp>
-        <mc:AlternateContent xmlns:mc="http://schemas.openxmlformats.org/markup-compatibility/2006">
-          <mc:Choice xmlns:a14="http://schemas.microsoft.com/office/drawing/2010/main" Requires="a14">
+        <mc:AlternateContent xmlns:mc="http://schemas.openxmlformats.org/markup-compatibility/2006" xmlns:a14="http://schemas.microsoft.com/office/drawing/2010/main">
+          <mc:Choice Requires="a14">
             <p:sp>
               <p:nvSpPr>
                 <p:cNvPr id="223" name="Parallelogram 222">
@@ -9970,7 +9970,7 @@
               </p:txBody>
             </p:sp>
           </mc:Choice>
-          <mc:Fallback>
+          <mc:Fallback xmlns="">
             <p:sp>
               <p:nvSpPr>
                 <p:cNvPr id="223" name="Parallelogram 222">
@@ -10079,8 +10079,8 @@
             </a:p>
           </p:txBody>
         </p:sp>
-        <mc:AlternateContent xmlns:mc="http://schemas.openxmlformats.org/markup-compatibility/2006">
-          <mc:Choice xmlns:a14="http://schemas.microsoft.com/office/drawing/2010/main" Requires="a14">
+        <mc:AlternateContent xmlns:mc="http://schemas.openxmlformats.org/markup-compatibility/2006" xmlns:a14="http://schemas.microsoft.com/office/drawing/2010/main">
+          <mc:Choice Requires="a14">
             <p:sp>
               <p:nvSpPr>
                 <p:cNvPr id="239" name="TextBox 238">
@@ -10109,6 +10109,7 @@
                 </a:bodyPr>
                 <a:lstStyle/>
                 <a:p>
+                  <a:pPr/>
                   <a14:m>
                     <m:oMathPara xmlns:m="http://schemas.openxmlformats.org/officeDocument/2006/math">
                       <m:oMathParaPr>
@@ -10205,7 +10206,7 @@
               </p:txBody>
             </p:sp>
           </mc:Choice>
-          <mc:Fallback>
+          <mc:Fallback xmlns="">
             <p:sp>
               <p:nvSpPr>
                 <p:cNvPr id="239" name="TextBox 238">
@@ -10250,8 +10251,8 @@
             </p:sp>
           </mc:Fallback>
         </mc:AlternateContent>
-        <mc:AlternateContent xmlns:mc="http://schemas.openxmlformats.org/markup-compatibility/2006">
-          <mc:Choice xmlns:a14="http://schemas.microsoft.com/office/drawing/2010/main" Requires="a14">
+        <mc:AlternateContent xmlns:mc="http://schemas.openxmlformats.org/markup-compatibility/2006" xmlns:a14="http://schemas.microsoft.com/office/drawing/2010/main">
+          <mc:Choice Requires="a14">
             <p:sp>
               <p:nvSpPr>
                 <p:cNvPr id="242" name="TextBox 241">
@@ -10280,6 +10281,7 @@
                 </a:bodyPr>
                 <a:lstStyle/>
                 <a:p>
+                  <a:pPr/>
                   <a14:m>
                     <m:oMathPara xmlns:m="http://schemas.openxmlformats.org/officeDocument/2006/math">
                       <m:oMathParaPr>
@@ -10376,7 +10378,7 @@
               </p:txBody>
             </p:sp>
           </mc:Choice>
-          <mc:Fallback>
+          <mc:Fallback xmlns="">
             <p:sp>
               <p:nvSpPr>
                 <p:cNvPr id="242" name="TextBox 241">
@@ -10461,8 +10463,8 @@
             </a:p>
           </p:txBody>
         </p:sp>
-        <mc:AlternateContent xmlns:mc="http://schemas.openxmlformats.org/markup-compatibility/2006">
-          <mc:Choice xmlns:a14="http://schemas.microsoft.com/office/drawing/2010/main" Requires="a14">
+        <mc:AlternateContent xmlns:mc="http://schemas.openxmlformats.org/markup-compatibility/2006" xmlns:a14="http://schemas.microsoft.com/office/drawing/2010/main">
+          <mc:Choice Requires="a14">
             <p:sp>
               <p:nvSpPr>
                 <p:cNvPr id="249" name="TextBox 248">
@@ -10491,6 +10493,7 @@
                 </a:bodyPr>
                 <a:lstStyle/>
                 <a:p>
+                  <a:pPr/>
                   <a14:m>
                     <m:oMathPara xmlns:m="http://schemas.openxmlformats.org/officeDocument/2006/math">
                       <m:oMathParaPr>
@@ -10587,7 +10590,7 @@
               </p:txBody>
             </p:sp>
           </mc:Choice>
-          <mc:Fallback>
+          <mc:Fallback xmlns="">
             <p:sp>
               <p:nvSpPr>
                 <p:cNvPr id="249" name="TextBox 248">
@@ -10632,8 +10635,8 @@
             </p:sp>
           </mc:Fallback>
         </mc:AlternateContent>
-        <mc:AlternateContent xmlns:mc="http://schemas.openxmlformats.org/markup-compatibility/2006">
-          <mc:Choice xmlns:a14="http://schemas.microsoft.com/office/drawing/2010/main" Requires="a14">
+        <mc:AlternateContent xmlns:mc="http://schemas.openxmlformats.org/markup-compatibility/2006" xmlns:a14="http://schemas.microsoft.com/office/drawing/2010/main">
+          <mc:Choice Requires="a14">
             <p:sp>
               <p:nvSpPr>
                 <p:cNvPr id="250" name="TextBox 249">
@@ -10662,6 +10665,7 @@
                 </a:bodyPr>
                 <a:lstStyle/>
                 <a:p>
+                  <a:pPr/>
                   <a14:m>
                     <m:oMathPara xmlns:m="http://schemas.openxmlformats.org/officeDocument/2006/math">
                       <m:oMathParaPr>
@@ -10758,7 +10762,7 @@
               </p:txBody>
             </p:sp>
           </mc:Choice>
-          <mc:Fallback>
+          <mc:Fallback xmlns="">
             <p:sp>
               <p:nvSpPr>
                 <p:cNvPr id="250" name="TextBox 249">
@@ -10803,14 +10807,14 @@
             </p:sp>
           </mc:Fallback>
         </mc:AlternateContent>
-        <mc:AlternateContent xmlns:mc="http://schemas.openxmlformats.org/markup-compatibility/2006">
-          <mc:Choice xmlns:a14="http://schemas.microsoft.com/office/drawing/2010/main" Requires="a14">
+        <mc:AlternateContent xmlns:mc="http://schemas.openxmlformats.org/markup-compatibility/2006" xmlns:a14="http://schemas.microsoft.com/office/drawing/2010/main">
+          <mc:Choice Requires="a14">
             <p:sp>
               <p:nvSpPr>
-                <p:cNvPr id="252" name="TextBox 251">
+                <p:cNvPr id="253" name="TextBox 252">
                   <a:extLst>
                     <a:ext uri="{FF2B5EF4-FFF2-40B4-BE49-F238E27FC236}">
-                      <a16:creationId xmlns:a16="http://schemas.microsoft.com/office/drawing/2014/main" id="{CFBBA725-85AB-3F8F-922D-1EB7F3BCD28C}"/>
+                      <a16:creationId xmlns:a16="http://schemas.microsoft.com/office/drawing/2014/main" id="{45A9BA94-C84C-7E7B-FB8E-9D852F5E3FAB}"/>
                     </a:ext>
                   </a:extLst>
                 </p:cNvPr>
@@ -10819,7 +10823,395 @@
               </p:nvSpPr>
               <p:spPr>
                 <a:xfrm>
-                  <a:off x="3171196" y="11691298"/>
+                  <a:off x="6095194" y="11159232"/>
+                  <a:ext cx="1177318" cy="390748"/>
+                </a:xfrm>
+                <a:prstGeom prst="rect">
+                  <a:avLst/>
+                </a:prstGeom>
+                <a:noFill/>
+              </p:spPr>
+              <p:txBody>
+                <a:bodyPr wrap="square" rtlCol="0">
+                  <a:spAutoFit/>
+                </a:bodyPr>
+                <a:lstStyle/>
+                <a:p>
+                  <a:pPr/>
+                  <a14:m>
+                    <m:oMathPara xmlns:m="http://schemas.openxmlformats.org/officeDocument/2006/math">
+                      <m:oMathParaPr>
+                        <m:jc m:val="centerGroup"/>
+                      </m:oMathParaPr>
+                      <m:oMath xmlns:m="http://schemas.openxmlformats.org/officeDocument/2006/math">
+                        <m:r>
+                          <a:rPr lang="en-US" b="0" i="1" dirty="0" smtClean="0">
+                            <a:latin typeface="Cambria Math" panose="02040503050406030204" pitchFamily="18" charset="0"/>
+                          </a:rPr>
+                          <m:t>(</m:t>
+                        </m:r>
+                        <m:r>
+                          <a:rPr lang="en-US" b="0" i="1" dirty="0" smtClean="0">
+                            <a:latin typeface="Cambria Math" panose="02040503050406030204" pitchFamily="18" charset="0"/>
+                          </a:rPr>
+                          <m:t>𝐵</m:t>
+                        </m:r>
+                        <m:r>
+                          <a:rPr lang="en-US" b="0" i="1" dirty="0" smtClean="0">
+                            <a:latin typeface="Cambria Math" panose="02040503050406030204" pitchFamily="18" charset="0"/>
+                          </a:rPr>
+                          <m:t>, </m:t>
+                        </m:r>
+                        <m:sSub>
+                          <m:sSubPr>
+                            <m:ctrlPr>
+                              <a:rPr lang="en-US" b="0" i="1" dirty="0" smtClean="0">
+                                <a:latin typeface="Cambria Math" panose="02040503050406030204" pitchFamily="18" charset="0"/>
+                              </a:rPr>
+                            </m:ctrlPr>
+                          </m:sSubPr>
+                          <m:e>
+                            <m:r>
+                              <a:rPr lang="en-US" b="0" i="1" dirty="0" smtClean="0">
+                                <a:latin typeface="Cambria Math" panose="02040503050406030204" pitchFamily="18" charset="0"/>
+                              </a:rPr>
+                              <m:t>𝜏</m:t>
+                            </m:r>
+                          </m:e>
+                          <m:sub>
+                            <m:r>
+                              <a:rPr lang="en-US" b="0" i="1" dirty="0" smtClean="0">
+                                <a:latin typeface="Cambria Math" panose="02040503050406030204" pitchFamily="18" charset="0"/>
+                              </a:rPr>
+                              <m:t>𝑝</m:t>
+                            </m:r>
+                          </m:sub>
+                        </m:sSub>
+                        <m:r>
+                          <a:rPr lang="en-US" b="0" i="1" dirty="0" smtClean="0">
+                            <a:latin typeface="Cambria Math" panose="02040503050406030204" pitchFamily="18" charset="0"/>
+                          </a:rPr>
+                          <m:t>, </m:t>
+                        </m:r>
+                        <m:sSub>
+                          <m:sSubPr>
+                            <m:ctrlPr>
+                              <a:rPr lang="en-US" b="0" i="1" dirty="0" smtClean="0">
+                                <a:latin typeface="Cambria Math" panose="02040503050406030204" pitchFamily="18" charset="0"/>
+                              </a:rPr>
+                            </m:ctrlPr>
+                          </m:sSubPr>
+                          <m:e>
+                            <m:r>
+                              <a:rPr lang="en-US" b="0" i="1" dirty="0" smtClean="0">
+                                <a:latin typeface="Cambria Math" panose="02040503050406030204" pitchFamily="18" charset="0"/>
+                              </a:rPr>
+                              <m:t>𝑑</m:t>
+                            </m:r>
+                          </m:e>
+                          <m:sub>
+                            <m:r>
+                              <a:rPr lang="en-US" b="0" i="1" dirty="0" smtClean="0">
+                                <a:latin typeface="Cambria Math" panose="02040503050406030204" pitchFamily="18" charset="0"/>
+                              </a:rPr>
+                              <m:t>𝑥</m:t>
+                            </m:r>
+                          </m:sub>
+                        </m:sSub>
+                        <m:r>
+                          <a:rPr lang="en-US" b="0" i="1" dirty="0" smtClean="0">
+                            <a:latin typeface="Cambria Math" panose="02040503050406030204" pitchFamily="18" charset="0"/>
+                          </a:rPr>
+                          <m:t>)</m:t>
+                        </m:r>
+                      </m:oMath>
+                    </m:oMathPara>
+                  </a14:m>
+                  <a:endParaRPr lang="en-US" dirty="0">
+                    <a:latin typeface="Modern No. 20" panose="02070704070505020303" pitchFamily="18" charset="77"/>
+                  </a:endParaRPr>
+                </a:p>
+              </p:txBody>
+            </p:sp>
+          </mc:Choice>
+          <mc:Fallback xmlns="">
+            <p:sp>
+              <p:nvSpPr>
+                <p:cNvPr id="253" name="TextBox 252">
+                  <a:extLst>
+                    <a:ext uri="{FF2B5EF4-FFF2-40B4-BE49-F238E27FC236}">
+                      <a16:creationId xmlns:a16="http://schemas.microsoft.com/office/drawing/2014/main" id="{45A9BA94-C84C-7E7B-FB8E-9D852F5E3FAB}"/>
+                    </a:ext>
+                  </a:extLst>
+                </p:cNvPr>
+                <p:cNvSpPr txBox="1">
+                  <a:spLocks noRot="1" noChangeAspect="1" noMove="1" noResize="1" noEditPoints="1" noAdjustHandles="1" noChangeArrowheads="1" noChangeShapeType="1" noTextEdit="1"/>
+                </p:cNvSpPr>
+                <p:nvPr/>
+              </p:nvSpPr>
+              <p:spPr>
+                <a:xfrm>
+                  <a:off x="6095194" y="11159232"/>
+                  <a:ext cx="1177318" cy="390748"/>
+                </a:xfrm>
+                <a:prstGeom prst="rect">
+                  <a:avLst/>
+                </a:prstGeom>
+                <a:blipFill>
+                  <a:blip r:embed="rId12"/>
+                  <a:stretch>
+                    <a:fillRect l="-2151" r="-1075" b="-9375"/>
+                  </a:stretch>
+                </a:blipFill>
+              </p:spPr>
+              <p:txBody>
+                <a:bodyPr/>
+                <a:lstStyle/>
+                <a:p>
+                  <a:r>
+                    <a:rPr lang="en-US">
+                      <a:noFill/>
+                    </a:rPr>
+                    <a:t> </a:t>
+                  </a:r>
+                </a:p>
+              </p:txBody>
+            </p:sp>
+          </mc:Fallback>
+        </mc:AlternateContent>
+        <mc:AlternateContent xmlns:mc="http://schemas.openxmlformats.org/markup-compatibility/2006" xmlns:a14="http://schemas.microsoft.com/office/drawing/2010/main">
+          <mc:Choice Requires="a14">
+            <p:sp>
+              <p:nvSpPr>
+                <p:cNvPr id="254" name="TextBox 253">
+                  <a:extLst>
+                    <a:ext uri="{FF2B5EF4-FFF2-40B4-BE49-F238E27FC236}">
+                      <a16:creationId xmlns:a16="http://schemas.microsoft.com/office/drawing/2014/main" id="{34718790-B5C9-51E4-291C-FE5CF9FE051E}"/>
+                    </a:ext>
+                  </a:extLst>
+                </p:cNvPr>
+                <p:cNvSpPr txBox="1"/>
+                <p:nvPr/>
+              </p:nvSpPr>
+              <p:spPr>
+                <a:xfrm>
+                  <a:off x="6639885" y="1037359"/>
+                  <a:ext cx="1177318" cy="390748"/>
+                </a:xfrm>
+                <a:prstGeom prst="rect">
+                  <a:avLst/>
+                </a:prstGeom>
+                <a:noFill/>
+              </p:spPr>
+              <p:txBody>
+                <a:bodyPr wrap="square" rtlCol="0">
+                  <a:spAutoFit/>
+                </a:bodyPr>
+                <a:lstStyle/>
+                <a:p>
+                  <a:pPr/>
+                  <a14:m>
+                    <m:oMathPara xmlns:m="http://schemas.openxmlformats.org/officeDocument/2006/math">
+                      <m:oMathParaPr>
+                        <m:jc m:val="centerGroup"/>
+                      </m:oMathParaPr>
+                      <m:oMath xmlns:m="http://schemas.openxmlformats.org/officeDocument/2006/math">
+                        <m:r>
+                          <a:rPr lang="en-US" b="0" i="1" dirty="0" smtClean="0">
+                            <a:latin typeface="Cambria Math" panose="02040503050406030204" pitchFamily="18" charset="0"/>
+                          </a:rPr>
+                          <m:t>(</m:t>
+                        </m:r>
+                        <m:r>
+                          <a:rPr lang="en-US" b="0" i="1" dirty="0" smtClean="0">
+                            <a:latin typeface="Cambria Math" panose="02040503050406030204" pitchFamily="18" charset="0"/>
+                          </a:rPr>
+                          <m:t>𝐵</m:t>
+                        </m:r>
+                        <m:r>
+                          <a:rPr lang="en-US" b="0" i="1" dirty="0" smtClean="0">
+                            <a:latin typeface="Cambria Math" panose="02040503050406030204" pitchFamily="18" charset="0"/>
+                          </a:rPr>
+                          <m:t>, </m:t>
+                        </m:r>
+                        <m:sSub>
+                          <m:sSubPr>
+                            <m:ctrlPr>
+                              <a:rPr lang="en-US" b="0" i="1" dirty="0" smtClean="0">
+                                <a:latin typeface="Cambria Math" panose="02040503050406030204" pitchFamily="18" charset="0"/>
+                              </a:rPr>
+                            </m:ctrlPr>
+                          </m:sSubPr>
+                          <m:e>
+                            <m:r>
+                              <a:rPr lang="en-US" b="0" i="1" dirty="0" smtClean="0">
+                                <a:latin typeface="Cambria Math" panose="02040503050406030204" pitchFamily="18" charset="0"/>
+                              </a:rPr>
+                              <m:t>𝜏</m:t>
+                            </m:r>
+                          </m:e>
+                          <m:sub>
+                            <m:r>
+                              <a:rPr lang="en-US" b="0" i="1" dirty="0" smtClean="0">
+                                <a:latin typeface="Cambria Math" panose="02040503050406030204" pitchFamily="18" charset="0"/>
+                              </a:rPr>
+                              <m:t>𝑝</m:t>
+                            </m:r>
+                          </m:sub>
+                        </m:sSub>
+                        <m:r>
+                          <a:rPr lang="en-US" b="0" i="1" dirty="0" smtClean="0">
+                            <a:latin typeface="Cambria Math" panose="02040503050406030204" pitchFamily="18" charset="0"/>
+                          </a:rPr>
+                          <m:t>, </m:t>
+                        </m:r>
+                        <m:sSub>
+                          <m:sSubPr>
+                            <m:ctrlPr>
+                              <a:rPr lang="en-US" b="0" i="1" dirty="0" smtClean="0">
+                                <a:latin typeface="Cambria Math" panose="02040503050406030204" pitchFamily="18" charset="0"/>
+                              </a:rPr>
+                            </m:ctrlPr>
+                          </m:sSubPr>
+                          <m:e>
+                            <m:r>
+                              <a:rPr lang="en-US" b="0" i="1" dirty="0" smtClean="0">
+                                <a:latin typeface="Cambria Math" panose="02040503050406030204" pitchFamily="18" charset="0"/>
+                              </a:rPr>
+                              <m:t>𝑑</m:t>
+                            </m:r>
+                          </m:e>
+                          <m:sub>
+                            <m:r>
+                              <a:rPr lang="en-US" b="0" i="1" dirty="0" smtClean="0">
+                                <a:latin typeface="Cambria Math" panose="02040503050406030204" pitchFamily="18" charset="0"/>
+                              </a:rPr>
+                              <m:t>𝑦</m:t>
+                            </m:r>
+                          </m:sub>
+                        </m:sSub>
+                        <m:r>
+                          <a:rPr lang="en-US" b="0" i="1" dirty="0" smtClean="0">
+                            <a:latin typeface="Cambria Math" panose="02040503050406030204" pitchFamily="18" charset="0"/>
+                          </a:rPr>
+                          <m:t>)</m:t>
+                        </m:r>
+                      </m:oMath>
+                    </m:oMathPara>
+                  </a14:m>
+                  <a:endParaRPr lang="en-US" dirty="0">
+                    <a:latin typeface="Modern No. 20" panose="02070704070505020303" pitchFamily="18" charset="77"/>
+                  </a:endParaRPr>
+                </a:p>
+              </p:txBody>
+            </p:sp>
+          </mc:Choice>
+          <mc:Fallback xmlns="">
+            <p:sp>
+              <p:nvSpPr>
+                <p:cNvPr id="254" name="TextBox 253">
+                  <a:extLst>
+                    <a:ext uri="{FF2B5EF4-FFF2-40B4-BE49-F238E27FC236}">
+                      <a16:creationId xmlns:a16="http://schemas.microsoft.com/office/drawing/2014/main" id="{34718790-B5C9-51E4-291C-FE5CF9FE051E}"/>
+                    </a:ext>
+                  </a:extLst>
+                </p:cNvPr>
+                <p:cNvSpPr txBox="1">
+                  <a:spLocks noRot="1" noChangeAspect="1" noMove="1" noResize="1" noEditPoints="1" noAdjustHandles="1" noChangeArrowheads="1" noChangeShapeType="1" noTextEdit="1"/>
+                </p:cNvSpPr>
+                <p:nvPr/>
+              </p:nvSpPr>
+              <p:spPr>
+                <a:xfrm>
+                  <a:off x="6639885" y="1037359"/>
+                  <a:ext cx="1177318" cy="390748"/>
+                </a:xfrm>
+                <a:prstGeom prst="rect">
+                  <a:avLst/>
+                </a:prstGeom>
+                <a:blipFill>
+                  <a:blip r:embed="rId13"/>
+                  <a:stretch>
+                    <a:fillRect l="-1064" r="-1064" b="-9375"/>
+                  </a:stretch>
+                </a:blipFill>
+              </p:spPr>
+              <p:txBody>
+                <a:bodyPr/>
+                <a:lstStyle/>
+                <a:p>
+                  <a:r>
+                    <a:rPr lang="en-US">
+                      <a:noFill/>
+                    </a:rPr>
+                    <a:t> </a:t>
+                  </a:r>
+                </a:p>
+              </p:txBody>
+            </p:sp>
+          </mc:Fallback>
+        </mc:AlternateContent>
+        <p:cxnSp>
+          <p:nvCxnSpPr>
+            <p:cNvPr id="263" name="Straight Arrow Connector 262">
+              <a:extLst>
+                <a:ext uri="{FF2B5EF4-FFF2-40B4-BE49-F238E27FC236}">
+                  <a16:creationId xmlns:a16="http://schemas.microsoft.com/office/drawing/2014/main" id="{715231F0-0E86-E7E5-ACCA-22512ABF3713}"/>
+                </a:ext>
+              </a:extLst>
+            </p:cNvPr>
+            <p:cNvCxnSpPr>
+              <a:cxnSpLocks/>
+            </p:cNvCxnSpPr>
+            <p:nvPr/>
+          </p:nvCxnSpPr>
+          <p:spPr>
+            <a:xfrm flipV="1">
+              <a:off x="6618555" y="1004400"/>
+              <a:ext cx="1852" cy="434694"/>
+            </a:xfrm>
+            <a:prstGeom prst="straightConnector1">
+              <a:avLst/>
+            </a:prstGeom>
+            <a:ln w="38100">
+              <a:solidFill>
+                <a:schemeClr val="tx1"/>
+              </a:solidFill>
+              <a:tailEnd type="triangle"/>
+            </a:ln>
+          </p:spPr>
+          <p:style>
+            <a:lnRef idx="2">
+              <a:schemeClr val="accent1"/>
+            </a:lnRef>
+            <a:fillRef idx="0">
+              <a:schemeClr val="accent1"/>
+            </a:fillRef>
+            <a:effectRef idx="1">
+              <a:schemeClr val="accent1"/>
+            </a:effectRef>
+            <a:fontRef idx="minor">
+              <a:schemeClr val="tx1"/>
+            </a:fontRef>
+          </p:style>
+        </p:cxnSp>
+        <mc:AlternateContent xmlns:mc="http://schemas.openxmlformats.org/markup-compatibility/2006" xmlns:a14="http://schemas.microsoft.com/office/drawing/2010/main">
+          <mc:Choice Requires="a14">
+            <p:sp>
+              <p:nvSpPr>
+                <p:cNvPr id="264" name="TextBox 263">
+                  <a:extLst>
+                    <a:ext uri="{FF2B5EF4-FFF2-40B4-BE49-F238E27FC236}">
+                      <a16:creationId xmlns:a16="http://schemas.microsoft.com/office/drawing/2014/main" id="{14F9EE91-CDEB-2449-0015-63D70713418F}"/>
+                    </a:ext>
+                  </a:extLst>
+                </p:cNvPr>
+                <p:cNvSpPr txBox="1"/>
+                <p:nvPr/>
+              </p:nvSpPr>
+              <p:spPr>
+                <a:xfrm>
+                  <a:off x="2409505" y="11159232"/>
                   <a:ext cx="1177318" cy="369332"/>
                 </a:xfrm>
                 <a:prstGeom prst="rect">
@@ -10833,6 +11225,7 @@
                 </a:bodyPr>
                 <a:lstStyle/>
                 <a:p>
+                  <a:pPr/>
                   <a14:m>
                     <m:oMathPara xmlns:m="http://schemas.openxmlformats.org/officeDocument/2006/math">
                       <m:oMathParaPr>
@@ -10929,564 +11322,7 @@
               </p:txBody>
             </p:sp>
           </mc:Choice>
-          <mc:Fallback>
-            <p:sp>
-              <p:nvSpPr>
-                <p:cNvPr id="252" name="TextBox 251">
-                  <a:extLst>
-                    <a:ext uri="{FF2B5EF4-FFF2-40B4-BE49-F238E27FC236}">
-                      <a16:creationId xmlns:a16="http://schemas.microsoft.com/office/drawing/2014/main" id="{CFBBA725-85AB-3F8F-922D-1EB7F3BCD28C}"/>
-                    </a:ext>
-                  </a:extLst>
-                </p:cNvPr>
-                <p:cNvSpPr txBox="1">
-                  <a:spLocks noRot="1" noChangeAspect="1" noMove="1" noResize="1" noEditPoints="1" noAdjustHandles="1" noChangeArrowheads="1" noChangeShapeType="1" noTextEdit="1"/>
-                </p:cNvSpPr>
-                <p:nvPr/>
-              </p:nvSpPr>
-              <p:spPr>
-                <a:xfrm>
-                  <a:off x="3171196" y="11691298"/>
-                  <a:ext cx="1177318" cy="369332"/>
-                </a:xfrm>
-                <a:prstGeom prst="rect">
-                  <a:avLst/>
-                </a:prstGeom>
-                <a:blipFill>
-                  <a:blip r:embed="rId11"/>
-                  <a:stretch>
-                    <a:fillRect b="-13333"/>
-                  </a:stretch>
-                </a:blipFill>
-              </p:spPr>
-              <p:txBody>
-                <a:bodyPr/>
-                <a:lstStyle/>
-                <a:p>
-                  <a:r>
-                    <a:rPr lang="en-US">
-                      <a:noFill/>
-                    </a:rPr>
-                    <a:t> </a:t>
-                  </a:r>
-                </a:p>
-              </p:txBody>
-            </p:sp>
-          </mc:Fallback>
-        </mc:AlternateContent>
-        <mc:AlternateContent xmlns:mc="http://schemas.openxmlformats.org/markup-compatibility/2006">
-          <mc:Choice xmlns:a14="http://schemas.microsoft.com/office/drawing/2010/main" Requires="a14">
-            <p:sp>
-              <p:nvSpPr>
-                <p:cNvPr id="253" name="TextBox 252">
-                  <a:extLst>
-                    <a:ext uri="{FF2B5EF4-FFF2-40B4-BE49-F238E27FC236}">
-                      <a16:creationId xmlns:a16="http://schemas.microsoft.com/office/drawing/2014/main" id="{45A9BA94-C84C-7E7B-FB8E-9D852F5E3FAB}"/>
-                    </a:ext>
-                  </a:extLst>
-                </p:cNvPr>
-                <p:cNvSpPr txBox="1"/>
-                <p:nvPr/>
-              </p:nvSpPr>
-              <p:spPr>
-                <a:xfrm>
-                  <a:off x="6095194" y="11159232"/>
-                  <a:ext cx="1177318" cy="390748"/>
-                </a:xfrm>
-                <a:prstGeom prst="rect">
-                  <a:avLst/>
-                </a:prstGeom>
-                <a:noFill/>
-              </p:spPr>
-              <p:txBody>
-                <a:bodyPr wrap="square" rtlCol="0">
-                  <a:spAutoFit/>
-                </a:bodyPr>
-                <a:lstStyle/>
-                <a:p>
-                  <a14:m>
-                    <m:oMathPara xmlns:m="http://schemas.openxmlformats.org/officeDocument/2006/math">
-                      <m:oMathParaPr>
-                        <m:jc m:val="centerGroup"/>
-                      </m:oMathParaPr>
-                      <m:oMath xmlns:m="http://schemas.openxmlformats.org/officeDocument/2006/math">
-                        <m:r>
-                          <a:rPr lang="en-US" b="0" i="1" dirty="0" smtClean="0">
-                            <a:latin typeface="Cambria Math" panose="02040503050406030204" pitchFamily="18" charset="0"/>
-                          </a:rPr>
-                          <m:t>(</m:t>
-                        </m:r>
-                        <m:r>
-                          <a:rPr lang="en-US" b="0" i="1" dirty="0" smtClean="0">
-                            <a:latin typeface="Cambria Math" panose="02040503050406030204" pitchFamily="18" charset="0"/>
-                          </a:rPr>
-                          <m:t>𝐵</m:t>
-                        </m:r>
-                        <m:r>
-                          <a:rPr lang="en-US" b="0" i="1" dirty="0" smtClean="0">
-                            <a:latin typeface="Cambria Math" panose="02040503050406030204" pitchFamily="18" charset="0"/>
-                          </a:rPr>
-                          <m:t>, </m:t>
-                        </m:r>
-                        <m:sSub>
-                          <m:sSubPr>
-                            <m:ctrlPr>
-                              <a:rPr lang="en-US" b="0" i="1" dirty="0" smtClean="0">
-                                <a:latin typeface="Cambria Math" panose="02040503050406030204" pitchFamily="18" charset="0"/>
-                              </a:rPr>
-                            </m:ctrlPr>
-                          </m:sSubPr>
-                          <m:e>
-                            <m:r>
-                              <a:rPr lang="en-US" b="0" i="1" dirty="0" smtClean="0">
-                                <a:latin typeface="Cambria Math" panose="02040503050406030204" pitchFamily="18" charset="0"/>
-                              </a:rPr>
-                              <m:t>𝜏</m:t>
-                            </m:r>
-                          </m:e>
-                          <m:sub>
-                            <m:r>
-                              <a:rPr lang="en-US" b="0" i="1" dirty="0" smtClean="0">
-                                <a:latin typeface="Cambria Math" panose="02040503050406030204" pitchFamily="18" charset="0"/>
-                              </a:rPr>
-                              <m:t>𝑝</m:t>
-                            </m:r>
-                          </m:sub>
-                        </m:sSub>
-                        <m:r>
-                          <a:rPr lang="en-US" b="0" i="1" dirty="0" smtClean="0">
-                            <a:latin typeface="Cambria Math" panose="02040503050406030204" pitchFamily="18" charset="0"/>
-                          </a:rPr>
-                          <m:t>, </m:t>
-                        </m:r>
-                        <m:sSub>
-                          <m:sSubPr>
-                            <m:ctrlPr>
-                              <a:rPr lang="en-US" b="0" i="1" dirty="0" smtClean="0">
-                                <a:latin typeface="Cambria Math" panose="02040503050406030204" pitchFamily="18" charset="0"/>
-                              </a:rPr>
-                            </m:ctrlPr>
-                          </m:sSubPr>
-                          <m:e>
-                            <m:r>
-                              <a:rPr lang="en-US" b="0" i="1" dirty="0" smtClean="0">
-                                <a:latin typeface="Cambria Math" panose="02040503050406030204" pitchFamily="18" charset="0"/>
-                              </a:rPr>
-                              <m:t>𝑑</m:t>
-                            </m:r>
-                          </m:e>
-                          <m:sub>
-                            <m:r>
-                              <a:rPr lang="en-US" b="0" i="1" dirty="0" smtClean="0">
-                                <a:latin typeface="Cambria Math" panose="02040503050406030204" pitchFamily="18" charset="0"/>
-                              </a:rPr>
-                              <m:t>𝑥</m:t>
-                            </m:r>
-                          </m:sub>
-                        </m:sSub>
-                        <m:r>
-                          <a:rPr lang="en-US" b="0" i="1" dirty="0" smtClean="0">
-                            <a:latin typeface="Cambria Math" panose="02040503050406030204" pitchFamily="18" charset="0"/>
-                          </a:rPr>
-                          <m:t>)</m:t>
-                        </m:r>
-                      </m:oMath>
-                    </m:oMathPara>
-                  </a14:m>
-                  <a:endParaRPr lang="en-US" dirty="0">
-                    <a:latin typeface="Modern No. 20" panose="02070704070505020303" pitchFamily="18" charset="77"/>
-                  </a:endParaRPr>
-                </a:p>
-              </p:txBody>
-            </p:sp>
-          </mc:Choice>
-          <mc:Fallback>
-            <p:sp>
-              <p:nvSpPr>
-                <p:cNvPr id="253" name="TextBox 252">
-                  <a:extLst>
-                    <a:ext uri="{FF2B5EF4-FFF2-40B4-BE49-F238E27FC236}">
-                      <a16:creationId xmlns:a16="http://schemas.microsoft.com/office/drawing/2014/main" id="{45A9BA94-C84C-7E7B-FB8E-9D852F5E3FAB}"/>
-                    </a:ext>
-                  </a:extLst>
-                </p:cNvPr>
-                <p:cNvSpPr txBox="1">
-                  <a:spLocks noRot="1" noChangeAspect="1" noMove="1" noResize="1" noEditPoints="1" noAdjustHandles="1" noChangeArrowheads="1" noChangeShapeType="1" noTextEdit="1"/>
-                </p:cNvSpPr>
-                <p:nvPr/>
-              </p:nvSpPr>
-              <p:spPr>
-                <a:xfrm>
-                  <a:off x="6095194" y="11159232"/>
-                  <a:ext cx="1177318" cy="390748"/>
-                </a:xfrm>
-                <a:prstGeom prst="rect">
-                  <a:avLst/>
-                </a:prstGeom>
-                <a:blipFill>
-                  <a:blip r:embed="rId12"/>
-                  <a:stretch>
-                    <a:fillRect l="-2151" r="-1075" b="-9375"/>
-                  </a:stretch>
-                </a:blipFill>
-              </p:spPr>
-              <p:txBody>
-                <a:bodyPr/>
-                <a:lstStyle/>
-                <a:p>
-                  <a:r>
-                    <a:rPr lang="en-US">
-                      <a:noFill/>
-                    </a:rPr>
-                    <a:t> </a:t>
-                  </a:r>
-                </a:p>
-              </p:txBody>
-            </p:sp>
-          </mc:Fallback>
-        </mc:AlternateContent>
-        <mc:AlternateContent xmlns:mc="http://schemas.openxmlformats.org/markup-compatibility/2006">
-          <mc:Choice xmlns:a14="http://schemas.microsoft.com/office/drawing/2010/main" Requires="a14">
-            <p:sp>
-              <p:nvSpPr>
-                <p:cNvPr id="254" name="TextBox 253">
-                  <a:extLst>
-                    <a:ext uri="{FF2B5EF4-FFF2-40B4-BE49-F238E27FC236}">
-                      <a16:creationId xmlns:a16="http://schemas.microsoft.com/office/drawing/2014/main" id="{34718790-B5C9-51E4-291C-FE5CF9FE051E}"/>
-                    </a:ext>
-                  </a:extLst>
-                </p:cNvPr>
-                <p:cNvSpPr txBox="1"/>
-                <p:nvPr/>
-              </p:nvSpPr>
-              <p:spPr>
-                <a:xfrm>
-                  <a:off x="6639885" y="1037359"/>
-                  <a:ext cx="1177318" cy="390748"/>
-                </a:xfrm>
-                <a:prstGeom prst="rect">
-                  <a:avLst/>
-                </a:prstGeom>
-                <a:noFill/>
-              </p:spPr>
-              <p:txBody>
-                <a:bodyPr wrap="square" rtlCol="0">
-                  <a:spAutoFit/>
-                </a:bodyPr>
-                <a:lstStyle/>
-                <a:p>
-                  <a14:m>
-                    <m:oMathPara xmlns:m="http://schemas.openxmlformats.org/officeDocument/2006/math">
-                      <m:oMathParaPr>
-                        <m:jc m:val="centerGroup"/>
-                      </m:oMathParaPr>
-                      <m:oMath xmlns:m="http://schemas.openxmlformats.org/officeDocument/2006/math">
-                        <m:r>
-                          <a:rPr lang="en-US" b="0" i="1" dirty="0" smtClean="0">
-                            <a:latin typeface="Cambria Math" panose="02040503050406030204" pitchFamily="18" charset="0"/>
-                          </a:rPr>
-                          <m:t>(</m:t>
-                        </m:r>
-                        <m:r>
-                          <a:rPr lang="en-US" b="0" i="1" dirty="0" smtClean="0">
-                            <a:latin typeface="Cambria Math" panose="02040503050406030204" pitchFamily="18" charset="0"/>
-                          </a:rPr>
-                          <m:t>𝐵</m:t>
-                        </m:r>
-                        <m:r>
-                          <a:rPr lang="en-US" b="0" i="1" dirty="0" smtClean="0">
-                            <a:latin typeface="Cambria Math" panose="02040503050406030204" pitchFamily="18" charset="0"/>
-                          </a:rPr>
-                          <m:t>, </m:t>
-                        </m:r>
-                        <m:sSub>
-                          <m:sSubPr>
-                            <m:ctrlPr>
-                              <a:rPr lang="en-US" b="0" i="1" dirty="0" smtClean="0">
-                                <a:latin typeface="Cambria Math" panose="02040503050406030204" pitchFamily="18" charset="0"/>
-                              </a:rPr>
-                            </m:ctrlPr>
-                          </m:sSubPr>
-                          <m:e>
-                            <m:r>
-                              <a:rPr lang="en-US" b="0" i="1" dirty="0" smtClean="0">
-                                <a:latin typeface="Cambria Math" panose="02040503050406030204" pitchFamily="18" charset="0"/>
-                              </a:rPr>
-                              <m:t>𝜏</m:t>
-                            </m:r>
-                          </m:e>
-                          <m:sub>
-                            <m:r>
-                              <a:rPr lang="en-US" b="0" i="1" dirty="0" smtClean="0">
-                                <a:latin typeface="Cambria Math" panose="02040503050406030204" pitchFamily="18" charset="0"/>
-                              </a:rPr>
-                              <m:t>𝑝</m:t>
-                            </m:r>
-                          </m:sub>
-                        </m:sSub>
-                        <m:r>
-                          <a:rPr lang="en-US" b="0" i="1" dirty="0" smtClean="0">
-                            <a:latin typeface="Cambria Math" panose="02040503050406030204" pitchFamily="18" charset="0"/>
-                          </a:rPr>
-                          <m:t>, </m:t>
-                        </m:r>
-                        <m:sSub>
-                          <m:sSubPr>
-                            <m:ctrlPr>
-                              <a:rPr lang="en-US" b="0" i="1" dirty="0" smtClean="0">
-                                <a:latin typeface="Cambria Math" panose="02040503050406030204" pitchFamily="18" charset="0"/>
-                              </a:rPr>
-                            </m:ctrlPr>
-                          </m:sSubPr>
-                          <m:e>
-                            <m:r>
-                              <a:rPr lang="en-US" b="0" i="1" dirty="0" smtClean="0">
-                                <a:latin typeface="Cambria Math" panose="02040503050406030204" pitchFamily="18" charset="0"/>
-                              </a:rPr>
-                              <m:t>𝑑</m:t>
-                            </m:r>
-                          </m:e>
-                          <m:sub>
-                            <m:r>
-                              <a:rPr lang="en-US" b="0" i="1" dirty="0" smtClean="0">
-                                <a:latin typeface="Cambria Math" panose="02040503050406030204" pitchFamily="18" charset="0"/>
-                              </a:rPr>
-                              <m:t>𝑦</m:t>
-                            </m:r>
-                          </m:sub>
-                        </m:sSub>
-                        <m:r>
-                          <a:rPr lang="en-US" b="0" i="1" dirty="0" smtClean="0">
-                            <a:latin typeface="Cambria Math" panose="02040503050406030204" pitchFamily="18" charset="0"/>
-                          </a:rPr>
-                          <m:t>)</m:t>
-                        </m:r>
-                      </m:oMath>
-                    </m:oMathPara>
-                  </a14:m>
-                  <a:endParaRPr lang="en-US" dirty="0">
-                    <a:latin typeface="Modern No. 20" panose="02070704070505020303" pitchFamily="18" charset="77"/>
-                  </a:endParaRPr>
-                </a:p>
-              </p:txBody>
-            </p:sp>
-          </mc:Choice>
-          <mc:Fallback>
-            <p:sp>
-              <p:nvSpPr>
-                <p:cNvPr id="254" name="TextBox 253">
-                  <a:extLst>
-                    <a:ext uri="{FF2B5EF4-FFF2-40B4-BE49-F238E27FC236}">
-                      <a16:creationId xmlns:a16="http://schemas.microsoft.com/office/drawing/2014/main" id="{34718790-B5C9-51E4-291C-FE5CF9FE051E}"/>
-                    </a:ext>
-                  </a:extLst>
-                </p:cNvPr>
-                <p:cNvSpPr txBox="1">
-                  <a:spLocks noRot="1" noChangeAspect="1" noMove="1" noResize="1" noEditPoints="1" noAdjustHandles="1" noChangeArrowheads="1" noChangeShapeType="1" noTextEdit="1"/>
-                </p:cNvSpPr>
-                <p:nvPr/>
-              </p:nvSpPr>
-              <p:spPr>
-                <a:xfrm>
-                  <a:off x="6639885" y="1037359"/>
-                  <a:ext cx="1177318" cy="390748"/>
-                </a:xfrm>
-                <a:prstGeom prst="rect">
-                  <a:avLst/>
-                </a:prstGeom>
-                <a:blipFill>
-                  <a:blip r:embed="rId13"/>
-                  <a:stretch>
-                    <a:fillRect l="-1064" r="-1064" b="-9375"/>
-                  </a:stretch>
-                </a:blipFill>
-              </p:spPr>
-              <p:txBody>
-                <a:bodyPr/>
-                <a:lstStyle/>
-                <a:p>
-                  <a:r>
-                    <a:rPr lang="en-US">
-                      <a:noFill/>
-                    </a:rPr>
-                    <a:t> </a:t>
-                  </a:r>
-                </a:p>
-              </p:txBody>
-            </p:sp>
-          </mc:Fallback>
-        </mc:AlternateContent>
-        <p:cxnSp>
-          <p:nvCxnSpPr>
-            <p:cNvPr id="263" name="Straight Arrow Connector 262">
-              <a:extLst>
-                <a:ext uri="{FF2B5EF4-FFF2-40B4-BE49-F238E27FC236}">
-                  <a16:creationId xmlns:a16="http://schemas.microsoft.com/office/drawing/2014/main" id="{715231F0-0E86-E7E5-ACCA-22512ABF3713}"/>
-                </a:ext>
-              </a:extLst>
-            </p:cNvPr>
-            <p:cNvCxnSpPr>
-              <a:cxnSpLocks/>
-            </p:cNvCxnSpPr>
-            <p:nvPr/>
-          </p:nvCxnSpPr>
-          <p:spPr>
-            <a:xfrm flipV="1">
-              <a:off x="6618555" y="1004400"/>
-              <a:ext cx="1852" cy="434694"/>
-            </a:xfrm>
-            <a:prstGeom prst="straightConnector1">
-              <a:avLst/>
-            </a:prstGeom>
-            <a:ln w="38100">
-              <a:solidFill>
-                <a:schemeClr val="tx1"/>
-              </a:solidFill>
-              <a:tailEnd type="triangle"/>
-            </a:ln>
-          </p:spPr>
-          <p:style>
-            <a:lnRef idx="2">
-              <a:schemeClr val="accent1"/>
-            </a:lnRef>
-            <a:fillRef idx="0">
-              <a:schemeClr val="accent1"/>
-            </a:fillRef>
-            <a:effectRef idx="1">
-              <a:schemeClr val="accent1"/>
-            </a:effectRef>
-            <a:fontRef idx="minor">
-              <a:schemeClr val="tx1"/>
-            </a:fontRef>
-          </p:style>
-        </p:cxnSp>
-        <mc:AlternateContent xmlns:mc="http://schemas.openxmlformats.org/markup-compatibility/2006">
-          <mc:Choice xmlns:a14="http://schemas.microsoft.com/office/drawing/2010/main" Requires="a14">
-            <p:sp>
-              <p:nvSpPr>
-                <p:cNvPr id="264" name="TextBox 263">
-                  <a:extLst>
-                    <a:ext uri="{FF2B5EF4-FFF2-40B4-BE49-F238E27FC236}">
-                      <a16:creationId xmlns:a16="http://schemas.microsoft.com/office/drawing/2014/main" id="{14F9EE91-CDEB-2449-0015-63D70713418F}"/>
-                    </a:ext>
-                  </a:extLst>
-                </p:cNvPr>
-                <p:cNvSpPr txBox="1"/>
-                <p:nvPr/>
-              </p:nvSpPr>
-              <p:spPr>
-                <a:xfrm>
-                  <a:off x="2409505" y="11159232"/>
-                  <a:ext cx="1177318" cy="369332"/>
-                </a:xfrm>
-                <a:prstGeom prst="rect">
-                  <a:avLst/>
-                </a:prstGeom>
-                <a:noFill/>
-              </p:spPr>
-              <p:txBody>
-                <a:bodyPr wrap="square" rtlCol="0">
-                  <a:spAutoFit/>
-                </a:bodyPr>
-                <a:lstStyle/>
-                <a:p>
-                  <a14:m>
-                    <m:oMathPara xmlns:m="http://schemas.openxmlformats.org/officeDocument/2006/math">
-                      <m:oMathParaPr>
-                        <m:jc m:val="centerGroup"/>
-                      </m:oMathParaPr>
-                      <m:oMath xmlns:m="http://schemas.openxmlformats.org/officeDocument/2006/math">
-                        <m:r>
-                          <a:rPr lang="en-US" b="0" i="1" dirty="0" smtClean="0">
-                            <a:latin typeface="Cambria Math" panose="02040503050406030204" pitchFamily="18" charset="0"/>
-                          </a:rPr>
-                          <m:t>(</m:t>
-                        </m:r>
-                        <m:r>
-                          <a:rPr lang="en-US" b="0" i="1" dirty="0" smtClean="0">
-                            <a:latin typeface="Cambria Math" panose="02040503050406030204" pitchFamily="18" charset="0"/>
-                          </a:rPr>
-                          <m:t>𝐵</m:t>
-                        </m:r>
-                        <m:r>
-                          <a:rPr lang="en-US" b="0" i="1" dirty="0" smtClean="0">
-                            <a:latin typeface="Cambria Math" panose="02040503050406030204" pitchFamily="18" charset="0"/>
-                          </a:rPr>
-                          <m:t>, </m:t>
-                        </m:r>
-                        <m:sSub>
-                          <m:sSubPr>
-                            <m:ctrlPr>
-                              <a:rPr lang="en-US" b="0" i="1" dirty="0" smtClean="0">
-                                <a:latin typeface="Cambria Math" panose="02040503050406030204" pitchFamily="18" charset="0"/>
-                              </a:rPr>
-                            </m:ctrlPr>
-                          </m:sSubPr>
-                          <m:e>
-                            <m:r>
-                              <a:rPr lang="en-US" b="0" i="1" dirty="0" smtClean="0">
-                                <a:latin typeface="Cambria Math" panose="02040503050406030204" pitchFamily="18" charset="0"/>
-                              </a:rPr>
-                              <m:t>𝜏</m:t>
-                            </m:r>
-                          </m:e>
-                          <m:sub>
-                            <m:r>
-                              <a:rPr lang="en-US" b="0" i="1" dirty="0" smtClean="0">
-                                <a:latin typeface="Cambria Math" panose="02040503050406030204" pitchFamily="18" charset="0"/>
-                              </a:rPr>
-                              <m:t>𝑐</m:t>
-                            </m:r>
-                          </m:sub>
-                        </m:sSub>
-                        <m:r>
-                          <a:rPr lang="en-US" b="0" i="1" dirty="0" smtClean="0">
-                            <a:latin typeface="Cambria Math" panose="02040503050406030204" pitchFamily="18" charset="0"/>
-                          </a:rPr>
-                          <m:t>, </m:t>
-                        </m:r>
-                        <m:sSub>
-                          <m:sSubPr>
-                            <m:ctrlPr>
-                              <a:rPr lang="en-US" b="0" i="1" dirty="0" smtClean="0">
-                                <a:latin typeface="Cambria Math" panose="02040503050406030204" pitchFamily="18" charset="0"/>
-                              </a:rPr>
-                            </m:ctrlPr>
-                          </m:sSubPr>
-                          <m:e>
-                            <m:r>
-                              <a:rPr lang="en-US" b="0" i="1" dirty="0" smtClean="0">
-                                <a:latin typeface="Cambria Math" panose="02040503050406030204" pitchFamily="18" charset="0"/>
-                              </a:rPr>
-                              <m:t>𝑑</m:t>
-                            </m:r>
-                          </m:e>
-                          <m:sub>
-                            <m:r>
-                              <a:rPr lang="en-US" b="0" i="1" dirty="0" smtClean="0">
-                                <a:latin typeface="Cambria Math" panose="02040503050406030204" pitchFamily="18" charset="0"/>
-                              </a:rPr>
-                              <m:t>𝑥</m:t>
-                            </m:r>
-                          </m:sub>
-                        </m:sSub>
-                        <m:r>
-                          <a:rPr lang="en-US" b="0" i="1" dirty="0" smtClean="0">
-                            <a:latin typeface="Cambria Math" panose="02040503050406030204" pitchFamily="18" charset="0"/>
-                          </a:rPr>
-                          <m:t>)</m:t>
-                        </m:r>
-                      </m:oMath>
-                    </m:oMathPara>
-                  </a14:m>
-                  <a:endParaRPr lang="en-US" dirty="0">
-                    <a:latin typeface="Modern No. 20" panose="02070704070505020303" pitchFamily="18" charset="77"/>
-                  </a:endParaRPr>
-                </a:p>
-              </p:txBody>
-            </p:sp>
-          </mc:Choice>
-          <mc:Fallback>
+          <mc:Fallback xmlns="">
             <p:sp>
               <p:nvSpPr>
                 <p:cNvPr id="264" name="TextBox 263">

--- a/examples/figures/wind_forecasting_figs [Autosaved].pptx
+++ b/examples/figures/wind_forecasting_figs [Autosaved].pptx
@@ -245,7 +245,7 @@
           <a:p>
             <a:fld id="{09A208B9-A1FD-A545-84FD-D19EFD3032C3}" type="datetimeFigureOut">
               <a:rPr lang="en-US" smtClean="0"/>
-              <a:t>3/16/25</a:t>
+              <a:t>4/13/25</a:t>
             </a:fld>
             <a:endParaRPr lang="en-US"/>
           </a:p>
@@ -415,7 +415,7 @@
           <a:p>
             <a:fld id="{09A208B9-A1FD-A545-84FD-D19EFD3032C3}" type="datetimeFigureOut">
               <a:rPr lang="en-US" smtClean="0"/>
-              <a:t>3/16/25</a:t>
+              <a:t>4/13/25</a:t>
             </a:fld>
             <a:endParaRPr lang="en-US"/>
           </a:p>
@@ -595,7 +595,7 @@
           <a:p>
             <a:fld id="{09A208B9-A1FD-A545-84FD-D19EFD3032C3}" type="datetimeFigureOut">
               <a:rPr lang="en-US" smtClean="0"/>
-              <a:t>3/16/25</a:t>
+              <a:t>4/13/25</a:t>
             </a:fld>
             <a:endParaRPr lang="en-US"/>
           </a:p>
@@ -765,7 +765,7 @@
           <a:p>
             <a:fld id="{09A208B9-A1FD-A545-84FD-D19EFD3032C3}" type="datetimeFigureOut">
               <a:rPr lang="en-US" smtClean="0"/>
-              <a:t>3/16/25</a:t>
+              <a:t>4/13/25</a:t>
             </a:fld>
             <a:endParaRPr lang="en-US"/>
           </a:p>
@@ -1011,7 +1011,7 @@
           <a:p>
             <a:fld id="{09A208B9-A1FD-A545-84FD-D19EFD3032C3}" type="datetimeFigureOut">
               <a:rPr lang="en-US" smtClean="0"/>
-              <a:t>3/16/25</a:t>
+              <a:t>4/13/25</a:t>
             </a:fld>
             <a:endParaRPr lang="en-US"/>
           </a:p>
@@ -1243,7 +1243,7 @@
           <a:p>
             <a:fld id="{09A208B9-A1FD-A545-84FD-D19EFD3032C3}" type="datetimeFigureOut">
               <a:rPr lang="en-US" smtClean="0"/>
-              <a:t>3/16/25</a:t>
+              <a:t>4/13/25</a:t>
             </a:fld>
             <a:endParaRPr lang="en-US"/>
           </a:p>
@@ -1610,7 +1610,7 @@
           <a:p>
             <a:fld id="{09A208B9-A1FD-A545-84FD-D19EFD3032C3}" type="datetimeFigureOut">
               <a:rPr lang="en-US" smtClean="0"/>
-              <a:t>3/16/25</a:t>
+              <a:t>4/13/25</a:t>
             </a:fld>
             <a:endParaRPr lang="en-US"/>
           </a:p>
@@ -1728,7 +1728,7 @@
           <a:p>
             <a:fld id="{09A208B9-A1FD-A545-84FD-D19EFD3032C3}" type="datetimeFigureOut">
               <a:rPr lang="en-US" smtClean="0"/>
-              <a:t>3/16/25</a:t>
+              <a:t>4/13/25</a:t>
             </a:fld>
             <a:endParaRPr lang="en-US"/>
           </a:p>
@@ -1823,7 +1823,7 @@
           <a:p>
             <a:fld id="{09A208B9-A1FD-A545-84FD-D19EFD3032C3}" type="datetimeFigureOut">
               <a:rPr lang="en-US" smtClean="0"/>
-              <a:t>3/16/25</a:t>
+              <a:t>4/13/25</a:t>
             </a:fld>
             <a:endParaRPr lang="en-US"/>
           </a:p>
@@ -2100,7 +2100,7 @@
           <a:p>
             <a:fld id="{09A208B9-A1FD-A545-84FD-D19EFD3032C3}" type="datetimeFigureOut">
               <a:rPr lang="en-US" smtClean="0"/>
-              <a:t>3/16/25</a:t>
+              <a:t>4/13/25</a:t>
             </a:fld>
             <a:endParaRPr lang="en-US"/>
           </a:p>
@@ -2357,7 +2357,7 @@
           <a:p>
             <a:fld id="{09A208B9-A1FD-A545-84FD-D19EFD3032C3}" type="datetimeFigureOut">
               <a:rPr lang="en-US" smtClean="0"/>
-              <a:t>3/16/25</a:t>
+              <a:t>4/13/25</a:t>
             </a:fld>
             <a:endParaRPr lang="en-US"/>
           </a:p>
@@ -2570,7 +2570,7 @@
           <a:p>
             <a:fld id="{09A208B9-A1FD-A545-84FD-D19EFD3032C3}" type="datetimeFigureOut">
               <a:rPr lang="en-US" smtClean="0"/>
-              <a:t>3/16/25</a:t>
+              <a:t>4/13/25</a:t>
             </a:fld>
             <a:endParaRPr lang="en-US"/>
           </a:p>
@@ -3839,7 +3839,7 @@
                 </p:nvSpPr>
                 <p:spPr>
                   <a:xfrm rot="19918054">
-                    <a:off x="2588899" y="3114240"/>
+                    <a:off x="2588899" y="3114242"/>
                     <a:ext cx="1429030" cy="221226"/>
                   </a:xfrm>
                   <a:prstGeom prst="rect">
@@ -3865,22 +3865,13 @@
                     <a14:m>
                       <m:oMath xmlns:m="http://schemas.openxmlformats.org/officeDocument/2006/math">
                         <m:r>
-                          <a:rPr lang="en-US" i="1">
+                          <a:rPr lang="en-US" b="0" i="1" smtClean="0">
                             <a:solidFill>
                               <a:srgbClr val="C00000"/>
                             </a:solidFill>
                             <a:latin typeface="Cambria Math" panose="02040503050406030204" pitchFamily="18" charset="0"/>
                           </a:rPr>
-                          <m:t>∠</m:t>
-                        </m:r>
-                        <m:r>
-                          <a:rPr lang="en-US" i="1">
-                            <a:solidFill>
-                              <a:srgbClr val="C00000"/>
-                            </a:solidFill>
-                            <a:latin typeface="Cambria Math" panose="02040503050406030204" pitchFamily="18" charset="0"/>
-                          </a:rPr>
-                          <m:t>𝑛</m:t>
+                          <m:t>𝛾</m:t>
                         </m:r>
                       </m:oMath>
                     </a14:m>
@@ -3910,7 +3901,7 @@
                 </p:nvSpPr>
                 <p:spPr>
                   <a:xfrm rot="19918054">
-                    <a:off x="2588899" y="3114240"/>
+                    <a:off x="2588899" y="3114242"/>
                     <a:ext cx="1429030" cy="221226"/>
                   </a:xfrm>
                   <a:prstGeom prst="rect">
@@ -3919,7 +3910,7 @@
                   <a:blipFill>
                     <a:blip r:embed="rId8"/>
                     <a:stretch>
-                      <a:fillRect l="-2210" b="-6957"/>
+                      <a:fillRect l="-2210" b="-6087"/>
                     </a:stretch>
                   </a:blipFill>
                 </p:spPr>
@@ -4047,8 +4038,8 @@
               </p:nvSpPr>
               <p:spPr>
                 <a:xfrm>
-                  <a:off x="4851560" y="3913259"/>
-                  <a:ext cx="591334" cy="374270"/>
+                  <a:off x="4853641" y="3964554"/>
+                  <a:ext cx="591334" cy="369332"/>
                 </a:xfrm>
                 <a:prstGeom prst="rect">
                   <a:avLst/>
@@ -4071,7 +4062,7 @@
                         <m:sSup>
                           <m:sSupPr>
                             <m:ctrlPr>
-                              <a:rPr lang="en-US" i="1">
+                              <a:rPr lang="en-US" i="1" smtClean="0">
                                 <a:solidFill>
                                   <a:srgbClr val="5B9BD5"/>
                                 </a:solidFill>
@@ -4092,13 +4083,13 @@
                           </m:e>
                           <m:sup>
                             <m:r>
-                              <a:rPr lang="en-US" i="1">
+                              <a:rPr lang="en-US" b="0" i="1" smtClean="0">
                                 <a:solidFill>
                                   <a:srgbClr val="5B9BD5"/>
                                 </a:solidFill>
                                 <a:latin typeface="Cambria Math" panose="02040503050406030204" pitchFamily="18" charset="0"/>
                               </a:rPr>
-                              <m:t>h</m:t>
+                              <m:t>𝑠</m:t>
                             </m:r>
                           </m:sup>
                         </m:sSup>
@@ -4131,8 +4122,8 @@
               </p:nvSpPr>
               <p:spPr>
                 <a:xfrm>
-                  <a:off x="4851560" y="3913259"/>
-                  <a:ext cx="591334" cy="374270"/>
+                  <a:off x="4853641" y="3964554"/>
+                  <a:ext cx="591334" cy="369332"/>
                 </a:xfrm>
                 <a:prstGeom prst="rect">
                   <a:avLst/>
@@ -4199,7 +4190,7 @@
                         <m:sSup>
                           <m:sSupPr>
                             <m:ctrlPr>
-                              <a:rPr lang="en-US" i="1">
+                              <a:rPr lang="en-US" i="1" smtClean="0">
                                 <a:solidFill>
                                   <a:srgbClr val="5B9BD5"/>
                                 </a:solidFill>
@@ -4220,13 +4211,13 @@
                           </m:e>
                           <m:sup>
                             <m:r>
-                              <a:rPr lang="en-US" i="1">
+                              <a:rPr lang="en-US" b="0" i="1" smtClean="0">
                                 <a:solidFill>
                                   <a:srgbClr val="5B9BD5"/>
                                 </a:solidFill>
                                 <a:latin typeface="Cambria Math" panose="02040503050406030204" pitchFamily="18" charset="0"/>
                               </a:rPr>
-                              <m:t>𝑣</m:t>
+                              <m:t>𝑐</m:t>
                             </m:r>
                           </m:sup>
                         </m:sSup>
@@ -4373,7 +4364,7 @@
                         <m:sSup>
                           <m:sSupPr>
                             <m:ctrlPr>
-                              <a:rPr lang="en-US" i="1">
+                              <a:rPr lang="en-US" i="1" smtClean="0">
                                 <a:solidFill>
                                   <a:srgbClr val="C00000"/>
                                 </a:solidFill>
@@ -4383,13 +4374,13 @@
                           </m:sSupPr>
                           <m:e>
                             <m:r>
-                              <a:rPr lang="en-US" i="1">
+                              <a:rPr lang="en-US" b="0" i="1" smtClean="0">
                                 <a:solidFill>
                                   <a:srgbClr val="C00000"/>
                                 </a:solidFill>
                                 <a:latin typeface="Cambria Math" panose="02040503050406030204" pitchFamily="18" charset="0"/>
                               </a:rPr>
-                              <m:t>𝑛</m:t>
+                              <m:t>𝛾</m:t>
                             </m:r>
                           </m:e>
                           <m:sup>
@@ -4442,7 +4433,7 @@
                 <a:blipFill>
                   <a:blip r:embed="rId11"/>
                   <a:stretch>
-                    <a:fillRect/>
+                    <a:fillRect b="-10000"/>
                   </a:stretch>
                 </a:blipFill>
               </p:spPr>
@@ -4501,7 +4492,7 @@
                         <m:sSup>
                           <m:sSupPr>
                             <m:ctrlPr>
-                              <a:rPr lang="en-US" i="1">
+                              <a:rPr lang="en-US" i="1" smtClean="0">
                                 <a:solidFill>
                                   <a:srgbClr val="C00000"/>
                                 </a:solidFill>
@@ -4511,13 +4502,13 @@
                           </m:sSupPr>
                           <m:e>
                             <m:r>
-                              <a:rPr lang="en-US" i="1">
+                              <a:rPr lang="en-US" b="0" i="1" smtClean="0">
                                 <a:solidFill>
                                   <a:srgbClr val="C00000"/>
                                 </a:solidFill>
                                 <a:latin typeface="Cambria Math" panose="02040503050406030204" pitchFamily="18" charset="0"/>
                               </a:rPr>
-                              <m:t>𝑛</m:t>
+                              <m:t>𝛾</m:t>
                             </m:r>
                           </m:e>
                           <m:sup>
@@ -4570,7 +4561,7 @@
                 <a:blipFill>
                   <a:blip r:embed="rId12"/>
                   <a:stretch>
-                    <a:fillRect/>
+                    <a:fillRect b="-6667"/>
                   </a:stretch>
                 </a:blipFill>
               </p:spPr>
@@ -4756,10 +4747,10 @@
       </p:sp>
       <p:grpSp>
         <p:nvGrpSpPr>
-          <p:cNvPr id="36" name="Group 35">
+          <p:cNvPr id="23" name="Group 22">
             <a:extLst>
               <a:ext uri="{FF2B5EF4-FFF2-40B4-BE49-F238E27FC236}">
-                <a16:creationId xmlns:a16="http://schemas.microsoft.com/office/drawing/2014/main" id="{2763F5A4-6912-14A0-297C-B744AC09D4F1}"/>
+                <a16:creationId xmlns:a16="http://schemas.microsoft.com/office/drawing/2014/main" id="{EE6EF2E6-A8D4-B05E-6037-AA987F45E65B}"/>
               </a:ext>
             </a:extLst>
           </p:cNvPr>
@@ -4768,58 +4759,12 @@
         </p:nvGrpSpPr>
         <p:grpSpPr>
           <a:xfrm>
-            <a:off x="1843331" y="4743072"/>
-            <a:ext cx="7307188" cy="3025371"/>
-            <a:chOff x="1843331" y="2077659"/>
-            <a:chExt cx="7307188" cy="3025371"/>
+            <a:off x="1877654" y="4577441"/>
+            <a:ext cx="7135910" cy="3025371"/>
+            <a:chOff x="1877654" y="4577441"/>
+            <a:chExt cx="7135910" cy="3025371"/>
           </a:xfrm>
         </p:grpSpPr>
-        <p:sp>
-          <p:nvSpPr>
-            <p:cNvPr id="25" name="Right Arrow 24">
-              <a:extLst>
-                <a:ext uri="{FF2B5EF4-FFF2-40B4-BE49-F238E27FC236}">
-                  <a16:creationId xmlns:a16="http://schemas.microsoft.com/office/drawing/2014/main" id="{155B2573-F316-10DD-90FA-79537815DD41}"/>
-                </a:ext>
-              </a:extLst>
-            </p:cNvPr>
-            <p:cNvSpPr/>
-            <p:nvPr/>
-          </p:nvSpPr>
-          <p:spPr>
-            <a:xfrm rot="5400000">
-              <a:off x="3578279" y="3556353"/>
-              <a:ext cx="201021" cy="107992"/>
-            </a:xfrm>
-            <a:prstGeom prst="rightArrow">
-              <a:avLst/>
-            </a:prstGeom>
-          </p:spPr>
-          <p:style>
-            <a:lnRef idx="2">
-              <a:schemeClr val="dk1">
-                <a:shade val="15000"/>
-              </a:schemeClr>
-            </a:lnRef>
-            <a:fillRef idx="1">
-              <a:schemeClr val="dk1"/>
-            </a:fillRef>
-            <a:effectRef idx="0">
-              <a:schemeClr val="dk1"/>
-            </a:effectRef>
-            <a:fontRef idx="minor">
-              <a:schemeClr val="lt1"/>
-            </a:fontRef>
-          </p:style>
-          <p:txBody>
-            <a:bodyPr rtlCol="0" anchor="ctr"/>
-            <a:lstStyle/>
-            <a:p>
-              <a:pPr algn="ctr"/>
-              <a:endParaRPr lang="en-US" dirty="0"/>
-            </a:p>
-          </p:txBody>
-        </p:sp>
         <p:sp>
           <p:nvSpPr>
             <p:cNvPr id="21" name="Right Arrow 20">
@@ -4834,7 +4779,7 @@
           </p:nvSpPr>
           <p:spPr>
             <a:xfrm>
-              <a:off x="5128985" y="2333191"/>
+              <a:off x="5163308" y="4832973"/>
               <a:ext cx="201021" cy="107992"/>
             </a:xfrm>
             <a:prstGeom prst="rightArrow">
@@ -4880,7 +4825,7 @@
           </p:nvSpPr>
           <p:spPr>
             <a:xfrm>
-              <a:off x="3958338" y="2323210"/>
+              <a:off x="3992661" y="4822992"/>
               <a:ext cx="201021" cy="107992"/>
             </a:xfrm>
             <a:prstGeom prst="rightArrow">
@@ -4926,7 +4871,7 @@
           </p:nvSpPr>
           <p:spPr>
             <a:xfrm>
-              <a:off x="2704164" y="2339898"/>
+              <a:off x="2738487" y="4839680"/>
               <a:ext cx="201021" cy="107992"/>
             </a:xfrm>
             <a:prstGeom prst="rightArrow">
@@ -4972,7 +4917,7 @@
           </p:nvSpPr>
           <p:spPr>
             <a:xfrm>
-              <a:off x="1843331" y="2093627"/>
+              <a:off x="1877654" y="4593409"/>
               <a:ext cx="972273" cy="567159"/>
             </a:xfrm>
             <a:prstGeom prst="parallelogram">
@@ -5035,7 +4980,7 @@
           </p:nvSpPr>
           <p:spPr>
             <a:xfrm>
-              <a:off x="2916116" y="2092953"/>
+              <a:off x="2950439" y="4592735"/>
               <a:ext cx="1090087" cy="601883"/>
             </a:xfrm>
             <a:prstGeom prst="rect">
@@ -5096,7 +5041,7 @@
           </p:nvSpPr>
           <p:spPr>
             <a:xfrm>
-              <a:off x="4179882" y="2077659"/>
+              <a:off x="4214205" y="4577441"/>
               <a:ext cx="979716" cy="601883"/>
             </a:xfrm>
             <a:prstGeom prst="rect">
@@ -5157,7 +5102,7 @@
           </p:nvSpPr>
           <p:spPr>
             <a:xfrm>
-              <a:off x="5333276" y="2080268"/>
+              <a:off x="5367599" y="4580050"/>
               <a:ext cx="1481972" cy="601883"/>
             </a:xfrm>
             <a:prstGeom prst="rect">
@@ -5221,8 +5166,8 @@
           </p:nvSpPr>
           <p:spPr>
             <a:xfrm>
-              <a:off x="4519856" y="2897714"/>
-              <a:ext cx="1240972" cy="601883"/>
+              <a:off x="5212993" y="5397496"/>
+              <a:ext cx="2213817" cy="601883"/>
             </a:xfrm>
             <a:prstGeom prst="rect">
               <a:avLst/>
@@ -5259,71 +5204,7 @@
                 <a:rPr lang="en-US" dirty="0">
                   <a:latin typeface="Modern No. 20" panose="02070704070505020303" pitchFamily="18" charset="77"/>
                 </a:rPr>
-                <a:t>Nacelle Calibration</a:t>
-              </a:r>
-            </a:p>
-          </p:txBody>
-        </p:sp>
-        <p:sp>
-          <p:nvSpPr>
-            <p:cNvPr id="10" name="Rectangle 9">
-              <a:extLst>
-                <a:ext uri="{FF2B5EF4-FFF2-40B4-BE49-F238E27FC236}">
-                  <a16:creationId xmlns:a16="http://schemas.microsoft.com/office/drawing/2014/main" id="{D2C7F752-23DD-FCA7-D9A4-DF3E85C56135}"/>
-                </a:ext>
-              </a:extLst>
-            </p:cNvPr>
-            <p:cNvSpPr/>
-            <p:nvPr/>
-          </p:nvSpPr>
-          <p:spPr>
-            <a:xfrm>
-              <a:off x="7576906" y="2896835"/>
-              <a:ext cx="1360715" cy="601883"/>
-            </a:xfrm>
-            <a:prstGeom prst="rect">
-              <a:avLst/>
-            </a:prstGeom>
-            <a:solidFill>
-              <a:srgbClr val="00B050"/>
-            </a:solidFill>
-            <a:ln>
-              <a:solidFill>
-                <a:schemeClr val="tx1"/>
-              </a:solidFill>
-            </a:ln>
-            <a:effectLst>
-              <a:outerShdw blurRad="50800" dist="38100" dir="5400000" algn="t" rotWithShape="0">
-                <a:prstClr val="black">
-                  <a:alpha val="40000"/>
-                </a:prstClr>
-              </a:outerShdw>
-            </a:effectLst>
-          </p:spPr>
-          <p:style>
-            <a:lnRef idx="0">
-              <a:schemeClr val="accent6"/>
-            </a:lnRef>
-            <a:fillRef idx="3">
-              <a:schemeClr val="accent6"/>
-            </a:fillRef>
-            <a:effectRef idx="3">
-              <a:schemeClr val="accent6"/>
-            </a:effectRef>
-            <a:fontRef idx="minor">
-              <a:schemeClr val="lt1"/>
-            </a:fontRef>
-          </p:style>
-          <p:txBody>
-            <a:bodyPr rtlCol="0" anchor="ctr"/>
-            <a:lstStyle/>
-            <a:p>
-              <a:pPr algn="ctr"/>
-              <a:r>
-                <a:rPr lang="en-US" dirty="0">
-                  <a:latin typeface="Modern No. 20" panose="02070704070505020303" pitchFamily="18" charset="77"/>
-                </a:rPr>
-                <a:t>Wind Speed Range Filter</a:t>
+                <a:t>Nacelle/Wind Direction Calibration</a:t>
               </a:r>
             </a:p>
           </p:txBody>
@@ -5342,7 +5223,7 @@
           </p:nvSpPr>
           <p:spPr>
             <a:xfrm>
-              <a:off x="5990787" y="2896836"/>
+              <a:off x="7649860" y="5397340"/>
               <a:ext cx="1360716" cy="601883"/>
             </a:xfrm>
             <a:prstGeom prst="rect">
@@ -5406,7 +5287,7 @@
           </p:nvSpPr>
           <p:spPr>
             <a:xfrm>
-              <a:off x="3058304" y="2894259"/>
+              <a:off x="3745413" y="5394041"/>
               <a:ext cx="1240971" cy="601883"/>
             </a:xfrm>
             <a:prstGeom prst="rect">
@@ -5468,7 +5349,7 @@
           </p:nvSpPr>
           <p:spPr>
             <a:xfrm>
-              <a:off x="3058304" y="3724961"/>
+              <a:off x="2433426" y="5392877"/>
               <a:ext cx="1090087" cy="601883"/>
             </a:xfrm>
             <a:prstGeom prst="rect">
@@ -5532,7 +5413,7 @@
           </p:nvSpPr>
           <p:spPr>
             <a:xfrm>
-              <a:off x="4376998" y="3730960"/>
+              <a:off x="2444582" y="6222971"/>
               <a:ext cx="1090087" cy="601883"/>
             </a:xfrm>
             <a:prstGeom prst="rect">
@@ -5596,7 +5477,7 @@
           </p:nvSpPr>
           <p:spPr>
             <a:xfrm>
-              <a:off x="5690964" y="3730960"/>
+              <a:off x="3755898" y="6222971"/>
               <a:ext cx="1090087" cy="601883"/>
             </a:xfrm>
             <a:prstGeom prst="rect">
@@ -5657,53 +5538,7 @@
           </p:nvSpPr>
           <p:spPr>
             <a:xfrm rot="5400000">
-              <a:off x="8102756" y="2730007"/>
-              <a:ext cx="201021" cy="107992"/>
-            </a:xfrm>
-            <a:prstGeom prst="rightArrow">
-              <a:avLst/>
-            </a:prstGeom>
-          </p:spPr>
-          <p:style>
-            <a:lnRef idx="2">
-              <a:schemeClr val="dk1">
-                <a:shade val="15000"/>
-              </a:schemeClr>
-            </a:lnRef>
-            <a:fillRef idx="1">
-              <a:schemeClr val="dk1"/>
-            </a:fillRef>
-            <a:effectRef idx="0">
-              <a:schemeClr val="dk1"/>
-            </a:effectRef>
-            <a:fontRef idx="minor">
-              <a:schemeClr val="lt1"/>
-            </a:fontRef>
-          </p:style>
-          <p:txBody>
-            <a:bodyPr rtlCol="0" anchor="ctr"/>
-            <a:lstStyle/>
-            <a:p>
-              <a:pPr algn="ctr"/>
-              <a:endParaRPr lang="en-US" dirty="0"/>
-            </a:p>
-          </p:txBody>
-        </p:sp>
-        <p:sp>
-          <p:nvSpPr>
-            <p:cNvPr id="23" name="Right Arrow 22">
-              <a:extLst>
-                <a:ext uri="{FF2B5EF4-FFF2-40B4-BE49-F238E27FC236}">
-                  <a16:creationId xmlns:a16="http://schemas.microsoft.com/office/drawing/2014/main" id="{047B492A-2B83-9DF5-801F-7A765793ABA3}"/>
-                </a:ext>
-              </a:extLst>
-            </p:cNvPr>
-            <p:cNvSpPr/>
-            <p:nvPr/>
-          </p:nvSpPr>
-          <p:spPr>
-            <a:xfrm rot="10800000">
-              <a:off x="7366363" y="3149296"/>
+              <a:off x="8229707" y="5225839"/>
               <a:ext cx="201021" cy="107992"/>
             </a:xfrm>
             <a:prstGeom prst="rightArrow">
@@ -5749,7 +5584,7 @@
           </p:nvSpPr>
           <p:spPr>
             <a:xfrm rot="10800000">
-              <a:off x="5774906" y="3149296"/>
+              <a:off x="7440888" y="5649078"/>
               <a:ext cx="201021" cy="107992"/>
             </a:xfrm>
             <a:prstGeom prst="rightArrow">
@@ -5795,100 +5630,8 @@
           </p:nvSpPr>
           <p:spPr>
             <a:xfrm>
-              <a:off x="6792480" y="3975290"/>
-              <a:ext cx="201021" cy="107992"/>
-            </a:xfrm>
-            <a:prstGeom prst="rightArrow">
-              <a:avLst/>
-            </a:prstGeom>
-          </p:spPr>
-          <p:style>
-            <a:lnRef idx="2">
-              <a:schemeClr val="dk1">
-                <a:shade val="15000"/>
-              </a:schemeClr>
-            </a:lnRef>
-            <a:fillRef idx="1">
-              <a:schemeClr val="dk1"/>
-            </a:fillRef>
-            <a:effectRef idx="0">
-              <a:schemeClr val="dk1"/>
-            </a:effectRef>
-            <a:fontRef idx="minor">
-              <a:schemeClr val="lt1"/>
-            </a:fontRef>
-          </p:style>
-          <p:txBody>
-            <a:bodyPr rtlCol="0" anchor="ctr"/>
-            <a:lstStyle/>
-            <a:p>
-              <a:pPr algn="ctr"/>
-              <a:endParaRPr lang="en-US" dirty="0"/>
-            </a:p>
-          </p:txBody>
-        </p:sp>
-        <p:sp>
-          <p:nvSpPr>
-            <p:cNvPr id="27" name="Right Arrow 26">
-              <a:extLst>
-                <a:ext uri="{FF2B5EF4-FFF2-40B4-BE49-F238E27FC236}">
-                  <a16:creationId xmlns:a16="http://schemas.microsoft.com/office/drawing/2014/main" id="{9D8E2814-7D1C-7D20-5945-DCA4E0CA8BBB}"/>
-                </a:ext>
-              </a:extLst>
-            </p:cNvPr>
-            <p:cNvSpPr/>
-            <p:nvPr/>
-          </p:nvSpPr>
-          <p:spPr>
-            <a:xfrm>
-              <a:off x="4153480" y="3991285"/>
-              <a:ext cx="201021" cy="107992"/>
-            </a:xfrm>
-            <a:prstGeom prst="rightArrow">
-              <a:avLst/>
-            </a:prstGeom>
-          </p:spPr>
-          <p:style>
-            <a:lnRef idx="2">
-              <a:schemeClr val="dk1">
-                <a:shade val="15000"/>
-              </a:schemeClr>
-            </a:lnRef>
-            <a:fillRef idx="1">
-              <a:schemeClr val="dk1"/>
-            </a:fillRef>
-            <a:effectRef idx="0">
-              <a:schemeClr val="dk1"/>
-            </a:effectRef>
-            <a:fontRef idx="minor">
-              <a:schemeClr val="lt1"/>
-            </a:fontRef>
-          </p:style>
-          <p:txBody>
-            <a:bodyPr rtlCol="0" anchor="ctr"/>
-            <a:lstStyle/>
-            <a:p>
-              <a:pPr algn="ctr"/>
-              <a:endParaRPr lang="en-US" dirty="0"/>
-            </a:p>
-          </p:txBody>
-        </p:sp>
-        <p:sp>
-          <p:nvSpPr>
-            <p:cNvPr id="28" name="Right Arrow 27">
-              <a:extLst>
-                <a:ext uri="{FF2B5EF4-FFF2-40B4-BE49-F238E27FC236}">
-                  <a16:creationId xmlns:a16="http://schemas.microsoft.com/office/drawing/2014/main" id="{DB3E9253-11C7-1549-5F16-30359315B5A6}"/>
-                </a:ext>
-              </a:extLst>
-            </p:cNvPr>
-            <p:cNvSpPr/>
-            <p:nvPr/>
-          </p:nvSpPr>
-          <p:spPr>
-            <a:xfrm>
-              <a:off x="5478514" y="3971906"/>
-              <a:ext cx="201021" cy="107992"/>
+              <a:off x="6648950" y="6471175"/>
+              <a:ext cx="201021" cy="105475"/>
             </a:xfrm>
             <a:prstGeom prst="rightArrow">
               <a:avLst/>
@@ -5933,7 +5676,7 @@
           </p:nvSpPr>
           <p:spPr>
             <a:xfrm>
-              <a:off x="3129837" y="4594420"/>
+              <a:off x="1976611" y="7094202"/>
               <a:ext cx="502256" cy="199821"/>
             </a:xfrm>
             <a:prstGeom prst="rect">
@@ -5987,7 +5730,7 @@
           </p:nvSpPr>
           <p:spPr>
             <a:xfrm>
-              <a:off x="3129836" y="4849231"/>
+              <a:off x="1976610" y="7349013"/>
               <a:ext cx="502257" cy="199821"/>
             </a:xfrm>
             <a:prstGeom prst="rect">
@@ -6045,7 +5788,7 @@
           </p:nvSpPr>
           <p:spPr>
             <a:xfrm>
-              <a:off x="5293252" y="4594420"/>
+              <a:off x="4140026" y="7094202"/>
               <a:ext cx="502256" cy="199821"/>
             </a:xfrm>
             <a:prstGeom prst="rect">
@@ -6103,7 +5846,7 @@
           </p:nvSpPr>
           <p:spPr>
             <a:xfrm>
-              <a:off x="5293251" y="4849231"/>
+              <a:off x="4140025" y="7349013"/>
               <a:ext cx="502258" cy="199821"/>
             </a:xfrm>
             <a:prstGeom prst="rect">
@@ -6157,7 +5900,7 @@
           </p:nvSpPr>
           <p:spPr>
             <a:xfrm>
-              <a:off x="3613404" y="4540442"/>
+              <a:off x="2460178" y="7040224"/>
               <a:ext cx="1303562" cy="307777"/>
             </a:xfrm>
             <a:prstGeom prst="rect">
@@ -6194,7 +5937,7 @@
           </p:nvSpPr>
           <p:spPr>
             <a:xfrm>
-              <a:off x="3619317" y="4795253"/>
+              <a:off x="2466091" y="7295035"/>
               <a:ext cx="1713931" cy="307777"/>
             </a:xfrm>
             <a:prstGeom prst="rect">
@@ -6231,7 +5974,7 @@
           </p:nvSpPr>
           <p:spPr>
             <a:xfrm>
-              <a:off x="5795507" y="4540442"/>
+              <a:off x="4642281" y="7040224"/>
               <a:ext cx="1096775" cy="307777"/>
             </a:xfrm>
             <a:prstGeom prst="rect">
@@ -6268,7 +6011,7 @@
           </p:nvSpPr>
           <p:spPr>
             <a:xfrm>
-              <a:off x="5795506" y="4795253"/>
+              <a:off x="4642280" y="7295035"/>
               <a:ext cx="1269899" cy="307777"/>
             </a:xfrm>
             <a:prstGeom prst="rect">
@@ -6305,7 +6048,7 @@
           </p:nvSpPr>
           <p:spPr>
             <a:xfrm>
-              <a:off x="6936702" y="3745361"/>
+              <a:off x="6791314" y="6240333"/>
               <a:ext cx="2213817" cy="567159"/>
             </a:xfrm>
             <a:prstGeom prst="parallelogram">
@@ -6368,7 +6111,7 @@
           </p:nvSpPr>
           <p:spPr>
             <a:xfrm>
-              <a:off x="6988330" y="2095281"/>
+              <a:off x="7064273" y="4582432"/>
               <a:ext cx="1949291" cy="601883"/>
             </a:xfrm>
             <a:prstGeom prst="rect">
@@ -6432,7 +6175,299 @@
           </p:nvSpPr>
           <p:spPr>
             <a:xfrm rot="10800000">
-              <a:off x="4309055" y="3141595"/>
+              <a:off x="4996164" y="5641377"/>
+              <a:ext cx="201021" cy="107992"/>
+            </a:xfrm>
+            <a:prstGeom prst="rightArrow">
+              <a:avLst/>
+            </a:prstGeom>
+          </p:spPr>
+          <p:style>
+            <a:lnRef idx="2">
+              <a:schemeClr val="dk1">
+                <a:shade val="15000"/>
+              </a:schemeClr>
+            </a:lnRef>
+            <a:fillRef idx="1">
+              <a:schemeClr val="dk1"/>
+            </a:fillRef>
+            <a:effectRef idx="0">
+              <a:schemeClr val="dk1"/>
+            </a:effectRef>
+            <a:fontRef idx="minor">
+              <a:schemeClr val="lt1"/>
+            </a:fontRef>
+          </p:style>
+          <p:txBody>
+            <a:bodyPr rtlCol="0" anchor="ctr"/>
+            <a:lstStyle/>
+            <a:p>
+              <a:pPr algn="ctr"/>
+              <a:endParaRPr lang="en-US" dirty="0"/>
+            </a:p>
+          </p:txBody>
+        </p:sp>
+        <p:sp>
+          <p:nvSpPr>
+            <p:cNvPr id="2" name="Rectangle 1">
+              <a:extLst>
+                <a:ext uri="{FF2B5EF4-FFF2-40B4-BE49-F238E27FC236}">
+                  <a16:creationId xmlns:a16="http://schemas.microsoft.com/office/drawing/2014/main" id="{651DE91C-D0ED-8888-27B5-CF8304D3924E}"/>
+                </a:ext>
+              </a:extLst>
+            </p:cNvPr>
+            <p:cNvSpPr/>
+            <p:nvPr/>
+          </p:nvSpPr>
+          <p:spPr>
+            <a:xfrm>
+              <a:off x="5076686" y="6222971"/>
+              <a:ext cx="1561651" cy="601883"/>
+            </a:xfrm>
+            <a:prstGeom prst="rect">
+              <a:avLst/>
+            </a:prstGeom>
+            <a:solidFill>
+              <a:srgbClr val="00B0F0"/>
+            </a:solidFill>
+            <a:ln w="9525"/>
+            <a:effectLst>
+              <a:outerShdw blurRad="50800" dist="38100" dir="8100000" algn="tr" rotWithShape="0">
+                <a:prstClr val="black">
+                  <a:alpha val="40000"/>
+                </a:prstClr>
+              </a:outerShdw>
+            </a:effectLst>
+          </p:spPr>
+          <p:style>
+            <a:lnRef idx="2">
+              <a:schemeClr val="accent4">
+                <a:shade val="15000"/>
+              </a:schemeClr>
+            </a:lnRef>
+            <a:fillRef idx="1">
+              <a:schemeClr val="accent4"/>
+            </a:fillRef>
+            <a:effectRef idx="0">
+              <a:schemeClr val="accent4"/>
+            </a:effectRef>
+            <a:fontRef idx="minor">
+              <a:schemeClr val="lt1"/>
+            </a:fontRef>
+          </p:style>
+          <p:txBody>
+            <a:bodyPr rtlCol="0" anchor="ctr"/>
+            <a:lstStyle/>
+            <a:p>
+              <a:pPr algn="ctr"/>
+              <a:r>
+                <a:rPr lang="en-US" dirty="0">
+                  <a:latin typeface="Modern No. 20" panose="02070704070505020303" pitchFamily="18" charset="77"/>
+                </a:rPr>
+                <a:t>Normalization</a:t>
+              </a:r>
+            </a:p>
+          </p:txBody>
+        </p:sp>
+        <p:sp>
+          <p:nvSpPr>
+            <p:cNvPr id="41" name="Right Arrow 40">
+              <a:extLst>
+                <a:ext uri="{FF2B5EF4-FFF2-40B4-BE49-F238E27FC236}">
+                  <a16:creationId xmlns:a16="http://schemas.microsoft.com/office/drawing/2014/main" id="{7F0EA875-9320-77C3-463D-B3802F4E65EC}"/>
+                </a:ext>
+              </a:extLst>
+            </p:cNvPr>
+            <p:cNvSpPr/>
+            <p:nvPr/>
+          </p:nvSpPr>
+          <p:spPr>
+            <a:xfrm>
+              <a:off x="6849594" y="4828724"/>
+              <a:ext cx="201021" cy="107992"/>
+            </a:xfrm>
+            <a:prstGeom prst="rightArrow">
+              <a:avLst/>
+            </a:prstGeom>
+          </p:spPr>
+          <p:style>
+            <a:lnRef idx="2">
+              <a:schemeClr val="dk1">
+                <a:shade val="15000"/>
+              </a:schemeClr>
+            </a:lnRef>
+            <a:fillRef idx="1">
+              <a:schemeClr val="dk1"/>
+            </a:fillRef>
+            <a:effectRef idx="0">
+              <a:schemeClr val="dk1"/>
+            </a:effectRef>
+            <a:fontRef idx="minor">
+              <a:schemeClr val="lt1"/>
+            </a:fontRef>
+          </p:style>
+          <p:txBody>
+            <a:bodyPr rtlCol="0" anchor="ctr"/>
+            <a:lstStyle/>
+            <a:p>
+              <a:pPr algn="ctr"/>
+              <a:endParaRPr lang="en-US" dirty="0"/>
+            </a:p>
+          </p:txBody>
+        </p:sp>
+        <p:sp>
+          <p:nvSpPr>
+            <p:cNvPr id="42" name="Right Arrow 41">
+              <a:extLst>
+                <a:ext uri="{FF2B5EF4-FFF2-40B4-BE49-F238E27FC236}">
+                  <a16:creationId xmlns:a16="http://schemas.microsoft.com/office/drawing/2014/main" id="{B4D351F7-DFC8-A7DB-BE99-C494A14FABBE}"/>
+                </a:ext>
+              </a:extLst>
+            </p:cNvPr>
+            <p:cNvSpPr/>
+            <p:nvPr/>
+          </p:nvSpPr>
+          <p:spPr>
+            <a:xfrm rot="10800000">
+              <a:off x="3534788" y="5635009"/>
+              <a:ext cx="201021" cy="107992"/>
+            </a:xfrm>
+            <a:prstGeom prst="rightArrow">
+              <a:avLst/>
+            </a:prstGeom>
+          </p:spPr>
+          <p:style>
+            <a:lnRef idx="2">
+              <a:schemeClr val="dk1">
+                <a:shade val="15000"/>
+              </a:schemeClr>
+            </a:lnRef>
+            <a:fillRef idx="1">
+              <a:schemeClr val="dk1"/>
+            </a:fillRef>
+            <a:effectRef idx="0">
+              <a:schemeClr val="dk1"/>
+            </a:effectRef>
+            <a:fontRef idx="minor">
+              <a:schemeClr val="lt1"/>
+            </a:fontRef>
+          </p:style>
+          <p:txBody>
+            <a:bodyPr rtlCol="0" anchor="ctr"/>
+            <a:lstStyle/>
+            <a:p>
+              <a:pPr algn="ctr"/>
+              <a:endParaRPr lang="en-US" dirty="0"/>
+            </a:p>
+          </p:txBody>
+        </p:sp>
+        <p:sp>
+          <p:nvSpPr>
+            <p:cNvPr id="43" name="Right Arrow 42">
+              <a:extLst>
+                <a:ext uri="{FF2B5EF4-FFF2-40B4-BE49-F238E27FC236}">
+                  <a16:creationId xmlns:a16="http://schemas.microsoft.com/office/drawing/2014/main" id="{E11D6FD3-2041-3783-0135-9A00C405A498}"/>
+                </a:ext>
+              </a:extLst>
+            </p:cNvPr>
+            <p:cNvSpPr/>
+            <p:nvPr/>
+          </p:nvSpPr>
+          <p:spPr>
+            <a:xfrm>
+              <a:off x="4852874" y="6469916"/>
+              <a:ext cx="201021" cy="107992"/>
+            </a:xfrm>
+            <a:prstGeom prst="rightArrow">
+              <a:avLst/>
+            </a:prstGeom>
+          </p:spPr>
+          <p:style>
+            <a:lnRef idx="2">
+              <a:schemeClr val="dk1">
+                <a:shade val="15000"/>
+              </a:schemeClr>
+            </a:lnRef>
+            <a:fillRef idx="1">
+              <a:schemeClr val="dk1"/>
+            </a:fillRef>
+            <a:effectRef idx="0">
+              <a:schemeClr val="dk1"/>
+            </a:effectRef>
+            <a:fontRef idx="minor">
+              <a:schemeClr val="lt1"/>
+            </a:fontRef>
+          </p:style>
+          <p:txBody>
+            <a:bodyPr rtlCol="0" anchor="ctr"/>
+            <a:lstStyle/>
+            <a:p>
+              <a:pPr algn="ctr"/>
+              <a:endParaRPr lang="en-US" dirty="0"/>
+            </a:p>
+          </p:txBody>
+        </p:sp>
+        <p:sp>
+          <p:nvSpPr>
+            <p:cNvPr id="44" name="Right Arrow 43">
+              <a:extLst>
+                <a:ext uri="{FF2B5EF4-FFF2-40B4-BE49-F238E27FC236}">
+                  <a16:creationId xmlns:a16="http://schemas.microsoft.com/office/drawing/2014/main" id="{F0E99AE0-4FF2-6503-BB76-E738750F0D11}"/>
+                </a:ext>
+              </a:extLst>
+            </p:cNvPr>
+            <p:cNvSpPr/>
+            <p:nvPr/>
+          </p:nvSpPr>
+          <p:spPr>
+            <a:xfrm rot="5400000">
+              <a:off x="2877958" y="6054116"/>
+              <a:ext cx="201021" cy="107992"/>
+            </a:xfrm>
+            <a:prstGeom prst="rightArrow">
+              <a:avLst/>
+            </a:prstGeom>
+          </p:spPr>
+          <p:style>
+            <a:lnRef idx="2">
+              <a:schemeClr val="dk1">
+                <a:shade val="15000"/>
+              </a:schemeClr>
+            </a:lnRef>
+            <a:fillRef idx="1">
+              <a:schemeClr val="dk1"/>
+            </a:fillRef>
+            <a:effectRef idx="0">
+              <a:schemeClr val="dk1"/>
+            </a:effectRef>
+            <a:fontRef idx="minor">
+              <a:schemeClr val="lt1"/>
+            </a:fontRef>
+          </p:style>
+          <p:txBody>
+            <a:bodyPr rtlCol="0" anchor="ctr"/>
+            <a:lstStyle/>
+            <a:p>
+              <a:pPr algn="ctr"/>
+              <a:endParaRPr lang="en-US" dirty="0"/>
+            </a:p>
+          </p:txBody>
+        </p:sp>
+        <p:sp>
+          <p:nvSpPr>
+            <p:cNvPr id="10" name="Right Arrow 9">
+              <a:extLst>
+                <a:ext uri="{FF2B5EF4-FFF2-40B4-BE49-F238E27FC236}">
+                  <a16:creationId xmlns:a16="http://schemas.microsoft.com/office/drawing/2014/main" id="{8D87CEBC-B562-369C-9272-65E20ECB56E8}"/>
+                </a:ext>
+              </a:extLst>
+            </p:cNvPr>
+            <p:cNvSpPr/>
+            <p:nvPr/>
+          </p:nvSpPr>
+          <p:spPr>
+            <a:xfrm>
+              <a:off x="3541932" y="6469916"/>
               <a:ext cx="201021" cy="107992"/>
             </a:xfrm>
             <a:prstGeom prst="rightArrow">

--- a/examples/figures/wind_forecasting_figs [Autosaved].pptx
+++ b/examples/figures/wind_forecasting_figs [Autosaved].pptx
@@ -4,6 +4,9 @@
   <p:sldMasterIdLst>
     <p:sldMasterId id="2147483660" r:id="rId1"/>
   </p:sldMasterIdLst>
+  <p:notesMasterIdLst>
+    <p:notesMasterId r:id="rId5"/>
+  </p:notesMasterIdLst>
   <p:sldIdLst>
     <p:sldId id="256" r:id="rId2"/>
     <p:sldId id="257" r:id="rId3"/>
@@ -112,6 +115,439 @@
     </p:ext>
   </p:extLst>
 </p:presentation>
+</file>
+
+<file path=ppt/notesMasters/notesMaster1.xml><?xml version="1.0" encoding="utf-8"?>
+<p:notesMaster xmlns:a="http://schemas.openxmlformats.org/drawingml/2006/main" xmlns:r="http://schemas.openxmlformats.org/officeDocument/2006/relationships" xmlns:p="http://schemas.openxmlformats.org/presentationml/2006/main">
+  <p:cSld>
+    <p:bg>
+      <p:bgRef idx="1001">
+        <a:schemeClr val="bg1"/>
+      </p:bgRef>
+    </p:bg>
+    <p:spTree>
+      <p:nvGrpSpPr>
+        <p:cNvPr id="1" name=""/>
+        <p:cNvGrpSpPr/>
+        <p:nvPr/>
+      </p:nvGrpSpPr>
+      <p:grpSpPr>
+        <a:xfrm>
+          <a:off x="0" y="0"/>
+          <a:ext cx="0" cy="0"/>
+          <a:chOff x="0" y="0"/>
+          <a:chExt cx="0" cy="0"/>
+        </a:xfrm>
+      </p:grpSpPr>
+      <p:sp>
+        <p:nvSpPr>
+          <p:cNvPr id="2" name="Header Placeholder 1"/>
+          <p:cNvSpPr>
+            <a:spLocks noGrp="1"/>
+          </p:cNvSpPr>
+          <p:nvPr>
+            <p:ph type="hdr" sz="quarter"/>
+          </p:nvPr>
+        </p:nvSpPr>
+        <p:spPr>
+          <a:xfrm>
+            <a:off x="0" y="0"/>
+            <a:ext cx="2971800" cy="458788"/>
+          </a:xfrm>
+          <a:prstGeom prst="rect">
+            <a:avLst/>
+          </a:prstGeom>
+        </p:spPr>
+        <p:txBody>
+          <a:bodyPr vert="horz" lIns="91440" tIns="45720" rIns="91440" bIns="45720" rtlCol="0"/>
+          <a:lstStyle>
+            <a:lvl1pPr algn="l">
+              <a:defRPr sz="1200"/>
+            </a:lvl1pPr>
+          </a:lstStyle>
+          <a:p>
+            <a:endParaRPr lang="en-US"/>
+          </a:p>
+        </p:txBody>
+      </p:sp>
+      <p:sp>
+        <p:nvSpPr>
+          <p:cNvPr id="3" name="Date Placeholder 2"/>
+          <p:cNvSpPr>
+            <a:spLocks noGrp="1"/>
+          </p:cNvSpPr>
+          <p:nvPr>
+            <p:ph type="dt" idx="1"/>
+          </p:nvPr>
+        </p:nvSpPr>
+        <p:spPr>
+          <a:xfrm>
+            <a:off x="3884613" y="0"/>
+            <a:ext cx="2971800" cy="458788"/>
+          </a:xfrm>
+          <a:prstGeom prst="rect">
+            <a:avLst/>
+          </a:prstGeom>
+        </p:spPr>
+        <p:txBody>
+          <a:bodyPr vert="horz" lIns="91440" tIns="45720" rIns="91440" bIns="45720" rtlCol="0"/>
+          <a:lstStyle>
+            <a:lvl1pPr algn="r">
+              <a:defRPr sz="1200"/>
+            </a:lvl1pPr>
+          </a:lstStyle>
+          <a:p>
+            <a:fld id="{3380F61D-5888-4F45-B58C-AFF11477949F}" type="datetimeFigureOut">
+              <a:rPr lang="en-US" smtClean="0"/>
+              <a:t>4/14/25</a:t>
+            </a:fld>
+            <a:endParaRPr lang="en-US"/>
+          </a:p>
+        </p:txBody>
+      </p:sp>
+      <p:sp>
+        <p:nvSpPr>
+          <p:cNvPr id="4" name="Slide Image Placeholder 3"/>
+          <p:cNvSpPr>
+            <a:spLocks noGrp="1" noRot="1" noChangeAspect="1"/>
+          </p:cNvSpPr>
+          <p:nvPr>
+            <p:ph type="sldImg" idx="2"/>
+          </p:nvPr>
+        </p:nvSpPr>
+        <p:spPr>
+          <a:xfrm>
+            <a:off x="1885950" y="1143000"/>
+            <a:ext cx="3086100" cy="3086100"/>
+          </a:xfrm>
+          <a:prstGeom prst="rect">
+            <a:avLst/>
+          </a:prstGeom>
+          <a:noFill/>
+          <a:ln w="12700">
+            <a:solidFill>
+              <a:prstClr val="black"/>
+            </a:solidFill>
+          </a:ln>
+        </p:spPr>
+        <p:txBody>
+          <a:bodyPr vert="horz" lIns="91440" tIns="45720" rIns="91440" bIns="45720" rtlCol="0" anchor="ctr"/>
+          <a:lstStyle/>
+          <a:p>
+            <a:endParaRPr lang="en-US"/>
+          </a:p>
+        </p:txBody>
+      </p:sp>
+      <p:sp>
+        <p:nvSpPr>
+          <p:cNvPr id="5" name="Notes Placeholder 4"/>
+          <p:cNvSpPr>
+            <a:spLocks noGrp="1"/>
+          </p:cNvSpPr>
+          <p:nvPr>
+            <p:ph type="body" sz="quarter" idx="3"/>
+          </p:nvPr>
+        </p:nvSpPr>
+        <p:spPr>
+          <a:xfrm>
+            <a:off x="685800" y="4400550"/>
+            <a:ext cx="5486400" cy="3600450"/>
+          </a:xfrm>
+          <a:prstGeom prst="rect">
+            <a:avLst/>
+          </a:prstGeom>
+        </p:spPr>
+        <p:txBody>
+          <a:bodyPr vert="horz" lIns="91440" tIns="45720" rIns="91440" bIns="45720" rtlCol="0"/>
+          <a:lstStyle/>
+          <a:p>
+            <a:pPr lvl="0"/>
+            <a:r>
+              <a:rPr lang="en-US"/>
+              <a:t>Click to edit Master text styles</a:t>
+            </a:r>
+          </a:p>
+          <a:p>
+            <a:pPr lvl="1"/>
+            <a:r>
+              <a:rPr lang="en-US"/>
+              <a:t>Second level</a:t>
+            </a:r>
+          </a:p>
+          <a:p>
+            <a:pPr lvl="2"/>
+            <a:r>
+              <a:rPr lang="en-US"/>
+              <a:t>Third level</a:t>
+            </a:r>
+          </a:p>
+          <a:p>
+            <a:pPr lvl="3"/>
+            <a:r>
+              <a:rPr lang="en-US"/>
+              <a:t>Fourth level</a:t>
+            </a:r>
+          </a:p>
+          <a:p>
+            <a:pPr lvl="4"/>
+            <a:r>
+              <a:rPr lang="en-US"/>
+              <a:t>Fifth level</a:t>
+            </a:r>
+          </a:p>
+        </p:txBody>
+      </p:sp>
+      <p:sp>
+        <p:nvSpPr>
+          <p:cNvPr id="6" name="Footer Placeholder 5"/>
+          <p:cNvSpPr>
+            <a:spLocks noGrp="1"/>
+          </p:cNvSpPr>
+          <p:nvPr>
+            <p:ph type="ftr" sz="quarter" idx="4"/>
+          </p:nvPr>
+        </p:nvSpPr>
+        <p:spPr>
+          <a:xfrm>
+            <a:off x="0" y="8685213"/>
+            <a:ext cx="2971800" cy="458787"/>
+          </a:xfrm>
+          <a:prstGeom prst="rect">
+            <a:avLst/>
+          </a:prstGeom>
+        </p:spPr>
+        <p:txBody>
+          <a:bodyPr vert="horz" lIns="91440" tIns="45720" rIns="91440" bIns="45720" rtlCol="0" anchor="b"/>
+          <a:lstStyle>
+            <a:lvl1pPr algn="l">
+              <a:defRPr sz="1200"/>
+            </a:lvl1pPr>
+          </a:lstStyle>
+          <a:p>
+            <a:endParaRPr lang="en-US"/>
+          </a:p>
+        </p:txBody>
+      </p:sp>
+      <p:sp>
+        <p:nvSpPr>
+          <p:cNvPr id="7" name="Slide Number Placeholder 6"/>
+          <p:cNvSpPr>
+            <a:spLocks noGrp="1"/>
+          </p:cNvSpPr>
+          <p:nvPr>
+            <p:ph type="sldNum" sz="quarter" idx="5"/>
+          </p:nvPr>
+        </p:nvSpPr>
+        <p:spPr>
+          <a:xfrm>
+            <a:off x="3884613" y="8685213"/>
+            <a:ext cx="2971800" cy="458787"/>
+          </a:xfrm>
+          <a:prstGeom prst="rect">
+            <a:avLst/>
+          </a:prstGeom>
+        </p:spPr>
+        <p:txBody>
+          <a:bodyPr vert="horz" lIns="91440" tIns="45720" rIns="91440" bIns="45720" rtlCol="0" anchor="b"/>
+          <a:lstStyle>
+            <a:lvl1pPr algn="r">
+              <a:defRPr sz="1200"/>
+            </a:lvl1pPr>
+          </a:lstStyle>
+          <a:p>
+            <a:fld id="{49DBF009-32B7-474B-98BB-6B0A10F59D6A}" type="slidenum">
+              <a:rPr lang="en-US" smtClean="0"/>
+              <a:t>‹#›</a:t>
+            </a:fld>
+            <a:endParaRPr lang="en-US"/>
+          </a:p>
+        </p:txBody>
+      </p:sp>
+    </p:spTree>
+    <p:extLst>
+      <p:ext uri="{BB962C8B-B14F-4D97-AF65-F5344CB8AC3E}">
+        <p14:creationId xmlns:p14="http://schemas.microsoft.com/office/powerpoint/2010/main" val="4059160216"/>
+      </p:ext>
+    </p:extLst>
+  </p:cSld>
+  <p:clrMap bg1="lt1" tx1="dk1" bg2="lt2" tx2="dk2" accent1="accent1" accent2="accent2" accent3="accent3" accent4="accent4" accent5="accent5" accent6="accent6" hlink="hlink" folHlink="folHlink"/>
+  <p:notesStyle>
+    <a:lvl1pPr marL="0" algn="l" defTabSz="914400" rtl="0" eaLnBrk="1" latinLnBrk="0" hangingPunct="1">
+      <a:defRPr sz="1200" kern="1200">
+        <a:solidFill>
+          <a:schemeClr val="tx1"/>
+        </a:solidFill>
+        <a:latin typeface="+mn-lt"/>
+        <a:ea typeface="+mn-ea"/>
+        <a:cs typeface="+mn-cs"/>
+      </a:defRPr>
+    </a:lvl1pPr>
+    <a:lvl2pPr marL="457200" algn="l" defTabSz="914400" rtl="0" eaLnBrk="1" latinLnBrk="0" hangingPunct="1">
+      <a:defRPr sz="1200" kern="1200">
+        <a:solidFill>
+          <a:schemeClr val="tx1"/>
+        </a:solidFill>
+        <a:latin typeface="+mn-lt"/>
+        <a:ea typeface="+mn-ea"/>
+        <a:cs typeface="+mn-cs"/>
+      </a:defRPr>
+    </a:lvl2pPr>
+    <a:lvl3pPr marL="914400" algn="l" defTabSz="914400" rtl="0" eaLnBrk="1" latinLnBrk="0" hangingPunct="1">
+      <a:defRPr sz="1200" kern="1200">
+        <a:solidFill>
+          <a:schemeClr val="tx1"/>
+        </a:solidFill>
+        <a:latin typeface="+mn-lt"/>
+        <a:ea typeface="+mn-ea"/>
+        <a:cs typeface="+mn-cs"/>
+      </a:defRPr>
+    </a:lvl3pPr>
+    <a:lvl4pPr marL="1371600" algn="l" defTabSz="914400" rtl="0" eaLnBrk="1" latinLnBrk="0" hangingPunct="1">
+      <a:defRPr sz="1200" kern="1200">
+        <a:solidFill>
+          <a:schemeClr val="tx1"/>
+        </a:solidFill>
+        <a:latin typeface="+mn-lt"/>
+        <a:ea typeface="+mn-ea"/>
+        <a:cs typeface="+mn-cs"/>
+      </a:defRPr>
+    </a:lvl4pPr>
+    <a:lvl5pPr marL="1828800" algn="l" defTabSz="914400" rtl="0" eaLnBrk="1" latinLnBrk="0" hangingPunct="1">
+      <a:defRPr sz="1200" kern="1200">
+        <a:solidFill>
+          <a:schemeClr val="tx1"/>
+        </a:solidFill>
+        <a:latin typeface="+mn-lt"/>
+        <a:ea typeface="+mn-ea"/>
+        <a:cs typeface="+mn-cs"/>
+      </a:defRPr>
+    </a:lvl5pPr>
+    <a:lvl6pPr marL="2286000" algn="l" defTabSz="914400" rtl="0" eaLnBrk="1" latinLnBrk="0" hangingPunct="1">
+      <a:defRPr sz="1200" kern="1200">
+        <a:solidFill>
+          <a:schemeClr val="tx1"/>
+        </a:solidFill>
+        <a:latin typeface="+mn-lt"/>
+        <a:ea typeface="+mn-ea"/>
+        <a:cs typeface="+mn-cs"/>
+      </a:defRPr>
+    </a:lvl6pPr>
+    <a:lvl7pPr marL="2743200" algn="l" defTabSz="914400" rtl="0" eaLnBrk="1" latinLnBrk="0" hangingPunct="1">
+      <a:defRPr sz="1200" kern="1200">
+        <a:solidFill>
+          <a:schemeClr val="tx1"/>
+        </a:solidFill>
+        <a:latin typeface="+mn-lt"/>
+        <a:ea typeface="+mn-ea"/>
+        <a:cs typeface="+mn-cs"/>
+      </a:defRPr>
+    </a:lvl7pPr>
+    <a:lvl8pPr marL="3200400" algn="l" defTabSz="914400" rtl="0" eaLnBrk="1" latinLnBrk="0" hangingPunct="1">
+      <a:defRPr sz="1200" kern="1200">
+        <a:solidFill>
+          <a:schemeClr val="tx1"/>
+        </a:solidFill>
+        <a:latin typeface="+mn-lt"/>
+        <a:ea typeface="+mn-ea"/>
+        <a:cs typeface="+mn-cs"/>
+      </a:defRPr>
+    </a:lvl8pPr>
+    <a:lvl9pPr marL="3657600" algn="l" defTabSz="914400" rtl="0" eaLnBrk="1" latinLnBrk="0" hangingPunct="1">
+      <a:defRPr sz="1200" kern="1200">
+        <a:solidFill>
+          <a:schemeClr val="tx1"/>
+        </a:solidFill>
+        <a:latin typeface="+mn-lt"/>
+        <a:ea typeface="+mn-ea"/>
+        <a:cs typeface="+mn-cs"/>
+      </a:defRPr>
+    </a:lvl9pPr>
+  </p:notesStyle>
+</p:notesMaster>
+</file>
+
+<file path=ppt/notesSlides/notesSlide1.xml><?xml version="1.0" encoding="utf-8"?>
+<p:notes xmlns:a="http://schemas.openxmlformats.org/drawingml/2006/main" xmlns:r="http://schemas.openxmlformats.org/officeDocument/2006/relationships" xmlns:p="http://schemas.openxmlformats.org/presentationml/2006/main">
+  <p:cSld>
+    <p:spTree>
+      <p:nvGrpSpPr>
+        <p:cNvPr id="1" name=""/>
+        <p:cNvGrpSpPr/>
+        <p:nvPr/>
+      </p:nvGrpSpPr>
+      <p:grpSpPr>
+        <a:xfrm>
+          <a:off x="0" y="0"/>
+          <a:ext cx="0" cy="0"/>
+          <a:chOff x="0" y="0"/>
+          <a:chExt cx="0" cy="0"/>
+        </a:xfrm>
+      </p:grpSpPr>
+      <p:sp>
+        <p:nvSpPr>
+          <p:cNvPr id="2" name="Slide Image Placeholder 1"/>
+          <p:cNvSpPr>
+            <a:spLocks noGrp="1" noRot="1" noChangeAspect="1"/>
+          </p:cNvSpPr>
+          <p:nvPr>
+            <p:ph type="sldImg"/>
+          </p:nvPr>
+        </p:nvSpPr>
+        <p:spPr/>
+      </p:sp>
+      <p:sp>
+        <p:nvSpPr>
+          <p:cNvPr id="3" name="Notes Placeholder 2"/>
+          <p:cNvSpPr>
+            <a:spLocks noGrp="1"/>
+          </p:cNvSpPr>
+          <p:nvPr>
+            <p:ph type="body" idx="1"/>
+          </p:nvPr>
+        </p:nvSpPr>
+        <p:spPr/>
+        <p:txBody>
+          <a:bodyPr/>
+          <a:lstStyle/>
+          <a:p>
+            <a:endParaRPr lang="en-US" dirty="0"/>
+          </a:p>
+        </p:txBody>
+      </p:sp>
+      <p:sp>
+        <p:nvSpPr>
+          <p:cNvPr id="4" name="Slide Number Placeholder 3"/>
+          <p:cNvSpPr>
+            <a:spLocks noGrp="1"/>
+          </p:cNvSpPr>
+          <p:nvPr>
+            <p:ph type="sldNum" sz="quarter" idx="5"/>
+          </p:nvPr>
+        </p:nvSpPr>
+        <p:spPr/>
+        <p:txBody>
+          <a:bodyPr/>
+          <a:lstStyle/>
+          <a:p>
+            <a:fld id="{49DBF009-32B7-474B-98BB-6B0A10F59D6A}" type="slidenum">
+              <a:rPr lang="en-US" smtClean="0"/>
+              <a:t>2</a:t>
+            </a:fld>
+            <a:endParaRPr lang="en-US"/>
+          </a:p>
+        </p:txBody>
+      </p:sp>
+    </p:spTree>
+    <p:extLst>
+      <p:ext uri="{BB962C8B-B14F-4D97-AF65-F5344CB8AC3E}">
+        <p14:creationId xmlns:p14="http://schemas.microsoft.com/office/powerpoint/2010/main" val="2295766929"/>
+      </p:ext>
+    </p:extLst>
+  </p:cSld>
+  <p:clrMapOvr>
+    <a:masterClrMapping/>
+  </p:clrMapOvr>
+</p:notes>
 </file>
 
 <file path=ppt/slideLayouts/slideLayout1.xml><?xml version="1.0" encoding="utf-8"?>
@@ -245,7 +681,7 @@
           <a:p>
             <a:fld id="{09A208B9-A1FD-A545-84FD-D19EFD3032C3}" type="datetimeFigureOut">
               <a:rPr lang="en-US" smtClean="0"/>
-              <a:t>4/13/25</a:t>
+              <a:t>4/14/25</a:t>
             </a:fld>
             <a:endParaRPr lang="en-US"/>
           </a:p>
@@ -415,7 +851,7 @@
           <a:p>
             <a:fld id="{09A208B9-A1FD-A545-84FD-D19EFD3032C3}" type="datetimeFigureOut">
               <a:rPr lang="en-US" smtClean="0"/>
-              <a:t>4/13/25</a:t>
+              <a:t>4/14/25</a:t>
             </a:fld>
             <a:endParaRPr lang="en-US"/>
           </a:p>
@@ -595,7 +1031,7 @@
           <a:p>
             <a:fld id="{09A208B9-A1FD-A545-84FD-D19EFD3032C3}" type="datetimeFigureOut">
               <a:rPr lang="en-US" smtClean="0"/>
-              <a:t>4/13/25</a:t>
+              <a:t>4/14/25</a:t>
             </a:fld>
             <a:endParaRPr lang="en-US"/>
           </a:p>
@@ -765,7 +1201,7 @@
           <a:p>
             <a:fld id="{09A208B9-A1FD-A545-84FD-D19EFD3032C3}" type="datetimeFigureOut">
               <a:rPr lang="en-US" smtClean="0"/>
-              <a:t>4/13/25</a:t>
+              <a:t>4/14/25</a:t>
             </a:fld>
             <a:endParaRPr lang="en-US"/>
           </a:p>
@@ -1011,7 +1447,7 @@
           <a:p>
             <a:fld id="{09A208B9-A1FD-A545-84FD-D19EFD3032C3}" type="datetimeFigureOut">
               <a:rPr lang="en-US" smtClean="0"/>
-              <a:t>4/13/25</a:t>
+              <a:t>4/14/25</a:t>
             </a:fld>
             <a:endParaRPr lang="en-US"/>
           </a:p>
@@ -1243,7 +1679,7 @@
           <a:p>
             <a:fld id="{09A208B9-A1FD-A545-84FD-D19EFD3032C3}" type="datetimeFigureOut">
               <a:rPr lang="en-US" smtClean="0"/>
-              <a:t>4/13/25</a:t>
+              <a:t>4/14/25</a:t>
             </a:fld>
             <a:endParaRPr lang="en-US"/>
           </a:p>
@@ -1610,7 +2046,7 @@
           <a:p>
             <a:fld id="{09A208B9-A1FD-A545-84FD-D19EFD3032C3}" type="datetimeFigureOut">
               <a:rPr lang="en-US" smtClean="0"/>
-              <a:t>4/13/25</a:t>
+              <a:t>4/14/25</a:t>
             </a:fld>
             <a:endParaRPr lang="en-US"/>
           </a:p>
@@ -1728,7 +2164,7 @@
           <a:p>
             <a:fld id="{09A208B9-A1FD-A545-84FD-D19EFD3032C3}" type="datetimeFigureOut">
               <a:rPr lang="en-US" smtClean="0"/>
-              <a:t>4/13/25</a:t>
+              <a:t>4/14/25</a:t>
             </a:fld>
             <a:endParaRPr lang="en-US"/>
           </a:p>
@@ -1823,7 +2259,7 @@
           <a:p>
             <a:fld id="{09A208B9-A1FD-A545-84FD-D19EFD3032C3}" type="datetimeFigureOut">
               <a:rPr lang="en-US" smtClean="0"/>
-              <a:t>4/13/25</a:t>
+              <a:t>4/14/25</a:t>
             </a:fld>
             <a:endParaRPr lang="en-US"/>
           </a:p>
@@ -2100,7 +2536,7 @@
           <a:p>
             <a:fld id="{09A208B9-A1FD-A545-84FD-D19EFD3032C3}" type="datetimeFigureOut">
               <a:rPr lang="en-US" smtClean="0"/>
-              <a:t>4/13/25</a:t>
+              <a:t>4/14/25</a:t>
             </a:fld>
             <a:endParaRPr lang="en-US"/>
           </a:p>
@@ -2357,7 +2793,7 @@
           <a:p>
             <a:fld id="{09A208B9-A1FD-A545-84FD-D19EFD3032C3}" type="datetimeFigureOut">
               <a:rPr lang="en-US" smtClean="0"/>
-              <a:t>4/13/25</a:t>
+              <a:t>4/14/25</a:t>
             </a:fld>
             <a:endParaRPr lang="en-US"/>
           </a:p>
@@ -2570,7 +3006,7 @@
           <a:p>
             <a:fld id="{09A208B9-A1FD-A545-84FD-D19EFD3032C3}" type="datetimeFigureOut">
               <a:rPr lang="en-US" smtClean="0"/>
-              <a:t>4/13/25</a:t>
+              <a:t>4/14/25</a:t>
             </a:fld>
             <a:endParaRPr lang="en-US"/>
           </a:p>
@@ -6500,6 +6936,115 @@
           </p:txBody>
         </p:sp>
       </p:grpSp>
+      <p:sp>
+        <p:nvSpPr>
+          <p:cNvPr id="25" name="Parallelogram 24">
+            <a:extLst>
+              <a:ext uri="{FF2B5EF4-FFF2-40B4-BE49-F238E27FC236}">
+                <a16:creationId xmlns:a16="http://schemas.microsoft.com/office/drawing/2014/main" id="{D4F8CED8-2D30-1616-292F-617608673977}"/>
+              </a:ext>
+            </a:extLst>
+          </p:cNvPr>
+          <p:cNvSpPr/>
+          <p:nvPr/>
+        </p:nvSpPr>
+        <p:spPr>
+          <a:xfrm>
+            <a:off x="9318924" y="6253028"/>
+            <a:ext cx="2213817" cy="567159"/>
+          </a:xfrm>
+          <a:prstGeom prst="parallelogram">
+            <a:avLst/>
+          </a:prstGeom>
+          <a:ln w="9525">
+            <a:solidFill>
+              <a:schemeClr val="tx1"/>
+            </a:solidFill>
+          </a:ln>
+          <a:effectLst>
+            <a:outerShdw blurRad="50800" dist="38100" dir="5400000" algn="t" rotWithShape="0">
+              <a:prstClr val="black">
+                <a:alpha val="40000"/>
+              </a:prstClr>
+            </a:outerShdw>
+          </a:effectLst>
+        </p:spPr>
+        <p:style>
+          <a:lnRef idx="2">
+            <a:schemeClr val="accent1">
+              <a:shade val="15000"/>
+            </a:schemeClr>
+          </a:lnRef>
+          <a:fillRef idx="1">
+            <a:schemeClr val="accent1"/>
+          </a:fillRef>
+          <a:effectRef idx="0">
+            <a:schemeClr val="accent1"/>
+          </a:effectRef>
+          <a:fontRef idx="minor">
+            <a:schemeClr val="lt1"/>
+          </a:fontRef>
+        </p:style>
+        <p:txBody>
+          <a:bodyPr rtlCol="0" anchor="ctr"/>
+          <a:lstStyle/>
+          <a:p>
+            <a:pPr algn="ctr"/>
+            <a:r>
+              <a:rPr lang="en-US" dirty="0">
+                <a:latin typeface="Modern No. 20" panose="02070704070505020303" pitchFamily="18" charset="77"/>
+              </a:rPr>
+              <a:t>Filtered, Continuous Data</a:t>
+            </a:r>
+          </a:p>
+        </p:txBody>
+      </p:sp>
+      <p:sp>
+        <p:nvSpPr>
+          <p:cNvPr id="28" name="Right Arrow 27">
+            <a:extLst>
+              <a:ext uri="{FF2B5EF4-FFF2-40B4-BE49-F238E27FC236}">
+                <a16:creationId xmlns:a16="http://schemas.microsoft.com/office/drawing/2014/main" id="{7740637E-270C-5DC6-7D3A-02FEFED9A169}"/>
+              </a:ext>
+            </a:extLst>
+          </p:cNvPr>
+          <p:cNvSpPr/>
+          <p:nvPr/>
+        </p:nvSpPr>
+        <p:spPr>
+          <a:xfrm rot="6792669">
+            <a:off x="9864789" y="5822166"/>
+            <a:ext cx="201021" cy="107992"/>
+          </a:xfrm>
+          <a:prstGeom prst="rightArrow">
+            <a:avLst/>
+          </a:prstGeom>
+        </p:spPr>
+        <p:style>
+          <a:lnRef idx="2">
+            <a:schemeClr val="dk1">
+              <a:shade val="15000"/>
+            </a:schemeClr>
+          </a:lnRef>
+          <a:fillRef idx="1">
+            <a:schemeClr val="dk1"/>
+          </a:fillRef>
+          <a:effectRef idx="0">
+            <a:schemeClr val="dk1"/>
+          </a:effectRef>
+          <a:fontRef idx="minor">
+            <a:schemeClr val="lt1"/>
+          </a:fontRef>
+        </p:style>
+        <p:txBody>
+          <a:bodyPr rtlCol="0" anchor="ctr"/>
+          <a:lstStyle/>
+          <a:p>
+            <a:pPr algn="ctr"/>
+            <a:endParaRPr lang="en-US" dirty="0"/>
+          </a:p>
+        </p:txBody>
+      </p:sp>
     </p:spTree>
     <p:extLst>
       <p:ext uri="{BB962C8B-B14F-4D97-AF65-F5344CB8AC3E}">
@@ -12082,6 +12627,321 @@
 </a:theme>
 </file>
 
+<file path=ppt/theme/theme2.xml><?xml version="1.0" encoding="utf-8"?>
+<a:theme xmlns:a="http://schemas.openxmlformats.org/drawingml/2006/main" name="Office Theme">
+  <a:themeElements>
+    <a:clrScheme name="Office">
+      <a:dk1>
+        <a:sysClr val="windowText" lastClr="000000"/>
+      </a:dk1>
+      <a:lt1>
+        <a:sysClr val="window" lastClr="FFFFFF"/>
+      </a:lt1>
+      <a:dk2>
+        <a:srgbClr val="0E2841"/>
+      </a:dk2>
+      <a:lt2>
+        <a:srgbClr val="E8E8E8"/>
+      </a:lt2>
+      <a:accent1>
+        <a:srgbClr val="156082"/>
+      </a:accent1>
+      <a:accent2>
+        <a:srgbClr val="E97132"/>
+      </a:accent2>
+      <a:accent3>
+        <a:srgbClr val="196B24"/>
+      </a:accent3>
+      <a:accent4>
+        <a:srgbClr val="0F9ED5"/>
+      </a:accent4>
+      <a:accent5>
+        <a:srgbClr val="A02B93"/>
+      </a:accent5>
+      <a:accent6>
+        <a:srgbClr val="4EA72E"/>
+      </a:accent6>
+      <a:hlink>
+        <a:srgbClr val="467886"/>
+      </a:hlink>
+      <a:folHlink>
+        <a:srgbClr val="96607D"/>
+      </a:folHlink>
+    </a:clrScheme>
+    <a:fontScheme name="Office">
+      <a:majorFont>
+        <a:latin typeface="Aptos Display" panose="02110004020202020204"/>
+        <a:ea typeface=""/>
+        <a:cs typeface=""/>
+        <a:font script="Jpan" typeface="游ゴシック Light"/>
+        <a:font script="Hang" typeface="맑은 고딕"/>
+        <a:font script="Hans" typeface="等线 Light"/>
+        <a:font script="Hant" typeface="新細明體"/>
+        <a:font script="Arab" typeface="Times New Roman"/>
+        <a:font script="Hebr" typeface="Times New Roman"/>
+        <a:font script="Thai" typeface="Angsana New"/>
+        <a:font script="Ethi" typeface="Nyala"/>
+        <a:font script="Beng" typeface="Vrinda"/>
+        <a:font script="Gujr" typeface="Shruti"/>
+        <a:font script="Khmr" typeface="MoolBoran"/>
+        <a:font script="Knda" typeface="Tunga"/>
+        <a:font script="Guru" typeface="Raavi"/>
+        <a:font script="Cans" typeface="Euphemia"/>
+        <a:font script="Cher" typeface="Plantagenet Cherokee"/>
+        <a:font script="Yiii" typeface="Microsoft Yi Baiti"/>
+        <a:font script="Tibt" typeface="Microsoft Himalaya"/>
+        <a:font script="Thaa" typeface="MV Boli"/>
+        <a:font script="Deva" typeface="Mangal"/>
+        <a:font script="Telu" typeface="Gautami"/>
+        <a:font script="Taml" typeface="Latha"/>
+        <a:font script="Syrc" typeface="Estrangelo Edessa"/>
+        <a:font script="Orya" typeface="Kalinga"/>
+        <a:font script="Mlym" typeface="Kartika"/>
+        <a:font script="Laoo" typeface="DokChampa"/>
+        <a:font script="Sinh" typeface="Iskoola Pota"/>
+        <a:font script="Mong" typeface="Mongolian Baiti"/>
+        <a:font script="Viet" typeface="Times New Roman"/>
+        <a:font script="Uigh" typeface="Microsoft Uighur"/>
+        <a:font script="Geor" typeface="Sylfaen"/>
+        <a:font script="Armn" typeface="Arial"/>
+        <a:font script="Bugi" typeface="Leelawadee UI"/>
+        <a:font script="Bopo" typeface="Microsoft JhengHei"/>
+        <a:font script="Java" typeface="Javanese Text"/>
+        <a:font script="Lisu" typeface="Segoe UI"/>
+        <a:font script="Mymr" typeface="Myanmar Text"/>
+        <a:font script="Nkoo" typeface="Ebrima"/>
+        <a:font script="Olck" typeface="Nirmala UI"/>
+        <a:font script="Osma" typeface="Ebrima"/>
+        <a:font script="Phag" typeface="Phagspa"/>
+        <a:font script="Syrn" typeface="Estrangelo Edessa"/>
+        <a:font script="Syrj" typeface="Estrangelo Edessa"/>
+        <a:font script="Syre" typeface="Estrangelo Edessa"/>
+        <a:font script="Sora" typeface="Nirmala UI"/>
+        <a:font script="Tale" typeface="Microsoft Tai Le"/>
+        <a:font script="Talu" typeface="Microsoft New Tai Lue"/>
+        <a:font script="Tfng" typeface="Ebrima"/>
+      </a:majorFont>
+      <a:minorFont>
+        <a:latin typeface="Aptos" panose="02110004020202020204"/>
+        <a:ea typeface=""/>
+        <a:cs typeface=""/>
+        <a:font script="Jpan" typeface="游ゴシック"/>
+        <a:font script="Hang" typeface="맑은 고딕"/>
+        <a:font script="Hans" typeface="等线"/>
+        <a:font script="Hant" typeface="新細明體"/>
+        <a:font script="Arab" typeface="Arial"/>
+        <a:font script="Hebr" typeface="Arial"/>
+        <a:font script="Thai" typeface="Cordia New"/>
+        <a:font script="Ethi" typeface="Nyala"/>
+        <a:font script="Beng" typeface="Vrinda"/>
+        <a:font script="Gujr" typeface="Shruti"/>
+        <a:font script="Khmr" typeface="DaunPenh"/>
+        <a:font script="Knda" typeface="Tunga"/>
+        <a:font script="Guru" typeface="Raavi"/>
+        <a:font script="Cans" typeface="Euphemia"/>
+        <a:font script="Cher" typeface="Plantagenet Cherokee"/>
+        <a:font script="Yiii" typeface="Microsoft Yi Baiti"/>
+        <a:font script="Tibt" typeface="Microsoft Himalaya"/>
+        <a:font script="Thaa" typeface="MV Boli"/>
+        <a:font script="Deva" typeface="Mangal"/>
+        <a:font script="Telu" typeface="Gautami"/>
+        <a:font script="Taml" typeface="Latha"/>
+        <a:font script="Syrc" typeface="Estrangelo Edessa"/>
+        <a:font script="Orya" typeface="Kalinga"/>
+        <a:font script="Mlym" typeface="Kartika"/>
+        <a:font script="Laoo" typeface="DokChampa"/>
+        <a:font script="Sinh" typeface="Iskoola Pota"/>
+        <a:font script="Mong" typeface="Mongolian Baiti"/>
+        <a:font script="Viet" typeface="Arial"/>
+        <a:font script="Uigh" typeface="Microsoft Uighur"/>
+        <a:font script="Geor" typeface="Sylfaen"/>
+        <a:font script="Armn" typeface="Arial"/>
+        <a:font script="Bugi" typeface="Leelawadee UI"/>
+        <a:font script="Bopo" typeface="Microsoft JhengHei"/>
+        <a:font script="Java" typeface="Javanese Text"/>
+        <a:font script="Lisu" typeface="Segoe UI"/>
+        <a:font script="Mymr" typeface="Myanmar Text"/>
+        <a:font script="Nkoo" typeface="Ebrima"/>
+        <a:font script="Olck" typeface="Nirmala UI"/>
+        <a:font script="Osma" typeface="Ebrima"/>
+        <a:font script="Phag" typeface="Phagspa"/>
+        <a:font script="Syrn" typeface="Estrangelo Edessa"/>
+        <a:font script="Syrj" typeface="Estrangelo Edessa"/>
+        <a:font script="Syre" typeface="Estrangelo Edessa"/>
+        <a:font script="Sora" typeface="Nirmala UI"/>
+        <a:font script="Tale" typeface="Microsoft Tai Le"/>
+        <a:font script="Talu" typeface="Microsoft New Tai Lue"/>
+        <a:font script="Tfng" typeface="Ebrima"/>
+      </a:minorFont>
+    </a:fontScheme>
+    <a:fmtScheme name="Office">
+      <a:fillStyleLst>
+        <a:solidFill>
+          <a:schemeClr val="phClr"/>
+        </a:solidFill>
+        <a:gradFill rotWithShape="1">
+          <a:gsLst>
+            <a:gs pos="0">
+              <a:schemeClr val="phClr">
+                <a:lumMod val="110000"/>
+                <a:satMod val="105000"/>
+                <a:tint val="67000"/>
+              </a:schemeClr>
+            </a:gs>
+            <a:gs pos="50000">
+              <a:schemeClr val="phClr">
+                <a:lumMod val="105000"/>
+                <a:satMod val="103000"/>
+                <a:tint val="73000"/>
+              </a:schemeClr>
+            </a:gs>
+            <a:gs pos="100000">
+              <a:schemeClr val="phClr">
+                <a:lumMod val="105000"/>
+                <a:satMod val="109000"/>
+                <a:tint val="81000"/>
+              </a:schemeClr>
+            </a:gs>
+          </a:gsLst>
+          <a:lin ang="5400000" scaled="0"/>
+        </a:gradFill>
+        <a:gradFill rotWithShape="1">
+          <a:gsLst>
+            <a:gs pos="0">
+              <a:schemeClr val="phClr">
+                <a:satMod val="103000"/>
+                <a:lumMod val="102000"/>
+                <a:tint val="94000"/>
+              </a:schemeClr>
+            </a:gs>
+            <a:gs pos="50000">
+              <a:schemeClr val="phClr">
+                <a:satMod val="110000"/>
+                <a:lumMod val="100000"/>
+                <a:shade val="100000"/>
+              </a:schemeClr>
+            </a:gs>
+            <a:gs pos="100000">
+              <a:schemeClr val="phClr">
+                <a:lumMod val="99000"/>
+                <a:satMod val="120000"/>
+                <a:shade val="78000"/>
+              </a:schemeClr>
+            </a:gs>
+          </a:gsLst>
+          <a:lin ang="5400000" scaled="0"/>
+        </a:gradFill>
+      </a:fillStyleLst>
+      <a:lnStyleLst>
+        <a:ln w="12700" cap="flat" cmpd="sng" algn="ctr">
+          <a:solidFill>
+            <a:schemeClr val="phClr"/>
+          </a:solidFill>
+          <a:prstDash val="solid"/>
+          <a:miter lim="800000"/>
+        </a:ln>
+        <a:ln w="19050" cap="flat" cmpd="sng" algn="ctr">
+          <a:solidFill>
+            <a:schemeClr val="phClr"/>
+          </a:solidFill>
+          <a:prstDash val="solid"/>
+          <a:miter lim="800000"/>
+        </a:ln>
+        <a:ln w="25400" cap="flat" cmpd="sng" algn="ctr">
+          <a:solidFill>
+            <a:schemeClr val="phClr"/>
+          </a:solidFill>
+          <a:prstDash val="solid"/>
+          <a:miter lim="800000"/>
+        </a:ln>
+      </a:lnStyleLst>
+      <a:effectStyleLst>
+        <a:effectStyle>
+          <a:effectLst/>
+        </a:effectStyle>
+        <a:effectStyle>
+          <a:effectLst/>
+        </a:effectStyle>
+        <a:effectStyle>
+          <a:effectLst>
+            <a:outerShdw blurRad="57150" dist="19050" dir="5400000" algn="ctr" rotWithShape="0">
+              <a:srgbClr val="000000">
+                <a:alpha val="63000"/>
+              </a:srgbClr>
+            </a:outerShdw>
+          </a:effectLst>
+        </a:effectStyle>
+      </a:effectStyleLst>
+      <a:bgFillStyleLst>
+        <a:solidFill>
+          <a:schemeClr val="phClr"/>
+        </a:solidFill>
+        <a:solidFill>
+          <a:schemeClr val="phClr">
+            <a:tint val="95000"/>
+            <a:satMod val="170000"/>
+          </a:schemeClr>
+        </a:solidFill>
+        <a:gradFill rotWithShape="1">
+          <a:gsLst>
+            <a:gs pos="0">
+              <a:schemeClr val="phClr">
+                <a:tint val="93000"/>
+                <a:satMod val="150000"/>
+                <a:shade val="98000"/>
+                <a:lumMod val="102000"/>
+              </a:schemeClr>
+            </a:gs>
+            <a:gs pos="50000">
+              <a:schemeClr val="phClr">
+                <a:tint val="98000"/>
+                <a:satMod val="130000"/>
+                <a:shade val="90000"/>
+                <a:lumMod val="103000"/>
+              </a:schemeClr>
+            </a:gs>
+            <a:gs pos="100000">
+              <a:schemeClr val="phClr">
+                <a:shade val="63000"/>
+                <a:satMod val="120000"/>
+              </a:schemeClr>
+            </a:gs>
+          </a:gsLst>
+          <a:lin ang="5400000" scaled="0"/>
+        </a:gradFill>
+      </a:bgFillStyleLst>
+    </a:fmtScheme>
+  </a:themeElements>
+  <a:objectDefaults>
+    <a:lnDef>
+      <a:spPr/>
+      <a:bodyPr/>
+      <a:lstStyle/>
+      <a:style>
+        <a:lnRef idx="2">
+          <a:schemeClr val="accent1"/>
+        </a:lnRef>
+        <a:fillRef idx="0">
+          <a:schemeClr val="accent1"/>
+        </a:fillRef>
+        <a:effectRef idx="1">
+          <a:schemeClr val="accent1"/>
+        </a:effectRef>
+        <a:fontRef idx="minor">
+          <a:schemeClr val="tx1"/>
+        </a:fontRef>
+      </a:style>
+    </a:lnDef>
+  </a:objectDefaults>
+  <a:extraClrSchemeLst/>
+  <a:extLst>
+    <a:ext uri="{05A4C25C-085E-4340-85A3-A5531E510DB2}">
+      <thm15:themeFamily xmlns:thm15="http://schemas.microsoft.com/office/thememl/2012/main" name="Office Theme" id="{2E142A2C-CD16-42D6-873A-C26D2A0506FA}" vid="{1BDDFF52-6CD6-40A5-AB3C-68EB2F1E4D0A}"/>
+    </a:ext>
+  </a:extLst>
+</a:theme>
+</file>
+
 <file path=docMetadata/LabelInfo.xml><?xml version="1.0" encoding="utf-8"?>
 <clbl:labelList xmlns:clbl="http://schemas.microsoft.com/office/2020/mipLabelMetadata">
   <clbl:label id="{95965d95-ecc0-4720-b759-1f33c42ed7da}" enabled="1" method="Standard" siteId="{a0f29d7e-28cd-4f54-8442-7885aee7c080}" contentBits="0" removed="0"/>

--- a/examples/figures/wind_forecasting_figs [Autosaved].pptx
+++ b/examples/figures/wind_forecasting_figs [Autosaved].pptx
@@ -199,7 +199,7 @@
           <a:p>
             <a:fld id="{3380F61D-5888-4F45-B58C-AFF11477949F}" type="datetimeFigureOut">
               <a:rPr lang="en-US" smtClean="0"/>
-              <a:t>4/14/25</a:t>
+              <a:t>4/17/25</a:t>
             </a:fld>
             <a:endParaRPr lang="en-US"/>
           </a:p>
@@ -681,7 +681,7 @@
           <a:p>
             <a:fld id="{09A208B9-A1FD-A545-84FD-D19EFD3032C3}" type="datetimeFigureOut">
               <a:rPr lang="en-US" smtClean="0"/>
-              <a:t>4/14/25</a:t>
+              <a:t>4/17/25</a:t>
             </a:fld>
             <a:endParaRPr lang="en-US"/>
           </a:p>
@@ -851,7 +851,7 @@
           <a:p>
             <a:fld id="{09A208B9-A1FD-A545-84FD-D19EFD3032C3}" type="datetimeFigureOut">
               <a:rPr lang="en-US" smtClean="0"/>
-              <a:t>4/14/25</a:t>
+              <a:t>4/17/25</a:t>
             </a:fld>
             <a:endParaRPr lang="en-US"/>
           </a:p>
@@ -1031,7 +1031,7 @@
           <a:p>
             <a:fld id="{09A208B9-A1FD-A545-84FD-D19EFD3032C3}" type="datetimeFigureOut">
               <a:rPr lang="en-US" smtClean="0"/>
-              <a:t>4/14/25</a:t>
+              <a:t>4/17/25</a:t>
             </a:fld>
             <a:endParaRPr lang="en-US"/>
           </a:p>
@@ -1201,7 +1201,7 @@
           <a:p>
             <a:fld id="{09A208B9-A1FD-A545-84FD-D19EFD3032C3}" type="datetimeFigureOut">
               <a:rPr lang="en-US" smtClean="0"/>
-              <a:t>4/14/25</a:t>
+              <a:t>4/17/25</a:t>
             </a:fld>
             <a:endParaRPr lang="en-US"/>
           </a:p>
@@ -1447,7 +1447,7 @@
           <a:p>
             <a:fld id="{09A208B9-A1FD-A545-84FD-D19EFD3032C3}" type="datetimeFigureOut">
               <a:rPr lang="en-US" smtClean="0"/>
-              <a:t>4/14/25</a:t>
+              <a:t>4/17/25</a:t>
             </a:fld>
             <a:endParaRPr lang="en-US"/>
           </a:p>
@@ -1679,7 +1679,7 @@
           <a:p>
             <a:fld id="{09A208B9-A1FD-A545-84FD-D19EFD3032C3}" type="datetimeFigureOut">
               <a:rPr lang="en-US" smtClean="0"/>
-              <a:t>4/14/25</a:t>
+              <a:t>4/17/25</a:t>
             </a:fld>
             <a:endParaRPr lang="en-US"/>
           </a:p>
@@ -2046,7 +2046,7 @@
           <a:p>
             <a:fld id="{09A208B9-A1FD-A545-84FD-D19EFD3032C3}" type="datetimeFigureOut">
               <a:rPr lang="en-US" smtClean="0"/>
-              <a:t>4/14/25</a:t>
+              <a:t>4/17/25</a:t>
             </a:fld>
             <a:endParaRPr lang="en-US"/>
           </a:p>
@@ -2164,7 +2164,7 @@
           <a:p>
             <a:fld id="{09A208B9-A1FD-A545-84FD-D19EFD3032C3}" type="datetimeFigureOut">
               <a:rPr lang="en-US" smtClean="0"/>
-              <a:t>4/14/25</a:t>
+              <a:t>4/17/25</a:t>
             </a:fld>
             <a:endParaRPr lang="en-US"/>
           </a:p>
@@ -2259,7 +2259,7 @@
           <a:p>
             <a:fld id="{09A208B9-A1FD-A545-84FD-D19EFD3032C3}" type="datetimeFigureOut">
               <a:rPr lang="en-US" smtClean="0"/>
-              <a:t>4/14/25</a:t>
+              <a:t>4/17/25</a:t>
             </a:fld>
             <a:endParaRPr lang="en-US"/>
           </a:p>
@@ -2536,7 +2536,7 @@
           <a:p>
             <a:fld id="{09A208B9-A1FD-A545-84FD-D19EFD3032C3}" type="datetimeFigureOut">
               <a:rPr lang="en-US" smtClean="0"/>
-              <a:t>4/14/25</a:t>
+              <a:t>4/17/25</a:t>
             </a:fld>
             <a:endParaRPr lang="en-US"/>
           </a:p>
@@ -2793,7 +2793,7 @@
           <a:p>
             <a:fld id="{09A208B9-A1FD-A545-84FD-D19EFD3032C3}" type="datetimeFigureOut">
               <a:rPr lang="en-US" smtClean="0"/>
-              <a:t>4/14/25</a:t>
+              <a:t>4/17/25</a:t>
             </a:fld>
             <a:endParaRPr lang="en-US"/>
           </a:p>
@@ -3006,7 +3006,7 @@
           <a:p>
             <a:fld id="{09A208B9-A1FD-A545-84FD-D19EFD3032C3}" type="datetimeFigureOut">
               <a:rPr lang="en-US" smtClean="0"/>
-              <a:t>4/14/25</a:t>
+              <a:t>4/17/25</a:t>
             </a:fld>
             <a:endParaRPr lang="en-US"/>
           </a:p>

--- a/examples/figures/wind_forecasting_figs [Autosaved].pptx
+++ b/examples/figures/wind_forecasting_figs [Autosaved].pptx
@@ -5,12 +5,14 @@
     <p:sldMasterId id="2147483660" r:id="rId1"/>
   </p:sldMasterIdLst>
   <p:notesMasterIdLst>
-    <p:notesMasterId r:id="rId5"/>
+    <p:notesMasterId r:id="rId7"/>
   </p:notesMasterIdLst>
   <p:sldIdLst>
     <p:sldId id="256" r:id="rId2"/>
     <p:sldId id="257" r:id="rId3"/>
-    <p:sldId id="258" r:id="rId4"/>
+    <p:sldId id="259" r:id="rId4"/>
+    <p:sldId id="258" r:id="rId5"/>
+    <p:sldId id="260" r:id="rId6"/>
   </p:sldIdLst>
   <p:sldSz cx="12192000" cy="12188825"/>
   <p:notesSz cx="6858000" cy="9144000"/>
@@ -199,7 +201,7 @@
           <a:p>
             <a:fld id="{3380F61D-5888-4F45-B58C-AFF11477949F}" type="datetimeFigureOut">
               <a:rPr lang="en-US" smtClean="0"/>
-              <a:t>4/17/25</a:t>
+              <a:t>4/30/25</a:t>
             </a:fld>
             <a:endParaRPr lang="en-US"/>
           </a:p>
@@ -550,6 +552,114 @@
 </p:notes>
 </file>
 
+<file path=ppt/notesSlides/notesSlide2.xml><?xml version="1.0" encoding="utf-8"?>
+<p:notes xmlns:a="http://schemas.openxmlformats.org/drawingml/2006/main" xmlns:r="http://schemas.openxmlformats.org/officeDocument/2006/relationships" xmlns:p="http://schemas.openxmlformats.org/presentationml/2006/main">
+  <p:cSld>
+    <p:spTree>
+      <p:nvGrpSpPr>
+        <p:cNvPr id="1" name="">
+          <a:extLst>
+            <a:ext uri="{FF2B5EF4-FFF2-40B4-BE49-F238E27FC236}">
+              <a16:creationId xmlns:a16="http://schemas.microsoft.com/office/drawing/2014/main" id="{02260655-8E7B-07B7-24A8-C7B47A5638DD}"/>
+            </a:ext>
+          </a:extLst>
+        </p:cNvPr>
+        <p:cNvGrpSpPr/>
+        <p:nvPr/>
+      </p:nvGrpSpPr>
+      <p:grpSpPr>
+        <a:xfrm>
+          <a:off x="0" y="0"/>
+          <a:ext cx="0" cy="0"/>
+          <a:chOff x="0" y="0"/>
+          <a:chExt cx="0" cy="0"/>
+        </a:xfrm>
+      </p:grpSpPr>
+      <p:sp>
+        <p:nvSpPr>
+          <p:cNvPr id="2" name="Slide Image Placeholder 1">
+            <a:extLst>
+              <a:ext uri="{FF2B5EF4-FFF2-40B4-BE49-F238E27FC236}">
+                <a16:creationId xmlns:a16="http://schemas.microsoft.com/office/drawing/2014/main" id="{9C56E194-1F14-60BA-E8BE-F4B8000A3FE2}"/>
+              </a:ext>
+            </a:extLst>
+          </p:cNvPr>
+          <p:cNvSpPr>
+            <a:spLocks noGrp="1" noRot="1" noChangeAspect="1"/>
+          </p:cNvSpPr>
+          <p:nvPr>
+            <p:ph type="sldImg"/>
+          </p:nvPr>
+        </p:nvSpPr>
+        <p:spPr/>
+      </p:sp>
+      <p:sp>
+        <p:nvSpPr>
+          <p:cNvPr id="3" name="Notes Placeholder 2">
+            <a:extLst>
+              <a:ext uri="{FF2B5EF4-FFF2-40B4-BE49-F238E27FC236}">
+                <a16:creationId xmlns:a16="http://schemas.microsoft.com/office/drawing/2014/main" id="{06B4ABDF-4F4C-C839-C65D-260996B3DB44}"/>
+              </a:ext>
+            </a:extLst>
+          </p:cNvPr>
+          <p:cNvSpPr>
+            <a:spLocks noGrp="1"/>
+          </p:cNvSpPr>
+          <p:nvPr>
+            <p:ph type="body" idx="1"/>
+          </p:nvPr>
+        </p:nvSpPr>
+        <p:spPr/>
+        <p:txBody>
+          <a:bodyPr/>
+          <a:lstStyle/>
+          <a:p>
+            <a:endParaRPr lang="en-US" dirty="0"/>
+          </a:p>
+        </p:txBody>
+      </p:sp>
+      <p:sp>
+        <p:nvSpPr>
+          <p:cNvPr id="4" name="Slide Number Placeholder 3">
+            <a:extLst>
+              <a:ext uri="{FF2B5EF4-FFF2-40B4-BE49-F238E27FC236}">
+                <a16:creationId xmlns:a16="http://schemas.microsoft.com/office/drawing/2014/main" id="{9F6DFA85-4DCF-9D96-F812-E45955A0A84B}"/>
+              </a:ext>
+            </a:extLst>
+          </p:cNvPr>
+          <p:cNvSpPr>
+            <a:spLocks noGrp="1"/>
+          </p:cNvSpPr>
+          <p:nvPr>
+            <p:ph type="sldNum" sz="quarter" idx="5"/>
+          </p:nvPr>
+        </p:nvSpPr>
+        <p:spPr/>
+        <p:txBody>
+          <a:bodyPr/>
+          <a:lstStyle/>
+          <a:p>
+            <a:fld id="{49DBF009-32B7-474B-98BB-6B0A10F59D6A}" type="slidenum">
+              <a:rPr lang="en-US" smtClean="0"/>
+              <a:t>3</a:t>
+            </a:fld>
+            <a:endParaRPr lang="en-US"/>
+          </a:p>
+        </p:txBody>
+      </p:sp>
+    </p:spTree>
+    <p:extLst>
+      <p:ext uri="{BB962C8B-B14F-4D97-AF65-F5344CB8AC3E}">
+        <p14:creationId xmlns:p14="http://schemas.microsoft.com/office/powerpoint/2010/main" val="3065471072"/>
+      </p:ext>
+    </p:extLst>
+  </p:cSld>
+  <p:clrMapOvr>
+    <a:masterClrMapping/>
+  </p:clrMapOvr>
+</p:notes>
+</file>
+
 <file path=ppt/slideLayouts/slideLayout1.xml><?xml version="1.0" encoding="utf-8"?>
 <p:sldLayout xmlns:a="http://schemas.openxmlformats.org/drawingml/2006/main" xmlns:r="http://schemas.openxmlformats.org/officeDocument/2006/relationships" xmlns:p="http://schemas.openxmlformats.org/presentationml/2006/main" type="title" preserve="1">
   <p:cSld name="Title Slide">
@@ -681,7 +791,7 @@
           <a:p>
             <a:fld id="{09A208B9-A1FD-A545-84FD-D19EFD3032C3}" type="datetimeFigureOut">
               <a:rPr lang="en-US" smtClean="0"/>
-              <a:t>4/17/25</a:t>
+              <a:t>4/30/25</a:t>
             </a:fld>
             <a:endParaRPr lang="en-US"/>
           </a:p>
@@ -851,7 +961,7 @@
           <a:p>
             <a:fld id="{09A208B9-A1FD-A545-84FD-D19EFD3032C3}" type="datetimeFigureOut">
               <a:rPr lang="en-US" smtClean="0"/>
-              <a:t>4/17/25</a:t>
+              <a:t>4/30/25</a:t>
             </a:fld>
             <a:endParaRPr lang="en-US"/>
           </a:p>
@@ -1031,7 +1141,7 @@
           <a:p>
             <a:fld id="{09A208B9-A1FD-A545-84FD-D19EFD3032C3}" type="datetimeFigureOut">
               <a:rPr lang="en-US" smtClean="0"/>
-              <a:t>4/17/25</a:t>
+              <a:t>4/30/25</a:t>
             </a:fld>
             <a:endParaRPr lang="en-US"/>
           </a:p>
@@ -1201,7 +1311,7 @@
           <a:p>
             <a:fld id="{09A208B9-A1FD-A545-84FD-D19EFD3032C3}" type="datetimeFigureOut">
               <a:rPr lang="en-US" smtClean="0"/>
-              <a:t>4/17/25</a:t>
+              <a:t>4/30/25</a:t>
             </a:fld>
             <a:endParaRPr lang="en-US"/>
           </a:p>
@@ -1447,7 +1557,7 @@
           <a:p>
             <a:fld id="{09A208B9-A1FD-A545-84FD-D19EFD3032C3}" type="datetimeFigureOut">
               <a:rPr lang="en-US" smtClean="0"/>
-              <a:t>4/17/25</a:t>
+              <a:t>4/30/25</a:t>
             </a:fld>
             <a:endParaRPr lang="en-US"/>
           </a:p>
@@ -1679,7 +1789,7 @@
           <a:p>
             <a:fld id="{09A208B9-A1FD-A545-84FD-D19EFD3032C3}" type="datetimeFigureOut">
               <a:rPr lang="en-US" smtClean="0"/>
-              <a:t>4/17/25</a:t>
+              <a:t>4/30/25</a:t>
             </a:fld>
             <a:endParaRPr lang="en-US"/>
           </a:p>
@@ -2046,7 +2156,7 @@
           <a:p>
             <a:fld id="{09A208B9-A1FD-A545-84FD-D19EFD3032C3}" type="datetimeFigureOut">
               <a:rPr lang="en-US" smtClean="0"/>
-              <a:t>4/17/25</a:t>
+              <a:t>4/30/25</a:t>
             </a:fld>
             <a:endParaRPr lang="en-US"/>
           </a:p>
@@ -2164,7 +2274,7 @@
           <a:p>
             <a:fld id="{09A208B9-A1FD-A545-84FD-D19EFD3032C3}" type="datetimeFigureOut">
               <a:rPr lang="en-US" smtClean="0"/>
-              <a:t>4/17/25</a:t>
+              <a:t>4/30/25</a:t>
             </a:fld>
             <a:endParaRPr lang="en-US"/>
           </a:p>
@@ -2259,7 +2369,7 @@
           <a:p>
             <a:fld id="{09A208B9-A1FD-A545-84FD-D19EFD3032C3}" type="datetimeFigureOut">
               <a:rPr lang="en-US" smtClean="0"/>
-              <a:t>4/17/25</a:t>
+              <a:t>4/30/25</a:t>
             </a:fld>
             <a:endParaRPr lang="en-US"/>
           </a:p>
@@ -2536,7 +2646,7 @@
           <a:p>
             <a:fld id="{09A208B9-A1FD-A545-84FD-D19EFD3032C3}" type="datetimeFigureOut">
               <a:rPr lang="en-US" smtClean="0"/>
-              <a:t>4/17/25</a:t>
+              <a:t>4/30/25</a:t>
             </a:fld>
             <a:endParaRPr lang="en-US"/>
           </a:p>
@@ -2793,7 +2903,7 @@
           <a:p>
             <a:fld id="{09A208B9-A1FD-A545-84FD-D19EFD3032C3}" type="datetimeFigureOut">
               <a:rPr lang="en-US" smtClean="0"/>
-              <a:t>4/17/25</a:t>
+              <a:t>4/30/25</a:t>
             </a:fld>
             <a:endParaRPr lang="en-US"/>
           </a:p>
@@ -3006,7 +3116,7 @@
           <a:p>
             <a:fld id="{09A208B9-A1FD-A545-84FD-D19EFD3032C3}" type="datetimeFigureOut">
               <a:rPr lang="en-US" smtClean="0"/>
-              <a:t>4/17/25</a:t>
+              <a:t>4/30/25</a:t>
             </a:fld>
             <a:endParaRPr lang="en-US"/>
           </a:p>
@@ -5183,10 +5293,10 @@
       </p:sp>
       <p:grpSp>
         <p:nvGrpSpPr>
-          <p:cNvPr id="23" name="Group 22">
+          <p:cNvPr id="107" name="Group 106">
             <a:extLst>
               <a:ext uri="{FF2B5EF4-FFF2-40B4-BE49-F238E27FC236}">
-                <a16:creationId xmlns:a16="http://schemas.microsoft.com/office/drawing/2014/main" id="{EE6EF2E6-A8D4-B05E-6037-AA987F45E65B}"/>
+                <a16:creationId xmlns:a16="http://schemas.microsoft.com/office/drawing/2014/main" id="{EDF268EF-439A-1C27-024A-91EE74490DC0}"/>
               </a:ext>
             </a:extLst>
           </p:cNvPr>
@@ -7059,6 +7169,1840 @@
 </file>
 
 <file path=ppt/slides/slide3.xml><?xml version="1.0" encoding="utf-8"?>
+<p:sld xmlns:a="http://schemas.openxmlformats.org/drawingml/2006/main" xmlns:r="http://schemas.openxmlformats.org/officeDocument/2006/relationships" xmlns:p="http://schemas.openxmlformats.org/presentationml/2006/main">
+  <p:cSld>
+    <p:spTree>
+      <p:nvGrpSpPr>
+        <p:cNvPr id="1" name="">
+          <a:extLst>
+            <a:ext uri="{FF2B5EF4-FFF2-40B4-BE49-F238E27FC236}">
+              <a16:creationId xmlns:a16="http://schemas.microsoft.com/office/drawing/2014/main" id="{AC20E498-BC00-8D85-72B4-FFBD2E381A59}"/>
+            </a:ext>
+          </a:extLst>
+        </p:cNvPr>
+        <p:cNvGrpSpPr/>
+        <p:nvPr/>
+      </p:nvGrpSpPr>
+      <p:grpSpPr>
+        <a:xfrm>
+          <a:off x="0" y="0"/>
+          <a:ext cx="0" cy="0"/>
+          <a:chOff x="0" y="0"/>
+          <a:chExt cx="0" cy="0"/>
+        </a:xfrm>
+      </p:grpSpPr>
+      <p:sp>
+        <p:nvSpPr>
+          <p:cNvPr id="15" name="TextBox 14">
+            <a:extLst>
+              <a:ext uri="{FF2B5EF4-FFF2-40B4-BE49-F238E27FC236}">
+                <a16:creationId xmlns:a16="http://schemas.microsoft.com/office/drawing/2014/main" id="{6C34AB0F-5A37-1725-FD78-E5EC1651DE7F}"/>
+              </a:ext>
+            </a:extLst>
+          </p:cNvPr>
+          <p:cNvSpPr txBox="1"/>
+          <p:nvPr/>
+        </p:nvSpPr>
+        <p:spPr>
+          <a:xfrm>
+            <a:off x="5470521" y="2785155"/>
+            <a:ext cx="3270708" cy="1200329"/>
+          </a:xfrm>
+          <a:prstGeom prst="rect">
+            <a:avLst/>
+          </a:prstGeom>
+          <a:noFill/>
+        </p:spPr>
+        <p:txBody>
+          <a:bodyPr wrap="square" rtlCol="0">
+            <a:spAutoFit/>
+          </a:bodyPr>
+          <a:lstStyle/>
+          <a:p>
+            <a:r>
+              <a:rPr lang="en-US" dirty="0"/>
+              <a:t>Green – removing data</a:t>
+            </a:r>
+          </a:p>
+          <a:p>
+            <a:r>
+              <a:rPr lang="en-US" dirty="0"/>
+              <a:t>Purple – filling data</a:t>
+            </a:r>
+          </a:p>
+          <a:p>
+            <a:r>
+              <a:rPr lang="en-US" dirty="0"/>
+              <a:t>Blue – changing data</a:t>
+            </a:r>
+          </a:p>
+          <a:p>
+            <a:r>
+              <a:rPr lang="en-US" dirty="0"/>
+              <a:t>Orange – rearranging in time</a:t>
+            </a:r>
+          </a:p>
+        </p:txBody>
+      </p:sp>
+      <p:sp>
+        <p:nvSpPr>
+          <p:cNvPr id="3" name="TextBox 2">
+            <a:extLst>
+              <a:ext uri="{FF2B5EF4-FFF2-40B4-BE49-F238E27FC236}">
+                <a16:creationId xmlns:a16="http://schemas.microsoft.com/office/drawing/2014/main" id="{87AEED2F-BF91-7AFC-FA60-770843A559F5}"/>
+              </a:ext>
+            </a:extLst>
+          </p:cNvPr>
+          <p:cNvSpPr txBox="1"/>
+          <p:nvPr/>
+        </p:nvSpPr>
+        <p:spPr>
+          <a:xfrm>
+            <a:off x="4058848" y="3905309"/>
+            <a:ext cx="6096000" cy="369332"/>
+          </a:xfrm>
+          <a:prstGeom prst="rect">
+            <a:avLst/>
+          </a:prstGeom>
+          <a:noFill/>
+        </p:spPr>
+        <p:txBody>
+          <a:bodyPr wrap="square">
+            <a:spAutoFit/>
+          </a:bodyPr>
+          <a:lstStyle/>
+          <a:p>
+            <a:r>
+              <a:rPr lang="en-US" dirty="0"/>
+              <a:t>Power-Wind Speed Window Filter</a:t>
+            </a:r>
+          </a:p>
+        </p:txBody>
+      </p:sp>
+      <p:grpSp>
+        <p:nvGrpSpPr>
+          <p:cNvPr id="23" name="Group 22">
+            <a:extLst>
+              <a:ext uri="{FF2B5EF4-FFF2-40B4-BE49-F238E27FC236}">
+                <a16:creationId xmlns:a16="http://schemas.microsoft.com/office/drawing/2014/main" id="{7C1905AC-2ACF-F7DB-CD6A-14B979807B22}"/>
+              </a:ext>
+            </a:extLst>
+          </p:cNvPr>
+          <p:cNvGrpSpPr/>
+          <p:nvPr/>
+        </p:nvGrpSpPr>
+        <p:grpSpPr>
+          <a:xfrm>
+            <a:off x="1623366" y="4577441"/>
+            <a:ext cx="7760477" cy="3146886"/>
+            <a:chOff x="1623366" y="4577441"/>
+            <a:chExt cx="7760477" cy="3146886"/>
+          </a:xfrm>
+        </p:grpSpPr>
+        <p:sp>
+          <p:nvSpPr>
+            <p:cNvPr id="21" name="Right Arrow 20">
+              <a:extLst>
+                <a:ext uri="{FF2B5EF4-FFF2-40B4-BE49-F238E27FC236}">
+                  <a16:creationId xmlns:a16="http://schemas.microsoft.com/office/drawing/2014/main" id="{0793685F-73CA-B9B8-9409-3C257F7FC8CE}"/>
+                </a:ext>
+              </a:extLst>
+            </p:cNvPr>
+            <p:cNvSpPr/>
+            <p:nvPr/>
+          </p:nvSpPr>
+          <p:spPr>
+            <a:xfrm>
+              <a:off x="5163308" y="4832973"/>
+              <a:ext cx="201021" cy="107992"/>
+            </a:xfrm>
+            <a:prstGeom prst="rightArrow">
+              <a:avLst/>
+            </a:prstGeom>
+          </p:spPr>
+          <p:style>
+            <a:lnRef idx="2">
+              <a:schemeClr val="dk1">
+                <a:shade val="15000"/>
+              </a:schemeClr>
+            </a:lnRef>
+            <a:fillRef idx="1">
+              <a:schemeClr val="dk1"/>
+            </a:fillRef>
+            <a:effectRef idx="0">
+              <a:schemeClr val="dk1"/>
+            </a:effectRef>
+            <a:fontRef idx="minor">
+              <a:schemeClr val="lt1"/>
+            </a:fontRef>
+          </p:style>
+          <p:txBody>
+            <a:bodyPr rtlCol="0" anchor="ctr"/>
+            <a:lstStyle/>
+            <a:p>
+              <a:pPr algn="ctr"/>
+              <a:endParaRPr lang="en-US" dirty="0"/>
+            </a:p>
+          </p:txBody>
+        </p:sp>
+        <p:sp>
+          <p:nvSpPr>
+            <p:cNvPr id="20" name="Right Arrow 19">
+              <a:extLst>
+                <a:ext uri="{FF2B5EF4-FFF2-40B4-BE49-F238E27FC236}">
+                  <a16:creationId xmlns:a16="http://schemas.microsoft.com/office/drawing/2014/main" id="{30B6EAA5-E66F-726D-6D90-C798FE0FF581}"/>
+                </a:ext>
+              </a:extLst>
+            </p:cNvPr>
+            <p:cNvSpPr/>
+            <p:nvPr/>
+          </p:nvSpPr>
+          <p:spPr>
+            <a:xfrm>
+              <a:off x="3992661" y="4822992"/>
+              <a:ext cx="201021" cy="107992"/>
+            </a:xfrm>
+            <a:prstGeom prst="rightArrow">
+              <a:avLst/>
+            </a:prstGeom>
+          </p:spPr>
+          <p:style>
+            <a:lnRef idx="2">
+              <a:schemeClr val="dk1">
+                <a:shade val="15000"/>
+              </a:schemeClr>
+            </a:lnRef>
+            <a:fillRef idx="1">
+              <a:schemeClr val="dk1"/>
+            </a:fillRef>
+            <a:effectRef idx="0">
+              <a:schemeClr val="dk1"/>
+            </a:effectRef>
+            <a:fontRef idx="minor">
+              <a:schemeClr val="lt1"/>
+            </a:fontRef>
+          </p:style>
+          <p:txBody>
+            <a:bodyPr rtlCol="0" anchor="ctr"/>
+            <a:lstStyle/>
+            <a:p>
+              <a:pPr algn="ctr"/>
+              <a:endParaRPr lang="en-US" dirty="0"/>
+            </a:p>
+          </p:txBody>
+        </p:sp>
+        <p:sp>
+          <p:nvSpPr>
+            <p:cNvPr id="19" name="Right Arrow 18">
+              <a:extLst>
+                <a:ext uri="{FF2B5EF4-FFF2-40B4-BE49-F238E27FC236}">
+                  <a16:creationId xmlns:a16="http://schemas.microsoft.com/office/drawing/2014/main" id="{582EE216-CC89-EF82-F6FA-23B26708FC7B}"/>
+                </a:ext>
+              </a:extLst>
+            </p:cNvPr>
+            <p:cNvSpPr/>
+            <p:nvPr/>
+          </p:nvSpPr>
+          <p:spPr>
+            <a:xfrm>
+              <a:off x="2738487" y="4839680"/>
+              <a:ext cx="201021" cy="107992"/>
+            </a:xfrm>
+            <a:prstGeom prst="rightArrow">
+              <a:avLst/>
+            </a:prstGeom>
+          </p:spPr>
+          <p:style>
+            <a:lnRef idx="2">
+              <a:schemeClr val="dk1">
+                <a:shade val="15000"/>
+              </a:schemeClr>
+            </a:lnRef>
+            <a:fillRef idx="1">
+              <a:schemeClr val="dk1"/>
+            </a:fillRef>
+            <a:effectRef idx="0">
+              <a:schemeClr val="dk1"/>
+            </a:effectRef>
+            <a:fontRef idx="minor">
+              <a:schemeClr val="lt1"/>
+            </a:fontRef>
+          </p:style>
+          <p:txBody>
+            <a:bodyPr rtlCol="0" anchor="ctr"/>
+            <a:lstStyle/>
+            <a:p>
+              <a:pPr algn="ctr"/>
+              <a:endParaRPr lang="en-US" dirty="0"/>
+            </a:p>
+          </p:txBody>
+        </p:sp>
+        <p:sp>
+          <p:nvSpPr>
+            <p:cNvPr id="4" name="Parallelogram 3">
+              <a:extLst>
+                <a:ext uri="{FF2B5EF4-FFF2-40B4-BE49-F238E27FC236}">
+                  <a16:creationId xmlns:a16="http://schemas.microsoft.com/office/drawing/2014/main" id="{11C21EE0-66E3-2B57-67BB-FDDD44FFF1A4}"/>
+                </a:ext>
+              </a:extLst>
+            </p:cNvPr>
+            <p:cNvSpPr/>
+            <p:nvPr/>
+          </p:nvSpPr>
+          <p:spPr>
+            <a:xfrm>
+              <a:off x="1623366" y="4593409"/>
+              <a:ext cx="1226561" cy="567159"/>
+            </a:xfrm>
+            <a:prstGeom prst="parallelogram">
+              <a:avLst/>
+            </a:prstGeom>
+            <a:ln w="9525">
+              <a:solidFill>
+                <a:schemeClr val="tx1"/>
+              </a:solidFill>
+            </a:ln>
+            <a:effectLst>
+              <a:outerShdw blurRad="50800" dist="38100" dir="5400000" algn="t" rotWithShape="0">
+                <a:prstClr val="black">
+                  <a:alpha val="40000"/>
+                </a:prstClr>
+              </a:outerShdw>
+            </a:effectLst>
+          </p:spPr>
+          <p:style>
+            <a:lnRef idx="2">
+              <a:schemeClr val="accent1">
+                <a:shade val="15000"/>
+              </a:schemeClr>
+            </a:lnRef>
+            <a:fillRef idx="1">
+              <a:schemeClr val="accent1"/>
+            </a:fillRef>
+            <a:effectRef idx="0">
+              <a:schemeClr val="accent1"/>
+            </a:effectRef>
+            <a:fontRef idx="minor">
+              <a:schemeClr val="lt1"/>
+            </a:fontRef>
+          </p:style>
+          <p:txBody>
+            <a:bodyPr rtlCol="0" anchor="ctr"/>
+            <a:lstStyle/>
+            <a:p>
+              <a:pPr algn="ctr"/>
+              <a:r>
+                <a:rPr lang="en-US" dirty="0"/>
+                <a:t>Raw Data</a:t>
+              </a:r>
+            </a:p>
+          </p:txBody>
+        </p:sp>
+        <p:sp>
+          <p:nvSpPr>
+            <p:cNvPr id="5" name="Rectangle 4">
+              <a:extLst>
+                <a:ext uri="{FF2B5EF4-FFF2-40B4-BE49-F238E27FC236}">
+                  <a16:creationId xmlns:a16="http://schemas.microsoft.com/office/drawing/2014/main" id="{94F34D84-6850-5342-5065-A9370F1AACA4}"/>
+                </a:ext>
+              </a:extLst>
+            </p:cNvPr>
+            <p:cNvSpPr/>
+            <p:nvPr/>
+          </p:nvSpPr>
+          <p:spPr>
+            <a:xfrm>
+              <a:off x="2950439" y="4592735"/>
+              <a:ext cx="1090087" cy="601883"/>
+            </a:xfrm>
+            <a:prstGeom prst="rect">
+              <a:avLst/>
+            </a:prstGeom>
+            <a:ln w="9525">
+              <a:solidFill>
+                <a:schemeClr val="tx1"/>
+              </a:solidFill>
+            </a:ln>
+            <a:effectLst>
+              <a:outerShdw blurRad="50800" dist="38100" dir="5400000" algn="t" rotWithShape="0">
+                <a:prstClr val="black">
+                  <a:alpha val="40000"/>
+                </a:prstClr>
+              </a:outerShdw>
+            </a:effectLst>
+          </p:spPr>
+          <p:style>
+            <a:lnRef idx="3">
+              <a:schemeClr val="lt1"/>
+            </a:lnRef>
+            <a:fillRef idx="1">
+              <a:schemeClr val="accent2"/>
+            </a:fillRef>
+            <a:effectRef idx="1">
+              <a:schemeClr val="accent2"/>
+            </a:effectRef>
+            <a:fontRef idx="minor">
+              <a:schemeClr val="lt1"/>
+            </a:fontRef>
+          </p:style>
+          <p:txBody>
+            <a:bodyPr rtlCol="0" anchor="ctr"/>
+            <a:lstStyle/>
+            <a:p>
+              <a:pPr algn="ctr"/>
+              <a:endParaRPr lang="en-US" dirty="0">
+                <a:latin typeface="Modern No. 20" panose="02070704070505020303" pitchFamily="18" charset="77"/>
+              </a:endParaRPr>
+            </a:p>
+          </p:txBody>
+        </p:sp>
+        <p:sp>
+          <p:nvSpPr>
+            <p:cNvPr id="7" name="Rectangle 6">
+              <a:extLst>
+                <a:ext uri="{FF2B5EF4-FFF2-40B4-BE49-F238E27FC236}">
+                  <a16:creationId xmlns:a16="http://schemas.microsoft.com/office/drawing/2014/main" id="{F20A033C-7276-C2AD-D33E-2C64C4FDCF10}"/>
+                </a:ext>
+              </a:extLst>
+            </p:cNvPr>
+            <p:cNvSpPr/>
+            <p:nvPr/>
+          </p:nvSpPr>
+          <p:spPr>
+            <a:xfrm>
+              <a:off x="4214205" y="4577441"/>
+              <a:ext cx="979716" cy="601883"/>
+            </a:xfrm>
+            <a:prstGeom prst="rect">
+              <a:avLst/>
+            </a:prstGeom>
+            <a:ln w="9525">
+              <a:solidFill>
+                <a:schemeClr val="tx1"/>
+              </a:solidFill>
+            </a:ln>
+            <a:effectLst>
+              <a:outerShdw blurRad="50800" dist="38100" dir="5400000" algn="t" rotWithShape="0">
+                <a:prstClr val="black">
+                  <a:alpha val="40000"/>
+                </a:prstClr>
+              </a:outerShdw>
+            </a:effectLst>
+          </p:spPr>
+          <p:style>
+            <a:lnRef idx="3">
+              <a:schemeClr val="lt1"/>
+            </a:lnRef>
+            <a:fillRef idx="1">
+              <a:schemeClr val="accent5"/>
+            </a:fillRef>
+            <a:effectRef idx="1">
+              <a:schemeClr val="accent5"/>
+            </a:effectRef>
+            <a:fontRef idx="minor">
+              <a:schemeClr val="lt1"/>
+            </a:fontRef>
+          </p:style>
+          <p:txBody>
+            <a:bodyPr rtlCol="0" anchor="ctr"/>
+            <a:lstStyle/>
+            <a:p>
+              <a:pPr algn="ctr"/>
+              <a:endParaRPr lang="en-US" dirty="0">
+                <a:latin typeface="Modern No. 20" panose="02070704070505020303" pitchFamily="18" charset="77"/>
+              </a:endParaRPr>
+            </a:p>
+          </p:txBody>
+        </p:sp>
+        <p:sp>
+          <p:nvSpPr>
+            <p:cNvPr id="8" name="Rectangle 7">
+              <a:extLst>
+                <a:ext uri="{FF2B5EF4-FFF2-40B4-BE49-F238E27FC236}">
+                  <a16:creationId xmlns:a16="http://schemas.microsoft.com/office/drawing/2014/main" id="{83685401-711E-02EE-9B05-3D436B470910}"/>
+                </a:ext>
+              </a:extLst>
+            </p:cNvPr>
+            <p:cNvSpPr/>
+            <p:nvPr/>
+          </p:nvSpPr>
+          <p:spPr>
+            <a:xfrm>
+              <a:off x="5367599" y="4580050"/>
+              <a:ext cx="1481972" cy="601883"/>
+            </a:xfrm>
+            <a:prstGeom prst="rect">
+              <a:avLst/>
+            </a:prstGeom>
+            <a:solidFill>
+              <a:srgbClr val="00B050"/>
+            </a:solidFill>
+            <a:ln>
+              <a:solidFill>
+                <a:schemeClr val="tx1"/>
+              </a:solidFill>
+            </a:ln>
+            <a:effectLst>
+              <a:outerShdw blurRad="50800" dist="38100" dir="5400000" algn="t" rotWithShape="0">
+                <a:prstClr val="black">
+                  <a:alpha val="40000"/>
+                </a:prstClr>
+              </a:outerShdw>
+            </a:effectLst>
+          </p:spPr>
+          <p:style>
+            <a:lnRef idx="0">
+              <a:schemeClr val="accent6"/>
+            </a:lnRef>
+            <a:fillRef idx="3">
+              <a:schemeClr val="accent6"/>
+            </a:fillRef>
+            <a:effectRef idx="3">
+              <a:schemeClr val="accent6"/>
+            </a:effectRef>
+            <a:fontRef idx="minor">
+              <a:schemeClr val="lt1"/>
+            </a:fontRef>
+          </p:style>
+          <p:txBody>
+            <a:bodyPr rtlCol="0" anchor="ctr"/>
+            <a:lstStyle/>
+            <a:p>
+              <a:pPr algn="ctr"/>
+              <a:endParaRPr lang="en-US" dirty="0">
+                <a:latin typeface="Modern No. 20" panose="02070704070505020303" pitchFamily="18" charset="77"/>
+              </a:endParaRPr>
+            </a:p>
+          </p:txBody>
+        </p:sp>
+        <p:sp>
+          <p:nvSpPr>
+            <p:cNvPr id="9" name="Rectangle 8">
+              <a:extLst>
+                <a:ext uri="{FF2B5EF4-FFF2-40B4-BE49-F238E27FC236}">
+                  <a16:creationId xmlns:a16="http://schemas.microsoft.com/office/drawing/2014/main" id="{2D1DC53E-7737-ED85-7619-2BD7C54CB9ED}"/>
+                </a:ext>
+              </a:extLst>
+            </p:cNvPr>
+            <p:cNvSpPr/>
+            <p:nvPr/>
+          </p:nvSpPr>
+          <p:spPr>
+            <a:xfrm>
+              <a:off x="5212993" y="5397496"/>
+              <a:ext cx="2213817" cy="601883"/>
+            </a:xfrm>
+            <a:prstGeom prst="rect">
+              <a:avLst/>
+            </a:prstGeom>
+            <a:solidFill>
+              <a:srgbClr val="00B0F0"/>
+            </a:solidFill>
+            <a:ln>
+              <a:solidFill>
+                <a:schemeClr val="tx1"/>
+              </a:solidFill>
+            </a:ln>
+          </p:spPr>
+          <p:style>
+            <a:lnRef idx="0">
+              <a:schemeClr val="accent4"/>
+            </a:lnRef>
+            <a:fillRef idx="3">
+              <a:schemeClr val="accent4"/>
+            </a:fillRef>
+            <a:effectRef idx="3">
+              <a:schemeClr val="accent4"/>
+            </a:effectRef>
+            <a:fontRef idx="minor">
+              <a:schemeClr val="lt1"/>
+            </a:fontRef>
+          </p:style>
+          <p:txBody>
+            <a:bodyPr rtlCol="0" anchor="ctr"/>
+            <a:lstStyle/>
+            <a:p>
+              <a:pPr algn="ctr"/>
+              <a:endParaRPr lang="en-US" dirty="0">
+                <a:latin typeface="Modern No. 20" panose="02070704070505020303" pitchFamily="18" charset="77"/>
+              </a:endParaRPr>
+            </a:p>
+          </p:txBody>
+        </p:sp>
+        <p:sp>
+          <p:nvSpPr>
+            <p:cNvPr id="11" name="Rectangle 10">
+              <a:extLst>
+                <a:ext uri="{FF2B5EF4-FFF2-40B4-BE49-F238E27FC236}">
+                  <a16:creationId xmlns:a16="http://schemas.microsoft.com/office/drawing/2014/main" id="{B17DBD6B-5443-CE60-42F0-68ACEA14032B}"/>
+                </a:ext>
+              </a:extLst>
+            </p:cNvPr>
+            <p:cNvSpPr/>
+            <p:nvPr/>
+          </p:nvSpPr>
+          <p:spPr>
+            <a:xfrm>
+              <a:off x="7649860" y="5397340"/>
+              <a:ext cx="1360716" cy="601883"/>
+            </a:xfrm>
+            <a:prstGeom prst="rect">
+              <a:avLst/>
+            </a:prstGeom>
+            <a:solidFill>
+              <a:srgbClr val="00B050"/>
+            </a:solidFill>
+            <a:ln>
+              <a:solidFill>
+                <a:schemeClr val="tx1"/>
+              </a:solidFill>
+            </a:ln>
+            <a:effectLst>
+              <a:outerShdw blurRad="50800" dist="38100" dir="5400000" algn="t" rotWithShape="0">
+                <a:prstClr val="black">
+                  <a:alpha val="40000"/>
+                </a:prstClr>
+              </a:outerShdw>
+            </a:effectLst>
+          </p:spPr>
+          <p:style>
+            <a:lnRef idx="0">
+              <a:schemeClr val="accent6"/>
+            </a:lnRef>
+            <a:fillRef idx="3">
+              <a:schemeClr val="accent6"/>
+            </a:fillRef>
+            <a:effectRef idx="3">
+              <a:schemeClr val="accent6"/>
+            </a:effectRef>
+            <a:fontRef idx="minor">
+              <a:schemeClr val="lt1"/>
+            </a:fontRef>
+          </p:style>
+          <p:txBody>
+            <a:bodyPr rtlCol="0" anchor="ctr"/>
+            <a:lstStyle/>
+            <a:p>
+              <a:pPr algn="ctr"/>
+              <a:endParaRPr lang="en-US" dirty="0">
+                <a:latin typeface="Modern No. 20" panose="02070704070505020303" pitchFamily="18" charset="77"/>
+              </a:endParaRPr>
+            </a:p>
+          </p:txBody>
+        </p:sp>
+        <p:sp>
+          <p:nvSpPr>
+            <p:cNvPr id="12" name="Rectangle 11">
+              <a:extLst>
+                <a:ext uri="{FF2B5EF4-FFF2-40B4-BE49-F238E27FC236}">
+                  <a16:creationId xmlns:a16="http://schemas.microsoft.com/office/drawing/2014/main" id="{AD3B224E-2D49-B61B-B026-AFB29C1E9B0B}"/>
+                </a:ext>
+              </a:extLst>
+            </p:cNvPr>
+            <p:cNvSpPr/>
+            <p:nvPr/>
+          </p:nvSpPr>
+          <p:spPr>
+            <a:xfrm>
+              <a:off x="3745413" y="5394041"/>
+              <a:ext cx="1240971" cy="601883"/>
+            </a:xfrm>
+            <a:prstGeom prst="rect">
+              <a:avLst/>
+            </a:prstGeom>
+            <a:solidFill>
+              <a:srgbClr val="00B0F0"/>
+            </a:solidFill>
+            <a:ln w="9525"/>
+            <a:effectLst>
+              <a:outerShdw blurRad="50800" dist="38100" dir="8100000" algn="tr" rotWithShape="0">
+                <a:prstClr val="black">
+                  <a:alpha val="40000"/>
+                </a:prstClr>
+              </a:outerShdw>
+            </a:effectLst>
+          </p:spPr>
+          <p:style>
+            <a:lnRef idx="2">
+              <a:schemeClr val="accent4">
+                <a:shade val="15000"/>
+              </a:schemeClr>
+            </a:lnRef>
+            <a:fillRef idx="1">
+              <a:schemeClr val="accent4"/>
+            </a:fillRef>
+            <a:effectRef idx="0">
+              <a:schemeClr val="accent4"/>
+            </a:effectRef>
+            <a:fontRef idx="minor">
+              <a:schemeClr val="lt1"/>
+            </a:fontRef>
+          </p:style>
+          <p:txBody>
+            <a:bodyPr rtlCol="0" anchor="ctr"/>
+            <a:lstStyle/>
+            <a:p>
+              <a:pPr algn="ctr"/>
+              <a:endParaRPr lang="en-US" dirty="0">
+                <a:latin typeface="Modern No. 20" panose="02070704070505020303" pitchFamily="18" charset="77"/>
+              </a:endParaRPr>
+            </a:p>
+          </p:txBody>
+        </p:sp>
+        <p:sp>
+          <p:nvSpPr>
+            <p:cNvPr id="13" name="Rectangle 12">
+              <a:extLst>
+                <a:ext uri="{FF2B5EF4-FFF2-40B4-BE49-F238E27FC236}">
+                  <a16:creationId xmlns:a16="http://schemas.microsoft.com/office/drawing/2014/main" id="{51FBEE1A-7570-F03D-FA99-88CD289409D4}"/>
+                </a:ext>
+              </a:extLst>
+            </p:cNvPr>
+            <p:cNvSpPr/>
+            <p:nvPr/>
+          </p:nvSpPr>
+          <p:spPr>
+            <a:xfrm>
+              <a:off x="2433426" y="5392877"/>
+              <a:ext cx="1090087" cy="601883"/>
+            </a:xfrm>
+            <a:prstGeom prst="rect">
+              <a:avLst/>
+            </a:prstGeom>
+            <a:solidFill>
+              <a:srgbClr val="00B050"/>
+            </a:solidFill>
+            <a:ln>
+              <a:solidFill>
+                <a:schemeClr val="tx1"/>
+              </a:solidFill>
+            </a:ln>
+            <a:effectLst>
+              <a:outerShdw blurRad="50800" dist="38100" dir="5400000" algn="t" rotWithShape="0">
+                <a:prstClr val="black">
+                  <a:alpha val="40000"/>
+                </a:prstClr>
+              </a:outerShdw>
+            </a:effectLst>
+          </p:spPr>
+          <p:style>
+            <a:lnRef idx="0">
+              <a:schemeClr val="accent6"/>
+            </a:lnRef>
+            <a:fillRef idx="3">
+              <a:schemeClr val="accent6"/>
+            </a:fillRef>
+            <a:effectRef idx="3">
+              <a:schemeClr val="accent6"/>
+            </a:effectRef>
+            <a:fontRef idx="minor">
+              <a:schemeClr val="lt1"/>
+            </a:fontRef>
+          </p:style>
+          <p:txBody>
+            <a:bodyPr rtlCol="0" anchor="ctr"/>
+            <a:lstStyle/>
+            <a:p>
+              <a:pPr algn="ctr"/>
+              <a:endParaRPr lang="en-US" dirty="0">
+                <a:latin typeface="Modern No. 20" panose="02070704070505020303" pitchFamily="18" charset="77"/>
+              </a:endParaRPr>
+            </a:p>
+          </p:txBody>
+        </p:sp>
+        <p:sp>
+          <p:nvSpPr>
+            <p:cNvPr id="14" name="Rectangle 13">
+              <a:extLst>
+                <a:ext uri="{FF2B5EF4-FFF2-40B4-BE49-F238E27FC236}">
+                  <a16:creationId xmlns:a16="http://schemas.microsoft.com/office/drawing/2014/main" id="{FAE22545-773D-E7D4-755C-166D8F452912}"/>
+                </a:ext>
+              </a:extLst>
+            </p:cNvPr>
+            <p:cNvSpPr/>
+            <p:nvPr/>
+          </p:nvSpPr>
+          <p:spPr>
+            <a:xfrm>
+              <a:off x="2444582" y="6222971"/>
+              <a:ext cx="1090087" cy="601883"/>
+            </a:xfrm>
+            <a:prstGeom prst="rect">
+              <a:avLst/>
+            </a:prstGeom>
+            <a:solidFill>
+              <a:schemeClr val="accent2"/>
+            </a:solidFill>
+            <a:ln w="9525">
+              <a:solidFill>
+                <a:schemeClr val="tx1"/>
+              </a:solidFill>
+            </a:ln>
+            <a:effectLst>
+              <a:outerShdw blurRad="50800" dist="38100" dir="5400000" algn="t" rotWithShape="0">
+                <a:prstClr val="black">
+                  <a:alpha val="40000"/>
+                </a:prstClr>
+              </a:outerShdw>
+            </a:effectLst>
+          </p:spPr>
+          <p:style>
+            <a:lnRef idx="3">
+              <a:schemeClr val="lt1"/>
+            </a:lnRef>
+            <a:fillRef idx="1">
+              <a:schemeClr val="accent2"/>
+            </a:fillRef>
+            <a:effectRef idx="1">
+              <a:schemeClr val="accent2"/>
+            </a:effectRef>
+            <a:fontRef idx="minor">
+              <a:schemeClr val="lt1"/>
+            </a:fontRef>
+          </p:style>
+          <p:txBody>
+            <a:bodyPr rtlCol="0" anchor="ctr"/>
+            <a:lstStyle/>
+            <a:p>
+              <a:pPr algn="ctr"/>
+              <a:endParaRPr lang="en-US" dirty="0">
+                <a:latin typeface="Modern No. 20" panose="02070704070505020303" pitchFamily="18" charset="77"/>
+              </a:endParaRPr>
+            </a:p>
+          </p:txBody>
+        </p:sp>
+        <p:sp>
+          <p:nvSpPr>
+            <p:cNvPr id="16" name="Rectangle 15">
+              <a:extLst>
+                <a:ext uri="{FF2B5EF4-FFF2-40B4-BE49-F238E27FC236}">
+                  <a16:creationId xmlns:a16="http://schemas.microsoft.com/office/drawing/2014/main" id="{90B3A64C-BF0D-FC84-10F9-448424252275}"/>
+                </a:ext>
+              </a:extLst>
+            </p:cNvPr>
+            <p:cNvSpPr/>
+            <p:nvPr/>
+          </p:nvSpPr>
+          <p:spPr>
+            <a:xfrm>
+              <a:off x="3755898" y="6222971"/>
+              <a:ext cx="1090087" cy="601883"/>
+            </a:xfrm>
+            <a:prstGeom prst="rect">
+              <a:avLst/>
+            </a:prstGeom>
+            <a:ln w="9525">
+              <a:solidFill>
+                <a:schemeClr val="tx1"/>
+              </a:solidFill>
+            </a:ln>
+            <a:effectLst>
+              <a:outerShdw blurRad="50800" dist="38100" dir="5400000" algn="t" rotWithShape="0">
+                <a:prstClr val="black">
+                  <a:alpha val="40000"/>
+                </a:prstClr>
+              </a:outerShdw>
+            </a:effectLst>
+          </p:spPr>
+          <p:style>
+            <a:lnRef idx="3">
+              <a:schemeClr val="lt1"/>
+            </a:lnRef>
+            <a:fillRef idx="1">
+              <a:schemeClr val="accent5"/>
+            </a:fillRef>
+            <a:effectRef idx="1">
+              <a:schemeClr val="accent5"/>
+            </a:effectRef>
+            <a:fontRef idx="minor">
+              <a:schemeClr val="lt1"/>
+            </a:fontRef>
+          </p:style>
+          <p:txBody>
+            <a:bodyPr rtlCol="0" anchor="ctr"/>
+            <a:lstStyle/>
+            <a:p>
+              <a:pPr algn="ctr"/>
+              <a:endParaRPr lang="en-US" dirty="0">
+                <a:latin typeface="Modern No. 20" panose="02070704070505020303" pitchFamily="18" charset="77"/>
+              </a:endParaRPr>
+            </a:p>
+          </p:txBody>
+        </p:sp>
+        <p:sp>
+          <p:nvSpPr>
+            <p:cNvPr id="22" name="Right Arrow 21">
+              <a:extLst>
+                <a:ext uri="{FF2B5EF4-FFF2-40B4-BE49-F238E27FC236}">
+                  <a16:creationId xmlns:a16="http://schemas.microsoft.com/office/drawing/2014/main" id="{E03FF323-B68E-00A6-443E-3FF0E5320609}"/>
+                </a:ext>
+              </a:extLst>
+            </p:cNvPr>
+            <p:cNvSpPr/>
+            <p:nvPr/>
+          </p:nvSpPr>
+          <p:spPr>
+            <a:xfrm rot="5400000">
+              <a:off x="8229707" y="5225839"/>
+              <a:ext cx="201021" cy="107992"/>
+            </a:xfrm>
+            <a:prstGeom prst="rightArrow">
+              <a:avLst/>
+            </a:prstGeom>
+          </p:spPr>
+          <p:style>
+            <a:lnRef idx="2">
+              <a:schemeClr val="dk1">
+                <a:shade val="15000"/>
+              </a:schemeClr>
+            </a:lnRef>
+            <a:fillRef idx="1">
+              <a:schemeClr val="dk1"/>
+            </a:fillRef>
+            <a:effectRef idx="0">
+              <a:schemeClr val="dk1"/>
+            </a:effectRef>
+            <a:fontRef idx="minor">
+              <a:schemeClr val="lt1"/>
+            </a:fontRef>
+          </p:style>
+          <p:txBody>
+            <a:bodyPr rtlCol="0" anchor="ctr"/>
+            <a:lstStyle/>
+            <a:p>
+              <a:pPr algn="ctr"/>
+              <a:endParaRPr lang="en-US" dirty="0"/>
+            </a:p>
+          </p:txBody>
+        </p:sp>
+        <p:sp>
+          <p:nvSpPr>
+            <p:cNvPr id="24" name="Right Arrow 23">
+              <a:extLst>
+                <a:ext uri="{FF2B5EF4-FFF2-40B4-BE49-F238E27FC236}">
+                  <a16:creationId xmlns:a16="http://schemas.microsoft.com/office/drawing/2014/main" id="{246D6ECF-7F6E-5472-2A0D-EF8F570BD217}"/>
+                </a:ext>
+              </a:extLst>
+            </p:cNvPr>
+            <p:cNvSpPr/>
+            <p:nvPr/>
+          </p:nvSpPr>
+          <p:spPr>
+            <a:xfrm rot="10800000">
+              <a:off x="7440888" y="5649078"/>
+              <a:ext cx="201021" cy="107992"/>
+            </a:xfrm>
+            <a:prstGeom prst="rightArrow">
+              <a:avLst/>
+            </a:prstGeom>
+          </p:spPr>
+          <p:style>
+            <a:lnRef idx="2">
+              <a:schemeClr val="dk1">
+                <a:shade val="15000"/>
+              </a:schemeClr>
+            </a:lnRef>
+            <a:fillRef idx="1">
+              <a:schemeClr val="dk1"/>
+            </a:fillRef>
+            <a:effectRef idx="0">
+              <a:schemeClr val="dk1"/>
+            </a:effectRef>
+            <a:fontRef idx="minor">
+              <a:schemeClr val="lt1"/>
+            </a:fontRef>
+          </p:style>
+          <p:txBody>
+            <a:bodyPr rtlCol="0" anchor="ctr"/>
+            <a:lstStyle/>
+            <a:p>
+              <a:pPr algn="ctr"/>
+              <a:endParaRPr lang="en-US" dirty="0"/>
+            </a:p>
+          </p:txBody>
+        </p:sp>
+        <p:sp>
+          <p:nvSpPr>
+            <p:cNvPr id="26" name="Right Arrow 25">
+              <a:extLst>
+                <a:ext uri="{FF2B5EF4-FFF2-40B4-BE49-F238E27FC236}">
+                  <a16:creationId xmlns:a16="http://schemas.microsoft.com/office/drawing/2014/main" id="{74E4722F-4197-E0DA-3CBE-59E6ABE9D0D9}"/>
+                </a:ext>
+              </a:extLst>
+            </p:cNvPr>
+            <p:cNvSpPr/>
+            <p:nvPr/>
+          </p:nvSpPr>
+          <p:spPr>
+            <a:xfrm>
+              <a:off x="6648950" y="6471175"/>
+              <a:ext cx="201021" cy="105475"/>
+            </a:xfrm>
+            <a:prstGeom prst="rightArrow">
+              <a:avLst/>
+            </a:prstGeom>
+          </p:spPr>
+          <p:style>
+            <a:lnRef idx="2">
+              <a:schemeClr val="dk1">
+                <a:shade val="15000"/>
+              </a:schemeClr>
+            </a:lnRef>
+            <a:fillRef idx="1">
+              <a:schemeClr val="dk1"/>
+            </a:fillRef>
+            <a:effectRef idx="0">
+              <a:schemeClr val="dk1"/>
+            </a:effectRef>
+            <a:fontRef idx="minor">
+              <a:schemeClr val="lt1"/>
+            </a:fontRef>
+          </p:style>
+          <p:txBody>
+            <a:bodyPr rtlCol="0" anchor="ctr"/>
+            <a:lstStyle/>
+            <a:p>
+              <a:pPr algn="ctr"/>
+              <a:endParaRPr lang="en-US" dirty="0"/>
+            </a:p>
+          </p:txBody>
+        </p:sp>
+        <p:sp>
+          <p:nvSpPr>
+            <p:cNvPr id="18" name="Rectangle 17">
+              <a:extLst>
+                <a:ext uri="{FF2B5EF4-FFF2-40B4-BE49-F238E27FC236}">
+                  <a16:creationId xmlns:a16="http://schemas.microsoft.com/office/drawing/2014/main" id="{C6BDF5B9-7FAF-601C-03A9-9E4F82AFA8DB}"/>
+                </a:ext>
+              </a:extLst>
+            </p:cNvPr>
+            <p:cNvSpPr/>
+            <p:nvPr/>
+          </p:nvSpPr>
+          <p:spPr>
+            <a:xfrm>
+              <a:off x="1646828" y="7094202"/>
+              <a:ext cx="502256" cy="199821"/>
+            </a:xfrm>
+            <a:prstGeom prst="rect">
+              <a:avLst/>
+            </a:prstGeom>
+            <a:solidFill>
+              <a:srgbClr val="00B050"/>
+            </a:solidFill>
+            <a:ln>
+              <a:solidFill>
+                <a:schemeClr val="tx1"/>
+              </a:solidFill>
+            </a:ln>
+          </p:spPr>
+          <p:style>
+            <a:lnRef idx="0">
+              <a:schemeClr val="accent6"/>
+            </a:lnRef>
+            <a:fillRef idx="3">
+              <a:schemeClr val="accent6"/>
+            </a:fillRef>
+            <a:effectRef idx="3">
+              <a:schemeClr val="accent6"/>
+            </a:effectRef>
+            <a:fontRef idx="minor">
+              <a:schemeClr val="lt1"/>
+            </a:fontRef>
+          </p:style>
+          <p:txBody>
+            <a:bodyPr rtlCol="0" anchor="ctr"/>
+            <a:lstStyle/>
+            <a:p>
+              <a:pPr algn="ctr"/>
+              <a:endParaRPr lang="en-US" dirty="0">
+                <a:latin typeface="Modern No. 20" panose="02070704070505020303" pitchFamily="18" charset="77"/>
+              </a:endParaRPr>
+            </a:p>
+          </p:txBody>
+        </p:sp>
+        <p:sp>
+          <p:nvSpPr>
+            <p:cNvPr id="29" name="Rectangle 28">
+              <a:extLst>
+                <a:ext uri="{FF2B5EF4-FFF2-40B4-BE49-F238E27FC236}">
+                  <a16:creationId xmlns:a16="http://schemas.microsoft.com/office/drawing/2014/main" id="{7FB826A1-A819-D4E0-CEBB-5879584912C4}"/>
+                </a:ext>
+              </a:extLst>
+            </p:cNvPr>
+            <p:cNvSpPr/>
+            <p:nvPr/>
+          </p:nvSpPr>
+          <p:spPr>
+            <a:xfrm>
+              <a:off x="1646827" y="7408973"/>
+              <a:ext cx="502257" cy="199821"/>
+            </a:xfrm>
+            <a:prstGeom prst="rect">
+              <a:avLst/>
+            </a:prstGeom>
+            <a:ln w="9525">
+              <a:solidFill>
+                <a:schemeClr val="tx1"/>
+              </a:solidFill>
+            </a:ln>
+            <a:effectLst>
+              <a:outerShdw blurRad="50800" dist="38100" dir="5400000" algn="t" rotWithShape="0">
+                <a:prstClr val="black">
+                  <a:alpha val="40000"/>
+                </a:prstClr>
+              </a:outerShdw>
+            </a:effectLst>
+          </p:spPr>
+          <p:style>
+            <a:lnRef idx="3">
+              <a:schemeClr val="lt1"/>
+            </a:lnRef>
+            <a:fillRef idx="1">
+              <a:schemeClr val="accent2"/>
+            </a:fillRef>
+            <a:effectRef idx="1">
+              <a:schemeClr val="accent2"/>
+            </a:effectRef>
+            <a:fontRef idx="minor">
+              <a:schemeClr val="lt1"/>
+            </a:fontRef>
+          </p:style>
+          <p:txBody>
+            <a:bodyPr rtlCol="0" anchor="ctr"/>
+            <a:lstStyle/>
+            <a:p>
+              <a:pPr algn="ctr"/>
+              <a:endParaRPr lang="en-US" dirty="0">
+                <a:latin typeface="Modern No. 20" panose="02070704070505020303" pitchFamily="18" charset="77"/>
+              </a:endParaRPr>
+            </a:p>
+          </p:txBody>
+        </p:sp>
+        <p:sp>
+          <p:nvSpPr>
+            <p:cNvPr id="30" name="Rectangle 29">
+              <a:extLst>
+                <a:ext uri="{FF2B5EF4-FFF2-40B4-BE49-F238E27FC236}">
+                  <a16:creationId xmlns:a16="http://schemas.microsoft.com/office/drawing/2014/main" id="{2DC9611F-AEED-F121-266F-E9549E0553F3}"/>
+                </a:ext>
+              </a:extLst>
+            </p:cNvPr>
+            <p:cNvSpPr/>
+            <p:nvPr/>
+          </p:nvSpPr>
+          <p:spPr>
+            <a:xfrm>
+              <a:off x="4304916" y="7094202"/>
+              <a:ext cx="502256" cy="199821"/>
+            </a:xfrm>
+            <a:prstGeom prst="rect">
+              <a:avLst/>
+            </a:prstGeom>
+            <a:ln w="9525">
+              <a:solidFill>
+                <a:schemeClr val="tx1"/>
+              </a:solidFill>
+            </a:ln>
+            <a:effectLst>
+              <a:outerShdw blurRad="50800" dist="38100" dir="5400000" algn="t" rotWithShape="0">
+                <a:prstClr val="black">
+                  <a:alpha val="40000"/>
+                </a:prstClr>
+              </a:outerShdw>
+            </a:effectLst>
+          </p:spPr>
+          <p:style>
+            <a:lnRef idx="3">
+              <a:schemeClr val="lt1"/>
+            </a:lnRef>
+            <a:fillRef idx="1">
+              <a:schemeClr val="accent5"/>
+            </a:fillRef>
+            <a:effectRef idx="1">
+              <a:schemeClr val="accent5"/>
+            </a:effectRef>
+            <a:fontRef idx="minor">
+              <a:schemeClr val="lt1"/>
+            </a:fontRef>
+          </p:style>
+          <p:txBody>
+            <a:bodyPr rtlCol="0" anchor="ctr"/>
+            <a:lstStyle/>
+            <a:p>
+              <a:pPr algn="ctr"/>
+              <a:endParaRPr lang="en-US" dirty="0">
+                <a:latin typeface="Modern No. 20" panose="02070704070505020303" pitchFamily="18" charset="77"/>
+              </a:endParaRPr>
+            </a:p>
+          </p:txBody>
+        </p:sp>
+        <p:sp>
+          <p:nvSpPr>
+            <p:cNvPr id="31" name="Rectangle 30">
+              <a:extLst>
+                <a:ext uri="{FF2B5EF4-FFF2-40B4-BE49-F238E27FC236}">
+                  <a16:creationId xmlns:a16="http://schemas.microsoft.com/office/drawing/2014/main" id="{F28C8944-BC84-4228-5043-7EB15AC260CF}"/>
+                </a:ext>
+              </a:extLst>
+            </p:cNvPr>
+            <p:cNvSpPr/>
+            <p:nvPr/>
+          </p:nvSpPr>
+          <p:spPr>
+            <a:xfrm>
+              <a:off x="4304915" y="7408973"/>
+              <a:ext cx="502258" cy="199821"/>
+            </a:xfrm>
+            <a:prstGeom prst="rect">
+              <a:avLst/>
+            </a:prstGeom>
+            <a:solidFill>
+              <a:srgbClr val="00B0F0"/>
+            </a:solidFill>
+            <a:ln>
+              <a:solidFill>
+                <a:schemeClr val="tx1"/>
+              </a:solidFill>
+            </a:ln>
+          </p:spPr>
+          <p:style>
+            <a:lnRef idx="0">
+              <a:schemeClr val="accent4"/>
+            </a:lnRef>
+            <a:fillRef idx="3">
+              <a:schemeClr val="accent4"/>
+            </a:fillRef>
+            <a:effectRef idx="3">
+              <a:schemeClr val="accent4"/>
+            </a:effectRef>
+            <a:fontRef idx="minor">
+              <a:schemeClr val="lt1"/>
+            </a:fontRef>
+          </p:style>
+          <p:txBody>
+            <a:bodyPr rtlCol="0" anchor="ctr"/>
+            <a:lstStyle/>
+            <a:p>
+              <a:pPr algn="ctr"/>
+              <a:endParaRPr lang="en-US" dirty="0">
+                <a:latin typeface="Modern No. 20" panose="02070704070505020303" pitchFamily="18" charset="77"/>
+              </a:endParaRPr>
+            </a:p>
+          </p:txBody>
+        </p:sp>
+        <p:sp>
+          <p:nvSpPr>
+            <p:cNvPr id="32" name="TextBox 31">
+              <a:extLst>
+                <a:ext uri="{FF2B5EF4-FFF2-40B4-BE49-F238E27FC236}">
+                  <a16:creationId xmlns:a16="http://schemas.microsoft.com/office/drawing/2014/main" id="{6D1EB3FC-BB45-E9F5-D2E3-DE16D562E786}"/>
+                </a:ext>
+              </a:extLst>
+            </p:cNvPr>
+            <p:cNvSpPr txBox="1"/>
+            <p:nvPr/>
+          </p:nvSpPr>
+          <p:spPr>
+            <a:xfrm>
+              <a:off x="2130395" y="7040224"/>
+              <a:ext cx="1689245" cy="369332"/>
+            </a:xfrm>
+            <a:prstGeom prst="rect">
+              <a:avLst/>
+            </a:prstGeom>
+            <a:noFill/>
+          </p:spPr>
+          <p:txBody>
+            <a:bodyPr wrap="none" rtlCol="0">
+              <a:spAutoFit/>
+            </a:bodyPr>
+            <a:lstStyle/>
+            <a:p>
+              <a:r>
+                <a:rPr lang="en-US" dirty="0"/>
+                <a:t>Removing Data</a:t>
+              </a:r>
+            </a:p>
+          </p:txBody>
+        </p:sp>
+        <p:sp>
+          <p:nvSpPr>
+            <p:cNvPr id="33" name="TextBox 32">
+              <a:extLst>
+                <a:ext uri="{FF2B5EF4-FFF2-40B4-BE49-F238E27FC236}">
+                  <a16:creationId xmlns:a16="http://schemas.microsoft.com/office/drawing/2014/main" id="{34D9D507-3241-4E9F-D571-768FD83AC0B2}"/>
+                </a:ext>
+              </a:extLst>
+            </p:cNvPr>
+            <p:cNvSpPr txBox="1"/>
+            <p:nvPr/>
+          </p:nvSpPr>
+          <p:spPr>
+            <a:xfrm>
+              <a:off x="2136308" y="7354995"/>
+              <a:ext cx="2130263" cy="369332"/>
+            </a:xfrm>
+            <a:prstGeom prst="rect">
+              <a:avLst/>
+            </a:prstGeom>
+            <a:noFill/>
+          </p:spPr>
+          <p:txBody>
+            <a:bodyPr wrap="none" rtlCol="0">
+              <a:spAutoFit/>
+            </a:bodyPr>
+            <a:lstStyle/>
+            <a:p>
+              <a:r>
+                <a:rPr lang="en-US" dirty="0"/>
+                <a:t>Rearranging in Time</a:t>
+              </a:r>
+            </a:p>
+          </p:txBody>
+        </p:sp>
+        <p:sp>
+          <p:nvSpPr>
+            <p:cNvPr id="34" name="TextBox 33">
+              <a:extLst>
+                <a:ext uri="{FF2B5EF4-FFF2-40B4-BE49-F238E27FC236}">
+                  <a16:creationId xmlns:a16="http://schemas.microsoft.com/office/drawing/2014/main" id="{4A96CECE-B5CC-BA3B-242E-F9BA21D40E9A}"/>
+                </a:ext>
+              </a:extLst>
+            </p:cNvPr>
+            <p:cNvSpPr txBox="1"/>
+            <p:nvPr/>
+          </p:nvSpPr>
+          <p:spPr>
+            <a:xfrm>
+              <a:off x="4807171" y="7040224"/>
+              <a:ext cx="1293687" cy="369332"/>
+            </a:xfrm>
+            <a:prstGeom prst="rect">
+              <a:avLst/>
+            </a:prstGeom>
+            <a:noFill/>
+          </p:spPr>
+          <p:txBody>
+            <a:bodyPr wrap="none" rtlCol="0">
+              <a:spAutoFit/>
+            </a:bodyPr>
+            <a:lstStyle/>
+            <a:p>
+              <a:r>
+                <a:rPr lang="en-US" dirty="0"/>
+                <a:t>Filling Data</a:t>
+              </a:r>
+            </a:p>
+          </p:txBody>
+        </p:sp>
+        <p:sp>
+          <p:nvSpPr>
+            <p:cNvPr id="35" name="TextBox 34">
+              <a:extLst>
+                <a:ext uri="{FF2B5EF4-FFF2-40B4-BE49-F238E27FC236}">
+                  <a16:creationId xmlns:a16="http://schemas.microsoft.com/office/drawing/2014/main" id="{D82419B3-4553-26CB-5AD9-BCDA9C5FB3B9}"/>
+                </a:ext>
+              </a:extLst>
+            </p:cNvPr>
+            <p:cNvSpPr txBox="1"/>
+            <p:nvPr/>
+          </p:nvSpPr>
+          <p:spPr>
+            <a:xfrm>
+              <a:off x="4807170" y="7354995"/>
+              <a:ext cx="1651414" cy="369332"/>
+            </a:xfrm>
+            <a:prstGeom prst="rect">
+              <a:avLst/>
+            </a:prstGeom>
+            <a:noFill/>
+          </p:spPr>
+          <p:txBody>
+            <a:bodyPr wrap="none" rtlCol="0">
+              <a:spAutoFit/>
+            </a:bodyPr>
+            <a:lstStyle/>
+            <a:p>
+              <a:r>
+                <a:rPr lang="en-US" dirty="0"/>
+                <a:t>Changing Data</a:t>
+              </a:r>
+            </a:p>
+          </p:txBody>
+        </p:sp>
+        <p:sp>
+          <p:nvSpPr>
+            <p:cNvPr id="39" name="Parallelogram 38">
+              <a:extLst>
+                <a:ext uri="{FF2B5EF4-FFF2-40B4-BE49-F238E27FC236}">
+                  <a16:creationId xmlns:a16="http://schemas.microsoft.com/office/drawing/2014/main" id="{F7500F25-9B9A-1F2A-3463-CB8A33953233}"/>
+                </a:ext>
+              </a:extLst>
+            </p:cNvPr>
+            <p:cNvSpPr/>
+            <p:nvPr/>
+          </p:nvSpPr>
+          <p:spPr>
+            <a:xfrm>
+              <a:off x="6791314" y="6240333"/>
+              <a:ext cx="2592529" cy="567159"/>
+            </a:xfrm>
+            <a:prstGeom prst="parallelogram">
+              <a:avLst/>
+            </a:prstGeom>
+            <a:ln w="9525">
+              <a:solidFill>
+                <a:schemeClr val="tx1"/>
+              </a:solidFill>
+            </a:ln>
+            <a:effectLst>
+              <a:outerShdw blurRad="50800" dist="38100" dir="5400000" algn="t" rotWithShape="0">
+                <a:prstClr val="black">
+                  <a:alpha val="40000"/>
+                </a:prstClr>
+              </a:outerShdw>
+            </a:effectLst>
+          </p:spPr>
+          <p:style>
+            <a:lnRef idx="2">
+              <a:schemeClr val="accent1">
+                <a:shade val="15000"/>
+              </a:schemeClr>
+            </a:lnRef>
+            <a:fillRef idx="1">
+              <a:schemeClr val="accent1"/>
+            </a:fillRef>
+            <a:effectRef idx="0">
+              <a:schemeClr val="accent1"/>
+            </a:effectRef>
+            <a:fontRef idx="minor">
+              <a:schemeClr val="lt1"/>
+            </a:fontRef>
+          </p:style>
+          <p:txBody>
+            <a:bodyPr rtlCol="0" anchor="ctr"/>
+            <a:lstStyle/>
+            <a:p>
+              <a:pPr algn="ctr"/>
+              <a:r>
+                <a:rPr lang="en-US" dirty="0"/>
+                <a:t>Filtered, Continuous Data</a:t>
+              </a:r>
+            </a:p>
+          </p:txBody>
+        </p:sp>
+        <p:sp>
+          <p:nvSpPr>
+            <p:cNvPr id="6" name="Rectangle 5">
+              <a:extLst>
+                <a:ext uri="{FF2B5EF4-FFF2-40B4-BE49-F238E27FC236}">
+                  <a16:creationId xmlns:a16="http://schemas.microsoft.com/office/drawing/2014/main" id="{4BD42F28-879F-4FDA-1A38-04AFC68C4BCD}"/>
+                </a:ext>
+              </a:extLst>
+            </p:cNvPr>
+            <p:cNvSpPr/>
+            <p:nvPr/>
+          </p:nvSpPr>
+          <p:spPr>
+            <a:xfrm>
+              <a:off x="7064273" y="4582432"/>
+              <a:ext cx="1949291" cy="601883"/>
+            </a:xfrm>
+            <a:prstGeom prst="rect">
+              <a:avLst/>
+            </a:prstGeom>
+            <a:solidFill>
+              <a:srgbClr val="00B050"/>
+            </a:solidFill>
+            <a:ln>
+              <a:solidFill>
+                <a:schemeClr val="tx1"/>
+              </a:solidFill>
+            </a:ln>
+            <a:effectLst>
+              <a:outerShdw blurRad="50800" dist="38100" dir="5400000" algn="t" rotWithShape="0">
+                <a:prstClr val="black">
+                  <a:alpha val="40000"/>
+                </a:prstClr>
+              </a:outerShdw>
+            </a:effectLst>
+          </p:spPr>
+          <p:style>
+            <a:lnRef idx="0">
+              <a:schemeClr val="accent6"/>
+            </a:lnRef>
+            <a:fillRef idx="3">
+              <a:schemeClr val="accent6"/>
+            </a:fillRef>
+            <a:effectRef idx="3">
+              <a:schemeClr val="accent6"/>
+            </a:effectRef>
+            <a:fontRef idx="minor">
+              <a:schemeClr val="lt1"/>
+            </a:fontRef>
+          </p:style>
+          <p:txBody>
+            <a:bodyPr rtlCol="0" anchor="ctr"/>
+            <a:lstStyle/>
+            <a:p>
+              <a:pPr algn="ctr"/>
+              <a:endParaRPr lang="en-US" dirty="0">
+                <a:latin typeface="Modern No. 20" panose="02070704070505020303" pitchFamily="18" charset="77"/>
+              </a:endParaRPr>
+            </a:p>
+          </p:txBody>
+        </p:sp>
+        <p:sp>
+          <p:nvSpPr>
+            <p:cNvPr id="17" name="Right Arrow 16">
+              <a:extLst>
+                <a:ext uri="{FF2B5EF4-FFF2-40B4-BE49-F238E27FC236}">
+                  <a16:creationId xmlns:a16="http://schemas.microsoft.com/office/drawing/2014/main" id="{7C7347B2-AA2C-E17F-B15B-B91F811C7E1D}"/>
+                </a:ext>
+              </a:extLst>
+            </p:cNvPr>
+            <p:cNvSpPr/>
+            <p:nvPr/>
+          </p:nvSpPr>
+          <p:spPr>
+            <a:xfrm rot="10800000">
+              <a:off x="4996164" y="5641377"/>
+              <a:ext cx="201021" cy="107992"/>
+            </a:xfrm>
+            <a:prstGeom prst="rightArrow">
+              <a:avLst/>
+            </a:prstGeom>
+          </p:spPr>
+          <p:style>
+            <a:lnRef idx="2">
+              <a:schemeClr val="dk1">
+                <a:shade val="15000"/>
+              </a:schemeClr>
+            </a:lnRef>
+            <a:fillRef idx="1">
+              <a:schemeClr val="dk1"/>
+            </a:fillRef>
+            <a:effectRef idx="0">
+              <a:schemeClr val="dk1"/>
+            </a:effectRef>
+            <a:fontRef idx="minor">
+              <a:schemeClr val="lt1"/>
+            </a:fontRef>
+          </p:style>
+          <p:txBody>
+            <a:bodyPr rtlCol="0" anchor="ctr"/>
+            <a:lstStyle/>
+            <a:p>
+              <a:pPr algn="ctr"/>
+              <a:endParaRPr lang="en-US" dirty="0"/>
+            </a:p>
+          </p:txBody>
+        </p:sp>
+        <p:sp>
+          <p:nvSpPr>
+            <p:cNvPr id="2" name="Rectangle 1">
+              <a:extLst>
+                <a:ext uri="{FF2B5EF4-FFF2-40B4-BE49-F238E27FC236}">
+                  <a16:creationId xmlns:a16="http://schemas.microsoft.com/office/drawing/2014/main" id="{4BA0F650-B15D-5166-ABBA-ADFB2D6F22D6}"/>
+                </a:ext>
+              </a:extLst>
+            </p:cNvPr>
+            <p:cNvSpPr/>
+            <p:nvPr/>
+          </p:nvSpPr>
+          <p:spPr>
+            <a:xfrm>
+              <a:off x="5076686" y="6222971"/>
+              <a:ext cx="1561651" cy="601883"/>
+            </a:xfrm>
+            <a:prstGeom prst="rect">
+              <a:avLst/>
+            </a:prstGeom>
+            <a:solidFill>
+              <a:srgbClr val="00B0F0"/>
+            </a:solidFill>
+            <a:ln w="9525"/>
+            <a:effectLst>
+              <a:outerShdw blurRad="50800" dist="38100" dir="8100000" algn="tr" rotWithShape="0">
+                <a:prstClr val="black">
+                  <a:alpha val="40000"/>
+                </a:prstClr>
+              </a:outerShdw>
+            </a:effectLst>
+          </p:spPr>
+          <p:style>
+            <a:lnRef idx="2">
+              <a:schemeClr val="accent4">
+                <a:shade val="15000"/>
+              </a:schemeClr>
+            </a:lnRef>
+            <a:fillRef idx="1">
+              <a:schemeClr val="accent4"/>
+            </a:fillRef>
+            <a:effectRef idx="0">
+              <a:schemeClr val="accent4"/>
+            </a:effectRef>
+            <a:fontRef idx="minor">
+              <a:schemeClr val="lt1"/>
+            </a:fontRef>
+          </p:style>
+          <p:txBody>
+            <a:bodyPr rtlCol="0" anchor="ctr"/>
+            <a:lstStyle/>
+            <a:p>
+              <a:pPr algn="ctr"/>
+              <a:endParaRPr lang="en-US" dirty="0">
+                <a:latin typeface="Modern No. 20" panose="02070704070505020303" pitchFamily="18" charset="77"/>
+              </a:endParaRPr>
+            </a:p>
+          </p:txBody>
+        </p:sp>
+        <p:sp>
+          <p:nvSpPr>
+            <p:cNvPr id="41" name="Right Arrow 40">
+              <a:extLst>
+                <a:ext uri="{FF2B5EF4-FFF2-40B4-BE49-F238E27FC236}">
+                  <a16:creationId xmlns:a16="http://schemas.microsoft.com/office/drawing/2014/main" id="{24944436-312A-C806-9338-A09D85F5AAE0}"/>
+                </a:ext>
+              </a:extLst>
+            </p:cNvPr>
+            <p:cNvSpPr/>
+            <p:nvPr/>
+          </p:nvSpPr>
+          <p:spPr>
+            <a:xfrm>
+              <a:off x="6849594" y="4828724"/>
+              <a:ext cx="201021" cy="107992"/>
+            </a:xfrm>
+            <a:prstGeom prst="rightArrow">
+              <a:avLst/>
+            </a:prstGeom>
+          </p:spPr>
+          <p:style>
+            <a:lnRef idx="2">
+              <a:schemeClr val="dk1">
+                <a:shade val="15000"/>
+              </a:schemeClr>
+            </a:lnRef>
+            <a:fillRef idx="1">
+              <a:schemeClr val="dk1"/>
+            </a:fillRef>
+            <a:effectRef idx="0">
+              <a:schemeClr val="dk1"/>
+            </a:effectRef>
+            <a:fontRef idx="minor">
+              <a:schemeClr val="lt1"/>
+            </a:fontRef>
+          </p:style>
+          <p:txBody>
+            <a:bodyPr rtlCol="0" anchor="ctr"/>
+            <a:lstStyle/>
+            <a:p>
+              <a:pPr algn="ctr"/>
+              <a:endParaRPr lang="en-US" dirty="0"/>
+            </a:p>
+          </p:txBody>
+        </p:sp>
+        <p:sp>
+          <p:nvSpPr>
+            <p:cNvPr id="42" name="Right Arrow 41">
+              <a:extLst>
+                <a:ext uri="{FF2B5EF4-FFF2-40B4-BE49-F238E27FC236}">
+                  <a16:creationId xmlns:a16="http://schemas.microsoft.com/office/drawing/2014/main" id="{829E482C-1204-BE34-2882-C15D118DE23E}"/>
+                </a:ext>
+              </a:extLst>
+            </p:cNvPr>
+            <p:cNvSpPr/>
+            <p:nvPr/>
+          </p:nvSpPr>
+          <p:spPr>
+            <a:xfrm rot="10800000">
+              <a:off x="3534788" y="5635009"/>
+              <a:ext cx="201021" cy="107992"/>
+            </a:xfrm>
+            <a:prstGeom prst="rightArrow">
+              <a:avLst/>
+            </a:prstGeom>
+          </p:spPr>
+          <p:style>
+            <a:lnRef idx="2">
+              <a:schemeClr val="dk1">
+                <a:shade val="15000"/>
+              </a:schemeClr>
+            </a:lnRef>
+            <a:fillRef idx="1">
+              <a:schemeClr val="dk1"/>
+            </a:fillRef>
+            <a:effectRef idx="0">
+              <a:schemeClr val="dk1"/>
+            </a:effectRef>
+            <a:fontRef idx="minor">
+              <a:schemeClr val="lt1"/>
+            </a:fontRef>
+          </p:style>
+          <p:txBody>
+            <a:bodyPr rtlCol="0" anchor="ctr"/>
+            <a:lstStyle/>
+            <a:p>
+              <a:pPr algn="ctr"/>
+              <a:endParaRPr lang="en-US" dirty="0"/>
+            </a:p>
+          </p:txBody>
+        </p:sp>
+        <p:sp>
+          <p:nvSpPr>
+            <p:cNvPr id="43" name="Right Arrow 42">
+              <a:extLst>
+                <a:ext uri="{FF2B5EF4-FFF2-40B4-BE49-F238E27FC236}">
+                  <a16:creationId xmlns:a16="http://schemas.microsoft.com/office/drawing/2014/main" id="{5466A913-4448-2403-D806-56C75921C83B}"/>
+                </a:ext>
+              </a:extLst>
+            </p:cNvPr>
+            <p:cNvSpPr/>
+            <p:nvPr/>
+          </p:nvSpPr>
+          <p:spPr>
+            <a:xfrm>
+              <a:off x="4852874" y="6469916"/>
+              <a:ext cx="201021" cy="107992"/>
+            </a:xfrm>
+            <a:prstGeom prst="rightArrow">
+              <a:avLst/>
+            </a:prstGeom>
+          </p:spPr>
+          <p:style>
+            <a:lnRef idx="2">
+              <a:schemeClr val="dk1">
+                <a:shade val="15000"/>
+              </a:schemeClr>
+            </a:lnRef>
+            <a:fillRef idx="1">
+              <a:schemeClr val="dk1"/>
+            </a:fillRef>
+            <a:effectRef idx="0">
+              <a:schemeClr val="dk1"/>
+            </a:effectRef>
+            <a:fontRef idx="minor">
+              <a:schemeClr val="lt1"/>
+            </a:fontRef>
+          </p:style>
+          <p:txBody>
+            <a:bodyPr rtlCol="0" anchor="ctr"/>
+            <a:lstStyle/>
+            <a:p>
+              <a:pPr algn="ctr"/>
+              <a:endParaRPr lang="en-US" dirty="0"/>
+            </a:p>
+          </p:txBody>
+        </p:sp>
+        <p:sp>
+          <p:nvSpPr>
+            <p:cNvPr id="44" name="Right Arrow 43">
+              <a:extLst>
+                <a:ext uri="{FF2B5EF4-FFF2-40B4-BE49-F238E27FC236}">
+                  <a16:creationId xmlns:a16="http://schemas.microsoft.com/office/drawing/2014/main" id="{39AB0572-05D0-5B87-E9C6-A00314A7DA6A}"/>
+                </a:ext>
+              </a:extLst>
+            </p:cNvPr>
+            <p:cNvSpPr/>
+            <p:nvPr/>
+          </p:nvSpPr>
+          <p:spPr>
+            <a:xfrm rot="5400000">
+              <a:off x="2877958" y="6054116"/>
+              <a:ext cx="201021" cy="107992"/>
+            </a:xfrm>
+            <a:prstGeom prst="rightArrow">
+              <a:avLst/>
+            </a:prstGeom>
+          </p:spPr>
+          <p:style>
+            <a:lnRef idx="2">
+              <a:schemeClr val="dk1">
+                <a:shade val="15000"/>
+              </a:schemeClr>
+            </a:lnRef>
+            <a:fillRef idx="1">
+              <a:schemeClr val="dk1"/>
+            </a:fillRef>
+            <a:effectRef idx="0">
+              <a:schemeClr val="dk1"/>
+            </a:effectRef>
+            <a:fontRef idx="minor">
+              <a:schemeClr val="lt1"/>
+            </a:fontRef>
+          </p:style>
+          <p:txBody>
+            <a:bodyPr rtlCol="0" anchor="ctr"/>
+            <a:lstStyle/>
+            <a:p>
+              <a:pPr algn="ctr"/>
+              <a:endParaRPr lang="en-US" dirty="0"/>
+            </a:p>
+          </p:txBody>
+        </p:sp>
+        <p:sp>
+          <p:nvSpPr>
+            <p:cNvPr id="10" name="Right Arrow 9">
+              <a:extLst>
+                <a:ext uri="{FF2B5EF4-FFF2-40B4-BE49-F238E27FC236}">
+                  <a16:creationId xmlns:a16="http://schemas.microsoft.com/office/drawing/2014/main" id="{0130188D-1F6F-0506-F6F2-67A8AA743E99}"/>
+                </a:ext>
+              </a:extLst>
+            </p:cNvPr>
+            <p:cNvSpPr/>
+            <p:nvPr/>
+          </p:nvSpPr>
+          <p:spPr>
+            <a:xfrm>
+              <a:off x="3541932" y="6469916"/>
+              <a:ext cx="201021" cy="107992"/>
+            </a:xfrm>
+            <a:prstGeom prst="rightArrow">
+              <a:avLst/>
+            </a:prstGeom>
+          </p:spPr>
+          <p:style>
+            <a:lnRef idx="2">
+              <a:schemeClr val="dk1">
+                <a:shade val="15000"/>
+              </a:schemeClr>
+            </a:lnRef>
+            <a:fillRef idx="1">
+              <a:schemeClr val="dk1"/>
+            </a:fillRef>
+            <a:effectRef idx="0">
+              <a:schemeClr val="dk1"/>
+            </a:effectRef>
+            <a:fontRef idx="minor">
+              <a:schemeClr val="lt1"/>
+            </a:fontRef>
+          </p:style>
+          <p:txBody>
+            <a:bodyPr rtlCol="0" anchor="ctr"/>
+            <a:lstStyle/>
+            <a:p>
+              <a:pPr algn="ctr"/>
+              <a:endParaRPr lang="en-US" dirty="0"/>
+            </a:p>
+          </p:txBody>
+        </p:sp>
+      </p:grpSp>
+    </p:spTree>
+    <p:extLst>
+      <p:ext uri="{BB962C8B-B14F-4D97-AF65-F5344CB8AC3E}">
+        <p14:creationId xmlns:p14="http://schemas.microsoft.com/office/powerpoint/2010/main" val="1255507819"/>
+      </p:ext>
+    </p:extLst>
+  </p:cSld>
+  <p:clrMapOvr>
+    <a:masterClrMapping/>
+  </p:clrMapOvr>
+</p:sld>
+</file>
+
+<file path=ppt/slides/slide4.xml><?xml version="1.0" encoding="utf-8"?>
 <p:sld xmlns:a="http://schemas.openxmlformats.org/drawingml/2006/main" xmlns:r="http://schemas.openxmlformats.org/officeDocument/2006/relationships" xmlns:p="http://schemas.openxmlformats.org/presentationml/2006/main">
   <p:cSld>
     <p:spTree>
@@ -12312,6 +14256,3312 @@
 </p:sld>
 </file>
 
+<file path=ppt/slides/slide5.xml><?xml version="1.0" encoding="utf-8"?>
+<p:sld xmlns:a="http://schemas.openxmlformats.org/drawingml/2006/main" xmlns:r="http://schemas.openxmlformats.org/officeDocument/2006/relationships" xmlns:p="http://schemas.openxmlformats.org/presentationml/2006/main">
+  <p:cSld>
+    <p:spTree>
+      <p:nvGrpSpPr>
+        <p:cNvPr id="1" name="">
+          <a:extLst>
+            <a:ext uri="{FF2B5EF4-FFF2-40B4-BE49-F238E27FC236}">
+              <a16:creationId xmlns:a16="http://schemas.microsoft.com/office/drawing/2014/main" id="{1D1361E7-0257-DFFC-CB44-83EF7E8865C3}"/>
+            </a:ext>
+          </a:extLst>
+        </p:cNvPr>
+        <p:cNvGrpSpPr/>
+        <p:nvPr/>
+      </p:nvGrpSpPr>
+      <p:grpSpPr>
+        <a:xfrm>
+          <a:off x="0" y="0"/>
+          <a:ext cx="0" cy="0"/>
+          <a:chOff x="0" y="0"/>
+          <a:chExt cx="0" cy="0"/>
+        </a:xfrm>
+      </p:grpSpPr>
+      <p:sp>
+        <p:nvSpPr>
+          <p:cNvPr id="140" name="TextBox 139">
+            <a:extLst>
+              <a:ext uri="{FF2B5EF4-FFF2-40B4-BE49-F238E27FC236}">
+                <a16:creationId xmlns:a16="http://schemas.microsoft.com/office/drawing/2014/main" id="{276FB24A-8C86-6388-4E83-9A8E8FAE2BDE}"/>
+              </a:ext>
+            </a:extLst>
+          </p:cNvPr>
+          <p:cNvSpPr txBox="1"/>
+          <p:nvPr/>
+        </p:nvSpPr>
+        <p:spPr>
+          <a:xfrm>
+            <a:off x="9242909" y="5468618"/>
+            <a:ext cx="1978227" cy="1477328"/>
+          </a:xfrm>
+          <a:prstGeom prst="rect">
+            <a:avLst/>
+          </a:prstGeom>
+          <a:noFill/>
+        </p:spPr>
+        <p:txBody>
+          <a:bodyPr wrap="square" rtlCol="0">
+            <a:spAutoFit/>
+          </a:bodyPr>
+          <a:lstStyle/>
+          <a:p>
+            <a:r>
+              <a:rPr lang="en-US" dirty="0"/>
+              <a:t>TODO check that this holds for informer, </a:t>
+            </a:r>
+            <a:r>
+              <a:rPr lang="en-US" dirty="0" err="1"/>
+              <a:t>autoformer</a:t>
+            </a:r>
+            <a:r>
+              <a:rPr lang="en-US" dirty="0"/>
+              <a:t>, </a:t>
+            </a:r>
+            <a:r>
+              <a:rPr lang="en-US" dirty="0" err="1"/>
+              <a:t>spacetimeformer</a:t>
+            </a:r>
+            <a:endParaRPr lang="en-US" dirty="0"/>
+          </a:p>
+        </p:txBody>
+      </p:sp>
+      <p:grpSp>
+        <p:nvGrpSpPr>
+          <p:cNvPr id="276" name="Group 275">
+            <a:extLst>
+              <a:ext uri="{FF2B5EF4-FFF2-40B4-BE49-F238E27FC236}">
+                <a16:creationId xmlns:a16="http://schemas.microsoft.com/office/drawing/2014/main" id="{63194F4B-58A3-20FB-19E7-8AB9C4EACF4D}"/>
+              </a:ext>
+            </a:extLst>
+          </p:cNvPr>
+          <p:cNvGrpSpPr/>
+          <p:nvPr/>
+        </p:nvGrpSpPr>
+        <p:grpSpPr>
+          <a:xfrm>
+            <a:off x="723807" y="3694777"/>
+            <a:ext cx="7391034" cy="7579649"/>
+            <a:chOff x="548640" y="4537490"/>
+            <a:chExt cx="7391034" cy="7579649"/>
+          </a:xfrm>
+        </p:grpSpPr>
+        <p:sp>
+          <p:nvSpPr>
+            <p:cNvPr id="193" name="Rounded Rectangle 192">
+              <a:extLst>
+                <a:ext uri="{FF2B5EF4-FFF2-40B4-BE49-F238E27FC236}">
+                  <a16:creationId xmlns:a16="http://schemas.microsoft.com/office/drawing/2014/main" id="{AFA4F3EB-78B7-7064-35A2-D0B035406687}"/>
+                </a:ext>
+              </a:extLst>
+            </p:cNvPr>
+            <p:cNvSpPr/>
+            <p:nvPr/>
+          </p:nvSpPr>
+          <p:spPr>
+            <a:xfrm>
+              <a:off x="548640" y="6645902"/>
+              <a:ext cx="2599578" cy="2127840"/>
+            </a:xfrm>
+            <a:prstGeom prst="roundRect">
+              <a:avLst/>
+            </a:prstGeom>
+            <a:noFill/>
+            <a:ln w="38100">
+              <a:solidFill>
+                <a:schemeClr val="accent1">
+                  <a:shade val="15000"/>
+                  <a:alpha val="24737"/>
+                </a:schemeClr>
+              </a:solidFill>
+              <a:prstDash val="dash"/>
+            </a:ln>
+          </p:spPr>
+          <p:style>
+            <a:lnRef idx="2">
+              <a:schemeClr val="accent1">
+                <a:shade val="15000"/>
+              </a:schemeClr>
+            </a:lnRef>
+            <a:fillRef idx="1">
+              <a:schemeClr val="accent1"/>
+            </a:fillRef>
+            <a:effectRef idx="0">
+              <a:schemeClr val="accent1"/>
+            </a:effectRef>
+            <a:fontRef idx="minor">
+              <a:schemeClr val="lt1"/>
+            </a:fontRef>
+          </p:style>
+          <p:txBody>
+            <a:bodyPr rtlCol="0" anchor="ctr"/>
+            <a:lstStyle/>
+            <a:p>
+              <a:pPr algn="ctr"/>
+              <a:endParaRPr lang="en-US"/>
+            </a:p>
+          </p:txBody>
+        </p:sp>
+        <p:sp>
+          <p:nvSpPr>
+            <p:cNvPr id="192" name="Rounded Rectangle 191">
+              <a:extLst>
+                <a:ext uri="{FF2B5EF4-FFF2-40B4-BE49-F238E27FC236}">
+                  <a16:creationId xmlns:a16="http://schemas.microsoft.com/office/drawing/2014/main" id="{D337C9AC-A703-058B-A291-9864EEB26E58}"/>
+                </a:ext>
+              </a:extLst>
+            </p:cNvPr>
+            <p:cNvSpPr/>
+            <p:nvPr/>
+          </p:nvSpPr>
+          <p:spPr>
+            <a:xfrm>
+              <a:off x="819079" y="6876533"/>
+              <a:ext cx="2599578" cy="2127840"/>
+            </a:xfrm>
+            <a:prstGeom prst="roundRect">
+              <a:avLst/>
+            </a:prstGeom>
+            <a:noFill/>
+            <a:ln w="38100">
+              <a:solidFill>
+                <a:schemeClr val="accent1">
+                  <a:shade val="15000"/>
+                  <a:alpha val="50247"/>
+                </a:schemeClr>
+              </a:solidFill>
+              <a:prstDash val="dash"/>
+            </a:ln>
+          </p:spPr>
+          <p:style>
+            <a:lnRef idx="2">
+              <a:schemeClr val="accent1">
+                <a:shade val="15000"/>
+              </a:schemeClr>
+            </a:lnRef>
+            <a:fillRef idx="1">
+              <a:schemeClr val="accent1"/>
+            </a:fillRef>
+            <a:effectRef idx="0">
+              <a:schemeClr val="accent1"/>
+            </a:effectRef>
+            <a:fontRef idx="minor">
+              <a:schemeClr val="lt1"/>
+            </a:fontRef>
+          </p:style>
+          <p:txBody>
+            <a:bodyPr rtlCol="0" anchor="ctr"/>
+            <a:lstStyle/>
+            <a:p>
+              <a:pPr algn="ctr"/>
+              <a:endParaRPr lang="en-US"/>
+            </a:p>
+          </p:txBody>
+        </p:sp>
+        <p:sp>
+          <p:nvSpPr>
+            <p:cNvPr id="183" name="Rounded Rectangle 182">
+              <a:extLst>
+                <a:ext uri="{FF2B5EF4-FFF2-40B4-BE49-F238E27FC236}">
+                  <a16:creationId xmlns:a16="http://schemas.microsoft.com/office/drawing/2014/main" id="{F6F1F5B7-2877-1BAD-976C-71608D42945E}"/>
+                </a:ext>
+              </a:extLst>
+            </p:cNvPr>
+            <p:cNvSpPr/>
+            <p:nvPr/>
+          </p:nvSpPr>
+          <p:spPr>
+            <a:xfrm>
+              <a:off x="1101458" y="7106609"/>
+              <a:ext cx="2599578" cy="2127840"/>
+            </a:xfrm>
+            <a:prstGeom prst="roundRect">
+              <a:avLst/>
+            </a:prstGeom>
+            <a:noFill/>
+            <a:ln w="38100">
+              <a:prstDash val="dash"/>
+            </a:ln>
+          </p:spPr>
+          <p:style>
+            <a:lnRef idx="2">
+              <a:schemeClr val="accent1">
+                <a:shade val="15000"/>
+              </a:schemeClr>
+            </a:lnRef>
+            <a:fillRef idx="1">
+              <a:schemeClr val="accent1"/>
+            </a:fillRef>
+            <a:effectRef idx="0">
+              <a:schemeClr val="accent1"/>
+            </a:effectRef>
+            <a:fontRef idx="minor">
+              <a:schemeClr val="lt1"/>
+            </a:fontRef>
+          </p:style>
+          <p:txBody>
+            <a:bodyPr rtlCol="0" anchor="ctr"/>
+            <a:lstStyle/>
+            <a:p>
+              <a:pPr algn="ctr"/>
+              <a:endParaRPr lang="en-US"/>
+            </a:p>
+          </p:txBody>
+        </p:sp>
+        <p:sp>
+          <p:nvSpPr>
+            <p:cNvPr id="203" name="Rounded Rectangle 202">
+              <a:extLst>
+                <a:ext uri="{FF2B5EF4-FFF2-40B4-BE49-F238E27FC236}">
+                  <a16:creationId xmlns:a16="http://schemas.microsoft.com/office/drawing/2014/main" id="{F2B4E35F-3593-87A3-AEB0-DF2883F63C38}"/>
+                </a:ext>
+              </a:extLst>
+            </p:cNvPr>
+            <p:cNvSpPr/>
+            <p:nvPr/>
+          </p:nvSpPr>
+          <p:spPr>
+            <a:xfrm>
+              <a:off x="5340096" y="6729970"/>
+              <a:ext cx="2599578" cy="1945538"/>
+            </a:xfrm>
+            <a:prstGeom prst="roundRect">
+              <a:avLst/>
+            </a:prstGeom>
+            <a:noFill/>
+            <a:ln w="38100">
+              <a:solidFill>
+                <a:schemeClr val="accent1">
+                  <a:shade val="15000"/>
+                  <a:alpha val="24920"/>
+                </a:schemeClr>
+              </a:solidFill>
+              <a:prstDash val="dash"/>
+            </a:ln>
+          </p:spPr>
+          <p:style>
+            <a:lnRef idx="2">
+              <a:schemeClr val="accent1">
+                <a:shade val="15000"/>
+              </a:schemeClr>
+            </a:lnRef>
+            <a:fillRef idx="1">
+              <a:schemeClr val="accent1"/>
+            </a:fillRef>
+            <a:effectRef idx="0">
+              <a:schemeClr val="accent1"/>
+            </a:effectRef>
+            <a:fontRef idx="minor">
+              <a:schemeClr val="lt1"/>
+            </a:fontRef>
+          </p:style>
+          <p:txBody>
+            <a:bodyPr rtlCol="0" anchor="ctr"/>
+            <a:lstStyle/>
+            <a:p>
+              <a:pPr algn="ctr"/>
+              <a:endParaRPr lang="en-US"/>
+            </a:p>
+          </p:txBody>
+        </p:sp>
+        <p:sp>
+          <p:nvSpPr>
+            <p:cNvPr id="202" name="Rounded Rectangle 201">
+              <a:extLst>
+                <a:ext uri="{FF2B5EF4-FFF2-40B4-BE49-F238E27FC236}">
+                  <a16:creationId xmlns:a16="http://schemas.microsoft.com/office/drawing/2014/main" id="{0BA2C714-6440-F178-75F9-7A76C7AC6860}"/>
+                </a:ext>
+              </a:extLst>
+            </p:cNvPr>
+            <p:cNvSpPr/>
+            <p:nvPr/>
+          </p:nvSpPr>
+          <p:spPr>
+            <a:xfrm>
+              <a:off x="5065776" y="6958570"/>
+              <a:ext cx="2599578" cy="1945538"/>
+            </a:xfrm>
+            <a:prstGeom prst="roundRect">
+              <a:avLst/>
+            </a:prstGeom>
+            <a:noFill/>
+            <a:ln w="38100">
+              <a:solidFill>
+                <a:schemeClr val="accent1">
+                  <a:shade val="15000"/>
+                  <a:alpha val="49633"/>
+                </a:schemeClr>
+              </a:solidFill>
+              <a:prstDash val="dash"/>
+            </a:ln>
+          </p:spPr>
+          <p:style>
+            <a:lnRef idx="2">
+              <a:schemeClr val="accent1">
+                <a:shade val="15000"/>
+              </a:schemeClr>
+            </a:lnRef>
+            <a:fillRef idx="1">
+              <a:schemeClr val="accent1"/>
+            </a:fillRef>
+            <a:effectRef idx="0">
+              <a:schemeClr val="accent1"/>
+            </a:effectRef>
+            <a:fontRef idx="minor">
+              <a:schemeClr val="lt1"/>
+            </a:fontRef>
+          </p:style>
+          <p:txBody>
+            <a:bodyPr rtlCol="0" anchor="ctr"/>
+            <a:lstStyle/>
+            <a:p>
+              <a:pPr algn="ctr"/>
+              <a:endParaRPr lang="en-US"/>
+            </a:p>
+          </p:txBody>
+        </p:sp>
+        <p:sp>
+          <p:nvSpPr>
+            <p:cNvPr id="186" name="Rounded Rectangle 185">
+              <a:extLst>
+                <a:ext uri="{FF2B5EF4-FFF2-40B4-BE49-F238E27FC236}">
+                  <a16:creationId xmlns:a16="http://schemas.microsoft.com/office/drawing/2014/main" id="{1A6CE3C7-AFEA-8A4B-63DF-792ADE8869B9}"/>
+                </a:ext>
+              </a:extLst>
+            </p:cNvPr>
+            <p:cNvSpPr/>
+            <p:nvPr/>
+          </p:nvSpPr>
+          <p:spPr>
+            <a:xfrm>
+              <a:off x="4795405" y="7257598"/>
+              <a:ext cx="2599578" cy="1976851"/>
+            </a:xfrm>
+            <a:prstGeom prst="roundRect">
+              <a:avLst/>
+            </a:prstGeom>
+            <a:noFill/>
+            <a:ln w="38100">
+              <a:prstDash val="dash"/>
+            </a:ln>
+          </p:spPr>
+          <p:style>
+            <a:lnRef idx="2">
+              <a:schemeClr val="accent1">
+                <a:shade val="15000"/>
+              </a:schemeClr>
+            </a:lnRef>
+            <a:fillRef idx="1">
+              <a:schemeClr val="accent1"/>
+            </a:fillRef>
+            <a:effectRef idx="0">
+              <a:schemeClr val="accent1"/>
+            </a:effectRef>
+            <a:fontRef idx="minor">
+              <a:schemeClr val="lt1"/>
+            </a:fontRef>
+          </p:style>
+          <p:txBody>
+            <a:bodyPr rtlCol="0" anchor="ctr"/>
+            <a:lstStyle/>
+            <a:p>
+              <a:pPr algn="ctr"/>
+              <a:endParaRPr lang="en-US"/>
+            </a:p>
+          </p:txBody>
+        </p:sp>
+        <p:sp>
+          <p:nvSpPr>
+            <p:cNvPr id="5" name="Rectangle 4">
+              <a:extLst>
+                <a:ext uri="{FF2B5EF4-FFF2-40B4-BE49-F238E27FC236}">
+                  <a16:creationId xmlns:a16="http://schemas.microsoft.com/office/drawing/2014/main" id="{D2D9E58B-82E7-7131-9C9B-0C6DC8E0B0C3}"/>
+                </a:ext>
+              </a:extLst>
+            </p:cNvPr>
+            <p:cNvSpPr/>
+            <p:nvPr/>
+          </p:nvSpPr>
+          <p:spPr>
+            <a:xfrm>
+              <a:off x="5260064" y="10513402"/>
+              <a:ext cx="1710165" cy="601883"/>
+            </a:xfrm>
+            <a:prstGeom prst="rect">
+              <a:avLst/>
+            </a:prstGeom>
+            <a:ln w="9525">
+              <a:solidFill>
+                <a:schemeClr val="tx1"/>
+              </a:solidFill>
+            </a:ln>
+            <a:effectLst>
+              <a:outerShdw blurRad="50800" dist="38100" dir="5400000" algn="t" rotWithShape="0">
+                <a:prstClr val="black">
+                  <a:alpha val="40000"/>
+                </a:prstClr>
+              </a:outerShdw>
+            </a:effectLst>
+          </p:spPr>
+          <p:style>
+            <a:lnRef idx="3">
+              <a:schemeClr val="lt1"/>
+            </a:lnRef>
+            <a:fillRef idx="1">
+              <a:schemeClr val="accent5"/>
+            </a:fillRef>
+            <a:effectRef idx="1">
+              <a:schemeClr val="accent5"/>
+            </a:effectRef>
+            <a:fontRef idx="minor">
+              <a:schemeClr val="lt1"/>
+            </a:fontRef>
+          </p:style>
+          <p:txBody>
+            <a:bodyPr rtlCol="0" anchor="ctr"/>
+            <a:lstStyle/>
+            <a:p>
+              <a:pPr algn="ctr"/>
+              <a:r>
+                <a:rPr lang="en-US" sz="2000" dirty="0"/>
+                <a:t>Embedding</a:t>
+              </a:r>
+            </a:p>
+          </p:txBody>
+        </p:sp>
+        <mc:AlternateContent xmlns:mc="http://schemas.openxmlformats.org/markup-compatibility/2006">
+          <mc:Choice xmlns:a14="http://schemas.microsoft.com/office/drawing/2010/main" Requires="a14">
+            <p:sp>
+              <p:nvSpPr>
+                <p:cNvPr id="6" name="Parallelogram 5">
+                  <a:extLst>
+                    <a:ext uri="{FF2B5EF4-FFF2-40B4-BE49-F238E27FC236}">
+                      <a16:creationId xmlns:a16="http://schemas.microsoft.com/office/drawing/2014/main" id="{3BA8C1BB-91F3-4883-8F2E-1316A6702A4A}"/>
+                    </a:ext>
+                  </a:extLst>
+                </p:cNvPr>
+                <p:cNvSpPr/>
+                <p:nvPr/>
+              </p:nvSpPr>
+              <p:spPr>
+                <a:xfrm>
+                  <a:off x="5258215" y="9651088"/>
+                  <a:ext cx="1702758" cy="567159"/>
+                </a:xfrm>
+                <a:prstGeom prst="parallelogram">
+                  <a:avLst/>
+                </a:prstGeom>
+                <a:ln w="9525">
+                  <a:solidFill>
+                    <a:schemeClr val="tx1"/>
+                  </a:solidFill>
+                </a:ln>
+                <a:effectLst>
+                  <a:outerShdw blurRad="50800" dist="38100" dir="5400000" algn="t" rotWithShape="0">
+                    <a:prstClr val="black">
+                      <a:alpha val="40000"/>
+                    </a:prstClr>
+                  </a:outerShdw>
+                </a:effectLst>
+              </p:spPr>
+              <p:style>
+                <a:lnRef idx="2">
+                  <a:schemeClr val="accent1">
+                    <a:shade val="15000"/>
+                  </a:schemeClr>
+                </a:lnRef>
+                <a:fillRef idx="1">
+                  <a:schemeClr val="accent1"/>
+                </a:fillRef>
+                <a:effectRef idx="0">
+                  <a:schemeClr val="accent1"/>
+                </a:effectRef>
+                <a:fontRef idx="minor">
+                  <a:schemeClr val="lt1"/>
+                </a:fontRef>
+              </p:style>
+              <p:txBody>
+                <a:bodyPr rtlCol="0" anchor="ctr"/>
+                <a:lstStyle/>
+                <a:p>
+                  <a:pPr algn="ctr"/>
+                  <a14:m>
+                    <m:oMathPara xmlns:m="http://schemas.openxmlformats.org/officeDocument/2006/math">
+                      <m:oMathParaPr>
+                        <m:jc m:val="centerGroup"/>
+                      </m:oMathParaPr>
+                      <m:oMath xmlns:m="http://schemas.openxmlformats.org/officeDocument/2006/math">
+                        <m:sSub>
+                          <m:sSubPr>
+                            <m:ctrlPr>
+                              <a:rPr lang="en-US" sz="2000" i="1">
+                                <a:latin typeface="Cambria Math" panose="02040503050406030204" pitchFamily="18" charset="0"/>
+                              </a:rPr>
+                            </m:ctrlPr>
+                          </m:sSubPr>
+                          <m:e>
+                            <m:r>
+                              <a:rPr lang="en-US" sz="2000" i="1">
+                                <a:latin typeface="Cambria Math" panose="02040503050406030204" pitchFamily="18" charset="0"/>
+                              </a:rPr>
+                              <m:t>𝑋</m:t>
+                            </m:r>
+                          </m:e>
+                          <m:sub>
+                            <m:r>
+                              <m:rPr>
+                                <m:nor/>
+                              </m:rPr>
+                              <a:rPr lang="en-US" sz="2000" b="0" i="0" smtClean="0">
+                                <a:latin typeface="Cambria Math" panose="02040503050406030204" pitchFamily="18" charset="0"/>
+                              </a:rPr>
+                              <m:t>d</m:t>
+                            </m:r>
+                            <m:r>
+                              <m:rPr>
+                                <m:nor/>
+                              </m:rPr>
+                              <a:rPr lang="en-US" sz="2000">
+                                <a:latin typeface="Cambria Math" panose="02040503050406030204" pitchFamily="18" charset="0"/>
+                              </a:rPr>
+                              <m:t>ec</m:t>
+                            </m:r>
+                          </m:sub>
+                        </m:sSub>
+                      </m:oMath>
+                    </m:oMathPara>
+                  </a14:m>
+                  <a:endParaRPr lang="en-US" sz="2000" dirty="0">
+                    <a:latin typeface="Modern No. 20" panose="02070704070505020303" pitchFamily="18" charset="77"/>
+                  </a:endParaRPr>
+                </a:p>
+              </p:txBody>
+            </p:sp>
+          </mc:Choice>
+          <mc:Fallback>
+            <p:sp>
+              <p:nvSpPr>
+                <p:cNvPr id="6" name="Parallelogram 5">
+                  <a:extLst>
+                    <a:ext uri="{FF2B5EF4-FFF2-40B4-BE49-F238E27FC236}">
+                      <a16:creationId xmlns:a16="http://schemas.microsoft.com/office/drawing/2014/main" id="{3BA8C1BB-91F3-4883-8F2E-1316A6702A4A}"/>
+                    </a:ext>
+                  </a:extLst>
+                </p:cNvPr>
+                <p:cNvSpPr>
+                  <a:spLocks noRot="1" noChangeAspect="1" noMove="1" noResize="1" noEditPoints="1" noAdjustHandles="1" noChangeArrowheads="1" noChangeShapeType="1" noTextEdit="1"/>
+                </p:cNvSpPr>
+                <p:nvPr/>
+              </p:nvSpPr>
+              <p:spPr>
+                <a:xfrm>
+                  <a:off x="5258215" y="9651088"/>
+                  <a:ext cx="1702758" cy="567159"/>
+                </a:xfrm>
+                <a:prstGeom prst="parallelogram">
+                  <a:avLst/>
+                </a:prstGeom>
+                <a:blipFill>
+                  <a:blip r:embed="rId2"/>
+                  <a:stretch>
+                    <a:fillRect/>
+                  </a:stretch>
+                </a:blipFill>
+                <a:ln w="9525">
+                  <a:solidFill>
+                    <a:schemeClr val="tx1"/>
+                  </a:solidFill>
+                </a:ln>
+                <a:effectLst>
+                  <a:outerShdw blurRad="50800" dist="38100" dir="5400000" algn="t" rotWithShape="0">
+                    <a:prstClr val="black">
+                      <a:alpha val="40000"/>
+                    </a:prstClr>
+                  </a:outerShdw>
+                </a:effectLst>
+              </p:spPr>
+              <p:txBody>
+                <a:bodyPr/>
+                <a:lstStyle/>
+                <a:p>
+                  <a:r>
+                    <a:rPr lang="en-US">
+                      <a:noFill/>
+                    </a:rPr>
+                    <a:t> </a:t>
+                  </a:r>
+                </a:p>
+              </p:txBody>
+            </p:sp>
+          </mc:Fallback>
+        </mc:AlternateContent>
+        <p:sp>
+          <p:nvSpPr>
+            <p:cNvPr id="7" name="Rectangle 6">
+              <a:extLst>
+                <a:ext uri="{FF2B5EF4-FFF2-40B4-BE49-F238E27FC236}">
+                  <a16:creationId xmlns:a16="http://schemas.microsoft.com/office/drawing/2014/main" id="{375C00E6-93CD-8BF8-512B-63DFEA2B54AE}"/>
+                </a:ext>
+              </a:extLst>
+            </p:cNvPr>
+            <p:cNvSpPr/>
+            <p:nvPr/>
+          </p:nvSpPr>
+          <p:spPr>
+            <a:xfrm>
+              <a:off x="1558718" y="7257598"/>
+              <a:ext cx="1710165" cy="1427217"/>
+            </a:xfrm>
+            <a:prstGeom prst="rect">
+              <a:avLst/>
+            </a:prstGeom>
+            <a:solidFill>
+              <a:schemeClr val="accent4">
+                <a:lumMod val="60000"/>
+                <a:lumOff val="40000"/>
+              </a:schemeClr>
+            </a:solidFill>
+            <a:ln w="9525">
+              <a:solidFill>
+                <a:schemeClr val="tx1"/>
+              </a:solidFill>
+            </a:ln>
+            <a:effectLst>
+              <a:outerShdw blurRad="50800" dist="38100" dir="5400000" algn="t" rotWithShape="0">
+                <a:prstClr val="black">
+                  <a:alpha val="40000"/>
+                </a:prstClr>
+              </a:outerShdw>
+            </a:effectLst>
+          </p:spPr>
+          <p:style>
+            <a:lnRef idx="3">
+              <a:schemeClr val="lt1"/>
+            </a:lnRef>
+            <a:fillRef idx="1">
+              <a:schemeClr val="accent5"/>
+            </a:fillRef>
+            <a:effectRef idx="1">
+              <a:schemeClr val="accent5"/>
+            </a:effectRef>
+            <a:fontRef idx="minor">
+              <a:schemeClr val="lt1"/>
+            </a:fontRef>
+          </p:style>
+          <p:txBody>
+            <a:bodyPr rtlCol="0" anchor="ctr"/>
+            <a:lstStyle/>
+            <a:p>
+              <a:pPr algn="ctr"/>
+              <a:r>
+                <a:rPr lang="en-US" sz="2000" dirty="0"/>
+                <a:t>Encoder </a:t>
+              </a:r>
+            </a:p>
+            <a:p>
+              <a:pPr algn="ctr"/>
+              <a:r>
+                <a:rPr lang="en-US" sz="2000" dirty="0"/>
+                <a:t>Layer</a:t>
+              </a:r>
+            </a:p>
+          </p:txBody>
+        </p:sp>
+        <p:sp>
+          <p:nvSpPr>
+            <p:cNvPr id="15" name="Rectangle 14">
+              <a:extLst>
+                <a:ext uri="{FF2B5EF4-FFF2-40B4-BE49-F238E27FC236}">
+                  <a16:creationId xmlns:a16="http://schemas.microsoft.com/office/drawing/2014/main" id="{F4C2626E-B379-4C4C-B043-67649BE4D89D}"/>
+                </a:ext>
+              </a:extLst>
+            </p:cNvPr>
+            <p:cNvSpPr/>
+            <p:nvPr/>
+          </p:nvSpPr>
+          <p:spPr>
+            <a:xfrm>
+              <a:off x="5258216" y="7386893"/>
+              <a:ext cx="1710165" cy="1317976"/>
+            </a:xfrm>
+            <a:prstGeom prst="rect">
+              <a:avLst/>
+            </a:prstGeom>
+            <a:solidFill>
+              <a:schemeClr val="accent2">
+                <a:lumMod val="60000"/>
+                <a:lumOff val="40000"/>
+              </a:schemeClr>
+            </a:solidFill>
+            <a:ln w="9525">
+              <a:solidFill>
+                <a:schemeClr val="tx1"/>
+              </a:solidFill>
+            </a:ln>
+            <a:effectLst>
+              <a:outerShdw blurRad="50800" dist="38100" dir="5400000" algn="t" rotWithShape="0">
+                <a:prstClr val="black">
+                  <a:alpha val="40000"/>
+                </a:prstClr>
+              </a:outerShdw>
+            </a:effectLst>
+          </p:spPr>
+          <p:style>
+            <a:lnRef idx="3">
+              <a:schemeClr val="lt1"/>
+            </a:lnRef>
+            <a:fillRef idx="1">
+              <a:schemeClr val="accent5"/>
+            </a:fillRef>
+            <a:effectRef idx="1">
+              <a:schemeClr val="accent5"/>
+            </a:effectRef>
+            <a:fontRef idx="minor">
+              <a:schemeClr val="lt1"/>
+            </a:fontRef>
+          </p:style>
+          <p:txBody>
+            <a:bodyPr rtlCol="0" anchor="ctr"/>
+            <a:lstStyle/>
+            <a:p>
+              <a:pPr algn="ctr"/>
+              <a:r>
+                <a:rPr lang="en-US" sz="2000" dirty="0"/>
+                <a:t>Decoder </a:t>
+              </a:r>
+            </a:p>
+            <a:p>
+              <a:pPr algn="ctr"/>
+              <a:r>
+                <a:rPr lang="en-US" sz="2000" dirty="0"/>
+                <a:t>Layer</a:t>
+              </a:r>
+            </a:p>
+          </p:txBody>
+        </p:sp>
+        <mc:AlternateContent xmlns:mc="http://schemas.openxmlformats.org/markup-compatibility/2006">
+          <mc:Choice xmlns:a14="http://schemas.microsoft.com/office/drawing/2010/main" Requires="a14">
+            <p:sp>
+              <p:nvSpPr>
+                <p:cNvPr id="18" name="Parallelogram 17">
+                  <a:extLst>
+                    <a:ext uri="{FF2B5EF4-FFF2-40B4-BE49-F238E27FC236}">
+                      <a16:creationId xmlns:a16="http://schemas.microsoft.com/office/drawing/2014/main" id="{83F1037B-2C80-A252-4597-4B405FE742CC}"/>
+                    </a:ext>
+                  </a:extLst>
+                </p:cNvPr>
+                <p:cNvSpPr/>
+                <p:nvPr/>
+              </p:nvSpPr>
+              <p:spPr>
+                <a:xfrm>
+                  <a:off x="1558717" y="11549980"/>
+                  <a:ext cx="1710165" cy="567159"/>
+                </a:xfrm>
+                <a:prstGeom prst="parallelogram">
+                  <a:avLst/>
+                </a:prstGeom>
+                <a:ln w="9525">
+                  <a:solidFill>
+                    <a:schemeClr val="tx1"/>
+                  </a:solidFill>
+                </a:ln>
+                <a:effectLst>
+                  <a:outerShdw blurRad="50800" dist="38100" dir="5400000" algn="t" rotWithShape="0">
+                    <a:prstClr val="black">
+                      <a:alpha val="40000"/>
+                    </a:prstClr>
+                  </a:outerShdw>
+                </a:effectLst>
+              </p:spPr>
+              <p:style>
+                <a:lnRef idx="2">
+                  <a:schemeClr val="accent1">
+                    <a:shade val="15000"/>
+                  </a:schemeClr>
+                </a:lnRef>
+                <a:fillRef idx="1">
+                  <a:schemeClr val="accent1"/>
+                </a:fillRef>
+                <a:effectRef idx="0">
+                  <a:schemeClr val="accent1"/>
+                </a:effectRef>
+                <a:fontRef idx="minor">
+                  <a:schemeClr val="lt1"/>
+                </a:fontRef>
+              </p:style>
+              <p:txBody>
+                <a:bodyPr rtlCol="0" anchor="ctr"/>
+                <a:lstStyle/>
+                <a:p>
+                  <a:pPr algn="ctr"/>
+                  <a14:m>
+                    <m:oMathPara xmlns:m="http://schemas.openxmlformats.org/officeDocument/2006/math">
+                      <m:oMathParaPr>
+                        <m:jc m:val="centerGroup"/>
+                      </m:oMathParaPr>
+                      <m:oMath xmlns:m="http://schemas.openxmlformats.org/officeDocument/2006/math">
+                        <m:sSub>
+                          <m:sSubPr>
+                            <m:ctrlPr>
+                              <a:rPr lang="en-US" sz="2000" i="1">
+                                <a:latin typeface="Cambria Math" panose="02040503050406030204" pitchFamily="18" charset="0"/>
+                              </a:rPr>
+                            </m:ctrlPr>
+                          </m:sSubPr>
+                          <m:e>
+                            <m:r>
+                              <a:rPr lang="en-US" sz="2000" i="1">
+                                <a:latin typeface="Cambria Math" panose="02040503050406030204" pitchFamily="18" charset="0"/>
+                              </a:rPr>
+                              <m:t>𝑋</m:t>
+                            </m:r>
+                          </m:e>
+                          <m:sub>
+                            <m:r>
+                              <m:rPr>
+                                <m:nor/>
+                              </m:rPr>
+                              <a:rPr lang="en-US" sz="2000" b="0" i="0" smtClean="0">
+                                <a:latin typeface="Cambria Math" panose="02040503050406030204" pitchFamily="18" charset="0"/>
+                              </a:rPr>
+                              <m:t>c</m:t>
+                            </m:r>
+                          </m:sub>
+                        </m:sSub>
+                      </m:oMath>
+                    </m:oMathPara>
+                  </a14:m>
+                  <a:endParaRPr lang="en-US" sz="2000" dirty="0">
+                    <a:latin typeface="Modern No. 20" panose="02070704070505020303" pitchFamily="18" charset="77"/>
+                  </a:endParaRPr>
+                </a:p>
+              </p:txBody>
+            </p:sp>
+          </mc:Choice>
+          <mc:Fallback>
+            <p:sp>
+              <p:nvSpPr>
+                <p:cNvPr id="18" name="Parallelogram 17">
+                  <a:extLst>
+                    <a:ext uri="{FF2B5EF4-FFF2-40B4-BE49-F238E27FC236}">
+                      <a16:creationId xmlns:a16="http://schemas.microsoft.com/office/drawing/2014/main" id="{83F1037B-2C80-A252-4597-4B405FE742CC}"/>
+                    </a:ext>
+                  </a:extLst>
+                </p:cNvPr>
+                <p:cNvSpPr>
+                  <a:spLocks noRot="1" noChangeAspect="1" noMove="1" noResize="1" noEditPoints="1" noAdjustHandles="1" noChangeArrowheads="1" noChangeShapeType="1" noTextEdit="1"/>
+                </p:cNvSpPr>
+                <p:nvPr/>
+              </p:nvSpPr>
+              <p:spPr>
+                <a:xfrm>
+                  <a:off x="1558717" y="11549980"/>
+                  <a:ext cx="1710165" cy="567159"/>
+                </a:xfrm>
+                <a:prstGeom prst="parallelogram">
+                  <a:avLst/>
+                </a:prstGeom>
+                <a:blipFill>
+                  <a:blip r:embed="rId3"/>
+                  <a:stretch>
+                    <a:fillRect/>
+                  </a:stretch>
+                </a:blipFill>
+                <a:ln w="9525">
+                  <a:solidFill>
+                    <a:schemeClr val="tx1"/>
+                  </a:solidFill>
+                </a:ln>
+                <a:effectLst>
+                  <a:outerShdw blurRad="50800" dist="38100" dir="5400000" algn="t" rotWithShape="0">
+                    <a:prstClr val="black">
+                      <a:alpha val="40000"/>
+                    </a:prstClr>
+                  </a:outerShdw>
+                </a:effectLst>
+              </p:spPr>
+              <p:txBody>
+                <a:bodyPr/>
+                <a:lstStyle/>
+                <a:p>
+                  <a:r>
+                    <a:rPr lang="en-US">
+                      <a:noFill/>
+                    </a:rPr>
+                    <a:t> </a:t>
+                  </a:r>
+                </a:p>
+              </p:txBody>
+            </p:sp>
+          </mc:Fallback>
+        </mc:AlternateContent>
+        <mc:AlternateContent xmlns:mc="http://schemas.openxmlformats.org/markup-compatibility/2006">
+          <mc:Choice xmlns:a14="http://schemas.microsoft.com/office/drawing/2010/main" Requires="a14">
+            <p:sp>
+              <p:nvSpPr>
+                <p:cNvPr id="19" name="Parallelogram 18">
+                  <a:extLst>
+                    <a:ext uri="{FF2B5EF4-FFF2-40B4-BE49-F238E27FC236}">
+                      <a16:creationId xmlns:a16="http://schemas.microsoft.com/office/drawing/2014/main" id="{5A1BD00D-9E40-61B1-AD89-97CABF7DAEF1}"/>
+                    </a:ext>
+                  </a:extLst>
+                </p:cNvPr>
+                <p:cNvSpPr/>
+                <p:nvPr/>
+              </p:nvSpPr>
+              <p:spPr>
+                <a:xfrm>
+                  <a:off x="5256363" y="11549980"/>
+                  <a:ext cx="1710165" cy="567159"/>
+                </a:xfrm>
+                <a:prstGeom prst="parallelogram">
+                  <a:avLst/>
+                </a:prstGeom>
+                <a:ln w="9525">
+                  <a:solidFill>
+                    <a:schemeClr val="tx1"/>
+                  </a:solidFill>
+                </a:ln>
+                <a:effectLst>
+                  <a:outerShdw blurRad="50800" dist="38100" dir="5400000" algn="t" rotWithShape="0">
+                    <a:prstClr val="black">
+                      <a:alpha val="40000"/>
+                    </a:prstClr>
+                  </a:outerShdw>
+                </a:effectLst>
+              </p:spPr>
+              <p:style>
+                <a:lnRef idx="2">
+                  <a:schemeClr val="accent1">
+                    <a:shade val="15000"/>
+                  </a:schemeClr>
+                </a:lnRef>
+                <a:fillRef idx="1">
+                  <a:schemeClr val="accent1"/>
+                </a:fillRef>
+                <a:effectRef idx="0">
+                  <a:schemeClr val="accent1"/>
+                </a:effectRef>
+                <a:fontRef idx="minor">
+                  <a:schemeClr val="lt1"/>
+                </a:fontRef>
+              </p:style>
+              <p:txBody>
+                <a:bodyPr rtlCol="0" anchor="ctr"/>
+                <a:lstStyle/>
+                <a:p>
+                  <a:pPr algn="ctr"/>
+                  <a14:m>
+                    <m:oMathPara xmlns:m="http://schemas.openxmlformats.org/officeDocument/2006/math">
+                      <m:oMathParaPr>
+                        <m:jc m:val="centerGroup"/>
+                      </m:oMathParaPr>
+                      <m:oMath xmlns:m="http://schemas.openxmlformats.org/officeDocument/2006/math">
+                        <m:sSub>
+                          <m:sSubPr>
+                            <m:ctrlPr>
+                              <a:rPr lang="en-US" sz="2000" i="1">
+                                <a:latin typeface="Cambria Math" panose="02040503050406030204" pitchFamily="18" charset="0"/>
+                              </a:rPr>
+                            </m:ctrlPr>
+                          </m:sSubPr>
+                          <m:e>
+                            <m:r>
+                              <a:rPr lang="en-US" sz="2000" i="1">
+                                <a:latin typeface="Cambria Math" panose="02040503050406030204" pitchFamily="18" charset="0"/>
+                              </a:rPr>
+                              <m:t>𝑋</m:t>
+                            </m:r>
+                          </m:e>
+                          <m:sub>
+                            <m:r>
+                              <m:rPr>
+                                <m:nor/>
+                              </m:rPr>
+                              <a:rPr lang="en-US" sz="2000" b="0" i="0" smtClean="0">
+                                <a:latin typeface="Cambria Math" panose="02040503050406030204" pitchFamily="18" charset="0"/>
+                              </a:rPr>
+                              <m:t>p</m:t>
+                            </m:r>
+                          </m:sub>
+                        </m:sSub>
+                      </m:oMath>
+                    </m:oMathPara>
+                  </a14:m>
+                  <a:endParaRPr lang="en-US" sz="2000" dirty="0">
+                    <a:latin typeface="Modern No. 20" panose="02070704070505020303" pitchFamily="18" charset="77"/>
+                  </a:endParaRPr>
+                </a:p>
+              </p:txBody>
+            </p:sp>
+          </mc:Choice>
+          <mc:Fallback>
+            <p:sp>
+              <p:nvSpPr>
+                <p:cNvPr id="19" name="Parallelogram 18">
+                  <a:extLst>
+                    <a:ext uri="{FF2B5EF4-FFF2-40B4-BE49-F238E27FC236}">
+                      <a16:creationId xmlns:a16="http://schemas.microsoft.com/office/drawing/2014/main" id="{5A1BD00D-9E40-61B1-AD89-97CABF7DAEF1}"/>
+                    </a:ext>
+                  </a:extLst>
+                </p:cNvPr>
+                <p:cNvSpPr>
+                  <a:spLocks noRot="1" noChangeAspect="1" noMove="1" noResize="1" noEditPoints="1" noAdjustHandles="1" noChangeArrowheads="1" noChangeShapeType="1" noTextEdit="1"/>
+                </p:cNvSpPr>
+                <p:nvPr/>
+              </p:nvSpPr>
+              <p:spPr>
+                <a:xfrm>
+                  <a:off x="5256363" y="11549980"/>
+                  <a:ext cx="1710165" cy="567159"/>
+                </a:xfrm>
+                <a:prstGeom prst="parallelogram">
+                  <a:avLst/>
+                </a:prstGeom>
+                <a:blipFill>
+                  <a:blip r:embed="rId4"/>
+                  <a:stretch>
+                    <a:fillRect/>
+                  </a:stretch>
+                </a:blipFill>
+                <a:ln w="9525">
+                  <a:solidFill>
+                    <a:schemeClr val="tx1"/>
+                  </a:solidFill>
+                </a:ln>
+                <a:effectLst>
+                  <a:outerShdw blurRad="50800" dist="38100" dir="5400000" algn="t" rotWithShape="0">
+                    <a:prstClr val="black">
+                      <a:alpha val="40000"/>
+                    </a:prstClr>
+                  </a:outerShdw>
+                </a:effectLst>
+              </p:spPr>
+              <p:txBody>
+                <a:bodyPr/>
+                <a:lstStyle/>
+                <a:p>
+                  <a:r>
+                    <a:rPr lang="en-US">
+                      <a:noFill/>
+                    </a:rPr>
+                    <a:t> </a:t>
+                  </a:r>
+                </a:p>
+              </p:txBody>
+            </p:sp>
+          </mc:Fallback>
+        </mc:AlternateContent>
+        <p:sp>
+          <p:nvSpPr>
+            <p:cNvPr id="20" name="Rectangle 19">
+              <a:extLst>
+                <a:ext uri="{FF2B5EF4-FFF2-40B4-BE49-F238E27FC236}">
+                  <a16:creationId xmlns:a16="http://schemas.microsoft.com/office/drawing/2014/main" id="{3ED4AB74-AE8B-1BBF-CB00-7C3554262534}"/>
+                </a:ext>
+              </a:extLst>
+            </p:cNvPr>
+            <p:cNvSpPr/>
+            <p:nvPr/>
+          </p:nvSpPr>
+          <p:spPr>
+            <a:xfrm>
+              <a:off x="1560569" y="10513403"/>
+              <a:ext cx="1710165" cy="601883"/>
+            </a:xfrm>
+            <a:prstGeom prst="rect">
+              <a:avLst/>
+            </a:prstGeom>
+            <a:ln w="9525">
+              <a:solidFill>
+                <a:schemeClr val="tx1"/>
+              </a:solidFill>
+            </a:ln>
+            <a:effectLst>
+              <a:outerShdw blurRad="50800" dist="38100" dir="5400000" algn="t" rotWithShape="0">
+                <a:prstClr val="black">
+                  <a:alpha val="40000"/>
+                </a:prstClr>
+              </a:outerShdw>
+            </a:effectLst>
+          </p:spPr>
+          <p:style>
+            <a:lnRef idx="3">
+              <a:schemeClr val="lt1"/>
+            </a:lnRef>
+            <a:fillRef idx="1">
+              <a:schemeClr val="accent5"/>
+            </a:fillRef>
+            <a:effectRef idx="1">
+              <a:schemeClr val="accent5"/>
+            </a:effectRef>
+            <a:fontRef idx="minor">
+              <a:schemeClr val="lt1"/>
+            </a:fontRef>
+          </p:style>
+          <p:txBody>
+            <a:bodyPr rtlCol="0" anchor="ctr"/>
+            <a:lstStyle/>
+            <a:p>
+              <a:pPr algn="ctr"/>
+              <a:r>
+                <a:rPr lang="en-US" sz="2000" dirty="0"/>
+                <a:t>Embedding</a:t>
+              </a:r>
+            </a:p>
+          </p:txBody>
+        </p:sp>
+        <mc:AlternateContent xmlns:mc="http://schemas.openxmlformats.org/markup-compatibility/2006">
+          <mc:Choice xmlns:a14="http://schemas.microsoft.com/office/drawing/2010/main" Requires="a14">
+            <p:sp>
+              <p:nvSpPr>
+                <p:cNvPr id="21" name="Parallelogram 20">
+                  <a:extLst>
+                    <a:ext uri="{FF2B5EF4-FFF2-40B4-BE49-F238E27FC236}">
+                      <a16:creationId xmlns:a16="http://schemas.microsoft.com/office/drawing/2014/main" id="{74B232CC-F139-E7F9-3DF0-6759A828E7A9}"/>
+                    </a:ext>
+                  </a:extLst>
+                </p:cNvPr>
+                <p:cNvSpPr/>
+                <p:nvPr/>
+              </p:nvSpPr>
+              <p:spPr>
+                <a:xfrm>
+                  <a:off x="1564273" y="9649407"/>
+                  <a:ext cx="1702757" cy="567159"/>
+                </a:xfrm>
+                <a:prstGeom prst="parallelogram">
+                  <a:avLst/>
+                </a:prstGeom>
+                <a:ln w="9525">
+                  <a:solidFill>
+                    <a:schemeClr val="tx1"/>
+                  </a:solidFill>
+                </a:ln>
+                <a:effectLst>
+                  <a:outerShdw blurRad="50800" dist="38100" dir="5400000" algn="t" rotWithShape="0">
+                    <a:prstClr val="black">
+                      <a:alpha val="40000"/>
+                    </a:prstClr>
+                  </a:outerShdw>
+                </a:effectLst>
+              </p:spPr>
+              <p:style>
+                <a:lnRef idx="2">
+                  <a:schemeClr val="accent1">
+                    <a:shade val="15000"/>
+                  </a:schemeClr>
+                </a:lnRef>
+                <a:fillRef idx="1">
+                  <a:schemeClr val="accent1"/>
+                </a:fillRef>
+                <a:effectRef idx="0">
+                  <a:schemeClr val="accent1"/>
+                </a:effectRef>
+                <a:fontRef idx="minor">
+                  <a:schemeClr val="lt1"/>
+                </a:fontRef>
+              </p:style>
+              <p:txBody>
+                <a:bodyPr rtlCol="0" anchor="ctr"/>
+                <a:lstStyle/>
+                <a:p>
+                  <a:pPr algn="ctr"/>
+                  <a14:m>
+                    <m:oMathPara xmlns:m="http://schemas.openxmlformats.org/officeDocument/2006/math">
+                      <m:oMathParaPr>
+                        <m:jc m:val="centerGroup"/>
+                      </m:oMathParaPr>
+                      <m:oMath xmlns:m="http://schemas.openxmlformats.org/officeDocument/2006/math">
+                        <m:sSub>
+                          <m:sSubPr>
+                            <m:ctrlPr>
+                              <a:rPr lang="en-US" sz="2000" i="1">
+                                <a:latin typeface="Cambria Math" panose="02040503050406030204" pitchFamily="18" charset="0"/>
+                              </a:rPr>
+                            </m:ctrlPr>
+                          </m:sSubPr>
+                          <m:e>
+                            <m:r>
+                              <a:rPr lang="en-US" sz="2000" i="1">
+                                <a:latin typeface="Cambria Math" panose="02040503050406030204" pitchFamily="18" charset="0"/>
+                              </a:rPr>
+                              <m:t>𝑋</m:t>
+                            </m:r>
+                          </m:e>
+                          <m:sub>
+                            <m:r>
+                              <m:rPr>
+                                <m:nor/>
+                              </m:rPr>
+                              <a:rPr lang="en-US" sz="2000">
+                                <a:latin typeface="Cambria Math" panose="02040503050406030204" pitchFamily="18" charset="0"/>
+                              </a:rPr>
+                              <m:t>enc</m:t>
+                            </m:r>
+                          </m:sub>
+                        </m:sSub>
+                      </m:oMath>
+                    </m:oMathPara>
+                  </a14:m>
+                  <a:endParaRPr lang="en-US" sz="2000" dirty="0">
+                    <a:latin typeface="Modern No. 20" panose="02070704070505020303" pitchFamily="18" charset="77"/>
+                  </a:endParaRPr>
+                </a:p>
+              </p:txBody>
+            </p:sp>
+          </mc:Choice>
+          <mc:Fallback>
+            <p:sp>
+              <p:nvSpPr>
+                <p:cNvPr id="21" name="Parallelogram 20">
+                  <a:extLst>
+                    <a:ext uri="{FF2B5EF4-FFF2-40B4-BE49-F238E27FC236}">
+                      <a16:creationId xmlns:a16="http://schemas.microsoft.com/office/drawing/2014/main" id="{74B232CC-F139-E7F9-3DF0-6759A828E7A9}"/>
+                    </a:ext>
+                  </a:extLst>
+                </p:cNvPr>
+                <p:cNvSpPr>
+                  <a:spLocks noRot="1" noChangeAspect="1" noMove="1" noResize="1" noEditPoints="1" noAdjustHandles="1" noChangeArrowheads="1" noChangeShapeType="1" noTextEdit="1"/>
+                </p:cNvSpPr>
+                <p:nvPr/>
+              </p:nvSpPr>
+              <p:spPr>
+                <a:xfrm>
+                  <a:off x="1564273" y="9649407"/>
+                  <a:ext cx="1702757" cy="567159"/>
+                </a:xfrm>
+                <a:prstGeom prst="parallelogram">
+                  <a:avLst/>
+                </a:prstGeom>
+                <a:blipFill>
+                  <a:blip r:embed="rId5"/>
+                  <a:stretch>
+                    <a:fillRect/>
+                  </a:stretch>
+                </a:blipFill>
+                <a:ln w="9525">
+                  <a:solidFill>
+                    <a:schemeClr val="tx1"/>
+                  </a:solidFill>
+                </a:ln>
+                <a:effectLst>
+                  <a:outerShdw blurRad="50800" dist="38100" dir="5400000" algn="t" rotWithShape="0">
+                    <a:prstClr val="black">
+                      <a:alpha val="40000"/>
+                    </a:prstClr>
+                  </a:outerShdw>
+                </a:effectLst>
+              </p:spPr>
+              <p:txBody>
+                <a:bodyPr/>
+                <a:lstStyle/>
+                <a:p>
+                  <a:r>
+                    <a:rPr lang="en-US">
+                      <a:noFill/>
+                    </a:rPr>
+                    <a:t> </a:t>
+                  </a:r>
+                </a:p>
+              </p:txBody>
+            </p:sp>
+          </mc:Fallback>
+        </mc:AlternateContent>
+        <p:cxnSp>
+          <p:nvCxnSpPr>
+            <p:cNvPr id="23" name="Straight Arrow Connector 22">
+              <a:extLst>
+                <a:ext uri="{FF2B5EF4-FFF2-40B4-BE49-F238E27FC236}">
+                  <a16:creationId xmlns:a16="http://schemas.microsoft.com/office/drawing/2014/main" id="{BD37742B-1A41-EC47-97B0-67E2F5424AA8}"/>
+                </a:ext>
+              </a:extLst>
+            </p:cNvPr>
+            <p:cNvCxnSpPr>
+              <a:cxnSpLocks/>
+              <a:stCxn id="18" idx="0"/>
+              <a:endCxn id="20" idx="2"/>
+            </p:cNvCxnSpPr>
+            <p:nvPr/>
+          </p:nvCxnSpPr>
+          <p:spPr>
+            <a:xfrm flipV="1">
+              <a:off x="2413800" y="11115286"/>
+              <a:ext cx="1852" cy="434694"/>
+            </a:xfrm>
+            <a:prstGeom prst="straightConnector1">
+              <a:avLst/>
+            </a:prstGeom>
+            <a:ln w="38100">
+              <a:solidFill>
+                <a:schemeClr val="tx1"/>
+              </a:solidFill>
+              <a:tailEnd type="triangle"/>
+            </a:ln>
+          </p:spPr>
+          <p:style>
+            <a:lnRef idx="2">
+              <a:schemeClr val="accent1"/>
+            </a:lnRef>
+            <a:fillRef idx="0">
+              <a:schemeClr val="accent1"/>
+            </a:fillRef>
+            <a:effectRef idx="1">
+              <a:schemeClr val="accent1"/>
+            </a:effectRef>
+            <a:fontRef idx="minor">
+              <a:schemeClr val="tx1"/>
+            </a:fontRef>
+          </p:style>
+        </p:cxnSp>
+        <p:cxnSp>
+          <p:nvCxnSpPr>
+            <p:cNvPr id="26" name="Straight Arrow Connector 25">
+              <a:extLst>
+                <a:ext uri="{FF2B5EF4-FFF2-40B4-BE49-F238E27FC236}">
+                  <a16:creationId xmlns:a16="http://schemas.microsoft.com/office/drawing/2014/main" id="{BDC42475-6558-DB09-C9FA-DFC5B37893E4}"/>
+                </a:ext>
+              </a:extLst>
+            </p:cNvPr>
+            <p:cNvCxnSpPr>
+              <a:cxnSpLocks/>
+              <a:stCxn id="20" idx="0"/>
+              <a:endCxn id="21" idx="4"/>
+            </p:cNvCxnSpPr>
+            <p:nvPr/>
+          </p:nvCxnSpPr>
+          <p:spPr>
+            <a:xfrm flipV="1">
+              <a:off x="2415652" y="10216566"/>
+              <a:ext cx="0" cy="296837"/>
+            </a:xfrm>
+            <a:prstGeom prst="straightConnector1">
+              <a:avLst/>
+            </a:prstGeom>
+            <a:ln w="38100">
+              <a:solidFill>
+                <a:schemeClr val="tx1"/>
+              </a:solidFill>
+              <a:tailEnd type="triangle"/>
+            </a:ln>
+          </p:spPr>
+          <p:style>
+            <a:lnRef idx="2">
+              <a:schemeClr val="accent1"/>
+            </a:lnRef>
+            <a:fillRef idx="0">
+              <a:schemeClr val="accent1"/>
+            </a:fillRef>
+            <a:effectRef idx="1">
+              <a:schemeClr val="accent1"/>
+            </a:effectRef>
+            <a:fontRef idx="minor">
+              <a:schemeClr val="tx1"/>
+            </a:fontRef>
+          </p:style>
+        </p:cxnSp>
+        <p:cxnSp>
+          <p:nvCxnSpPr>
+            <p:cNvPr id="63" name="Straight Arrow Connector 62">
+              <a:extLst>
+                <a:ext uri="{FF2B5EF4-FFF2-40B4-BE49-F238E27FC236}">
+                  <a16:creationId xmlns:a16="http://schemas.microsoft.com/office/drawing/2014/main" id="{38E14EA5-152C-EF37-F741-19244BF5B268}"/>
+                </a:ext>
+              </a:extLst>
+            </p:cNvPr>
+            <p:cNvCxnSpPr>
+              <a:cxnSpLocks/>
+              <a:stCxn id="5" idx="0"/>
+              <a:endCxn id="6" idx="4"/>
+            </p:cNvCxnSpPr>
+            <p:nvPr/>
+          </p:nvCxnSpPr>
+          <p:spPr>
+            <a:xfrm flipH="1" flipV="1">
+              <a:off x="6109594" y="10218247"/>
+              <a:ext cx="5553" cy="295155"/>
+            </a:xfrm>
+            <a:prstGeom prst="straightConnector1">
+              <a:avLst/>
+            </a:prstGeom>
+            <a:ln w="38100">
+              <a:solidFill>
+                <a:schemeClr val="tx1"/>
+              </a:solidFill>
+              <a:tailEnd type="triangle"/>
+            </a:ln>
+          </p:spPr>
+          <p:style>
+            <a:lnRef idx="2">
+              <a:schemeClr val="accent1"/>
+            </a:lnRef>
+            <a:fillRef idx="0">
+              <a:schemeClr val="accent1"/>
+            </a:fillRef>
+            <a:effectRef idx="1">
+              <a:schemeClr val="accent1"/>
+            </a:effectRef>
+            <a:fontRef idx="minor">
+              <a:schemeClr val="tx1"/>
+            </a:fontRef>
+          </p:style>
+        </p:cxnSp>
+        <p:cxnSp>
+          <p:nvCxnSpPr>
+            <p:cNvPr id="66" name="Straight Arrow Connector 65">
+              <a:extLst>
+                <a:ext uri="{FF2B5EF4-FFF2-40B4-BE49-F238E27FC236}">
+                  <a16:creationId xmlns:a16="http://schemas.microsoft.com/office/drawing/2014/main" id="{98BA48E2-4424-F9A0-D266-3F581CAC7B8A}"/>
+                </a:ext>
+              </a:extLst>
+            </p:cNvPr>
+            <p:cNvCxnSpPr>
+              <a:cxnSpLocks/>
+              <a:stCxn id="19" idx="0"/>
+              <a:endCxn id="5" idx="2"/>
+            </p:cNvCxnSpPr>
+            <p:nvPr/>
+          </p:nvCxnSpPr>
+          <p:spPr>
+            <a:xfrm flipV="1">
+              <a:off x="6111446" y="11115285"/>
+              <a:ext cx="3701" cy="434695"/>
+            </a:xfrm>
+            <a:prstGeom prst="straightConnector1">
+              <a:avLst/>
+            </a:prstGeom>
+            <a:ln w="38100">
+              <a:solidFill>
+                <a:schemeClr val="tx1"/>
+              </a:solidFill>
+              <a:tailEnd type="triangle"/>
+            </a:ln>
+          </p:spPr>
+          <p:style>
+            <a:lnRef idx="2">
+              <a:schemeClr val="accent1"/>
+            </a:lnRef>
+            <a:fillRef idx="0">
+              <a:schemeClr val="accent1"/>
+            </a:fillRef>
+            <a:effectRef idx="1">
+              <a:schemeClr val="accent1"/>
+            </a:effectRef>
+            <a:fontRef idx="minor">
+              <a:schemeClr val="tx1"/>
+            </a:fontRef>
+          </p:style>
+        </p:cxnSp>
+        <p:cxnSp>
+          <p:nvCxnSpPr>
+            <p:cNvPr id="149" name="Elbow Connector 148">
+              <a:extLst>
+                <a:ext uri="{FF2B5EF4-FFF2-40B4-BE49-F238E27FC236}">
+                  <a16:creationId xmlns:a16="http://schemas.microsoft.com/office/drawing/2014/main" id="{C1FCA50F-57B9-1554-C036-5F21C24DAD13}"/>
+                </a:ext>
+              </a:extLst>
+            </p:cNvPr>
+            <p:cNvCxnSpPr>
+              <a:cxnSpLocks/>
+              <a:stCxn id="193" idx="0"/>
+              <a:endCxn id="15" idx="1"/>
+            </p:cNvCxnSpPr>
+            <p:nvPr/>
+          </p:nvCxnSpPr>
+          <p:spPr>
+            <a:xfrm rot="16200000" flipH="1">
+              <a:off x="2853332" y="5640998"/>
+              <a:ext cx="1399979" cy="3409787"/>
+            </a:xfrm>
+            <a:prstGeom prst="bentConnector4">
+              <a:avLst>
+                <a:gd name="adj1" fmla="val -16329"/>
+                <a:gd name="adj2" fmla="val 69060"/>
+              </a:avLst>
+            </a:prstGeom>
+            <a:ln w="38100">
+              <a:solidFill>
+                <a:schemeClr val="tx1"/>
+              </a:solidFill>
+              <a:bevel/>
+              <a:tailEnd type="none"/>
+            </a:ln>
+          </p:spPr>
+          <p:style>
+            <a:lnRef idx="2">
+              <a:schemeClr val="accent1"/>
+            </a:lnRef>
+            <a:fillRef idx="0">
+              <a:schemeClr val="accent1"/>
+            </a:fillRef>
+            <a:effectRef idx="1">
+              <a:schemeClr val="accent1"/>
+            </a:effectRef>
+            <a:fontRef idx="minor">
+              <a:schemeClr val="tx1"/>
+            </a:fontRef>
+          </p:style>
+        </p:cxnSp>
+        <p:cxnSp>
+          <p:nvCxnSpPr>
+            <p:cNvPr id="198" name="Straight Arrow Connector 197">
+              <a:extLst>
+                <a:ext uri="{FF2B5EF4-FFF2-40B4-BE49-F238E27FC236}">
+                  <a16:creationId xmlns:a16="http://schemas.microsoft.com/office/drawing/2014/main" id="{C1B0BB48-7942-2F50-B2DD-38678DA0DEE6}"/>
+                </a:ext>
+              </a:extLst>
+            </p:cNvPr>
+            <p:cNvCxnSpPr>
+              <a:cxnSpLocks/>
+              <a:stCxn id="7" idx="0"/>
+              <a:endCxn id="193" idx="0"/>
+            </p:cNvCxnSpPr>
+            <p:nvPr/>
+          </p:nvCxnSpPr>
+          <p:spPr>
+            <a:xfrm flipH="1" flipV="1">
+              <a:off x="1848429" y="6645902"/>
+              <a:ext cx="565372" cy="611696"/>
+            </a:xfrm>
+            <a:prstGeom prst="straightConnector1">
+              <a:avLst/>
+            </a:prstGeom>
+            <a:ln w="38100">
+              <a:solidFill>
+                <a:schemeClr val="tx1"/>
+              </a:solidFill>
+              <a:tailEnd type="triangle"/>
+            </a:ln>
+          </p:spPr>
+          <p:style>
+            <a:lnRef idx="2">
+              <a:schemeClr val="accent1"/>
+            </a:lnRef>
+            <a:fillRef idx="0">
+              <a:schemeClr val="accent1"/>
+            </a:fillRef>
+            <a:effectRef idx="1">
+              <a:schemeClr val="accent1"/>
+            </a:effectRef>
+            <a:fontRef idx="minor">
+              <a:schemeClr val="tx1"/>
+            </a:fontRef>
+          </p:style>
+        </p:cxnSp>
+        <p:cxnSp>
+          <p:nvCxnSpPr>
+            <p:cNvPr id="212" name="Straight Arrow Connector 211">
+              <a:extLst>
+                <a:ext uri="{FF2B5EF4-FFF2-40B4-BE49-F238E27FC236}">
+                  <a16:creationId xmlns:a16="http://schemas.microsoft.com/office/drawing/2014/main" id="{3F1C7350-5459-C861-DEBB-0C6B04E89D05}"/>
+                </a:ext>
+              </a:extLst>
+            </p:cNvPr>
+            <p:cNvCxnSpPr>
+              <a:cxnSpLocks/>
+              <a:stCxn id="15" idx="0"/>
+              <a:endCxn id="203" idx="0"/>
+            </p:cNvCxnSpPr>
+            <p:nvPr/>
+          </p:nvCxnSpPr>
+          <p:spPr>
+            <a:xfrm flipV="1">
+              <a:off x="6113299" y="6729970"/>
+              <a:ext cx="526586" cy="656923"/>
+            </a:xfrm>
+            <a:prstGeom prst="straightConnector1">
+              <a:avLst/>
+            </a:prstGeom>
+            <a:ln w="38100">
+              <a:solidFill>
+                <a:schemeClr val="tx1"/>
+              </a:solidFill>
+              <a:tailEnd type="triangle"/>
+            </a:ln>
+          </p:spPr>
+          <p:style>
+            <a:lnRef idx="2">
+              <a:schemeClr val="accent1"/>
+            </a:lnRef>
+            <a:fillRef idx="0">
+              <a:schemeClr val="accent1"/>
+            </a:fillRef>
+            <a:effectRef idx="1">
+              <a:schemeClr val="accent1"/>
+            </a:effectRef>
+            <a:fontRef idx="minor">
+              <a:schemeClr val="tx1"/>
+            </a:fontRef>
+          </p:style>
+        </p:cxnSp>
+        <p:cxnSp>
+          <p:nvCxnSpPr>
+            <p:cNvPr id="188" name="Straight Arrow Connector 187">
+              <a:extLst>
+                <a:ext uri="{FF2B5EF4-FFF2-40B4-BE49-F238E27FC236}">
+                  <a16:creationId xmlns:a16="http://schemas.microsoft.com/office/drawing/2014/main" id="{A8A1FCBC-77E9-5BC3-1A10-7677B1AB42C2}"/>
+                </a:ext>
+              </a:extLst>
+            </p:cNvPr>
+            <p:cNvCxnSpPr>
+              <a:cxnSpLocks/>
+            </p:cNvCxnSpPr>
+            <p:nvPr/>
+          </p:nvCxnSpPr>
+          <p:spPr>
+            <a:xfrm flipV="1">
+              <a:off x="6110861" y="8696600"/>
+              <a:ext cx="5552" cy="966274"/>
+            </a:xfrm>
+            <a:prstGeom prst="straightConnector1">
+              <a:avLst/>
+            </a:prstGeom>
+            <a:ln w="38100">
+              <a:solidFill>
+                <a:schemeClr val="tx1"/>
+              </a:solidFill>
+              <a:tailEnd type="triangle"/>
+            </a:ln>
+          </p:spPr>
+          <p:style>
+            <a:lnRef idx="2">
+              <a:schemeClr val="accent1"/>
+            </a:lnRef>
+            <a:fillRef idx="0">
+              <a:schemeClr val="accent1"/>
+            </a:fillRef>
+            <a:effectRef idx="1">
+              <a:schemeClr val="accent1"/>
+            </a:effectRef>
+            <a:fontRef idx="minor">
+              <a:schemeClr val="tx1"/>
+            </a:fontRef>
+          </p:style>
+        </p:cxnSp>
+        <p:sp>
+          <p:nvSpPr>
+            <p:cNvPr id="217" name="Rectangle 216">
+              <a:extLst>
+                <a:ext uri="{FF2B5EF4-FFF2-40B4-BE49-F238E27FC236}">
+                  <a16:creationId xmlns:a16="http://schemas.microsoft.com/office/drawing/2014/main" id="{CEC9865F-5D6C-618E-10F8-2D59ED44AF51}"/>
+                </a:ext>
+              </a:extLst>
+            </p:cNvPr>
+            <p:cNvSpPr/>
+            <p:nvPr/>
+          </p:nvSpPr>
+          <p:spPr>
+            <a:xfrm>
+              <a:off x="5892286" y="8863815"/>
+              <a:ext cx="148420" cy="121940"/>
+            </a:xfrm>
+            <a:prstGeom prst="rect">
+              <a:avLst/>
+            </a:prstGeom>
+            <a:solidFill>
+              <a:schemeClr val="bg1"/>
+            </a:solidFill>
+            <a:ln>
+              <a:noFill/>
+            </a:ln>
+          </p:spPr>
+          <p:style>
+            <a:lnRef idx="2">
+              <a:schemeClr val="accent1">
+                <a:shade val="15000"/>
+              </a:schemeClr>
+            </a:lnRef>
+            <a:fillRef idx="1">
+              <a:schemeClr val="accent1"/>
+            </a:fillRef>
+            <a:effectRef idx="0">
+              <a:schemeClr val="accent1"/>
+            </a:effectRef>
+            <a:fontRef idx="minor">
+              <a:schemeClr val="lt1"/>
+            </a:fontRef>
+          </p:style>
+          <p:txBody>
+            <a:bodyPr rtlCol="0" anchor="ctr"/>
+            <a:lstStyle/>
+            <a:p>
+              <a:pPr algn="ctr"/>
+              <a:endParaRPr lang="en-US"/>
+            </a:p>
+          </p:txBody>
+        </p:sp>
+        <p:sp>
+          <p:nvSpPr>
+            <p:cNvPr id="218" name="Rectangle 217">
+              <a:extLst>
+                <a:ext uri="{FF2B5EF4-FFF2-40B4-BE49-F238E27FC236}">
+                  <a16:creationId xmlns:a16="http://schemas.microsoft.com/office/drawing/2014/main" id="{CCE489DB-5198-31ED-8196-3C5FE4E576EE}"/>
+                </a:ext>
+              </a:extLst>
+            </p:cNvPr>
+            <p:cNvSpPr/>
+            <p:nvPr/>
+          </p:nvSpPr>
+          <p:spPr>
+            <a:xfrm>
+              <a:off x="6200370" y="8851792"/>
+              <a:ext cx="173949" cy="123942"/>
+            </a:xfrm>
+            <a:prstGeom prst="rect">
+              <a:avLst/>
+            </a:prstGeom>
+            <a:solidFill>
+              <a:schemeClr val="bg1"/>
+            </a:solidFill>
+            <a:ln>
+              <a:noFill/>
+            </a:ln>
+          </p:spPr>
+          <p:style>
+            <a:lnRef idx="2">
+              <a:schemeClr val="accent1">
+                <a:shade val="15000"/>
+              </a:schemeClr>
+            </a:lnRef>
+            <a:fillRef idx="1">
+              <a:schemeClr val="accent1"/>
+            </a:fillRef>
+            <a:effectRef idx="0">
+              <a:schemeClr val="accent1"/>
+            </a:effectRef>
+            <a:fontRef idx="minor">
+              <a:schemeClr val="lt1"/>
+            </a:fontRef>
+          </p:style>
+          <p:txBody>
+            <a:bodyPr rtlCol="0" anchor="ctr"/>
+            <a:lstStyle/>
+            <a:p>
+              <a:pPr algn="ctr"/>
+              <a:endParaRPr lang="en-US"/>
+            </a:p>
+          </p:txBody>
+        </p:sp>
+        <p:sp>
+          <p:nvSpPr>
+            <p:cNvPr id="219" name="TextBox 218">
+              <a:extLst>
+                <a:ext uri="{FF2B5EF4-FFF2-40B4-BE49-F238E27FC236}">
+                  <a16:creationId xmlns:a16="http://schemas.microsoft.com/office/drawing/2014/main" id="{511A74F0-35F4-AEE1-CC6F-7B4AFF4B6363}"/>
+                </a:ext>
+              </a:extLst>
+            </p:cNvPr>
+            <p:cNvSpPr txBox="1"/>
+            <p:nvPr/>
+          </p:nvSpPr>
+          <p:spPr>
+            <a:xfrm>
+              <a:off x="548640" y="5910235"/>
+              <a:ext cx="1177317" cy="707886"/>
+            </a:xfrm>
+            <a:prstGeom prst="rect">
+              <a:avLst/>
+            </a:prstGeom>
+            <a:noFill/>
+          </p:spPr>
+          <p:txBody>
+            <a:bodyPr wrap="square" rtlCol="0">
+              <a:spAutoFit/>
+            </a:bodyPr>
+            <a:lstStyle/>
+            <a:p>
+              <a:r>
+                <a:rPr lang="en-US" sz="2000" b="1" dirty="0"/>
+                <a:t>Stacked Encoder</a:t>
+              </a:r>
+            </a:p>
+          </p:txBody>
+        </p:sp>
+        <p:sp>
+          <p:nvSpPr>
+            <p:cNvPr id="220" name="TextBox 219">
+              <a:extLst>
+                <a:ext uri="{FF2B5EF4-FFF2-40B4-BE49-F238E27FC236}">
+                  <a16:creationId xmlns:a16="http://schemas.microsoft.com/office/drawing/2014/main" id="{D7F0DEF6-F520-D372-CC88-0B9FFD56D7F4}"/>
+                </a:ext>
+              </a:extLst>
+            </p:cNvPr>
+            <p:cNvSpPr txBox="1"/>
+            <p:nvPr/>
+          </p:nvSpPr>
+          <p:spPr>
+            <a:xfrm>
+              <a:off x="4468911" y="6077698"/>
+              <a:ext cx="1315890" cy="707886"/>
+            </a:xfrm>
+            <a:prstGeom prst="rect">
+              <a:avLst/>
+            </a:prstGeom>
+            <a:noFill/>
+          </p:spPr>
+          <p:txBody>
+            <a:bodyPr wrap="square" rtlCol="0">
+              <a:spAutoFit/>
+            </a:bodyPr>
+            <a:lstStyle/>
+            <a:p>
+              <a:r>
+                <a:rPr lang="en-US" sz="2000" b="1" dirty="0"/>
+                <a:t>Stacked Decoder</a:t>
+              </a:r>
+            </a:p>
+          </p:txBody>
+        </p:sp>
+        <p:sp>
+          <p:nvSpPr>
+            <p:cNvPr id="221" name="Rectangle 220">
+              <a:extLst>
+                <a:ext uri="{FF2B5EF4-FFF2-40B4-BE49-F238E27FC236}">
+                  <a16:creationId xmlns:a16="http://schemas.microsoft.com/office/drawing/2014/main" id="{3DDA47BF-F48C-8F61-13A1-E870E5B3CEB9}"/>
+                </a:ext>
+              </a:extLst>
+            </p:cNvPr>
+            <p:cNvSpPr/>
+            <p:nvPr/>
+          </p:nvSpPr>
+          <p:spPr>
+            <a:xfrm>
+              <a:off x="5784802" y="5520441"/>
+              <a:ext cx="1710165" cy="601883"/>
+            </a:xfrm>
+            <a:prstGeom prst="rect">
+              <a:avLst/>
+            </a:prstGeom>
+            <a:solidFill>
+              <a:schemeClr val="bg2">
+                <a:lumMod val="50000"/>
+              </a:schemeClr>
+            </a:solidFill>
+            <a:ln w="9525">
+              <a:solidFill>
+                <a:schemeClr val="tx1"/>
+              </a:solidFill>
+            </a:ln>
+            <a:effectLst>
+              <a:outerShdw blurRad="50800" dist="38100" dir="5400000" algn="t" rotWithShape="0">
+                <a:prstClr val="black">
+                  <a:alpha val="40000"/>
+                </a:prstClr>
+              </a:outerShdw>
+            </a:effectLst>
+          </p:spPr>
+          <p:style>
+            <a:lnRef idx="3">
+              <a:schemeClr val="lt1"/>
+            </a:lnRef>
+            <a:fillRef idx="1">
+              <a:schemeClr val="accent5"/>
+            </a:fillRef>
+            <a:effectRef idx="1">
+              <a:schemeClr val="accent5"/>
+            </a:effectRef>
+            <a:fontRef idx="minor">
+              <a:schemeClr val="lt1"/>
+            </a:fontRef>
+          </p:style>
+          <p:txBody>
+            <a:bodyPr rtlCol="0" anchor="ctr"/>
+            <a:lstStyle/>
+            <a:p>
+              <a:pPr algn="ctr"/>
+              <a:r>
+                <a:rPr lang="en-US" sz="2000" dirty="0"/>
+                <a:t>Output Layer</a:t>
+              </a:r>
+            </a:p>
+          </p:txBody>
+        </p:sp>
+        <p:cxnSp>
+          <p:nvCxnSpPr>
+            <p:cNvPr id="222" name="Straight Arrow Connector 221">
+              <a:extLst>
+                <a:ext uri="{FF2B5EF4-FFF2-40B4-BE49-F238E27FC236}">
+                  <a16:creationId xmlns:a16="http://schemas.microsoft.com/office/drawing/2014/main" id="{E19BCF8B-70E1-C09A-EF2A-68800D6F530F}"/>
+                </a:ext>
+              </a:extLst>
+            </p:cNvPr>
+            <p:cNvCxnSpPr>
+              <a:cxnSpLocks/>
+              <a:endCxn id="221" idx="2"/>
+            </p:cNvCxnSpPr>
+            <p:nvPr/>
+          </p:nvCxnSpPr>
+          <p:spPr>
+            <a:xfrm flipH="1" flipV="1">
+              <a:off x="6639885" y="6122324"/>
+              <a:ext cx="1847" cy="642589"/>
+            </a:xfrm>
+            <a:prstGeom prst="straightConnector1">
+              <a:avLst/>
+            </a:prstGeom>
+            <a:ln w="38100">
+              <a:solidFill>
+                <a:schemeClr val="tx1"/>
+              </a:solidFill>
+              <a:tailEnd type="triangle"/>
+            </a:ln>
+          </p:spPr>
+          <p:style>
+            <a:lnRef idx="2">
+              <a:schemeClr val="accent1"/>
+            </a:lnRef>
+            <a:fillRef idx="0">
+              <a:schemeClr val="accent1"/>
+            </a:fillRef>
+            <a:effectRef idx="1">
+              <a:schemeClr val="accent1"/>
+            </a:effectRef>
+            <a:fontRef idx="minor">
+              <a:schemeClr val="tx1"/>
+            </a:fontRef>
+          </p:style>
+        </p:cxnSp>
+        <mc:AlternateContent xmlns:mc="http://schemas.openxmlformats.org/markup-compatibility/2006">
+          <mc:Choice xmlns:a14="http://schemas.microsoft.com/office/drawing/2010/main" Requires="a14">
+            <p:sp>
+              <p:nvSpPr>
+                <p:cNvPr id="223" name="Parallelogram 222">
+                  <a:extLst>
+                    <a:ext uri="{FF2B5EF4-FFF2-40B4-BE49-F238E27FC236}">
+                      <a16:creationId xmlns:a16="http://schemas.microsoft.com/office/drawing/2014/main" id="{836AECE4-8965-7FBD-108B-F92DA20920EB}"/>
+                    </a:ext>
+                  </a:extLst>
+                </p:cNvPr>
+                <p:cNvSpPr/>
+                <p:nvPr/>
+              </p:nvSpPr>
+              <p:spPr>
+                <a:xfrm>
+                  <a:off x="5784803" y="4537490"/>
+                  <a:ext cx="1710164" cy="567159"/>
+                </a:xfrm>
+                <a:prstGeom prst="parallelogram">
+                  <a:avLst/>
+                </a:prstGeom>
+                <a:ln w="9525">
+                  <a:solidFill>
+                    <a:schemeClr val="tx1"/>
+                  </a:solidFill>
+                </a:ln>
+                <a:effectLst>
+                  <a:outerShdw blurRad="50800" dist="38100" dir="5400000" algn="t" rotWithShape="0">
+                    <a:prstClr val="black">
+                      <a:alpha val="40000"/>
+                    </a:prstClr>
+                  </a:outerShdw>
+                </a:effectLst>
+              </p:spPr>
+              <p:style>
+                <a:lnRef idx="2">
+                  <a:schemeClr val="accent1">
+                    <a:shade val="15000"/>
+                  </a:schemeClr>
+                </a:lnRef>
+                <a:fillRef idx="1">
+                  <a:schemeClr val="accent1"/>
+                </a:fillRef>
+                <a:effectRef idx="0">
+                  <a:schemeClr val="accent1"/>
+                </a:effectRef>
+                <a:fontRef idx="minor">
+                  <a:schemeClr val="lt1"/>
+                </a:fontRef>
+              </p:style>
+              <p:txBody>
+                <a:bodyPr rtlCol="0" anchor="ctr"/>
+                <a:lstStyle/>
+                <a:p>
+                  <a:pPr algn="ctr"/>
+                  <a14:m>
+                    <m:oMathPara xmlns:m="http://schemas.openxmlformats.org/officeDocument/2006/math">
+                      <m:oMathParaPr>
+                        <m:jc m:val="centerGroup"/>
+                      </m:oMathParaPr>
+                      <m:oMath xmlns:m="http://schemas.openxmlformats.org/officeDocument/2006/math">
+                        <m:sSub>
+                          <m:sSubPr>
+                            <m:ctrlPr>
+                              <a:rPr lang="en-US" sz="2000" i="1" smtClean="0">
+                                <a:latin typeface="Cambria Math" panose="02040503050406030204" pitchFamily="18" charset="0"/>
+                              </a:rPr>
+                            </m:ctrlPr>
+                          </m:sSubPr>
+                          <m:e>
+                            <m:acc>
+                              <m:accPr>
+                                <m:chr m:val="̂"/>
+                                <m:ctrlPr>
+                                  <a:rPr lang="en-US" sz="2000" b="0" i="1" smtClean="0">
+                                    <a:latin typeface="Cambria Math" panose="02040503050406030204" pitchFamily="18" charset="0"/>
+                                  </a:rPr>
+                                </m:ctrlPr>
+                              </m:accPr>
+                              <m:e>
+                                <m:r>
+                                  <a:rPr lang="en-US" sz="2000" b="0" i="1" smtClean="0">
+                                    <a:latin typeface="Cambria Math" panose="02040503050406030204" pitchFamily="18" charset="0"/>
+                                  </a:rPr>
+                                  <m:t>𝑋</m:t>
+                                </m:r>
+                              </m:e>
+                            </m:acc>
+                          </m:e>
+                          <m:sub>
+                            <m:r>
+                              <m:rPr>
+                                <m:nor/>
+                              </m:rPr>
+                              <a:rPr lang="en-US" sz="2000" b="0" i="0" smtClean="0">
+                                <a:latin typeface="Cambria Math" panose="02040503050406030204" pitchFamily="18" charset="0"/>
+                              </a:rPr>
+                              <m:t>p</m:t>
+                            </m:r>
+                          </m:sub>
+                        </m:sSub>
+                      </m:oMath>
+                    </m:oMathPara>
+                  </a14:m>
+                  <a:endParaRPr lang="en-US" sz="2000" dirty="0">
+                    <a:latin typeface="Modern No. 20" panose="02070704070505020303" pitchFamily="18" charset="77"/>
+                  </a:endParaRPr>
+                </a:p>
+              </p:txBody>
+            </p:sp>
+          </mc:Choice>
+          <mc:Fallback>
+            <p:sp>
+              <p:nvSpPr>
+                <p:cNvPr id="223" name="Parallelogram 222">
+                  <a:extLst>
+                    <a:ext uri="{FF2B5EF4-FFF2-40B4-BE49-F238E27FC236}">
+                      <a16:creationId xmlns:a16="http://schemas.microsoft.com/office/drawing/2014/main" id="{836AECE4-8965-7FBD-108B-F92DA20920EB}"/>
+                    </a:ext>
+                  </a:extLst>
+                </p:cNvPr>
+                <p:cNvSpPr>
+                  <a:spLocks noRot="1" noChangeAspect="1" noMove="1" noResize="1" noEditPoints="1" noAdjustHandles="1" noChangeArrowheads="1" noChangeShapeType="1" noTextEdit="1"/>
+                </p:cNvSpPr>
+                <p:nvPr/>
+              </p:nvSpPr>
+              <p:spPr>
+                <a:xfrm>
+                  <a:off x="5784803" y="4537490"/>
+                  <a:ext cx="1710164" cy="567159"/>
+                </a:xfrm>
+                <a:prstGeom prst="parallelogram">
+                  <a:avLst/>
+                </a:prstGeom>
+                <a:blipFill>
+                  <a:blip r:embed="rId6"/>
+                  <a:stretch>
+                    <a:fillRect/>
+                  </a:stretch>
+                </a:blipFill>
+                <a:ln w="9525">
+                  <a:solidFill>
+                    <a:schemeClr val="tx1"/>
+                  </a:solidFill>
+                </a:ln>
+                <a:effectLst>
+                  <a:outerShdw blurRad="50800" dist="38100" dir="5400000" algn="t" rotWithShape="0">
+                    <a:prstClr val="black">
+                      <a:alpha val="40000"/>
+                    </a:prstClr>
+                  </a:outerShdw>
+                </a:effectLst>
+              </p:spPr>
+              <p:txBody>
+                <a:bodyPr/>
+                <a:lstStyle/>
+                <a:p>
+                  <a:r>
+                    <a:rPr lang="en-US">
+                      <a:noFill/>
+                    </a:rPr>
+                    <a:t> </a:t>
+                  </a:r>
+                </a:p>
+              </p:txBody>
+            </p:sp>
+          </mc:Fallback>
+        </mc:AlternateContent>
+        <p:sp>
+          <p:nvSpPr>
+            <p:cNvPr id="248" name="Rectangle 247">
+              <a:extLst>
+                <a:ext uri="{FF2B5EF4-FFF2-40B4-BE49-F238E27FC236}">
+                  <a16:creationId xmlns:a16="http://schemas.microsoft.com/office/drawing/2014/main" id="{37464623-E0E9-54B4-4AC6-198B54F24ADB}"/>
+                </a:ext>
+              </a:extLst>
+            </p:cNvPr>
+            <p:cNvSpPr/>
+            <p:nvPr/>
+          </p:nvSpPr>
+          <p:spPr>
+            <a:xfrm>
+              <a:off x="5624616" y="8844410"/>
+              <a:ext cx="147154" cy="171514"/>
+            </a:xfrm>
+            <a:prstGeom prst="rect">
+              <a:avLst/>
+            </a:prstGeom>
+            <a:solidFill>
+              <a:schemeClr val="bg1"/>
+            </a:solidFill>
+            <a:ln>
+              <a:noFill/>
+            </a:ln>
+          </p:spPr>
+          <p:style>
+            <a:lnRef idx="2">
+              <a:schemeClr val="accent1">
+                <a:shade val="15000"/>
+              </a:schemeClr>
+            </a:lnRef>
+            <a:fillRef idx="1">
+              <a:schemeClr val="accent1"/>
+            </a:fillRef>
+            <a:effectRef idx="0">
+              <a:schemeClr val="accent1"/>
+            </a:effectRef>
+            <a:fontRef idx="minor">
+              <a:schemeClr val="lt1"/>
+            </a:fontRef>
+          </p:style>
+          <p:txBody>
+            <a:bodyPr rtlCol="0" anchor="ctr"/>
+            <a:lstStyle/>
+            <a:p>
+              <a:pPr algn="ctr"/>
+              <a:endParaRPr lang="en-US"/>
+            </a:p>
+          </p:txBody>
+        </p:sp>
+        <mc:AlternateContent xmlns:mc="http://schemas.openxmlformats.org/markup-compatibility/2006">
+          <mc:Choice xmlns:a14="http://schemas.microsoft.com/office/drawing/2010/main" Requires="a14">
+            <p:sp>
+              <p:nvSpPr>
+                <p:cNvPr id="242" name="TextBox 241">
+                  <a:extLst>
+                    <a:ext uri="{FF2B5EF4-FFF2-40B4-BE49-F238E27FC236}">
+                      <a16:creationId xmlns:a16="http://schemas.microsoft.com/office/drawing/2014/main" id="{2E77EA2F-12D7-4A88-FED9-9C2DBF966C4C}"/>
+                    </a:ext>
+                  </a:extLst>
+                </p:cNvPr>
+                <p:cNvSpPr txBox="1"/>
+                <p:nvPr/>
+              </p:nvSpPr>
+              <p:spPr>
+                <a:xfrm>
+                  <a:off x="2381038" y="9274518"/>
+                  <a:ext cx="1177318" cy="400110"/>
+                </a:xfrm>
+                <a:prstGeom prst="rect">
+                  <a:avLst/>
+                </a:prstGeom>
+                <a:noFill/>
+              </p:spPr>
+              <p:txBody>
+                <a:bodyPr wrap="square" rtlCol="0">
+                  <a:spAutoFit/>
+                </a:bodyPr>
+                <a:lstStyle/>
+                <a:p>
+                  <a:pPr/>
+                  <a14:m>
+                    <m:oMathPara xmlns:m="http://schemas.openxmlformats.org/officeDocument/2006/math">
+                      <m:oMathParaPr>
+                        <m:jc m:val="centerGroup"/>
+                      </m:oMathParaPr>
+                      <m:oMath xmlns:m="http://schemas.openxmlformats.org/officeDocument/2006/math">
+                        <m:r>
+                          <a:rPr lang="en-US" sz="2000" b="0" i="1" dirty="0" smtClean="0">
+                            <a:latin typeface="Cambria Math" panose="02040503050406030204" pitchFamily="18" charset="0"/>
+                          </a:rPr>
+                          <m:t>(</m:t>
+                        </m:r>
+                        <m:r>
+                          <a:rPr lang="en-US" sz="2000" b="0" i="1" dirty="0" smtClean="0">
+                            <a:latin typeface="Cambria Math" panose="02040503050406030204" pitchFamily="18" charset="0"/>
+                          </a:rPr>
+                          <m:t>𝐵</m:t>
+                        </m:r>
+                        <m:r>
+                          <a:rPr lang="en-US" sz="2000" b="0" i="1" dirty="0" smtClean="0">
+                            <a:latin typeface="Cambria Math" panose="02040503050406030204" pitchFamily="18" charset="0"/>
+                          </a:rPr>
+                          <m:t>, </m:t>
+                        </m:r>
+                        <m:sSub>
+                          <m:sSubPr>
+                            <m:ctrlPr>
+                              <a:rPr lang="en-US" sz="2000" b="0" i="1" dirty="0" smtClean="0">
+                                <a:latin typeface="Cambria Math" panose="02040503050406030204" pitchFamily="18" charset="0"/>
+                              </a:rPr>
+                            </m:ctrlPr>
+                          </m:sSubPr>
+                          <m:e>
+                            <m:r>
+                              <a:rPr lang="en-US" sz="2000" b="0" i="1" dirty="0" smtClean="0">
+                                <a:latin typeface="Cambria Math" panose="02040503050406030204" pitchFamily="18" charset="0"/>
+                              </a:rPr>
+                              <m:t>𝜏</m:t>
+                            </m:r>
+                          </m:e>
+                          <m:sub>
+                            <m:r>
+                              <a:rPr lang="en-US" sz="2000" b="0" i="1" dirty="0" smtClean="0">
+                                <a:latin typeface="Cambria Math" panose="02040503050406030204" pitchFamily="18" charset="0"/>
+                              </a:rPr>
+                              <m:t>𝑐</m:t>
+                            </m:r>
+                          </m:sub>
+                        </m:sSub>
+                        <m:r>
+                          <a:rPr lang="en-US" sz="2000" b="0" i="1" dirty="0" smtClean="0">
+                            <a:latin typeface="Cambria Math" panose="02040503050406030204" pitchFamily="18" charset="0"/>
+                          </a:rPr>
+                          <m:t>, </m:t>
+                        </m:r>
+                        <m:sSub>
+                          <m:sSubPr>
+                            <m:ctrlPr>
+                              <a:rPr lang="en-US" sz="2000" b="0" i="1" dirty="0" smtClean="0">
+                                <a:latin typeface="Cambria Math" panose="02040503050406030204" pitchFamily="18" charset="0"/>
+                              </a:rPr>
+                            </m:ctrlPr>
+                          </m:sSubPr>
+                          <m:e>
+                            <m:r>
+                              <a:rPr lang="en-US" sz="2000" b="0" i="1" dirty="0" smtClean="0">
+                                <a:latin typeface="Cambria Math" panose="02040503050406030204" pitchFamily="18" charset="0"/>
+                              </a:rPr>
+                              <m:t>𝑑</m:t>
+                            </m:r>
+                          </m:e>
+                          <m:sub>
+                            <m:r>
+                              <a:rPr lang="en-US" sz="2000" b="0" i="1" dirty="0" smtClean="0">
+                                <a:latin typeface="Cambria Math" panose="02040503050406030204" pitchFamily="18" charset="0"/>
+                              </a:rPr>
+                              <m:t>𝑚</m:t>
+                            </m:r>
+                          </m:sub>
+                        </m:sSub>
+                        <m:r>
+                          <a:rPr lang="en-US" sz="2000" b="0" i="1" dirty="0" smtClean="0">
+                            <a:latin typeface="Cambria Math" panose="02040503050406030204" pitchFamily="18" charset="0"/>
+                          </a:rPr>
+                          <m:t>)</m:t>
+                        </m:r>
+                      </m:oMath>
+                    </m:oMathPara>
+                  </a14:m>
+                  <a:endParaRPr lang="en-US" sz="2000" dirty="0">
+                    <a:latin typeface="Modern No. 20" panose="02070704070505020303" pitchFamily="18" charset="77"/>
+                  </a:endParaRPr>
+                </a:p>
+              </p:txBody>
+            </p:sp>
+          </mc:Choice>
+          <mc:Fallback>
+            <p:sp>
+              <p:nvSpPr>
+                <p:cNvPr id="242" name="TextBox 241">
+                  <a:extLst>
+                    <a:ext uri="{FF2B5EF4-FFF2-40B4-BE49-F238E27FC236}">
+                      <a16:creationId xmlns:a16="http://schemas.microsoft.com/office/drawing/2014/main" id="{2E77EA2F-12D7-4A88-FED9-9C2DBF966C4C}"/>
+                    </a:ext>
+                  </a:extLst>
+                </p:cNvPr>
+                <p:cNvSpPr txBox="1">
+                  <a:spLocks noRot="1" noChangeAspect="1" noMove="1" noResize="1" noEditPoints="1" noAdjustHandles="1" noChangeArrowheads="1" noChangeShapeType="1" noTextEdit="1"/>
+                </p:cNvSpPr>
+                <p:nvPr/>
+              </p:nvSpPr>
+              <p:spPr>
+                <a:xfrm>
+                  <a:off x="2381038" y="9274518"/>
+                  <a:ext cx="1177318" cy="400110"/>
+                </a:xfrm>
+                <a:prstGeom prst="rect">
+                  <a:avLst/>
+                </a:prstGeom>
+                <a:blipFill>
+                  <a:blip r:embed="rId7"/>
+                  <a:stretch>
+                    <a:fillRect l="-2151" r="-13978" b="-12121"/>
+                  </a:stretch>
+                </a:blipFill>
+              </p:spPr>
+              <p:txBody>
+                <a:bodyPr/>
+                <a:lstStyle/>
+                <a:p>
+                  <a:r>
+                    <a:rPr lang="en-US">
+                      <a:noFill/>
+                    </a:rPr>
+                    <a:t> </a:t>
+                  </a:r>
+                </a:p>
+              </p:txBody>
+            </p:sp>
+          </mc:Fallback>
+        </mc:AlternateContent>
+        <mc:AlternateContent xmlns:mc="http://schemas.openxmlformats.org/markup-compatibility/2006">
+          <mc:Choice xmlns:a14="http://schemas.microsoft.com/office/drawing/2010/main" Requires="a14">
+            <p:sp>
+              <p:nvSpPr>
+                <p:cNvPr id="249" name="TextBox 248">
+                  <a:extLst>
+                    <a:ext uri="{FF2B5EF4-FFF2-40B4-BE49-F238E27FC236}">
+                      <a16:creationId xmlns:a16="http://schemas.microsoft.com/office/drawing/2014/main" id="{15D4A164-FE3E-0279-BA63-177EC918451A}"/>
+                    </a:ext>
+                  </a:extLst>
+                </p:cNvPr>
+                <p:cNvSpPr txBox="1"/>
+                <p:nvPr/>
+              </p:nvSpPr>
+              <p:spPr>
+                <a:xfrm>
+                  <a:off x="6085945" y="9263810"/>
+                  <a:ext cx="1177318" cy="423770"/>
+                </a:xfrm>
+                <a:prstGeom prst="rect">
+                  <a:avLst/>
+                </a:prstGeom>
+                <a:noFill/>
+              </p:spPr>
+              <p:txBody>
+                <a:bodyPr wrap="square" rtlCol="0">
+                  <a:spAutoFit/>
+                </a:bodyPr>
+                <a:lstStyle/>
+                <a:p>
+                  <a:pPr/>
+                  <a14:m>
+                    <m:oMathPara xmlns:m="http://schemas.openxmlformats.org/officeDocument/2006/math">
+                      <m:oMathParaPr>
+                        <m:jc m:val="centerGroup"/>
+                      </m:oMathParaPr>
+                      <m:oMath xmlns:m="http://schemas.openxmlformats.org/officeDocument/2006/math">
+                        <m:r>
+                          <a:rPr lang="en-US" sz="2000" b="0" i="1" dirty="0" smtClean="0">
+                            <a:latin typeface="Cambria Math" panose="02040503050406030204" pitchFamily="18" charset="0"/>
+                          </a:rPr>
+                          <m:t>(</m:t>
+                        </m:r>
+                        <m:r>
+                          <a:rPr lang="en-US" sz="2000" b="0" i="1" dirty="0" smtClean="0">
+                            <a:latin typeface="Cambria Math" panose="02040503050406030204" pitchFamily="18" charset="0"/>
+                          </a:rPr>
+                          <m:t>𝐵</m:t>
+                        </m:r>
+                        <m:r>
+                          <a:rPr lang="en-US" sz="2000" b="0" i="1" dirty="0" smtClean="0">
+                            <a:latin typeface="Cambria Math" panose="02040503050406030204" pitchFamily="18" charset="0"/>
+                          </a:rPr>
+                          <m:t>, </m:t>
+                        </m:r>
+                        <m:sSub>
+                          <m:sSubPr>
+                            <m:ctrlPr>
+                              <a:rPr lang="en-US" sz="2000" b="0" i="1" dirty="0" smtClean="0">
+                                <a:latin typeface="Cambria Math" panose="02040503050406030204" pitchFamily="18" charset="0"/>
+                              </a:rPr>
+                            </m:ctrlPr>
+                          </m:sSubPr>
+                          <m:e>
+                            <m:r>
+                              <a:rPr lang="en-US" sz="2000" b="0" i="1" dirty="0" smtClean="0">
+                                <a:latin typeface="Cambria Math" panose="02040503050406030204" pitchFamily="18" charset="0"/>
+                              </a:rPr>
+                              <m:t>𝜏</m:t>
+                            </m:r>
+                          </m:e>
+                          <m:sub>
+                            <m:r>
+                              <a:rPr lang="en-US" sz="2000" b="0" i="1" dirty="0" smtClean="0">
+                                <a:latin typeface="Cambria Math" panose="02040503050406030204" pitchFamily="18" charset="0"/>
+                              </a:rPr>
+                              <m:t>𝑝</m:t>
+                            </m:r>
+                          </m:sub>
+                        </m:sSub>
+                        <m:r>
+                          <a:rPr lang="en-US" sz="2000" b="0" i="1" dirty="0" smtClean="0">
+                            <a:latin typeface="Cambria Math" panose="02040503050406030204" pitchFamily="18" charset="0"/>
+                          </a:rPr>
+                          <m:t>, </m:t>
+                        </m:r>
+                        <m:sSub>
+                          <m:sSubPr>
+                            <m:ctrlPr>
+                              <a:rPr lang="en-US" sz="2000" b="0" i="1" dirty="0" smtClean="0">
+                                <a:latin typeface="Cambria Math" panose="02040503050406030204" pitchFamily="18" charset="0"/>
+                              </a:rPr>
+                            </m:ctrlPr>
+                          </m:sSubPr>
+                          <m:e>
+                            <m:r>
+                              <a:rPr lang="en-US" sz="2000" b="0" i="1" dirty="0" smtClean="0">
+                                <a:latin typeface="Cambria Math" panose="02040503050406030204" pitchFamily="18" charset="0"/>
+                              </a:rPr>
+                              <m:t>𝑑</m:t>
+                            </m:r>
+                          </m:e>
+                          <m:sub>
+                            <m:r>
+                              <a:rPr lang="en-US" sz="2000" b="0" i="1" dirty="0" smtClean="0">
+                                <a:latin typeface="Cambria Math" panose="02040503050406030204" pitchFamily="18" charset="0"/>
+                              </a:rPr>
+                              <m:t>𝑚</m:t>
+                            </m:r>
+                          </m:sub>
+                        </m:sSub>
+                        <m:r>
+                          <a:rPr lang="en-US" sz="2000" b="0" i="1" dirty="0" smtClean="0">
+                            <a:latin typeface="Cambria Math" panose="02040503050406030204" pitchFamily="18" charset="0"/>
+                          </a:rPr>
+                          <m:t>)</m:t>
+                        </m:r>
+                      </m:oMath>
+                    </m:oMathPara>
+                  </a14:m>
+                  <a:endParaRPr lang="en-US" sz="2000" dirty="0">
+                    <a:latin typeface="Modern No. 20" panose="02070704070505020303" pitchFamily="18" charset="77"/>
+                  </a:endParaRPr>
+                </a:p>
+              </p:txBody>
+            </p:sp>
+          </mc:Choice>
+          <mc:Fallback>
+            <p:sp>
+              <p:nvSpPr>
+                <p:cNvPr id="249" name="TextBox 248">
+                  <a:extLst>
+                    <a:ext uri="{FF2B5EF4-FFF2-40B4-BE49-F238E27FC236}">
+                      <a16:creationId xmlns:a16="http://schemas.microsoft.com/office/drawing/2014/main" id="{15D4A164-FE3E-0279-BA63-177EC918451A}"/>
+                    </a:ext>
+                  </a:extLst>
+                </p:cNvPr>
+                <p:cNvSpPr txBox="1">
+                  <a:spLocks noRot="1" noChangeAspect="1" noMove="1" noResize="1" noEditPoints="1" noAdjustHandles="1" noChangeArrowheads="1" noChangeShapeType="1" noTextEdit="1"/>
+                </p:cNvSpPr>
+                <p:nvPr/>
+              </p:nvSpPr>
+              <p:spPr>
+                <a:xfrm>
+                  <a:off x="6085945" y="9263810"/>
+                  <a:ext cx="1177318" cy="423770"/>
+                </a:xfrm>
+                <a:prstGeom prst="rect">
+                  <a:avLst/>
+                </a:prstGeom>
+                <a:blipFill>
+                  <a:blip r:embed="rId8"/>
+                  <a:stretch>
+                    <a:fillRect l="-1064" r="-14894" b="-5714"/>
+                  </a:stretch>
+                </a:blipFill>
+              </p:spPr>
+              <p:txBody>
+                <a:bodyPr/>
+                <a:lstStyle/>
+                <a:p>
+                  <a:r>
+                    <a:rPr lang="en-US">
+                      <a:noFill/>
+                    </a:rPr>
+                    <a:t> </a:t>
+                  </a:r>
+                </a:p>
+              </p:txBody>
+            </p:sp>
+          </mc:Fallback>
+        </mc:AlternateContent>
+        <mc:AlternateContent xmlns:mc="http://schemas.openxmlformats.org/markup-compatibility/2006">
+          <mc:Choice xmlns:a14="http://schemas.microsoft.com/office/drawing/2010/main" Requires="a14">
+            <p:sp>
+              <p:nvSpPr>
+                <p:cNvPr id="253" name="TextBox 252">
+                  <a:extLst>
+                    <a:ext uri="{FF2B5EF4-FFF2-40B4-BE49-F238E27FC236}">
+                      <a16:creationId xmlns:a16="http://schemas.microsoft.com/office/drawing/2014/main" id="{A3BAA647-131B-D463-59B1-87BB63835DB4}"/>
+                    </a:ext>
+                  </a:extLst>
+                </p:cNvPr>
+                <p:cNvSpPr txBox="1"/>
+                <p:nvPr/>
+              </p:nvSpPr>
+              <p:spPr>
+                <a:xfrm>
+                  <a:off x="6095194" y="11159232"/>
+                  <a:ext cx="1177318" cy="423770"/>
+                </a:xfrm>
+                <a:prstGeom prst="rect">
+                  <a:avLst/>
+                </a:prstGeom>
+                <a:noFill/>
+              </p:spPr>
+              <p:txBody>
+                <a:bodyPr wrap="square" rtlCol="0">
+                  <a:spAutoFit/>
+                </a:bodyPr>
+                <a:lstStyle/>
+                <a:p>
+                  <a:pPr/>
+                  <a14:m>
+                    <m:oMathPara xmlns:m="http://schemas.openxmlformats.org/officeDocument/2006/math">
+                      <m:oMathParaPr>
+                        <m:jc m:val="centerGroup"/>
+                      </m:oMathParaPr>
+                      <m:oMath xmlns:m="http://schemas.openxmlformats.org/officeDocument/2006/math">
+                        <m:r>
+                          <a:rPr lang="en-US" sz="2000" b="0" i="1" dirty="0" smtClean="0">
+                            <a:latin typeface="Cambria Math" panose="02040503050406030204" pitchFamily="18" charset="0"/>
+                          </a:rPr>
+                          <m:t>(</m:t>
+                        </m:r>
+                        <m:r>
+                          <a:rPr lang="en-US" sz="2000" b="0" i="1" dirty="0" smtClean="0">
+                            <a:latin typeface="Cambria Math" panose="02040503050406030204" pitchFamily="18" charset="0"/>
+                          </a:rPr>
+                          <m:t>𝐵</m:t>
+                        </m:r>
+                        <m:r>
+                          <a:rPr lang="en-US" sz="2000" b="0" i="1" dirty="0" smtClean="0">
+                            <a:latin typeface="Cambria Math" panose="02040503050406030204" pitchFamily="18" charset="0"/>
+                          </a:rPr>
+                          <m:t>, </m:t>
+                        </m:r>
+                        <m:sSub>
+                          <m:sSubPr>
+                            <m:ctrlPr>
+                              <a:rPr lang="en-US" sz="2000" b="0" i="1" dirty="0" smtClean="0">
+                                <a:latin typeface="Cambria Math" panose="02040503050406030204" pitchFamily="18" charset="0"/>
+                              </a:rPr>
+                            </m:ctrlPr>
+                          </m:sSubPr>
+                          <m:e>
+                            <m:r>
+                              <a:rPr lang="en-US" sz="2000" b="0" i="1" dirty="0" smtClean="0">
+                                <a:latin typeface="Cambria Math" panose="02040503050406030204" pitchFamily="18" charset="0"/>
+                              </a:rPr>
+                              <m:t>𝜏</m:t>
+                            </m:r>
+                          </m:e>
+                          <m:sub>
+                            <m:r>
+                              <a:rPr lang="en-US" sz="2000" b="0" i="1" dirty="0" smtClean="0">
+                                <a:latin typeface="Cambria Math" panose="02040503050406030204" pitchFamily="18" charset="0"/>
+                              </a:rPr>
+                              <m:t>𝑝</m:t>
+                            </m:r>
+                          </m:sub>
+                        </m:sSub>
+                        <m:r>
+                          <a:rPr lang="en-US" sz="2000" b="0" i="1" dirty="0" smtClean="0">
+                            <a:latin typeface="Cambria Math" panose="02040503050406030204" pitchFamily="18" charset="0"/>
+                          </a:rPr>
+                          <m:t>, </m:t>
+                        </m:r>
+                        <m:sSub>
+                          <m:sSubPr>
+                            <m:ctrlPr>
+                              <a:rPr lang="en-US" sz="2000" b="0" i="1" dirty="0" smtClean="0">
+                                <a:latin typeface="Cambria Math" panose="02040503050406030204" pitchFamily="18" charset="0"/>
+                              </a:rPr>
+                            </m:ctrlPr>
+                          </m:sSubPr>
+                          <m:e>
+                            <m:r>
+                              <a:rPr lang="en-US" sz="2000" b="0" i="1" dirty="0" smtClean="0">
+                                <a:latin typeface="Cambria Math" panose="02040503050406030204" pitchFamily="18" charset="0"/>
+                              </a:rPr>
+                              <m:t>𝑑</m:t>
+                            </m:r>
+                          </m:e>
+                          <m:sub>
+                            <m:r>
+                              <a:rPr lang="en-US" sz="2000" b="0" i="1" dirty="0" smtClean="0">
+                                <a:latin typeface="Cambria Math" panose="02040503050406030204" pitchFamily="18" charset="0"/>
+                              </a:rPr>
+                              <m:t>𝑥</m:t>
+                            </m:r>
+                          </m:sub>
+                        </m:sSub>
+                        <m:r>
+                          <a:rPr lang="en-US" sz="2000" b="0" i="1" dirty="0" smtClean="0">
+                            <a:latin typeface="Cambria Math" panose="02040503050406030204" pitchFamily="18" charset="0"/>
+                          </a:rPr>
+                          <m:t>)</m:t>
+                        </m:r>
+                      </m:oMath>
+                    </m:oMathPara>
+                  </a14:m>
+                  <a:endParaRPr lang="en-US" sz="2000" dirty="0">
+                    <a:latin typeface="Modern No. 20" panose="02070704070505020303" pitchFamily="18" charset="77"/>
+                  </a:endParaRPr>
+                </a:p>
+              </p:txBody>
+            </p:sp>
+          </mc:Choice>
+          <mc:Fallback>
+            <p:sp>
+              <p:nvSpPr>
+                <p:cNvPr id="253" name="TextBox 252">
+                  <a:extLst>
+                    <a:ext uri="{FF2B5EF4-FFF2-40B4-BE49-F238E27FC236}">
+                      <a16:creationId xmlns:a16="http://schemas.microsoft.com/office/drawing/2014/main" id="{A3BAA647-131B-D463-59B1-87BB63835DB4}"/>
+                    </a:ext>
+                  </a:extLst>
+                </p:cNvPr>
+                <p:cNvSpPr txBox="1">
+                  <a:spLocks noRot="1" noChangeAspect="1" noMove="1" noResize="1" noEditPoints="1" noAdjustHandles="1" noChangeArrowheads="1" noChangeShapeType="1" noTextEdit="1"/>
+                </p:cNvSpPr>
+                <p:nvPr/>
+              </p:nvSpPr>
+              <p:spPr>
+                <a:xfrm>
+                  <a:off x="6095194" y="11159232"/>
+                  <a:ext cx="1177318" cy="423770"/>
+                </a:xfrm>
+                <a:prstGeom prst="rect">
+                  <a:avLst/>
+                </a:prstGeom>
+                <a:blipFill>
+                  <a:blip r:embed="rId9"/>
+                  <a:stretch>
+                    <a:fillRect l="-2128" r="-10638" b="-8824"/>
+                  </a:stretch>
+                </a:blipFill>
+              </p:spPr>
+              <p:txBody>
+                <a:bodyPr/>
+                <a:lstStyle/>
+                <a:p>
+                  <a:r>
+                    <a:rPr lang="en-US">
+                      <a:noFill/>
+                    </a:rPr>
+                    <a:t> </a:t>
+                  </a:r>
+                </a:p>
+              </p:txBody>
+            </p:sp>
+          </mc:Fallback>
+        </mc:AlternateContent>
+        <mc:AlternateContent xmlns:mc="http://schemas.openxmlformats.org/markup-compatibility/2006">
+          <mc:Choice xmlns:a14="http://schemas.microsoft.com/office/drawing/2010/main" Requires="a14">
+            <p:sp>
+              <p:nvSpPr>
+                <p:cNvPr id="254" name="TextBox 253">
+                  <a:extLst>
+                    <a:ext uri="{FF2B5EF4-FFF2-40B4-BE49-F238E27FC236}">
+                      <a16:creationId xmlns:a16="http://schemas.microsoft.com/office/drawing/2014/main" id="{B77B54EA-9CB8-6F4C-1797-6BC5410B0C68}"/>
+                    </a:ext>
+                  </a:extLst>
+                </p:cNvPr>
+                <p:cNvSpPr txBox="1"/>
+                <p:nvPr/>
+              </p:nvSpPr>
+              <p:spPr>
+                <a:xfrm>
+                  <a:off x="6659367" y="5139019"/>
+                  <a:ext cx="1177318" cy="424283"/>
+                </a:xfrm>
+                <a:prstGeom prst="rect">
+                  <a:avLst/>
+                </a:prstGeom>
+                <a:noFill/>
+              </p:spPr>
+              <p:txBody>
+                <a:bodyPr wrap="square" rtlCol="0">
+                  <a:spAutoFit/>
+                </a:bodyPr>
+                <a:lstStyle/>
+                <a:p>
+                  <a:pPr/>
+                  <a14:m>
+                    <m:oMathPara xmlns:m="http://schemas.openxmlformats.org/officeDocument/2006/math">
+                      <m:oMathParaPr>
+                        <m:jc m:val="centerGroup"/>
+                      </m:oMathParaPr>
+                      <m:oMath xmlns:m="http://schemas.openxmlformats.org/officeDocument/2006/math">
+                        <m:r>
+                          <a:rPr lang="en-US" sz="2000" b="0" i="1" dirty="0" smtClean="0">
+                            <a:latin typeface="Cambria Math" panose="02040503050406030204" pitchFamily="18" charset="0"/>
+                          </a:rPr>
+                          <m:t>(</m:t>
+                        </m:r>
+                        <m:r>
+                          <a:rPr lang="en-US" sz="2000" b="0" i="1" dirty="0" smtClean="0">
+                            <a:latin typeface="Cambria Math" panose="02040503050406030204" pitchFamily="18" charset="0"/>
+                          </a:rPr>
+                          <m:t>𝐵</m:t>
+                        </m:r>
+                        <m:r>
+                          <a:rPr lang="en-US" sz="2000" b="0" i="1" dirty="0" smtClean="0">
+                            <a:latin typeface="Cambria Math" panose="02040503050406030204" pitchFamily="18" charset="0"/>
+                          </a:rPr>
+                          <m:t>, </m:t>
+                        </m:r>
+                        <m:sSub>
+                          <m:sSubPr>
+                            <m:ctrlPr>
+                              <a:rPr lang="en-US" sz="2000" b="0" i="1" dirty="0" smtClean="0">
+                                <a:latin typeface="Cambria Math" panose="02040503050406030204" pitchFamily="18" charset="0"/>
+                              </a:rPr>
+                            </m:ctrlPr>
+                          </m:sSubPr>
+                          <m:e>
+                            <m:r>
+                              <a:rPr lang="en-US" sz="2000" b="0" i="1" dirty="0" smtClean="0">
+                                <a:latin typeface="Cambria Math" panose="02040503050406030204" pitchFamily="18" charset="0"/>
+                              </a:rPr>
+                              <m:t>𝜏</m:t>
+                            </m:r>
+                          </m:e>
+                          <m:sub>
+                            <m:r>
+                              <a:rPr lang="en-US" sz="2000" b="0" i="1" dirty="0" smtClean="0">
+                                <a:latin typeface="Cambria Math" panose="02040503050406030204" pitchFamily="18" charset="0"/>
+                              </a:rPr>
+                              <m:t>𝑝</m:t>
+                            </m:r>
+                          </m:sub>
+                        </m:sSub>
+                        <m:r>
+                          <a:rPr lang="en-US" sz="2000" b="0" i="1" dirty="0" smtClean="0">
+                            <a:latin typeface="Cambria Math" panose="02040503050406030204" pitchFamily="18" charset="0"/>
+                          </a:rPr>
+                          <m:t>, </m:t>
+                        </m:r>
+                        <m:sSub>
+                          <m:sSubPr>
+                            <m:ctrlPr>
+                              <a:rPr lang="en-US" sz="2000" b="0" i="1" dirty="0" smtClean="0">
+                                <a:latin typeface="Cambria Math" panose="02040503050406030204" pitchFamily="18" charset="0"/>
+                              </a:rPr>
+                            </m:ctrlPr>
+                          </m:sSubPr>
+                          <m:e>
+                            <m:r>
+                              <a:rPr lang="en-US" sz="2000" b="0" i="1" dirty="0" smtClean="0">
+                                <a:latin typeface="Cambria Math" panose="02040503050406030204" pitchFamily="18" charset="0"/>
+                              </a:rPr>
+                              <m:t>𝑑</m:t>
+                            </m:r>
+                          </m:e>
+                          <m:sub>
+                            <m:r>
+                              <a:rPr lang="en-US" sz="2000" b="0" i="1" dirty="0" smtClean="0">
+                                <a:latin typeface="Cambria Math" panose="02040503050406030204" pitchFamily="18" charset="0"/>
+                              </a:rPr>
+                              <m:t>𝑦</m:t>
+                            </m:r>
+                          </m:sub>
+                        </m:sSub>
+                        <m:r>
+                          <a:rPr lang="en-US" sz="2000" b="0" i="1" dirty="0" smtClean="0">
+                            <a:latin typeface="Cambria Math" panose="02040503050406030204" pitchFamily="18" charset="0"/>
+                          </a:rPr>
+                          <m:t>)</m:t>
+                        </m:r>
+                      </m:oMath>
+                    </m:oMathPara>
+                  </a14:m>
+                  <a:endParaRPr lang="en-US" sz="2000" dirty="0">
+                    <a:latin typeface="Modern No. 20" panose="02070704070505020303" pitchFamily="18" charset="77"/>
+                  </a:endParaRPr>
+                </a:p>
+              </p:txBody>
+            </p:sp>
+          </mc:Choice>
+          <mc:Fallback>
+            <p:sp>
+              <p:nvSpPr>
+                <p:cNvPr id="254" name="TextBox 253">
+                  <a:extLst>
+                    <a:ext uri="{FF2B5EF4-FFF2-40B4-BE49-F238E27FC236}">
+                      <a16:creationId xmlns:a16="http://schemas.microsoft.com/office/drawing/2014/main" id="{B77B54EA-9CB8-6F4C-1797-6BC5410B0C68}"/>
+                    </a:ext>
+                  </a:extLst>
+                </p:cNvPr>
+                <p:cNvSpPr txBox="1">
+                  <a:spLocks noRot="1" noChangeAspect="1" noMove="1" noResize="1" noEditPoints="1" noAdjustHandles="1" noChangeArrowheads="1" noChangeShapeType="1" noTextEdit="1"/>
+                </p:cNvSpPr>
+                <p:nvPr/>
+              </p:nvSpPr>
+              <p:spPr>
+                <a:xfrm>
+                  <a:off x="6659367" y="5139019"/>
+                  <a:ext cx="1177318" cy="424283"/>
+                </a:xfrm>
+                <a:prstGeom prst="rect">
+                  <a:avLst/>
+                </a:prstGeom>
+                <a:blipFill>
+                  <a:blip r:embed="rId10"/>
+                  <a:stretch>
+                    <a:fillRect l="-2151" r="-11828" b="-5882"/>
+                  </a:stretch>
+                </a:blipFill>
+              </p:spPr>
+              <p:txBody>
+                <a:bodyPr/>
+                <a:lstStyle/>
+                <a:p>
+                  <a:r>
+                    <a:rPr lang="en-US">
+                      <a:noFill/>
+                    </a:rPr>
+                    <a:t> </a:t>
+                  </a:r>
+                </a:p>
+              </p:txBody>
+            </p:sp>
+          </mc:Fallback>
+        </mc:AlternateContent>
+        <p:cxnSp>
+          <p:nvCxnSpPr>
+            <p:cNvPr id="263" name="Straight Arrow Connector 262">
+              <a:extLst>
+                <a:ext uri="{FF2B5EF4-FFF2-40B4-BE49-F238E27FC236}">
+                  <a16:creationId xmlns:a16="http://schemas.microsoft.com/office/drawing/2014/main" id="{7D8D4C43-50A1-A419-A3BC-F8985361FFF4}"/>
+                </a:ext>
+              </a:extLst>
+            </p:cNvPr>
+            <p:cNvCxnSpPr>
+              <a:cxnSpLocks/>
+            </p:cNvCxnSpPr>
+            <p:nvPr/>
+          </p:nvCxnSpPr>
+          <p:spPr>
+            <a:xfrm flipV="1">
+              <a:off x="6638037" y="5106060"/>
+              <a:ext cx="1852" cy="434694"/>
+            </a:xfrm>
+            <a:prstGeom prst="straightConnector1">
+              <a:avLst/>
+            </a:prstGeom>
+            <a:ln w="38100">
+              <a:solidFill>
+                <a:schemeClr val="tx1"/>
+              </a:solidFill>
+              <a:tailEnd type="triangle"/>
+            </a:ln>
+          </p:spPr>
+          <p:style>
+            <a:lnRef idx="2">
+              <a:schemeClr val="accent1"/>
+            </a:lnRef>
+            <a:fillRef idx="0">
+              <a:schemeClr val="accent1"/>
+            </a:fillRef>
+            <a:effectRef idx="1">
+              <a:schemeClr val="accent1"/>
+            </a:effectRef>
+            <a:fontRef idx="minor">
+              <a:schemeClr val="tx1"/>
+            </a:fontRef>
+          </p:style>
+        </p:cxnSp>
+        <mc:AlternateContent xmlns:mc="http://schemas.openxmlformats.org/markup-compatibility/2006">
+          <mc:Choice xmlns:a14="http://schemas.microsoft.com/office/drawing/2010/main" Requires="a14">
+            <p:sp>
+              <p:nvSpPr>
+                <p:cNvPr id="264" name="TextBox 263">
+                  <a:extLst>
+                    <a:ext uri="{FF2B5EF4-FFF2-40B4-BE49-F238E27FC236}">
+                      <a16:creationId xmlns:a16="http://schemas.microsoft.com/office/drawing/2014/main" id="{A0BD76A0-C91E-1E43-83A9-09D067DA092E}"/>
+                    </a:ext>
+                  </a:extLst>
+                </p:cNvPr>
+                <p:cNvSpPr txBox="1"/>
+                <p:nvPr/>
+              </p:nvSpPr>
+              <p:spPr>
+                <a:xfrm>
+                  <a:off x="2409505" y="11159232"/>
+                  <a:ext cx="1177318" cy="400110"/>
+                </a:xfrm>
+                <a:prstGeom prst="rect">
+                  <a:avLst/>
+                </a:prstGeom>
+                <a:noFill/>
+              </p:spPr>
+              <p:txBody>
+                <a:bodyPr wrap="square" rtlCol="0">
+                  <a:spAutoFit/>
+                </a:bodyPr>
+                <a:lstStyle/>
+                <a:p>
+                  <a:pPr/>
+                  <a14:m>
+                    <m:oMathPara xmlns:m="http://schemas.openxmlformats.org/officeDocument/2006/math">
+                      <m:oMathParaPr>
+                        <m:jc m:val="centerGroup"/>
+                      </m:oMathParaPr>
+                      <m:oMath xmlns:m="http://schemas.openxmlformats.org/officeDocument/2006/math">
+                        <m:r>
+                          <a:rPr lang="en-US" sz="2000" b="0" i="1" dirty="0" smtClean="0">
+                            <a:latin typeface="Cambria Math" panose="02040503050406030204" pitchFamily="18" charset="0"/>
+                          </a:rPr>
+                          <m:t>(</m:t>
+                        </m:r>
+                        <m:r>
+                          <a:rPr lang="en-US" sz="2000" b="0" i="1" dirty="0" smtClean="0">
+                            <a:latin typeface="Cambria Math" panose="02040503050406030204" pitchFamily="18" charset="0"/>
+                          </a:rPr>
+                          <m:t>𝐵</m:t>
+                        </m:r>
+                        <m:r>
+                          <a:rPr lang="en-US" sz="2000" b="0" i="1" dirty="0" smtClean="0">
+                            <a:latin typeface="Cambria Math" panose="02040503050406030204" pitchFamily="18" charset="0"/>
+                          </a:rPr>
+                          <m:t>, </m:t>
+                        </m:r>
+                        <m:sSub>
+                          <m:sSubPr>
+                            <m:ctrlPr>
+                              <a:rPr lang="en-US" sz="2000" b="0" i="1" dirty="0" smtClean="0">
+                                <a:latin typeface="Cambria Math" panose="02040503050406030204" pitchFamily="18" charset="0"/>
+                              </a:rPr>
+                            </m:ctrlPr>
+                          </m:sSubPr>
+                          <m:e>
+                            <m:r>
+                              <a:rPr lang="en-US" sz="2000" b="0" i="1" dirty="0" smtClean="0">
+                                <a:latin typeface="Cambria Math" panose="02040503050406030204" pitchFamily="18" charset="0"/>
+                              </a:rPr>
+                              <m:t>𝜏</m:t>
+                            </m:r>
+                          </m:e>
+                          <m:sub>
+                            <m:r>
+                              <a:rPr lang="en-US" sz="2000" b="0" i="1" dirty="0" smtClean="0">
+                                <a:latin typeface="Cambria Math" panose="02040503050406030204" pitchFamily="18" charset="0"/>
+                              </a:rPr>
+                              <m:t>𝑐</m:t>
+                            </m:r>
+                          </m:sub>
+                        </m:sSub>
+                        <m:r>
+                          <a:rPr lang="en-US" sz="2000" b="0" i="1" dirty="0" smtClean="0">
+                            <a:latin typeface="Cambria Math" panose="02040503050406030204" pitchFamily="18" charset="0"/>
+                          </a:rPr>
+                          <m:t>, </m:t>
+                        </m:r>
+                        <m:sSub>
+                          <m:sSubPr>
+                            <m:ctrlPr>
+                              <a:rPr lang="en-US" sz="2000" b="0" i="1" dirty="0" smtClean="0">
+                                <a:latin typeface="Cambria Math" panose="02040503050406030204" pitchFamily="18" charset="0"/>
+                              </a:rPr>
+                            </m:ctrlPr>
+                          </m:sSubPr>
+                          <m:e>
+                            <m:r>
+                              <a:rPr lang="en-US" sz="2000" b="0" i="1" dirty="0" smtClean="0">
+                                <a:latin typeface="Cambria Math" panose="02040503050406030204" pitchFamily="18" charset="0"/>
+                              </a:rPr>
+                              <m:t>𝑑</m:t>
+                            </m:r>
+                          </m:e>
+                          <m:sub>
+                            <m:r>
+                              <a:rPr lang="en-US" sz="2000" b="0" i="1" dirty="0" smtClean="0">
+                                <a:latin typeface="Cambria Math" panose="02040503050406030204" pitchFamily="18" charset="0"/>
+                              </a:rPr>
+                              <m:t>𝑥</m:t>
+                            </m:r>
+                          </m:sub>
+                        </m:sSub>
+                        <m:r>
+                          <a:rPr lang="en-US" sz="2000" b="0" i="1" dirty="0" smtClean="0">
+                            <a:latin typeface="Cambria Math" panose="02040503050406030204" pitchFamily="18" charset="0"/>
+                          </a:rPr>
+                          <m:t>)</m:t>
+                        </m:r>
+                      </m:oMath>
+                    </m:oMathPara>
+                  </a14:m>
+                  <a:endParaRPr lang="en-US" sz="2000" dirty="0">
+                    <a:latin typeface="Modern No. 20" panose="02070704070505020303" pitchFamily="18" charset="77"/>
+                  </a:endParaRPr>
+                </a:p>
+              </p:txBody>
+            </p:sp>
+          </mc:Choice>
+          <mc:Fallback>
+            <p:sp>
+              <p:nvSpPr>
+                <p:cNvPr id="264" name="TextBox 263">
+                  <a:extLst>
+                    <a:ext uri="{FF2B5EF4-FFF2-40B4-BE49-F238E27FC236}">
+                      <a16:creationId xmlns:a16="http://schemas.microsoft.com/office/drawing/2014/main" id="{A0BD76A0-C91E-1E43-83A9-09D067DA092E}"/>
+                    </a:ext>
+                  </a:extLst>
+                </p:cNvPr>
+                <p:cNvSpPr txBox="1">
+                  <a:spLocks noRot="1" noChangeAspect="1" noMove="1" noResize="1" noEditPoints="1" noAdjustHandles="1" noChangeArrowheads="1" noChangeShapeType="1" noTextEdit="1"/>
+                </p:cNvSpPr>
+                <p:nvPr/>
+              </p:nvSpPr>
+              <p:spPr>
+                <a:xfrm>
+                  <a:off x="2409505" y="11159232"/>
+                  <a:ext cx="1177318" cy="400110"/>
+                </a:xfrm>
+                <a:prstGeom prst="rect">
+                  <a:avLst/>
+                </a:prstGeom>
+                <a:blipFill>
+                  <a:blip r:embed="rId11"/>
+                  <a:stretch>
+                    <a:fillRect l="-2128" r="-8511" b="-15625"/>
+                  </a:stretch>
+                </a:blipFill>
+              </p:spPr>
+              <p:txBody>
+                <a:bodyPr/>
+                <a:lstStyle/>
+                <a:p>
+                  <a:r>
+                    <a:rPr lang="en-US">
+                      <a:noFill/>
+                    </a:rPr>
+                    <a:t> </a:t>
+                  </a:r>
+                </a:p>
+              </p:txBody>
+            </p:sp>
+          </mc:Fallback>
+        </mc:AlternateContent>
+        <p:cxnSp>
+          <p:nvCxnSpPr>
+            <p:cNvPr id="268" name="Straight Arrow Connector 267">
+              <a:extLst>
+                <a:ext uri="{FF2B5EF4-FFF2-40B4-BE49-F238E27FC236}">
+                  <a16:creationId xmlns:a16="http://schemas.microsoft.com/office/drawing/2014/main" id="{FD178F84-C41B-FACA-D499-B67B0E4FF2B2}"/>
+                </a:ext>
+              </a:extLst>
+            </p:cNvPr>
+            <p:cNvCxnSpPr>
+              <a:cxnSpLocks/>
+            </p:cNvCxnSpPr>
+            <p:nvPr/>
+          </p:nvCxnSpPr>
+          <p:spPr>
+            <a:xfrm flipV="1">
+              <a:off x="2409334" y="8685670"/>
+              <a:ext cx="5552" cy="966274"/>
+            </a:xfrm>
+            <a:prstGeom prst="straightConnector1">
+              <a:avLst/>
+            </a:prstGeom>
+            <a:ln w="38100">
+              <a:solidFill>
+                <a:schemeClr val="tx1"/>
+              </a:solidFill>
+              <a:tailEnd type="triangle"/>
+            </a:ln>
+          </p:spPr>
+          <p:style>
+            <a:lnRef idx="2">
+              <a:schemeClr val="accent1"/>
+            </a:lnRef>
+            <a:fillRef idx="0">
+              <a:schemeClr val="accent1"/>
+            </a:fillRef>
+            <a:effectRef idx="1">
+              <a:schemeClr val="accent1"/>
+            </a:effectRef>
+            <a:fontRef idx="minor">
+              <a:schemeClr val="tx1"/>
+            </a:fontRef>
+          </p:style>
+        </p:cxnSp>
+        <p:sp>
+          <p:nvSpPr>
+            <p:cNvPr id="273" name="Rectangle 272">
+              <a:extLst>
+                <a:ext uri="{FF2B5EF4-FFF2-40B4-BE49-F238E27FC236}">
+                  <a16:creationId xmlns:a16="http://schemas.microsoft.com/office/drawing/2014/main" id="{488043A9-77E6-8413-C864-BAD8DE5FE4C0}"/>
+                </a:ext>
+              </a:extLst>
+            </p:cNvPr>
+            <p:cNvSpPr/>
+            <p:nvPr/>
+          </p:nvSpPr>
+          <p:spPr>
+            <a:xfrm>
+              <a:off x="2473045" y="8895095"/>
+              <a:ext cx="244610" cy="114220"/>
+            </a:xfrm>
+            <a:prstGeom prst="rect">
+              <a:avLst/>
+            </a:prstGeom>
+            <a:solidFill>
+              <a:schemeClr val="bg1"/>
+            </a:solidFill>
+            <a:ln>
+              <a:noFill/>
+            </a:ln>
+          </p:spPr>
+          <p:style>
+            <a:lnRef idx="2">
+              <a:schemeClr val="accent1">
+                <a:shade val="15000"/>
+              </a:schemeClr>
+            </a:lnRef>
+            <a:fillRef idx="1">
+              <a:schemeClr val="accent1"/>
+            </a:fillRef>
+            <a:effectRef idx="0">
+              <a:schemeClr val="accent1"/>
+            </a:effectRef>
+            <a:fontRef idx="minor">
+              <a:schemeClr val="lt1"/>
+            </a:fontRef>
+          </p:style>
+          <p:txBody>
+            <a:bodyPr rtlCol="0" anchor="ctr"/>
+            <a:lstStyle/>
+            <a:p>
+              <a:pPr algn="ctr"/>
+              <a:endParaRPr lang="en-US"/>
+            </a:p>
+          </p:txBody>
+        </p:sp>
+        <p:sp>
+          <p:nvSpPr>
+            <p:cNvPr id="274" name="Rectangle 273">
+              <a:extLst>
+                <a:ext uri="{FF2B5EF4-FFF2-40B4-BE49-F238E27FC236}">
+                  <a16:creationId xmlns:a16="http://schemas.microsoft.com/office/drawing/2014/main" id="{C5E0366F-7BE4-680E-4AA6-C0168FB6A538}"/>
+                </a:ext>
+              </a:extLst>
+            </p:cNvPr>
+            <p:cNvSpPr/>
+            <p:nvPr/>
+          </p:nvSpPr>
+          <p:spPr>
+            <a:xfrm>
+              <a:off x="2141425" y="8893320"/>
+              <a:ext cx="244610" cy="114220"/>
+            </a:xfrm>
+            <a:prstGeom prst="rect">
+              <a:avLst/>
+            </a:prstGeom>
+            <a:solidFill>
+              <a:schemeClr val="bg1"/>
+            </a:solidFill>
+            <a:ln>
+              <a:noFill/>
+            </a:ln>
+          </p:spPr>
+          <p:style>
+            <a:lnRef idx="2">
+              <a:schemeClr val="accent1">
+                <a:shade val="15000"/>
+              </a:schemeClr>
+            </a:lnRef>
+            <a:fillRef idx="1">
+              <a:schemeClr val="accent1"/>
+            </a:fillRef>
+            <a:effectRef idx="0">
+              <a:schemeClr val="accent1"/>
+            </a:effectRef>
+            <a:fontRef idx="minor">
+              <a:schemeClr val="lt1"/>
+            </a:fontRef>
+          </p:style>
+          <p:txBody>
+            <a:bodyPr rtlCol="0" anchor="ctr"/>
+            <a:lstStyle/>
+            <a:p>
+              <a:pPr algn="ctr"/>
+              <a:endParaRPr lang="en-US"/>
+            </a:p>
+          </p:txBody>
+        </p:sp>
+        <p:sp>
+          <p:nvSpPr>
+            <p:cNvPr id="275" name="Rectangle 274">
+              <a:extLst>
+                <a:ext uri="{FF2B5EF4-FFF2-40B4-BE49-F238E27FC236}">
+                  <a16:creationId xmlns:a16="http://schemas.microsoft.com/office/drawing/2014/main" id="{2D00FDFE-E6D3-200F-70D7-E1BEBA0B1955}"/>
+                </a:ext>
+              </a:extLst>
+            </p:cNvPr>
+            <p:cNvSpPr/>
+            <p:nvPr/>
+          </p:nvSpPr>
+          <p:spPr>
+            <a:xfrm>
+              <a:off x="1823147" y="8890581"/>
+              <a:ext cx="244610" cy="114220"/>
+            </a:xfrm>
+            <a:prstGeom prst="rect">
+              <a:avLst/>
+            </a:prstGeom>
+            <a:solidFill>
+              <a:schemeClr val="bg1"/>
+            </a:solidFill>
+            <a:ln>
+              <a:noFill/>
+            </a:ln>
+          </p:spPr>
+          <p:style>
+            <a:lnRef idx="2">
+              <a:schemeClr val="accent1">
+                <a:shade val="15000"/>
+              </a:schemeClr>
+            </a:lnRef>
+            <a:fillRef idx="1">
+              <a:schemeClr val="accent1"/>
+            </a:fillRef>
+            <a:effectRef idx="0">
+              <a:schemeClr val="accent1"/>
+            </a:effectRef>
+            <a:fontRef idx="minor">
+              <a:schemeClr val="lt1"/>
+            </a:fontRef>
+          </p:style>
+          <p:txBody>
+            <a:bodyPr rtlCol="0" anchor="ctr"/>
+            <a:lstStyle/>
+            <a:p>
+              <a:pPr algn="ctr"/>
+              <a:endParaRPr lang="en-US"/>
+            </a:p>
+          </p:txBody>
+        </p:sp>
+      </p:grpSp>
+    </p:spTree>
+    <p:extLst>
+      <p:ext uri="{BB962C8B-B14F-4D97-AF65-F5344CB8AC3E}">
+        <p14:creationId xmlns:p14="http://schemas.microsoft.com/office/powerpoint/2010/main" val="414085335"/>
+      </p:ext>
+    </p:extLst>
+  </p:cSld>
+  <p:clrMapOvr>
+    <a:masterClrMapping/>
+  </p:clrMapOvr>
+</p:sld>
+</file>
+
 <file path=ppt/theme/theme1.xml><?xml version="1.0" encoding="utf-8"?>
 <a:theme xmlns:a="http://schemas.openxmlformats.org/drawingml/2006/main" name="Office Theme">
   <a:themeElements>

--- a/examples/figures/wind_forecasting_figs [Autosaved].pptx
+++ b/examples/figures/wind_forecasting_figs [Autosaved].pptx
@@ -201,7 +201,7 @@
           <a:p>
             <a:fld id="{3380F61D-5888-4F45-B58C-AFF11477949F}" type="datetimeFigureOut">
               <a:rPr lang="en-US" smtClean="0"/>
-              <a:t>4/30/25</a:t>
+              <a:t>5/8/25</a:t>
             </a:fld>
             <a:endParaRPr lang="en-US"/>
           </a:p>
@@ -791,7 +791,7 @@
           <a:p>
             <a:fld id="{09A208B9-A1FD-A545-84FD-D19EFD3032C3}" type="datetimeFigureOut">
               <a:rPr lang="en-US" smtClean="0"/>
-              <a:t>4/30/25</a:t>
+              <a:t>5/8/25</a:t>
             </a:fld>
             <a:endParaRPr lang="en-US"/>
           </a:p>
@@ -961,7 +961,7 @@
           <a:p>
             <a:fld id="{09A208B9-A1FD-A545-84FD-D19EFD3032C3}" type="datetimeFigureOut">
               <a:rPr lang="en-US" smtClean="0"/>
-              <a:t>4/30/25</a:t>
+              <a:t>5/8/25</a:t>
             </a:fld>
             <a:endParaRPr lang="en-US"/>
           </a:p>
@@ -1141,7 +1141,7 @@
           <a:p>
             <a:fld id="{09A208B9-A1FD-A545-84FD-D19EFD3032C3}" type="datetimeFigureOut">
               <a:rPr lang="en-US" smtClean="0"/>
-              <a:t>4/30/25</a:t>
+              <a:t>5/8/25</a:t>
             </a:fld>
             <a:endParaRPr lang="en-US"/>
           </a:p>
@@ -1311,7 +1311,7 @@
           <a:p>
             <a:fld id="{09A208B9-A1FD-A545-84FD-D19EFD3032C3}" type="datetimeFigureOut">
               <a:rPr lang="en-US" smtClean="0"/>
-              <a:t>4/30/25</a:t>
+              <a:t>5/8/25</a:t>
             </a:fld>
             <a:endParaRPr lang="en-US"/>
           </a:p>
@@ -1557,7 +1557,7 @@
           <a:p>
             <a:fld id="{09A208B9-A1FD-A545-84FD-D19EFD3032C3}" type="datetimeFigureOut">
               <a:rPr lang="en-US" smtClean="0"/>
-              <a:t>4/30/25</a:t>
+              <a:t>5/8/25</a:t>
             </a:fld>
             <a:endParaRPr lang="en-US"/>
           </a:p>
@@ -1789,7 +1789,7 @@
           <a:p>
             <a:fld id="{09A208B9-A1FD-A545-84FD-D19EFD3032C3}" type="datetimeFigureOut">
               <a:rPr lang="en-US" smtClean="0"/>
-              <a:t>4/30/25</a:t>
+              <a:t>5/8/25</a:t>
             </a:fld>
             <a:endParaRPr lang="en-US"/>
           </a:p>
@@ -2156,7 +2156,7 @@
           <a:p>
             <a:fld id="{09A208B9-A1FD-A545-84FD-D19EFD3032C3}" type="datetimeFigureOut">
               <a:rPr lang="en-US" smtClean="0"/>
-              <a:t>4/30/25</a:t>
+              <a:t>5/8/25</a:t>
             </a:fld>
             <a:endParaRPr lang="en-US"/>
           </a:p>
@@ -2274,7 +2274,7 @@
           <a:p>
             <a:fld id="{09A208B9-A1FD-A545-84FD-D19EFD3032C3}" type="datetimeFigureOut">
               <a:rPr lang="en-US" smtClean="0"/>
-              <a:t>4/30/25</a:t>
+              <a:t>5/8/25</a:t>
             </a:fld>
             <a:endParaRPr lang="en-US"/>
           </a:p>
@@ -2369,7 +2369,7 @@
           <a:p>
             <a:fld id="{09A208B9-A1FD-A545-84FD-D19EFD3032C3}" type="datetimeFigureOut">
               <a:rPr lang="en-US" smtClean="0"/>
-              <a:t>4/30/25</a:t>
+              <a:t>5/8/25</a:t>
             </a:fld>
             <a:endParaRPr lang="en-US"/>
           </a:p>
@@ -2646,7 +2646,7 @@
           <a:p>
             <a:fld id="{09A208B9-A1FD-A545-84FD-D19EFD3032C3}" type="datetimeFigureOut">
               <a:rPr lang="en-US" smtClean="0"/>
-              <a:t>4/30/25</a:t>
+              <a:t>5/8/25</a:t>
             </a:fld>
             <a:endParaRPr lang="en-US"/>
           </a:p>
@@ -2903,7 +2903,7 @@
           <a:p>
             <a:fld id="{09A208B9-A1FD-A545-84FD-D19EFD3032C3}" type="datetimeFigureOut">
               <a:rPr lang="en-US" smtClean="0"/>
-              <a:t>4/30/25</a:t>
+              <a:t>5/8/25</a:t>
             </a:fld>
             <a:endParaRPr lang="en-US"/>
           </a:p>
@@ -3116,7 +3116,7 @@
           <a:p>
             <a:fld id="{09A208B9-A1FD-A545-84FD-D19EFD3032C3}" type="datetimeFigureOut">
               <a:rPr lang="en-US" smtClean="0"/>
-              <a:t>4/30/25</a:t>
+              <a:t>5/8/25</a:t>
             </a:fld>
             <a:endParaRPr lang="en-US"/>
           </a:p>
@@ -5217,7 +5217,7 @@
         </p:nvSpPr>
         <p:spPr>
           <a:xfrm>
-            <a:off x="5470521" y="2785155"/>
+            <a:off x="6108585" y="1806370"/>
             <a:ext cx="3270708" cy="1200329"/>
           </a:xfrm>
           <a:prstGeom prst="rect">
@@ -5270,7 +5270,7 @@
         </p:nvSpPr>
         <p:spPr>
           <a:xfrm>
-            <a:off x="4058848" y="3905309"/>
+            <a:off x="2460178" y="2479690"/>
             <a:ext cx="6096000" cy="369332"/>
           </a:xfrm>
           <a:prstGeom prst="rect">
@@ -5291,12 +5291,74 @@
           </a:p>
         </p:txBody>
       </p:sp>
+      <p:sp>
+        <p:nvSpPr>
+          <p:cNvPr id="2" name="Rectangle 1">
+            <a:extLst>
+              <a:ext uri="{FF2B5EF4-FFF2-40B4-BE49-F238E27FC236}">
+                <a16:creationId xmlns:a16="http://schemas.microsoft.com/office/drawing/2014/main" id="{651DE91C-D0ED-8888-27B5-CF8304D3924E}"/>
+              </a:ext>
+            </a:extLst>
+          </p:cNvPr>
+          <p:cNvSpPr/>
+          <p:nvPr/>
+        </p:nvSpPr>
+        <p:spPr>
+          <a:xfrm>
+            <a:off x="10169634" y="6208623"/>
+            <a:ext cx="1561651" cy="601883"/>
+          </a:xfrm>
+          <a:prstGeom prst="rect">
+            <a:avLst/>
+          </a:prstGeom>
+          <a:solidFill>
+            <a:srgbClr val="00B0F0"/>
+          </a:solidFill>
+          <a:ln w="9525"/>
+          <a:effectLst>
+            <a:outerShdw blurRad="50800" dist="38100" dir="8100000" algn="tr" rotWithShape="0">
+              <a:prstClr val="black">
+                <a:alpha val="40000"/>
+              </a:prstClr>
+            </a:outerShdw>
+          </a:effectLst>
+        </p:spPr>
+        <p:style>
+          <a:lnRef idx="2">
+            <a:schemeClr val="accent4">
+              <a:shade val="15000"/>
+            </a:schemeClr>
+          </a:lnRef>
+          <a:fillRef idx="1">
+            <a:schemeClr val="accent4"/>
+          </a:fillRef>
+          <a:effectRef idx="0">
+            <a:schemeClr val="accent4"/>
+          </a:effectRef>
+          <a:fontRef idx="minor">
+            <a:schemeClr val="lt1"/>
+          </a:fontRef>
+        </p:style>
+        <p:txBody>
+          <a:bodyPr rtlCol="0" anchor="ctr"/>
+          <a:lstStyle/>
+          <a:p>
+            <a:pPr algn="ctr"/>
+            <a:r>
+              <a:rPr lang="en-US" dirty="0">
+                <a:latin typeface="Modern No. 20" panose="02070704070505020303" pitchFamily="18" charset="77"/>
+              </a:rPr>
+              <a:t>Normalization</a:t>
+            </a:r>
+          </a:p>
+        </p:txBody>
+      </p:sp>
       <p:grpSp>
         <p:nvGrpSpPr>
-          <p:cNvPr id="107" name="Group 106">
+          <p:cNvPr id="51" name="Group 50">
             <a:extLst>
               <a:ext uri="{FF2B5EF4-FFF2-40B4-BE49-F238E27FC236}">
-                <a16:creationId xmlns:a16="http://schemas.microsoft.com/office/drawing/2014/main" id="{EDF268EF-439A-1C27-024A-91EE74490DC0}"/>
+                <a16:creationId xmlns:a16="http://schemas.microsoft.com/office/drawing/2014/main" id="{FCEBFED8-F0E4-3613-F646-75B6370F81C1}"/>
               </a:ext>
             </a:extLst>
           </p:cNvPr>
@@ -5306,9 +5368,9 @@
         <p:grpSpPr>
           <a:xfrm>
             <a:off x="1877654" y="4577441"/>
-            <a:ext cx="7135910" cy="3025371"/>
+            <a:ext cx="7236178" cy="3028323"/>
             <a:chOff x="1877654" y="4577441"/>
-            <a:chExt cx="7135910" cy="3025371"/>
+            <a:chExt cx="7236178" cy="3028323"/>
           </a:xfrm>
         </p:grpSpPr>
         <p:sp>
@@ -6164,52 +6226,6 @@
         </p:sp>
         <p:sp>
           <p:nvSpPr>
-            <p:cNvPr id="26" name="Right Arrow 25">
-              <a:extLst>
-                <a:ext uri="{FF2B5EF4-FFF2-40B4-BE49-F238E27FC236}">
-                  <a16:creationId xmlns:a16="http://schemas.microsoft.com/office/drawing/2014/main" id="{64166449-9CA1-7CAA-BCBE-7308CBC08AE1}"/>
-                </a:ext>
-              </a:extLst>
-            </p:cNvPr>
-            <p:cNvSpPr/>
-            <p:nvPr/>
-          </p:nvSpPr>
-          <p:spPr>
-            <a:xfrm>
-              <a:off x="6648950" y="6471175"/>
-              <a:ext cx="201021" cy="105475"/>
-            </a:xfrm>
-            <a:prstGeom prst="rightArrow">
-              <a:avLst/>
-            </a:prstGeom>
-          </p:spPr>
-          <p:style>
-            <a:lnRef idx="2">
-              <a:schemeClr val="dk1">
-                <a:shade val="15000"/>
-              </a:schemeClr>
-            </a:lnRef>
-            <a:fillRef idx="1">
-              <a:schemeClr val="dk1"/>
-            </a:fillRef>
-            <a:effectRef idx="0">
-              <a:schemeClr val="dk1"/>
-            </a:effectRef>
-            <a:fontRef idx="minor">
-              <a:schemeClr val="lt1"/>
-            </a:fontRef>
-          </p:style>
-          <p:txBody>
-            <a:bodyPr rtlCol="0" anchor="ctr"/>
-            <a:lstStyle/>
-            <a:p>
-              <a:pPr algn="ctr"/>
-              <a:endParaRPr lang="en-US" dirty="0"/>
-            </a:p>
-          </p:txBody>
-        </p:sp>
-        <p:sp>
-          <p:nvSpPr>
             <p:cNvPr id="18" name="Rectangle 17">
               <a:extLst>
                 <a:ext uri="{FF2B5EF4-FFF2-40B4-BE49-F238E27FC236}">
@@ -6594,8 +6610,8 @@
           </p:nvSpPr>
           <p:spPr>
             <a:xfrm>
-              <a:off x="6791314" y="6240333"/>
-              <a:ext cx="2213817" cy="567159"/>
+              <a:off x="4996164" y="6240333"/>
+              <a:ext cx="4008968" cy="567159"/>
             </a:xfrm>
             <a:prstGeom prst="parallelogram">
               <a:avLst/>
@@ -6750,68 +6766,6 @@
             <a:p>
               <a:pPr algn="ctr"/>
               <a:endParaRPr lang="en-US" dirty="0"/>
-            </a:p>
-          </p:txBody>
-        </p:sp>
-        <p:sp>
-          <p:nvSpPr>
-            <p:cNvPr id="2" name="Rectangle 1">
-              <a:extLst>
-                <a:ext uri="{FF2B5EF4-FFF2-40B4-BE49-F238E27FC236}">
-                  <a16:creationId xmlns:a16="http://schemas.microsoft.com/office/drawing/2014/main" id="{651DE91C-D0ED-8888-27B5-CF8304D3924E}"/>
-                </a:ext>
-              </a:extLst>
-            </p:cNvPr>
-            <p:cNvSpPr/>
-            <p:nvPr/>
-          </p:nvSpPr>
-          <p:spPr>
-            <a:xfrm>
-              <a:off x="5076686" y="6222971"/>
-              <a:ext cx="1561651" cy="601883"/>
-            </a:xfrm>
-            <a:prstGeom prst="rect">
-              <a:avLst/>
-            </a:prstGeom>
-            <a:solidFill>
-              <a:srgbClr val="00B0F0"/>
-            </a:solidFill>
-            <a:ln w="9525"/>
-            <a:effectLst>
-              <a:outerShdw blurRad="50800" dist="38100" dir="8100000" algn="tr" rotWithShape="0">
-                <a:prstClr val="black">
-                  <a:alpha val="40000"/>
-                </a:prstClr>
-              </a:outerShdw>
-            </a:effectLst>
-          </p:spPr>
-          <p:style>
-            <a:lnRef idx="2">
-              <a:schemeClr val="accent4">
-                <a:shade val="15000"/>
-              </a:schemeClr>
-            </a:lnRef>
-            <a:fillRef idx="1">
-              <a:schemeClr val="accent4"/>
-            </a:fillRef>
-            <a:effectRef idx="0">
-              <a:schemeClr val="accent4"/>
-            </a:effectRef>
-            <a:fontRef idx="minor">
-              <a:schemeClr val="lt1"/>
-            </a:fontRef>
-          </p:style>
-          <p:txBody>
-            <a:bodyPr rtlCol="0" anchor="ctr"/>
-            <a:lstStyle/>
-            <a:p>
-              <a:pPr algn="ctr"/>
-              <a:r>
-                <a:rPr lang="en-US" dirty="0">
-                  <a:latin typeface="Modern No. 20" panose="02070704070505020303" pitchFamily="18" charset="77"/>
-                </a:rPr>
-                <a:t>Normalization</a:t>
-              </a:r>
             </a:p>
           </p:txBody>
         </p:sp>
@@ -7045,116 +6999,343 @@
             </a:p>
           </p:txBody>
         </p:sp>
+        <p:sp>
+          <p:nvSpPr>
+            <p:cNvPr id="37" name="Parallelogram 36">
+              <a:extLst>
+                <a:ext uri="{FF2B5EF4-FFF2-40B4-BE49-F238E27FC236}">
+                  <a16:creationId xmlns:a16="http://schemas.microsoft.com/office/drawing/2014/main" id="{5DEDDE0A-57BD-D69C-6320-F06E9956EF93}"/>
+                </a:ext>
+              </a:extLst>
+            </p:cNvPr>
+            <p:cNvSpPr/>
+            <p:nvPr/>
+          </p:nvSpPr>
+          <p:spPr>
+            <a:xfrm>
+              <a:off x="5913432" y="7225273"/>
+              <a:ext cx="2240280" cy="380491"/>
+            </a:xfrm>
+            <a:prstGeom prst="parallelogram">
+              <a:avLst/>
+            </a:prstGeom>
+            <a:ln w="9525">
+              <a:solidFill>
+                <a:schemeClr val="tx1"/>
+              </a:solidFill>
+            </a:ln>
+            <a:effectLst>
+              <a:outerShdw blurRad="50800" dist="38100" dir="5400000" algn="t" rotWithShape="0">
+                <a:prstClr val="black">
+                  <a:alpha val="40000"/>
+                </a:prstClr>
+              </a:outerShdw>
+            </a:effectLst>
+          </p:spPr>
+          <p:style>
+            <a:lnRef idx="2">
+              <a:schemeClr val="accent1">
+                <a:shade val="15000"/>
+              </a:schemeClr>
+            </a:lnRef>
+            <a:fillRef idx="1">
+              <a:schemeClr val="accent1"/>
+            </a:fillRef>
+            <a:effectRef idx="0">
+              <a:schemeClr val="accent1"/>
+            </a:effectRef>
+            <a:fontRef idx="minor">
+              <a:schemeClr val="lt1"/>
+            </a:fontRef>
+          </p:style>
+          <p:txBody>
+            <a:bodyPr rtlCol="0" anchor="ctr"/>
+            <a:lstStyle/>
+            <a:p>
+              <a:pPr algn="ctr"/>
+              <a:r>
+                <a:rPr lang="en-US" sz="1600" dirty="0">
+                  <a:latin typeface="Modern No. 20" panose="02070704070505020303" pitchFamily="18" charset="77"/>
+                </a:rPr>
+                <a:t>Training</a:t>
+              </a:r>
+              <a:endParaRPr lang="en-US" dirty="0">
+                <a:latin typeface="Modern No. 20" panose="02070704070505020303" pitchFamily="18" charset="77"/>
+              </a:endParaRPr>
+            </a:p>
+          </p:txBody>
+        </p:sp>
+        <p:sp>
+          <p:nvSpPr>
+            <p:cNvPr id="38" name="Parallelogram 37">
+              <a:extLst>
+                <a:ext uri="{FF2B5EF4-FFF2-40B4-BE49-F238E27FC236}">
+                  <a16:creationId xmlns:a16="http://schemas.microsoft.com/office/drawing/2014/main" id="{7E40B525-E0B0-3096-CE51-7EA04F8017C9}"/>
+                </a:ext>
+              </a:extLst>
+            </p:cNvPr>
+            <p:cNvSpPr/>
+            <p:nvPr/>
+          </p:nvSpPr>
+          <p:spPr>
+            <a:xfrm>
+              <a:off x="8153712" y="7213851"/>
+              <a:ext cx="320040" cy="388962"/>
+            </a:xfrm>
+            <a:prstGeom prst="parallelogram">
+              <a:avLst/>
+            </a:prstGeom>
+            <a:ln w="9525">
+              <a:solidFill>
+                <a:schemeClr val="tx1"/>
+              </a:solidFill>
+            </a:ln>
+            <a:effectLst>
+              <a:outerShdw blurRad="50800" dist="38100" dir="5400000" algn="t" rotWithShape="0">
+                <a:prstClr val="black">
+                  <a:alpha val="40000"/>
+                </a:prstClr>
+              </a:outerShdw>
+            </a:effectLst>
+          </p:spPr>
+          <p:style>
+            <a:lnRef idx="2">
+              <a:schemeClr val="accent1">
+                <a:shade val="15000"/>
+              </a:schemeClr>
+            </a:lnRef>
+            <a:fillRef idx="1">
+              <a:schemeClr val="accent1"/>
+            </a:fillRef>
+            <a:effectRef idx="0">
+              <a:schemeClr val="accent1"/>
+            </a:effectRef>
+            <a:fontRef idx="minor">
+              <a:schemeClr val="lt1"/>
+            </a:fontRef>
+          </p:style>
+          <p:txBody>
+            <a:bodyPr rtlCol="0" anchor="ctr"/>
+            <a:lstStyle/>
+            <a:p>
+              <a:pPr algn="ctr"/>
+              <a:r>
+                <a:rPr lang="en-US" sz="1600" dirty="0">
+                  <a:latin typeface="Modern No. 20" panose="02070704070505020303" pitchFamily="18" charset="77"/>
+                </a:rPr>
+                <a:t>V</a:t>
+              </a:r>
+              <a:endParaRPr lang="en-US" dirty="0">
+                <a:latin typeface="Modern No. 20" panose="02070704070505020303" pitchFamily="18" charset="77"/>
+              </a:endParaRPr>
+            </a:p>
+          </p:txBody>
+        </p:sp>
+        <p:sp>
+          <p:nvSpPr>
+            <p:cNvPr id="40" name="Parallelogram 39">
+              <a:extLst>
+                <a:ext uri="{FF2B5EF4-FFF2-40B4-BE49-F238E27FC236}">
+                  <a16:creationId xmlns:a16="http://schemas.microsoft.com/office/drawing/2014/main" id="{6FAB8EC8-A30F-7819-C249-BF72B2F69D38}"/>
+                </a:ext>
+              </a:extLst>
+            </p:cNvPr>
+            <p:cNvSpPr/>
+            <p:nvPr/>
+          </p:nvSpPr>
+          <p:spPr>
+            <a:xfrm>
+              <a:off x="8473752" y="7225273"/>
+              <a:ext cx="640080" cy="380491"/>
+            </a:xfrm>
+            <a:prstGeom prst="parallelogram">
+              <a:avLst/>
+            </a:prstGeom>
+            <a:ln w="9525">
+              <a:solidFill>
+                <a:schemeClr val="tx1"/>
+              </a:solidFill>
+            </a:ln>
+            <a:effectLst>
+              <a:outerShdw blurRad="50800" dist="38100" dir="5400000" algn="t" rotWithShape="0">
+                <a:prstClr val="black">
+                  <a:alpha val="40000"/>
+                </a:prstClr>
+              </a:outerShdw>
+            </a:effectLst>
+          </p:spPr>
+          <p:style>
+            <a:lnRef idx="2">
+              <a:schemeClr val="accent1">
+                <a:shade val="15000"/>
+              </a:schemeClr>
+            </a:lnRef>
+            <a:fillRef idx="1">
+              <a:schemeClr val="accent1"/>
+            </a:fillRef>
+            <a:effectRef idx="0">
+              <a:schemeClr val="accent1"/>
+            </a:effectRef>
+            <a:fontRef idx="minor">
+              <a:schemeClr val="lt1"/>
+            </a:fontRef>
+          </p:style>
+          <p:txBody>
+            <a:bodyPr rtlCol="0" anchor="ctr"/>
+            <a:lstStyle/>
+            <a:p>
+              <a:pPr algn="ctr"/>
+              <a:r>
+                <a:rPr lang="en-US" sz="1600" dirty="0">
+                  <a:latin typeface="Modern No. 20" panose="02070704070505020303" pitchFamily="18" charset="77"/>
+                </a:rPr>
+                <a:t>Ts</a:t>
+              </a:r>
+              <a:endParaRPr lang="en-US" dirty="0">
+                <a:latin typeface="Modern No. 20" panose="02070704070505020303" pitchFamily="18" charset="77"/>
+              </a:endParaRPr>
+            </a:p>
+          </p:txBody>
+        </p:sp>
+        <p:sp>
+          <p:nvSpPr>
+            <p:cNvPr id="45" name="Right Arrow 44">
+              <a:extLst>
+                <a:ext uri="{FF2B5EF4-FFF2-40B4-BE49-F238E27FC236}">
+                  <a16:creationId xmlns:a16="http://schemas.microsoft.com/office/drawing/2014/main" id="{34F8E07E-7832-B610-8AEF-A59442B53D30}"/>
+                </a:ext>
+              </a:extLst>
+            </p:cNvPr>
+            <p:cNvSpPr/>
+            <p:nvPr/>
+          </p:nvSpPr>
+          <p:spPr>
+            <a:xfrm rot="5400000" flipV="1">
+              <a:off x="8554201" y="6960756"/>
+              <a:ext cx="402336" cy="112247"/>
+            </a:xfrm>
+            <a:prstGeom prst="rightArrow">
+              <a:avLst/>
+            </a:prstGeom>
+          </p:spPr>
+          <p:style>
+            <a:lnRef idx="2">
+              <a:schemeClr val="dk1">
+                <a:shade val="15000"/>
+              </a:schemeClr>
+            </a:lnRef>
+            <a:fillRef idx="1">
+              <a:schemeClr val="dk1"/>
+            </a:fillRef>
+            <a:effectRef idx="0">
+              <a:schemeClr val="dk1"/>
+            </a:effectRef>
+            <a:fontRef idx="minor">
+              <a:schemeClr val="lt1"/>
+            </a:fontRef>
+          </p:style>
+          <p:txBody>
+            <a:bodyPr rtlCol="0" anchor="ctr"/>
+            <a:lstStyle/>
+            <a:p>
+              <a:pPr algn="ctr"/>
+              <a:endParaRPr lang="en-US" dirty="0"/>
+            </a:p>
+          </p:txBody>
+        </p:sp>
+        <p:sp>
+          <p:nvSpPr>
+            <p:cNvPr id="46" name="Right Arrow 45">
+              <a:extLst>
+                <a:ext uri="{FF2B5EF4-FFF2-40B4-BE49-F238E27FC236}">
+                  <a16:creationId xmlns:a16="http://schemas.microsoft.com/office/drawing/2014/main" id="{D9518525-8B66-4EAA-BAE3-6C20DA96C660}"/>
+                </a:ext>
+              </a:extLst>
+            </p:cNvPr>
+            <p:cNvSpPr/>
+            <p:nvPr/>
+          </p:nvSpPr>
+          <p:spPr>
+            <a:xfrm rot="5400000" flipV="1">
+              <a:off x="8136362" y="6960756"/>
+              <a:ext cx="402336" cy="112247"/>
+            </a:xfrm>
+            <a:prstGeom prst="rightArrow">
+              <a:avLst/>
+            </a:prstGeom>
+          </p:spPr>
+          <p:style>
+            <a:lnRef idx="2">
+              <a:schemeClr val="dk1">
+                <a:shade val="15000"/>
+              </a:schemeClr>
+            </a:lnRef>
+            <a:fillRef idx="1">
+              <a:schemeClr val="dk1"/>
+            </a:fillRef>
+            <a:effectRef idx="0">
+              <a:schemeClr val="dk1"/>
+            </a:effectRef>
+            <a:fontRef idx="minor">
+              <a:schemeClr val="lt1"/>
+            </a:fontRef>
+          </p:style>
+          <p:txBody>
+            <a:bodyPr rtlCol="0" anchor="ctr"/>
+            <a:lstStyle/>
+            <a:p>
+              <a:pPr algn="ctr"/>
+              <a:endParaRPr lang="en-US" dirty="0"/>
+            </a:p>
+          </p:txBody>
+        </p:sp>
+        <p:sp>
+          <p:nvSpPr>
+            <p:cNvPr id="47" name="Right Arrow 46">
+              <a:extLst>
+                <a:ext uri="{FF2B5EF4-FFF2-40B4-BE49-F238E27FC236}">
+                  <a16:creationId xmlns:a16="http://schemas.microsoft.com/office/drawing/2014/main" id="{F9E11317-E49E-98EB-0C17-99360D8E2674}"/>
+                </a:ext>
+              </a:extLst>
+            </p:cNvPr>
+            <p:cNvSpPr/>
+            <p:nvPr/>
+          </p:nvSpPr>
+          <p:spPr>
+            <a:xfrm rot="5400000" flipV="1">
+              <a:off x="7718522" y="6960756"/>
+              <a:ext cx="402336" cy="112247"/>
+            </a:xfrm>
+            <a:prstGeom prst="rightArrow">
+              <a:avLst/>
+            </a:prstGeom>
+          </p:spPr>
+          <p:style>
+            <a:lnRef idx="2">
+              <a:schemeClr val="dk1">
+                <a:shade val="15000"/>
+              </a:schemeClr>
+            </a:lnRef>
+            <a:fillRef idx="1">
+              <a:schemeClr val="dk1"/>
+            </a:fillRef>
+            <a:effectRef idx="0">
+              <a:schemeClr val="dk1"/>
+            </a:effectRef>
+            <a:fontRef idx="minor">
+              <a:schemeClr val="lt1"/>
+            </a:fontRef>
+          </p:style>
+          <p:txBody>
+            <a:bodyPr rtlCol="0" anchor="ctr"/>
+            <a:lstStyle/>
+            <a:p>
+              <a:pPr algn="ctr"/>
+              <a:endParaRPr lang="en-US" dirty="0"/>
+            </a:p>
+          </p:txBody>
+        </p:sp>
       </p:grpSp>
-      <p:sp>
-        <p:nvSpPr>
-          <p:cNvPr id="25" name="Parallelogram 24">
-            <a:extLst>
-              <a:ext uri="{FF2B5EF4-FFF2-40B4-BE49-F238E27FC236}">
-                <a16:creationId xmlns:a16="http://schemas.microsoft.com/office/drawing/2014/main" id="{D4F8CED8-2D30-1616-292F-617608673977}"/>
-              </a:ext>
-            </a:extLst>
-          </p:cNvPr>
-          <p:cNvSpPr/>
-          <p:nvPr/>
-        </p:nvSpPr>
-        <p:spPr>
-          <a:xfrm>
-            <a:off x="9318924" y="6253028"/>
-            <a:ext cx="2213817" cy="567159"/>
-          </a:xfrm>
-          <a:prstGeom prst="parallelogram">
-            <a:avLst/>
-          </a:prstGeom>
-          <a:ln w="9525">
-            <a:solidFill>
-              <a:schemeClr val="tx1"/>
-            </a:solidFill>
-          </a:ln>
-          <a:effectLst>
-            <a:outerShdw blurRad="50800" dist="38100" dir="5400000" algn="t" rotWithShape="0">
-              <a:prstClr val="black">
-                <a:alpha val="40000"/>
-              </a:prstClr>
-            </a:outerShdw>
-          </a:effectLst>
-        </p:spPr>
-        <p:style>
-          <a:lnRef idx="2">
-            <a:schemeClr val="accent1">
-              <a:shade val="15000"/>
-            </a:schemeClr>
-          </a:lnRef>
-          <a:fillRef idx="1">
-            <a:schemeClr val="accent1"/>
-          </a:fillRef>
-          <a:effectRef idx="0">
-            <a:schemeClr val="accent1"/>
-          </a:effectRef>
-          <a:fontRef idx="minor">
-            <a:schemeClr val="lt1"/>
-          </a:fontRef>
-        </p:style>
-        <p:txBody>
-          <a:bodyPr rtlCol="0" anchor="ctr"/>
-          <a:lstStyle/>
-          <a:p>
-            <a:pPr algn="ctr"/>
-            <a:r>
-              <a:rPr lang="en-US" dirty="0">
-                <a:latin typeface="Modern No. 20" panose="02070704070505020303" pitchFamily="18" charset="77"/>
-              </a:rPr>
-              <a:t>Filtered, Continuous Data</a:t>
-            </a:r>
-          </a:p>
-        </p:txBody>
-      </p:sp>
-      <p:sp>
-        <p:nvSpPr>
-          <p:cNvPr id="28" name="Right Arrow 27">
-            <a:extLst>
-              <a:ext uri="{FF2B5EF4-FFF2-40B4-BE49-F238E27FC236}">
-                <a16:creationId xmlns:a16="http://schemas.microsoft.com/office/drawing/2014/main" id="{7740637E-270C-5DC6-7D3A-02FEFED9A169}"/>
-              </a:ext>
-            </a:extLst>
-          </p:cNvPr>
-          <p:cNvSpPr/>
-          <p:nvPr/>
-        </p:nvSpPr>
-        <p:spPr>
-          <a:xfrm rot="6792669">
-            <a:off x="9864789" y="5822166"/>
-            <a:ext cx="201021" cy="107992"/>
-          </a:xfrm>
-          <a:prstGeom prst="rightArrow">
-            <a:avLst/>
-          </a:prstGeom>
-        </p:spPr>
-        <p:style>
-          <a:lnRef idx="2">
-            <a:schemeClr val="dk1">
-              <a:shade val="15000"/>
-            </a:schemeClr>
-          </a:lnRef>
-          <a:fillRef idx="1">
-            <a:schemeClr val="dk1"/>
-          </a:fillRef>
-          <a:effectRef idx="0">
-            <a:schemeClr val="dk1"/>
-          </a:effectRef>
-          <a:fontRef idx="minor">
-            <a:schemeClr val="lt1"/>
-          </a:fontRef>
-        </p:style>
-        <p:txBody>
-          <a:bodyPr rtlCol="0" anchor="ctr"/>
-          <a:lstStyle/>
-          <a:p>
-            <a:pPr algn="ctr"/>
-            <a:endParaRPr lang="en-US" dirty="0"/>
-          </a:p>
-        </p:txBody>
-      </p:sp>
     </p:spTree>
     <p:extLst>
       <p:ext uri="{BB962C8B-B14F-4D97-AF65-F5344CB8AC3E}">
@@ -14730,8 +14911,8 @@
             </a:p>
           </p:txBody>
         </p:sp>
-        <mc:AlternateContent xmlns:mc="http://schemas.openxmlformats.org/markup-compatibility/2006">
-          <mc:Choice xmlns:a14="http://schemas.microsoft.com/office/drawing/2010/main" Requires="a14">
+        <mc:AlternateContent xmlns:mc="http://schemas.openxmlformats.org/markup-compatibility/2006" xmlns:a14="http://schemas.microsoft.com/office/drawing/2010/main">
+          <mc:Choice Requires="a14">
             <p:sp>
               <p:nvSpPr>
                 <p:cNvPr id="6" name="Parallelogram 5">
@@ -14839,7 +15020,7 @@
               </p:txBody>
             </p:sp>
           </mc:Choice>
-          <mc:Fallback>
+          <mc:Fallback xmlns="">
             <p:sp>
               <p:nvSpPr>
                 <p:cNvPr id="6" name="Parallelogram 5">
@@ -15040,8 +15221,8 @@
             </a:p>
           </p:txBody>
         </p:sp>
-        <mc:AlternateContent xmlns:mc="http://schemas.openxmlformats.org/markup-compatibility/2006">
-          <mc:Choice xmlns:a14="http://schemas.microsoft.com/office/drawing/2010/main" Requires="a14">
+        <mc:AlternateContent xmlns:mc="http://schemas.openxmlformats.org/markup-compatibility/2006" xmlns:a14="http://schemas.microsoft.com/office/drawing/2010/main">
+          <mc:Choice Requires="a14">
             <p:sp>
               <p:nvSpPr>
                 <p:cNvPr id="18" name="Parallelogram 17">
@@ -15140,7 +15321,7 @@
               </p:txBody>
             </p:sp>
           </mc:Choice>
-          <mc:Fallback>
+          <mc:Fallback xmlns="">
             <p:sp>
               <p:nvSpPr>
                 <p:cNvPr id="18" name="Parallelogram 17">
@@ -15197,8 +15378,8 @@
             </p:sp>
           </mc:Fallback>
         </mc:AlternateContent>
-        <mc:AlternateContent xmlns:mc="http://schemas.openxmlformats.org/markup-compatibility/2006">
-          <mc:Choice xmlns:a14="http://schemas.microsoft.com/office/drawing/2010/main" Requires="a14">
+        <mc:AlternateContent xmlns:mc="http://schemas.openxmlformats.org/markup-compatibility/2006" xmlns:a14="http://schemas.microsoft.com/office/drawing/2010/main">
+          <mc:Choice Requires="a14">
             <p:sp>
               <p:nvSpPr>
                 <p:cNvPr id="19" name="Parallelogram 18">
@@ -15297,7 +15478,7 @@
               </p:txBody>
             </p:sp>
           </mc:Choice>
-          <mc:Fallback>
+          <mc:Fallback xmlns="">
             <p:sp>
               <p:nvSpPr>
                 <p:cNvPr id="19" name="Parallelogram 18">
@@ -15413,8 +15594,8 @@
             </a:p>
           </p:txBody>
         </p:sp>
-        <mc:AlternateContent xmlns:mc="http://schemas.openxmlformats.org/markup-compatibility/2006">
-          <mc:Choice xmlns:a14="http://schemas.microsoft.com/office/drawing/2010/main" Requires="a14">
+        <mc:AlternateContent xmlns:mc="http://schemas.openxmlformats.org/markup-compatibility/2006" xmlns:a14="http://schemas.microsoft.com/office/drawing/2010/main">
+          <mc:Choice Requires="a14">
             <p:sp>
               <p:nvSpPr>
                 <p:cNvPr id="21" name="Parallelogram 20">
@@ -15513,7 +15694,7 @@
               </p:txBody>
             </p:sp>
           </mc:Choice>
-          <mc:Fallback>
+          <mc:Fallback xmlns="">
             <p:sp>
               <p:nvSpPr>
                 <p:cNvPr id="21" name="Parallelogram 20">
@@ -16223,8 +16404,8 @@
             </a:fontRef>
           </p:style>
         </p:cxnSp>
-        <mc:AlternateContent xmlns:mc="http://schemas.openxmlformats.org/markup-compatibility/2006">
-          <mc:Choice xmlns:a14="http://schemas.microsoft.com/office/drawing/2010/main" Requires="a14">
+        <mc:AlternateContent xmlns:mc="http://schemas.openxmlformats.org/markup-compatibility/2006" xmlns:a14="http://schemas.microsoft.com/office/drawing/2010/main">
+          <mc:Choice Requires="a14">
             <p:sp>
               <p:nvSpPr>
                 <p:cNvPr id="223" name="Parallelogram 222">
@@ -16335,7 +16516,7 @@
               </p:txBody>
             </p:sp>
           </mc:Choice>
-          <mc:Fallback>
+          <mc:Fallback xmlns="">
             <p:sp>
               <p:nvSpPr>
                 <p:cNvPr id="223" name="Parallelogram 222">
@@ -16444,8 +16625,8 @@
             </a:p>
           </p:txBody>
         </p:sp>
-        <mc:AlternateContent xmlns:mc="http://schemas.openxmlformats.org/markup-compatibility/2006">
-          <mc:Choice xmlns:a14="http://schemas.microsoft.com/office/drawing/2010/main" Requires="a14">
+        <mc:AlternateContent xmlns:mc="http://schemas.openxmlformats.org/markup-compatibility/2006" xmlns:a14="http://schemas.microsoft.com/office/drawing/2010/main">
+          <mc:Choice Requires="a14">
             <p:sp>
               <p:nvSpPr>
                 <p:cNvPr id="242" name="TextBox 241">
@@ -16571,7 +16752,7 @@
               </p:txBody>
             </p:sp>
           </mc:Choice>
-          <mc:Fallback>
+          <mc:Fallback xmlns="">
             <p:sp>
               <p:nvSpPr>
                 <p:cNvPr id="242" name="TextBox 241">
@@ -16616,8 +16797,8 @@
             </p:sp>
           </mc:Fallback>
         </mc:AlternateContent>
-        <mc:AlternateContent xmlns:mc="http://schemas.openxmlformats.org/markup-compatibility/2006">
-          <mc:Choice xmlns:a14="http://schemas.microsoft.com/office/drawing/2010/main" Requires="a14">
+        <mc:AlternateContent xmlns:mc="http://schemas.openxmlformats.org/markup-compatibility/2006" xmlns:a14="http://schemas.microsoft.com/office/drawing/2010/main">
+          <mc:Choice Requires="a14">
             <p:sp>
               <p:nvSpPr>
                 <p:cNvPr id="249" name="TextBox 248">
@@ -16743,7 +16924,7 @@
               </p:txBody>
             </p:sp>
           </mc:Choice>
-          <mc:Fallback>
+          <mc:Fallback xmlns="">
             <p:sp>
               <p:nvSpPr>
                 <p:cNvPr id="249" name="TextBox 248">
@@ -16788,8 +16969,8 @@
             </p:sp>
           </mc:Fallback>
         </mc:AlternateContent>
-        <mc:AlternateContent xmlns:mc="http://schemas.openxmlformats.org/markup-compatibility/2006">
-          <mc:Choice xmlns:a14="http://schemas.microsoft.com/office/drawing/2010/main" Requires="a14">
+        <mc:AlternateContent xmlns:mc="http://schemas.openxmlformats.org/markup-compatibility/2006" xmlns:a14="http://schemas.microsoft.com/office/drawing/2010/main">
+          <mc:Choice Requires="a14">
             <p:sp>
               <p:nvSpPr>
                 <p:cNvPr id="253" name="TextBox 252">
@@ -16915,7 +17096,7 @@
               </p:txBody>
             </p:sp>
           </mc:Choice>
-          <mc:Fallback>
+          <mc:Fallback xmlns="">
             <p:sp>
               <p:nvSpPr>
                 <p:cNvPr id="253" name="TextBox 252">
@@ -16960,8 +17141,8 @@
             </p:sp>
           </mc:Fallback>
         </mc:AlternateContent>
-        <mc:AlternateContent xmlns:mc="http://schemas.openxmlformats.org/markup-compatibility/2006">
-          <mc:Choice xmlns:a14="http://schemas.microsoft.com/office/drawing/2010/main" Requires="a14">
+        <mc:AlternateContent xmlns:mc="http://schemas.openxmlformats.org/markup-compatibility/2006" xmlns:a14="http://schemas.microsoft.com/office/drawing/2010/main">
+          <mc:Choice Requires="a14">
             <p:sp>
               <p:nvSpPr>
                 <p:cNvPr id="254" name="TextBox 253">
@@ -17087,7 +17268,7 @@
               </p:txBody>
             </p:sp>
           </mc:Choice>
-          <mc:Fallback>
+          <mc:Fallback xmlns="">
             <p:sp>
               <p:nvSpPr>
                 <p:cNvPr id="254" name="TextBox 253">
@@ -17176,8 +17357,8 @@
             </a:fontRef>
           </p:style>
         </p:cxnSp>
-        <mc:AlternateContent xmlns:mc="http://schemas.openxmlformats.org/markup-compatibility/2006">
-          <mc:Choice xmlns:a14="http://schemas.microsoft.com/office/drawing/2010/main" Requires="a14">
+        <mc:AlternateContent xmlns:mc="http://schemas.openxmlformats.org/markup-compatibility/2006" xmlns:a14="http://schemas.microsoft.com/office/drawing/2010/main">
+          <mc:Choice Requires="a14">
             <p:sp>
               <p:nvSpPr>
                 <p:cNvPr id="264" name="TextBox 263">
@@ -17303,7 +17484,7 @@
               </p:txBody>
             </p:sp>
           </mc:Choice>
-          <mc:Fallback>
+          <mc:Fallback xmlns="">
             <p:sp>
               <p:nvSpPr>
                 <p:cNvPr id="264" name="TextBox 263">

--- a/examples/figures/wind_forecasting_figs [Autosaved].pptx
+++ b/examples/figures/wind_forecasting_figs [Autosaved].pptx
@@ -201,7 +201,7 @@
           <a:p>
             <a:fld id="{3380F61D-5888-4F45-B58C-AFF11477949F}" type="datetimeFigureOut">
               <a:rPr lang="en-US" smtClean="0"/>
-              <a:t>5/8/25</a:t>
+              <a:t>5/27/25</a:t>
             </a:fld>
             <a:endParaRPr lang="en-US"/>
           </a:p>
@@ -791,7 +791,7 @@
           <a:p>
             <a:fld id="{09A208B9-A1FD-A545-84FD-D19EFD3032C3}" type="datetimeFigureOut">
               <a:rPr lang="en-US" smtClean="0"/>
-              <a:t>5/8/25</a:t>
+              <a:t>5/27/25</a:t>
             </a:fld>
             <a:endParaRPr lang="en-US"/>
           </a:p>
@@ -961,7 +961,7 @@
           <a:p>
             <a:fld id="{09A208B9-A1FD-A545-84FD-D19EFD3032C3}" type="datetimeFigureOut">
               <a:rPr lang="en-US" smtClean="0"/>
-              <a:t>5/8/25</a:t>
+              <a:t>5/27/25</a:t>
             </a:fld>
             <a:endParaRPr lang="en-US"/>
           </a:p>
@@ -1141,7 +1141,7 @@
           <a:p>
             <a:fld id="{09A208B9-A1FD-A545-84FD-D19EFD3032C3}" type="datetimeFigureOut">
               <a:rPr lang="en-US" smtClean="0"/>
-              <a:t>5/8/25</a:t>
+              <a:t>5/27/25</a:t>
             </a:fld>
             <a:endParaRPr lang="en-US"/>
           </a:p>
@@ -1311,7 +1311,7 @@
           <a:p>
             <a:fld id="{09A208B9-A1FD-A545-84FD-D19EFD3032C3}" type="datetimeFigureOut">
               <a:rPr lang="en-US" smtClean="0"/>
-              <a:t>5/8/25</a:t>
+              <a:t>5/27/25</a:t>
             </a:fld>
             <a:endParaRPr lang="en-US"/>
           </a:p>
@@ -1557,7 +1557,7 @@
           <a:p>
             <a:fld id="{09A208B9-A1FD-A545-84FD-D19EFD3032C3}" type="datetimeFigureOut">
               <a:rPr lang="en-US" smtClean="0"/>
-              <a:t>5/8/25</a:t>
+              <a:t>5/27/25</a:t>
             </a:fld>
             <a:endParaRPr lang="en-US"/>
           </a:p>
@@ -1789,7 +1789,7 @@
           <a:p>
             <a:fld id="{09A208B9-A1FD-A545-84FD-D19EFD3032C3}" type="datetimeFigureOut">
               <a:rPr lang="en-US" smtClean="0"/>
-              <a:t>5/8/25</a:t>
+              <a:t>5/27/25</a:t>
             </a:fld>
             <a:endParaRPr lang="en-US"/>
           </a:p>
@@ -2156,7 +2156,7 @@
           <a:p>
             <a:fld id="{09A208B9-A1FD-A545-84FD-D19EFD3032C3}" type="datetimeFigureOut">
               <a:rPr lang="en-US" smtClean="0"/>
-              <a:t>5/8/25</a:t>
+              <a:t>5/27/25</a:t>
             </a:fld>
             <a:endParaRPr lang="en-US"/>
           </a:p>
@@ -2274,7 +2274,7 @@
           <a:p>
             <a:fld id="{09A208B9-A1FD-A545-84FD-D19EFD3032C3}" type="datetimeFigureOut">
               <a:rPr lang="en-US" smtClean="0"/>
-              <a:t>5/8/25</a:t>
+              <a:t>5/27/25</a:t>
             </a:fld>
             <a:endParaRPr lang="en-US"/>
           </a:p>
@@ -2369,7 +2369,7 @@
           <a:p>
             <a:fld id="{09A208B9-A1FD-A545-84FD-D19EFD3032C3}" type="datetimeFigureOut">
               <a:rPr lang="en-US" smtClean="0"/>
-              <a:t>5/8/25</a:t>
+              <a:t>5/27/25</a:t>
             </a:fld>
             <a:endParaRPr lang="en-US"/>
           </a:p>
@@ -2646,7 +2646,7 @@
           <a:p>
             <a:fld id="{09A208B9-A1FD-A545-84FD-D19EFD3032C3}" type="datetimeFigureOut">
               <a:rPr lang="en-US" smtClean="0"/>
-              <a:t>5/8/25</a:t>
+              <a:t>5/27/25</a:t>
             </a:fld>
             <a:endParaRPr lang="en-US"/>
           </a:p>
@@ -2903,7 +2903,7 @@
           <a:p>
             <a:fld id="{09A208B9-A1FD-A545-84FD-D19EFD3032C3}" type="datetimeFigureOut">
               <a:rPr lang="en-US" smtClean="0"/>
-              <a:t>5/8/25</a:t>
+              <a:t>5/27/25</a:t>
             </a:fld>
             <a:endParaRPr lang="en-US"/>
           </a:p>
@@ -3116,7 +3116,7 @@
           <a:p>
             <a:fld id="{09A208B9-A1FD-A545-84FD-D19EFD3032C3}" type="datetimeFigureOut">
               <a:rPr lang="en-US" smtClean="0"/>
-              <a:t>5/8/25</a:t>
+              <a:t>5/27/25</a:t>
             </a:fld>
             <a:endParaRPr lang="en-US"/>
           </a:p>
@@ -9250,10 +9250,10 @@
       </p:sp>
       <p:grpSp>
         <p:nvGrpSpPr>
-          <p:cNvPr id="276" name="Group 275">
+          <p:cNvPr id="35" name="Group 34">
             <a:extLst>
               <a:ext uri="{FF2B5EF4-FFF2-40B4-BE49-F238E27FC236}">
-                <a16:creationId xmlns:a16="http://schemas.microsoft.com/office/drawing/2014/main" id="{E9308D6D-211C-6A76-C222-DBF34B5E7733}"/>
+                <a16:creationId xmlns:a16="http://schemas.microsoft.com/office/drawing/2014/main" id="{CC9D99D0-3E04-E878-4A25-9A00F489C51A}"/>
               </a:ext>
             </a:extLst>
           </p:cNvPr>
@@ -9262,10 +9262,10 @@
         </p:nvGrpSpPr>
         <p:grpSpPr>
           <a:xfrm>
-            <a:off x="548640" y="433002"/>
-            <a:ext cx="7391034" cy="11684137"/>
-            <a:chOff x="548640" y="433002"/>
-            <a:chExt cx="7391034" cy="11684137"/>
+            <a:off x="548640" y="36762"/>
+            <a:ext cx="7391034" cy="12080377"/>
+            <a:chOff x="548640" y="36762"/>
+            <a:chExt cx="7391034" cy="12080377"/>
           </a:xfrm>
         </p:grpSpPr>
         <p:sp>
@@ -9282,7 +9282,7 @@
           </p:nvSpPr>
           <p:spPr>
             <a:xfrm>
-              <a:off x="548640" y="4565546"/>
+              <a:off x="548640" y="4575706"/>
               <a:ext cx="2599578" cy="4208196"/>
             </a:xfrm>
             <a:prstGeom prst="roundRect">
@@ -9338,7 +9338,7 @@
           </p:nvSpPr>
           <p:spPr>
             <a:xfrm>
-              <a:off x="819079" y="4796177"/>
+              <a:off x="819079" y="4806337"/>
               <a:ext cx="2599578" cy="4208196"/>
             </a:xfrm>
             <a:prstGeom prst="roundRect">
@@ -9394,7 +9394,7 @@
           </p:nvSpPr>
           <p:spPr>
             <a:xfrm>
-              <a:off x="1101458" y="5026253"/>
+              <a:off x="1101458" y="5036413"/>
               <a:ext cx="2599578" cy="4208196"/>
             </a:xfrm>
             <a:prstGeom prst="roundRect">
@@ -9444,8 +9444,8 @@
           </p:nvSpPr>
           <p:spPr>
             <a:xfrm>
-              <a:off x="5340096" y="2636162"/>
-              <a:ext cx="2599578" cy="6039346"/>
+              <a:off x="5340096" y="2239921"/>
+              <a:ext cx="2599578" cy="6439309"/>
             </a:xfrm>
             <a:prstGeom prst="roundRect">
               <a:avLst/>
@@ -9500,8 +9500,8 @@
           </p:nvSpPr>
           <p:spPr>
             <a:xfrm>
-              <a:off x="5065776" y="2864762"/>
-              <a:ext cx="2599578" cy="6039346"/>
+              <a:off x="5065776" y="2468521"/>
+              <a:ext cx="2599578" cy="6439309"/>
             </a:xfrm>
             <a:prstGeom prst="roundRect">
               <a:avLst/>
@@ -9556,8 +9556,8 @@
           </p:nvSpPr>
           <p:spPr>
             <a:xfrm>
-              <a:off x="4795405" y="3097900"/>
-              <a:ext cx="2599578" cy="6136549"/>
+              <a:off x="4795405" y="2701660"/>
+              <a:ext cx="2599578" cy="6542949"/>
             </a:xfrm>
             <a:prstGeom prst="roundRect">
               <a:avLst/>
@@ -9653,8 +9653,8 @@
             </a:p>
           </p:txBody>
         </p:sp>
-        <mc:AlternateContent xmlns:mc="http://schemas.openxmlformats.org/markup-compatibility/2006" xmlns:a14="http://schemas.microsoft.com/office/drawing/2010/main">
-          <mc:Choice Requires="a14">
+        <mc:AlternateContent xmlns:mc="http://schemas.openxmlformats.org/markup-compatibility/2006">
+          <mc:Choice xmlns:a14="http://schemas.microsoft.com/office/drawing/2010/main" Requires="a14">
             <p:sp>
               <p:nvSpPr>
                 <p:cNvPr id="6" name="Parallelogram 5">
@@ -9762,7 +9762,7 @@
               </p:txBody>
             </p:sp>
           </mc:Choice>
-          <mc:Fallback xmlns="">
+          <mc:Fallback>
             <p:sp>
               <p:nvSpPr>
                 <p:cNvPr id="6" name="Parallelogram 5">
@@ -9833,7 +9833,7 @@
           </p:nvSpPr>
           <p:spPr>
             <a:xfrm>
-              <a:off x="1558718" y="8082932"/>
+              <a:off x="1558718" y="8093092"/>
               <a:ext cx="1710165" cy="601883"/>
             </a:xfrm>
             <a:prstGeom prst="rect">
@@ -9881,7 +9881,7 @@
                 <a:rPr lang="en-US" dirty="0">
                   <a:latin typeface="Modern No. 20" panose="02070704070505020303" pitchFamily="18" charset="77"/>
                 </a:rPr>
-                <a:t>Multi-Head Attention</a:t>
+                <a:t>Multi-Head Self-Attention</a:t>
               </a:r>
             </a:p>
           </p:txBody>
@@ -9900,7 +9900,7 @@
           </p:nvSpPr>
           <p:spPr>
             <a:xfrm>
-              <a:off x="1558719" y="7190782"/>
+              <a:off x="1558719" y="7200942"/>
               <a:ext cx="1710165" cy="601883"/>
             </a:xfrm>
             <a:prstGeom prst="rect">
@@ -9967,7 +9967,7 @@
           </p:nvSpPr>
           <p:spPr>
             <a:xfrm>
-              <a:off x="1560568" y="6284998"/>
+              <a:off x="1560568" y="6295158"/>
               <a:ext cx="1710165" cy="601883"/>
             </a:xfrm>
             <a:prstGeom prst="rect">
@@ -10034,7 +10034,7 @@
           </p:nvSpPr>
           <p:spPr>
             <a:xfrm>
-              <a:off x="1560571" y="5382174"/>
+              <a:off x="1560571" y="5392334"/>
               <a:ext cx="1710165" cy="601883"/>
             </a:xfrm>
             <a:prstGeom prst="rect">
@@ -10101,7 +10101,74 @@
           </p:nvSpPr>
           <p:spPr>
             <a:xfrm>
-              <a:off x="5260063" y="8082931"/>
+              <a:off x="5260063" y="7749083"/>
+              <a:ext cx="1710165" cy="902823"/>
+            </a:xfrm>
+            <a:prstGeom prst="rect">
+              <a:avLst/>
+            </a:prstGeom>
+            <a:solidFill>
+              <a:schemeClr val="accent4">
+                <a:lumMod val="60000"/>
+                <a:lumOff val="40000"/>
+              </a:schemeClr>
+            </a:solidFill>
+            <a:ln w="9525">
+              <a:solidFill>
+                <a:schemeClr val="tx1"/>
+              </a:solidFill>
+            </a:ln>
+            <a:effectLst>
+              <a:outerShdw blurRad="50800" dist="38100" dir="5400000" algn="t" rotWithShape="0">
+                <a:prstClr val="black">
+                  <a:alpha val="40000"/>
+                </a:prstClr>
+              </a:outerShdw>
+            </a:effectLst>
+          </p:spPr>
+          <p:style>
+            <a:lnRef idx="3">
+              <a:schemeClr val="lt1"/>
+            </a:lnRef>
+            <a:fillRef idx="1">
+              <a:schemeClr val="accent5"/>
+            </a:fillRef>
+            <a:effectRef idx="1">
+              <a:schemeClr val="accent5"/>
+            </a:effectRef>
+            <a:fontRef idx="minor">
+              <a:schemeClr val="lt1"/>
+            </a:fontRef>
+          </p:style>
+          <p:txBody>
+            <a:bodyPr rtlCol="0" anchor="ctr"/>
+            <a:lstStyle/>
+            <a:p>
+              <a:pPr algn="ctr"/>
+              <a:r>
+                <a:rPr lang="en-US" dirty="0">
+                  <a:latin typeface="Modern No. 20" panose="02070704070505020303" pitchFamily="18" charset="77"/>
+                </a:rPr>
+                <a:t>Masked Multi-Head Self-Attention</a:t>
+              </a:r>
+            </a:p>
+          </p:txBody>
+        </p:sp>
+        <p:sp>
+          <p:nvSpPr>
+            <p:cNvPr id="13" name="Rectangle 12">
+              <a:extLst>
+                <a:ext uri="{FF2B5EF4-FFF2-40B4-BE49-F238E27FC236}">
+                  <a16:creationId xmlns:a16="http://schemas.microsoft.com/office/drawing/2014/main" id="{18D7AB7A-C59A-564C-FE7E-08AA1D204389}"/>
+                </a:ext>
+              </a:extLst>
+            </p:cNvPr>
+            <p:cNvSpPr/>
+            <p:nvPr/>
+          </p:nvSpPr>
+          <p:spPr>
+            <a:xfrm>
+              <a:off x="5258216" y="5695166"/>
               <a:ext cx="1710165" cy="601883"/>
             </a:xfrm>
             <a:prstGeom prst="rect">
@@ -10149,74 +10216,7 @@
                 <a:rPr lang="en-US" dirty="0">
                   <a:latin typeface="Modern No. 20" panose="02070704070505020303" pitchFamily="18" charset="77"/>
                 </a:rPr>
-                <a:t>Masked Multi-Head Attention</a:t>
-              </a:r>
-            </a:p>
-          </p:txBody>
-        </p:sp>
-        <p:sp>
-          <p:nvSpPr>
-            <p:cNvPr id="13" name="Rectangle 12">
-              <a:extLst>
-                <a:ext uri="{FF2B5EF4-FFF2-40B4-BE49-F238E27FC236}">
-                  <a16:creationId xmlns:a16="http://schemas.microsoft.com/office/drawing/2014/main" id="{18D7AB7A-C59A-564C-FE7E-08AA1D204389}"/>
-                </a:ext>
-              </a:extLst>
-            </p:cNvPr>
-            <p:cNvSpPr/>
-            <p:nvPr/>
-          </p:nvSpPr>
-          <p:spPr>
-            <a:xfrm>
-              <a:off x="5258216" y="6091406"/>
-              <a:ext cx="1710165" cy="601883"/>
-            </a:xfrm>
-            <a:prstGeom prst="rect">
-              <a:avLst/>
-            </a:prstGeom>
-            <a:solidFill>
-              <a:schemeClr val="accent4">
-                <a:lumMod val="60000"/>
-                <a:lumOff val="40000"/>
-              </a:schemeClr>
-            </a:solidFill>
-            <a:ln w="9525">
-              <a:solidFill>
-                <a:schemeClr val="tx1"/>
-              </a:solidFill>
-            </a:ln>
-            <a:effectLst>
-              <a:outerShdw blurRad="50800" dist="38100" dir="5400000" algn="t" rotWithShape="0">
-                <a:prstClr val="black">
-                  <a:alpha val="40000"/>
-                </a:prstClr>
-              </a:outerShdw>
-            </a:effectLst>
-          </p:spPr>
-          <p:style>
-            <a:lnRef idx="3">
-              <a:schemeClr val="lt1"/>
-            </a:lnRef>
-            <a:fillRef idx="1">
-              <a:schemeClr val="accent5"/>
-            </a:fillRef>
-            <a:effectRef idx="1">
-              <a:schemeClr val="accent5"/>
-            </a:effectRef>
-            <a:fontRef idx="minor">
-              <a:schemeClr val="lt1"/>
-            </a:fontRef>
-          </p:style>
-          <p:txBody>
-            <a:bodyPr rtlCol="0" anchor="ctr"/>
-            <a:lstStyle/>
-            <a:p>
-              <a:pPr algn="ctr"/>
-              <a:r>
-                <a:rPr lang="en-US" dirty="0">
-                  <a:latin typeface="Modern No. 20" panose="02070704070505020303" pitchFamily="18" charset="77"/>
-                </a:rPr>
-                <a:t>Multi-Head Attention</a:t>
+                <a:t>Multi-Head Cross-Attention</a:t>
               </a:r>
             </a:p>
           </p:txBody>
@@ -10235,7 +10235,7 @@
           </p:nvSpPr>
           <p:spPr>
             <a:xfrm>
-              <a:off x="5260067" y="4293473"/>
+              <a:off x="5260067" y="3897233"/>
               <a:ext cx="1710165" cy="601883"/>
             </a:xfrm>
             <a:prstGeom prst="rect">
@@ -10302,7 +10302,7 @@
           </p:nvSpPr>
           <p:spPr>
             <a:xfrm>
-              <a:off x="5258216" y="7188212"/>
+              <a:off x="5258216" y="6791972"/>
               <a:ext cx="1710165" cy="601883"/>
             </a:xfrm>
             <a:prstGeom prst="rect">
@@ -10369,7 +10369,7 @@
           </p:nvSpPr>
           <p:spPr>
             <a:xfrm>
-              <a:off x="5258215" y="5188582"/>
+              <a:off x="5258215" y="4792342"/>
               <a:ext cx="1710165" cy="601883"/>
             </a:xfrm>
             <a:prstGeom prst="rect">
@@ -10436,7 +10436,7 @@
           </p:nvSpPr>
           <p:spPr>
             <a:xfrm>
-              <a:off x="5258214" y="3390454"/>
+              <a:off x="5258214" y="2994214"/>
               <a:ext cx="1710165" cy="601883"/>
             </a:xfrm>
             <a:prstGeom prst="rect">
@@ -10489,8 +10489,8 @@
             </a:p>
           </p:txBody>
         </p:sp>
-        <mc:AlternateContent xmlns:mc="http://schemas.openxmlformats.org/markup-compatibility/2006" xmlns:a14="http://schemas.microsoft.com/office/drawing/2010/main">
-          <mc:Choice Requires="a14">
+        <mc:AlternateContent xmlns:mc="http://schemas.openxmlformats.org/markup-compatibility/2006">
+          <mc:Choice xmlns:a14="http://schemas.microsoft.com/office/drawing/2010/main" Requires="a14">
             <p:sp>
               <p:nvSpPr>
                 <p:cNvPr id="18" name="Parallelogram 17">
@@ -10589,7 +10589,7 @@
               </p:txBody>
             </p:sp>
           </mc:Choice>
-          <mc:Fallback xmlns="">
+          <mc:Fallback>
             <p:sp>
               <p:nvSpPr>
                 <p:cNvPr id="18" name="Parallelogram 17">
@@ -10646,8 +10646,8 @@
             </p:sp>
           </mc:Fallback>
         </mc:AlternateContent>
-        <mc:AlternateContent xmlns:mc="http://schemas.openxmlformats.org/markup-compatibility/2006" xmlns:a14="http://schemas.microsoft.com/office/drawing/2010/main">
-          <mc:Choice Requires="a14">
+        <mc:AlternateContent xmlns:mc="http://schemas.openxmlformats.org/markup-compatibility/2006">
+          <mc:Choice xmlns:a14="http://schemas.microsoft.com/office/drawing/2010/main" Requires="a14">
             <p:sp>
               <p:nvSpPr>
                 <p:cNvPr id="19" name="Parallelogram 18">
@@ -10746,7 +10746,7 @@
               </p:txBody>
             </p:sp>
           </mc:Choice>
-          <mc:Fallback xmlns="">
+          <mc:Fallback>
             <p:sp>
               <p:nvSpPr>
                 <p:cNvPr id="19" name="Parallelogram 18">
@@ -10864,8 +10864,8 @@
             </a:p>
           </p:txBody>
         </p:sp>
-        <mc:AlternateContent xmlns:mc="http://schemas.openxmlformats.org/markup-compatibility/2006" xmlns:a14="http://schemas.microsoft.com/office/drawing/2010/main">
-          <mc:Choice Requires="a14">
+        <mc:AlternateContent xmlns:mc="http://schemas.openxmlformats.org/markup-compatibility/2006">
+          <mc:Choice xmlns:a14="http://schemas.microsoft.com/office/drawing/2010/main" Requires="a14">
             <p:sp>
               <p:nvSpPr>
                 <p:cNvPr id="21" name="Parallelogram 20">
@@ -10964,7 +10964,7 @@
               </p:txBody>
             </p:sp>
           </mc:Choice>
-          <mc:Fallback xmlns="">
+          <mc:Fallback>
             <p:sp>
               <p:nvSpPr>
                 <p:cNvPr id="21" name="Parallelogram 20">
@@ -11131,7 +11131,7 @@
           </p:nvCxnSpPr>
           <p:spPr>
             <a:xfrm flipV="1">
-              <a:off x="2413801" y="7792665"/>
+              <a:off x="2413801" y="7802825"/>
               <a:ext cx="1" cy="290267"/>
             </a:xfrm>
             <a:prstGeom prst="straightConnector1">
@@ -11177,7 +11177,7 @@
           </p:nvCxnSpPr>
           <p:spPr>
             <a:xfrm flipV="1">
-              <a:off x="2413802" y="6886881"/>
+              <a:off x="2413802" y="6897041"/>
               <a:ext cx="1849" cy="303901"/>
             </a:xfrm>
             <a:prstGeom prst="straightConnector1">
@@ -11223,7 +11223,7 @@
           </p:nvCxnSpPr>
           <p:spPr>
             <a:xfrm flipV="1">
-              <a:off x="2415651" y="5984057"/>
+              <a:off x="2415651" y="5994217"/>
               <a:ext cx="3" cy="300941"/>
             </a:xfrm>
             <a:prstGeom prst="straightConnector1">
@@ -11269,7 +11269,7 @@
           </p:nvCxnSpPr>
           <p:spPr>
             <a:xfrm flipH="1" flipV="1">
-              <a:off x="6113297" y="3992337"/>
+              <a:off x="6113297" y="3596097"/>
               <a:ext cx="1853" cy="301136"/>
             </a:xfrm>
             <a:prstGeom prst="straightConnector1">
@@ -11315,7 +11315,7 @@
           </p:nvCxnSpPr>
           <p:spPr>
             <a:xfrm flipV="1">
-              <a:off x="6113298" y="4895356"/>
+              <a:off x="6113298" y="4499116"/>
               <a:ext cx="1852" cy="293226"/>
             </a:xfrm>
             <a:prstGeom prst="straightConnector1">
@@ -11361,7 +11361,7 @@
           </p:nvCxnSpPr>
           <p:spPr>
             <a:xfrm flipH="1" flipV="1">
-              <a:off x="6113298" y="5790465"/>
+              <a:off x="6113298" y="5394225"/>
               <a:ext cx="1" cy="300941"/>
             </a:xfrm>
             <a:prstGeom prst="straightConnector1">
@@ -11407,8 +11407,8 @@
           </p:nvCxnSpPr>
           <p:spPr>
             <a:xfrm flipH="1" flipV="1">
-              <a:off x="6113299" y="7790095"/>
-              <a:ext cx="1847" cy="292836"/>
+              <a:off x="6113299" y="7393855"/>
+              <a:ext cx="1847" cy="355228"/>
             </a:xfrm>
             <a:prstGeom prst="straightConnector1">
               <a:avLst/>
@@ -11541,7 +11541,7 @@
           </p:nvSpPr>
           <p:spPr>
             <a:xfrm>
-              <a:off x="6133497" y="6715609"/>
+              <a:off x="6133497" y="6319369"/>
               <a:ext cx="344269" cy="369332"/>
             </a:xfrm>
             <a:prstGeom prst="rect">
@@ -11584,7 +11584,7 @@
           </p:nvCxnSpPr>
           <p:spPr>
             <a:xfrm rot="16200000" flipV="1">
-              <a:off x="1086250" y="7964193"/>
+              <a:off x="1086250" y="7974353"/>
               <a:ext cx="1795724" cy="850785"/>
             </a:xfrm>
             <a:prstGeom prst="bentConnector4">
@@ -11633,7 +11633,7 @@
           </p:nvCxnSpPr>
           <p:spPr>
             <a:xfrm rot="5400000" flipH="1" flipV="1">
-              <a:off x="5878520" y="6045151"/>
+              <a:off x="5878520" y="5648911"/>
               <a:ext cx="1645486" cy="534233"/>
             </a:xfrm>
             <a:prstGeom prst="bentConnector4">
@@ -11682,13 +11682,13 @@
           </p:nvCxnSpPr>
           <p:spPr>
             <a:xfrm rot="16200000" flipH="1">
-              <a:off x="2610528" y="3803446"/>
-              <a:ext cx="2491445" cy="4015645"/>
+              <a:off x="2792944" y="3631190"/>
+              <a:ext cx="2077825" cy="3966856"/>
             </a:xfrm>
             <a:prstGeom prst="bentConnector4">
               <a:avLst>
-                <a:gd name="adj1" fmla="val -9175"/>
-                <a:gd name="adj2" fmla="val 66184"/>
+                <a:gd name="adj1" fmla="val -11002"/>
+                <a:gd name="adj2" fmla="val 66383"/>
               </a:avLst>
             </a:prstGeom>
             <a:ln w="38100">
@@ -11730,7 +11730,7 @@
           </p:nvCxnSpPr>
           <p:spPr>
             <a:xfrm flipV="1">
-              <a:off x="6113294" y="6690176"/>
+              <a:off x="6113294" y="6293936"/>
               <a:ext cx="0" cy="384048"/>
             </a:xfrm>
             <a:prstGeom prst="straightConnector1">
@@ -11775,7 +11775,7 @@
           </p:nvCxnSpPr>
           <p:spPr>
             <a:xfrm rot="5400000" flipH="1" flipV="1">
-              <a:off x="6024119" y="6778186"/>
+              <a:off x="6024119" y="6381946"/>
               <a:ext cx="499206" cy="320846"/>
             </a:xfrm>
             <a:prstGeom prst="bentConnector3">
@@ -11822,7 +11822,7 @@
           </p:nvCxnSpPr>
           <p:spPr>
             <a:xfrm rot="10800000">
-              <a:off x="5822964" y="6690176"/>
+              <a:off x="5822964" y="6293936"/>
               <a:ext cx="290330" cy="365760"/>
             </a:xfrm>
             <a:prstGeom prst="bentConnector2">
@@ -11865,7 +11865,7 @@
           </p:nvSpPr>
           <p:spPr>
             <a:xfrm>
-              <a:off x="5516592" y="6724087"/>
+              <a:off x="5516592" y="6327847"/>
               <a:ext cx="759531" cy="369332"/>
             </a:xfrm>
             <a:prstGeom prst="rect">
@@ -11908,7 +11908,7 @@
           </p:nvCxnSpPr>
           <p:spPr>
             <a:xfrm flipH="1" flipV="1">
-              <a:off x="2413800" y="5085337"/>
+              <a:off x="2413800" y="5095497"/>
               <a:ext cx="1" cy="296837"/>
             </a:xfrm>
             <a:prstGeom prst="straightConnector1">
@@ -11953,7 +11953,7 @@
           </p:nvCxnSpPr>
           <p:spPr>
             <a:xfrm flipH="1" flipV="1">
-              <a:off x="1848429" y="4565546"/>
+              <a:off x="1848429" y="4575706"/>
               <a:ext cx="565371" cy="531027"/>
             </a:xfrm>
             <a:prstGeom prst="straightConnector1">
@@ -11997,7 +11997,7 @@
           </p:nvCxnSpPr>
           <p:spPr>
             <a:xfrm flipH="1" flipV="1">
-              <a:off x="6113293" y="3097900"/>
+              <a:off x="6113293" y="2701660"/>
               <a:ext cx="1" cy="296837"/>
             </a:xfrm>
             <a:prstGeom prst="straightConnector1">
@@ -12042,8 +12042,8 @@
           </p:nvCxnSpPr>
           <p:spPr>
             <a:xfrm flipV="1">
-              <a:off x="6095194" y="2636162"/>
-              <a:ext cx="544691" cy="506830"/>
+              <a:off x="6095194" y="2239921"/>
+              <a:ext cx="544691" cy="506831"/>
             </a:xfrm>
             <a:prstGeom prst="straightConnector1">
               <a:avLst/>
@@ -12084,7 +12084,7 @@
           </p:nvGrpSpPr>
           <p:grpSpPr>
             <a:xfrm>
-              <a:off x="5796151" y="8685071"/>
+              <a:off x="5796151" y="8674911"/>
               <a:ext cx="648323" cy="977803"/>
               <a:chOff x="2055807" y="8826741"/>
               <a:chExt cx="648323" cy="977803"/>
@@ -12242,13 +12242,13 @@
           </p:nvCxnSpPr>
           <p:spPr>
             <a:xfrm rot="5400000" flipH="1" flipV="1">
-              <a:off x="5742429" y="7866195"/>
-              <a:ext cx="1602993" cy="848912"/>
+              <a:off x="5547535" y="7658675"/>
+              <a:ext cx="1986607" cy="855086"/>
             </a:xfrm>
             <a:prstGeom prst="bentConnector4">
               <a:avLst>
-                <a:gd name="adj1" fmla="val 2858"/>
-                <a:gd name="adj2" fmla="val 126929"/>
+                <a:gd name="adj1" fmla="val 1512"/>
+                <a:gd name="adj2" fmla="val 126734"/>
               </a:avLst>
             </a:prstGeom>
             <a:ln w="38100">
@@ -12288,7 +12288,7 @@
           </p:nvSpPr>
           <p:spPr>
             <a:xfrm>
-              <a:off x="5892286" y="8863815"/>
+              <a:off x="5892286" y="8861275"/>
               <a:ext cx="148420" cy="121940"/>
             </a:xfrm>
             <a:prstGeom prst="rect">
@@ -12340,7 +12340,7 @@
           </p:nvSpPr>
           <p:spPr>
             <a:xfrm>
-              <a:off x="6200370" y="8851792"/>
+              <a:off x="6200370" y="8849252"/>
               <a:ext cx="173949" cy="123942"/>
             </a:xfrm>
             <a:prstGeom prst="rect">
@@ -12392,7 +12392,7 @@
           </p:nvSpPr>
           <p:spPr>
             <a:xfrm>
-              <a:off x="697602" y="3798160"/>
+              <a:off x="697602" y="3808320"/>
               <a:ext cx="1177317" cy="707886"/>
             </a:xfrm>
             <a:prstGeom prst="rect">
@@ -12429,7 +12429,7 @@
           </p:nvSpPr>
           <p:spPr>
             <a:xfrm>
-              <a:off x="4348512" y="2101059"/>
+              <a:off x="4348512" y="1704819"/>
               <a:ext cx="1315890" cy="707886"/>
             </a:xfrm>
             <a:prstGeom prst="rect">
@@ -12466,7 +12466,7 @@
           </p:nvSpPr>
           <p:spPr>
             <a:xfrm>
-              <a:off x="5765320" y="1418781"/>
+              <a:off x="5765320" y="1022541"/>
               <a:ext cx="1710165" cy="601883"/>
             </a:xfrm>
             <a:prstGeom prst="rect">
@@ -12535,7 +12535,7 @@
           </p:nvCxnSpPr>
           <p:spPr>
             <a:xfrm flipH="1" flipV="1">
-              <a:off x="6620403" y="2020664"/>
+              <a:off x="6620403" y="1624424"/>
               <a:ext cx="1847" cy="642589"/>
             </a:xfrm>
             <a:prstGeom prst="straightConnector1">
@@ -12563,8 +12563,8 @@
             </a:fontRef>
           </p:style>
         </p:cxnSp>
-        <mc:AlternateContent xmlns:mc="http://schemas.openxmlformats.org/markup-compatibility/2006" xmlns:a14="http://schemas.microsoft.com/office/drawing/2010/main">
-          <mc:Choice Requires="a14">
+        <mc:AlternateContent xmlns:mc="http://schemas.openxmlformats.org/markup-compatibility/2006">
+          <mc:Choice xmlns:a14="http://schemas.microsoft.com/office/drawing/2010/main" Requires="a14">
             <p:sp>
               <p:nvSpPr>
                 <p:cNvPr id="223" name="Parallelogram 222">
@@ -12579,7 +12579,7 @@
               </p:nvSpPr>
               <p:spPr>
                 <a:xfrm>
-                  <a:off x="5750334" y="433002"/>
+                  <a:off x="5750334" y="36762"/>
                   <a:ext cx="1710164" cy="567159"/>
                 </a:xfrm>
                 <a:prstGeom prst="parallelogram">
@@ -12675,7 +12675,7 @@
               </p:txBody>
             </p:sp>
           </mc:Choice>
-          <mc:Fallback xmlns="">
+          <mc:Fallback>
             <p:sp>
               <p:nvSpPr>
                 <p:cNvPr id="223" name="Parallelogram 222">
@@ -12692,7 +12692,7 @@
               </p:nvSpPr>
               <p:spPr>
                 <a:xfrm>
-                  <a:off x="5750334" y="433002"/>
+                  <a:off x="5750334" y="36762"/>
                   <a:ext cx="1710164" cy="567159"/>
                 </a:xfrm>
                 <a:prstGeom prst="parallelogram">
@@ -12746,7 +12746,7 @@
           </p:nvSpPr>
           <p:spPr>
             <a:xfrm>
-              <a:off x="5624616" y="8844410"/>
+              <a:off x="5624616" y="8841870"/>
               <a:ext cx="147154" cy="171514"/>
             </a:xfrm>
             <a:prstGeom prst="rect">
@@ -12784,8 +12784,8 @@
             </a:p>
           </p:txBody>
         </p:sp>
-        <mc:AlternateContent xmlns:mc="http://schemas.openxmlformats.org/markup-compatibility/2006" xmlns:a14="http://schemas.microsoft.com/office/drawing/2010/main">
-          <mc:Choice Requires="a14">
+        <mc:AlternateContent xmlns:mc="http://schemas.openxmlformats.org/markup-compatibility/2006">
+          <mc:Choice xmlns:a14="http://schemas.microsoft.com/office/drawing/2010/main" Requires="a14">
             <p:sp>
               <p:nvSpPr>
                 <p:cNvPr id="239" name="TextBox 238">
@@ -12800,7 +12800,7 @@
               </p:nvSpPr>
               <p:spPr>
                 <a:xfrm>
-                  <a:off x="2746503" y="3946575"/>
+                  <a:off x="2746503" y="3956735"/>
                   <a:ext cx="1177318" cy="369332"/>
                 </a:xfrm>
                 <a:prstGeom prst="rect">
@@ -12911,7 +12911,7 @@
               </p:txBody>
             </p:sp>
           </mc:Choice>
-          <mc:Fallback xmlns="">
+          <mc:Fallback>
             <p:sp>
               <p:nvSpPr>
                 <p:cNvPr id="239" name="TextBox 238">
@@ -12928,7 +12928,7 @@
               </p:nvSpPr>
               <p:spPr>
                 <a:xfrm>
-                  <a:off x="2746503" y="3946575"/>
+                  <a:off x="2746503" y="3956735"/>
                   <a:ext cx="1177318" cy="369332"/>
                 </a:xfrm>
                 <a:prstGeom prst="rect">
@@ -12956,8 +12956,8 @@
             </p:sp>
           </mc:Fallback>
         </mc:AlternateContent>
-        <mc:AlternateContent xmlns:mc="http://schemas.openxmlformats.org/markup-compatibility/2006" xmlns:a14="http://schemas.microsoft.com/office/drawing/2010/main">
-          <mc:Choice Requires="a14">
+        <mc:AlternateContent xmlns:mc="http://schemas.openxmlformats.org/markup-compatibility/2006">
+          <mc:Choice xmlns:a14="http://schemas.microsoft.com/office/drawing/2010/main" Requires="a14">
             <p:sp>
               <p:nvSpPr>
                 <p:cNvPr id="242" name="TextBox 241">
@@ -13083,7 +13083,7 @@
               </p:txBody>
             </p:sp>
           </mc:Choice>
-          <mc:Fallback xmlns="">
+          <mc:Fallback>
             <p:sp>
               <p:nvSpPr>
                 <p:cNvPr id="242" name="TextBox 241">
@@ -13142,7 +13142,7 @@
           </p:nvSpPr>
           <p:spPr>
             <a:xfrm>
-              <a:off x="5487201" y="8709817"/>
+              <a:off x="5487201" y="8691263"/>
               <a:ext cx="997389" cy="369332"/>
             </a:xfrm>
             <a:prstGeom prst="rect">
@@ -13168,8 +13168,8 @@
             </a:p>
           </p:txBody>
         </p:sp>
-        <mc:AlternateContent xmlns:mc="http://schemas.openxmlformats.org/markup-compatibility/2006" xmlns:a14="http://schemas.microsoft.com/office/drawing/2010/main">
-          <mc:Choice Requires="a14">
+        <mc:AlternateContent xmlns:mc="http://schemas.openxmlformats.org/markup-compatibility/2006">
+          <mc:Choice xmlns:a14="http://schemas.microsoft.com/office/drawing/2010/main" Requires="a14">
             <p:sp>
               <p:nvSpPr>
                 <p:cNvPr id="249" name="TextBox 248">
@@ -13295,7 +13295,7 @@
               </p:txBody>
             </p:sp>
           </mc:Choice>
-          <mc:Fallback xmlns="">
+          <mc:Fallback>
             <p:sp>
               <p:nvSpPr>
                 <p:cNvPr id="249" name="TextBox 248">
@@ -13340,8 +13340,8 @@
             </p:sp>
           </mc:Fallback>
         </mc:AlternateContent>
-        <mc:AlternateContent xmlns:mc="http://schemas.openxmlformats.org/markup-compatibility/2006" xmlns:a14="http://schemas.microsoft.com/office/drawing/2010/main">
-          <mc:Choice Requires="a14">
+        <mc:AlternateContent xmlns:mc="http://schemas.openxmlformats.org/markup-compatibility/2006">
+          <mc:Choice xmlns:a14="http://schemas.microsoft.com/office/drawing/2010/main" Requires="a14">
             <p:sp>
               <p:nvSpPr>
                 <p:cNvPr id="250" name="TextBox 249">
@@ -13356,7 +13356,7 @@
               </p:nvSpPr>
               <p:spPr>
                 <a:xfrm>
-                  <a:off x="6618555" y="2191431"/>
+                  <a:off x="6618555" y="1795191"/>
                   <a:ext cx="1177318" cy="390748"/>
                 </a:xfrm>
                 <a:prstGeom prst="rect">
@@ -13467,7 +13467,7 @@
               </p:txBody>
             </p:sp>
           </mc:Choice>
-          <mc:Fallback xmlns="">
+          <mc:Fallback>
             <p:sp>
               <p:nvSpPr>
                 <p:cNvPr id="250" name="TextBox 249">
@@ -13484,7 +13484,7 @@
               </p:nvSpPr>
               <p:spPr>
                 <a:xfrm>
-                  <a:off x="6618555" y="2191431"/>
+                  <a:off x="6618555" y="1795191"/>
                   <a:ext cx="1177318" cy="390748"/>
                 </a:xfrm>
                 <a:prstGeom prst="rect">
@@ -13512,8 +13512,8 @@
             </p:sp>
           </mc:Fallback>
         </mc:AlternateContent>
-        <mc:AlternateContent xmlns:mc="http://schemas.openxmlformats.org/markup-compatibility/2006" xmlns:a14="http://schemas.microsoft.com/office/drawing/2010/main">
-          <mc:Choice Requires="a14">
+        <mc:AlternateContent xmlns:mc="http://schemas.openxmlformats.org/markup-compatibility/2006">
+          <mc:Choice xmlns:a14="http://schemas.microsoft.com/office/drawing/2010/main" Requires="a14">
             <p:sp>
               <p:nvSpPr>
                 <p:cNvPr id="253" name="TextBox 252">
@@ -13639,7 +13639,7 @@
               </p:txBody>
             </p:sp>
           </mc:Choice>
-          <mc:Fallback xmlns="">
+          <mc:Fallback>
             <p:sp>
               <p:nvSpPr>
                 <p:cNvPr id="253" name="TextBox 252">
@@ -13663,7 +13663,7 @@
                   <a:avLst/>
                 </a:prstGeom>
                 <a:blipFill>
-                  <a:blip r:embed="rId12"/>
+                  <a:blip r:embed="rId11"/>
                   <a:stretch>
                     <a:fillRect l="-2151" r="-1075" b="-9375"/>
                   </a:stretch>
@@ -13684,8 +13684,8 @@
             </p:sp>
           </mc:Fallback>
         </mc:AlternateContent>
-        <mc:AlternateContent xmlns:mc="http://schemas.openxmlformats.org/markup-compatibility/2006" xmlns:a14="http://schemas.microsoft.com/office/drawing/2010/main">
-          <mc:Choice Requires="a14">
+        <mc:AlternateContent xmlns:mc="http://schemas.openxmlformats.org/markup-compatibility/2006">
+          <mc:Choice xmlns:a14="http://schemas.microsoft.com/office/drawing/2010/main" Requires="a14">
             <p:sp>
               <p:nvSpPr>
                 <p:cNvPr id="254" name="TextBox 253">
@@ -13700,7 +13700,7 @@
               </p:nvSpPr>
               <p:spPr>
                 <a:xfrm>
-                  <a:off x="6639885" y="1037359"/>
+                  <a:off x="6639885" y="641119"/>
                   <a:ext cx="1177318" cy="390748"/>
                 </a:xfrm>
                 <a:prstGeom prst="rect">
@@ -13811,7 +13811,7 @@
               </p:txBody>
             </p:sp>
           </mc:Choice>
-          <mc:Fallback xmlns="">
+          <mc:Fallback>
             <p:sp>
               <p:nvSpPr>
                 <p:cNvPr id="254" name="TextBox 253">
@@ -13828,16 +13828,16 @@
               </p:nvSpPr>
               <p:spPr>
                 <a:xfrm>
-                  <a:off x="6639885" y="1037359"/>
+                  <a:off x="6639885" y="641119"/>
                   <a:ext cx="1177318" cy="390748"/>
                 </a:xfrm>
                 <a:prstGeom prst="rect">
                   <a:avLst/>
                 </a:prstGeom>
                 <a:blipFill>
-                  <a:blip r:embed="rId13"/>
+                  <a:blip r:embed="rId12"/>
                   <a:stretch>
-                    <a:fillRect l="-1064" r="-1064" b="-9375"/>
+                    <a:fillRect l="-1064" r="-1064" b="-6250"/>
                   </a:stretch>
                 </a:blipFill>
               </p:spPr>
@@ -13872,7 +13872,7 @@
           </p:nvCxnSpPr>
           <p:spPr>
             <a:xfrm flipV="1">
-              <a:off x="6618555" y="1004400"/>
+              <a:off x="6618555" y="608160"/>
               <a:ext cx="1852" cy="434694"/>
             </a:xfrm>
             <a:prstGeom prst="straightConnector1">
@@ -13900,8 +13900,8 @@
             </a:fontRef>
           </p:style>
         </p:cxnSp>
-        <mc:AlternateContent xmlns:mc="http://schemas.openxmlformats.org/markup-compatibility/2006" xmlns:a14="http://schemas.microsoft.com/office/drawing/2010/main">
-          <mc:Choice Requires="a14">
+        <mc:AlternateContent xmlns:mc="http://schemas.openxmlformats.org/markup-compatibility/2006">
+          <mc:Choice xmlns:a14="http://schemas.microsoft.com/office/drawing/2010/main" Requires="a14">
             <p:sp>
               <p:nvSpPr>
                 <p:cNvPr id="264" name="TextBox 263">
@@ -14027,7 +14027,7 @@
               </p:txBody>
             </p:sp>
           </mc:Choice>
-          <mc:Fallback xmlns="">
+          <mc:Fallback>
             <p:sp>
               <p:nvSpPr>
                 <p:cNvPr id="264" name="TextBox 263">
@@ -14051,7 +14051,7 @@
                   <a:avLst/>
                 </a:prstGeom>
                 <a:blipFill>
-                  <a:blip r:embed="rId14"/>
+                  <a:blip r:embed="rId13"/>
                   <a:stretch>
                     <a:fillRect b="-16667"/>
                   </a:stretch>
@@ -14086,7 +14086,7 @@
           </p:nvGrpSpPr>
           <p:grpSpPr>
             <a:xfrm>
-              <a:off x="2094624" y="8674141"/>
+              <a:off x="2094624" y="8684301"/>
               <a:ext cx="648323" cy="977803"/>
               <a:chOff x="2055807" y="8826741"/>
               <a:chExt cx="648323" cy="977803"/>
@@ -14241,7 +14241,7 @@
           </p:nvSpPr>
           <p:spPr>
             <a:xfrm>
-              <a:off x="2473045" y="8895095"/>
+              <a:off x="2473045" y="8905255"/>
               <a:ext cx="244610" cy="114220"/>
             </a:xfrm>
             <a:prstGeom prst="rect">
@@ -14293,7 +14293,7 @@
           </p:nvSpPr>
           <p:spPr>
             <a:xfrm>
-              <a:off x="2141425" y="8893320"/>
+              <a:off x="2141425" y="8903480"/>
               <a:ext cx="244610" cy="114220"/>
             </a:xfrm>
             <a:prstGeom prst="rect">
@@ -14345,7 +14345,7 @@
           </p:nvSpPr>
           <p:spPr>
             <a:xfrm>
-              <a:off x="1823147" y="8890581"/>
+              <a:off x="1823147" y="8900741"/>
               <a:ext cx="244610" cy="114220"/>
             </a:xfrm>
             <a:prstGeom prst="rect">
@@ -14397,7 +14397,7 @@
           </p:nvSpPr>
           <p:spPr>
             <a:xfrm>
-              <a:off x="1765035" y="8700029"/>
+              <a:off x="1765035" y="8710189"/>
               <a:ext cx="997389" cy="369332"/>
             </a:xfrm>
             <a:prstGeom prst="rect">
